--- a/docs/13-09-26 Cross-platform mobile development with C#.pptx
+++ b/docs/13-09-26 Cross-platform mobile development with C#.pptx
@@ -6896,7 +6896,7 @@
         </p:nvSpPr>
         <p:spPr/>
         <p:txBody>
-          <a:bodyPr anchor="b" anchorCtr="0"/>
+          <a:bodyPr anchor="t" anchorCtr="0"/>
           <a:lstStyle/>
           <a:p>
             <a:r>
@@ -7975,11 +7975,7 @@
             <a:pPr lvl="0"/>
             <a:r>
               <a:rPr lang="en-US" dirty="0" smtClean="0"/>
-              <a:t>SQLite with </a:t>
-            </a:r>
-            <a:r>
-              <a:rPr lang="en-US" dirty="0" err="1" smtClean="0"/>
-              <a:t>Linq</a:t>
+              <a:t>SQLite with LINQ</a:t>
             </a:r>
             <a:endParaRPr lang="en-US" dirty="0"/>
           </a:p>
@@ -10850,7 +10846,7 @@
             </a:pPr>
             <a:r>
               <a:rPr lang="en-US" dirty="0" smtClean="0"/>
-              <a:t>Introduction					5’	</a:t>
+              <a:t>Introduction					10’	</a:t>
             </a:r>
             <a:r>
               <a:rPr lang="en-US" dirty="0" err="1" smtClean="0"/>
@@ -10876,8 +10872,21 @@
             <a:pPr marL="995363" lvl="2" indent="-457200"/>
             <a:r>
               <a:rPr lang="en-US" dirty="0" smtClean="0"/>
-              <a:t>Why cross-platform?</a:t>
-            </a:r>
+              <a:t>Code-sharing using </a:t>
+            </a:r>
+            <a:r>
+              <a:rPr lang="en-US" dirty="0" err="1" smtClean="0"/>
+              <a:t>Xamarin</a:t>
+            </a:r>
+            <a:r>
+              <a:rPr lang="en-US" dirty="0" smtClean="0"/>
+              <a:t> and </a:t>
+            </a:r>
+            <a:r>
+              <a:rPr lang="en-US" dirty="0" err="1" smtClean="0"/>
+              <a:t>MvvmCross</a:t>
+            </a:r>
+            <a:endParaRPr lang="en-US" dirty="0" smtClean="0"/>
           </a:p>
           <a:p>
             <a:pPr marL="457200" indent="-457200">
@@ -10922,7 +10931,7 @@
             </a:r>
             <a:r>
               <a:rPr lang="en-US" dirty="0" smtClean="0"/>
-              <a:t>essenger”	45’	</a:t>
+              <a:t>essenger”	40’	</a:t>
             </a:r>
             <a:r>
               <a:rPr lang="en-US" dirty="0" err="1" smtClean="0"/>
@@ -11222,7 +11231,7 @@
             <a:pPr lvl="1"/>
             <a:r>
               <a:rPr lang="en-US" dirty="0" smtClean="0"/>
-              <a:t>Cloud service (Azure) providing a REST API%</a:t>
+              <a:t>Cloud service (Azure) providing a REST API</a:t>
             </a:r>
           </a:p>
           <a:p>
@@ -11251,13 +11260,17 @@
         </p:nvSpPr>
         <p:spPr>
           <a:xfrm>
-            <a:off x="539552" y="3845285"/>
+            <a:off x="459635" y="3845285"/>
             <a:ext cx="4896544" cy="1825302"/>
           </a:xfrm>
           <a:prstGeom prst="rect">
             <a:avLst/>
           </a:prstGeom>
-          <a:ln w="28575"/>
+          <a:ln w="28575">
+            <a:solidFill>
+              <a:schemeClr val="tx1"/>
+            </a:solidFill>
+          </a:ln>
         </p:spPr>
         <p:style>
           <a:lnRef idx="2">
@@ -11347,13 +11360,15 @@
       <p:cxnSp>
         <p:nvCxnSpPr>
           <p:cNvPr id="17" name="Straight Arrow Connector 16"/>
-          <p:cNvCxnSpPr/>
+          <p:cNvCxnSpPr>
+            <a:stCxn id="15" idx="3"/>
+          </p:cNvCxnSpPr>
           <p:nvPr/>
         </p:nvCxnSpPr>
         <p:spPr>
           <a:xfrm>
-            <a:off x="5031924" y="4789270"/>
-            <a:ext cx="1107562" cy="1"/>
+            <a:off x="4952007" y="4789270"/>
+            <a:ext cx="1187479" cy="1"/>
           </a:xfrm>
           <a:prstGeom prst="straightConnector1">
             <a:avLst/>
@@ -11389,8 +11404,8 @@
         </p:nvSpPr>
         <p:spPr>
           <a:xfrm>
-            <a:off x="2037049" y="3660619"/>
-            <a:ext cx="1996060" cy="369332"/>
+            <a:off x="2005596" y="3660619"/>
+            <a:ext cx="1907895" cy="369332"/>
           </a:xfrm>
           <a:prstGeom prst="rect">
             <a:avLst/>
@@ -11408,17 +11423,11 @@
             <a:pPr algn="ctr"/>
             <a:r>
               <a:rPr lang="en-US" dirty="0" smtClean="0">
-                <a:solidFill>
-                  <a:srgbClr val="A5CDFE"/>
-                </a:solidFill>
                 <a:latin typeface="+mj-lt"/>
               </a:rPr>
-              <a:t>Customer manager</a:t>
+              <a:t>Zühlke Messenger</a:t>
             </a:r>
             <a:endParaRPr lang="en-US" dirty="0">
-              <a:solidFill>
-                <a:srgbClr val="A5CDFE"/>
-              </a:solidFill>
               <a:latin typeface="+mj-lt"/>
             </a:endParaRPr>
           </a:p>
@@ -11432,20 +11441,23 @@
         </p:nvSpPr>
         <p:spPr>
           <a:xfrm>
-            <a:off x="5252922" y="4804290"/>
-            <a:ext cx="679994" cy="369332"/>
+            <a:off x="5071023" y="4808507"/>
+            <a:ext cx="553781" cy="276999"/>
           </a:xfrm>
           <a:prstGeom prst="rect">
             <a:avLst/>
           </a:prstGeom>
-          <a:noFill/>
-        </p:spPr>
-        <p:txBody>
-          <a:bodyPr wrap="none" rtlCol="0">
+          <a:solidFill>
+            <a:schemeClr val="bg1"/>
+          </a:solidFill>
+        </p:spPr>
+        <p:txBody>
+          <a:bodyPr wrap="square" lIns="0" tIns="0" rIns="0" bIns="0" rtlCol="0">
             <a:spAutoFit/>
           </a:bodyPr>
           <a:lstStyle/>
           <a:p>
+            <a:pPr algn="ctr"/>
             <a:r>
               <a:rPr lang="en-US" dirty="0" smtClean="0"/>
               <a:t>HTTP</a:t>
@@ -11658,7 +11670,7 @@
         </p:nvSpPr>
         <p:spPr>
           <a:xfrm>
-            <a:off x="651105" y="4029951"/>
+            <a:off x="571188" y="4029951"/>
             <a:ext cx="2851560" cy="1537719"/>
           </a:xfrm>
           <a:prstGeom prst="rect">
@@ -11705,7 +11717,7 @@
         </p:nvSpPr>
         <p:spPr>
           <a:xfrm>
-            <a:off x="3275540" y="4362645"/>
+            <a:off x="3195623" y="4362645"/>
             <a:ext cx="1756384" cy="853250"/>
           </a:xfrm>
           <a:prstGeom prst="roundRect">
@@ -11768,6 +11780,111 @@
               <a:solidFill>
                 <a:schemeClr val="tx1"/>
               </a:solidFill>
+            </a:endParaRPr>
+          </a:p>
+        </p:txBody>
+      </p:sp>
+      <p:sp>
+        <p:nvSpPr>
+          <p:cNvPr id="25" name="Rectangle 24"/>
+          <p:cNvSpPr/>
+          <p:nvPr/>
+        </p:nvSpPr>
+        <p:spPr>
+          <a:xfrm rot="19911849">
+            <a:off x="3263277" y="4274400"/>
+            <a:ext cx="1689886" cy="923330"/>
+          </a:xfrm>
+          <a:prstGeom prst="rect">
+            <a:avLst/>
+          </a:prstGeom>
+          <a:noFill/>
+        </p:spPr>
+        <p:txBody>
+          <a:bodyPr wrap="none" lIns="91440" tIns="45720" rIns="91440" bIns="45720">
+            <a:spAutoFit/>
+          </a:bodyPr>
+          <a:lstStyle/>
+          <a:p>
+            <a:pPr algn="ctr"/>
+            <a:r>
+              <a:rPr lang="en-US" sz="5400" b="1" cap="none" spc="300" dirty="0" smtClean="0">
+                <a:ln w="11430" cmpd="sng">
+                  <a:solidFill>
+                    <a:schemeClr val="accent1">
+                      <a:tint val="10000"/>
+                    </a:schemeClr>
+                  </a:solidFill>
+                  <a:prstDash val="solid"/>
+                  <a:miter lim="800000"/>
+                </a:ln>
+                <a:gradFill>
+                  <a:gsLst>
+                    <a:gs pos="10000">
+                      <a:schemeClr val="accent1">
+                        <a:tint val="83000"/>
+                        <a:shade val="100000"/>
+                        <a:satMod val="200000"/>
+                      </a:schemeClr>
+                    </a:gs>
+                    <a:gs pos="75000">
+                      <a:schemeClr val="accent1">
+                        <a:tint val="100000"/>
+                        <a:shade val="50000"/>
+                        <a:satMod val="150000"/>
+                      </a:schemeClr>
+                    </a:gs>
+                  </a:gsLst>
+                  <a:lin ang="5400000"/>
+                </a:gradFill>
+                <a:effectLst>
+                  <a:glow rad="45500">
+                    <a:schemeClr val="accent1">
+                      <a:satMod val="220000"/>
+                      <a:alpha val="35000"/>
+                    </a:schemeClr>
+                  </a:glow>
+                </a:effectLst>
+              </a:rPr>
+              <a:t>PCL?</a:t>
+            </a:r>
+            <a:endParaRPr lang="en-US" sz="5400" b="1" cap="none" spc="300" dirty="0">
+              <a:ln w="11430" cmpd="sng">
+                <a:solidFill>
+                  <a:schemeClr val="accent1">
+                    <a:tint val="10000"/>
+                  </a:schemeClr>
+                </a:solidFill>
+                <a:prstDash val="solid"/>
+                <a:miter lim="800000"/>
+              </a:ln>
+              <a:gradFill>
+                <a:gsLst>
+                  <a:gs pos="10000">
+                    <a:schemeClr val="accent1">
+                      <a:tint val="83000"/>
+                      <a:shade val="100000"/>
+                      <a:satMod val="200000"/>
+                    </a:schemeClr>
+                  </a:gs>
+                  <a:gs pos="75000">
+                    <a:schemeClr val="accent1">
+                      <a:tint val="100000"/>
+                      <a:shade val="50000"/>
+                      <a:satMod val="150000"/>
+                    </a:schemeClr>
+                  </a:gs>
+                </a:gsLst>
+                <a:lin ang="5400000"/>
+              </a:gradFill>
+              <a:effectLst>
+                <a:glow rad="45500">
+                  <a:schemeClr val="accent1">
+                    <a:satMod val="220000"/>
+                    <a:alpha val="35000"/>
+                  </a:schemeClr>
+                </a:glow>
+              </a:effectLst>
             </a:endParaRPr>
           </a:p>
         </p:txBody>
@@ -13921,13 +14038,13 @@
         </p:spPr>
         <p:style>
           <a:lnRef idx="0">
-            <a:schemeClr val="accent4"/>
+            <a:schemeClr val="accent1"/>
           </a:lnRef>
           <a:fillRef idx="3">
-            <a:schemeClr val="accent4"/>
+            <a:schemeClr val="accent1"/>
           </a:fillRef>
           <a:effectRef idx="3">
-            <a:schemeClr val="accent4"/>
+            <a:schemeClr val="accent1"/>
           </a:effectRef>
           <a:fontRef idx="minor">
             <a:schemeClr val="lt1"/>
@@ -13964,13 +14081,13 @@
         </p:spPr>
         <p:style>
           <a:lnRef idx="0">
-            <a:schemeClr val="accent4"/>
+            <a:schemeClr val="accent1"/>
           </a:lnRef>
           <a:fillRef idx="3">
-            <a:schemeClr val="accent4"/>
+            <a:schemeClr val="accent1"/>
           </a:fillRef>
           <a:effectRef idx="3">
-            <a:schemeClr val="accent4"/>
+            <a:schemeClr val="accent1"/>
           </a:effectRef>
           <a:fontRef idx="minor">
             <a:schemeClr val="lt1"/>
@@ -14489,23 +14606,15 @@
             <a:avLst/>
           </a:prstGeom>
           <a:solidFill>
-            <a:srgbClr val="A5CDFE"/>
+            <a:schemeClr val="accent1">
+              <a:lumMod val="60000"/>
+              <a:lumOff val="40000"/>
+            </a:schemeClr>
           </a:solidFill>
           <a:ln>
             <a:noFill/>
           </a:ln>
-          <a:extLst>
-            <a:ext uri="{91240B29-F687-4F45-9708-019B960494DF}">
-              <a14:hiddenLine xmlns:a14="http://schemas.microsoft.com/office/drawing/2010/main" w="9525">
-                <a:solidFill>
-                  <a:srgbClr val="000000"/>
-                </a:solidFill>
-                <a:miter lim="800000"/>
-                <a:headEnd/>
-                <a:tailEnd/>
-              </a14:hiddenLine>
-            </a:ext>
-          </a:extLst>
+          <a:extLst/>
         </p:spPr>
         <p:txBody>
           <a:bodyPr vert="horz" wrap="square" lIns="91440" tIns="45720" rIns="91440" bIns="45720" numCol="1" anchor="ctr" anchorCtr="0" compatLnSpc="1">
@@ -14724,23 +14833,15 @@
             <a:avLst/>
           </a:prstGeom>
           <a:solidFill>
-            <a:srgbClr val="A5CDFE"/>
+            <a:schemeClr val="accent1">
+              <a:lumMod val="60000"/>
+              <a:lumOff val="40000"/>
+            </a:schemeClr>
           </a:solidFill>
           <a:ln>
             <a:noFill/>
           </a:ln>
-          <a:extLst>
-            <a:ext uri="{91240B29-F687-4F45-9708-019B960494DF}">
-              <a14:hiddenLine xmlns:a14="http://schemas.microsoft.com/office/drawing/2010/main" w="9525">
-                <a:solidFill>
-                  <a:srgbClr val="000000"/>
-                </a:solidFill>
-                <a:miter lim="800000"/>
-                <a:headEnd/>
-                <a:tailEnd/>
-              </a14:hiddenLine>
-            </a:ext>
-          </a:extLst>
+          <a:extLst/>
         </p:spPr>
         <p:txBody>
           <a:bodyPr vert="horz" wrap="square" lIns="91440" tIns="45720" rIns="91440" bIns="45720" numCol="1" anchor="ctr" anchorCtr="0" compatLnSpc="1">
@@ -15517,44 +15618,14 @@
       </p:grpSpPr>
       <p:sp>
         <p:nvSpPr>
-          <p:cNvPr id="3" name="Titel 2"/>
-          <p:cNvSpPr>
-            <a:spLocks noGrp="1"/>
-          </p:cNvSpPr>
-          <p:nvPr>
-            <p:ph type="title"/>
-          </p:nvPr>
-        </p:nvSpPr>
-        <p:spPr/>
-        <p:txBody>
-          <a:bodyPr/>
-          <a:lstStyle/>
-          <a:p>
-            <a:pPr eaLnBrk="1" hangingPunct="1">
-              <a:defRPr/>
-            </a:pPr>
-            <a:r>
-              <a:rPr lang="en-US" dirty="0" smtClean="0"/>
-              <a:t>Die </a:t>
-            </a:r>
-            <a:r>
-              <a:rPr lang="en-US" dirty="0" err="1" smtClean="0"/>
-              <a:t>Architektur</a:t>
-            </a:r>
-            <a:endParaRPr lang="en-US" dirty="0"/>
-          </a:p>
-        </p:txBody>
-      </p:sp>
-      <p:sp>
-        <p:nvSpPr>
           <p:cNvPr id="15" name="Cloud 14"/>
           <p:cNvSpPr/>
           <p:nvPr/>
         </p:nvSpPr>
         <p:spPr>
           <a:xfrm>
-            <a:off x="3027752" y="4637373"/>
-            <a:ext cx="2912400" cy="1887971"/>
+            <a:off x="3027752" y="4820324"/>
+            <a:ext cx="2912400" cy="1816682"/>
           </a:xfrm>
           <a:prstGeom prst="cloud">
             <a:avLst/>
@@ -15626,96 +15697,55 @@
       </p:sp>
       <p:sp>
         <p:nvSpPr>
-          <p:cNvPr id="17" name="Rounded Rectangle 16"/>
+          <p:cNvPr id="3" name="Titel 2"/>
+          <p:cNvSpPr>
+            <a:spLocks noGrp="1"/>
+          </p:cNvSpPr>
+          <p:nvPr>
+            <p:ph type="title"/>
+          </p:nvPr>
+        </p:nvSpPr>
+        <p:spPr/>
+        <p:txBody>
+          <a:bodyPr/>
+          <a:lstStyle/>
+          <a:p>
+            <a:pPr eaLnBrk="1" hangingPunct="1">
+              <a:defRPr/>
+            </a:pPr>
+            <a:r>
+              <a:rPr lang="en-US" dirty="0" smtClean="0"/>
+              <a:t>Code sharing using</a:t>
+            </a:r>
+            <a:br>
+              <a:rPr lang="en-US" dirty="0" smtClean="0"/>
+            </a:br>
+            <a:r>
+              <a:rPr lang="en-US" dirty="0" err="1" smtClean="0"/>
+              <a:t>Xamarin</a:t>
+            </a:r>
+            <a:r>
+              <a:rPr lang="en-US" dirty="0" smtClean="0"/>
+              <a:t> and </a:t>
+            </a:r>
+            <a:r>
+              <a:rPr lang="en-US" dirty="0" err="1" smtClean="0"/>
+              <a:t>MvvmCross</a:t>
+            </a:r>
+            <a:endParaRPr lang="en-US" dirty="0"/>
+          </a:p>
+        </p:txBody>
+      </p:sp>
+      <p:sp>
+        <p:nvSpPr>
+          <p:cNvPr id="36" name="Rounded Rectangle 35"/>
           <p:cNvSpPr/>
           <p:nvPr/>
         </p:nvSpPr>
         <p:spPr>
           <a:xfrm>
-            <a:off x="1259864" y="2884176"/>
-            <a:ext cx="1296000" cy="853250"/>
-          </a:xfrm>
-          <a:prstGeom prst="roundRect">
-            <a:avLst/>
-          </a:prstGeom>
-          <a:ln/>
-        </p:spPr>
-        <p:style>
-          <a:lnRef idx="0">
-            <a:schemeClr val="accent1"/>
-          </a:lnRef>
-          <a:fillRef idx="3">
-            <a:schemeClr val="accent1"/>
-          </a:fillRef>
-          <a:effectRef idx="3">
-            <a:schemeClr val="accent1"/>
-          </a:effectRef>
-          <a:fontRef idx="minor">
-            <a:schemeClr val="lt1"/>
-          </a:fontRef>
-        </p:style>
-        <p:txBody>
-          <a:bodyPr rtlCol="0" anchor="ctr"/>
-          <a:lstStyle/>
-          <a:p>
-            <a:pPr algn="ctr"/>
-            <a:r>
-              <a:rPr lang="en-US" dirty="0" smtClean="0"/>
-              <a:t>BL</a:t>
-            </a:r>
-            <a:endParaRPr lang="en-US" dirty="0"/>
-          </a:p>
-        </p:txBody>
-      </p:sp>
-      <p:cxnSp>
-        <p:nvCxnSpPr>
-          <p:cNvPr id="18" name="Straight Arrow Connector 17"/>
-          <p:cNvCxnSpPr>
-            <a:stCxn id="17" idx="2"/>
-          </p:cNvCxnSpPr>
-          <p:nvPr/>
-        </p:nvCxnSpPr>
-        <p:spPr>
-          <a:xfrm>
-            <a:off x="1907864" y="3737426"/>
-            <a:ext cx="1733655" cy="1131734"/>
-          </a:xfrm>
-          <a:prstGeom prst="straightConnector1">
-            <a:avLst/>
-          </a:prstGeom>
-          <a:ln w="28575">
-            <a:solidFill>
-              <a:schemeClr val="tx1"/>
-            </a:solidFill>
-            <a:prstDash val="sysDash"/>
-            <a:tailEnd type="arrow" w="lg" len="lg"/>
-          </a:ln>
-        </p:spPr>
-        <p:style>
-          <a:lnRef idx="1">
-            <a:schemeClr val="accent1"/>
-          </a:lnRef>
-          <a:fillRef idx="0">
-            <a:schemeClr val="accent1"/>
-          </a:fillRef>
-          <a:effectRef idx="0">
-            <a:schemeClr val="accent1"/>
-          </a:effectRef>
-          <a:fontRef idx="minor">
-            <a:schemeClr val="tx1"/>
-          </a:fontRef>
-        </p:style>
-      </p:cxnSp>
-      <p:sp>
-        <p:nvSpPr>
-          <p:cNvPr id="23" name="Rounded Rectangle 22"/>
-          <p:cNvSpPr/>
-          <p:nvPr/>
-        </p:nvSpPr>
-        <p:spPr>
-          <a:xfrm>
-            <a:off x="1187784" y="1762465"/>
-            <a:ext cx="1440160" cy="2165415"/>
+            <a:off x="1349775" y="1742592"/>
+            <a:ext cx="1440000" cy="2943450"/>
           </a:xfrm>
           <a:prstGeom prst="roundRect">
             <a:avLst/>
@@ -15758,14 +15788,14 @@
       </p:sp>
       <p:sp>
         <p:nvSpPr>
-          <p:cNvPr id="29" name="Rounded Rectangle 28"/>
+          <p:cNvPr id="38" name="Rounded Rectangle 37"/>
           <p:cNvSpPr/>
           <p:nvPr/>
         </p:nvSpPr>
         <p:spPr>
           <a:xfrm>
-            <a:off x="3276096" y="2884176"/>
-            <a:ext cx="1296144" cy="853250"/>
+            <a:off x="1427874" y="3747258"/>
+            <a:ext cx="1296000" cy="853250"/>
           </a:xfrm>
           <a:prstGeom prst="roundRect">
             <a:avLst/>
@@ -15793,7 +15823,7 @@
             <a:pPr algn="ctr"/>
             <a:r>
               <a:rPr lang="en-US" dirty="0" smtClean="0"/>
-              <a:t>BL</a:t>
+              <a:t>Business layer</a:t>
             </a:r>
             <a:endParaRPr lang="en-US" dirty="0"/>
           </a:p>
@@ -15801,14 +15831,14 @@
       </p:sp>
       <p:sp>
         <p:nvSpPr>
-          <p:cNvPr id="30" name="Rounded Rectangle 29"/>
+          <p:cNvPr id="39" name="Rounded Rectangle 38"/>
           <p:cNvSpPr/>
           <p:nvPr/>
         </p:nvSpPr>
         <p:spPr>
           <a:xfrm>
-            <a:off x="3204168" y="1742592"/>
-            <a:ext cx="1440000" cy="2165415"/>
+            <a:off x="6268716" y="1767642"/>
+            <a:ext cx="1440000" cy="2943450"/>
           </a:xfrm>
           <a:prstGeom prst="roundRect">
             <a:avLst/>
@@ -15849,244 +15879,19 @@
           </a:p>
         </p:txBody>
       </p:sp>
-      <p:sp>
-        <p:nvSpPr>
-          <p:cNvPr id="35" name="Rounded Rectangle 34"/>
-          <p:cNvSpPr/>
-          <p:nvPr/>
-        </p:nvSpPr>
-        <p:spPr>
-          <a:xfrm>
-            <a:off x="4788176" y="2884176"/>
-            <a:ext cx="1296000" cy="853250"/>
-          </a:xfrm>
-          <a:prstGeom prst="roundRect">
-            <a:avLst/>
-          </a:prstGeom>
-          <a:ln/>
-        </p:spPr>
-        <p:style>
-          <a:lnRef idx="0">
-            <a:schemeClr val="accent1"/>
-          </a:lnRef>
-          <a:fillRef idx="3">
-            <a:schemeClr val="accent1"/>
-          </a:fillRef>
-          <a:effectRef idx="3">
-            <a:schemeClr val="accent1"/>
-          </a:effectRef>
-          <a:fontRef idx="minor">
-            <a:schemeClr val="lt1"/>
-          </a:fontRef>
-        </p:style>
-        <p:txBody>
-          <a:bodyPr rtlCol="0" anchor="ctr"/>
-          <a:lstStyle/>
-          <a:p>
-            <a:pPr algn="ctr"/>
-            <a:r>
-              <a:rPr lang="en-US" dirty="0" smtClean="0"/>
-              <a:t>BL</a:t>
-            </a:r>
-            <a:endParaRPr lang="en-US" dirty="0"/>
-          </a:p>
-        </p:txBody>
-      </p:sp>
-      <p:sp>
-        <p:nvSpPr>
-          <p:cNvPr id="36" name="Rounded Rectangle 35"/>
-          <p:cNvSpPr/>
-          <p:nvPr/>
-        </p:nvSpPr>
-        <p:spPr>
-          <a:xfrm>
-            <a:off x="4716176" y="1762466"/>
-            <a:ext cx="1440000" cy="2165415"/>
-          </a:xfrm>
-          <a:prstGeom prst="roundRect">
-            <a:avLst/>
-          </a:prstGeom>
-          <a:noFill/>
-          <a:ln w="38100" cmpd="sng">
-            <a:solidFill>
-              <a:schemeClr val="accent1"/>
-            </a:solidFill>
-          </a:ln>
-        </p:spPr>
-        <p:style>
-          <a:lnRef idx="2">
-            <a:schemeClr val="accent1">
-              <a:shade val="50000"/>
-            </a:schemeClr>
-          </a:lnRef>
-          <a:fillRef idx="1">
-            <a:schemeClr val="accent1"/>
-          </a:fillRef>
-          <a:effectRef idx="0">
-            <a:schemeClr val="accent1"/>
-          </a:effectRef>
-          <a:fontRef idx="minor">
-            <a:schemeClr val="lt1"/>
-          </a:fontRef>
-        </p:style>
-        <p:txBody>
-          <a:bodyPr rtlCol="0" anchor="t"/>
-          <a:lstStyle/>
-          <a:p>
-            <a:pPr algn="ctr"/>
-            <a:endParaRPr lang="en-US" dirty="0">
-              <a:solidFill>
-                <a:schemeClr val="tx1"/>
-              </a:solidFill>
-            </a:endParaRPr>
-          </a:p>
-        </p:txBody>
-      </p:sp>
-      <p:sp>
-        <p:nvSpPr>
-          <p:cNvPr id="38" name="Rounded Rectangle 37"/>
-          <p:cNvSpPr/>
-          <p:nvPr/>
-        </p:nvSpPr>
-        <p:spPr>
-          <a:xfrm>
-            <a:off x="6300344" y="2884176"/>
-            <a:ext cx="1296000" cy="853250"/>
-          </a:xfrm>
-          <a:prstGeom prst="roundRect">
-            <a:avLst/>
-          </a:prstGeom>
-          <a:ln/>
-        </p:spPr>
-        <p:style>
-          <a:lnRef idx="0">
-            <a:schemeClr val="accent1"/>
-          </a:lnRef>
-          <a:fillRef idx="3">
-            <a:schemeClr val="accent1"/>
-          </a:fillRef>
-          <a:effectRef idx="3">
-            <a:schemeClr val="accent1"/>
-          </a:effectRef>
-          <a:fontRef idx="minor">
-            <a:schemeClr val="lt1"/>
-          </a:fontRef>
-        </p:style>
-        <p:txBody>
-          <a:bodyPr rtlCol="0" anchor="ctr"/>
-          <a:lstStyle/>
-          <a:p>
-            <a:pPr algn="ctr"/>
-            <a:r>
-              <a:rPr lang="en-US" dirty="0" smtClean="0"/>
-              <a:t>BL</a:t>
-            </a:r>
-            <a:endParaRPr lang="en-US" dirty="0"/>
-          </a:p>
-        </p:txBody>
-      </p:sp>
-      <p:sp>
-        <p:nvSpPr>
-          <p:cNvPr id="39" name="Rounded Rectangle 38"/>
-          <p:cNvSpPr/>
-          <p:nvPr/>
-        </p:nvSpPr>
-        <p:spPr>
-          <a:xfrm>
-            <a:off x="6228344" y="1767641"/>
-            <a:ext cx="1440000" cy="2165415"/>
-          </a:xfrm>
-          <a:prstGeom prst="roundRect">
-            <a:avLst/>
-          </a:prstGeom>
-          <a:noFill/>
-          <a:ln w="38100" cmpd="sng">
-            <a:solidFill>
-              <a:schemeClr val="accent1"/>
-            </a:solidFill>
-          </a:ln>
-        </p:spPr>
-        <p:style>
-          <a:lnRef idx="2">
-            <a:schemeClr val="accent1">
-              <a:shade val="50000"/>
-            </a:schemeClr>
-          </a:lnRef>
-          <a:fillRef idx="1">
-            <a:schemeClr val="accent1"/>
-          </a:fillRef>
-          <a:effectRef idx="0">
-            <a:schemeClr val="accent1"/>
-          </a:effectRef>
-          <a:fontRef idx="minor">
-            <a:schemeClr val="lt1"/>
-          </a:fontRef>
-        </p:style>
-        <p:txBody>
-          <a:bodyPr rtlCol="0" anchor="t"/>
-          <a:lstStyle/>
-          <a:p>
-            <a:pPr algn="ctr"/>
-            <a:endParaRPr lang="en-US" dirty="0">
-              <a:solidFill>
-                <a:schemeClr val="tx1"/>
-              </a:solidFill>
-            </a:endParaRPr>
-          </a:p>
-        </p:txBody>
-      </p:sp>
-      <p:cxnSp>
-        <p:nvCxnSpPr>
-          <p:cNvPr id="41" name="Straight Arrow Connector 40"/>
-          <p:cNvCxnSpPr>
-            <a:stCxn id="29" idx="2"/>
-            <a:endCxn id="15" idx="3"/>
-          </p:cNvCxnSpPr>
-          <p:nvPr/>
-        </p:nvCxnSpPr>
-        <p:spPr>
-          <a:xfrm>
-            <a:off x="3924168" y="3737426"/>
-            <a:ext cx="559784" cy="1007893"/>
-          </a:xfrm>
-          <a:prstGeom prst="straightConnector1">
-            <a:avLst/>
-          </a:prstGeom>
-          <a:ln w="28575">
-            <a:solidFill>
-              <a:schemeClr val="tx1"/>
-            </a:solidFill>
-            <a:prstDash val="sysDash"/>
-            <a:tailEnd type="arrow" w="lg" len="lg"/>
-          </a:ln>
-        </p:spPr>
-        <p:style>
-          <a:lnRef idx="1">
-            <a:schemeClr val="accent1"/>
-          </a:lnRef>
-          <a:fillRef idx="0">
-            <a:schemeClr val="accent1"/>
-          </a:fillRef>
-          <a:effectRef idx="0">
-            <a:schemeClr val="accent1"/>
-          </a:effectRef>
-          <a:fontRef idx="minor">
-            <a:schemeClr val="tx1"/>
-          </a:fontRef>
-        </p:style>
-      </p:cxnSp>
       <p:cxnSp>
         <p:nvCxnSpPr>
           <p:cNvPr id="44" name="Straight Arrow Connector 43"/>
           <p:cNvCxnSpPr>
-            <a:stCxn id="35" idx="2"/>
+            <a:stCxn id="32" idx="2"/>
+            <a:endCxn id="15" idx="0"/>
           </p:cNvCxnSpPr>
           <p:nvPr/>
         </p:nvCxnSpPr>
         <p:spPr>
           <a:xfrm flipH="1">
-            <a:off x="4988168" y="3737426"/>
-            <a:ext cx="448008" cy="1007893"/>
+            <a:off x="5937725" y="4608203"/>
+            <a:ext cx="1052589" cy="1120462"/>
           </a:xfrm>
           <a:prstGeom prst="straightConnector1">
             <a:avLst/>
@@ -16119,13 +15924,14 @@
           <p:cNvPr id="47" name="Straight Arrow Connector 46"/>
           <p:cNvCxnSpPr>
             <a:stCxn id="38" idx="2"/>
+            <a:endCxn id="15" idx="2"/>
           </p:cNvCxnSpPr>
           <p:nvPr/>
         </p:nvCxnSpPr>
         <p:spPr>
-          <a:xfrm flipH="1">
-            <a:off x="5580112" y="3737426"/>
-            <a:ext cx="1368232" cy="1203742"/>
+          <a:xfrm>
+            <a:off x="2075874" y="4600508"/>
+            <a:ext cx="960912" cy="1128157"/>
           </a:xfrm>
           <a:prstGeom prst="straightConnector1">
             <a:avLst/>
@@ -16185,7 +15991,7 @@
         </p:blipFill>
         <p:spPr bwMode="auto">
           <a:xfrm>
-            <a:off x="5153527" y="1797583"/>
+            <a:off x="1787126" y="1777708"/>
             <a:ext cx="565299" cy="621768"/>
           </a:xfrm>
           <a:prstGeom prst="rect">
@@ -16239,7 +16045,7 @@
         </p:blipFill>
         <p:spPr bwMode="auto">
           <a:xfrm>
-            <a:off x="6659462" y="1821594"/>
+            <a:off x="6699834" y="1821594"/>
             <a:ext cx="577763" cy="671302"/>
           </a:xfrm>
           <a:prstGeom prst="rect">
@@ -16259,27 +16065,29 @@
       </p:pic>
       <p:pic>
         <p:nvPicPr>
-          <p:cNvPr id="14340" name="Picture 4" descr="http://photos.techfieber.de/wp-content/uploads/2011/05/microsoft-silverlight.jpg"/>
+          <p:cNvPr id="2052" name="Picture 4" descr="D:\Data\My Pictures\Icon Library\INCORS Vista Icon Library\v_collections_png\business_finance_data\128x128\shadow\data.png"/>
           <p:cNvPicPr>
             <a:picLocks noChangeAspect="1" noChangeArrowheads="1"/>
           </p:cNvPicPr>
           <p:nvPr/>
         </p:nvPicPr>
-        <p:blipFill rotWithShape="1">
-          <a:blip r:embed="rId6" cstate="print">
+        <p:blipFill>
+          <a:blip r:embed="rId6">
             <a:extLst>
               <a:ext uri="{28A0092B-C50C-407E-A947-70E740481C1C}">
                 <a14:useLocalDpi xmlns:a14="http://schemas.microsoft.com/office/drawing/2010/main" val="0"/>
               </a:ext>
             </a:extLst>
           </a:blip>
-          <a:srcRect l="15293" r="12397"/>
-          <a:stretch/>
+          <a:srcRect/>
+          <a:stretch>
+            <a:fillRect/>
+          </a:stretch>
         </p:blipFill>
         <p:spPr bwMode="auto">
           <a:xfrm>
-            <a:off x="1583102" y="1808057"/>
-            <a:ext cx="649524" cy="600821"/>
+            <a:off x="4072977" y="5516534"/>
+            <a:ext cx="977892" cy="977893"/>
           </a:xfrm>
           <a:prstGeom prst="rect">
             <a:avLst/>
@@ -16298,128 +16106,14 @@
       </p:pic>
       <p:sp>
         <p:nvSpPr>
-          <p:cNvPr id="61" name="Rounded Rectangle 60"/>
-          <p:cNvSpPr/>
-          <p:nvPr/>
-        </p:nvSpPr>
-        <p:spPr>
-          <a:xfrm>
-            <a:off x="1259632" y="2884176"/>
-            <a:ext cx="6336480" cy="853250"/>
-          </a:xfrm>
-          <a:prstGeom prst="roundRect">
-            <a:avLst/>
-          </a:prstGeom>
-          <a:ln/>
-        </p:spPr>
-        <p:style>
-          <a:lnRef idx="0">
-            <a:schemeClr val="accent1"/>
-          </a:lnRef>
-          <a:fillRef idx="3">
-            <a:schemeClr val="accent1"/>
-          </a:fillRef>
-          <a:effectRef idx="3">
-            <a:schemeClr val="accent1"/>
-          </a:effectRef>
-          <a:fontRef idx="minor">
-            <a:schemeClr val="lt1"/>
-          </a:fontRef>
-        </p:style>
-        <p:txBody>
-          <a:bodyPr rtlCol="0" anchor="ctr"/>
-          <a:lstStyle/>
-          <a:p>
-            <a:pPr algn="ctr"/>
-            <a:r>
-              <a:rPr lang="en-US" dirty="0" smtClean="0"/>
-              <a:t>Business Layer</a:t>
-            </a:r>
-            <a:endParaRPr lang="en-US" dirty="0"/>
-          </a:p>
-        </p:txBody>
-      </p:sp>
-      <p:pic>
-        <p:nvPicPr>
-          <p:cNvPr id="2052" name="Picture 4" descr="D:\Data\My Pictures\Icon Library\INCORS Vista Icon Library\v_collections_png\business_finance_data\128x128\shadow\data.png"/>
-          <p:cNvPicPr>
-            <a:picLocks noChangeAspect="1" noChangeArrowheads="1"/>
-          </p:cNvPicPr>
-          <p:nvPr/>
-        </p:nvPicPr>
-        <p:blipFill>
-          <a:blip r:embed="rId7">
-            <a:extLst>
-              <a:ext uri="{28A0092B-C50C-407E-A947-70E740481C1C}">
-                <a14:useLocalDpi xmlns:a14="http://schemas.microsoft.com/office/drawing/2010/main" val="0"/>
-              </a:ext>
-            </a:extLst>
-          </a:blip>
-          <a:srcRect/>
-          <a:stretch>
-            <a:fillRect/>
-          </a:stretch>
-        </p:blipFill>
-        <p:spPr bwMode="auto">
-          <a:xfrm>
-            <a:off x="3951514" y="5183784"/>
-            <a:ext cx="1219200" cy="1219201"/>
-          </a:xfrm>
-          <a:prstGeom prst="rect">
-            <a:avLst/>
-          </a:prstGeom>
-          <a:noFill/>
-          <a:extLst>
-            <a:ext uri="{909E8E84-426E-40DD-AFC4-6F175D3DCCD1}">
-              <a14:hiddenFill xmlns:a14="http://schemas.microsoft.com/office/drawing/2010/main">
-                <a:solidFill>
-                  <a:srgbClr val="FFFFFF"/>
-                </a:solidFill>
-              </a14:hiddenFill>
-            </a:ext>
-          </a:extLst>
-        </p:spPr>
-      </p:pic>
-      <p:sp>
-        <p:nvSpPr>
-          <p:cNvPr id="7" name="TextBox 6"/>
-          <p:cNvSpPr txBox="1"/>
-          <p:nvPr/>
-        </p:nvSpPr>
-        <p:spPr>
-          <a:xfrm>
-            <a:off x="3726590" y="5608718"/>
-            <a:ext cx="1410964" cy="369332"/>
-          </a:xfrm>
-          <a:prstGeom prst="rect">
-            <a:avLst/>
-          </a:prstGeom>
-          <a:noFill/>
-        </p:spPr>
-        <p:txBody>
-          <a:bodyPr wrap="none" rtlCol="0">
-            <a:spAutoFit/>
-          </a:bodyPr>
-          <a:lstStyle/>
-          <a:p>
-            <a:r>
-              <a:rPr lang="en-US" dirty="0" err="1" smtClean="0"/>
-              <a:t>Kundendaten</a:t>
-            </a:r>
-            <a:endParaRPr lang="en-US" dirty="0"/>
-          </a:p>
-        </p:txBody>
-      </p:sp>
-      <p:sp>
-        <p:nvSpPr>
           <p:cNvPr id="60" name="Rounded Rectangle 59"/>
           <p:cNvSpPr/>
           <p:nvPr/>
         </p:nvSpPr>
         <p:spPr>
           <a:xfrm>
-            <a:off x="4788176" y="2466374"/>
-            <a:ext cx="1296000" cy="358925"/>
+            <a:off x="1421775" y="2537664"/>
+            <a:ext cx="1296000" cy="748758"/>
           </a:xfrm>
           <a:prstGeom prst="roundRect">
             <a:avLst/>
@@ -16475,7 +16169,7 @@
                   <a:srgbClr val="000000"/>
                 </a:solidFill>
               </a:rPr>
-              <a:t>UI</a:t>
+              <a:t>User interface</a:t>
             </a:r>
             <a:endParaRPr lang="en-US" dirty="0">
               <a:solidFill>
@@ -16487,14 +16181,14 @@
       </p:sp>
       <p:sp>
         <p:nvSpPr>
-          <p:cNvPr id="28" name="Rounded Rectangle 27"/>
+          <p:cNvPr id="40" name="Rounded Rectangle 39"/>
           <p:cNvSpPr/>
           <p:nvPr/>
         </p:nvSpPr>
         <p:spPr>
           <a:xfrm>
-            <a:off x="1259864" y="2466374"/>
-            <a:ext cx="1296000" cy="358925"/>
+            <a:off x="6340716" y="2537664"/>
+            <a:ext cx="1296000" cy="748758"/>
           </a:xfrm>
           <a:prstGeom prst="roundRect">
             <a:avLst/>
@@ -16550,7 +16244,7 @@
                   <a:srgbClr val="000000"/>
                 </a:solidFill>
               </a:rPr>
-              <a:t>UI</a:t>
+              <a:t>User interface</a:t>
             </a:r>
             <a:endParaRPr lang="en-US" dirty="0">
               <a:solidFill>
@@ -16562,14 +16256,165 @@
       </p:sp>
       <p:sp>
         <p:nvSpPr>
-          <p:cNvPr id="37" name="Rounded Rectangle 36"/>
+          <p:cNvPr id="6" name="Footer Placeholder 5"/>
+          <p:cNvSpPr>
+            <a:spLocks noGrp="1"/>
+          </p:cNvSpPr>
+          <p:nvPr>
+            <p:ph type="ftr" sz="quarter" idx="11"/>
+          </p:nvPr>
+        </p:nvSpPr>
+        <p:spPr/>
+        <p:txBody>
+          <a:bodyPr/>
+          <a:lstStyle/>
+          <a:p>
+            <a:r>
+              <a:rPr lang="en-US" smtClean="0"/>
+              <a:t>Cross-platform mobile development | Ursin Brunner, Stefan Schöb, Oliver Brack</a:t>
+            </a:r>
+            <a:endParaRPr lang="en-US" dirty="0"/>
+          </a:p>
+        </p:txBody>
+      </p:sp>
+      <p:sp>
+        <p:nvSpPr>
+          <p:cNvPr id="5" name="Date Placeholder 4"/>
+          <p:cNvSpPr>
+            <a:spLocks noGrp="1"/>
+          </p:cNvSpPr>
+          <p:nvPr>
+            <p:ph type="dt" sz="half" idx="10"/>
+          </p:nvPr>
+        </p:nvSpPr>
+        <p:spPr/>
+        <p:txBody>
+          <a:bodyPr/>
+          <a:lstStyle/>
+          <a:p>
+            <a:r>
+              <a:rPr lang="en-US" smtClean="0"/>
+              <a:t>26. September 2013</a:t>
+            </a:r>
+            <a:endParaRPr lang="de-CH" dirty="0"/>
+          </a:p>
+        </p:txBody>
+      </p:sp>
+      <p:sp>
+        <p:nvSpPr>
+          <p:cNvPr id="8" name="Slide Number Placeholder 7"/>
+          <p:cNvSpPr>
+            <a:spLocks noGrp="1"/>
+          </p:cNvSpPr>
+          <p:nvPr>
+            <p:ph type="sldNum" sz="quarter" idx="12"/>
+          </p:nvPr>
+        </p:nvSpPr>
+        <p:spPr/>
+        <p:txBody>
+          <a:bodyPr/>
+          <a:lstStyle/>
+          <a:p>
+            <a:r>
+              <a:rPr lang="de-CH" smtClean="0"/>
+              <a:t>Slide </a:t>
+            </a:r>
+            <a:fld id="{0C82C0D9-F107-44F9-972C-8854FA9B0A74}" type="slidenum">
+              <a:rPr lang="de-CH" smtClean="0"/>
+              <a:t>9</a:t>
+            </a:fld>
+            <a:endParaRPr lang="de-CH" dirty="0"/>
+          </a:p>
+        </p:txBody>
+      </p:sp>
+      <p:sp>
+        <p:nvSpPr>
+          <p:cNvPr id="32" name="Rounded Rectangle 31"/>
           <p:cNvSpPr/>
           <p:nvPr/>
         </p:nvSpPr>
         <p:spPr>
           <a:xfrm>
-            <a:off x="3276096" y="2466374"/>
-            <a:ext cx="1296144" cy="358925"/>
+            <a:off x="6342314" y="3754953"/>
+            <a:ext cx="1296000" cy="853250"/>
+          </a:xfrm>
+          <a:prstGeom prst="roundRect">
+            <a:avLst/>
+          </a:prstGeom>
+          <a:ln/>
+        </p:spPr>
+        <p:style>
+          <a:lnRef idx="0">
+            <a:schemeClr val="accent1"/>
+          </a:lnRef>
+          <a:fillRef idx="3">
+            <a:schemeClr val="accent1"/>
+          </a:fillRef>
+          <a:effectRef idx="3">
+            <a:schemeClr val="accent1"/>
+          </a:effectRef>
+          <a:fontRef idx="minor">
+            <a:schemeClr val="lt1"/>
+          </a:fontRef>
+        </p:style>
+        <p:txBody>
+          <a:bodyPr rtlCol="0" anchor="ctr"/>
+          <a:lstStyle/>
+          <a:p>
+            <a:pPr algn="ctr"/>
+            <a:r>
+              <a:rPr lang="en-US" dirty="0" smtClean="0"/>
+              <a:t>Business layer</a:t>
+            </a:r>
+            <a:endParaRPr lang="en-US" dirty="0"/>
+          </a:p>
+        </p:txBody>
+      </p:sp>
+      <p:sp>
+        <p:nvSpPr>
+          <p:cNvPr id="11" name="TextBox 10"/>
+          <p:cNvSpPr txBox="1"/>
+          <p:nvPr/>
+        </p:nvSpPr>
+        <p:spPr>
+          <a:xfrm>
+            <a:off x="1863018" y="5150467"/>
+            <a:ext cx="757362" cy="356445"/>
+          </a:xfrm>
+          <a:prstGeom prst="rect">
+            <a:avLst/>
+          </a:prstGeom>
+          <a:noFill/>
+        </p:spPr>
+        <p:txBody>
+          <a:bodyPr wrap="none" rtlCol="0">
+            <a:noAutofit/>
+          </a:bodyPr>
+          <a:lstStyle/>
+          <a:p>
+            <a:pPr algn="ctr"/>
+            <a:r>
+              <a:rPr lang="en-US" dirty="0" smtClean="0">
+                <a:latin typeface="AA Zuehlke" pitchFamily="2" charset="0"/>
+              </a:rPr>
+              <a:t>HTTP</a:t>
+            </a:r>
+            <a:endParaRPr lang="en-US" dirty="0" smtClean="0">
+              <a:latin typeface="AA Zuehlke" pitchFamily="2" charset="0"/>
+            </a:endParaRPr>
+          </a:p>
+        </p:txBody>
+      </p:sp>
+      <p:sp>
+        <p:nvSpPr>
+          <p:cNvPr id="42" name="Rounded Rectangle 41"/>
+          <p:cNvSpPr/>
+          <p:nvPr/>
+        </p:nvSpPr>
+        <p:spPr>
+          <a:xfrm>
+            <a:off x="1427874" y="2557540"/>
+            <a:ext cx="1296000" cy="354503"/>
           </a:xfrm>
           <a:prstGeom prst="roundRect">
             <a:avLst/>
@@ -16625,7 +16470,7 @@
                   <a:srgbClr val="000000"/>
                 </a:solidFill>
               </a:rPr>
-              <a:t>UI</a:t>
+              <a:t>View</a:t>
             </a:r>
             <a:endParaRPr lang="en-US" dirty="0">
               <a:solidFill>
@@ -16637,14 +16482,14 @@
       </p:sp>
       <p:sp>
         <p:nvSpPr>
-          <p:cNvPr id="40" name="Rounded Rectangle 39"/>
+          <p:cNvPr id="43" name="Rounded Rectangle 42"/>
           <p:cNvSpPr/>
           <p:nvPr/>
         </p:nvSpPr>
         <p:spPr>
           <a:xfrm>
-            <a:off x="6300344" y="2466374"/>
-            <a:ext cx="1296000" cy="358925"/>
+            <a:off x="1427874" y="2951795"/>
+            <a:ext cx="1296000" cy="354503"/>
           </a:xfrm>
           <a:prstGeom prst="roundRect">
             <a:avLst/>
@@ -16695,12 +16540,208 @@
           <a:p>
             <a:pPr algn="ctr"/>
             <a:r>
+              <a:rPr lang="en-US" dirty="0" err="1" smtClean="0">
+                <a:solidFill>
+                  <a:srgbClr val="000000"/>
+                </a:solidFill>
+              </a:rPr>
+              <a:t>ViewModel</a:t>
+            </a:r>
+            <a:endParaRPr lang="en-US" dirty="0">
+              <a:solidFill>
+                <a:srgbClr val="000000"/>
+              </a:solidFill>
+            </a:endParaRPr>
+          </a:p>
+        </p:txBody>
+      </p:sp>
+      <p:sp>
+        <p:nvSpPr>
+          <p:cNvPr id="46" name="Rounded Rectangle 45"/>
+          <p:cNvSpPr/>
+          <p:nvPr/>
+        </p:nvSpPr>
+        <p:spPr>
+          <a:xfrm>
+            <a:off x="1427874" y="3357711"/>
+            <a:ext cx="1296000" cy="356400"/>
+          </a:xfrm>
+          <a:prstGeom prst="roundRect">
+            <a:avLst/>
+          </a:prstGeom>
+          <a:ln/>
+        </p:spPr>
+        <p:style>
+          <a:lnRef idx="0">
+            <a:schemeClr val="accent1"/>
+          </a:lnRef>
+          <a:fillRef idx="3">
+            <a:schemeClr val="accent1"/>
+          </a:fillRef>
+          <a:effectRef idx="3">
+            <a:schemeClr val="accent1"/>
+          </a:effectRef>
+          <a:fontRef idx="minor">
+            <a:schemeClr val="lt1"/>
+          </a:fontRef>
+        </p:style>
+        <p:txBody>
+          <a:bodyPr rtlCol="0" anchor="ctr"/>
+          <a:lstStyle/>
+          <a:p>
+            <a:pPr algn="ctr"/>
+            <a:r>
+              <a:rPr lang="en-US" dirty="0" smtClean="0"/>
+              <a:t>Model</a:t>
+            </a:r>
+            <a:endParaRPr lang="en-US" dirty="0"/>
+          </a:p>
+        </p:txBody>
+      </p:sp>
+      <p:sp>
+        <p:nvSpPr>
+          <p:cNvPr id="48" name="Rounded Rectangle 47"/>
+          <p:cNvSpPr/>
+          <p:nvPr/>
+        </p:nvSpPr>
+        <p:spPr>
+          <a:xfrm>
+            <a:off x="6340715" y="3357711"/>
+            <a:ext cx="1296000" cy="356400"/>
+          </a:xfrm>
+          <a:prstGeom prst="roundRect">
+            <a:avLst/>
+          </a:prstGeom>
+          <a:ln/>
+        </p:spPr>
+        <p:style>
+          <a:lnRef idx="0">
+            <a:schemeClr val="accent1"/>
+          </a:lnRef>
+          <a:fillRef idx="3">
+            <a:schemeClr val="accent1"/>
+          </a:fillRef>
+          <a:effectRef idx="3">
+            <a:schemeClr val="accent1"/>
+          </a:effectRef>
+          <a:fontRef idx="minor">
+            <a:schemeClr val="lt1"/>
+          </a:fontRef>
+        </p:style>
+        <p:txBody>
+          <a:bodyPr rtlCol="0" anchor="ctr"/>
+          <a:lstStyle/>
+          <a:p>
+            <a:pPr algn="ctr"/>
+            <a:r>
+              <a:rPr lang="en-US" dirty="0" smtClean="0"/>
+              <a:t>Model</a:t>
+            </a:r>
+            <a:endParaRPr lang="en-US" dirty="0"/>
+          </a:p>
+        </p:txBody>
+      </p:sp>
+      <p:sp>
+        <p:nvSpPr>
+          <p:cNvPr id="49" name="TextBox 48"/>
+          <p:cNvSpPr txBox="1"/>
+          <p:nvPr/>
+        </p:nvSpPr>
+        <p:spPr>
+          <a:xfrm>
+            <a:off x="6381042" y="5150467"/>
+            <a:ext cx="757362" cy="356445"/>
+          </a:xfrm>
+          <a:prstGeom prst="rect">
+            <a:avLst/>
+          </a:prstGeom>
+          <a:noFill/>
+        </p:spPr>
+        <p:txBody>
+          <a:bodyPr wrap="none" rtlCol="0">
+            <a:noAutofit/>
+          </a:bodyPr>
+          <a:lstStyle/>
+          <a:p>
+            <a:pPr algn="ctr"/>
+            <a:r>
+              <a:rPr lang="en-US" dirty="0" smtClean="0">
+                <a:latin typeface="AA Zuehlke" pitchFamily="2" charset="0"/>
+              </a:rPr>
+              <a:t>HTTP</a:t>
+            </a:r>
+            <a:endParaRPr lang="en-US" dirty="0" smtClean="0">
+              <a:latin typeface="AA Zuehlke" pitchFamily="2" charset="0"/>
+            </a:endParaRPr>
+          </a:p>
+        </p:txBody>
+      </p:sp>
+      <p:sp>
+        <p:nvSpPr>
+          <p:cNvPr id="50" name="Rounded Rectangle 49"/>
+          <p:cNvSpPr/>
+          <p:nvPr/>
+        </p:nvSpPr>
+        <p:spPr>
+          <a:xfrm>
+            <a:off x="6342314" y="2537664"/>
+            <a:ext cx="1296000" cy="354503"/>
+          </a:xfrm>
+          <a:prstGeom prst="roundRect">
+            <a:avLst/>
+          </a:prstGeom>
+          <a:gradFill flip="none" rotWithShape="1">
+            <a:gsLst>
+              <a:gs pos="0">
+                <a:schemeClr val="accent2">
+                  <a:shade val="30000"/>
+                  <a:satMod val="115000"/>
+                </a:schemeClr>
+              </a:gs>
+              <a:gs pos="50000">
+                <a:schemeClr val="accent2">
+                  <a:shade val="67500"/>
+                  <a:satMod val="115000"/>
+                </a:schemeClr>
+              </a:gs>
+              <a:gs pos="100000">
+                <a:schemeClr val="accent2">
+                  <a:shade val="100000"/>
+                  <a:satMod val="115000"/>
+                </a:schemeClr>
+              </a:gs>
+            </a:gsLst>
+            <a:lin ang="16200000" scaled="1"/>
+            <a:tileRect/>
+          </a:gradFill>
+          <a:ln/>
+        </p:spPr>
+        <p:style>
+          <a:lnRef idx="0">
+            <a:schemeClr val="accent2"/>
+          </a:lnRef>
+          <a:fillRef idx="3">
+            <a:schemeClr val="accent2"/>
+          </a:fillRef>
+          <a:effectRef idx="3">
+            <a:schemeClr val="accent2"/>
+          </a:effectRef>
+          <a:fontRef idx="minor">
+            <a:schemeClr val="lt1"/>
+          </a:fontRef>
+        </p:style>
+        <p:txBody>
+          <a:bodyPr rtlCol="0" anchor="ctr"/>
+          <a:lstStyle/>
+          <a:p>
+            <a:pPr algn="ctr"/>
+            <a:r>
               <a:rPr lang="en-US" dirty="0" smtClean="0">
                 <a:solidFill>
                   <a:srgbClr val="000000"/>
                 </a:solidFill>
               </a:rPr>
-              <a:t>UI</a:t>
+              <a:t>View</a:t>
             </a:r>
             <a:endParaRPr lang="en-US" dirty="0">
               <a:solidFill>
@@ -16710,117 +16751,309 @@
           </a:p>
         </p:txBody>
       </p:sp>
-      <p:pic>
-        <p:nvPicPr>
-          <p:cNvPr id="27" name="Picture 2" descr="http://haukeberg.files.wordpress.com/2012/02/wp_mango_logo.png"/>
-          <p:cNvPicPr>
-            <a:picLocks noChangeAspect="1" noChangeArrowheads="1"/>
-          </p:cNvPicPr>
+      <p:sp>
+        <p:nvSpPr>
+          <p:cNvPr id="51" name="Rounded Rectangle 50"/>
+          <p:cNvSpPr/>
           <p:nvPr/>
-        </p:nvPicPr>
-        <p:blipFill>
-          <a:blip r:embed="rId8" cstate="print">
-            <a:extLst>
-              <a:ext uri="{28A0092B-C50C-407E-A947-70E740481C1C}">
-                <a14:useLocalDpi xmlns:a14="http://schemas.microsoft.com/office/drawing/2010/main" val="0"/>
-              </a:ext>
-            </a:extLst>
-          </a:blip>
-          <a:srcRect/>
-          <a:stretch>
-            <a:fillRect/>
-          </a:stretch>
-        </p:blipFill>
-        <p:spPr bwMode="auto">
+        </p:nvSpPr>
+        <p:spPr>
           <a:xfrm>
-            <a:off x="3643368" y="1863770"/>
-            <a:ext cx="561600" cy="561600"/>
+            <a:off x="6342314" y="2931919"/>
+            <a:ext cx="1296000" cy="354503"/>
+          </a:xfrm>
+          <a:prstGeom prst="roundRect">
+            <a:avLst/>
+          </a:prstGeom>
+          <a:gradFill flip="none" rotWithShape="1">
+            <a:gsLst>
+              <a:gs pos="0">
+                <a:schemeClr val="accent2">
+                  <a:shade val="30000"/>
+                  <a:satMod val="115000"/>
+                </a:schemeClr>
+              </a:gs>
+              <a:gs pos="50000">
+                <a:schemeClr val="accent2">
+                  <a:shade val="67500"/>
+                  <a:satMod val="115000"/>
+                </a:schemeClr>
+              </a:gs>
+              <a:gs pos="100000">
+                <a:schemeClr val="accent2">
+                  <a:shade val="100000"/>
+                  <a:satMod val="115000"/>
+                </a:schemeClr>
+              </a:gs>
+            </a:gsLst>
+            <a:lin ang="16200000" scaled="1"/>
+            <a:tileRect/>
+          </a:gradFill>
+          <a:ln/>
+        </p:spPr>
+        <p:style>
+          <a:lnRef idx="0">
+            <a:schemeClr val="accent2"/>
+          </a:lnRef>
+          <a:fillRef idx="3">
+            <a:schemeClr val="accent2"/>
+          </a:fillRef>
+          <a:effectRef idx="3">
+            <a:schemeClr val="accent2"/>
+          </a:effectRef>
+          <a:fontRef idx="minor">
+            <a:schemeClr val="lt1"/>
+          </a:fontRef>
+        </p:style>
+        <p:txBody>
+          <a:bodyPr rtlCol="0" anchor="ctr"/>
+          <a:lstStyle/>
+          <a:p>
+            <a:pPr algn="ctr"/>
+            <a:r>
+              <a:rPr lang="en-US" dirty="0" err="1" smtClean="0">
+                <a:solidFill>
+                  <a:srgbClr val="000000"/>
+                </a:solidFill>
+              </a:rPr>
+              <a:t>ViewModel</a:t>
+            </a:r>
+            <a:endParaRPr lang="en-US" dirty="0">
+              <a:solidFill>
+                <a:srgbClr val="000000"/>
+              </a:solidFill>
+            </a:endParaRPr>
+          </a:p>
+        </p:txBody>
+      </p:sp>
+      <p:sp>
+        <p:nvSpPr>
+          <p:cNvPr id="52" name="Rounded Rectangle 51"/>
+          <p:cNvSpPr/>
+          <p:nvPr/>
+        </p:nvSpPr>
+        <p:spPr>
+          <a:xfrm>
+            <a:off x="1427873" y="3754953"/>
+            <a:ext cx="6208841" cy="853250"/>
+          </a:xfrm>
+          <a:prstGeom prst="roundRect">
+            <a:avLst/>
+          </a:prstGeom>
+          <a:ln/>
+        </p:spPr>
+        <p:style>
+          <a:lnRef idx="0">
+            <a:schemeClr val="accent1"/>
+          </a:lnRef>
+          <a:fillRef idx="3">
+            <a:schemeClr val="accent1"/>
+          </a:fillRef>
+          <a:effectRef idx="3">
+            <a:schemeClr val="accent1"/>
+          </a:effectRef>
+          <a:fontRef idx="minor">
+            <a:schemeClr val="lt1"/>
+          </a:fontRef>
+        </p:style>
+        <p:txBody>
+          <a:bodyPr rtlCol="0" anchor="ctr"/>
+          <a:lstStyle/>
+          <a:p>
+            <a:pPr algn="ctr"/>
+            <a:r>
+              <a:rPr lang="en-US" dirty="0" smtClean="0"/>
+              <a:t>Business layer</a:t>
+            </a:r>
+            <a:endParaRPr lang="en-US" dirty="0"/>
+          </a:p>
+        </p:txBody>
+      </p:sp>
+      <p:sp>
+        <p:nvSpPr>
+          <p:cNvPr id="53" name="Rounded Rectangle 52"/>
+          <p:cNvSpPr/>
+          <p:nvPr/>
+        </p:nvSpPr>
+        <p:spPr>
+          <a:xfrm>
+            <a:off x="1427874" y="3357711"/>
+            <a:ext cx="6208840" cy="356400"/>
+          </a:xfrm>
+          <a:prstGeom prst="roundRect">
+            <a:avLst/>
+          </a:prstGeom>
+          <a:ln/>
+        </p:spPr>
+        <p:style>
+          <a:lnRef idx="0">
+            <a:schemeClr val="accent1"/>
+          </a:lnRef>
+          <a:fillRef idx="3">
+            <a:schemeClr val="accent1"/>
+          </a:fillRef>
+          <a:effectRef idx="3">
+            <a:schemeClr val="accent1"/>
+          </a:effectRef>
+          <a:fontRef idx="minor">
+            <a:schemeClr val="lt1"/>
+          </a:fontRef>
+        </p:style>
+        <p:txBody>
+          <a:bodyPr rtlCol="0" anchor="ctr"/>
+          <a:lstStyle/>
+          <a:p>
+            <a:pPr algn="ctr"/>
+            <a:r>
+              <a:rPr lang="en-US" dirty="0" smtClean="0"/>
+              <a:t>Model</a:t>
+            </a:r>
+            <a:endParaRPr lang="en-US" dirty="0"/>
+          </a:p>
+        </p:txBody>
+      </p:sp>
+      <p:sp>
+        <p:nvSpPr>
+          <p:cNvPr id="25" name="TextBox 24"/>
+          <p:cNvSpPr txBox="1"/>
+          <p:nvPr/>
+        </p:nvSpPr>
+        <p:spPr>
+          <a:xfrm>
+            <a:off x="2789774" y="1748139"/>
+            <a:ext cx="3478941" cy="468948"/>
           </a:xfrm>
           <a:prstGeom prst="rect">
             <a:avLst/>
           </a:prstGeom>
           <a:noFill/>
-          <a:extLst>
-            <a:ext uri="{909E8E84-426E-40DD-AFC4-6F175D3DCCD1}">
-              <a14:hiddenFill xmlns:a14="http://schemas.microsoft.com/office/drawing/2010/main">
+        </p:spPr>
+        <p:txBody>
+          <a:bodyPr wrap="none" rtlCol="0">
+            <a:noAutofit/>
+          </a:bodyPr>
+          <a:lstStyle/>
+          <a:p>
+            <a:pPr algn="ctr"/>
+            <a:r>
+              <a:rPr lang="en-US" sz="2800" dirty="0" err="1" smtClean="0">
+                <a:latin typeface="+mj-lt"/>
+              </a:rPr>
+              <a:t>Xamarin</a:t>
+            </a:r>
+            <a:endParaRPr lang="en-US" sz="2800" dirty="0" smtClean="0">
+              <a:latin typeface="+mj-lt"/>
+            </a:endParaRPr>
+          </a:p>
+        </p:txBody>
+      </p:sp>
+      <p:sp>
+        <p:nvSpPr>
+          <p:cNvPr id="56" name="TextBox 55"/>
+          <p:cNvSpPr txBox="1"/>
+          <p:nvPr/>
+        </p:nvSpPr>
+        <p:spPr>
+          <a:xfrm>
+            <a:off x="2792823" y="2104584"/>
+            <a:ext cx="3478941" cy="468948"/>
+          </a:xfrm>
+          <a:prstGeom prst="rect">
+            <a:avLst/>
+          </a:prstGeom>
+          <a:noFill/>
+        </p:spPr>
+        <p:txBody>
+          <a:bodyPr wrap="none" rtlCol="0">
+            <a:noAutofit/>
+          </a:bodyPr>
+          <a:lstStyle/>
+          <a:p>
+            <a:pPr algn="ctr"/>
+            <a:r>
+              <a:rPr lang="en-US" sz="2800" dirty="0" err="1" smtClean="0">
+                <a:latin typeface="+mj-lt"/>
+              </a:rPr>
+              <a:t>MvvmCross</a:t>
+            </a:r>
+            <a:endParaRPr lang="en-US" sz="2800" dirty="0" smtClean="0">
+              <a:latin typeface="+mj-lt"/>
+            </a:endParaRPr>
+          </a:p>
+        </p:txBody>
+      </p:sp>
+      <p:sp>
+        <p:nvSpPr>
+          <p:cNvPr id="57" name="Rounded Rectangle 56"/>
+          <p:cNvSpPr/>
+          <p:nvPr/>
+        </p:nvSpPr>
+        <p:spPr>
+          <a:xfrm>
+            <a:off x="1427874" y="2951795"/>
+            <a:ext cx="6208840" cy="354503"/>
+          </a:xfrm>
+          <a:prstGeom prst="roundRect">
+            <a:avLst/>
+          </a:prstGeom>
+          <a:gradFill flip="none" rotWithShape="1">
+            <a:gsLst>
+              <a:gs pos="0">
+                <a:schemeClr val="accent2">
+                  <a:shade val="30000"/>
+                  <a:satMod val="115000"/>
+                </a:schemeClr>
+              </a:gs>
+              <a:gs pos="50000">
+                <a:schemeClr val="accent2">
+                  <a:shade val="67500"/>
+                  <a:satMod val="115000"/>
+                </a:schemeClr>
+              </a:gs>
+              <a:gs pos="100000">
+                <a:schemeClr val="accent2">
+                  <a:shade val="100000"/>
+                  <a:satMod val="115000"/>
+                </a:schemeClr>
+              </a:gs>
+            </a:gsLst>
+            <a:lin ang="16200000" scaled="1"/>
+            <a:tileRect/>
+          </a:gradFill>
+          <a:ln/>
+        </p:spPr>
+        <p:style>
+          <a:lnRef idx="0">
+            <a:schemeClr val="accent2"/>
+          </a:lnRef>
+          <a:fillRef idx="3">
+            <a:schemeClr val="accent2"/>
+          </a:fillRef>
+          <a:effectRef idx="3">
+            <a:schemeClr val="accent2"/>
+          </a:effectRef>
+          <a:fontRef idx="minor">
+            <a:schemeClr val="lt1"/>
+          </a:fontRef>
+        </p:style>
+        <p:txBody>
+          <a:bodyPr rtlCol="0" anchor="ctr"/>
+          <a:lstStyle/>
+          <a:p>
+            <a:pPr algn="ctr"/>
+            <a:r>
+              <a:rPr lang="en-US" dirty="0" err="1" smtClean="0">
                 <a:solidFill>
-                  <a:srgbClr val="FFFFFF"/>
+                  <a:srgbClr val="000000"/>
                 </a:solidFill>
-              </a14:hiddenFill>
-            </a:ext>
-          </a:extLst>
-        </p:spPr>
-      </p:pic>
-      <p:sp>
-        <p:nvSpPr>
-          <p:cNvPr id="6" name="Footer Placeholder 5"/>
-          <p:cNvSpPr>
-            <a:spLocks noGrp="1"/>
-          </p:cNvSpPr>
-          <p:nvPr>
-            <p:ph type="ftr" sz="quarter" idx="11"/>
-          </p:nvPr>
-        </p:nvSpPr>
-        <p:spPr/>
-        <p:txBody>
-          <a:bodyPr/>
-          <a:lstStyle/>
-          <a:p>
-            <a:r>
-              <a:rPr lang="en-US" smtClean="0"/>
-              <a:t>Cross-platform mobile development | Ursin Brunner, Stefan Schöb, Oliver Brack</a:t>
-            </a:r>
-            <a:endParaRPr lang="en-US" dirty="0"/>
-          </a:p>
-        </p:txBody>
-      </p:sp>
-      <p:sp>
-        <p:nvSpPr>
-          <p:cNvPr id="5" name="Date Placeholder 4"/>
-          <p:cNvSpPr>
-            <a:spLocks noGrp="1"/>
-          </p:cNvSpPr>
-          <p:nvPr>
-            <p:ph type="dt" sz="half" idx="10"/>
-          </p:nvPr>
-        </p:nvSpPr>
-        <p:spPr/>
-        <p:txBody>
-          <a:bodyPr/>
-          <a:lstStyle/>
-          <a:p>
-            <a:r>
-              <a:rPr lang="en-US" smtClean="0"/>
-              <a:t>26. September 2013</a:t>
-            </a:r>
-            <a:endParaRPr lang="de-CH" dirty="0"/>
-          </a:p>
-        </p:txBody>
-      </p:sp>
-      <p:sp>
-        <p:nvSpPr>
-          <p:cNvPr id="8" name="Slide Number Placeholder 7"/>
-          <p:cNvSpPr>
-            <a:spLocks noGrp="1"/>
-          </p:cNvSpPr>
-          <p:nvPr>
-            <p:ph type="sldNum" sz="quarter" idx="12"/>
-          </p:nvPr>
-        </p:nvSpPr>
-        <p:spPr/>
-        <p:txBody>
-          <a:bodyPr/>
-          <a:lstStyle/>
-          <a:p>
-            <a:r>
-              <a:rPr lang="de-CH" smtClean="0"/>
-              <a:t>Slide </a:t>
-            </a:r>
-            <a:fld id="{0C82C0D9-F107-44F9-972C-8854FA9B0A74}" type="slidenum">
-              <a:rPr lang="de-CH" smtClean="0"/>
-              <a:t>9</a:t>
-            </a:fld>
-            <a:endParaRPr lang="de-CH" dirty="0"/>
+              </a:rPr>
+              <a:t>ViewModel</a:t>
+            </a:r>
+            <a:endParaRPr lang="en-US" dirty="0">
+              <a:solidFill>
+                <a:srgbClr val="000000"/>
+              </a:solidFill>
+            </a:endParaRPr>
           </a:p>
         </p:txBody>
       </p:sp>
@@ -16855,20 +17088,90 @@
                             </p:stCondLst>
                             <p:childTnLst>
                               <p:par>
-                                <p:cTn id="5" presetID="10" presetClass="entr" presetSubtype="0" fill="hold" grpId="0" nodeType="clickEffect">
+                                <p:cTn id="5" presetID="10" presetClass="exit" presetSubtype="0" fill="hold" grpId="0" nodeType="clickEffect">
+                                  <p:stCondLst>
+                                    <p:cond delay="0"/>
+                                  </p:stCondLst>
+                                  <p:childTnLst>
+                                    <p:animEffect transition="out" filter="fade">
+                                      <p:cBhvr>
+                                        <p:cTn id="6" dur="500"/>
+                                        <p:tgtEl>
+                                          <p:spTgt spid="60"/>
+                                        </p:tgtEl>
+                                      </p:cBhvr>
+                                    </p:animEffect>
+                                    <p:set>
+                                      <p:cBhvr>
+                                        <p:cTn id="7" dur="1" fill="hold">
+                                          <p:stCondLst>
+                                            <p:cond delay="499"/>
+                                          </p:stCondLst>
+                                        </p:cTn>
+                                        <p:tgtEl>
+                                          <p:spTgt spid="60"/>
+                                        </p:tgtEl>
+                                        <p:attrNameLst>
+                                          <p:attrName>style.visibility</p:attrName>
+                                        </p:attrNameLst>
+                                      </p:cBhvr>
+                                      <p:to>
+                                        <p:strVal val="hidden"/>
+                                      </p:to>
+                                    </p:set>
+                                  </p:childTnLst>
+                                </p:cTn>
+                              </p:par>
+                              <p:par>
+                                <p:cTn id="8" presetID="10" presetClass="exit" presetSubtype="0" fill="hold" grpId="0" nodeType="withEffect">
+                                  <p:stCondLst>
+                                    <p:cond delay="0"/>
+                                  </p:stCondLst>
+                                  <p:childTnLst>
+                                    <p:animEffect transition="out" filter="fade">
+                                      <p:cBhvr>
+                                        <p:cTn id="9" dur="500"/>
+                                        <p:tgtEl>
+                                          <p:spTgt spid="40"/>
+                                        </p:tgtEl>
+                                      </p:cBhvr>
+                                    </p:animEffect>
+                                    <p:set>
+                                      <p:cBhvr>
+                                        <p:cTn id="10" dur="1" fill="hold">
+                                          <p:stCondLst>
+                                            <p:cond delay="499"/>
+                                          </p:stCondLst>
+                                        </p:cTn>
+                                        <p:tgtEl>
+                                          <p:spTgt spid="40"/>
+                                        </p:tgtEl>
+                                        <p:attrNameLst>
+                                          <p:attrName>style.visibility</p:attrName>
+                                        </p:attrNameLst>
+                                      </p:cBhvr>
+                                      <p:to>
+                                        <p:strVal val="hidden"/>
+                                      </p:to>
+                                    </p:set>
+                                  </p:childTnLst>
+                                </p:cTn>
+                              </p:par>
+                              <p:par>
+                                <p:cTn id="11" presetID="10" presetClass="entr" presetSubtype="0" fill="hold" grpId="0" nodeType="withEffect">
                                   <p:stCondLst>
                                     <p:cond delay="0"/>
                                   </p:stCondLst>
                                   <p:childTnLst>
                                     <p:set>
                                       <p:cBhvr>
-                                        <p:cTn id="6" dur="1" fill="hold">
+                                        <p:cTn id="12" dur="1" fill="hold">
                                           <p:stCondLst>
                                             <p:cond delay="0"/>
                                           </p:stCondLst>
                                         </p:cTn>
                                         <p:tgtEl>
-                                          <p:spTgt spid="61"/>
+                                          <p:spTgt spid="42"/>
                                         </p:tgtEl>
                                         <p:attrNameLst>
                                           <p:attrName>style.visibility</p:attrName>
@@ -16880,9 +17183,395 @@
                                     </p:set>
                                     <p:animEffect transition="in" filter="fade">
                                       <p:cBhvr>
-                                        <p:cTn id="7" dur="500"/>
+                                        <p:cTn id="13" dur="500"/>
                                         <p:tgtEl>
-                                          <p:spTgt spid="61"/>
+                                          <p:spTgt spid="42"/>
+                                        </p:tgtEl>
+                                      </p:cBhvr>
+                                    </p:animEffect>
+                                  </p:childTnLst>
+                                </p:cTn>
+                              </p:par>
+                              <p:par>
+                                <p:cTn id="14" presetID="10" presetClass="entr" presetSubtype="0" fill="hold" grpId="0" nodeType="withEffect">
+                                  <p:stCondLst>
+                                    <p:cond delay="0"/>
+                                  </p:stCondLst>
+                                  <p:childTnLst>
+                                    <p:set>
+                                      <p:cBhvr>
+                                        <p:cTn id="15" dur="1" fill="hold">
+                                          <p:stCondLst>
+                                            <p:cond delay="0"/>
+                                          </p:stCondLst>
+                                        </p:cTn>
+                                        <p:tgtEl>
+                                          <p:spTgt spid="43"/>
+                                        </p:tgtEl>
+                                        <p:attrNameLst>
+                                          <p:attrName>style.visibility</p:attrName>
+                                        </p:attrNameLst>
+                                      </p:cBhvr>
+                                      <p:to>
+                                        <p:strVal val="visible"/>
+                                      </p:to>
+                                    </p:set>
+                                    <p:animEffect transition="in" filter="fade">
+                                      <p:cBhvr>
+                                        <p:cTn id="16" dur="500"/>
+                                        <p:tgtEl>
+                                          <p:spTgt spid="43"/>
+                                        </p:tgtEl>
+                                      </p:cBhvr>
+                                    </p:animEffect>
+                                  </p:childTnLst>
+                                </p:cTn>
+                              </p:par>
+                              <p:par>
+                                <p:cTn id="17" presetID="10" presetClass="entr" presetSubtype="0" fill="hold" grpId="0" nodeType="withEffect">
+                                  <p:stCondLst>
+                                    <p:cond delay="0"/>
+                                  </p:stCondLst>
+                                  <p:childTnLst>
+                                    <p:set>
+                                      <p:cBhvr>
+                                        <p:cTn id="18" dur="1" fill="hold">
+                                          <p:stCondLst>
+                                            <p:cond delay="0"/>
+                                          </p:stCondLst>
+                                        </p:cTn>
+                                        <p:tgtEl>
+                                          <p:spTgt spid="46"/>
+                                        </p:tgtEl>
+                                        <p:attrNameLst>
+                                          <p:attrName>style.visibility</p:attrName>
+                                        </p:attrNameLst>
+                                      </p:cBhvr>
+                                      <p:to>
+                                        <p:strVal val="visible"/>
+                                      </p:to>
+                                    </p:set>
+                                    <p:animEffect transition="in" filter="fade">
+                                      <p:cBhvr>
+                                        <p:cTn id="19" dur="500"/>
+                                        <p:tgtEl>
+                                          <p:spTgt spid="46"/>
+                                        </p:tgtEl>
+                                      </p:cBhvr>
+                                    </p:animEffect>
+                                  </p:childTnLst>
+                                </p:cTn>
+                              </p:par>
+                              <p:par>
+                                <p:cTn id="20" presetID="10" presetClass="entr" presetSubtype="0" fill="hold" grpId="0" nodeType="withEffect">
+                                  <p:stCondLst>
+                                    <p:cond delay="0"/>
+                                  </p:stCondLst>
+                                  <p:childTnLst>
+                                    <p:set>
+                                      <p:cBhvr>
+                                        <p:cTn id="21" dur="1" fill="hold">
+                                          <p:stCondLst>
+                                            <p:cond delay="0"/>
+                                          </p:stCondLst>
+                                        </p:cTn>
+                                        <p:tgtEl>
+                                          <p:spTgt spid="48"/>
+                                        </p:tgtEl>
+                                        <p:attrNameLst>
+                                          <p:attrName>style.visibility</p:attrName>
+                                        </p:attrNameLst>
+                                      </p:cBhvr>
+                                      <p:to>
+                                        <p:strVal val="visible"/>
+                                      </p:to>
+                                    </p:set>
+                                    <p:animEffect transition="in" filter="fade">
+                                      <p:cBhvr>
+                                        <p:cTn id="22" dur="500"/>
+                                        <p:tgtEl>
+                                          <p:spTgt spid="48"/>
+                                        </p:tgtEl>
+                                      </p:cBhvr>
+                                    </p:animEffect>
+                                  </p:childTnLst>
+                                </p:cTn>
+                              </p:par>
+                              <p:par>
+                                <p:cTn id="23" presetID="10" presetClass="entr" presetSubtype="0" fill="hold" grpId="0" nodeType="withEffect">
+                                  <p:stCondLst>
+                                    <p:cond delay="0"/>
+                                  </p:stCondLst>
+                                  <p:childTnLst>
+                                    <p:set>
+                                      <p:cBhvr>
+                                        <p:cTn id="24" dur="1" fill="hold">
+                                          <p:stCondLst>
+                                            <p:cond delay="0"/>
+                                          </p:stCondLst>
+                                        </p:cTn>
+                                        <p:tgtEl>
+                                          <p:spTgt spid="50"/>
+                                        </p:tgtEl>
+                                        <p:attrNameLst>
+                                          <p:attrName>style.visibility</p:attrName>
+                                        </p:attrNameLst>
+                                      </p:cBhvr>
+                                      <p:to>
+                                        <p:strVal val="visible"/>
+                                      </p:to>
+                                    </p:set>
+                                    <p:animEffect transition="in" filter="fade">
+                                      <p:cBhvr>
+                                        <p:cTn id="25" dur="500"/>
+                                        <p:tgtEl>
+                                          <p:spTgt spid="50"/>
+                                        </p:tgtEl>
+                                      </p:cBhvr>
+                                    </p:animEffect>
+                                  </p:childTnLst>
+                                </p:cTn>
+                              </p:par>
+                              <p:par>
+                                <p:cTn id="26" presetID="10" presetClass="entr" presetSubtype="0" fill="hold" grpId="0" nodeType="withEffect">
+                                  <p:stCondLst>
+                                    <p:cond delay="0"/>
+                                  </p:stCondLst>
+                                  <p:childTnLst>
+                                    <p:set>
+                                      <p:cBhvr>
+                                        <p:cTn id="27" dur="1" fill="hold">
+                                          <p:stCondLst>
+                                            <p:cond delay="0"/>
+                                          </p:stCondLst>
+                                        </p:cTn>
+                                        <p:tgtEl>
+                                          <p:spTgt spid="51"/>
+                                        </p:tgtEl>
+                                        <p:attrNameLst>
+                                          <p:attrName>style.visibility</p:attrName>
+                                        </p:attrNameLst>
+                                      </p:cBhvr>
+                                      <p:to>
+                                        <p:strVal val="visible"/>
+                                      </p:to>
+                                    </p:set>
+                                    <p:animEffect transition="in" filter="fade">
+                                      <p:cBhvr>
+                                        <p:cTn id="28" dur="500"/>
+                                        <p:tgtEl>
+                                          <p:spTgt spid="51"/>
+                                        </p:tgtEl>
+                                      </p:cBhvr>
+                                    </p:animEffect>
+                                  </p:childTnLst>
+                                </p:cTn>
+                              </p:par>
+                            </p:childTnLst>
+                          </p:cTn>
+                        </p:par>
+                      </p:childTnLst>
+                    </p:cTn>
+                  </p:par>
+                  <p:par>
+                    <p:cTn id="29" fill="hold">
+                      <p:stCondLst>
+                        <p:cond delay="indefinite"/>
+                      </p:stCondLst>
+                      <p:childTnLst>
+                        <p:par>
+                          <p:cTn id="30" fill="hold">
+                            <p:stCondLst>
+                              <p:cond delay="0"/>
+                            </p:stCondLst>
+                            <p:childTnLst>
+                              <p:par>
+                                <p:cTn id="31" presetID="10" presetClass="entr" presetSubtype="0" fill="hold" grpId="0" nodeType="clickEffect">
+                                  <p:stCondLst>
+                                    <p:cond delay="0"/>
+                                  </p:stCondLst>
+                                  <p:childTnLst>
+                                    <p:set>
+                                      <p:cBhvr>
+                                        <p:cTn id="32" dur="1" fill="hold">
+                                          <p:stCondLst>
+                                            <p:cond delay="0"/>
+                                          </p:stCondLst>
+                                        </p:cTn>
+                                        <p:tgtEl>
+                                          <p:spTgt spid="52"/>
+                                        </p:tgtEl>
+                                        <p:attrNameLst>
+                                          <p:attrName>style.visibility</p:attrName>
+                                        </p:attrNameLst>
+                                      </p:cBhvr>
+                                      <p:to>
+                                        <p:strVal val="visible"/>
+                                      </p:to>
+                                    </p:set>
+                                    <p:animEffect transition="in" filter="fade">
+                                      <p:cBhvr>
+                                        <p:cTn id="33" dur="500"/>
+                                        <p:tgtEl>
+                                          <p:spTgt spid="52"/>
+                                        </p:tgtEl>
+                                      </p:cBhvr>
+                                    </p:animEffect>
+                                  </p:childTnLst>
+                                </p:cTn>
+                              </p:par>
+                              <p:par>
+                                <p:cTn id="34" presetID="10" presetClass="entr" presetSubtype="0" fill="hold" grpId="0" nodeType="withEffect">
+                                  <p:stCondLst>
+                                    <p:cond delay="0"/>
+                                  </p:stCondLst>
+                                  <p:childTnLst>
+                                    <p:set>
+                                      <p:cBhvr>
+                                        <p:cTn id="35" dur="1" fill="hold">
+                                          <p:stCondLst>
+                                            <p:cond delay="0"/>
+                                          </p:stCondLst>
+                                        </p:cTn>
+                                        <p:tgtEl>
+                                          <p:spTgt spid="53"/>
+                                        </p:tgtEl>
+                                        <p:attrNameLst>
+                                          <p:attrName>style.visibility</p:attrName>
+                                        </p:attrNameLst>
+                                      </p:cBhvr>
+                                      <p:to>
+                                        <p:strVal val="visible"/>
+                                      </p:to>
+                                    </p:set>
+                                    <p:animEffect transition="in" filter="fade">
+                                      <p:cBhvr>
+                                        <p:cTn id="36" dur="500"/>
+                                        <p:tgtEl>
+                                          <p:spTgt spid="53"/>
+                                        </p:tgtEl>
+                                      </p:cBhvr>
+                                    </p:animEffect>
+                                  </p:childTnLst>
+                                </p:cTn>
+                              </p:par>
+                              <p:par>
+                                <p:cTn id="37" presetID="10" presetClass="entr" presetSubtype="0" fill="hold" grpId="0" nodeType="withEffect">
+                                  <p:stCondLst>
+                                    <p:cond delay="0"/>
+                                  </p:stCondLst>
+                                  <p:childTnLst>
+                                    <p:set>
+                                      <p:cBhvr>
+                                        <p:cTn id="38" dur="1" fill="hold">
+                                          <p:stCondLst>
+                                            <p:cond delay="0"/>
+                                          </p:stCondLst>
+                                        </p:cTn>
+                                        <p:tgtEl>
+                                          <p:spTgt spid="25"/>
+                                        </p:tgtEl>
+                                        <p:attrNameLst>
+                                          <p:attrName>style.visibility</p:attrName>
+                                        </p:attrNameLst>
+                                      </p:cBhvr>
+                                      <p:to>
+                                        <p:strVal val="visible"/>
+                                      </p:to>
+                                    </p:set>
+                                    <p:animEffect transition="in" filter="fade">
+                                      <p:cBhvr>
+                                        <p:cTn id="39" dur="500"/>
+                                        <p:tgtEl>
+                                          <p:spTgt spid="25"/>
+                                        </p:tgtEl>
+                                      </p:cBhvr>
+                                    </p:animEffect>
+                                  </p:childTnLst>
+                                </p:cTn>
+                              </p:par>
+                            </p:childTnLst>
+                          </p:cTn>
+                        </p:par>
+                      </p:childTnLst>
+                    </p:cTn>
+                  </p:par>
+                  <p:par>
+                    <p:cTn id="40" fill="hold">
+                      <p:stCondLst>
+                        <p:cond delay="indefinite"/>
+                      </p:stCondLst>
+                      <p:childTnLst>
+                        <p:par>
+                          <p:cTn id="41" fill="hold">
+                            <p:stCondLst>
+                              <p:cond delay="0"/>
+                            </p:stCondLst>
+                            <p:childTnLst>
+                              <p:par>
+                                <p:cTn id="42" presetID="10" presetClass="entr" presetSubtype="0" fill="hold" grpId="0" nodeType="clickEffect">
+                                  <p:stCondLst>
+                                    <p:cond delay="0"/>
+                                  </p:stCondLst>
+                                  <p:childTnLst>
+                                    <p:set>
+                                      <p:cBhvr>
+                                        <p:cTn id="43" dur="1" fill="hold">
+                                          <p:stCondLst>
+                                            <p:cond delay="0"/>
+                                          </p:stCondLst>
+                                        </p:cTn>
+                                        <p:tgtEl>
+                                          <p:spTgt spid="56"/>
+                                        </p:tgtEl>
+                                        <p:attrNameLst>
+                                          <p:attrName>style.visibility</p:attrName>
+                                        </p:attrNameLst>
+                                      </p:cBhvr>
+                                      <p:to>
+                                        <p:strVal val="visible"/>
+                                      </p:to>
+                                    </p:set>
+                                    <p:animEffect transition="in" filter="fade">
+                                      <p:cBhvr>
+                                        <p:cTn id="44" dur="500"/>
+                                        <p:tgtEl>
+                                          <p:spTgt spid="56"/>
+                                        </p:tgtEl>
+                                      </p:cBhvr>
+                                    </p:animEffect>
+                                  </p:childTnLst>
+                                </p:cTn>
+                              </p:par>
+                              <p:par>
+                                <p:cTn id="45" presetID="10" presetClass="entr" presetSubtype="0" fill="hold" grpId="0" nodeType="withEffect">
+                                  <p:stCondLst>
+                                    <p:cond delay="0"/>
+                                  </p:stCondLst>
+                                  <p:childTnLst>
+                                    <p:set>
+                                      <p:cBhvr>
+                                        <p:cTn id="46" dur="1" fill="hold">
+                                          <p:stCondLst>
+                                            <p:cond delay="0"/>
+                                          </p:stCondLst>
+                                        </p:cTn>
+                                        <p:tgtEl>
+                                          <p:spTgt spid="57"/>
+                                        </p:tgtEl>
+                                        <p:attrNameLst>
+                                          <p:attrName>style.visibility</p:attrName>
+                                        </p:attrNameLst>
+                                      </p:cBhvr>
+                                      <p:to>
+                                        <p:strVal val="visible"/>
+                                      </p:to>
+                                    </p:set>
+                                    <p:animEffect transition="in" filter="fade">
+                                      <p:cBhvr>
+                                        <p:cTn id="47" dur="500"/>
+                                        <p:tgtEl>
+                                          <p:spTgt spid="57"/>
                                         </p:tgtEl>
                                       </p:cBhvr>
                                     </p:animEffect>
@@ -16917,7 +17606,19 @@
       </p:par>
     </p:tnLst>
     <p:bldLst>
-      <p:bldP spid="61" grpId="0" animBg="1"/>
+      <p:bldP spid="60" grpId="0" animBg="1"/>
+      <p:bldP spid="40" grpId="0" animBg="1"/>
+      <p:bldP spid="42" grpId="0" animBg="1"/>
+      <p:bldP spid="43" grpId="0" animBg="1"/>
+      <p:bldP spid="46" grpId="0" animBg="1"/>
+      <p:bldP spid="48" grpId="0" animBg="1"/>
+      <p:bldP spid="50" grpId="0" animBg="1"/>
+      <p:bldP spid="51" grpId="0" animBg="1"/>
+      <p:bldP spid="52" grpId="0" animBg="1"/>
+      <p:bldP spid="53" grpId="0" animBg="1"/>
+      <p:bldP spid="25" grpId="0"/>
+      <p:bldP spid="56" grpId="0"/>
+      <p:bldP spid="57" grpId="0" animBg="1"/>
     </p:bldLst>
   </p:timing>
 </p:sld>

--- a/docs/13-09-26 Cross-platform mobile development with C#.pptx
+++ b/docs/13-09-26 Cross-platform mobile development with C#.pptx
@@ -5,61 +5,62 @@
     <p:sldMasterId id="2147483648" r:id="rId1"/>
   </p:sldMasterIdLst>
   <p:notesMasterIdLst>
-    <p:notesMasterId r:id="rId27"/>
+    <p:notesMasterId r:id="rId28"/>
   </p:notesMasterIdLst>
   <p:handoutMasterIdLst>
-    <p:handoutMasterId r:id="rId28"/>
+    <p:handoutMasterId r:id="rId29"/>
   </p:handoutMasterIdLst>
   <p:sldIdLst>
     <p:sldId id="293" r:id="rId2"/>
     <p:sldId id="257" r:id="rId3"/>
     <p:sldId id="296" r:id="rId4"/>
-    <p:sldId id="262" r:id="rId5"/>
-    <p:sldId id="263" r:id="rId6"/>
-    <p:sldId id="294" r:id="rId7"/>
-    <p:sldId id="268" r:id="rId8"/>
-    <p:sldId id="269" r:id="rId9"/>
-    <p:sldId id="279" r:id="rId10"/>
-    <p:sldId id="300" r:id="rId11"/>
+    <p:sldId id="268" r:id="rId5"/>
+    <p:sldId id="269" r:id="rId6"/>
+    <p:sldId id="279" r:id="rId7"/>
+    <p:sldId id="311" r:id="rId8"/>
+    <p:sldId id="300" r:id="rId9"/>
+    <p:sldId id="317" r:id="rId10"/>
+    <p:sldId id="312" r:id="rId11"/>
     <p:sldId id="301" r:id="rId12"/>
-    <p:sldId id="302" r:id="rId13"/>
-    <p:sldId id="310" r:id="rId14"/>
-    <p:sldId id="303" r:id="rId15"/>
-    <p:sldId id="304" r:id="rId16"/>
-    <p:sldId id="305" r:id="rId17"/>
-    <p:sldId id="306" r:id="rId18"/>
-    <p:sldId id="307" r:id="rId19"/>
-    <p:sldId id="308" r:id="rId20"/>
-    <p:sldId id="309" r:id="rId21"/>
-    <p:sldId id="290" r:id="rId22"/>
-    <p:sldId id="298" r:id="rId23"/>
-    <p:sldId id="299" r:id="rId24"/>
-    <p:sldId id="297" r:id="rId25"/>
-    <p:sldId id="295" r:id="rId26"/>
+    <p:sldId id="310" r:id="rId13"/>
+    <p:sldId id="313" r:id="rId14"/>
+    <p:sldId id="314" r:id="rId15"/>
+    <p:sldId id="315" r:id="rId16"/>
+    <p:sldId id="316" r:id="rId17"/>
+    <p:sldId id="318" r:id="rId18"/>
+    <p:sldId id="308" r:id="rId19"/>
+    <p:sldId id="319" r:id="rId20"/>
+    <p:sldId id="320" r:id="rId21"/>
+    <p:sldId id="304" r:id="rId22"/>
+    <p:sldId id="290" r:id="rId23"/>
+    <p:sldId id="298" r:id="rId24"/>
+    <p:sldId id="299" r:id="rId25"/>
+    <p:sldId id="297" r:id="rId26"/>
+    <p:sldId id="295" r:id="rId27"/>
   </p:sldIdLst>
   <p:sldSz cx="9144000" cy="6858000" type="screen4x3"/>
   <p:notesSz cx="6858000" cy="9144000"/>
   <p:embeddedFontLst>
     <p:embeddedFont>
       <p:font typeface="AA Zuehlke Medium" panose="02000603060000020004" pitchFamily="2" charset="0"/>
-      <p:regular r:id="rId29"/>
+      <p:regular r:id="rId30"/>
     </p:embeddedFont>
     <p:embeddedFont>
       <p:font typeface="AA Zuehlke" panose="02000503060000020004" pitchFamily="2" charset="0"/>
-      <p:regular r:id="rId30"/>
-      <p:bold r:id="rId31"/>
+      <p:regular r:id="rId31"/>
+      <p:bold r:id="rId32"/>
     </p:embeddedFont>
     <p:embeddedFont>
       <p:font typeface="Webdings" panose="05030102010509060703" pitchFamily="18" charset="2"/>
-      <p:regular r:id="rId32"/>
+      <p:regular r:id="rId33"/>
     </p:embeddedFont>
     <p:embeddedFont>
       <p:font typeface="Wingdings 3" panose="05040102010807070707" pitchFamily="18" charset="2"/>
-      <p:regular r:id="rId33"/>
+      <p:regular r:id="rId34"/>
     </p:embeddedFont>
   </p:embeddedFontLst>
   <p:custDataLst>
-    <p:tags r:id="rId34"/>
+    <p:tags r:id="rId35"/>
   </p:custDataLst>
   <p:defaultTextStyle>
     <a:defPPr>
@@ -347,11 +348,11 @@
         </c:dLbls>
         <c:marker val="1"/>
         <c:smooth val="0"/>
-        <c:axId val="141970432"/>
-        <c:axId val="142967552"/>
+        <c:axId val="149052032"/>
+        <c:axId val="149074304"/>
       </c:lineChart>
       <c:catAx>
-        <c:axId val="141970432"/>
+        <c:axId val="149052032"/>
         <c:scaling>
           <c:orientation val="minMax"/>
         </c:scaling>
@@ -361,7 +362,7 @@
         <c:majorTickMark val="out"/>
         <c:minorTickMark val="none"/>
         <c:tickLblPos val="nextTo"/>
-        <c:crossAx val="142967552"/>
+        <c:crossAx val="149074304"/>
         <c:crosses val="autoZero"/>
         <c:auto val="1"/>
         <c:lblAlgn val="ctr"/>
@@ -369,7 +370,7 @@
         <c:noMultiLvlLbl val="0"/>
       </c:catAx>
       <c:valAx>
-        <c:axId val="142967552"/>
+        <c:axId val="149074304"/>
         <c:scaling>
           <c:orientation val="minMax"/>
         </c:scaling>
@@ -380,7 +381,7 @@
         <c:majorTickMark val="out"/>
         <c:minorTickMark val="none"/>
         <c:tickLblPos val="nextTo"/>
-        <c:crossAx val="141970432"/>
+        <c:crossAx val="149052032"/>
         <c:crosses val="autoZero"/>
         <c:crossBetween val="midCat"/>
       </c:valAx>
@@ -577,11 +578,11 @@
         </c:dLbls>
         <c:gapWidth val="150"/>
         <c:overlap val="100"/>
-        <c:axId val="142813056"/>
-        <c:axId val="142814592"/>
+        <c:axId val="149865984"/>
+        <c:axId val="149867520"/>
       </c:barChart>
       <c:catAx>
-        <c:axId val="142813056"/>
+        <c:axId val="149865984"/>
         <c:scaling>
           <c:orientation val="minMax"/>
         </c:scaling>
@@ -590,7 +591,7 @@
         <c:majorTickMark val="out"/>
         <c:minorTickMark val="none"/>
         <c:tickLblPos val="nextTo"/>
-        <c:crossAx val="142814592"/>
+        <c:crossAx val="149867520"/>
         <c:crosses val="autoZero"/>
         <c:auto val="1"/>
         <c:lblAlgn val="ctr"/>
@@ -598,7 +599,7 @@
         <c:noMultiLvlLbl val="0"/>
       </c:catAx>
       <c:valAx>
-        <c:axId val="142814592"/>
+        <c:axId val="149867520"/>
         <c:scaling>
           <c:orientation val="minMax"/>
         </c:scaling>
@@ -609,7 +610,7 @@
         <c:majorTickMark val="none"/>
         <c:minorTickMark val="none"/>
         <c:tickLblPos val="none"/>
-        <c:crossAx val="142813056"/>
+        <c:crossAx val="149865984"/>
         <c:crosses val="autoZero"/>
         <c:crossBetween val="between"/>
       </c:valAx>
@@ -725,7 +726,7 @@
               <a:rPr lang="de-DE" smtClean="0">
                 <a:latin typeface="AA Zuehlke" pitchFamily="2" charset="0"/>
               </a:rPr>
-              <a:t>08.09.2013</a:t>
+              <a:t>16.09.2013</a:t>
             </a:fld>
             <a:endParaRPr lang="de-DE">
               <a:latin typeface="AA Zuehlke" pitchFamily="2" charset="0"/>
@@ -903,7 +904,7 @@
             <a:fld id="{A6966AE6-B72D-4967-9CA3-8469D2863705}" type="datetimeFigureOut">
               <a:rPr lang="en-US" smtClean="0"/>
               <a:pPr/>
-              <a:t>9/8/2013</a:t>
+              <a:t>9/16/2013</a:t>
             </a:fld>
             <a:endParaRPr lang="en-US" dirty="0"/>
           </a:p>
@@ -1645,7 +1646,7 @@
               <a:rPr lang="de-CH" smtClean="0"/>
               <a:t>Slide </a:t>
             </a:r>
-            <a:fld id="{BD26E2C0-451C-40DF-B76A-65306F84823E}" type="slidenum">
+            <a:fld id="{701E5CC2-6583-404C-9435-A85A2238A7B1}" type="slidenum">
               <a:rPr lang="de-CH" smtClean="0"/>
               <a:t>‹#›</a:t>
             </a:fld>
@@ -1773,7 +1774,7 @@
           <a:p>
             <a:r>
               <a:rPr lang="en-US" smtClean="0"/>
-              <a:t>Cross-platform mobile development | Ursin Brunner, Stefan Schöb, Oliver Brack</a:t>
+              <a:t>Cross-platform Mobile Development | Ursin Brunner, Stefan Schöb, Oliver Brack</a:t>
             </a:r>
             <a:endParaRPr lang="de-CH" dirty="0"/>
           </a:p>
@@ -1798,7 +1799,7 @@
               <a:rPr lang="de-CH" smtClean="0"/>
               <a:t>Slide </a:t>
             </a:r>
-            <a:fld id="{11F9CFD7-E578-4E47-8EE8-A610CBBCEC1B}" type="slidenum">
+            <a:fld id="{AE16435C-DBD1-440D-BB0D-F8EAD2BAFE55}" type="slidenum">
               <a:rPr lang="de-CH" smtClean="0"/>
               <a:t>‹#›</a:t>
             </a:fld>
@@ -1947,7 +1948,7 @@
           <a:p>
             <a:r>
               <a:rPr lang="en-US" smtClean="0"/>
-              <a:t>Cross-platform mobile development | Ursin Brunner, Stefan Schöb, Oliver Brack</a:t>
+              <a:t>Cross-platform Mobile Development | Ursin Brunner, Stefan Schöb, Oliver Brack</a:t>
             </a:r>
             <a:endParaRPr lang="de-CH" dirty="0"/>
           </a:p>
@@ -1972,7 +1973,7 @@
               <a:rPr lang="de-CH" smtClean="0"/>
               <a:t>Slide </a:t>
             </a:r>
-            <a:fld id="{20AB8854-2284-4F40-9126-D1A16DD8F8ED}" type="slidenum">
+            <a:fld id="{B4A0E5B1-79FC-4B47-9748-810F1C93ADDA}" type="slidenum">
               <a:rPr lang="de-CH" smtClean="0"/>
               <a:t>‹#›</a:t>
             </a:fld>
@@ -2497,7 +2498,7 @@
               <a:rPr lang="de-CH" smtClean="0"/>
               <a:t>Slide </a:t>
             </a:r>
-            <a:fld id="{8872E712-2546-4664-A6A4-E930276BA2AF}" type="slidenum">
+            <a:fld id="{B05A4128-DB35-41C2-B388-5A79E3A302B1}" type="slidenum">
               <a:rPr lang="de-CH" smtClean="0"/>
               <a:t>‹#›</a:t>
             </a:fld>
@@ -3167,7 +3168,7 @@
               <a:rPr lang="de-CH" smtClean="0"/>
               <a:t>Slide </a:t>
             </a:r>
-            <a:fld id="{26B633D7-4D16-452A-B18F-ECC2008AA81A}" type="slidenum">
+            <a:fld id="{378A4CBE-FEF7-4960-B5D7-4D3455C94231}" type="slidenum">
               <a:rPr lang="de-CH" smtClean="0"/>
               <a:t>‹#›</a:t>
             </a:fld>
@@ -3180,6 +3181,13 @@
   <p:clrMapOvr>
     <a:masterClrMapping/>
   </p:clrMapOvr>
+  <p:timing>
+    <p:tnLst>
+      <p:par>
+        <p:cTn id="1" dur="indefinite" restart="never" nodeType="tmRoot"/>
+      </p:par>
+    </p:tnLst>
+  </p:timing>
   <p:hf hdr="0"/>
 </p:sldLayout>
 </file>
@@ -3669,7 +3677,7 @@
                 <a:ea typeface="+mn-ea"/>
                 <a:cs typeface="+mn-cs"/>
               </a:rPr>
-              <a:t>Cross-platform mobile development</a:t>
+              <a:t>Cross-platform Mobile Development</a:t>
             </a:r>
             <a:endParaRPr lang="en-US" sz="700" b="1" kern="1200" noProof="1" smtClean="0">
               <a:solidFill>
@@ -3802,7 +3810,7 @@
               <a:rPr lang="de-CH" smtClean="0"/>
               <a:t>Slide </a:t>
             </a:r>
-            <a:fld id="{DC1C7DBC-9360-46F1-92BA-A71444675A2C}" type="slidenum">
+            <a:fld id="{B94A92AD-9E5D-4B92-8CFB-3DA1B35B5F6E}" type="slidenum">
               <a:rPr lang="de-CH" smtClean="0"/>
               <a:t>‹#›</a:t>
             </a:fld>
@@ -3956,7 +3964,7 @@
           <a:p>
             <a:r>
               <a:rPr lang="en-US" smtClean="0"/>
-              <a:t>Cross-platform mobile development | Ursin Brunner, Stefan Schöb, Oliver Brack</a:t>
+              <a:t>Cross-platform Mobile Development | Ursin Brunner, Stefan Schöb, Oliver Brack</a:t>
             </a:r>
             <a:endParaRPr lang="de-CH" dirty="0"/>
           </a:p>
@@ -3981,7 +3989,7 @@
               <a:rPr lang="de-CH" smtClean="0"/>
               <a:t>Slide </a:t>
             </a:r>
-            <a:fld id="{71FC6896-AB3A-441B-8484-4D89162C8D32}" type="slidenum">
+            <a:fld id="{76AE5747-D0E7-4D66-8FBF-9CFC53A4E0C8}" type="slidenum">
               <a:rPr lang="de-CH" smtClean="0"/>
               <a:t>‹#›</a:t>
             </a:fld>
@@ -3994,6 +4002,13 @@
   <p:clrMapOvr>
     <a:masterClrMapping/>
   </p:clrMapOvr>
+  <p:timing>
+    <p:tnLst>
+      <p:par>
+        <p:cTn id="1" dur="indefinite" restart="never" nodeType="tmRoot"/>
+      </p:par>
+    </p:tnLst>
+  </p:timing>
   <p:hf hdr="0"/>
 </p:sldLayout>
 </file>
@@ -4135,7 +4150,7 @@
           <a:p>
             <a:r>
               <a:rPr lang="en-US" smtClean="0"/>
-              <a:t>Cross-platform mobile development | Ursin Brunner, Stefan Schöb, Oliver Brack</a:t>
+              <a:t>Cross-platform Mobile Development | Ursin Brunner, Stefan Schöb, Oliver Brack</a:t>
             </a:r>
             <a:endParaRPr lang="de-CH" dirty="0"/>
           </a:p>
@@ -4160,7 +4175,7 @@
               <a:rPr lang="de-CH" smtClean="0"/>
               <a:t>Slide </a:t>
             </a:r>
-            <a:fld id="{77A1823D-C761-47FA-A1BB-A6B5EBB5BBA8}" type="slidenum">
+            <a:fld id="{D7B7DDA7-CF12-4BBF-B8E0-F427BB9AB6A0}" type="slidenum">
               <a:rPr lang="de-CH" smtClean="0"/>
               <a:t>‹#›</a:t>
             </a:fld>
@@ -4439,7 +4454,7 @@
           <a:p>
             <a:r>
               <a:rPr lang="en-US" smtClean="0"/>
-              <a:t>Cross-platform mobile development | Ursin Brunner, Stefan Schöb, Oliver Brack</a:t>
+              <a:t>Cross-platform Mobile Development | Ursin Brunner, Stefan Schöb, Oliver Brack</a:t>
             </a:r>
             <a:endParaRPr lang="de-CH" dirty="0"/>
           </a:p>
@@ -4464,7 +4479,7 @@
               <a:rPr lang="de-CH" smtClean="0"/>
               <a:t>Slide </a:t>
             </a:r>
-            <a:fld id="{BE42C9A6-0A45-45EC-94C9-FA0F2339D01C}" type="slidenum">
+            <a:fld id="{608036F8-FD1A-4F80-8A70-B92E69488E2B}" type="slidenum">
               <a:rPr lang="de-CH" smtClean="0"/>
               <a:t>‹#›</a:t>
             </a:fld>
@@ -4802,7 +4817,7 @@
           <a:p>
             <a:r>
               <a:rPr lang="en-US" smtClean="0"/>
-              <a:t>Cross-platform mobile development | Ursin Brunner, Stefan Schöb, Oliver Brack</a:t>
+              <a:t>Cross-platform Mobile Development | Ursin Brunner, Stefan Schöb, Oliver Brack</a:t>
             </a:r>
             <a:endParaRPr lang="de-CH" dirty="0"/>
           </a:p>
@@ -4827,7 +4842,7 @@
               <a:rPr lang="de-CH" smtClean="0"/>
               <a:t>Slide </a:t>
             </a:r>
-            <a:fld id="{3B39D169-1B3C-4DBD-A8AD-E8312305B106}" type="slidenum">
+            <a:fld id="{89E8E012-0A83-4B09-BF48-F9A61631A5C2}" type="slidenum">
               <a:rPr lang="de-CH" smtClean="0"/>
               <a:t>‹#›</a:t>
             </a:fld>
@@ -5035,7 +5050,7 @@
           <a:p>
             <a:r>
               <a:rPr lang="en-US" smtClean="0"/>
-              <a:t>Cross-platform mobile development | Ursin Brunner, Stefan Schöb, Oliver Brack</a:t>
+              <a:t>Cross-platform Mobile Development | Ursin Brunner, Stefan Schöb, Oliver Brack</a:t>
             </a:r>
             <a:endParaRPr lang="de-CH" dirty="0"/>
           </a:p>
@@ -5077,7 +5092,7 @@
               <a:rPr lang="de-CH" smtClean="0"/>
               <a:t>Slide </a:t>
             </a:r>
-            <a:fld id="{FE5B1E30-45D0-4A6F-B724-4BE7FE44639D}" type="slidenum">
+            <a:fld id="{16E85F37-F433-4A88-8678-0FDC0A7E7087}" type="slidenum">
               <a:rPr lang="de-CH" smtClean="0"/>
               <a:t>‹#›</a:t>
             </a:fld>
@@ -6559,6 +6574,13 @@
     <p:sldLayoutId id="2147483655" r:id="rId10"/>
     <p:sldLayoutId id="2147483654" r:id="rId11"/>
   </p:sldLayoutIdLst>
+  <p:timing>
+    <p:tnLst>
+      <p:par>
+        <p:cTn id="1" dur="indefinite" restart="never" nodeType="tmRoot"/>
+      </p:par>
+    </p:tnLst>
+  </p:timing>
   <p:hf hdr="0"/>
   <p:txStyles>
     <p:titleStyle>
@@ -6878,7 +6900,19 @@
           <a:p>
             <a:r>
               <a:rPr lang="en-US" dirty="0" smtClean="0"/>
-              <a:t>Cross-platform mobile development with C#</a:t>
+              <a:t>Cross-platform </a:t>
+            </a:r>
+            <a:r>
+              <a:rPr lang="en-US" dirty="0" smtClean="0"/>
+              <a:t>Mobile Development (with </a:t>
+            </a:r>
+            <a:r>
+              <a:rPr lang="en-US" dirty="0" smtClean="0"/>
+              <a:t>C</a:t>
+            </a:r>
+            <a:r>
+              <a:rPr lang="en-US" dirty="0" smtClean="0"/>
+              <a:t>#)</a:t>
             </a:r>
             <a:endParaRPr lang="en-US" dirty="0"/>
           </a:p>
@@ -7021,7 +7055,7 @@
       </p:pic>
       <p:sp>
         <p:nvSpPr>
-          <p:cNvPr id="4" name="Date Placeholder 3"/>
+          <p:cNvPr id="8" name="Date Placeholder 7"/>
           <p:cNvSpPr>
             <a:spLocks noGrp="1"/>
           </p:cNvSpPr>
@@ -7044,7 +7078,7 @@
       </p:sp>
       <p:sp>
         <p:nvSpPr>
-          <p:cNvPr id="7" name="Slide Number Placeholder 6"/>
+          <p:cNvPr id="11" name="Slide Number Placeholder 10"/>
           <p:cNvSpPr>
             <a:spLocks noGrp="1"/>
           </p:cNvSpPr>
@@ -7061,7 +7095,7 @@
               <a:rPr lang="de-CH" smtClean="0"/>
               <a:t>Slide </a:t>
             </a:r>
-            <a:fld id="{39030372-B3F3-4AC7-96C0-A941DBF9E458}" type="slidenum">
+            <a:fld id="{AB8AA607-8E02-43F3-9B54-7A29AE560499}" type="slidenum">
               <a:rPr lang="de-CH" smtClean="0"/>
               <a:t>1</a:t>
             </a:fld>
@@ -7108,6 +7142,54 @@
       </p:grpSpPr>
       <p:sp>
         <p:nvSpPr>
+          <p:cNvPr id="14" name="Rectangle 13"/>
+          <p:cNvSpPr/>
+          <p:nvPr/>
+        </p:nvSpPr>
+        <p:spPr>
+          <a:xfrm>
+            <a:off x="0" y="0"/>
+            <a:ext cx="9144000" cy="1524000"/>
+          </a:xfrm>
+          <a:prstGeom prst="rect">
+            <a:avLst/>
+          </a:prstGeom>
+          <a:solidFill>
+            <a:srgbClr val="FF820A"/>
+          </a:solidFill>
+          <a:ln w="12700">
+            <a:noFill/>
+          </a:ln>
+        </p:spPr>
+        <p:style>
+          <a:lnRef idx="2">
+            <a:schemeClr val="accent1">
+              <a:shade val="50000"/>
+            </a:schemeClr>
+          </a:lnRef>
+          <a:fillRef idx="1">
+            <a:schemeClr val="accent1"/>
+          </a:fillRef>
+          <a:effectRef idx="0">
+            <a:schemeClr val="accent1"/>
+          </a:effectRef>
+          <a:fontRef idx="minor">
+            <a:schemeClr val="lt1"/>
+          </a:fontRef>
+        </p:style>
+        <p:txBody>
+          <a:bodyPr rtlCol="0" anchor="ctr"/>
+          <a:lstStyle/>
+          <a:p>
+            <a:pPr algn="ctr"/>
+            <a:endParaRPr lang="en-US" sz="2200" dirty="0" err="1" smtClean="0">
+              <a:latin typeface="AA Zuehlke" pitchFamily="2" charset="0"/>
+            </a:endParaRPr>
+          </a:p>
+        </p:txBody>
+      </p:sp>
+      <p:sp>
+        <p:nvSpPr>
           <p:cNvPr id="2" name="Content Placeholder 1"/>
           <p:cNvSpPr>
             <a:spLocks noGrp="1"/>
@@ -7121,13 +7203,55 @@
           <a:bodyPr/>
           <a:lstStyle/>
           <a:p>
-            <a:endParaRPr lang="en-US" dirty="0"/>
-          </a:p>
-        </p:txBody>
-      </p:sp>
-      <p:sp>
-        <p:nvSpPr>
-          <p:cNvPr id="3" name="Title 2"/>
+            <a:r>
+              <a:rPr lang="en-US" sz="2800" dirty="0" smtClean="0"/>
+              <a:t>Requirements</a:t>
+            </a:r>
+          </a:p>
+          <a:p>
+            <a:pPr lvl="1"/>
+            <a:r>
+              <a:rPr lang="en-US" sz="2800" dirty="0" smtClean="0"/>
+              <a:t>User list</a:t>
+            </a:r>
+          </a:p>
+          <a:p>
+            <a:pPr lvl="1"/>
+            <a:r>
+              <a:rPr lang="en-US" sz="2800" dirty="0" smtClean="0"/>
+              <a:t>Refresh button</a:t>
+            </a:r>
+          </a:p>
+          <a:p>
+            <a:pPr lvl="1"/>
+            <a:endParaRPr lang="en-US" sz="2800" dirty="0" smtClean="0"/>
+          </a:p>
+          <a:p>
+            <a:r>
+              <a:rPr lang="en-US" sz="2800" dirty="0" smtClean="0"/>
+              <a:t>Vision</a:t>
+            </a:r>
+          </a:p>
+          <a:p>
+            <a:pPr lvl="1"/>
+            <a:r>
+              <a:rPr lang="en-US" sz="2800" dirty="0" smtClean="0"/>
+              <a:t>User details</a:t>
+            </a:r>
+          </a:p>
+          <a:p>
+            <a:pPr lvl="1"/>
+            <a:r>
+              <a:rPr lang="en-US" sz="2800" dirty="0" smtClean="0"/>
+              <a:t>Messages</a:t>
+            </a:r>
+            <a:endParaRPr lang="en-US" sz="2800" dirty="0"/>
+          </a:p>
+        </p:txBody>
+      </p:sp>
+      <p:sp>
+        <p:nvSpPr>
+          <p:cNvPr id="23" name="Title 22"/>
           <p:cNvSpPr>
             <a:spLocks noGrp="1"/>
           </p:cNvSpPr>
@@ -7140,22 +7264,13 @@
           <a:bodyPr/>
           <a:lstStyle/>
           <a:p>
-            <a:pPr lvl="0"/>
-            <a:r>
-              <a:rPr lang="en-US" dirty="0"/>
-              <a:t>Tooling </a:t>
-            </a:r>
-            <a:r>
-              <a:rPr lang="en-US" dirty="0" smtClean="0"/>
-              <a:t>setup</a:t>
-            </a:r>
-            <a:endParaRPr lang="en-US" dirty="0"/>
-          </a:p>
-        </p:txBody>
-      </p:sp>
-      <p:sp>
-        <p:nvSpPr>
-          <p:cNvPr id="4" name="Date Placeholder 3"/>
+            <a:endParaRPr lang="en-US"/>
+          </a:p>
+        </p:txBody>
+      </p:sp>
+      <p:sp>
+        <p:nvSpPr>
+          <p:cNvPr id="16" name="Date Placeholder 15"/>
           <p:cNvSpPr>
             <a:spLocks noGrp="1"/>
           </p:cNvSpPr>
@@ -7169,10 +7284,10 @@
           <a:lstStyle/>
           <a:p>
             <a:r>
-              <a:rPr lang="en-US" dirty="0" smtClean="0"/>
+              <a:rPr lang="en-US" smtClean="0"/>
               <a:t>26. September 2013</a:t>
             </a:r>
-            <a:endParaRPr lang="en-US" dirty="0"/>
+            <a:endParaRPr lang="de-CH" dirty="0"/>
           </a:p>
         </p:txBody>
       </p:sp>
@@ -7192,16 +7307,8 @@
           <a:lstStyle/>
           <a:p>
             <a:r>
-              <a:rPr lang="en-US" dirty="0" smtClean="0"/>
-              <a:t>Cross-platform mobile development | Ursin Brunner, Stefan </a:t>
-            </a:r>
-            <a:r>
-              <a:rPr lang="en-US" dirty="0" err="1" smtClean="0"/>
-              <a:t>Schöb</a:t>
-            </a:r>
-            <a:r>
-              <a:rPr lang="en-US" dirty="0" smtClean="0"/>
-              <a:t>, Oliver Brack</a:t>
+              <a:rPr lang="en-US" smtClean="0"/>
+              <a:t>Cross-platform Mobile Development | Ursin Brunner, Stefan Schöb, Oliver Brack</a:t>
             </a:r>
             <a:endParaRPr lang="en-US" dirty="0"/>
           </a:p>
@@ -7209,7 +7316,165 @@
       </p:sp>
       <p:sp>
         <p:nvSpPr>
-          <p:cNvPr id="8" name="Slide Number Placeholder 7"/>
+          <p:cNvPr id="11" name="Title 2"/>
+          <p:cNvSpPr txBox="1">
+            <a:spLocks/>
+          </p:cNvSpPr>
+          <p:nvPr/>
+        </p:nvSpPr>
+        <p:spPr bwMode="gray">
+          <a:xfrm>
+            <a:off x="304482" y="373395"/>
+            <a:ext cx="6274118" cy="1212518"/>
+          </a:xfrm>
+          <a:prstGeom prst="rect">
+            <a:avLst/>
+          </a:prstGeom>
+        </p:spPr>
+        <p:txBody>
+          <a:bodyPr vert="horz" lIns="0" tIns="0" rIns="0" bIns="0" rtlCol="0" anchor="t" anchorCtr="0">
+            <a:noAutofit/>
+          </a:bodyPr>
+          <a:lstStyle>
+            <a:lvl1pPr algn="l" defTabSz="914400" rtl="0" eaLnBrk="1" latinLnBrk="0" hangingPunct="1">
+              <a:lnSpc>
+                <a:spcPct val="98000"/>
+              </a:lnSpc>
+              <a:spcBef>
+                <a:spcPct val="0"/>
+              </a:spcBef>
+              <a:buNone/>
+              <a:defRPr sz="2800" kern="1200">
+                <a:solidFill>
+                  <a:srgbClr val="FF820A"/>
+                </a:solidFill>
+                <a:latin typeface="AA Zuehlke Medium" pitchFamily="2" charset="0"/>
+                <a:ea typeface="+mj-ea"/>
+                <a:cs typeface="+mj-cs"/>
+              </a:defRPr>
+            </a:lvl1pPr>
+          </a:lstStyle>
+          <a:p>
+            <a:r>
+              <a:rPr lang="en-US" dirty="0" smtClean="0">
+                <a:solidFill>
+                  <a:schemeClr val="bg1"/>
+                </a:solidFill>
+                <a:latin typeface="+mj-lt"/>
+              </a:rPr>
+              <a:t>User Interface Mockup</a:t>
+            </a:r>
+            <a:endParaRPr lang="en-US" dirty="0">
+              <a:solidFill>
+                <a:schemeClr val="bg1"/>
+              </a:solidFill>
+              <a:latin typeface="+mj-lt"/>
+            </a:endParaRPr>
+          </a:p>
+        </p:txBody>
+      </p:sp>
+      <p:pic>
+        <p:nvPicPr>
+          <p:cNvPr id="15" name="Logo" descr="C:\Users\Luc Benninger\Desktop\Zuehlke_Logo_rgb_300dpi.png"/>
+          <p:cNvPicPr>
+            <a:picLocks noChangeArrowheads="1"/>
+          </p:cNvPicPr>
+          <p:nvPr>
+            <p:custDataLst>
+              <p:tags r:id="rId1"/>
+            </p:custDataLst>
+          </p:nvPr>
+        </p:nvPicPr>
+        <p:blipFill>
+          <a:blip r:embed="rId3" cstate="print">
+            <a:extLst>
+              <a:ext uri="{28A0092B-C50C-407E-A947-70E740481C1C}">
+                <a14:useLocalDpi xmlns:a14="http://schemas.microsoft.com/office/drawing/2010/main" val="0"/>
+              </a:ext>
+            </a:extLst>
+          </a:blip>
+          <a:srcRect/>
+          <a:stretch>
+            <a:fillRect/>
+          </a:stretch>
+        </p:blipFill>
+        <p:spPr bwMode="auto">
+          <a:xfrm>
+            <a:off x="6567488" y="292100"/>
+            <a:ext cx="1141412" cy="1141412"/>
+          </a:xfrm>
+          <a:prstGeom prst="rect">
+            <a:avLst/>
+          </a:prstGeom>
+          <a:noFill/>
+          <a:extLst>
+            <a:ext uri="{909E8E84-426E-40DD-AFC4-6F175D3DCCD1}">
+              <a14:hiddenFill xmlns:a14="http://schemas.microsoft.com/office/drawing/2010/main">
+                <a:solidFill>
+                  <a:srgbClr val="FFFFFF"/>
+                </a:solidFill>
+              </a14:hiddenFill>
+            </a:ext>
+          </a:extLst>
+        </p:spPr>
+      </p:pic>
+      <p:pic>
+        <p:nvPicPr>
+          <p:cNvPr id="7170" name="Picture 2"/>
+          <p:cNvPicPr>
+            <a:picLocks noChangeAspect="1" noChangeArrowheads="1"/>
+          </p:cNvPicPr>
+          <p:nvPr/>
+        </p:nvPicPr>
+        <p:blipFill>
+          <a:blip r:embed="rId4">
+            <a:extLst>
+              <a:ext uri="{28A0092B-C50C-407E-A947-70E740481C1C}">
+                <a14:useLocalDpi xmlns:a14="http://schemas.microsoft.com/office/drawing/2010/main" val="0"/>
+              </a:ext>
+            </a:extLst>
+          </a:blip>
+          <a:srcRect/>
+          <a:stretch>
+            <a:fillRect/>
+          </a:stretch>
+        </p:blipFill>
+        <p:spPr bwMode="auto">
+          <a:xfrm>
+            <a:off x="5284891" y="1585913"/>
+            <a:ext cx="2424010" cy="4925382"/>
+          </a:xfrm>
+          <a:prstGeom prst="rect">
+            <a:avLst/>
+          </a:prstGeom>
+          <a:noFill/>
+          <a:ln>
+            <a:noFill/>
+          </a:ln>
+          <a:extLst>
+            <a:ext uri="{909E8E84-426E-40DD-AFC4-6F175D3DCCD1}">
+              <a14:hiddenFill xmlns:a14="http://schemas.microsoft.com/office/drawing/2010/main">
+                <a:solidFill>
+                  <a:schemeClr val="accent1"/>
+                </a:solidFill>
+              </a14:hiddenFill>
+            </a:ext>
+            <a:ext uri="{91240B29-F687-4F45-9708-019B960494DF}">
+              <a14:hiddenLine xmlns:a14="http://schemas.microsoft.com/office/drawing/2010/main" w="9525">
+                <a:solidFill>
+                  <a:schemeClr val="tx1"/>
+                </a:solidFill>
+                <a:miter lim="800000"/>
+                <a:headEnd/>
+                <a:tailEnd/>
+              </a14:hiddenLine>
+            </a:ext>
+          </a:extLst>
+        </p:spPr>
+      </p:pic>
+      <p:sp>
+        <p:nvSpPr>
+          <p:cNvPr id="24" name="Slide Number Placeholder 23"/>
           <p:cNvSpPr>
             <a:spLocks noGrp="1"/>
           </p:cNvSpPr>
@@ -7226,7 +7491,7 @@
               <a:rPr lang="de-CH" smtClean="0"/>
               <a:t>Slide </a:t>
             </a:r>
-            <a:fld id="{71FC6896-AB3A-441B-8484-4D89162C8D32}" type="slidenum">
+            <a:fld id="{76AE5747-D0E7-4D66-8FBF-9CFC53A4E0C8}" type="slidenum">
               <a:rPr lang="de-CH" smtClean="0"/>
               <a:t>10</a:t>
             </a:fld>
@@ -7237,7 +7502,7 @@
     </p:spTree>
     <p:extLst>
       <p:ext uri="{BB962C8B-B14F-4D97-AF65-F5344CB8AC3E}">
-        <p14:creationId xmlns:p14="http://schemas.microsoft.com/office/powerpoint/2010/main" val="248274490"/>
+        <p14:creationId xmlns:p14="http://schemas.microsoft.com/office/powerpoint/2010/main" val="3686012822"/>
       </p:ext>
     </p:extLst>
   </p:cSld>
@@ -7247,7 +7512,177 @@
   <p:timing>
     <p:tnLst>
       <p:par>
-        <p:cTn id="1" dur="indefinite" restart="never" nodeType="tmRoot"/>
+        <p:cTn id="1" dur="indefinite" restart="never" nodeType="tmRoot">
+          <p:childTnLst>
+            <p:seq concurrent="1" nextAc="seek">
+              <p:cTn id="2" dur="indefinite" nodeType="mainSeq">
+                <p:childTnLst>
+                  <p:par>
+                    <p:cTn id="3" fill="hold">
+                      <p:stCondLst>
+                        <p:cond delay="indefinite"/>
+                      </p:stCondLst>
+                      <p:childTnLst>
+                        <p:par>
+                          <p:cTn id="4" fill="hold">
+                            <p:stCondLst>
+                              <p:cond delay="0"/>
+                            </p:stCondLst>
+                            <p:childTnLst>
+                              <p:par>
+                                <p:cTn id="5" presetID="10" presetClass="entr" presetSubtype="0" fill="hold" nodeType="clickEffect">
+                                  <p:stCondLst>
+                                    <p:cond delay="0"/>
+                                  </p:stCondLst>
+                                  <p:childTnLst>
+                                    <p:set>
+                                      <p:cBhvr>
+                                        <p:cTn id="6" dur="1" fill="hold">
+                                          <p:stCondLst>
+                                            <p:cond delay="0"/>
+                                          </p:stCondLst>
+                                        </p:cTn>
+                                        <p:tgtEl>
+                                          <p:spTgt spid="2">
+                                            <p:txEl>
+                                              <p:pRg st="4" end="4"/>
+                                            </p:txEl>
+                                          </p:spTgt>
+                                        </p:tgtEl>
+                                        <p:attrNameLst>
+                                          <p:attrName>style.visibility</p:attrName>
+                                        </p:attrNameLst>
+                                      </p:cBhvr>
+                                      <p:to>
+                                        <p:strVal val="visible"/>
+                                      </p:to>
+                                    </p:set>
+                                    <p:animEffect transition="in" filter="fade">
+                                      <p:cBhvr>
+                                        <p:cTn id="7" dur="500"/>
+                                        <p:tgtEl>
+                                          <p:spTgt spid="2">
+                                            <p:txEl>
+                                              <p:pRg st="4" end="4"/>
+                                            </p:txEl>
+                                          </p:spTgt>
+                                        </p:tgtEl>
+                                      </p:cBhvr>
+                                    </p:animEffect>
+                                  </p:childTnLst>
+                                </p:cTn>
+                              </p:par>
+                              <p:par>
+                                <p:cTn id="8" presetID="10" presetClass="entr" presetSubtype="0" fill="hold" nodeType="withEffect">
+                                  <p:stCondLst>
+                                    <p:cond delay="0"/>
+                                  </p:stCondLst>
+                                  <p:childTnLst>
+                                    <p:set>
+                                      <p:cBhvr>
+                                        <p:cTn id="9" dur="1" fill="hold">
+                                          <p:stCondLst>
+                                            <p:cond delay="0"/>
+                                          </p:stCondLst>
+                                        </p:cTn>
+                                        <p:tgtEl>
+                                          <p:spTgt spid="2">
+                                            <p:txEl>
+                                              <p:pRg st="5" end="5"/>
+                                            </p:txEl>
+                                          </p:spTgt>
+                                        </p:tgtEl>
+                                        <p:attrNameLst>
+                                          <p:attrName>style.visibility</p:attrName>
+                                        </p:attrNameLst>
+                                      </p:cBhvr>
+                                      <p:to>
+                                        <p:strVal val="visible"/>
+                                      </p:to>
+                                    </p:set>
+                                    <p:animEffect transition="in" filter="fade">
+                                      <p:cBhvr>
+                                        <p:cTn id="10" dur="500"/>
+                                        <p:tgtEl>
+                                          <p:spTgt spid="2">
+                                            <p:txEl>
+                                              <p:pRg st="5" end="5"/>
+                                            </p:txEl>
+                                          </p:spTgt>
+                                        </p:tgtEl>
+                                      </p:cBhvr>
+                                    </p:animEffect>
+                                  </p:childTnLst>
+                                </p:cTn>
+                              </p:par>
+                              <p:par>
+                                <p:cTn id="11" presetID="10" presetClass="entr" presetSubtype="0" fill="hold" nodeType="withEffect">
+                                  <p:stCondLst>
+                                    <p:cond delay="0"/>
+                                  </p:stCondLst>
+                                  <p:childTnLst>
+                                    <p:set>
+                                      <p:cBhvr>
+                                        <p:cTn id="12" dur="1" fill="hold">
+                                          <p:stCondLst>
+                                            <p:cond delay="0"/>
+                                          </p:stCondLst>
+                                        </p:cTn>
+                                        <p:tgtEl>
+                                          <p:spTgt spid="2">
+                                            <p:txEl>
+                                              <p:pRg st="6" end="6"/>
+                                            </p:txEl>
+                                          </p:spTgt>
+                                        </p:tgtEl>
+                                        <p:attrNameLst>
+                                          <p:attrName>style.visibility</p:attrName>
+                                        </p:attrNameLst>
+                                      </p:cBhvr>
+                                      <p:to>
+                                        <p:strVal val="visible"/>
+                                      </p:to>
+                                    </p:set>
+                                    <p:animEffect transition="in" filter="fade">
+                                      <p:cBhvr>
+                                        <p:cTn id="13" dur="500"/>
+                                        <p:tgtEl>
+                                          <p:spTgt spid="2">
+                                            <p:txEl>
+                                              <p:pRg st="6" end="6"/>
+                                            </p:txEl>
+                                          </p:spTgt>
+                                        </p:tgtEl>
+                                      </p:cBhvr>
+                                    </p:animEffect>
+                                  </p:childTnLst>
+                                </p:cTn>
+                              </p:par>
+                            </p:childTnLst>
+                          </p:cTn>
+                        </p:par>
+                      </p:childTnLst>
+                    </p:cTn>
+                  </p:par>
+                </p:childTnLst>
+              </p:cTn>
+              <p:prevCondLst>
+                <p:cond evt="onPrev" delay="0">
+                  <p:tgtEl>
+                    <p:sldTgt/>
+                  </p:tgtEl>
+                </p:cond>
+              </p:prevCondLst>
+              <p:nextCondLst>
+                <p:cond evt="onNext" delay="0">
+                  <p:tgtEl>
+                    <p:sldTgt/>
+                  </p:tgtEl>
+                </p:cond>
+              </p:nextCondLst>
+            </p:seq>
+          </p:childTnLst>
+        </p:cTn>
       </p:par>
     </p:tnLst>
   </p:timing>
@@ -7286,7 +7721,55 @@
           <a:bodyPr/>
           <a:lstStyle/>
           <a:p>
-            <a:endParaRPr lang="en-US" dirty="0"/>
+            <a:pPr lvl="1"/>
+            <a:r>
+              <a:rPr lang="en-US" dirty="0" smtClean="0"/>
+              <a:t>Prepared</a:t>
+            </a:r>
+            <a:r>
+              <a:rPr lang="en-US" dirty="0"/>
+              <a:t> </a:t>
+            </a:r>
+            <a:r>
+              <a:rPr lang="en-US" dirty="0" smtClean="0"/>
+              <a:t>Solution</a:t>
+            </a:r>
+          </a:p>
+          <a:p>
+            <a:pPr lvl="1"/>
+            <a:r>
+              <a:rPr lang="en-US" dirty="0" err="1" smtClean="0"/>
+              <a:t>NuGet</a:t>
+            </a:r>
+            <a:r>
+              <a:rPr lang="en-US" dirty="0" smtClean="0"/>
+              <a:t> </a:t>
+            </a:r>
+            <a:r>
+              <a:rPr lang="en-US" dirty="0" smtClean="0">
+                <a:sym typeface="Wingdings" panose="05000000000000000000" pitchFamily="2" charset="2"/>
+              </a:rPr>
+              <a:t> Install </a:t>
+            </a:r>
+            <a:r>
+              <a:rPr lang="en-US" dirty="0" err="1" smtClean="0">
+                <a:sym typeface="Wingdings" panose="05000000000000000000" pitchFamily="2" charset="2"/>
+              </a:rPr>
+              <a:t>MvvmCross</a:t>
+            </a:r>
+            <a:endParaRPr lang="en-US" dirty="0" smtClean="0">
+              <a:sym typeface="Wingdings" panose="05000000000000000000" pitchFamily="2" charset="2"/>
+            </a:endParaRPr>
+          </a:p>
+          <a:p>
+            <a:pPr lvl="1"/>
+            <a:r>
+              <a:rPr lang="en-US" dirty="0" smtClean="0">
+                <a:sym typeface="Wingdings" panose="05000000000000000000" pitchFamily="2" charset="2"/>
+              </a:rPr>
+              <a:t>Run mini-Demo</a:t>
+            </a:r>
+            <a:endParaRPr lang="en-US" dirty="0" smtClean="0"/>
           </a:p>
         </p:txBody>
       </p:sp>
@@ -7312,11 +7795,19 @@
             </a:r>
             <a:r>
               <a:rPr lang="en-US" dirty="0" smtClean="0"/>
-              <a:t> setup with </a:t>
+              <a:t> </a:t>
+            </a:r>
+            <a:r>
+              <a:rPr lang="en-US" dirty="0" smtClean="0"/>
+              <a:t>Setup </a:t>
+            </a:r>
+            <a:r>
+              <a:rPr lang="en-US" dirty="0" smtClean="0"/>
+              <a:t>with </a:t>
             </a:r>
             <a:r>
               <a:rPr lang="en-US" dirty="0" err="1" smtClean="0"/>
-              <a:t>Nuget</a:t>
+              <a:t>NuGet</a:t>
             </a:r>
             <a:endParaRPr lang="en-US" dirty="0"/>
           </a:p>
@@ -7324,7 +7815,30 @@
       </p:sp>
       <p:sp>
         <p:nvSpPr>
-          <p:cNvPr id="4" name="Date Placeholder 3"/>
+          <p:cNvPr id="5" name="Footer Placeholder 4"/>
+          <p:cNvSpPr>
+            <a:spLocks noGrp="1"/>
+          </p:cNvSpPr>
+          <p:nvPr>
+            <p:ph type="ftr" sz="quarter" idx="11"/>
+          </p:nvPr>
+        </p:nvSpPr>
+        <p:spPr/>
+        <p:txBody>
+          <a:bodyPr/>
+          <a:lstStyle/>
+          <a:p>
+            <a:r>
+              <a:rPr lang="en-US" smtClean="0"/>
+              <a:t>Cross-platform Mobile Development | Ursin Brunner, Stefan Schöb, Oliver Brack</a:t>
+            </a:r>
+            <a:endParaRPr lang="en-US" dirty="0"/>
+          </a:p>
+        </p:txBody>
+      </p:sp>
+      <p:sp>
+        <p:nvSpPr>
+          <p:cNvPr id="9" name="Date Placeholder 8"/>
           <p:cNvSpPr>
             <a:spLocks noGrp="1"/>
           </p:cNvSpPr>
@@ -7338,47 +7852,16 @@
           <a:lstStyle/>
           <a:p>
             <a:r>
-              <a:rPr lang="en-US" dirty="0" smtClean="0"/>
+              <a:rPr lang="en-US" smtClean="0"/>
               <a:t>26. September 2013</a:t>
             </a:r>
-            <a:endParaRPr lang="en-US" dirty="0"/>
-          </a:p>
-        </p:txBody>
-      </p:sp>
-      <p:sp>
-        <p:nvSpPr>
-          <p:cNvPr id="5" name="Footer Placeholder 4"/>
-          <p:cNvSpPr>
-            <a:spLocks noGrp="1"/>
-          </p:cNvSpPr>
-          <p:nvPr>
-            <p:ph type="ftr" sz="quarter" idx="11"/>
-          </p:nvPr>
-        </p:nvSpPr>
-        <p:spPr/>
-        <p:txBody>
-          <a:bodyPr/>
-          <a:lstStyle/>
-          <a:p>
-            <a:r>
-              <a:rPr lang="en-US" dirty="0" smtClean="0"/>
-              <a:t>Cross-platform mobile development | Ursin Brunner, Stefan </a:t>
-            </a:r>
-            <a:r>
-              <a:rPr lang="en-US" dirty="0" err="1" smtClean="0"/>
-              <a:t>Schöb</a:t>
-            </a:r>
-            <a:r>
-              <a:rPr lang="en-US" dirty="0" smtClean="0"/>
-              <a:t>, Oliver Brack</a:t>
-            </a:r>
-            <a:endParaRPr lang="en-US" dirty="0"/>
-          </a:p>
-        </p:txBody>
-      </p:sp>
-      <p:sp>
-        <p:nvSpPr>
-          <p:cNvPr id="6" name="Slide Number Placeholder 5"/>
+            <a:endParaRPr lang="de-CH" dirty="0"/>
+          </a:p>
+        </p:txBody>
+      </p:sp>
+      <p:sp>
+        <p:nvSpPr>
+          <p:cNvPr id="10" name="Slide Number Placeholder 9"/>
           <p:cNvSpPr>
             <a:spLocks noGrp="1"/>
           </p:cNvSpPr>
@@ -7395,7 +7878,7 @@
               <a:rPr lang="de-CH" smtClean="0"/>
               <a:t>Slide </a:t>
             </a:r>
-            <a:fld id="{71FC6896-AB3A-441B-8484-4D89162C8D32}" type="slidenum">
+            <a:fld id="{75C58849-2B8D-462E-A136-5B0C5EFE9461}" type="slidenum">
               <a:rPr lang="de-CH" smtClean="0"/>
               <a:t>11</a:t>
             </a:fld>
@@ -7403,6 +7886,120 @@
           </a:p>
         </p:txBody>
       </p:sp>
+      <p:sp>
+        <p:nvSpPr>
+          <p:cNvPr id="12" name="Oval 11"/>
+          <p:cNvSpPr/>
+          <p:nvPr/>
+        </p:nvSpPr>
+        <p:spPr>
+          <a:xfrm>
+            <a:off x="8635473" y="78417"/>
+            <a:ext cx="427734" cy="427734"/>
+          </a:xfrm>
+          <a:prstGeom prst="ellipse">
+            <a:avLst/>
+          </a:prstGeom>
+          <a:noFill/>
+          <a:ln w="12700">
+            <a:solidFill>
+              <a:schemeClr val="accent1"/>
+            </a:solidFill>
+          </a:ln>
+        </p:spPr>
+        <p:style>
+          <a:lnRef idx="2">
+            <a:schemeClr val="accent1">
+              <a:shade val="50000"/>
+            </a:schemeClr>
+          </a:lnRef>
+          <a:fillRef idx="1">
+            <a:schemeClr val="accent1"/>
+          </a:fillRef>
+          <a:effectRef idx="0">
+            <a:schemeClr val="accent1"/>
+          </a:effectRef>
+          <a:fontRef idx="minor">
+            <a:schemeClr val="lt1"/>
+          </a:fontRef>
+        </p:style>
+        <p:txBody>
+          <a:bodyPr rtlCol="0" anchor="ctr"/>
+          <a:lstStyle/>
+          <a:p>
+            <a:pPr algn="ctr"/>
+            <a:r>
+              <a:rPr lang="en-US" sz="2200" dirty="0" smtClean="0">
+                <a:solidFill>
+                  <a:schemeClr val="accent1"/>
+                </a:solidFill>
+                <a:latin typeface="+mj-lt"/>
+              </a:rPr>
+              <a:t>3</a:t>
+            </a:r>
+            <a:endParaRPr lang="en-US" sz="2200" dirty="0" smtClean="0">
+              <a:solidFill>
+                <a:schemeClr val="accent1"/>
+              </a:solidFill>
+              <a:latin typeface="+mj-lt"/>
+            </a:endParaRPr>
+          </a:p>
+        </p:txBody>
+      </p:sp>
+      <p:pic>
+        <p:nvPicPr>
+          <p:cNvPr id="13" name="Picture 2" descr="http://www.dosenfischer.de/wp-content/uploads/2009/06/android_vector-580x435.jpg"/>
+          <p:cNvPicPr>
+            <a:picLocks noChangeAspect="1" noChangeArrowheads="1"/>
+          </p:cNvPicPr>
+          <p:nvPr/>
+        </p:nvPicPr>
+        <p:blipFill rotWithShape="1">
+          <a:blip r:embed="rId2" cstate="print">
+            <a:extLst>
+              <a:ext uri="{BEBA8EAE-BF5A-486C-A8C5-ECC9F3942E4B}">
+                <a14:imgProps xmlns:a14="http://schemas.microsoft.com/office/drawing/2010/main">
+                  <a14:imgLayer r:embed="rId3">
+                    <a14:imgEffect>
+                      <a14:backgroundRemoval t="5287" b="92644" l="22069" r="78448">
+                        <a14:foregroundMark x1="27931" y1="45287" x2="27931" y2="45287"/>
+                        <a14:foregroundMark x1="74310" y1="48506" x2="74310" y2="48506"/>
+                        <a14:foregroundMark x1="48621" y1="21149" x2="48621" y2="21149"/>
+                        <a14:foregroundMark x1="42586" y1="25977" x2="42586" y2="25977"/>
+                        <a14:foregroundMark x1="58103" y1="25517" x2="58103" y2="25517"/>
+                      </a14:backgroundRemoval>
+                    </a14:imgEffect>
+                  </a14:imgLayer>
+                </a14:imgProps>
+              </a:ext>
+              <a:ext uri="{28A0092B-C50C-407E-A947-70E740481C1C}">
+                <a14:useLocalDpi xmlns:a14="http://schemas.microsoft.com/office/drawing/2010/main" val="0"/>
+              </a:ext>
+            </a:extLst>
+          </a:blip>
+          <a:srcRect l="21204" t="7413" r="21232" b="3409"/>
+          <a:stretch/>
+        </p:blipFill>
+        <p:spPr bwMode="auto">
+          <a:xfrm>
+            <a:off x="8440600" y="5924115"/>
+            <a:ext cx="619675" cy="720000"/>
+          </a:xfrm>
+          <a:prstGeom prst="rect">
+            <a:avLst/>
+          </a:prstGeom>
+          <a:noFill/>
+          <a:extLst>
+            <a:ext uri="{909E8E84-426E-40DD-AFC4-6F175D3DCCD1}">
+              <a14:hiddenFill xmlns:a14="http://schemas.microsoft.com/office/drawing/2010/main">
+                <a:solidFill>
+                  <a:srgbClr val="FFFFFF"/>
+                </a:solidFill>
+              </a14:hiddenFill>
+            </a:ext>
+          </a:extLst>
+        </p:spPr>
+      </p:pic>
     </p:spTree>
     <p:extLst>
       <p:ext uri="{BB962C8B-B14F-4D97-AF65-F5344CB8AC3E}">
@@ -7455,6 +8052,56 @@
           <a:bodyPr/>
           <a:lstStyle/>
           <a:p>
+            <a:pPr lvl="1"/>
+            <a:r>
+              <a:rPr lang="en-US" dirty="0" err="1" smtClean="0"/>
+              <a:t>Benutzer</a:t>
+            </a:r>
+            <a:r>
+              <a:rPr lang="en-US" dirty="0" smtClean="0"/>
+              <a:t> Class</a:t>
+            </a:r>
+          </a:p>
+          <a:p>
+            <a:pPr lvl="1"/>
+            <a:r>
+              <a:rPr lang="en-US" dirty="0" err="1" smtClean="0"/>
+              <a:t>ViewModel</a:t>
+            </a:r>
+            <a:r>
+              <a:rPr lang="en-US" dirty="0" smtClean="0"/>
+              <a:t> </a:t>
+            </a:r>
+            <a:r>
+              <a:rPr lang="en-US" dirty="0" smtClean="0">
+                <a:sym typeface="Wingdings" panose="05000000000000000000" pitchFamily="2" charset="2"/>
+              </a:rPr>
+              <a:t> Dummy </a:t>
+            </a:r>
+            <a:r>
+              <a:rPr lang="en-US" dirty="0" err="1" smtClean="0">
+                <a:sym typeface="Wingdings" panose="05000000000000000000" pitchFamily="2" charset="2"/>
+              </a:rPr>
+              <a:t>Daten</a:t>
+            </a:r>
+            <a:endParaRPr lang="en-US" dirty="0" smtClean="0">
+              <a:sym typeface="Wingdings" panose="05000000000000000000" pitchFamily="2" charset="2"/>
+            </a:endParaRPr>
+          </a:p>
+          <a:p>
+            <a:pPr lvl="1"/>
+            <a:r>
+              <a:rPr lang="en-US" dirty="0" smtClean="0">
+                <a:sym typeface="Wingdings" panose="05000000000000000000" pitchFamily="2" charset="2"/>
+              </a:rPr>
+              <a:t>View  </a:t>
+            </a:r>
+            <a:r>
+              <a:rPr lang="en-US" dirty="0" err="1" smtClean="0">
+                <a:sym typeface="Wingdings" panose="05000000000000000000" pitchFamily="2" charset="2"/>
+              </a:rPr>
+              <a:t>DataBinding</a:t>
+            </a:r>
             <a:endParaRPr lang="en-US" dirty="0"/>
           </a:p>
         </p:txBody>
@@ -7474,22 +8121,29 @@
           <a:bodyPr/>
           <a:lstStyle/>
           <a:p>
-            <a:pPr lvl="0"/>
+            <a:r>
+              <a:rPr lang="en-US" dirty="0" smtClean="0"/>
+              <a:t>Shared </a:t>
+            </a:r>
+            <a:r>
+              <a:rPr lang="en-US" dirty="0" smtClean="0"/>
+              <a:t>Model/</a:t>
+            </a:r>
             <a:r>
               <a:rPr lang="en-US" dirty="0" err="1" smtClean="0"/>
-              <a:t>MvvmCross</a:t>
+              <a:t>View</a:t>
+            </a:r>
+            <a:r>
+              <a:rPr lang="en-US" dirty="0" err="1" smtClean="0"/>
+              <a:t>M</a:t>
+            </a:r>
+            <a:r>
+              <a:rPr lang="en-US" dirty="0" err="1" smtClean="0"/>
+              <a:t>odel</a:t>
             </a:r>
             <a:r>
               <a:rPr lang="en-US" dirty="0" smtClean="0"/>
-              <a:t> as </a:t>
-            </a:r>
-            <a:r>
-              <a:rPr lang="en-US" dirty="0" err="1" smtClean="0"/>
-              <a:t>IoC</a:t>
-            </a:r>
-            <a:r>
-              <a:rPr lang="en-US" dirty="0" smtClean="0"/>
-              <a:t> container</a:t>
+              <a:t> (1/2)</a:t>
             </a:r>
             <a:endParaRPr lang="en-US" dirty="0"/>
           </a:p>
@@ -7497,7 +8151,30 @@
       </p:sp>
       <p:sp>
         <p:nvSpPr>
-          <p:cNvPr id="4" name="Date Placeholder 3"/>
+          <p:cNvPr id="5" name="Footer Placeholder 4"/>
+          <p:cNvSpPr>
+            <a:spLocks noGrp="1"/>
+          </p:cNvSpPr>
+          <p:nvPr>
+            <p:ph type="ftr" sz="quarter" idx="11"/>
+          </p:nvPr>
+        </p:nvSpPr>
+        <p:spPr/>
+        <p:txBody>
+          <a:bodyPr/>
+          <a:lstStyle/>
+          <a:p>
+            <a:r>
+              <a:rPr lang="en-US" smtClean="0"/>
+              <a:t>Cross-platform Mobile Development | Ursin Brunner, Stefan Schöb, Oliver Brack</a:t>
+            </a:r>
+            <a:endParaRPr lang="en-US" dirty="0"/>
+          </a:p>
+        </p:txBody>
+      </p:sp>
+      <p:sp>
+        <p:nvSpPr>
+          <p:cNvPr id="9" name="Date Placeholder 8"/>
           <p:cNvSpPr>
             <a:spLocks noGrp="1"/>
           </p:cNvSpPr>
@@ -7511,47 +8188,16 @@
           <a:lstStyle/>
           <a:p>
             <a:r>
-              <a:rPr lang="en-US" dirty="0" smtClean="0"/>
+              <a:rPr lang="en-US" smtClean="0"/>
               <a:t>26. September 2013</a:t>
             </a:r>
-            <a:endParaRPr lang="en-US" dirty="0"/>
-          </a:p>
-        </p:txBody>
-      </p:sp>
-      <p:sp>
-        <p:nvSpPr>
-          <p:cNvPr id="5" name="Footer Placeholder 4"/>
-          <p:cNvSpPr>
-            <a:spLocks noGrp="1"/>
-          </p:cNvSpPr>
-          <p:nvPr>
-            <p:ph type="ftr" sz="quarter" idx="11"/>
-          </p:nvPr>
-        </p:nvSpPr>
-        <p:spPr/>
-        <p:txBody>
-          <a:bodyPr/>
-          <a:lstStyle/>
-          <a:p>
-            <a:r>
-              <a:rPr lang="en-US" dirty="0" smtClean="0"/>
-              <a:t>Cross-platform mobile development | Ursin Brunner, Stefan </a:t>
-            </a:r>
-            <a:r>
-              <a:rPr lang="en-US" dirty="0" err="1" smtClean="0"/>
-              <a:t>Schöb</a:t>
-            </a:r>
-            <a:r>
-              <a:rPr lang="en-US" dirty="0" smtClean="0"/>
-              <a:t>, Oliver Brack</a:t>
-            </a:r>
-            <a:endParaRPr lang="en-US" dirty="0"/>
-          </a:p>
-        </p:txBody>
-      </p:sp>
-      <p:sp>
-        <p:nvSpPr>
-          <p:cNvPr id="6" name="Slide Number Placeholder 5"/>
+            <a:endParaRPr lang="de-CH" dirty="0"/>
+          </a:p>
+        </p:txBody>
+      </p:sp>
+      <p:sp>
+        <p:nvSpPr>
+          <p:cNvPr id="10" name="Slide Number Placeholder 9"/>
           <p:cNvSpPr>
             <a:spLocks noGrp="1"/>
           </p:cNvSpPr>
@@ -7568,7 +8214,7 @@
               <a:rPr lang="de-CH" smtClean="0"/>
               <a:t>Slide </a:t>
             </a:r>
-            <a:fld id="{71FC6896-AB3A-441B-8484-4D89162C8D32}" type="slidenum">
+            <a:fld id="{B3B97BE1-35C1-414D-8998-D7C12E7673C1}" type="slidenum">
               <a:rPr lang="de-CH" smtClean="0"/>
               <a:t>12</a:t>
             </a:fld>
@@ -7576,10 +8222,120 @@
           </a:p>
         </p:txBody>
       </p:sp>
+      <p:sp>
+        <p:nvSpPr>
+          <p:cNvPr id="12" name="Oval 11"/>
+          <p:cNvSpPr/>
+          <p:nvPr/>
+        </p:nvSpPr>
+        <p:spPr>
+          <a:xfrm>
+            <a:off x="8635473" y="78417"/>
+            <a:ext cx="427734" cy="427734"/>
+          </a:xfrm>
+          <a:prstGeom prst="ellipse">
+            <a:avLst/>
+          </a:prstGeom>
+          <a:noFill/>
+          <a:ln w="12700">
+            <a:solidFill>
+              <a:schemeClr val="accent1"/>
+            </a:solidFill>
+          </a:ln>
+        </p:spPr>
+        <p:style>
+          <a:lnRef idx="2">
+            <a:schemeClr val="accent1">
+              <a:shade val="50000"/>
+            </a:schemeClr>
+          </a:lnRef>
+          <a:fillRef idx="1">
+            <a:schemeClr val="accent1"/>
+          </a:fillRef>
+          <a:effectRef idx="0">
+            <a:schemeClr val="accent1"/>
+          </a:effectRef>
+          <a:fontRef idx="minor">
+            <a:schemeClr val="lt1"/>
+          </a:fontRef>
+        </p:style>
+        <p:txBody>
+          <a:bodyPr rtlCol="0" anchor="ctr"/>
+          <a:lstStyle/>
+          <a:p>
+            <a:pPr algn="ctr"/>
+            <a:r>
+              <a:rPr lang="en-US" sz="2200" dirty="0" smtClean="0">
+                <a:solidFill>
+                  <a:schemeClr val="accent1"/>
+                </a:solidFill>
+                <a:latin typeface="+mj-lt"/>
+              </a:rPr>
+              <a:t>4</a:t>
+            </a:r>
+            <a:endParaRPr lang="en-US" sz="2200" dirty="0" smtClean="0">
+              <a:solidFill>
+                <a:schemeClr val="accent1"/>
+              </a:solidFill>
+              <a:latin typeface="+mj-lt"/>
+            </a:endParaRPr>
+          </a:p>
+        </p:txBody>
+      </p:sp>
+      <p:pic>
+        <p:nvPicPr>
+          <p:cNvPr id="13" name="Picture 4" descr="http://www.digi-news.ch/schulen/20100624/uploads/apple_logo2.jpg"/>
+          <p:cNvPicPr>
+            <a:picLocks noChangeAspect="1" noChangeArrowheads="1"/>
+          </p:cNvPicPr>
+          <p:nvPr/>
+        </p:nvPicPr>
+        <p:blipFill rotWithShape="1">
+          <a:blip r:embed="rId2" cstate="print">
+            <a:extLst>
+              <a:ext uri="{BEBA8EAE-BF5A-486C-A8C5-ECC9F3942E4B}">
+                <a14:imgProps xmlns:a14="http://schemas.microsoft.com/office/drawing/2010/main">
+                  <a14:imgLayer r:embed="rId3">
+                    <a14:imgEffect>
+                      <a14:backgroundRemoval t="0" b="100000" l="10000" r="90000">
+                        <a14:foregroundMark x1="56444" y1="12162" x2="56444" y2="12162"/>
+                      </a14:backgroundRemoval>
+                    </a14:imgEffect>
+                  </a14:imgLayer>
+                </a14:imgProps>
+              </a:ext>
+              <a:ext uri="{28A0092B-C50C-407E-A947-70E740481C1C}">
+                <a14:useLocalDpi xmlns:a14="http://schemas.microsoft.com/office/drawing/2010/main" val="0"/>
+              </a:ext>
+            </a:extLst>
+          </a:blip>
+          <a:srcRect l="9636" r="15609"/>
+          <a:stretch/>
+        </p:blipFill>
+        <p:spPr bwMode="auto">
+          <a:xfrm>
+            <a:off x="8379457" y="5871876"/>
+            <a:ext cx="654610" cy="720000"/>
+          </a:xfrm>
+          <a:prstGeom prst="rect">
+            <a:avLst/>
+          </a:prstGeom>
+          <a:noFill/>
+          <a:extLst>
+            <a:ext uri="{909E8E84-426E-40DD-AFC4-6F175D3DCCD1}">
+              <a14:hiddenFill xmlns:a14="http://schemas.microsoft.com/office/drawing/2010/main">
+                <a:solidFill>
+                  <a:srgbClr val="FFFFFF"/>
+                </a:solidFill>
+              </a14:hiddenFill>
+            </a:ext>
+          </a:extLst>
+        </p:spPr>
+      </p:pic>
     </p:spTree>
     <p:extLst>
       <p:ext uri="{BB962C8B-B14F-4D97-AF65-F5344CB8AC3E}">
-        <p14:creationId xmlns:p14="http://schemas.microsoft.com/office/powerpoint/2010/main" val="1036474735"/>
+        <p14:creationId xmlns:p14="http://schemas.microsoft.com/office/powerpoint/2010/main" val="248274490"/>
       </p:ext>
     </p:extLst>
   </p:cSld>
@@ -7628,6 +8384,56 @@
           <a:bodyPr/>
           <a:lstStyle/>
           <a:p>
+            <a:pPr lvl="1"/>
+            <a:r>
+              <a:rPr lang="en-US" dirty="0" smtClean="0"/>
+              <a:t>Create </a:t>
+            </a:r>
+            <a:r>
+              <a:rPr lang="en-US" dirty="0" err="1" smtClean="0"/>
+              <a:t>UserList</a:t>
+            </a:r>
+            <a:r>
+              <a:rPr lang="en-US" dirty="0" smtClean="0"/>
+              <a:t>-View (XML)</a:t>
+            </a:r>
+          </a:p>
+          <a:p>
+            <a:pPr lvl="2"/>
+            <a:r>
+              <a:rPr lang="en-US" dirty="0" err="1" smtClean="0"/>
+              <a:t>DataBinding</a:t>
+            </a:r>
+            <a:endParaRPr lang="en-US" dirty="0" smtClean="0"/>
+          </a:p>
+          <a:p>
+            <a:pPr lvl="1"/>
+            <a:r>
+              <a:rPr lang="en-US" dirty="0" err="1" smtClean="0"/>
+              <a:t>UserList</a:t>
+            </a:r>
+            <a:r>
+              <a:rPr lang="en-US" dirty="0" smtClean="0"/>
+              <a:t> Service</a:t>
+            </a:r>
+          </a:p>
+          <a:p>
+            <a:pPr lvl="2"/>
+            <a:r>
+              <a:rPr lang="en-US" dirty="0" smtClean="0"/>
+              <a:t>Request users from web</a:t>
+            </a:r>
+          </a:p>
+          <a:p>
+            <a:pPr lvl="2"/>
+            <a:r>
+              <a:rPr lang="en-US" dirty="0" err="1" smtClean="0"/>
+              <a:t>RestSharp</a:t>
+            </a:r>
+            <a:r>
+              <a:rPr lang="en-US" dirty="0" smtClean="0"/>
+              <a:t> and Json.NET</a:t>
+            </a:r>
             <a:endParaRPr lang="en-US" dirty="0"/>
           </a:p>
         </p:txBody>
@@ -7648,8 +8454,24 @@
           <a:lstStyle/>
           <a:p>
             <a:r>
+              <a:rPr lang="en-US" dirty="0"/>
+              <a:t>Shared Model/</a:t>
+            </a:r>
+            <a:r>
+              <a:rPr lang="en-US" dirty="0" err="1"/>
+              <a:t>ViewModel</a:t>
+            </a:r>
+            <a:r>
+              <a:rPr lang="en-US" dirty="0"/>
+              <a:t> </a:t>
+            </a:r>
+            <a:r>
               <a:rPr lang="en-US" dirty="0" smtClean="0"/>
-              <a:t>Shared model/view model</a:t>
+              <a:t>(2/2</a:t>
+            </a:r>
+            <a:r>
+              <a:rPr lang="en-US" dirty="0"/>
+              <a:t>)</a:t>
             </a:r>
             <a:endParaRPr lang="en-US" dirty="0"/>
           </a:p>
@@ -7657,7 +8479,30 @@
       </p:sp>
       <p:sp>
         <p:nvSpPr>
-          <p:cNvPr id="4" name="Date Placeholder 3"/>
+          <p:cNvPr id="5" name="Footer Placeholder 4"/>
+          <p:cNvSpPr>
+            <a:spLocks noGrp="1"/>
+          </p:cNvSpPr>
+          <p:nvPr>
+            <p:ph type="ftr" sz="quarter" idx="11"/>
+          </p:nvPr>
+        </p:nvSpPr>
+        <p:spPr/>
+        <p:txBody>
+          <a:bodyPr/>
+          <a:lstStyle/>
+          <a:p>
+            <a:r>
+              <a:rPr lang="en-US" smtClean="0"/>
+              <a:t>Cross-platform Mobile Development | Ursin Brunner, Stefan Schöb, Oliver Brack</a:t>
+            </a:r>
+            <a:endParaRPr lang="en-US" dirty="0"/>
+          </a:p>
+        </p:txBody>
+      </p:sp>
+      <p:sp>
+        <p:nvSpPr>
+          <p:cNvPr id="9" name="Date Placeholder 8"/>
           <p:cNvSpPr>
             <a:spLocks noGrp="1"/>
           </p:cNvSpPr>
@@ -7671,47 +8516,16 @@
           <a:lstStyle/>
           <a:p>
             <a:r>
-              <a:rPr lang="en-US" dirty="0" smtClean="0"/>
+              <a:rPr lang="en-US" smtClean="0"/>
               <a:t>26. September 2013</a:t>
             </a:r>
-            <a:endParaRPr lang="en-US" dirty="0"/>
-          </a:p>
-        </p:txBody>
-      </p:sp>
-      <p:sp>
-        <p:nvSpPr>
-          <p:cNvPr id="5" name="Footer Placeholder 4"/>
-          <p:cNvSpPr>
-            <a:spLocks noGrp="1"/>
-          </p:cNvSpPr>
-          <p:nvPr>
-            <p:ph type="ftr" sz="quarter" idx="11"/>
-          </p:nvPr>
-        </p:nvSpPr>
-        <p:spPr/>
-        <p:txBody>
-          <a:bodyPr/>
-          <a:lstStyle/>
-          <a:p>
-            <a:r>
-              <a:rPr lang="en-US" dirty="0" smtClean="0"/>
-              <a:t>Cross-platform mobile development | Ursin Brunner, Stefan </a:t>
-            </a:r>
-            <a:r>
-              <a:rPr lang="en-US" dirty="0" err="1" smtClean="0"/>
-              <a:t>Schöb</a:t>
-            </a:r>
-            <a:r>
-              <a:rPr lang="en-US" dirty="0" smtClean="0"/>
-              <a:t>, Oliver Brack</a:t>
-            </a:r>
-            <a:endParaRPr lang="en-US" dirty="0"/>
-          </a:p>
-        </p:txBody>
-      </p:sp>
-      <p:sp>
-        <p:nvSpPr>
-          <p:cNvPr id="8" name="Slide Number Placeholder 7"/>
+            <a:endParaRPr lang="de-CH" dirty="0"/>
+          </a:p>
+        </p:txBody>
+      </p:sp>
+      <p:sp>
+        <p:nvSpPr>
+          <p:cNvPr id="10" name="Slide Number Placeholder 9"/>
           <p:cNvSpPr>
             <a:spLocks noGrp="1"/>
           </p:cNvSpPr>
@@ -7728,7 +8542,7 @@
               <a:rPr lang="de-CH" smtClean="0"/>
               <a:t>Slide </a:t>
             </a:r>
-            <a:fld id="{71FC6896-AB3A-441B-8484-4D89162C8D32}" type="slidenum">
+            <a:fld id="{B34BD413-43F6-4070-803A-629292F2ECAE}" type="slidenum">
               <a:rPr lang="de-CH" smtClean="0"/>
               <a:t>13</a:t>
             </a:fld>
@@ -7736,6 +8550,120 @@
           </a:p>
         </p:txBody>
       </p:sp>
+      <p:sp>
+        <p:nvSpPr>
+          <p:cNvPr id="12" name="Oval 11"/>
+          <p:cNvSpPr/>
+          <p:nvPr/>
+        </p:nvSpPr>
+        <p:spPr>
+          <a:xfrm>
+            <a:off x="8635473" y="78417"/>
+            <a:ext cx="427734" cy="427734"/>
+          </a:xfrm>
+          <a:prstGeom prst="ellipse">
+            <a:avLst/>
+          </a:prstGeom>
+          <a:noFill/>
+          <a:ln w="12700">
+            <a:solidFill>
+              <a:schemeClr val="accent1"/>
+            </a:solidFill>
+          </a:ln>
+        </p:spPr>
+        <p:style>
+          <a:lnRef idx="2">
+            <a:schemeClr val="accent1">
+              <a:shade val="50000"/>
+            </a:schemeClr>
+          </a:lnRef>
+          <a:fillRef idx="1">
+            <a:schemeClr val="accent1"/>
+          </a:fillRef>
+          <a:effectRef idx="0">
+            <a:schemeClr val="accent1"/>
+          </a:effectRef>
+          <a:fontRef idx="minor">
+            <a:schemeClr val="lt1"/>
+          </a:fontRef>
+        </p:style>
+        <p:txBody>
+          <a:bodyPr rtlCol="0" anchor="ctr"/>
+          <a:lstStyle/>
+          <a:p>
+            <a:pPr algn="ctr"/>
+            <a:r>
+              <a:rPr lang="en-US" sz="2200" dirty="0" smtClean="0">
+                <a:solidFill>
+                  <a:schemeClr val="accent1"/>
+                </a:solidFill>
+                <a:latin typeface="+mj-lt"/>
+              </a:rPr>
+              <a:t>5</a:t>
+            </a:r>
+            <a:endParaRPr lang="en-US" sz="2200" dirty="0" smtClean="0">
+              <a:solidFill>
+                <a:schemeClr val="accent1"/>
+              </a:solidFill>
+              <a:latin typeface="+mj-lt"/>
+            </a:endParaRPr>
+          </a:p>
+        </p:txBody>
+      </p:sp>
+      <p:pic>
+        <p:nvPicPr>
+          <p:cNvPr id="13" name="Picture 2" descr="http://www.dosenfischer.de/wp-content/uploads/2009/06/android_vector-580x435.jpg"/>
+          <p:cNvPicPr>
+            <a:picLocks noChangeAspect="1" noChangeArrowheads="1"/>
+          </p:cNvPicPr>
+          <p:nvPr/>
+        </p:nvPicPr>
+        <p:blipFill rotWithShape="1">
+          <a:blip r:embed="rId2" cstate="print">
+            <a:extLst>
+              <a:ext uri="{BEBA8EAE-BF5A-486C-A8C5-ECC9F3942E4B}">
+                <a14:imgProps xmlns:a14="http://schemas.microsoft.com/office/drawing/2010/main">
+                  <a14:imgLayer r:embed="rId3">
+                    <a14:imgEffect>
+                      <a14:backgroundRemoval t="5287" b="92644" l="22069" r="78448">
+                        <a14:foregroundMark x1="27931" y1="45287" x2="27931" y2="45287"/>
+                        <a14:foregroundMark x1="74310" y1="48506" x2="74310" y2="48506"/>
+                        <a14:foregroundMark x1="48621" y1="21149" x2="48621" y2="21149"/>
+                        <a14:foregroundMark x1="42586" y1="25977" x2="42586" y2="25977"/>
+                        <a14:foregroundMark x1="58103" y1="25517" x2="58103" y2="25517"/>
+                      </a14:backgroundRemoval>
+                    </a14:imgEffect>
+                  </a14:imgLayer>
+                </a14:imgProps>
+              </a:ext>
+              <a:ext uri="{28A0092B-C50C-407E-A947-70E740481C1C}">
+                <a14:useLocalDpi xmlns:a14="http://schemas.microsoft.com/office/drawing/2010/main" val="0"/>
+              </a:ext>
+            </a:extLst>
+          </a:blip>
+          <a:srcRect l="21204" t="7413" r="21232" b="3409"/>
+          <a:stretch/>
+        </p:blipFill>
+        <p:spPr bwMode="auto">
+          <a:xfrm>
+            <a:off x="8440600" y="5924115"/>
+            <a:ext cx="619675" cy="720000"/>
+          </a:xfrm>
+          <a:prstGeom prst="rect">
+            <a:avLst/>
+          </a:prstGeom>
+          <a:noFill/>
+          <a:extLst>
+            <a:ext uri="{909E8E84-426E-40DD-AFC4-6F175D3DCCD1}">
+              <a14:hiddenFill xmlns:a14="http://schemas.microsoft.com/office/drawing/2010/main">
+                <a:solidFill>
+                  <a:srgbClr val="FFFFFF"/>
+                </a:solidFill>
+              </a14:hiddenFill>
+            </a:ext>
+          </a:extLst>
+        </p:spPr>
+      </p:pic>
     </p:spTree>
     <p:extLst>
       <p:ext uri="{BB962C8B-B14F-4D97-AF65-F5344CB8AC3E}">
@@ -7775,20 +8703,49 @@
       </p:grpSpPr>
       <p:sp>
         <p:nvSpPr>
-          <p:cNvPr id="2" name="Content Placeholder 1"/>
-          <p:cNvSpPr>
-            <a:spLocks noGrp="1"/>
-          </p:cNvSpPr>
-          <p:nvPr>
-            <p:ph idx="1"/>
-          </p:nvPr>
-        </p:nvSpPr>
-        <p:spPr/>
-        <p:txBody>
-          <a:bodyPr/>
-          <a:lstStyle/>
-          <a:p>
-            <a:endParaRPr lang="en-US" dirty="0"/>
+          <p:cNvPr id="10" name="Rectangle 9"/>
+          <p:cNvSpPr/>
+          <p:nvPr/>
+        </p:nvSpPr>
+        <p:spPr>
+          <a:xfrm>
+            <a:off x="0" y="0"/>
+            <a:ext cx="9144000" cy="1524000"/>
+          </a:xfrm>
+          <a:prstGeom prst="rect">
+            <a:avLst/>
+          </a:prstGeom>
+          <a:solidFill>
+            <a:srgbClr val="FF820A"/>
+          </a:solidFill>
+          <a:ln w="12700">
+            <a:noFill/>
+          </a:ln>
+        </p:spPr>
+        <p:style>
+          <a:lnRef idx="2">
+            <a:schemeClr val="accent1">
+              <a:shade val="50000"/>
+            </a:schemeClr>
+          </a:lnRef>
+          <a:fillRef idx="1">
+            <a:schemeClr val="accent1"/>
+          </a:fillRef>
+          <a:effectRef idx="0">
+            <a:schemeClr val="accent1"/>
+          </a:effectRef>
+          <a:fontRef idx="minor">
+            <a:schemeClr val="lt1"/>
+          </a:fontRef>
+        </p:style>
+        <p:txBody>
+          <a:bodyPr rtlCol="0" anchor="ctr"/>
+          <a:lstStyle/>
+          <a:p>
+            <a:pPr algn="ctr"/>
+            <a:endParaRPr lang="en-US" sz="2200" dirty="0" err="1" smtClean="0">
+              <a:latin typeface="AA Zuehlke" pitchFamily="2" charset="0"/>
+            </a:endParaRPr>
           </a:p>
         </p:txBody>
       </p:sp>
@@ -7807,22 +8764,147 @@
           <a:bodyPr/>
           <a:lstStyle/>
           <a:p>
-            <a:pPr lvl="0"/>
-            <a:r>
-              <a:rPr lang="en-US" dirty="0" err="1" smtClean="0"/>
-              <a:t>MvvmCross</a:t>
-            </a:r>
-            <a:r>
-              <a:rPr lang="en-US" dirty="0" smtClean="0"/>
-              <a:t> data binding</a:t>
+            <a:r>
+              <a:rPr lang="en-US" dirty="0" smtClean="0">
+                <a:solidFill>
+                  <a:schemeClr val="bg1"/>
+                </a:solidFill>
+              </a:rPr>
+              <a:t>User Details</a:t>
+            </a:r>
+            <a:endParaRPr lang="en-US" dirty="0">
+              <a:solidFill>
+                <a:schemeClr val="bg1"/>
+              </a:solidFill>
+            </a:endParaRPr>
+          </a:p>
+        </p:txBody>
+      </p:sp>
+      <p:sp>
+        <p:nvSpPr>
+          <p:cNvPr id="5" name="Footer Placeholder 4"/>
+          <p:cNvSpPr>
+            <a:spLocks noGrp="1"/>
+          </p:cNvSpPr>
+          <p:nvPr>
+            <p:ph type="ftr" sz="quarter" idx="11"/>
+          </p:nvPr>
+        </p:nvSpPr>
+        <p:spPr/>
+        <p:txBody>
+          <a:bodyPr/>
+          <a:lstStyle/>
+          <a:p>
+            <a:r>
+              <a:rPr lang="en-US" smtClean="0"/>
+              <a:t>Cross-platform Mobile Development | Ursin Brunner, Stefan Schöb, Oliver Brack</a:t>
             </a:r>
             <a:endParaRPr lang="en-US" dirty="0"/>
           </a:p>
         </p:txBody>
       </p:sp>
-      <p:sp>
-        <p:nvSpPr>
-          <p:cNvPr id="4" name="Date Placeholder 3"/>
+      <p:pic>
+        <p:nvPicPr>
+          <p:cNvPr id="1026" name="Picture 2"/>
+          <p:cNvPicPr>
+            <a:picLocks noChangeAspect="1" noChangeArrowheads="1"/>
+          </p:cNvPicPr>
+          <p:nvPr/>
+        </p:nvPicPr>
+        <p:blipFill>
+          <a:blip r:embed="rId3">
+            <a:extLst>
+              <a:ext uri="{28A0092B-C50C-407E-A947-70E740481C1C}">
+                <a14:useLocalDpi xmlns:a14="http://schemas.microsoft.com/office/drawing/2010/main" val="0"/>
+              </a:ext>
+            </a:extLst>
+          </a:blip>
+          <a:srcRect/>
+          <a:stretch>
+            <a:fillRect/>
+          </a:stretch>
+        </p:blipFill>
+        <p:spPr bwMode="auto">
+          <a:xfrm>
+            <a:off x="152082" y="1612982"/>
+            <a:ext cx="8207739" cy="4881445"/>
+          </a:xfrm>
+          <a:prstGeom prst="rect">
+            <a:avLst/>
+          </a:prstGeom>
+          <a:noFill/>
+          <a:ln>
+            <a:noFill/>
+          </a:ln>
+          <a:extLst>
+            <a:ext uri="{909E8E84-426E-40DD-AFC4-6F175D3DCCD1}">
+              <a14:hiddenFill xmlns:a14="http://schemas.microsoft.com/office/drawing/2010/main">
+                <a:solidFill>
+                  <a:schemeClr val="accent1"/>
+                </a:solidFill>
+              </a14:hiddenFill>
+            </a:ext>
+            <a:ext uri="{91240B29-F687-4F45-9708-019B960494DF}">
+              <a14:hiddenLine xmlns:a14="http://schemas.microsoft.com/office/drawing/2010/main" w="9525">
+                <a:solidFill>
+                  <a:schemeClr val="tx1"/>
+                </a:solidFill>
+                <a:miter lim="800000"/>
+                <a:headEnd/>
+                <a:tailEnd/>
+              </a14:hiddenLine>
+            </a:ext>
+          </a:extLst>
+        </p:spPr>
+      </p:pic>
+      <p:pic>
+        <p:nvPicPr>
+          <p:cNvPr id="11" name="Logo" descr="C:\Users\Luc Benninger\Desktop\Zuehlke_Logo_rgb_300dpi.png"/>
+          <p:cNvPicPr>
+            <a:picLocks noChangeArrowheads="1"/>
+          </p:cNvPicPr>
+          <p:nvPr>
+            <p:custDataLst>
+              <p:tags r:id="rId1"/>
+            </p:custDataLst>
+          </p:nvPr>
+        </p:nvPicPr>
+        <p:blipFill>
+          <a:blip r:embed="rId4" cstate="print">
+            <a:extLst>
+              <a:ext uri="{28A0092B-C50C-407E-A947-70E740481C1C}">
+                <a14:useLocalDpi xmlns:a14="http://schemas.microsoft.com/office/drawing/2010/main" val="0"/>
+              </a:ext>
+            </a:extLst>
+          </a:blip>
+          <a:srcRect/>
+          <a:stretch>
+            <a:fillRect/>
+          </a:stretch>
+        </p:blipFill>
+        <p:spPr bwMode="auto">
+          <a:xfrm>
+            <a:off x="6567488" y="292100"/>
+            <a:ext cx="1141412" cy="1141412"/>
+          </a:xfrm>
+          <a:prstGeom prst="rect">
+            <a:avLst/>
+          </a:prstGeom>
+          <a:noFill/>
+          <a:extLst>
+            <a:ext uri="{909E8E84-426E-40DD-AFC4-6F175D3DCCD1}">
+              <a14:hiddenFill xmlns:a14="http://schemas.microsoft.com/office/drawing/2010/main">
+                <a:solidFill>
+                  <a:srgbClr val="FFFFFF"/>
+                </a:solidFill>
+              </a14:hiddenFill>
+            </a:ext>
+          </a:extLst>
+        </p:spPr>
+      </p:pic>
+      <p:sp>
+        <p:nvSpPr>
+          <p:cNvPr id="9" name="Date Placeholder 8"/>
           <p:cNvSpPr>
             <a:spLocks noGrp="1"/>
           </p:cNvSpPr>
@@ -7836,47 +8918,16 @@
           <a:lstStyle/>
           <a:p>
             <a:r>
-              <a:rPr lang="en-US" dirty="0" smtClean="0"/>
+              <a:rPr lang="en-US" smtClean="0"/>
               <a:t>26. September 2013</a:t>
             </a:r>
-            <a:endParaRPr lang="en-US" dirty="0"/>
-          </a:p>
-        </p:txBody>
-      </p:sp>
-      <p:sp>
-        <p:nvSpPr>
-          <p:cNvPr id="5" name="Footer Placeholder 4"/>
-          <p:cNvSpPr>
-            <a:spLocks noGrp="1"/>
-          </p:cNvSpPr>
-          <p:nvPr>
-            <p:ph type="ftr" sz="quarter" idx="11"/>
-          </p:nvPr>
-        </p:nvSpPr>
-        <p:spPr/>
-        <p:txBody>
-          <a:bodyPr/>
-          <a:lstStyle/>
-          <a:p>
-            <a:r>
-              <a:rPr lang="en-US" dirty="0" smtClean="0"/>
-              <a:t>Cross-platform mobile development | Ursin Brunner, Stefan </a:t>
-            </a:r>
-            <a:r>
-              <a:rPr lang="en-US" dirty="0" err="1" smtClean="0"/>
-              <a:t>Schöb</a:t>
-            </a:r>
-            <a:r>
-              <a:rPr lang="en-US" dirty="0" smtClean="0"/>
-              <a:t>, Oliver Brack</a:t>
-            </a:r>
-            <a:endParaRPr lang="en-US" dirty="0"/>
-          </a:p>
-        </p:txBody>
-      </p:sp>
-      <p:sp>
-        <p:nvSpPr>
-          <p:cNvPr id="6" name="Slide Number Placeholder 5"/>
+            <a:endParaRPr lang="de-CH" dirty="0"/>
+          </a:p>
+        </p:txBody>
+      </p:sp>
+      <p:sp>
+        <p:nvSpPr>
+          <p:cNvPr id="12" name="Slide Number Placeholder 11"/>
           <p:cNvSpPr>
             <a:spLocks noGrp="1"/>
           </p:cNvSpPr>
@@ -7893,7 +8944,7 @@
               <a:rPr lang="de-CH" smtClean="0"/>
               <a:t>Slide </a:t>
             </a:r>
-            <a:fld id="{71FC6896-AB3A-441B-8484-4D89162C8D32}" type="slidenum">
+            <a:fld id="{7C2DB7A0-06DB-4D16-BEF2-9752666C014E}" type="slidenum">
               <a:rPr lang="de-CH" smtClean="0"/>
               <a:t>14</a:t>
             </a:fld>
@@ -7904,7 +8955,7 @@
     </p:spTree>
     <p:extLst>
       <p:ext uri="{BB962C8B-B14F-4D97-AF65-F5344CB8AC3E}">
-        <p14:creationId xmlns:p14="http://schemas.microsoft.com/office/powerpoint/2010/main" val="1036474735"/>
+        <p14:creationId xmlns:p14="http://schemas.microsoft.com/office/powerpoint/2010/main" val="248274490"/>
       </p:ext>
     </p:extLst>
   </p:cSld>
@@ -7953,6 +9004,22 @@
           <a:bodyPr/>
           <a:lstStyle/>
           <a:p>
+            <a:pPr lvl="1"/>
+            <a:r>
+              <a:rPr lang="en-US" dirty="0" smtClean="0"/>
+              <a:t>Navigation shared</a:t>
+            </a:r>
+          </a:p>
+          <a:p>
+            <a:pPr lvl="1"/>
+            <a:r>
+              <a:rPr lang="en-US" dirty="0" err="1" smtClean="0"/>
+              <a:t>WebView</a:t>
+            </a:r>
+            <a:r>
+              <a:rPr lang="en-US" dirty="0" smtClean="0"/>
+              <a:t> (existing)</a:t>
+            </a:r>
             <a:endParaRPr lang="en-US" dirty="0"/>
           </a:p>
         </p:txBody>
@@ -7972,10 +9039,13 @@
           <a:bodyPr/>
           <a:lstStyle/>
           <a:p>
-            <a:pPr lvl="0"/>
+            <a:r>
+              <a:rPr lang="en-US" dirty="0"/>
+              <a:t>Including HTML5 </a:t>
+            </a:r>
             <a:r>
               <a:rPr lang="en-US" dirty="0" smtClean="0"/>
-              <a:t>SQLite with LINQ</a:t>
+              <a:t>Content</a:t>
             </a:r>
             <a:endParaRPr lang="en-US" dirty="0"/>
           </a:p>
@@ -7983,7 +9053,30 @@
       </p:sp>
       <p:sp>
         <p:nvSpPr>
-          <p:cNvPr id="4" name="Date Placeholder 3"/>
+          <p:cNvPr id="5" name="Footer Placeholder 4"/>
+          <p:cNvSpPr>
+            <a:spLocks noGrp="1"/>
+          </p:cNvSpPr>
+          <p:nvPr>
+            <p:ph type="ftr" sz="quarter" idx="11"/>
+          </p:nvPr>
+        </p:nvSpPr>
+        <p:spPr/>
+        <p:txBody>
+          <a:bodyPr/>
+          <a:lstStyle/>
+          <a:p>
+            <a:r>
+              <a:rPr lang="en-US" smtClean="0"/>
+              <a:t>Cross-platform Mobile Development | Ursin Brunner, Stefan Schöb, Oliver Brack</a:t>
+            </a:r>
+            <a:endParaRPr lang="en-US" dirty="0"/>
+          </a:p>
+        </p:txBody>
+      </p:sp>
+      <p:sp>
+        <p:nvSpPr>
+          <p:cNvPr id="9" name="Date Placeholder 8"/>
           <p:cNvSpPr>
             <a:spLocks noGrp="1"/>
           </p:cNvSpPr>
@@ -7997,47 +9090,16 @@
           <a:lstStyle/>
           <a:p>
             <a:r>
-              <a:rPr lang="en-US" dirty="0" smtClean="0"/>
+              <a:rPr lang="en-US" smtClean="0"/>
               <a:t>26. September 2013</a:t>
             </a:r>
-            <a:endParaRPr lang="en-US" dirty="0"/>
-          </a:p>
-        </p:txBody>
-      </p:sp>
-      <p:sp>
-        <p:nvSpPr>
-          <p:cNvPr id="5" name="Footer Placeholder 4"/>
-          <p:cNvSpPr>
-            <a:spLocks noGrp="1"/>
-          </p:cNvSpPr>
-          <p:nvPr>
-            <p:ph type="ftr" sz="quarter" idx="11"/>
-          </p:nvPr>
-        </p:nvSpPr>
-        <p:spPr/>
-        <p:txBody>
-          <a:bodyPr/>
-          <a:lstStyle/>
-          <a:p>
-            <a:r>
-              <a:rPr lang="en-US" dirty="0" smtClean="0"/>
-              <a:t>Cross-platform mobile development | Ursin Brunner, Stefan </a:t>
-            </a:r>
-            <a:r>
-              <a:rPr lang="en-US" dirty="0" err="1" smtClean="0"/>
-              <a:t>Schöb</a:t>
-            </a:r>
-            <a:r>
-              <a:rPr lang="en-US" dirty="0" smtClean="0"/>
-              <a:t>, Oliver Brack</a:t>
-            </a:r>
-            <a:endParaRPr lang="en-US" dirty="0"/>
-          </a:p>
-        </p:txBody>
-      </p:sp>
-      <p:sp>
-        <p:nvSpPr>
-          <p:cNvPr id="6" name="Slide Number Placeholder 5"/>
+            <a:endParaRPr lang="de-CH" dirty="0"/>
+          </a:p>
+        </p:txBody>
+      </p:sp>
+      <p:sp>
+        <p:nvSpPr>
+          <p:cNvPr id="10" name="Slide Number Placeholder 9"/>
           <p:cNvSpPr>
             <a:spLocks noGrp="1"/>
           </p:cNvSpPr>
@@ -8054,7 +9116,7 @@
               <a:rPr lang="de-CH" smtClean="0"/>
               <a:t>Slide </a:t>
             </a:r>
-            <a:fld id="{71FC6896-AB3A-441B-8484-4D89162C8D32}" type="slidenum">
+            <a:fld id="{8D640C6B-F2E1-43DE-A8F0-766B912423D9}" type="slidenum">
               <a:rPr lang="de-CH" smtClean="0"/>
               <a:t>15</a:t>
             </a:fld>
@@ -8062,10 +9124,120 @@
           </a:p>
         </p:txBody>
       </p:sp>
+      <p:sp>
+        <p:nvSpPr>
+          <p:cNvPr id="12" name="Oval 11"/>
+          <p:cNvSpPr/>
+          <p:nvPr/>
+        </p:nvSpPr>
+        <p:spPr>
+          <a:xfrm>
+            <a:off x="8635473" y="78417"/>
+            <a:ext cx="427734" cy="427734"/>
+          </a:xfrm>
+          <a:prstGeom prst="ellipse">
+            <a:avLst/>
+          </a:prstGeom>
+          <a:noFill/>
+          <a:ln w="12700">
+            <a:solidFill>
+              <a:schemeClr val="accent1"/>
+            </a:solidFill>
+          </a:ln>
+        </p:spPr>
+        <p:style>
+          <a:lnRef idx="2">
+            <a:schemeClr val="accent1">
+              <a:shade val="50000"/>
+            </a:schemeClr>
+          </a:lnRef>
+          <a:fillRef idx="1">
+            <a:schemeClr val="accent1"/>
+          </a:fillRef>
+          <a:effectRef idx="0">
+            <a:schemeClr val="accent1"/>
+          </a:effectRef>
+          <a:fontRef idx="minor">
+            <a:schemeClr val="lt1"/>
+          </a:fontRef>
+        </p:style>
+        <p:txBody>
+          <a:bodyPr rtlCol="0" anchor="ctr"/>
+          <a:lstStyle/>
+          <a:p>
+            <a:pPr algn="ctr"/>
+            <a:r>
+              <a:rPr lang="en-US" sz="2200" dirty="0" smtClean="0">
+                <a:solidFill>
+                  <a:schemeClr val="accent1"/>
+                </a:solidFill>
+                <a:latin typeface="+mj-lt"/>
+              </a:rPr>
+              <a:t>6</a:t>
+            </a:r>
+            <a:endParaRPr lang="en-US" sz="2200" dirty="0" smtClean="0">
+              <a:solidFill>
+                <a:schemeClr val="accent1"/>
+              </a:solidFill>
+              <a:latin typeface="+mj-lt"/>
+            </a:endParaRPr>
+          </a:p>
+        </p:txBody>
+      </p:sp>
+      <p:pic>
+        <p:nvPicPr>
+          <p:cNvPr id="13" name="Picture 4" descr="http://www.digi-news.ch/schulen/20100624/uploads/apple_logo2.jpg"/>
+          <p:cNvPicPr>
+            <a:picLocks noChangeAspect="1" noChangeArrowheads="1"/>
+          </p:cNvPicPr>
+          <p:nvPr/>
+        </p:nvPicPr>
+        <p:blipFill rotWithShape="1">
+          <a:blip r:embed="rId2" cstate="print">
+            <a:extLst>
+              <a:ext uri="{BEBA8EAE-BF5A-486C-A8C5-ECC9F3942E4B}">
+                <a14:imgProps xmlns:a14="http://schemas.microsoft.com/office/drawing/2010/main">
+                  <a14:imgLayer r:embed="rId3">
+                    <a14:imgEffect>
+                      <a14:backgroundRemoval t="0" b="100000" l="10000" r="90000">
+                        <a14:foregroundMark x1="56444" y1="12162" x2="56444" y2="12162"/>
+                      </a14:backgroundRemoval>
+                    </a14:imgEffect>
+                  </a14:imgLayer>
+                </a14:imgProps>
+              </a:ext>
+              <a:ext uri="{28A0092B-C50C-407E-A947-70E740481C1C}">
+                <a14:useLocalDpi xmlns:a14="http://schemas.microsoft.com/office/drawing/2010/main" val="0"/>
+              </a:ext>
+            </a:extLst>
+          </a:blip>
+          <a:srcRect l="9636" r="15609"/>
+          <a:stretch/>
+        </p:blipFill>
+        <p:spPr bwMode="auto">
+          <a:xfrm>
+            <a:off x="8379457" y="5871876"/>
+            <a:ext cx="654610" cy="720000"/>
+          </a:xfrm>
+          <a:prstGeom prst="rect">
+            <a:avLst/>
+          </a:prstGeom>
+          <a:noFill/>
+          <a:extLst>
+            <a:ext uri="{909E8E84-426E-40DD-AFC4-6F175D3DCCD1}">
+              <a14:hiddenFill xmlns:a14="http://schemas.microsoft.com/office/drawing/2010/main">
+                <a:solidFill>
+                  <a:srgbClr val="FFFFFF"/>
+                </a:solidFill>
+              </a14:hiddenFill>
+            </a:ext>
+          </a:extLst>
+        </p:spPr>
+      </p:pic>
     </p:spTree>
     <p:extLst>
       <p:ext uri="{BB962C8B-B14F-4D97-AF65-F5344CB8AC3E}">
-        <p14:creationId xmlns:p14="http://schemas.microsoft.com/office/powerpoint/2010/main" val="1036474735"/>
+        <p14:creationId xmlns:p14="http://schemas.microsoft.com/office/powerpoint/2010/main" val="248274490"/>
       </p:ext>
     </p:extLst>
   </p:cSld>
@@ -8101,6 +9273,54 @@
       </p:grpSpPr>
       <p:sp>
         <p:nvSpPr>
+          <p:cNvPr id="9" name="Rectangle 8"/>
+          <p:cNvSpPr/>
+          <p:nvPr/>
+        </p:nvSpPr>
+        <p:spPr>
+          <a:xfrm>
+            <a:off x="0" y="0"/>
+            <a:ext cx="9144000" cy="1524000"/>
+          </a:xfrm>
+          <a:prstGeom prst="rect">
+            <a:avLst/>
+          </a:prstGeom>
+          <a:solidFill>
+            <a:srgbClr val="FF820A"/>
+          </a:solidFill>
+          <a:ln w="12700">
+            <a:noFill/>
+          </a:ln>
+        </p:spPr>
+        <p:style>
+          <a:lnRef idx="2">
+            <a:schemeClr val="accent1">
+              <a:shade val="50000"/>
+            </a:schemeClr>
+          </a:lnRef>
+          <a:fillRef idx="1">
+            <a:schemeClr val="accent1"/>
+          </a:fillRef>
+          <a:effectRef idx="0">
+            <a:schemeClr val="accent1"/>
+          </a:effectRef>
+          <a:fontRef idx="minor">
+            <a:schemeClr val="lt1"/>
+          </a:fontRef>
+        </p:style>
+        <p:txBody>
+          <a:bodyPr rtlCol="0" anchor="ctr"/>
+          <a:lstStyle/>
+          <a:p>
+            <a:pPr algn="ctr"/>
+            <a:endParaRPr lang="en-US" sz="2200" dirty="0" err="1" smtClean="0">
+              <a:latin typeface="AA Zuehlke" pitchFamily="2" charset="0"/>
+            </a:endParaRPr>
+          </a:p>
+        </p:txBody>
+      </p:sp>
+      <p:sp>
+        <p:nvSpPr>
           <p:cNvPr id="2" name="Content Placeholder 1"/>
           <p:cNvSpPr>
             <a:spLocks noGrp="1"/>
@@ -8114,7 +9334,46 @@
           <a:bodyPr/>
           <a:lstStyle/>
           <a:p>
-            <a:endParaRPr lang="en-US" dirty="0"/>
+            <a:r>
+              <a:rPr lang="en-US" sz="2800" dirty="0" smtClean="0"/>
+              <a:t>Requirements</a:t>
+            </a:r>
+          </a:p>
+          <a:p>
+            <a:pPr lvl="1"/>
+            <a:r>
+              <a:rPr lang="en-US" sz="2800" dirty="0" smtClean="0"/>
+              <a:t>Group chat</a:t>
+            </a:r>
+          </a:p>
+          <a:p>
+            <a:pPr lvl="1"/>
+            <a:r>
+              <a:rPr lang="en-US" sz="2800" dirty="0" smtClean="0"/>
+              <a:t>Every user can</a:t>
+            </a:r>
+            <a:br>
+              <a:rPr lang="en-US" sz="2800" dirty="0" smtClean="0"/>
+            </a:br>
+            <a:r>
+              <a:rPr lang="en-US" sz="2800" dirty="0" smtClean="0"/>
+              <a:t>post messages</a:t>
+            </a:r>
+          </a:p>
+          <a:p>
+            <a:pPr lvl="1"/>
+            <a:r>
+              <a:rPr lang="en-US" sz="2800" dirty="0" smtClean="0"/>
+              <a:t>All users see</a:t>
+            </a:r>
+            <a:br>
+              <a:rPr lang="en-US" sz="2800" dirty="0" smtClean="0"/>
+            </a:br>
+            <a:r>
+              <a:rPr lang="en-US" sz="2800" dirty="0" smtClean="0"/>
+              <a:t>whole message history</a:t>
+            </a:r>
+            <a:endParaRPr lang="en-US" sz="2800" dirty="0"/>
           </a:p>
         </p:txBody>
       </p:sp>
@@ -8133,18 +9392,134 @@
           <a:bodyPr/>
           <a:lstStyle/>
           <a:p>
-            <a:pPr lvl="0"/>
-            <a:r>
-              <a:rPr lang="en-US" dirty="0" smtClean="0"/>
-              <a:t>Plug-in system</a:t>
+            <a:r>
+              <a:rPr lang="en-US" dirty="0" smtClean="0">
+                <a:solidFill>
+                  <a:schemeClr val="bg1"/>
+                </a:solidFill>
+              </a:rPr>
+              <a:t>Messages</a:t>
+            </a:r>
+            <a:endParaRPr lang="en-US" dirty="0">
+              <a:solidFill>
+                <a:schemeClr val="bg1"/>
+              </a:solidFill>
+            </a:endParaRPr>
+          </a:p>
+        </p:txBody>
+      </p:sp>
+      <p:sp>
+        <p:nvSpPr>
+          <p:cNvPr id="5" name="Footer Placeholder 4"/>
+          <p:cNvSpPr>
+            <a:spLocks noGrp="1"/>
+          </p:cNvSpPr>
+          <p:nvPr>
+            <p:ph type="ftr" sz="quarter" idx="11"/>
+          </p:nvPr>
+        </p:nvSpPr>
+        <p:spPr/>
+        <p:txBody>
+          <a:bodyPr/>
+          <a:lstStyle/>
+          <a:p>
+            <a:r>
+              <a:rPr lang="en-US" smtClean="0"/>
+              <a:t>Cross-platform Mobile Development | Ursin Brunner, Stefan Schöb, Oliver Brack</a:t>
             </a:r>
             <a:endParaRPr lang="en-US" dirty="0"/>
           </a:p>
         </p:txBody>
       </p:sp>
-      <p:sp>
-        <p:nvSpPr>
-          <p:cNvPr id="4" name="Date Placeholder 3"/>
+      <p:pic>
+        <p:nvPicPr>
+          <p:cNvPr id="2050" name="Picture 2" descr="http://cdn.itproportal.com/photos/Whatsapp-Android-Chats_original.jpg"/>
+          <p:cNvPicPr>
+            <a:picLocks noChangeAspect="1" noChangeArrowheads="1"/>
+          </p:cNvPicPr>
+          <p:nvPr/>
+        </p:nvPicPr>
+        <p:blipFill>
+          <a:blip r:embed="rId3" cstate="print">
+            <a:extLst>
+              <a:ext uri="{28A0092B-C50C-407E-A947-70E740481C1C}">
+                <a14:useLocalDpi xmlns:a14="http://schemas.microsoft.com/office/drawing/2010/main" val="0"/>
+              </a:ext>
+            </a:extLst>
+          </a:blip>
+          <a:srcRect/>
+          <a:stretch>
+            <a:fillRect/>
+          </a:stretch>
+        </p:blipFill>
+        <p:spPr bwMode="auto">
+          <a:xfrm>
+            <a:off x="5120063" y="1699075"/>
+            <a:ext cx="2659942" cy="4781053"/>
+          </a:xfrm>
+          <a:prstGeom prst="rect">
+            <a:avLst/>
+          </a:prstGeom>
+          <a:noFill/>
+          <a:extLst>
+            <a:ext uri="{909E8E84-426E-40DD-AFC4-6F175D3DCCD1}">
+              <a14:hiddenFill xmlns:a14="http://schemas.microsoft.com/office/drawing/2010/main">
+                <a:solidFill>
+                  <a:srgbClr val="FFFFFF"/>
+                </a:solidFill>
+              </a14:hiddenFill>
+            </a:ext>
+          </a:extLst>
+        </p:spPr>
+      </p:pic>
+      <p:pic>
+        <p:nvPicPr>
+          <p:cNvPr id="11" name="Logo" descr="C:\Users\Luc Benninger\Desktop\Zuehlke_Logo_rgb_300dpi.png"/>
+          <p:cNvPicPr>
+            <a:picLocks noChangeArrowheads="1"/>
+          </p:cNvPicPr>
+          <p:nvPr>
+            <p:custDataLst>
+              <p:tags r:id="rId1"/>
+            </p:custDataLst>
+          </p:nvPr>
+        </p:nvPicPr>
+        <p:blipFill>
+          <a:blip r:embed="rId4" cstate="print">
+            <a:extLst>
+              <a:ext uri="{28A0092B-C50C-407E-A947-70E740481C1C}">
+                <a14:useLocalDpi xmlns:a14="http://schemas.microsoft.com/office/drawing/2010/main" val="0"/>
+              </a:ext>
+            </a:extLst>
+          </a:blip>
+          <a:srcRect/>
+          <a:stretch>
+            <a:fillRect/>
+          </a:stretch>
+        </p:blipFill>
+        <p:spPr bwMode="auto">
+          <a:xfrm>
+            <a:off x="6567488" y="292100"/>
+            <a:ext cx="1141412" cy="1141412"/>
+          </a:xfrm>
+          <a:prstGeom prst="rect">
+            <a:avLst/>
+          </a:prstGeom>
+          <a:noFill/>
+          <a:extLst>
+            <a:ext uri="{909E8E84-426E-40DD-AFC4-6F175D3DCCD1}">
+              <a14:hiddenFill xmlns:a14="http://schemas.microsoft.com/office/drawing/2010/main">
+                <a:solidFill>
+                  <a:srgbClr val="FFFFFF"/>
+                </a:solidFill>
+              </a14:hiddenFill>
+            </a:ext>
+          </a:extLst>
+        </p:spPr>
+      </p:pic>
+      <p:sp>
+        <p:nvSpPr>
+          <p:cNvPr id="10" name="Date Placeholder 9"/>
           <p:cNvSpPr>
             <a:spLocks noGrp="1"/>
           </p:cNvSpPr>
@@ -8158,47 +9533,16 @@
           <a:lstStyle/>
           <a:p>
             <a:r>
-              <a:rPr lang="en-US" dirty="0" smtClean="0"/>
+              <a:rPr lang="en-US" smtClean="0"/>
               <a:t>26. September 2013</a:t>
             </a:r>
-            <a:endParaRPr lang="en-US" dirty="0"/>
-          </a:p>
-        </p:txBody>
-      </p:sp>
-      <p:sp>
-        <p:nvSpPr>
-          <p:cNvPr id="5" name="Footer Placeholder 4"/>
-          <p:cNvSpPr>
-            <a:spLocks noGrp="1"/>
-          </p:cNvSpPr>
-          <p:nvPr>
-            <p:ph type="ftr" sz="quarter" idx="11"/>
-          </p:nvPr>
-        </p:nvSpPr>
-        <p:spPr/>
-        <p:txBody>
-          <a:bodyPr/>
-          <a:lstStyle/>
-          <a:p>
-            <a:r>
-              <a:rPr lang="en-US" dirty="0" smtClean="0"/>
-              <a:t>Cross-platform mobile development | Ursin Brunner, Stefan </a:t>
-            </a:r>
-            <a:r>
-              <a:rPr lang="en-US" dirty="0" err="1" smtClean="0"/>
-              <a:t>Schöb</a:t>
-            </a:r>
-            <a:r>
-              <a:rPr lang="en-US" dirty="0" smtClean="0"/>
-              <a:t>, Oliver Brack</a:t>
-            </a:r>
-            <a:endParaRPr lang="en-US" dirty="0"/>
-          </a:p>
-        </p:txBody>
-      </p:sp>
-      <p:sp>
-        <p:nvSpPr>
-          <p:cNvPr id="6" name="Slide Number Placeholder 5"/>
+            <a:endParaRPr lang="de-CH" dirty="0"/>
+          </a:p>
+        </p:txBody>
+      </p:sp>
+      <p:sp>
+        <p:nvSpPr>
+          <p:cNvPr id="12" name="Slide Number Placeholder 11"/>
           <p:cNvSpPr>
             <a:spLocks noGrp="1"/>
           </p:cNvSpPr>
@@ -8215,7 +9559,7 @@
               <a:rPr lang="de-CH" smtClean="0"/>
               <a:t>Slide </a:t>
             </a:r>
-            <a:fld id="{71FC6896-AB3A-441B-8484-4D89162C8D32}" type="slidenum">
+            <a:fld id="{02982A73-811C-4CFD-A616-A880D45024A1}" type="slidenum">
               <a:rPr lang="de-CH" smtClean="0"/>
               <a:t>16</a:t>
             </a:fld>
@@ -8226,7 +9570,7 @@
     </p:spTree>
     <p:extLst>
       <p:ext uri="{BB962C8B-B14F-4D97-AF65-F5344CB8AC3E}">
-        <p14:creationId xmlns:p14="http://schemas.microsoft.com/office/powerpoint/2010/main" val="1036474735"/>
+        <p14:creationId xmlns:p14="http://schemas.microsoft.com/office/powerpoint/2010/main" val="248274490"/>
       </p:ext>
     </p:extLst>
   </p:cSld>
@@ -8275,6 +9619,67 @@
           <a:bodyPr/>
           <a:lstStyle/>
           <a:p>
+            <a:pPr lvl="1"/>
+            <a:r>
+              <a:rPr lang="en-US" dirty="0" err="1" smtClean="0"/>
+              <a:t>MessageList</a:t>
+            </a:r>
+            <a:endParaRPr lang="en-US" dirty="0" smtClean="0"/>
+          </a:p>
+          <a:p>
+            <a:pPr lvl="1"/>
+            <a:r>
+              <a:rPr lang="en-US" dirty="0" err="1" smtClean="0"/>
+              <a:t>MessageService</a:t>
+            </a:r>
+            <a:endParaRPr lang="en-US" dirty="0" smtClean="0"/>
+          </a:p>
+          <a:p>
+            <a:pPr lvl="1"/>
+            <a:r>
+              <a:rPr lang="en-US" dirty="0" err="1" smtClean="0"/>
+              <a:t>MessageViewModel</a:t>
+            </a:r>
+            <a:endParaRPr lang="en-US" dirty="0" smtClean="0"/>
+          </a:p>
+          <a:p>
+            <a:pPr lvl="1"/>
+            <a:r>
+              <a:rPr lang="en-US" dirty="0" err="1" smtClean="0"/>
+              <a:t>MessageView</a:t>
+            </a:r>
+            <a:endParaRPr lang="en-US" dirty="0" smtClean="0"/>
+          </a:p>
+          <a:p>
+            <a:pPr lvl="1"/>
+            <a:r>
+              <a:rPr lang="en-US" dirty="0" err="1" smtClean="0"/>
+              <a:t>AddMessageView</a:t>
+            </a:r>
+            <a:endParaRPr lang="en-US" dirty="0" smtClean="0"/>
+          </a:p>
+          <a:p>
+            <a:pPr lvl="1"/>
+            <a:r>
+              <a:rPr lang="en-US" dirty="0" err="1" smtClean="0"/>
+              <a:t>AddMessageViewModel</a:t>
+            </a:r>
+            <a:endParaRPr lang="en-US" dirty="0" smtClean="0"/>
+          </a:p>
+          <a:p>
+            <a:pPr lvl="1"/>
+            <a:r>
+              <a:rPr lang="en-US" dirty="0" smtClean="0"/>
+              <a:t>Send message using </a:t>
+            </a:r>
+            <a:r>
+              <a:rPr lang="en-US" dirty="0" err="1" smtClean="0"/>
+              <a:t>MessageService</a:t>
+            </a:r>
+            <a:endParaRPr lang="en-US" dirty="0" smtClean="0"/>
+          </a:p>
+          <a:p>
+            <a:pPr lvl="1"/>
             <a:endParaRPr lang="en-US" dirty="0"/>
           </a:p>
         </p:txBody>
@@ -8294,10 +9699,9 @@
           <a:bodyPr/>
           <a:lstStyle/>
           <a:p>
-            <a:pPr lvl="0"/>
             <a:r>
               <a:rPr lang="en-US" dirty="0" smtClean="0"/>
-              <a:t>Including HTML5 content</a:t>
+              <a:t>Messages</a:t>
             </a:r>
             <a:endParaRPr lang="en-US" dirty="0"/>
           </a:p>
@@ -8343,7 +9747,7 @@
           <a:p>
             <a:r>
               <a:rPr lang="en-US" dirty="0" smtClean="0"/>
-              <a:t>Cross-platform mobile development | Ursin Brunner, Stefan </a:t>
+              <a:t>Cross-platform Mobile Development | Ursin Brunner, Stefan </a:t>
             </a:r>
             <a:r>
               <a:rPr lang="en-US" dirty="0" err="1" smtClean="0"/>
@@ -8359,7 +9763,7 @@
       </p:sp>
       <p:sp>
         <p:nvSpPr>
-          <p:cNvPr id="6" name="Slide Number Placeholder 5"/>
+          <p:cNvPr id="8" name="Slide Number Placeholder 7"/>
           <p:cNvSpPr>
             <a:spLocks noGrp="1"/>
           </p:cNvSpPr>
@@ -8376,7 +9780,7 @@
               <a:rPr lang="de-CH" smtClean="0"/>
               <a:t>Slide </a:t>
             </a:r>
-            <a:fld id="{71FC6896-AB3A-441B-8484-4D89162C8D32}" type="slidenum">
+            <a:fld id="{76AE5747-D0E7-4D66-8FBF-9CFC53A4E0C8}" type="slidenum">
               <a:rPr lang="de-CH" smtClean="0"/>
               <a:t>17</a:t>
             </a:fld>
@@ -8384,10 +9788,124 @@
           </a:p>
         </p:txBody>
       </p:sp>
+      <p:sp>
+        <p:nvSpPr>
+          <p:cNvPr id="10" name="Oval 9"/>
+          <p:cNvSpPr/>
+          <p:nvPr/>
+        </p:nvSpPr>
+        <p:spPr>
+          <a:xfrm>
+            <a:off x="8635473" y="78417"/>
+            <a:ext cx="427734" cy="427734"/>
+          </a:xfrm>
+          <a:prstGeom prst="ellipse">
+            <a:avLst/>
+          </a:prstGeom>
+          <a:noFill/>
+          <a:ln w="12700">
+            <a:solidFill>
+              <a:schemeClr val="accent1"/>
+            </a:solidFill>
+          </a:ln>
+        </p:spPr>
+        <p:style>
+          <a:lnRef idx="2">
+            <a:schemeClr val="accent1">
+              <a:shade val="50000"/>
+            </a:schemeClr>
+          </a:lnRef>
+          <a:fillRef idx="1">
+            <a:schemeClr val="accent1"/>
+          </a:fillRef>
+          <a:effectRef idx="0">
+            <a:schemeClr val="accent1"/>
+          </a:effectRef>
+          <a:fontRef idx="minor">
+            <a:schemeClr val="lt1"/>
+          </a:fontRef>
+        </p:style>
+        <p:txBody>
+          <a:bodyPr rtlCol="0" anchor="ctr"/>
+          <a:lstStyle/>
+          <a:p>
+            <a:pPr algn="ctr"/>
+            <a:r>
+              <a:rPr lang="en-US" sz="2200" dirty="0" smtClean="0">
+                <a:solidFill>
+                  <a:schemeClr val="accent1"/>
+                </a:solidFill>
+                <a:latin typeface="+mj-lt"/>
+              </a:rPr>
+              <a:t>7</a:t>
+            </a:r>
+            <a:endParaRPr lang="en-US" sz="2200" dirty="0" smtClean="0">
+              <a:solidFill>
+                <a:schemeClr val="accent1"/>
+              </a:solidFill>
+              <a:latin typeface="+mj-lt"/>
+            </a:endParaRPr>
+          </a:p>
+        </p:txBody>
+      </p:sp>
+      <p:pic>
+        <p:nvPicPr>
+          <p:cNvPr id="11" name="Picture 2" descr="http://www.dosenfischer.de/wp-content/uploads/2009/06/android_vector-580x435.jpg"/>
+          <p:cNvPicPr>
+            <a:picLocks noChangeAspect="1" noChangeArrowheads="1"/>
+          </p:cNvPicPr>
+          <p:nvPr/>
+        </p:nvPicPr>
+        <p:blipFill rotWithShape="1">
+          <a:blip r:embed="rId2" cstate="print">
+            <a:extLst>
+              <a:ext uri="{BEBA8EAE-BF5A-486C-A8C5-ECC9F3942E4B}">
+                <a14:imgProps xmlns:a14="http://schemas.microsoft.com/office/drawing/2010/main">
+                  <a14:imgLayer r:embed="rId3">
+                    <a14:imgEffect>
+                      <a14:backgroundRemoval t="5287" b="92644" l="22069" r="78448">
+                        <a14:foregroundMark x1="27931" y1="45287" x2="27931" y2="45287"/>
+                        <a14:foregroundMark x1="74310" y1="48506" x2="74310" y2="48506"/>
+                        <a14:foregroundMark x1="48621" y1="21149" x2="48621" y2="21149"/>
+                        <a14:foregroundMark x1="42586" y1="25977" x2="42586" y2="25977"/>
+                        <a14:foregroundMark x1="58103" y1="25517" x2="58103" y2="25517"/>
+                      </a14:backgroundRemoval>
+                    </a14:imgEffect>
+                  </a14:imgLayer>
+                </a14:imgProps>
+              </a:ext>
+              <a:ext uri="{28A0092B-C50C-407E-A947-70E740481C1C}">
+                <a14:useLocalDpi xmlns:a14="http://schemas.microsoft.com/office/drawing/2010/main" val="0"/>
+              </a:ext>
+            </a:extLst>
+          </a:blip>
+          <a:srcRect l="21204" t="7413" r="21232" b="3409"/>
+          <a:stretch/>
+        </p:blipFill>
+        <p:spPr bwMode="auto">
+          <a:xfrm>
+            <a:off x="8440600" y="5924115"/>
+            <a:ext cx="619675" cy="720000"/>
+          </a:xfrm>
+          <a:prstGeom prst="rect">
+            <a:avLst/>
+          </a:prstGeom>
+          <a:noFill/>
+          <a:extLst>
+            <a:ext uri="{909E8E84-426E-40DD-AFC4-6F175D3DCCD1}">
+              <a14:hiddenFill xmlns:a14="http://schemas.microsoft.com/office/drawing/2010/main">
+                <a:solidFill>
+                  <a:srgbClr val="FFFFFF"/>
+                </a:solidFill>
+              </a14:hiddenFill>
+            </a:ext>
+          </a:extLst>
+        </p:spPr>
+      </p:pic>
     </p:spTree>
     <p:extLst>
       <p:ext uri="{BB962C8B-B14F-4D97-AF65-F5344CB8AC3E}">
-        <p14:creationId xmlns:p14="http://schemas.microsoft.com/office/powerpoint/2010/main" val="1036474735"/>
+        <p14:creationId xmlns:p14="http://schemas.microsoft.com/office/powerpoint/2010/main" val="248274490"/>
       </p:ext>
     </p:extLst>
   </p:cSld>
@@ -8421,9 +9939,143 @@
           <a:chExt cx="0" cy="0"/>
         </a:xfrm>
       </p:grpSpPr>
-      <p:sp>
-        <p:nvSpPr>
-          <p:cNvPr id="2" name="Content Placeholder 1"/>
+      <p:pic>
+        <p:nvPicPr>
+          <p:cNvPr id="3074" name="Picture 2" descr="http://www.marxist.com/images/stories/science/prism.jpg"/>
+          <p:cNvPicPr>
+            <a:picLocks noChangeAspect="1" noChangeArrowheads="1"/>
+          </p:cNvPicPr>
+          <p:nvPr/>
+        </p:nvPicPr>
+        <p:blipFill>
+          <a:blip r:embed="rId3">
+            <a:extLst>
+              <a:ext uri="{28A0092B-C50C-407E-A947-70E740481C1C}">
+                <a14:useLocalDpi xmlns:a14="http://schemas.microsoft.com/office/drawing/2010/main" val="0"/>
+              </a:ext>
+            </a:extLst>
+          </a:blip>
+          <a:srcRect/>
+          <a:stretch>
+            <a:fillRect/>
+          </a:stretch>
+        </p:blipFill>
+        <p:spPr bwMode="auto">
+          <a:xfrm>
+            <a:off x="1476375" y="1718064"/>
+            <a:ext cx="6191250" cy="3895725"/>
+          </a:xfrm>
+          <a:prstGeom prst="rect">
+            <a:avLst/>
+          </a:prstGeom>
+          <a:noFill/>
+          <a:extLst>
+            <a:ext uri="{909E8E84-426E-40DD-AFC4-6F175D3DCCD1}">
+              <a14:hiddenFill xmlns:a14="http://schemas.microsoft.com/office/drawing/2010/main">
+                <a:solidFill>
+                  <a:srgbClr val="FFFFFF"/>
+                </a:solidFill>
+              </a14:hiddenFill>
+            </a:ext>
+          </a:extLst>
+        </p:spPr>
+      </p:pic>
+      <p:sp>
+        <p:nvSpPr>
+          <p:cNvPr id="10" name="Rectangle 9"/>
+          <p:cNvSpPr/>
+          <p:nvPr/>
+        </p:nvSpPr>
+        <p:spPr>
+          <a:xfrm>
+            <a:off x="0" y="0"/>
+            <a:ext cx="9144000" cy="1524000"/>
+          </a:xfrm>
+          <a:prstGeom prst="rect">
+            <a:avLst/>
+          </a:prstGeom>
+          <a:solidFill>
+            <a:srgbClr val="FF820A"/>
+          </a:solidFill>
+          <a:ln w="12700">
+            <a:noFill/>
+          </a:ln>
+        </p:spPr>
+        <p:style>
+          <a:lnRef idx="2">
+            <a:schemeClr val="accent1">
+              <a:shade val="50000"/>
+            </a:schemeClr>
+          </a:lnRef>
+          <a:fillRef idx="1">
+            <a:schemeClr val="accent1"/>
+          </a:fillRef>
+          <a:effectRef idx="0">
+            <a:schemeClr val="accent1"/>
+          </a:effectRef>
+          <a:fontRef idx="minor">
+            <a:schemeClr val="lt1"/>
+          </a:fontRef>
+        </p:style>
+        <p:txBody>
+          <a:bodyPr rtlCol="0" anchor="ctr"/>
+          <a:lstStyle/>
+          <a:p>
+            <a:pPr algn="ctr"/>
+            <a:endParaRPr lang="en-US" sz="2200" dirty="0" err="1" smtClean="0">
+              <a:latin typeface="AA Zuehlke" pitchFamily="2" charset="0"/>
+            </a:endParaRPr>
+          </a:p>
+        </p:txBody>
+      </p:sp>
+      <p:pic>
+        <p:nvPicPr>
+          <p:cNvPr id="11" name="Logo" descr="C:\Users\Luc Benninger\Desktop\Zuehlke_Logo_rgb_300dpi.png"/>
+          <p:cNvPicPr>
+            <a:picLocks noChangeArrowheads="1"/>
+          </p:cNvPicPr>
+          <p:nvPr>
+            <p:custDataLst>
+              <p:tags r:id="rId1"/>
+            </p:custDataLst>
+          </p:nvPr>
+        </p:nvPicPr>
+        <p:blipFill>
+          <a:blip r:embed="rId4" cstate="print">
+            <a:extLst>
+              <a:ext uri="{28A0092B-C50C-407E-A947-70E740481C1C}">
+                <a14:useLocalDpi xmlns:a14="http://schemas.microsoft.com/office/drawing/2010/main" val="0"/>
+              </a:ext>
+            </a:extLst>
+          </a:blip>
+          <a:srcRect/>
+          <a:stretch>
+            <a:fillRect/>
+          </a:stretch>
+        </p:blipFill>
+        <p:spPr bwMode="auto">
+          <a:xfrm>
+            <a:off x="6567488" y="292100"/>
+            <a:ext cx="1141412" cy="1141412"/>
+          </a:xfrm>
+          <a:prstGeom prst="rect">
+            <a:avLst/>
+          </a:prstGeom>
+          <a:noFill/>
+          <a:extLst>
+            <a:ext uri="{909E8E84-426E-40DD-AFC4-6F175D3DCCD1}">
+              <a14:hiddenFill xmlns:a14="http://schemas.microsoft.com/office/drawing/2010/main">
+                <a:solidFill>
+                  <a:srgbClr val="FFFFFF"/>
+                </a:solidFill>
+              </a14:hiddenFill>
+            </a:ext>
+          </a:extLst>
+        </p:spPr>
+      </p:pic>
+      <p:sp>
+        <p:nvSpPr>
+          <p:cNvPr id="13" name="Content Placeholder 12"/>
           <p:cNvSpPr>
             <a:spLocks noGrp="1"/>
           </p:cNvSpPr>
@@ -8431,11 +10083,27 @@
             <p:ph idx="1"/>
           </p:nvPr>
         </p:nvSpPr>
-        <p:spPr/>
-        <p:txBody>
-          <a:bodyPr/>
-          <a:lstStyle/>
-          <a:p>
+        <p:spPr>
+          <a:xfrm>
+            <a:off x="152082" y="5353803"/>
+            <a:ext cx="7556633" cy="1140659"/>
+          </a:xfrm>
+        </p:spPr>
+        <p:txBody>
+          <a:bodyPr anchor="b"/>
+          <a:lstStyle/>
+          <a:p>
+            <a:r>
+              <a:rPr lang="en-US" dirty="0" smtClean="0"/>
+              <a:t>What about testing?</a:t>
+            </a:r>
+          </a:p>
+          <a:p>
+            <a:pPr lvl="1"/>
+            <a:r>
+              <a:rPr lang="en-US" dirty="0" smtClean="0"/>
+              <a:t>How can we ensure proper encryption/decryption?</a:t>
+            </a:r>
             <a:endParaRPr lang="en-US" dirty="0"/>
           </a:p>
         </p:txBody>
@@ -8457,16 +10125,24 @@
           <a:p>
             <a:pPr lvl="0"/>
             <a:r>
-              <a:rPr lang="en-US" dirty="0" smtClean="0"/>
-              <a:t>REST with RestSharp/Json.NET</a:t>
-            </a:r>
-            <a:endParaRPr lang="en-US" dirty="0"/>
-          </a:p>
-        </p:txBody>
-      </p:sp>
-      <p:sp>
-        <p:nvSpPr>
-          <p:cNvPr id="4" name="Date Placeholder 3"/>
+              <a:rPr lang="en-US" dirty="0" smtClean="0">
+                <a:solidFill>
+                  <a:schemeClr val="bg1"/>
+                </a:solidFill>
+              </a:rPr>
+              <a:t>What About Security?</a:t>
+            </a:r>
+            <a:endParaRPr lang="en-US" dirty="0">
+              <a:solidFill>
+                <a:schemeClr val="bg1"/>
+              </a:solidFill>
+            </a:endParaRPr>
+          </a:p>
+        </p:txBody>
+      </p:sp>
+      <p:sp>
+        <p:nvSpPr>
+          <p:cNvPr id="9" name="Date Placeholder 8"/>
           <p:cNvSpPr>
             <a:spLocks noGrp="1"/>
           </p:cNvSpPr>
@@ -8480,10 +10156,10 @@
           <a:lstStyle/>
           <a:p>
             <a:r>
-              <a:rPr lang="en-US" dirty="0" smtClean="0"/>
+              <a:rPr lang="en-US" smtClean="0"/>
               <a:t>26. September 2013</a:t>
             </a:r>
-            <a:endParaRPr lang="en-US" dirty="0"/>
+            <a:endParaRPr lang="de-CH" dirty="0"/>
           </a:p>
         </p:txBody>
       </p:sp>
@@ -8503,16 +10179,8 @@
           <a:lstStyle/>
           <a:p>
             <a:r>
-              <a:rPr lang="en-US" dirty="0" smtClean="0"/>
-              <a:t>Cross-platform mobile development | Ursin Brunner, Stefan </a:t>
-            </a:r>
-            <a:r>
-              <a:rPr lang="en-US" dirty="0" err="1" smtClean="0"/>
-              <a:t>Schöb</a:t>
-            </a:r>
-            <a:r>
-              <a:rPr lang="en-US" dirty="0" smtClean="0"/>
-              <a:t>, Oliver Brack</a:t>
+              <a:rPr lang="en-US" smtClean="0"/>
+              <a:t>Cross-platform Mobile Development | Ursin Brunner, Stefan Schöb, Oliver Brack</a:t>
             </a:r>
             <a:endParaRPr lang="en-US" dirty="0"/>
           </a:p>
@@ -8520,7 +10188,7 @@
       </p:sp>
       <p:sp>
         <p:nvSpPr>
-          <p:cNvPr id="6" name="Slide Number Placeholder 5"/>
+          <p:cNvPr id="12" name="Slide Number Placeholder 11"/>
           <p:cNvSpPr>
             <a:spLocks noGrp="1"/>
           </p:cNvSpPr>
@@ -8537,7 +10205,7 @@
               <a:rPr lang="de-CH" smtClean="0"/>
               <a:t>Slide </a:t>
             </a:r>
-            <a:fld id="{71FC6896-AB3A-441B-8484-4D89162C8D32}" type="slidenum">
+            <a:fld id="{D81727B8-15C5-4C54-A7E8-FF16A5766928}" type="slidenum">
               <a:rPr lang="de-CH" smtClean="0"/>
               <a:t>18</a:t>
             </a:fld>
@@ -8558,9 +10226,139 @@
   <p:timing>
     <p:tnLst>
       <p:par>
-        <p:cTn id="1" dur="indefinite" restart="never" nodeType="tmRoot"/>
+        <p:cTn id="1" dur="indefinite" restart="never" nodeType="tmRoot">
+          <p:childTnLst>
+            <p:seq concurrent="1" nextAc="seek">
+              <p:cTn id="2" dur="indefinite" nodeType="mainSeq">
+                <p:childTnLst>
+                  <p:par>
+                    <p:cTn id="3" fill="hold">
+                      <p:stCondLst>
+                        <p:cond delay="indefinite"/>
+                      </p:stCondLst>
+                      <p:childTnLst>
+                        <p:par>
+                          <p:cTn id="4" fill="hold">
+                            <p:stCondLst>
+                              <p:cond delay="0"/>
+                            </p:stCondLst>
+                            <p:childTnLst>
+                              <p:par>
+                                <p:cTn id="5" presetID="10" presetClass="entr" presetSubtype="0" fill="hold" grpId="0" nodeType="clickEffect">
+                                  <p:stCondLst>
+                                    <p:cond delay="0"/>
+                                  </p:stCondLst>
+                                  <p:childTnLst>
+                                    <p:set>
+                                      <p:cBhvr>
+                                        <p:cTn id="6" dur="1" fill="hold">
+                                          <p:stCondLst>
+                                            <p:cond delay="0"/>
+                                          </p:stCondLst>
+                                        </p:cTn>
+                                        <p:tgtEl>
+                                          <p:spTgt spid="13">
+                                            <p:txEl>
+                                              <p:pRg st="0" end="0"/>
+                                            </p:txEl>
+                                          </p:spTgt>
+                                        </p:tgtEl>
+                                        <p:attrNameLst>
+                                          <p:attrName>style.visibility</p:attrName>
+                                        </p:attrNameLst>
+                                      </p:cBhvr>
+                                      <p:to>
+                                        <p:strVal val="visible"/>
+                                      </p:to>
+                                    </p:set>
+                                    <p:animEffect transition="in" filter="fade">
+                                      <p:cBhvr>
+                                        <p:cTn id="7" dur="500"/>
+                                        <p:tgtEl>
+                                          <p:spTgt spid="13">
+                                            <p:txEl>
+                                              <p:pRg st="0" end="0"/>
+                                            </p:txEl>
+                                          </p:spTgt>
+                                        </p:tgtEl>
+                                      </p:cBhvr>
+                                    </p:animEffect>
+                                  </p:childTnLst>
+                                </p:cTn>
+                              </p:par>
+                              <p:par>
+                                <p:cTn id="8" presetID="10" presetClass="entr" presetSubtype="0" fill="hold" grpId="0" nodeType="withEffect">
+                                  <p:stCondLst>
+                                    <p:cond delay="0"/>
+                                  </p:stCondLst>
+                                  <p:childTnLst>
+                                    <p:set>
+                                      <p:cBhvr>
+                                        <p:cTn id="9" dur="1" fill="hold">
+                                          <p:stCondLst>
+                                            <p:cond delay="0"/>
+                                          </p:stCondLst>
+                                        </p:cTn>
+                                        <p:tgtEl>
+                                          <p:spTgt spid="13">
+                                            <p:txEl>
+                                              <p:pRg st="1" end="1"/>
+                                            </p:txEl>
+                                          </p:spTgt>
+                                        </p:tgtEl>
+                                        <p:attrNameLst>
+                                          <p:attrName>style.visibility</p:attrName>
+                                        </p:attrNameLst>
+                                      </p:cBhvr>
+                                      <p:to>
+                                        <p:strVal val="visible"/>
+                                      </p:to>
+                                    </p:set>
+                                    <p:animEffect transition="in" filter="fade">
+                                      <p:cBhvr>
+                                        <p:cTn id="10" dur="500"/>
+                                        <p:tgtEl>
+                                          <p:spTgt spid="13">
+                                            <p:txEl>
+                                              <p:pRg st="1" end="1"/>
+                                            </p:txEl>
+                                          </p:spTgt>
+                                        </p:tgtEl>
+                                      </p:cBhvr>
+                                    </p:animEffect>
+                                  </p:childTnLst>
+                                </p:cTn>
+                              </p:par>
+                            </p:childTnLst>
+                          </p:cTn>
+                        </p:par>
+                      </p:childTnLst>
+                    </p:cTn>
+                  </p:par>
+                </p:childTnLst>
+              </p:cTn>
+              <p:prevCondLst>
+                <p:cond evt="onPrev" delay="0">
+                  <p:tgtEl>
+                    <p:sldTgt/>
+                  </p:tgtEl>
+                </p:cond>
+              </p:prevCondLst>
+              <p:nextCondLst>
+                <p:cond evt="onNext" delay="0">
+                  <p:tgtEl>
+                    <p:sldTgt/>
+                  </p:tgtEl>
+                </p:cond>
+              </p:nextCondLst>
+            </p:seq>
+          </p:childTnLst>
+        </p:cTn>
       </p:par>
     </p:tnLst>
+    <p:bldLst>
+      <p:bldP spid="13" grpId="0" build="p"/>
+    </p:bldLst>
   </p:timing>
 </p:sld>
 </file>
@@ -8597,6 +10395,38 @@
           <a:bodyPr/>
           <a:lstStyle/>
           <a:p>
+            <a:pPr lvl="1"/>
+            <a:r>
+              <a:rPr lang="en-US" dirty="0" err="1" smtClean="0"/>
+              <a:t>EncryptionService</a:t>
+            </a:r>
+            <a:endParaRPr lang="en-US" dirty="0" smtClean="0"/>
+          </a:p>
+          <a:p>
+            <a:pPr lvl="1"/>
+            <a:r>
+              <a:rPr lang="en-US" dirty="0" smtClean="0"/>
+              <a:t>Include </a:t>
+            </a:r>
+            <a:r>
+              <a:rPr lang="en-US" dirty="0" err="1" smtClean="0"/>
+              <a:t>BountyCastle</a:t>
+            </a:r>
+            <a:endParaRPr lang="en-US" dirty="0" smtClean="0"/>
+          </a:p>
+          <a:p>
+            <a:pPr lvl="1"/>
+            <a:r>
+              <a:rPr lang="en-US" dirty="0" smtClean="0"/>
+              <a:t>TDD</a:t>
+            </a:r>
+          </a:p>
+          <a:p>
+            <a:pPr lvl="1"/>
+            <a:r>
+              <a:rPr lang="en-US" dirty="0" err="1" smtClean="0"/>
+              <a:t>MessageEncryptionService</a:t>
+            </a:r>
             <a:endParaRPr lang="en-US" dirty="0"/>
           </a:p>
         </p:txBody>
@@ -8616,10 +10446,9 @@
           <a:bodyPr/>
           <a:lstStyle/>
           <a:p>
-            <a:pPr lvl="0"/>
             <a:r>
               <a:rPr lang="en-US" dirty="0" smtClean="0"/>
-              <a:t>Client-side cryptography</a:t>
+              <a:t>Client-side Encryption</a:t>
             </a:r>
             <a:endParaRPr lang="en-US" dirty="0"/>
           </a:p>
@@ -8665,7 +10494,7 @@
           <a:p>
             <a:r>
               <a:rPr lang="en-US" dirty="0" smtClean="0"/>
-              <a:t>Cross-platform mobile development | Ursin Brunner, Stefan </a:t>
+              <a:t>Cross-platform Mobile Development | Ursin Brunner, Stefan </a:t>
             </a:r>
             <a:r>
               <a:rPr lang="en-US" dirty="0" err="1" smtClean="0"/>
@@ -8681,7 +10510,7 @@
       </p:sp>
       <p:sp>
         <p:nvSpPr>
-          <p:cNvPr id="6" name="Slide Number Placeholder 5"/>
+          <p:cNvPr id="8" name="Slide Number Placeholder 7"/>
           <p:cNvSpPr>
             <a:spLocks noGrp="1"/>
           </p:cNvSpPr>
@@ -8698,7 +10527,7 @@
               <a:rPr lang="de-CH" smtClean="0"/>
               <a:t>Slide </a:t>
             </a:r>
-            <a:fld id="{71FC6896-AB3A-441B-8484-4D89162C8D32}" type="slidenum">
+            <a:fld id="{76AE5747-D0E7-4D66-8FBF-9CFC53A4E0C8}" type="slidenum">
               <a:rPr lang="de-CH" smtClean="0"/>
               <a:t>19</a:t>
             </a:fld>
@@ -8706,10 +10535,120 @@
           </a:p>
         </p:txBody>
       </p:sp>
+      <p:sp>
+        <p:nvSpPr>
+          <p:cNvPr id="10" name="Oval 9"/>
+          <p:cNvSpPr/>
+          <p:nvPr/>
+        </p:nvSpPr>
+        <p:spPr>
+          <a:xfrm>
+            <a:off x="8635473" y="78417"/>
+            <a:ext cx="427734" cy="427734"/>
+          </a:xfrm>
+          <a:prstGeom prst="ellipse">
+            <a:avLst/>
+          </a:prstGeom>
+          <a:noFill/>
+          <a:ln w="12700">
+            <a:solidFill>
+              <a:schemeClr val="accent1"/>
+            </a:solidFill>
+          </a:ln>
+        </p:spPr>
+        <p:style>
+          <a:lnRef idx="2">
+            <a:schemeClr val="accent1">
+              <a:shade val="50000"/>
+            </a:schemeClr>
+          </a:lnRef>
+          <a:fillRef idx="1">
+            <a:schemeClr val="accent1"/>
+          </a:fillRef>
+          <a:effectRef idx="0">
+            <a:schemeClr val="accent1"/>
+          </a:effectRef>
+          <a:fontRef idx="minor">
+            <a:schemeClr val="lt1"/>
+          </a:fontRef>
+        </p:style>
+        <p:txBody>
+          <a:bodyPr rtlCol="0" anchor="ctr"/>
+          <a:lstStyle/>
+          <a:p>
+            <a:pPr algn="ctr"/>
+            <a:r>
+              <a:rPr lang="en-US" sz="2200" dirty="0" smtClean="0">
+                <a:solidFill>
+                  <a:schemeClr val="accent1"/>
+                </a:solidFill>
+                <a:latin typeface="+mj-lt"/>
+              </a:rPr>
+              <a:t>8</a:t>
+            </a:r>
+            <a:endParaRPr lang="en-US" sz="2200" dirty="0" smtClean="0">
+              <a:solidFill>
+                <a:schemeClr val="accent1"/>
+              </a:solidFill>
+              <a:latin typeface="+mj-lt"/>
+            </a:endParaRPr>
+          </a:p>
+        </p:txBody>
+      </p:sp>
+      <p:pic>
+        <p:nvPicPr>
+          <p:cNvPr id="11" name="Picture 4" descr="http://www.digi-news.ch/schulen/20100624/uploads/apple_logo2.jpg"/>
+          <p:cNvPicPr>
+            <a:picLocks noChangeAspect="1" noChangeArrowheads="1"/>
+          </p:cNvPicPr>
+          <p:nvPr/>
+        </p:nvPicPr>
+        <p:blipFill rotWithShape="1">
+          <a:blip r:embed="rId2" cstate="print">
+            <a:extLst>
+              <a:ext uri="{BEBA8EAE-BF5A-486C-A8C5-ECC9F3942E4B}">
+                <a14:imgProps xmlns:a14="http://schemas.microsoft.com/office/drawing/2010/main">
+                  <a14:imgLayer r:embed="rId3">
+                    <a14:imgEffect>
+                      <a14:backgroundRemoval t="0" b="100000" l="10000" r="90000">
+                        <a14:foregroundMark x1="56444" y1="12162" x2="56444" y2="12162"/>
+                      </a14:backgroundRemoval>
+                    </a14:imgEffect>
+                  </a14:imgLayer>
+                </a14:imgProps>
+              </a:ext>
+              <a:ext uri="{28A0092B-C50C-407E-A947-70E740481C1C}">
+                <a14:useLocalDpi xmlns:a14="http://schemas.microsoft.com/office/drawing/2010/main" val="0"/>
+              </a:ext>
+            </a:extLst>
+          </a:blip>
+          <a:srcRect l="9636" r="15609"/>
+          <a:stretch/>
+        </p:blipFill>
+        <p:spPr bwMode="auto">
+          <a:xfrm>
+            <a:off x="8379457" y="5871876"/>
+            <a:ext cx="654610" cy="720000"/>
+          </a:xfrm>
+          <a:prstGeom prst="rect">
+            <a:avLst/>
+          </a:prstGeom>
+          <a:noFill/>
+          <a:extLst>
+            <a:ext uri="{909E8E84-426E-40DD-AFC4-6F175D3DCCD1}">
+              <a14:hiddenFill xmlns:a14="http://schemas.microsoft.com/office/drawing/2010/main">
+                <a:solidFill>
+                  <a:srgbClr val="FFFFFF"/>
+                </a:solidFill>
+              </a14:hiddenFill>
+            </a:ext>
+          </a:extLst>
+        </p:spPr>
+      </p:pic>
     </p:spTree>
     <p:extLst>
       <p:ext uri="{BB962C8B-B14F-4D97-AF65-F5344CB8AC3E}">
-        <p14:creationId xmlns:p14="http://schemas.microsoft.com/office/powerpoint/2010/main" val="1036474735"/>
+        <p14:creationId xmlns:p14="http://schemas.microsoft.com/office/powerpoint/2010/main" val="248274490"/>
       </p:ext>
     </p:extLst>
   </p:cSld>
@@ -8765,7 +10704,15 @@
             </a:pPr>
             <a:r>
               <a:rPr lang="en-US" sz="3600" dirty="0" smtClean="0"/>
-              <a:t>The future is mobile!</a:t>
+              <a:t>The </a:t>
+            </a:r>
+            <a:r>
+              <a:rPr lang="en-US" sz="3600" dirty="0" smtClean="0"/>
+              <a:t>Future Is Mobile</a:t>
+            </a:r>
+            <a:r>
+              <a:rPr lang="en-US" sz="3600" dirty="0" smtClean="0"/>
+              <a:t>!</a:t>
             </a:r>
             <a:endParaRPr lang="en-US" sz="3600" dirty="0"/>
           </a:p>
@@ -8823,7 +10770,6 @@
               <a:rPr lang="en-US" sz="1000" dirty="0" smtClean="0"/>
               <a:t>IDC/Nielsen 2012</a:t>
             </a:r>
-            <a:endParaRPr lang="en-US" sz="1000" dirty="0" smtClean="0"/>
           </a:p>
         </p:txBody>
       </p:sp>
@@ -8866,59 +10812,9 @@
           <a:p>
             <a:r>
               <a:rPr lang="en-US" smtClean="0"/>
-              <a:t>Cross-platform mobile development | Ursin Brunner, Stefan Schöb, Oliver Brack</a:t>
+              <a:t>Cross-platform Mobile Development | Ursin Brunner, Stefan Schöb, Oliver Brack</a:t>
             </a:r>
             <a:endParaRPr lang="en-US" dirty="0"/>
-          </a:p>
-        </p:txBody>
-      </p:sp>
-      <p:sp>
-        <p:nvSpPr>
-          <p:cNvPr id="9" name="Date Placeholder 8"/>
-          <p:cNvSpPr>
-            <a:spLocks noGrp="1"/>
-          </p:cNvSpPr>
-          <p:nvPr>
-            <p:ph type="dt" sz="half" idx="10"/>
-          </p:nvPr>
-        </p:nvSpPr>
-        <p:spPr/>
-        <p:txBody>
-          <a:bodyPr/>
-          <a:lstStyle/>
-          <a:p>
-            <a:r>
-              <a:rPr lang="en-US" smtClean="0"/>
-              <a:t>26. September 2013</a:t>
-            </a:r>
-            <a:endParaRPr lang="de-CH" dirty="0"/>
-          </a:p>
-        </p:txBody>
-      </p:sp>
-      <p:sp>
-        <p:nvSpPr>
-          <p:cNvPr id="10" name="Slide Number Placeholder 9"/>
-          <p:cNvSpPr>
-            <a:spLocks noGrp="1"/>
-          </p:cNvSpPr>
-          <p:nvPr>
-            <p:ph type="sldNum" sz="quarter" idx="12"/>
-          </p:nvPr>
-        </p:nvSpPr>
-        <p:spPr/>
-        <p:txBody>
-          <a:bodyPr/>
-          <a:lstStyle/>
-          <a:p>
-            <a:r>
-              <a:rPr lang="de-CH" smtClean="0"/>
-              <a:t>Slide </a:t>
-            </a:r>
-            <a:fld id="{CB23E6DA-425D-4855-9B53-BBE896C9B203}" type="slidenum">
-              <a:rPr lang="de-CH" smtClean="0"/>
-              <a:t>2</a:t>
-            </a:fld>
-            <a:endParaRPr lang="de-CH" dirty="0"/>
           </a:p>
         </p:txBody>
       </p:sp>
@@ -9024,6 +10920,56 @@
                 </a:glow>
               </a:effectLst>
             </a:endParaRPr>
+          </a:p>
+        </p:txBody>
+      </p:sp>
+      <p:sp>
+        <p:nvSpPr>
+          <p:cNvPr id="12" name="Date Placeholder 11"/>
+          <p:cNvSpPr>
+            <a:spLocks noGrp="1"/>
+          </p:cNvSpPr>
+          <p:nvPr>
+            <p:ph type="dt" sz="half" idx="10"/>
+          </p:nvPr>
+        </p:nvSpPr>
+        <p:spPr/>
+        <p:txBody>
+          <a:bodyPr/>
+          <a:lstStyle/>
+          <a:p>
+            <a:r>
+              <a:rPr lang="en-US" smtClean="0"/>
+              <a:t>26. September 2013</a:t>
+            </a:r>
+            <a:endParaRPr lang="de-CH" dirty="0"/>
+          </a:p>
+        </p:txBody>
+      </p:sp>
+      <p:sp>
+        <p:nvSpPr>
+          <p:cNvPr id="13" name="Slide Number Placeholder 12"/>
+          <p:cNvSpPr>
+            <a:spLocks noGrp="1"/>
+          </p:cNvSpPr>
+          <p:nvPr>
+            <p:ph type="sldNum" sz="quarter" idx="12"/>
+          </p:nvPr>
+        </p:nvSpPr>
+        <p:spPr/>
+        <p:txBody>
+          <a:bodyPr/>
+          <a:lstStyle/>
+          <a:p>
+            <a:r>
+              <a:rPr lang="de-CH" smtClean="0"/>
+              <a:t>Slide </a:t>
+            </a:r>
+            <a:fld id="{52D4AFEC-F955-41BA-8292-1BE91E4102BD}" type="slidenum">
+              <a:rPr lang="de-CH" smtClean="0"/>
+              <a:t>2</a:t>
+            </a:fld>
+            <a:endParaRPr lang="de-CH" dirty="0"/>
           </a:p>
         </p:txBody>
       </p:sp>
@@ -9501,6 +11447,54 @@
       </p:grpSpPr>
       <p:sp>
         <p:nvSpPr>
+          <p:cNvPr id="9" name="Rectangle 8"/>
+          <p:cNvSpPr/>
+          <p:nvPr/>
+        </p:nvSpPr>
+        <p:spPr>
+          <a:xfrm>
+            <a:off x="0" y="0"/>
+            <a:ext cx="9144000" cy="1524000"/>
+          </a:xfrm>
+          <a:prstGeom prst="rect">
+            <a:avLst/>
+          </a:prstGeom>
+          <a:solidFill>
+            <a:srgbClr val="FF820A"/>
+          </a:solidFill>
+          <a:ln w="12700">
+            <a:noFill/>
+          </a:ln>
+        </p:spPr>
+        <p:style>
+          <a:lnRef idx="2">
+            <a:schemeClr val="accent1">
+              <a:shade val="50000"/>
+            </a:schemeClr>
+          </a:lnRef>
+          <a:fillRef idx="1">
+            <a:schemeClr val="accent1"/>
+          </a:fillRef>
+          <a:effectRef idx="0">
+            <a:schemeClr val="accent1"/>
+          </a:effectRef>
+          <a:fontRef idx="minor">
+            <a:schemeClr val="lt1"/>
+          </a:fontRef>
+        </p:style>
+        <p:txBody>
+          <a:bodyPr rtlCol="0" anchor="ctr"/>
+          <a:lstStyle/>
+          <a:p>
+            <a:pPr algn="ctr"/>
+            <a:endParaRPr lang="en-US" sz="2200" dirty="0" err="1" smtClean="0">
+              <a:latin typeface="AA Zuehlke" pitchFamily="2" charset="0"/>
+            </a:endParaRPr>
+          </a:p>
+        </p:txBody>
+      </p:sp>
+      <p:sp>
+        <p:nvSpPr>
           <p:cNvPr id="2" name="Content Placeholder 1"/>
           <p:cNvSpPr>
             <a:spLocks noGrp="1"/>
@@ -9514,6 +11508,28 @@
           <a:bodyPr/>
           <a:lstStyle/>
           <a:p>
+            <a:pPr lvl="1"/>
+            <a:r>
+              <a:rPr lang="en-US" dirty="0" smtClean="0"/>
+              <a:t>Azure</a:t>
+            </a:r>
+          </a:p>
+          <a:p>
+            <a:pPr lvl="1"/>
+            <a:r>
+              <a:rPr lang="en-US" dirty="0" smtClean="0">
+                <a:hlinkClick r:id="rId3"/>
+              </a:rPr>
+              <a:t>Encryption demo</a:t>
+            </a:r>
+            <a:endParaRPr lang="en-US" dirty="0" smtClean="0"/>
+          </a:p>
+          <a:p>
+            <a:pPr lvl="1"/>
+            <a:r>
+              <a:rPr lang="en-US" dirty="0" smtClean="0"/>
+              <a:t>Hardcoded password/username?</a:t>
+            </a:r>
             <a:endParaRPr lang="en-US" dirty="0"/>
           </a:p>
         </p:txBody>
@@ -9533,12 +11549,19 @@
           <a:bodyPr/>
           <a:lstStyle/>
           <a:p>
-            <a:pPr lvl="0"/>
-            <a:r>
-              <a:rPr lang="en-US" dirty="0" smtClean="0"/>
-              <a:t>Unit testing (crypto service)</a:t>
-            </a:r>
-            <a:endParaRPr lang="en-US" dirty="0"/>
+            <a:r>
+              <a:rPr lang="en-US" dirty="0" smtClean="0">
+                <a:solidFill>
+                  <a:schemeClr val="bg1"/>
+                </a:solidFill>
+              </a:rPr>
+              <a:t>Data in the Cloud</a:t>
+            </a:r>
+            <a:endParaRPr lang="en-US" dirty="0">
+              <a:solidFill>
+                <a:schemeClr val="bg1"/>
+              </a:solidFill>
+            </a:endParaRPr>
           </a:p>
         </p:txBody>
       </p:sp>
@@ -9582,7 +11605,7 @@
           <a:p>
             <a:r>
               <a:rPr lang="en-US" dirty="0" smtClean="0"/>
-              <a:t>Cross-platform mobile development | Ursin Brunner, Stefan </a:t>
+              <a:t>Cross-platform Mobile Development | Ursin Brunner, Stefan </a:t>
             </a:r>
             <a:r>
               <a:rPr lang="en-US" dirty="0" err="1" smtClean="0"/>
@@ -9598,7 +11621,7 @@
       </p:sp>
       <p:sp>
         <p:nvSpPr>
-          <p:cNvPr id="6" name="Slide Number Placeholder 5"/>
+          <p:cNvPr id="8" name="Slide Number Placeholder 7"/>
           <p:cNvSpPr>
             <a:spLocks noGrp="1"/>
           </p:cNvSpPr>
@@ -9615,7 +11638,7 @@
               <a:rPr lang="de-CH" smtClean="0"/>
               <a:t>Slide </a:t>
             </a:r>
-            <a:fld id="{71FC6896-AB3A-441B-8484-4D89162C8D32}" type="slidenum">
+            <a:fld id="{76AE5747-D0E7-4D66-8FBF-9CFC53A4E0C8}" type="slidenum">
               <a:rPr lang="de-CH" smtClean="0"/>
               <a:t>20</a:t>
             </a:fld>
@@ -9623,10 +11646,55 @@
           </a:p>
         </p:txBody>
       </p:sp>
+      <p:pic>
+        <p:nvPicPr>
+          <p:cNvPr id="10" name="Logo" descr="C:\Users\Luc Benninger\Desktop\Zuehlke_Logo_rgb_300dpi.png"/>
+          <p:cNvPicPr>
+            <a:picLocks noChangeArrowheads="1"/>
+          </p:cNvPicPr>
+          <p:nvPr>
+            <p:custDataLst>
+              <p:tags r:id="rId1"/>
+            </p:custDataLst>
+          </p:nvPr>
+        </p:nvPicPr>
+        <p:blipFill>
+          <a:blip r:embed="rId4" cstate="print">
+            <a:extLst>
+              <a:ext uri="{28A0092B-C50C-407E-A947-70E740481C1C}">
+                <a14:useLocalDpi xmlns:a14="http://schemas.microsoft.com/office/drawing/2010/main" val="0"/>
+              </a:ext>
+            </a:extLst>
+          </a:blip>
+          <a:srcRect/>
+          <a:stretch>
+            <a:fillRect/>
+          </a:stretch>
+        </p:blipFill>
+        <p:spPr bwMode="auto">
+          <a:xfrm>
+            <a:off x="6567488" y="292100"/>
+            <a:ext cx="1141412" cy="1141412"/>
+          </a:xfrm>
+          <a:prstGeom prst="rect">
+            <a:avLst/>
+          </a:prstGeom>
+          <a:noFill/>
+          <a:extLst>
+            <a:ext uri="{909E8E84-426E-40DD-AFC4-6F175D3DCCD1}">
+              <a14:hiddenFill xmlns:a14="http://schemas.microsoft.com/office/drawing/2010/main">
+                <a:solidFill>
+                  <a:srgbClr val="FFFFFF"/>
+                </a:solidFill>
+              </a14:hiddenFill>
+            </a:ext>
+          </a:extLst>
+        </p:spPr>
+      </p:pic>
     </p:spTree>
     <p:extLst>
       <p:ext uri="{BB962C8B-B14F-4D97-AF65-F5344CB8AC3E}">
-        <p14:creationId xmlns:p14="http://schemas.microsoft.com/office/powerpoint/2010/main" val="1036474735"/>
+        <p14:creationId xmlns:p14="http://schemas.microsoft.com/office/powerpoint/2010/main" val="248274490"/>
       </p:ext>
     </p:extLst>
   </p:cSld>
@@ -9662,6 +11730,44 @@
       </p:grpSpPr>
       <p:sp>
         <p:nvSpPr>
+          <p:cNvPr id="2" name="Content Placeholder 1"/>
+          <p:cNvSpPr>
+            <a:spLocks noGrp="1"/>
+          </p:cNvSpPr>
+          <p:nvPr>
+            <p:ph idx="1"/>
+          </p:nvPr>
+        </p:nvSpPr>
+        <p:spPr/>
+        <p:txBody>
+          <a:bodyPr/>
+          <a:lstStyle/>
+          <a:p>
+            <a:pPr lvl="1"/>
+            <a:r>
+              <a:rPr lang="en-US" dirty="0" smtClean="0"/>
+              <a:t>SQLite plug-in (plug-in system)</a:t>
+            </a:r>
+          </a:p>
+          <a:p>
+            <a:pPr lvl="1"/>
+            <a:r>
+              <a:rPr lang="en-US" dirty="0" smtClean="0"/>
+              <a:t>Username/password</a:t>
+            </a:r>
+          </a:p>
+          <a:p>
+            <a:pPr lvl="1"/>
+            <a:r>
+              <a:rPr lang="en-US" dirty="0" smtClean="0"/>
+              <a:t>LINQ</a:t>
+            </a:r>
+            <a:endParaRPr lang="en-US" dirty="0"/>
+          </a:p>
+        </p:txBody>
+      </p:sp>
+      <p:sp>
+        <p:nvSpPr>
           <p:cNvPr id="3" name="Title 2"/>
           <p:cNvSpPr>
             <a:spLocks noGrp="1"/>
@@ -9675,37 +11781,186 @@
           <a:bodyPr/>
           <a:lstStyle/>
           <a:p>
+            <a:pPr lvl="0"/>
             <a:r>
               <a:rPr lang="en-US" dirty="0" smtClean="0"/>
-              <a:t>Questions (concerning the App)</a:t>
+              <a:t>SQLite with LINQ</a:t>
             </a:r>
             <a:endParaRPr lang="en-US" dirty="0"/>
+          </a:p>
+        </p:txBody>
+      </p:sp>
+      <p:sp>
+        <p:nvSpPr>
+          <p:cNvPr id="5" name="Footer Placeholder 4"/>
+          <p:cNvSpPr>
+            <a:spLocks noGrp="1"/>
+          </p:cNvSpPr>
+          <p:nvPr>
+            <p:ph type="ftr" sz="quarter" idx="11"/>
+          </p:nvPr>
+        </p:nvSpPr>
+        <p:spPr/>
+        <p:txBody>
+          <a:bodyPr/>
+          <a:lstStyle/>
+          <a:p>
+            <a:r>
+              <a:rPr lang="en-US" smtClean="0"/>
+              <a:t>Cross-platform Mobile Development | Ursin Brunner, Stefan Schöb, Oliver Brack</a:t>
+            </a:r>
+            <a:endParaRPr lang="en-US" dirty="0"/>
+          </a:p>
+        </p:txBody>
+      </p:sp>
+      <p:sp>
+        <p:nvSpPr>
+          <p:cNvPr id="9" name="Date Placeholder 8"/>
+          <p:cNvSpPr>
+            <a:spLocks noGrp="1"/>
+          </p:cNvSpPr>
+          <p:nvPr>
+            <p:ph type="dt" sz="half" idx="10"/>
+          </p:nvPr>
+        </p:nvSpPr>
+        <p:spPr/>
+        <p:txBody>
+          <a:bodyPr/>
+          <a:lstStyle/>
+          <a:p>
+            <a:r>
+              <a:rPr lang="en-US" smtClean="0"/>
+              <a:t>26. September 2013</a:t>
+            </a:r>
+            <a:endParaRPr lang="de-CH" dirty="0"/>
+          </a:p>
+        </p:txBody>
+      </p:sp>
+      <p:sp>
+        <p:nvSpPr>
+          <p:cNvPr id="10" name="Slide Number Placeholder 9"/>
+          <p:cNvSpPr>
+            <a:spLocks noGrp="1"/>
+          </p:cNvSpPr>
+          <p:nvPr>
+            <p:ph type="sldNum" sz="quarter" idx="12"/>
+          </p:nvPr>
+        </p:nvSpPr>
+        <p:spPr/>
+        <p:txBody>
+          <a:bodyPr/>
+          <a:lstStyle/>
+          <a:p>
+            <a:r>
+              <a:rPr lang="de-CH" smtClean="0"/>
+              <a:t>Slide </a:t>
+            </a:r>
+            <a:fld id="{80A3D6BB-8BCA-4B24-9E9B-FFF3E06677AE}" type="slidenum">
+              <a:rPr lang="de-CH" smtClean="0"/>
+              <a:t>21</a:t>
+            </a:fld>
+            <a:endParaRPr lang="de-CH" dirty="0"/>
+          </a:p>
+        </p:txBody>
+      </p:sp>
+      <p:sp>
+        <p:nvSpPr>
+          <p:cNvPr id="12" name="Oval 11"/>
+          <p:cNvSpPr/>
+          <p:nvPr/>
+        </p:nvSpPr>
+        <p:spPr>
+          <a:xfrm>
+            <a:off x="8635473" y="78417"/>
+            <a:ext cx="427734" cy="427734"/>
+          </a:xfrm>
+          <a:prstGeom prst="ellipse">
+            <a:avLst/>
+          </a:prstGeom>
+          <a:noFill/>
+          <a:ln w="12700">
+            <a:solidFill>
+              <a:schemeClr val="accent1"/>
+            </a:solidFill>
+          </a:ln>
+        </p:spPr>
+        <p:style>
+          <a:lnRef idx="2">
+            <a:schemeClr val="accent1">
+              <a:shade val="50000"/>
+            </a:schemeClr>
+          </a:lnRef>
+          <a:fillRef idx="1">
+            <a:schemeClr val="accent1"/>
+          </a:fillRef>
+          <a:effectRef idx="0">
+            <a:schemeClr val="accent1"/>
+          </a:effectRef>
+          <a:fontRef idx="minor">
+            <a:schemeClr val="lt1"/>
+          </a:fontRef>
+        </p:style>
+        <p:txBody>
+          <a:bodyPr rtlCol="0" anchor="ctr"/>
+          <a:lstStyle/>
+          <a:p>
+            <a:pPr algn="ctr"/>
+            <a:r>
+              <a:rPr lang="en-US" sz="2200" dirty="0" smtClean="0">
+                <a:solidFill>
+                  <a:schemeClr val="accent1"/>
+                </a:solidFill>
+                <a:latin typeface="+mj-lt"/>
+              </a:rPr>
+              <a:t>9</a:t>
+            </a:r>
+            <a:endParaRPr lang="en-US" sz="2200" dirty="0" smtClean="0">
+              <a:solidFill>
+                <a:schemeClr val="accent1"/>
+              </a:solidFill>
+              <a:latin typeface="+mj-lt"/>
+            </a:endParaRPr>
           </a:p>
         </p:txBody>
       </p:sp>
       <p:pic>
         <p:nvPicPr>
-          <p:cNvPr id="1028" name="Picture 4" descr="http://www.celticwatersolutions.ie/uploads/images/Question%20About%20Water%20Filtration.jpg"/>
+          <p:cNvPr id="13" name="Picture 2" descr="http://www.dosenfischer.de/wp-content/uploads/2009/06/android_vector-580x435.jpg"/>
           <p:cNvPicPr>
             <a:picLocks noChangeAspect="1" noChangeArrowheads="1"/>
           </p:cNvPicPr>
           <p:nvPr/>
         </p:nvPicPr>
         <p:blipFill rotWithShape="1">
-          <a:blip r:embed="rId2">
+          <a:blip r:embed="rId2" cstate="print">
             <a:extLst>
+              <a:ext uri="{BEBA8EAE-BF5A-486C-A8C5-ECC9F3942E4B}">
+                <a14:imgProps xmlns:a14="http://schemas.microsoft.com/office/drawing/2010/main">
+                  <a14:imgLayer r:embed="rId3">
+                    <a14:imgEffect>
+                      <a14:backgroundRemoval t="5287" b="92644" l="22069" r="78448">
+                        <a14:foregroundMark x1="27931" y1="45287" x2="27931" y2="45287"/>
+                        <a14:foregroundMark x1="74310" y1="48506" x2="74310" y2="48506"/>
+                        <a14:foregroundMark x1="48621" y1="21149" x2="48621" y2="21149"/>
+                        <a14:foregroundMark x1="42586" y1="25977" x2="42586" y2="25977"/>
+                        <a14:foregroundMark x1="58103" y1="25517" x2="58103" y2="25517"/>
+                      </a14:backgroundRemoval>
+                    </a14:imgEffect>
+                  </a14:imgLayer>
+                </a14:imgProps>
+              </a:ext>
               <a:ext uri="{28A0092B-C50C-407E-A947-70E740481C1C}">
                 <a14:useLocalDpi xmlns:a14="http://schemas.microsoft.com/office/drawing/2010/main" val="0"/>
               </a:ext>
             </a:extLst>
           </a:blip>
-          <a:srcRect t="7597"/>
+          <a:srcRect l="21204" t="7413" r="21232" b="3409"/>
           <a:stretch/>
         </p:blipFill>
         <p:spPr bwMode="auto">
           <a:xfrm>
-            <a:off x="2762547" y="1789353"/>
-            <a:ext cx="3638550" cy="4761538"/>
+            <a:off x="8440600" y="5924115"/>
+            <a:ext cx="619675" cy="720000"/>
           </a:xfrm>
           <a:prstGeom prst="rect">
             <a:avLst/>
@@ -9722,83 +11977,10 @@
           </a:extLst>
         </p:spPr>
       </p:pic>
-      <p:sp>
-        <p:nvSpPr>
-          <p:cNvPr id="6" name="Footer Placeholder 5"/>
-          <p:cNvSpPr>
-            <a:spLocks noGrp="1"/>
-          </p:cNvSpPr>
-          <p:nvPr>
-            <p:ph type="ftr" sz="quarter" idx="11"/>
-          </p:nvPr>
-        </p:nvSpPr>
-        <p:spPr/>
-        <p:txBody>
-          <a:bodyPr/>
-          <a:lstStyle/>
-          <a:p>
-            <a:r>
-              <a:rPr lang="en-US" smtClean="0"/>
-              <a:t>Cross-platform mobile development | Ursin Brunner, Stefan Schöb, Oliver Brack</a:t>
-            </a:r>
-            <a:endParaRPr lang="en-US" dirty="0"/>
-          </a:p>
-        </p:txBody>
-      </p:sp>
-      <p:sp>
-        <p:nvSpPr>
-          <p:cNvPr id="5" name="Date Placeholder 4"/>
-          <p:cNvSpPr>
-            <a:spLocks noGrp="1"/>
-          </p:cNvSpPr>
-          <p:nvPr>
-            <p:ph type="dt" sz="half" idx="10"/>
-          </p:nvPr>
-        </p:nvSpPr>
-        <p:spPr/>
-        <p:txBody>
-          <a:bodyPr/>
-          <a:lstStyle/>
-          <a:p>
-            <a:r>
-              <a:rPr lang="en-US" smtClean="0"/>
-              <a:t>26. September 2013</a:t>
-            </a:r>
-            <a:endParaRPr lang="de-CH" dirty="0"/>
-          </a:p>
-        </p:txBody>
-      </p:sp>
-      <p:sp>
-        <p:nvSpPr>
-          <p:cNvPr id="7" name="Slide Number Placeholder 6"/>
-          <p:cNvSpPr>
-            <a:spLocks noGrp="1"/>
-          </p:cNvSpPr>
-          <p:nvPr>
-            <p:ph type="sldNum" sz="quarter" idx="12"/>
-          </p:nvPr>
-        </p:nvSpPr>
-        <p:spPr/>
-        <p:txBody>
-          <a:bodyPr/>
-          <a:lstStyle/>
-          <a:p>
-            <a:r>
-              <a:rPr lang="de-CH" smtClean="0"/>
-              <a:t>Slide </a:t>
-            </a:r>
-            <a:fld id="{10A4A8F3-E44E-4729-BC20-D4B74248AB08}" type="slidenum">
-              <a:rPr lang="de-CH" smtClean="0"/>
-              <a:t>21</a:t>
-            </a:fld>
-            <a:endParaRPr lang="de-CH" dirty="0"/>
-          </a:p>
-        </p:txBody>
-      </p:sp>
     </p:spTree>
     <p:extLst>
       <p:ext uri="{BB962C8B-B14F-4D97-AF65-F5344CB8AC3E}">
-        <p14:creationId xmlns:p14="http://schemas.microsoft.com/office/powerpoint/2010/main" val="3639459524"/>
+        <p14:creationId xmlns:p14="http://schemas.microsoft.com/office/powerpoint/2010/main" val="1036474735"/>
       </p:ext>
     </p:extLst>
   </p:cSld>
@@ -9834,7 +12016,7 @@
       </p:grpSpPr>
       <p:sp>
         <p:nvSpPr>
-          <p:cNvPr id="9" name="Title 8"/>
+          <p:cNvPr id="3" name="Title 2"/>
           <p:cNvSpPr>
             <a:spLocks noGrp="1"/>
           </p:cNvSpPr>
@@ -9848,24 +12030,60 @@
           <a:lstStyle/>
           <a:p>
             <a:r>
-              <a:rPr lang="en-US" dirty="0" err="1"/>
-              <a:t>myBosch</a:t>
-            </a:r>
-            <a:r>
-              <a:rPr lang="en-US" dirty="0"/>
-              <a:t> App: Experiences</a:t>
-            </a:r>
-          </a:p>
-        </p:txBody>
-      </p:sp>
-      <p:sp>
-        <p:nvSpPr>
-          <p:cNvPr id="10" name="Text Placeholder 9"/>
+              <a:rPr lang="en-US" dirty="0" smtClean="0"/>
+              <a:t>Questions (concerning the App)</a:t>
+            </a:r>
+            <a:endParaRPr lang="en-US" dirty="0"/>
+          </a:p>
+        </p:txBody>
+      </p:sp>
+      <p:pic>
+        <p:nvPicPr>
+          <p:cNvPr id="1028" name="Picture 4" descr="http://www.celticwatersolutions.ie/uploads/images/Question%20About%20Water%20Filtration.jpg"/>
+          <p:cNvPicPr>
+            <a:picLocks noChangeAspect="1" noChangeArrowheads="1"/>
+          </p:cNvPicPr>
+          <p:nvPr/>
+        </p:nvPicPr>
+        <p:blipFill rotWithShape="1">
+          <a:blip r:embed="rId2">
+            <a:extLst>
+              <a:ext uri="{28A0092B-C50C-407E-A947-70E740481C1C}">
+                <a14:useLocalDpi xmlns:a14="http://schemas.microsoft.com/office/drawing/2010/main" val="0"/>
+              </a:ext>
+            </a:extLst>
+          </a:blip>
+          <a:srcRect t="7597"/>
+          <a:stretch/>
+        </p:blipFill>
+        <p:spPr bwMode="auto">
+          <a:xfrm>
+            <a:off x="2762547" y="1789353"/>
+            <a:ext cx="3638550" cy="4761538"/>
+          </a:xfrm>
+          <a:prstGeom prst="rect">
+            <a:avLst/>
+          </a:prstGeom>
+          <a:noFill/>
+          <a:extLst>
+            <a:ext uri="{909E8E84-426E-40DD-AFC4-6F175D3DCCD1}">
+              <a14:hiddenFill xmlns:a14="http://schemas.microsoft.com/office/drawing/2010/main">
+                <a:solidFill>
+                  <a:srgbClr val="FFFFFF"/>
+                </a:solidFill>
+              </a14:hiddenFill>
+            </a:ext>
+          </a:extLst>
+        </p:spPr>
+      </p:pic>
+      <p:sp>
+        <p:nvSpPr>
+          <p:cNvPr id="6" name="Footer Placeholder 5"/>
           <p:cNvSpPr>
             <a:spLocks noGrp="1"/>
           </p:cNvSpPr>
           <p:nvPr>
-            <p:ph type="body" idx="1"/>
+            <p:ph type="ftr" sz="quarter" idx="11"/>
           </p:nvPr>
         </p:nvSpPr>
         <p:spPr/>
@@ -9874,8 +12092,8 @@
           <a:lstStyle/>
           <a:p>
             <a:r>
-              <a:rPr lang="en-US" dirty="0" smtClean="0"/>
-              <a:t>Kerry Lothrop</a:t>
+              <a:rPr lang="en-US" smtClean="0"/>
+              <a:t>Cross-platform Mobile Development | Ursin Brunner, Stefan Schöb, Oliver Brack</a:t>
             </a:r>
             <a:endParaRPr lang="en-US" dirty="0"/>
           </a:p>
@@ -9883,7 +12101,7 @@
       </p:sp>
       <p:sp>
         <p:nvSpPr>
-          <p:cNvPr id="4" name="Date Placeholder 3"/>
+          <p:cNvPr id="8" name="Date Placeholder 7"/>
           <p:cNvSpPr>
             <a:spLocks noGrp="1"/>
           </p:cNvSpPr>
@@ -9897,16 +12115,16 @@
           <a:lstStyle/>
           <a:p>
             <a:r>
-              <a:rPr lang="en-US" dirty="0" smtClean="0"/>
+              <a:rPr lang="en-US" smtClean="0"/>
               <a:t>26. September 2013</a:t>
             </a:r>
-            <a:endParaRPr lang="en-US" dirty="0"/>
-          </a:p>
-        </p:txBody>
-      </p:sp>
-      <p:sp>
-        <p:nvSpPr>
-          <p:cNvPr id="8" name="Slide Number Placeholder 7"/>
+            <a:endParaRPr lang="de-CH" dirty="0"/>
+          </a:p>
+        </p:txBody>
+      </p:sp>
+      <p:sp>
+        <p:nvSpPr>
+          <p:cNvPr id="9" name="Slide Number Placeholder 8"/>
           <p:cNvSpPr>
             <a:spLocks noGrp="1"/>
           </p:cNvSpPr>
@@ -9923,7 +12141,7 @@
               <a:rPr lang="de-CH" smtClean="0"/>
               <a:t>Slide </a:t>
             </a:r>
-            <a:fld id="{71FC6896-AB3A-441B-8484-4D89162C8D32}" type="slidenum">
+            <a:fld id="{EA382A82-52C3-4CAB-89F1-38331029E314}" type="slidenum">
               <a:rPr lang="de-CH" smtClean="0"/>
               <a:t>22</a:t>
             </a:fld>
@@ -9931,46 +12149,10 @@
           </a:p>
         </p:txBody>
       </p:sp>
-      <p:sp>
-        <p:nvSpPr>
-          <p:cNvPr id="5" name="Footer Placeholder 4"/>
-          <p:cNvSpPr>
-            <a:spLocks noGrp="1"/>
-          </p:cNvSpPr>
-          <p:nvPr>
-            <p:ph type="ftr" sz="quarter" idx="4294967295"/>
-          </p:nvPr>
-        </p:nvSpPr>
-        <p:spPr>
-          <a:xfrm>
-            <a:off x="0" y="6673850"/>
-            <a:ext cx="4989513" cy="106363"/>
-          </a:xfrm>
-        </p:spPr>
-        <p:txBody>
-          <a:bodyPr/>
-          <a:lstStyle/>
-          <a:p>
-            <a:r>
-              <a:rPr lang="en-US" dirty="0" smtClean="0"/>
-              <a:t>Cross-platform mobile development | Ursin Brunner, Stefan </a:t>
-            </a:r>
-            <a:r>
-              <a:rPr lang="en-US" dirty="0" err="1" smtClean="0"/>
-              <a:t>Schöb</a:t>
-            </a:r>
-            <a:r>
-              <a:rPr lang="en-US" dirty="0" smtClean="0"/>
-              <a:t>, Oliver Brack</a:t>
-            </a:r>
-            <a:endParaRPr lang="en-US" dirty="0"/>
-          </a:p>
-        </p:txBody>
-      </p:sp>
     </p:spTree>
     <p:extLst>
       <p:ext uri="{BB962C8B-B14F-4D97-AF65-F5344CB8AC3E}">
-        <p14:creationId xmlns:p14="http://schemas.microsoft.com/office/powerpoint/2010/main" val="248274490"/>
+        <p14:creationId xmlns:p14="http://schemas.microsoft.com/office/powerpoint/2010/main" val="3639459524"/>
       </p:ext>
     </p:extLst>
   </p:cSld>
@@ -10020,16 +12202,12 @@
           <a:lstStyle/>
           <a:p>
             <a:r>
+              <a:rPr lang="en-US" dirty="0" err="1"/>
+              <a:t>myBosch</a:t>
+            </a:r>
+            <a:r>
               <a:rPr lang="en-US" dirty="0"/>
-              <a:t>Zühlke as </a:t>
-            </a:r>
-            <a:r>
-              <a:rPr lang="en-US" dirty="0" err="1"/>
-              <a:t>Xamarin’s</a:t>
-            </a:r>
-            <a:r>
-              <a:rPr lang="en-US" dirty="0"/>
-              <a:t> Premium Consulting Partner</a:t>
+              <a:t> App: Experiences</a:t>
             </a:r>
           </a:p>
         </p:txBody>
@@ -10046,12 +12224,12 @@
         </p:nvSpPr>
         <p:spPr/>
         <p:txBody>
-          <a:bodyPr anchor="b"/>
+          <a:bodyPr/>
           <a:lstStyle/>
           <a:p>
             <a:r>
               <a:rPr lang="en-US" dirty="0" smtClean="0"/>
-              <a:t>Klaus Liebe</a:t>
+              <a:t>Kerry Lothrop</a:t>
             </a:r>
             <a:endParaRPr lang="en-US" dirty="0"/>
           </a:p>
@@ -10059,7 +12237,35 @@
       </p:sp>
       <p:sp>
         <p:nvSpPr>
-          <p:cNvPr id="4" name="Date Placeholder 3"/>
+          <p:cNvPr id="5" name="Footer Placeholder 4"/>
+          <p:cNvSpPr>
+            <a:spLocks noGrp="1"/>
+          </p:cNvSpPr>
+          <p:nvPr>
+            <p:ph type="ftr" sz="quarter" idx="4294967295"/>
+          </p:nvPr>
+        </p:nvSpPr>
+        <p:spPr>
+          <a:xfrm>
+            <a:off x="0" y="6673850"/>
+            <a:ext cx="4989513" cy="106363"/>
+          </a:xfrm>
+        </p:spPr>
+        <p:txBody>
+          <a:bodyPr/>
+          <a:lstStyle/>
+          <a:p>
+            <a:r>
+              <a:rPr lang="en-US" smtClean="0"/>
+              <a:t>Cross-platform Mobile Development | Ursin Brunner, Stefan Schöb, Oliver Brack</a:t>
+            </a:r>
+            <a:endParaRPr lang="en-US" dirty="0"/>
+          </a:p>
+        </p:txBody>
+      </p:sp>
+      <p:sp>
+        <p:nvSpPr>
+          <p:cNvPr id="6" name="Date Placeholder 5"/>
           <p:cNvSpPr>
             <a:spLocks noGrp="1"/>
           </p:cNvSpPr>
@@ -10073,16 +12279,16 @@
           <a:lstStyle/>
           <a:p>
             <a:r>
-              <a:rPr lang="en-US" dirty="0" smtClean="0"/>
+              <a:rPr lang="de-CH" smtClean="0"/>
               <a:t>26. September 2013</a:t>
             </a:r>
-            <a:endParaRPr lang="en-US" dirty="0"/>
-          </a:p>
-        </p:txBody>
-      </p:sp>
-      <p:sp>
-        <p:nvSpPr>
-          <p:cNvPr id="2" name="Slide Number Placeholder 1"/>
+            <a:endParaRPr lang="de-CH" dirty="0"/>
+          </a:p>
+        </p:txBody>
+      </p:sp>
+      <p:sp>
+        <p:nvSpPr>
+          <p:cNvPr id="7" name="Slide Number Placeholder 6"/>
           <p:cNvSpPr>
             <a:spLocks noGrp="1"/>
           </p:cNvSpPr>
@@ -10099,7 +12305,7 @@
               <a:rPr lang="de-CH" smtClean="0"/>
               <a:t>Slide </a:t>
             </a:r>
-            <a:fld id="{DC1C7DBC-9360-46F1-92BA-A71444675A2C}" type="slidenum">
+            <a:fld id="{7B09883B-D8DA-4C40-AD18-6B0B2D9537FF}" type="slidenum">
               <a:rPr lang="de-CH" smtClean="0"/>
               <a:t>23</a:t>
             </a:fld>
@@ -10110,7 +12316,7 @@
     </p:spTree>
     <p:extLst>
       <p:ext uri="{BB962C8B-B14F-4D97-AF65-F5344CB8AC3E}">
-        <p14:creationId xmlns:p14="http://schemas.microsoft.com/office/powerpoint/2010/main" val="1378848165"/>
+        <p14:creationId xmlns:p14="http://schemas.microsoft.com/office/powerpoint/2010/main" val="248274490"/>
       </p:ext>
     </p:extLst>
   </p:cSld>
@@ -10146,7 +12352,7 @@
       </p:grpSpPr>
       <p:sp>
         <p:nvSpPr>
-          <p:cNvPr id="3" name="Title 2"/>
+          <p:cNvPr id="9" name="Title 8"/>
           <p:cNvSpPr>
             <a:spLocks noGrp="1"/>
           </p:cNvSpPr>
@@ -10160,8 +12366,38 @@
           <a:lstStyle/>
           <a:p>
             <a:r>
+              <a:rPr lang="en-US" dirty="0"/>
+              <a:t>Zühlke as </a:t>
+            </a:r>
+            <a:r>
+              <a:rPr lang="en-US" dirty="0" err="1"/>
+              <a:t>Xamarin’s</a:t>
+            </a:r>
+            <a:r>
+              <a:rPr lang="en-US" dirty="0"/>
+              <a:t> Premium Consulting Partner</a:t>
+            </a:r>
+          </a:p>
+        </p:txBody>
+      </p:sp>
+      <p:sp>
+        <p:nvSpPr>
+          <p:cNvPr id="10" name="Text Placeholder 9"/>
+          <p:cNvSpPr>
+            <a:spLocks noGrp="1"/>
+          </p:cNvSpPr>
+          <p:nvPr>
+            <p:ph type="body" idx="1"/>
+          </p:nvPr>
+        </p:nvSpPr>
+        <p:spPr/>
+        <p:txBody>
+          <a:bodyPr anchor="b"/>
+          <a:lstStyle/>
+          <a:p>
+            <a:r>
               <a:rPr lang="en-US" dirty="0" smtClean="0"/>
-              <a:t>Discussion</a:t>
+              <a:t>Klaus Liebe</a:t>
             </a:r>
             <a:endParaRPr lang="en-US" dirty="0"/>
           </a:p>
@@ -10169,30 +12405,7 @@
       </p:sp>
       <p:sp>
         <p:nvSpPr>
-          <p:cNvPr id="6" name="Footer Placeholder 5"/>
-          <p:cNvSpPr>
-            <a:spLocks noGrp="1"/>
-          </p:cNvSpPr>
-          <p:nvPr>
-            <p:ph type="ftr" sz="quarter" idx="11"/>
-          </p:nvPr>
-        </p:nvSpPr>
-        <p:spPr/>
-        <p:txBody>
-          <a:bodyPr/>
-          <a:lstStyle/>
-          <a:p>
-            <a:r>
-              <a:rPr lang="en-US" smtClean="0"/>
-              <a:t>Cross-platform mobile development | Ursin Brunner, Stefan Schöb, Oliver Brack</a:t>
-            </a:r>
-            <a:endParaRPr lang="en-US" dirty="0"/>
-          </a:p>
-        </p:txBody>
-      </p:sp>
-      <p:sp>
-        <p:nvSpPr>
-          <p:cNvPr id="5" name="Date Placeholder 4"/>
+          <p:cNvPr id="6" name="Date Placeholder 5"/>
           <p:cNvSpPr>
             <a:spLocks noGrp="1"/>
           </p:cNvSpPr>
@@ -10206,7 +12419,7 @@
           <a:lstStyle/>
           <a:p>
             <a:r>
-              <a:rPr lang="en-US" smtClean="0"/>
+              <a:rPr lang="de-CH" smtClean="0"/>
               <a:t>26. September 2013</a:t>
             </a:r>
             <a:endParaRPr lang="de-CH" dirty="0"/>
@@ -10215,7 +12428,7 @@
       </p:sp>
       <p:sp>
         <p:nvSpPr>
-          <p:cNvPr id="2" name="Slide Number Placeholder 1"/>
+          <p:cNvPr id="7" name="Slide Number Placeholder 6"/>
           <p:cNvSpPr>
             <a:spLocks noGrp="1"/>
           </p:cNvSpPr>
@@ -10232,11 +12445,94 @@
               <a:rPr lang="de-CH" smtClean="0"/>
               <a:t>Slide </a:t>
             </a:r>
-            <a:fld id="{20AB8854-2284-4F40-9126-D1A16DD8F8ED}" type="slidenum">
+            <a:fld id="{7481FCEA-C37D-4243-8F22-4CC0415B3695}" type="slidenum">
               <a:rPr lang="de-CH" smtClean="0"/>
               <a:t>24</a:t>
             </a:fld>
             <a:endParaRPr lang="de-CH" dirty="0"/>
+          </a:p>
+        </p:txBody>
+      </p:sp>
+    </p:spTree>
+    <p:extLst>
+      <p:ext uri="{BB962C8B-B14F-4D97-AF65-F5344CB8AC3E}">
+        <p14:creationId xmlns:p14="http://schemas.microsoft.com/office/powerpoint/2010/main" val="1378848165"/>
+      </p:ext>
+    </p:extLst>
+  </p:cSld>
+  <p:clrMapOvr>
+    <a:masterClrMapping/>
+  </p:clrMapOvr>
+  <p:timing>
+    <p:tnLst>
+      <p:par>
+        <p:cTn id="1" dur="indefinite" restart="never" nodeType="tmRoot"/>
+      </p:par>
+    </p:tnLst>
+  </p:timing>
+</p:sld>
+</file>
+
+<file path=ppt/slides/slide25.xml><?xml version="1.0" encoding="utf-8"?>
+<p:sld xmlns:a="http://schemas.openxmlformats.org/drawingml/2006/main" xmlns:r="http://schemas.openxmlformats.org/officeDocument/2006/relationships" xmlns:p="http://schemas.openxmlformats.org/presentationml/2006/main">
+  <p:cSld>
+    <p:spTree>
+      <p:nvGrpSpPr>
+        <p:cNvPr id="1" name=""/>
+        <p:cNvGrpSpPr/>
+        <p:nvPr/>
+      </p:nvGrpSpPr>
+      <p:grpSpPr>
+        <a:xfrm>
+          <a:off x="0" y="0"/>
+          <a:ext cx="0" cy="0"/>
+          <a:chOff x="0" y="0"/>
+          <a:chExt cx="0" cy="0"/>
+        </a:xfrm>
+      </p:grpSpPr>
+      <p:sp>
+        <p:nvSpPr>
+          <p:cNvPr id="3" name="Title 2"/>
+          <p:cNvSpPr>
+            <a:spLocks noGrp="1"/>
+          </p:cNvSpPr>
+          <p:nvPr>
+            <p:ph type="title"/>
+          </p:nvPr>
+        </p:nvSpPr>
+        <p:spPr/>
+        <p:txBody>
+          <a:bodyPr/>
+          <a:lstStyle/>
+          <a:p>
+            <a:r>
+              <a:rPr lang="en-US" dirty="0" smtClean="0"/>
+              <a:t>Discussion</a:t>
+            </a:r>
+            <a:endParaRPr lang="en-US" dirty="0"/>
+          </a:p>
+        </p:txBody>
+      </p:sp>
+      <p:sp>
+        <p:nvSpPr>
+          <p:cNvPr id="6" name="Footer Placeholder 5"/>
+          <p:cNvSpPr>
+            <a:spLocks noGrp="1"/>
+          </p:cNvSpPr>
+          <p:nvPr>
+            <p:ph type="ftr" sz="quarter" idx="11"/>
+          </p:nvPr>
+        </p:nvSpPr>
+        <p:spPr/>
+        <p:txBody>
+          <a:bodyPr/>
+          <a:lstStyle/>
+          <a:p>
+            <a:r>
+              <a:rPr lang="en-US" smtClean="0"/>
+              <a:t>Cross-platform Mobile Development | Ursin Brunner, Stefan Schöb, Oliver Brack</a:t>
+            </a:r>
+            <a:endParaRPr lang="en-US" dirty="0"/>
           </a:p>
         </p:txBody>
       </p:sp>
@@ -10281,6 +12577,56 @@
           </a:extLst>
         </p:spPr>
       </p:pic>
+      <p:sp>
+        <p:nvSpPr>
+          <p:cNvPr id="8" name="Date Placeholder 7"/>
+          <p:cNvSpPr>
+            <a:spLocks noGrp="1"/>
+          </p:cNvSpPr>
+          <p:nvPr>
+            <p:ph type="dt" sz="half" idx="10"/>
+          </p:nvPr>
+        </p:nvSpPr>
+        <p:spPr/>
+        <p:txBody>
+          <a:bodyPr/>
+          <a:lstStyle/>
+          <a:p>
+            <a:r>
+              <a:rPr lang="en-US" smtClean="0"/>
+              <a:t>26. September 2013</a:t>
+            </a:r>
+            <a:endParaRPr lang="de-CH" dirty="0"/>
+          </a:p>
+        </p:txBody>
+      </p:sp>
+      <p:sp>
+        <p:nvSpPr>
+          <p:cNvPr id="9" name="Slide Number Placeholder 8"/>
+          <p:cNvSpPr>
+            <a:spLocks noGrp="1"/>
+          </p:cNvSpPr>
+          <p:nvPr>
+            <p:ph type="sldNum" sz="quarter" idx="12"/>
+          </p:nvPr>
+        </p:nvSpPr>
+        <p:spPr/>
+        <p:txBody>
+          <a:bodyPr/>
+          <a:lstStyle/>
+          <a:p>
+            <a:r>
+              <a:rPr lang="de-CH" smtClean="0"/>
+              <a:t>Slide </a:t>
+            </a:r>
+            <a:fld id="{46E01C9A-4F0E-450E-B8F9-72C16FDD6F64}" type="slidenum">
+              <a:rPr lang="de-CH" smtClean="0"/>
+              <a:t>25</a:t>
+            </a:fld>
+            <a:endParaRPr lang="de-CH" dirty="0"/>
+          </a:p>
+        </p:txBody>
+      </p:sp>
     </p:spTree>
     <p:extLst>
       <p:ext uri="{BB962C8B-B14F-4D97-AF65-F5344CB8AC3E}">
@@ -10301,7 +12647,7 @@
 </p:sld>
 </file>
 
-<file path=ppt/slides/slide25.xml><?xml version="1.0" encoding="utf-8"?>
+<file path=ppt/slides/slide26.xml><?xml version="1.0" encoding="utf-8"?>
 <p:sld xmlns:a="http://schemas.openxmlformats.org/drawingml/2006/main" xmlns:r="http://schemas.openxmlformats.org/officeDocument/2006/relationships" xmlns:p="http://schemas.openxmlformats.org/presentationml/2006/main">
   <p:cSld>
     <p:spTree>
@@ -10391,32 +12737,9 @@
           <a:p>
             <a:r>
               <a:rPr lang="en-US" smtClean="0"/>
-              <a:t>Cross-platform mobile development | Ursin Brunner, Stefan Schöb, Oliver Brack</a:t>
+              <a:t>Cross-platform Mobile Development | Ursin Brunner, Stefan Schöb, Oliver Brack</a:t>
             </a:r>
             <a:endParaRPr lang="en-US" dirty="0"/>
-          </a:p>
-        </p:txBody>
-      </p:sp>
-      <p:sp>
-        <p:nvSpPr>
-          <p:cNvPr id="8" name="Date Placeholder 7"/>
-          <p:cNvSpPr>
-            <a:spLocks noGrp="1"/>
-          </p:cNvSpPr>
-          <p:nvPr>
-            <p:ph type="dt" sz="half" idx="10"/>
-          </p:nvPr>
-        </p:nvSpPr>
-        <p:spPr/>
-        <p:txBody>
-          <a:bodyPr/>
-          <a:lstStyle/>
-          <a:p>
-            <a:r>
-              <a:rPr lang="en-US" smtClean="0"/>
-              <a:t>26. September 2013</a:t>
-            </a:r>
-            <a:endParaRPr lang="de-CH" dirty="0"/>
           </a:p>
         </p:txBody>
       </p:sp>
@@ -10503,18 +12826,15 @@
           <a:lstStyle/>
           <a:p>
             <a:r>
-              <a:rPr lang="de-CH" sz="2200" dirty="0" smtClean="0">
+              <a:rPr lang="en-US" sz="2200" dirty="0" smtClean="0">
                 <a:latin typeface="+mj-lt"/>
               </a:rPr>
               <a:t>Ursin Brunner</a:t>
             </a:r>
-            <a:endParaRPr lang="de-CH" sz="2200" dirty="0" smtClean="0">
-              <a:latin typeface="+mj-lt"/>
-            </a:endParaRPr>
-          </a:p>
-          <a:p>
-            <a:r>
-              <a:rPr lang="de-CH" sz="2200" dirty="0" smtClean="0">
+          </a:p>
+          <a:p>
+            <a:r>
+              <a:rPr lang="en-US" sz="2200" dirty="0" smtClean="0">
                 <a:latin typeface="AA Zuehlke" pitchFamily="2" charset="0"/>
               </a:rPr>
               <a:t>Software Engineer</a:t>
@@ -10522,12 +12842,12 @@
           </a:p>
           <a:p>
             <a:r>
-              <a:rPr lang="de-CH" sz="2200" dirty="0" smtClean="0">
+              <a:rPr lang="en-US" sz="2200" dirty="0" smtClean="0">
                 <a:latin typeface="AA Zuehlke" pitchFamily="2" charset="0"/>
               </a:rPr>
               <a:t>SWE-PRO/JAP</a:t>
             </a:r>
-            <a:endParaRPr lang="de-CH" sz="2200" dirty="0" smtClean="0">
+            <a:endParaRPr lang="en-US" sz="2200" dirty="0" smtClean="0">
               <a:latin typeface="AA Zuehlke" pitchFamily="2" charset="0"/>
             </a:endParaRPr>
           </a:p>
@@ -10556,24 +12876,24 @@
           <a:lstStyle/>
           <a:p>
             <a:r>
-              <a:rPr lang="de-CH" sz="2200" dirty="0" smtClean="0">
+              <a:rPr lang="en-US" sz="2200" dirty="0" smtClean="0">
                 <a:latin typeface="+mj-lt"/>
               </a:rPr>
               <a:t>Stefan </a:t>
             </a:r>
             <a:r>
-              <a:rPr lang="de-CH" sz="2200" dirty="0" err="1" smtClean="0">
+              <a:rPr lang="en-US" sz="2200" dirty="0" err="1" smtClean="0">
                 <a:latin typeface="+mj-lt"/>
               </a:rPr>
               <a:t>Schöb</a:t>
             </a:r>
-            <a:endParaRPr lang="de-CH" sz="2200" dirty="0" smtClean="0">
+            <a:endParaRPr lang="en-US" sz="2200" dirty="0" smtClean="0">
               <a:latin typeface="+mj-lt"/>
             </a:endParaRPr>
           </a:p>
           <a:p>
             <a:r>
-              <a:rPr lang="de-CH" sz="2200" dirty="0" smtClean="0">
+              <a:rPr lang="en-US" sz="2200" dirty="0" smtClean="0">
                 <a:latin typeface="AA Zuehlke" pitchFamily="2" charset="0"/>
               </a:rPr>
               <a:t>Software Engineer</a:t>
@@ -10581,12 +12901,12 @@
           </a:p>
           <a:p>
             <a:r>
-              <a:rPr lang="de-CH" sz="2200" dirty="0" smtClean="0">
+              <a:rPr lang="en-US" sz="2200" dirty="0" smtClean="0">
                 <a:latin typeface="AA Zuehlke" pitchFamily="2" charset="0"/>
               </a:rPr>
               <a:t>SWE-EPS/ESI</a:t>
             </a:r>
-            <a:endParaRPr lang="de-CH" sz="2200" dirty="0" smtClean="0">
+            <a:endParaRPr lang="en-US" sz="2200" dirty="0" smtClean="0">
               <a:latin typeface="AA Zuehlke" pitchFamily="2" charset="0"/>
             </a:endParaRPr>
           </a:p>
@@ -10615,24 +12935,21 @@
           <a:lstStyle/>
           <a:p>
             <a:r>
-              <a:rPr lang="de-CH" sz="2200" dirty="0" smtClean="0">
+              <a:rPr lang="en-US" sz="2200" dirty="0" smtClean="0">
                 <a:latin typeface="+mj-lt"/>
               </a:rPr>
               <a:t>Oliver Brack</a:t>
             </a:r>
-            <a:endParaRPr lang="de-CH" sz="2200" dirty="0" smtClean="0">
-              <a:latin typeface="+mj-lt"/>
-            </a:endParaRPr>
-          </a:p>
-          <a:p>
-            <a:r>
-              <a:rPr lang="de-CH" sz="2200" dirty="0" err="1" smtClean="0">
+          </a:p>
+          <a:p>
+            <a:r>
+              <a:rPr lang="en-US" sz="2200" dirty="0" err="1" smtClean="0">
                 <a:latin typeface="AA Zuehlke" pitchFamily="2" charset="0"/>
               </a:rPr>
               <a:t>Nearshoring</a:t>
             </a:r>
             <a:r>
-              <a:rPr lang="de-CH" sz="2200" dirty="0" smtClean="0">
+              <a:rPr lang="en-US" sz="2200" dirty="0" smtClean="0">
                 <a:latin typeface="AA Zuehlke" pitchFamily="2" charset="0"/>
               </a:rPr>
               <a:t> Manager</a:t>
@@ -10640,12 +12957,12 @@
           </a:p>
           <a:p>
             <a:r>
-              <a:rPr lang="de-CH" sz="2200" dirty="0" smtClean="0">
+              <a:rPr lang="en-US" sz="2200" dirty="0" smtClean="0">
                 <a:latin typeface="AA Zuehlke" pitchFamily="2" charset="0"/>
               </a:rPr>
               <a:t>Zühlke Serbia</a:t>
             </a:r>
-            <a:endParaRPr lang="de-CH" sz="2200" dirty="0" smtClean="0">
+            <a:endParaRPr lang="en-US" sz="2200" dirty="0" smtClean="0">
               <a:latin typeface="AA Zuehlke" pitchFamily="2" charset="0"/>
             </a:endParaRPr>
           </a:p>
@@ -10758,7 +13075,30 @@
       </p:sp>
       <p:sp>
         <p:nvSpPr>
-          <p:cNvPr id="2" name="Slide Number Placeholder 1"/>
+          <p:cNvPr id="7" name="Date Placeholder 6"/>
+          <p:cNvSpPr>
+            <a:spLocks noGrp="1"/>
+          </p:cNvSpPr>
+          <p:nvPr>
+            <p:ph type="dt" sz="half" idx="10"/>
+          </p:nvPr>
+        </p:nvSpPr>
+        <p:spPr/>
+        <p:txBody>
+          <a:bodyPr/>
+          <a:lstStyle/>
+          <a:p>
+            <a:r>
+              <a:rPr lang="en-US" smtClean="0"/>
+              <a:t>26. September 2013</a:t>
+            </a:r>
+            <a:endParaRPr lang="de-CH" dirty="0"/>
+          </a:p>
+        </p:txBody>
+      </p:sp>
+      <p:sp>
+        <p:nvSpPr>
+          <p:cNvPr id="9" name="Slide Number Placeholder 8"/>
           <p:cNvSpPr>
             <a:spLocks noGrp="1"/>
           </p:cNvSpPr>
@@ -10775,9 +13115,9 @@
               <a:rPr lang="de-CH" smtClean="0"/>
               <a:t>Slide </a:t>
             </a:r>
-            <a:fld id="{20AB8854-2284-4F40-9126-D1A16DD8F8ED}" type="slidenum">
+            <a:fld id="{3A0CAE62-62EF-4FE6-8C36-CD1035D976E5}" type="slidenum">
               <a:rPr lang="de-CH" smtClean="0"/>
-              <a:t>25</a:t>
+              <a:t>26</a:t>
             </a:fld>
             <a:endParaRPr lang="de-CH" dirty="0"/>
           </a:p>
@@ -10858,14 +13198,11 @@
             <a:pPr marL="995363" lvl="2" indent="-457200"/>
             <a:r>
               <a:rPr lang="en-US" dirty="0" smtClean="0"/>
-              <a:t>Initial position</a:t>
-            </a:r>
-          </a:p>
-          <a:p>
-            <a:pPr marL="995363" lvl="2" indent="-457200"/>
+              <a:t>Challenges </a:t>
+            </a:r>
             <a:r>
               <a:rPr lang="en-US" dirty="0" smtClean="0"/>
-              <a:t>Challenges in mobile development</a:t>
+              <a:t>in mobile development</a:t>
             </a:r>
           </a:p>
           <a:p>
@@ -11055,7 +13392,30 @@
       </p:sp>
       <p:sp>
         <p:nvSpPr>
-          <p:cNvPr id="4" name="Date Placeholder 3"/>
+          <p:cNvPr id="5" name="Footer Placeholder 4"/>
+          <p:cNvSpPr>
+            <a:spLocks noGrp="1"/>
+          </p:cNvSpPr>
+          <p:nvPr>
+            <p:ph type="ftr" sz="quarter" idx="11"/>
+          </p:nvPr>
+        </p:nvSpPr>
+        <p:spPr/>
+        <p:txBody>
+          <a:bodyPr/>
+          <a:lstStyle/>
+          <a:p>
+            <a:r>
+              <a:rPr lang="en-US" smtClean="0"/>
+              <a:t>Cross-platform Mobile Development | Ursin Brunner, Stefan Schöb, Oliver Brack</a:t>
+            </a:r>
+            <a:endParaRPr lang="en-US" dirty="0"/>
+          </a:p>
+        </p:txBody>
+      </p:sp>
+      <p:sp>
+        <p:nvSpPr>
+          <p:cNvPr id="9" name="Date Placeholder 8"/>
           <p:cNvSpPr>
             <a:spLocks noGrp="1"/>
           </p:cNvSpPr>
@@ -11069,47 +13429,16 @@
           <a:lstStyle/>
           <a:p>
             <a:r>
-              <a:rPr lang="en-US" dirty="0" smtClean="0"/>
+              <a:rPr lang="en-US" smtClean="0"/>
               <a:t>26. September 2013</a:t>
             </a:r>
-            <a:endParaRPr lang="en-US" dirty="0"/>
-          </a:p>
-        </p:txBody>
-      </p:sp>
-      <p:sp>
-        <p:nvSpPr>
-          <p:cNvPr id="5" name="Footer Placeholder 4"/>
-          <p:cNvSpPr>
-            <a:spLocks noGrp="1"/>
-          </p:cNvSpPr>
-          <p:nvPr>
-            <p:ph type="ftr" sz="quarter" idx="11"/>
-          </p:nvPr>
-        </p:nvSpPr>
-        <p:spPr/>
-        <p:txBody>
-          <a:bodyPr/>
-          <a:lstStyle/>
-          <a:p>
-            <a:r>
-              <a:rPr lang="en-US" dirty="0" smtClean="0"/>
-              <a:t>Cross-platform mobile development | Ursin Brunner, Stefan </a:t>
-            </a:r>
-            <a:r>
-              <a:rPr lang="en-US" dirty="0" err="1" smtClean="0"/>
-              <a:t>Schöb</a:t>
-            </a:r>
-            <a:r>
-              <a:rPr lang="en-US" dirty="0" smtClean="0"/>
-              <a:t>, Oliver Brack</a:t>
-            </a:r>
-            <a:endParaRPr lang="en-US" dirty="0"/>
-          </a:p>
-        </p:txBody>
-      </p:sp>
-      <p:sp>
-        <p:nvSpPr>
-          <p:cNvPr id="8" name="Slide Number Placeholder 7"/>
+            <a:endParaRPr lang="de-CH" dirty="0"/>
+          </a:p>
+        </p:txBody>
+      </p:sp>
+      <p:sp>
+        <p:nvSpPr>
+          <p:cNvPr id="10" name="Slide Number Placeholder 9"/>
           <p:cNvSpPr>
             <a:spLocks noGrp="1"/>
           </p:cNvSpPr>
@@ -11126,7 +13455,7 @@
               <a:rPr lang="de-CH" smtClean="0"/>
               <a:t>Slide </a:t>
             </a:r>
-            <a:fld id="{71FC6896-AB3A-441B-8484-4D89162C8D32}" type="slidenum">
+            <a:fld id="{7C8AE9C6-1CD8-484E-9750-DD723D6E9BEA}" type="slidenum">
               <a:rPr lang="de-CH" smtClean="0"/>
               <a:t>3</a:t>
             </a:fld>
@@ -11181,7 +13510,9 @@
             <p:ph type="title"/>
           </p:nvPr>
         </p:nvSpPr>
-        <p:spPr/>
+        <p:spPr>
+          <a:noFill/>
+        </p:spPr>
         <p:txBody>
           <a:bodyPr/>
           <a:lstStyle/>
@@ -11191,1723 +13522,23 @@
             </a:pPr>
             <a:r>
               <a:rPr lang="en-US" dirty="0" smtClean="0"/>
-              <a:t>Initial position</a:t>
-            </a:r>
-            <a:endParaRPr lang="en-US" dirty="0"/>
-          </a:p>
-        </p:txBody>
-      </p:sp>
-      <p:sp>
-        <p:nvSpPr>
-          <p:cNvPr id="10242" name="Inhaltsplatzhalter 1"/>
-          <p:cNvSpPr>
-            <a:spLocks noGrp="1"/>
-          </p:cNvSpPr>
-          <p:nvPr>
-            <p:ph idx="1"/>
-          </p:nvPr>
-        </p:nvSpPr>
-        <p:spPr>
-          <a:noFill/>
-        </p:spPr>
-        <p:txBody>
-          <a:bodyPr/>
-          <a:lstStyle/>
-          <a:p>
-            <a:pPr lvl="1"/>
+              <a:t>Web, </a:t>
+            </a:r>
             <a:r>
               <a:rPr lang="en-US" dirty="0" smtClean="0"/>
-              <a:t>.NET development team (C#)</a:t>
-            </a:r>
-          </a:p>
-          <a:p>
-            <a:pPr lvl="1"/>
+              <a:t>Hybrid </a:t>
+            </a:r>
             <a:r>
               <a:rPr lang="en-US" dirty="0" smtClean="0"/>
-              <a:t>Customer database</a:t>
-            </a:r>
-          </a:p>
-          <a:p>
-            <a:pPr lvl="1"/>
+              <a:t>or </a:t>
+            </a:r>
             <a:r>
               <a:rPr lang="en-US" dirty="0" smtClean="0"/>
-              <a:t>Cloud service (Azure) providing a REST API</a:t>
-            </a:r>
-          </a:p>
-          <a:p>
-            <a:pPr lvl="1"/>
-            <a:r>
-              <a:rPr lang="en-US" dirty="0" smtClean="0">
-                <a:solidFill>
-                  <a:schemeClr val="accent1"/>
-                </a:solidFill>
-              </a:rPr>
-              <a:t>Business layer (.NET) for using services</a:t>
-            </a:r>
-            <a:endParaRPr lang="en-US" dirty="0" smtClean="0">
-              <a:solidFill>
-                <a:schemeClr val="accent1"/>
-              </a:solidFill>
-            </a:endParaRPr>
-          </a:p>
-        </p:txBody>
-      </p:sp>
-      <p:sp>
-        <p:nvSpPr>
-          <p:cNvPr id="11" name="Rectangle 10"/>
-          <p:cNvSpPr/>
-          <p:nvPr/>
-        </p:nvSpPr>
-        <p:spPr>
-          <a:xfrm>
-            <a:off x="459635" y="3845285"/>
-            <a:ext cx="4896544" cy="1825302"/>
-          </a:xfrm>
-          <a:prstGeom prst="rect">
-            <a:avLst/>
-          </a:prstGeom>
-          <a:ln w="28575">
-            <a:solidFill>
-              <a:schemeClr val="tx1"/>
-            </a:solidFill>
-          </a:ln>
-        </p:spPr>
-        <p:style>
-          <a:lnRef idx="2">
-            <a:schemeClr val="accent4"/>
-          </a:lnRef>
-          <a:fillRef idx="1">
-            <a:schemeClr val="lt1"/>
-          </a:fillRef>
-          <a:effectRef idx="0">
-            <a:schemeClr val="accent4"/>
-          </a:effectRef>
-          <a:fontRef idx="minor">
-            <a:schemeClr val="dk1"/>
-          </a:fontRef>
-        </p:style>
-        <p:txBody>
-          <a:bodyPr rtlCol="0" anchor="t"/>
-          <a:lstStyle/>
-          <a:p>
-            <a:pPr algn="ctr"/>
-            <a:endParaRPr lang="en-US" dirty="0">
-              <a:solidFill>
-                <a:schemeClr val="tx1"/>
-              </a:solidFill>
-            </a:endParaRPr>
-          </a:p>
-        </p:txBody>
-      </p:sp>
-      <p:sp>
-        <p:nvSpPr>
-          <p:cNvPr id="12" name="Cloud 11"/>
-          <p:cNvSpPr/>
-          <p:nvPr/>
-        </p:nvSpPr>
-        <p:spPr>
-          <a:xfrm>
-            <a:off x="5641335" y="3642867"/>
-            <a:ext cx="3371569" cy="2435275"/>
-          </a:xfrm>
-          <a:prstGeom prst="cloud">
-            <a:avLst/>
-          </a:prstGeom>
-          <a:solidFill>
-            <a:srgbClr val="EBF4FF"/>
-          </a:solidFill>
-          <a:ln>
-            <a:solidFill>
-              <a:srgbClr val="A5CDFE"/>
-            </a:solidFill>
-          </a:ln>
-        </p:spPr>
-        <p:style>
-          <a:lnRef idx="1">
-            <a:schemeClr val="accent1"/>
-          </a:lnRef>
-          <a:fillRef idx="2">
-            <a:schemeClr val="accent1"/>
-          </a:fillRef>
-          <a:effectRef idx="1">
-            <a:schemeClr val="accent1"/>
-          </a:effectRef>
-          <a:fontRef idx="minor">
-            <a:schemeClr val="dk1"/>
-          </a:fontRef>
-        </p:style>
-        <p:txBody>
-          <a:bodyPr rtlCol="0" anchor="t"/>
-          <a:lstStyle/>
-          <a:p>
-            <a:pPr algn="ctr"/>
-            <a:r>
-              <a:rPr lang="en-US" dirty="0" smtClean="0">
-                <a:solidFill>
-                  <a:schemeClr val="tx1"/>
-                </a:solidFill>
-              </a:rPr>
-              <a:t>Service (Azure)</a:t>
-            </a:r>
-            <a:endParaRPr lang="en-US" dirty="0">
-              <a:solidFill>
-                <a:schemeClr val="tx1"/>
-              </a:solidFill>
-            </a:endParaRPr>
-          </a:p>
-        </p:txBody>
-      </p:sp>
-      <p:cxnSp>
-        <p:nvCxnSpPr>
-          <p:cNvPr id="17" name="Straight Arrow Connector 16"/>
-          <p:cNvCxnSpPr>
-            <a:stCxn id="15" idx="3"/>
-          </p:cNvCxnSpPr>
-          <p:nvPr/>
-        </p:nvCxnSpPr>
-        <p:spPr>
-          <a:xfrm>
-            <a:off x="4952007" y="4789270"/>
-            <a:ext cx="1187479" cy="1"/>
-          </a:xfrm>
-          <a:prstGeom prst="straightConnector1">
-            <a:avLst/>
-          </a:prstGeom>
-          <a:ln w="25400">
-            <a:solidFill>
-              <a:schemeClr val="tx1"/>
-            </a:solidFill>
-            <a:prstDash val="sysDash"/>
-            <a:tailEnd type="arrow" w="lg" len="lg"/>
-          </a:ln>
-        </p:spPr>
-        <p:style>
-          <a:lnRef idx="1">
-            <a:schemeClr val="accent1"/>
-          </a:lnRef>
-          <a:fillRef idx="0">
-            <a:schemeClr val="accent1"/>
-          </a:fillRef>
-          <a:effectRef idx="0">
-            <a:schemeClr val="accent1"/>
-          </a:effectRef>
-          <a:fontRef idx="minor">
-            <a:schemeClr val="tx1"/>
-          </a:fontRef>
-        </p:style>
-      </p:cxnSp>
-      <p:sp>
-        <p:nvSpPr>
-          <p:cNvPr id="7" name="TextBox 6"/>
-          <p:cNvSpPr txBox="1"/>
-          <p:nvPr/>
-        </p:nvSpPr>
-        <p:spPr>
-          <a:xfrm>
-            <a:off x="2005596" y="3660619"/>
-            <a:ext cx="1907895" cy="369332"/>
-          </a:xfrm>
-          <a:prstGeom prst="rect">
-            <a:avLst/>
-          </a:prstGeom>
-          <a:solidFill>
-            <a:schemeClr val="bg1"/>
-          </a:solidFill>
-        </p:spPr>
-        <p:txBody>
-          <a:bodyPr wrap="none" rtlCol="0">
-            <a:spAutoFit/>
-          </a:bodyPr>
-          <a:lstStyle/>
-          <a:p>
-            <a:pPr algn="ctr"/>
-            <a:r>
-              <a:rPr lang="en-US" dirty="0" smtClean="0">
-                <a:latin typeface="+mj-lt"/>
-              </a:rPr>
-              <a:t>Zühlke Messenger</a:t>
-            </a:r>
-            <a:endParaRPr lang="en-US" dirty="0">
-              <a:latin typeface="+mj-lt"/>
-            </a:endParaRPr>
-          </a:p>
-        </p:txBody>
-      </p:sp>
-      <p:sp>
-        <p:nvSpPr>
-          <p:cNvPr id="4" name="TextBox 3"/>
-          <p:cNvSpPr txBox="1"/>
-          <p:nvPr/>
-        </p:nvSpPr>
-        <p:spPr>
-          <a:xfrm>
-            <a:off x="5071023" y="4808507"/>
-            <a:ext cx="553781" cy="276999"/>
-          </a:xfrm>
-          <a:prstGeom prst="rect">
-            <a:avLst/>
-          </a:prstGeom>
-          <a:solidFill>
-            <a:schemeClr val="bg1"/>
-          </a:solidFill>
-        </p:spPr>
-        <p:txBody>
-          <a:bodyPr wrap="square" lIns="0" tIns="0" rIns="0" bIns="0" rtlCol="0">
-            <a:spAutoFit/>
-          </a:bodyPr>
-          <a:lstStyle/>
-          <a:p>
-            <a:pPr algn="ctr"/>
+              <a:t>Native</a:t>
+            </a:r>
             <a:r>
               <a:rPr lang="en-US" dirty="0" smtClean="0"/>
-              <a:t>HTTP</a:t>
-            </a:r>
-            <a:endParaRPr lang="en-US" dirty="0"/>
-          </a:p>
-        </p:txBody>
-      </p:sp>
-      <p:pic>
-        <p:nvPicPr>
-          <p:cNvPr id="18" name="Picture 4" descr="D:\Data\My Pictures\Icon Library\INCORS Vista Icon Library\v_collections_png\business_finance_data\128x128\shadow\data.png"/>
-          <p:cNvPicPr>
-            <a:picLocks noChangeAspect="1" noChangeArrowheads="1"/>
-          </p:cNvPicPr>
-          <p:nvPr/>
-        </p:nvPicPr>
-        <p:blipFill>
-          <a:blip r:embed="rId2">
-            <a:extLst>
-              <a:ext uri="{28A0092B-C50C-407E-A947-70E740481C1C}">
-                <a14:useLocalDpi xmlns:a14="http://schemas.microsoft.com/office/drawing/2010/main" val="0"/>
-              </a:ext>
-            </a:extLst>
-          </a:blip>
-          <a:srcRect/>
-          <a:stretch>
-            <a:fillRect/>
-          </a:stretch>
-        </p:blipFill>
-        <p:spPr bwMode="auto">
-          <a:xfrm>
-            <a:off x="6710670" y="4562336"/>
-            <a:ext cx="1219200" cy="1219201"/>
-          </a:xfrm>
-          <a:prstGeom prst="rect">
-            <a:avLst/>
-          </a:prstGeom>
-          <a:noFill/>
-          <a:extLst>
-            <a:ext uri="{909E8E84-426E-40DD-AFC4-6F175D3DCCD1}">
-              <a14:hiddenFill xmlns:a14="http://schemas.microsoft.com/office/drawing/2010/main">
-                <a:solidFill>
-                  <a:srgbClr val="FFFFFF"/>
-                </a:solidFill>
-              </a14:hiddenFill>
-            </a:ext>
-          </a:extLst>
-        </p:spPr>
-      </p:pic>
-      <p:pic>
-        <p:nvPicPr>
-          <p:cNvPr id="20" name="Picture 2" descr="http://blogs.technet.com/photos/vladkol/images/3142103/original.aspx"/>
-          <p:cNvPicPr>
-            <a:picLocks noChangeAspect="1" noChangeArrowheads="1"/>
-          </p:cNvPicPr>
-          <p:nvPr/>
-        </p:nvPicPr>
-        <p:blipFill>
-          <a:blip r:embed="rId3">
-            <a:extLst>
-              <a:ext uri="{28A0092B-C50C-407E-A947-70E740481C1C}">
-                <a14:useLocalDpi xmlns:a14="http://schemas.microsoft.com/office/drawing/2010/main" val="0"/>
-              </a:ext>
-            </a:extLst>
-          </a:blip>
-          <a:srcRect/>
-          <a:stretch>
-            <a:fillRect/>
-          </a:stretch>
-        </p:blipFill>
-        <p:spPr bwMode="auto">
-          <a:xfrm>
-            <a:off x="3851474" y="1646775"/>
-            <a:ext cx="1362127" cy="336379"/>
-          </a:xfrm>
-          <a:prstGeom prst="rect">
-            <a:avLst/>
-          </a:prstGeom>
-          <a:noFill/>
-          <a:extLst>
-            <a:ext uri="{909E8E84-426E-40DD-AFC4-6F175D3DCCD1}">
-              <a14:hiddenFill xmlns:a14="http://schemas.microsoft.com/office/drawing/2010/main">
-                <a:solidFill>
-                  <a:srgbClr val="FFFFFF"/>
-                </a:solidFill>
-              </a14:hiddenFill>
-            </a:ext>
-          </a:extLst>
-        </p:spPr>
-      </p:pic>
-      <p:sp>
-        <p:nvSpPr>
-          <p:cNvPr id="6" name="Footer Placeholder 5"/>
-          <p:cNvSpPr>
-            <a:spLocks noGrp="1"/>
-          </p:cNvSpPr>
-          <p:nvPr>
-            <p:ph type="ftr" sz="quarter" idx="11"/>
-          </p:nvPr>
-        </p:nvSpPr>
-        <p:spPr/>
-        <p:txBody>
-          <a:bodyPr/>
-          <a:lstStyle/>
-          <a:p>
-            <a:r>
-              <a:rPr lang="en-US" smtClean="0"/>
-              <a:t>Cross-platform mobile development | Ursin Brunner, Stefan Schöb, Oliver Brack</a:t>
-            </a:r>
-            <a:endParaRPr lang="en-US" dirty="0"/>
-          </a:p>
-        </p:txBody>
-      </p:sp>
-      <p:sp>
-        <p:nvSpPr>
-          <p:cNvPr id="8" name="Date Placeholder 7"/>
-          <p:cNvSpPr>
-            <a:spLocks noGrp="1"/>
-          </p:cNvSpPr>
-          <p:nvPr>
-            <p:ph type="dt" sz="half" idx="10"/>
-          </p:nvPr>
-        </p:nvSpPr>
-        <p:spPr/>
-        <p:txBody>
-          <a:bodyPr/>
-          <a:lstStyle/>
-          <a:p>
-            <a:r>
-              <a:rPr lang="en-US" smtClean="0"/>
-              <a:t>26. September 2013</a:t>
-            </a:r>
-            <a:endParaRPr lang="de-CH" dirty="0"/>
-          </a:p>
-        </p:txBody>
-      </p:sp>
-      <p:sp>
-        <p:nvSpPr>
-          <p:cNvPr id="9" name="Slide Number Placeholder 8"/>
-          <p:cNvSpPr>
-            <a:spLocks noGrp="1"/>
-          </p:cNvSpPr>
-          <p:nvPr>
-            <p:ph type="sldNum" sz="quarter" idx="12"/>
-          </p:nvPr>
-        </p:nvSpPr>
-        <p:spPr/>
-        <p:txBody>
-          <a:bodyPr/>
-          <a:lstStyle/>
-          <a:p>
-            <a:r>
-              <a:rPr lang="de-CH" smtClean="0"/>
-              <a:t>Slide </a:t>
-            </a:r>
-            <a:fld id="{2A754354-7CE9-4039-93ED-BB52FC9FAC62}" type="slidenum">
-              <a:rPr lang="de-CH" smtClean="0"/>
-              <a:t>4</a:t>
-            </a:fld>
-            <a:endParaRPr lang="de-CH" dirty="0"/>
-          </a:p>
-        </p:txBody>
-      </p:sp>
-      <p:pic>
-        <p:nvPicPr>
-          <p:cNvPr id="7170" name="Picture 2" descr="http://cdn.slashgear.com/wp-content/uploads/2012/03/azure.png"/>
-          <p:cNvPicPr>
-            <a:picLocks noChangeAspect="1" noChangeArrowheads="1"/>
-          </p:cNvPicPr>
-          <p:nvPr/>
-        </p:nvPicPr>
-        <p:blipFill>
-          <a:blip r:embed="rId4" cstate="print">
-            <a:extLst>
-              <a:ext uri="{28A0092B-C50C-407E-A947-70E740481C1C}">
-                <a14:useLocalDpi xmlns:a14="http://schemas.microsoft.com/office/drawing/2010/main" val="0"/>
-              </a:ext>
-            </a:extLst>
-          </a:blip>
-          <a:srcRect/>
-          <a:stretch>
-            <a:fillRect/>
-          </a:stretch>
-        </p:blipFill>
-        <p:spPr bwMode="auto">
-          <a:xfrm>
-            <a:off x="7922583" y="3908830"/>
-            <a:ext cx="827235" cy="827235"/>
-          </a:xfrm>
-          <a:prstGeom prst="rect">
-            <a:avLst/>
-          </a:prstGeom>
-          <a:noFill/>
-          <a:extLst>
-            <a:ext uri="{909E8E84-426E-40DD-AFC4-6F175D3DCCD1}">
-              <a14:hiddenFill xmlns:a14="http://schemas.microsoft.com/office/drawing/2010/main">
-                <a:solidFill>
-                  <a:srgbClr val="FFFFFF"/>
-                </a:solidFill>
-              </a14:hiddenFill>
-            </a:ext>
-          </a:extLst>
-        </p:spPr>
-      </p:pic>
-      <p:sp>
-        <p:nvSpPr>
-          <p:cNvPr id="10" name="Rectangle 9"/>
-          <p:cNvSpPr/>
-          <p:nvPr/>
-        </p:nvSpPr>
-        <p:spPr>
-          <a:xfrm>
-            <a:off x="571188" y="4029951"/>
-            <a:ext cx="2851560" cy="1537719"/>
-          </a:xfrm>
-          <a:prstGeom prst="rect">
-            <a:avLst/>
-          </a:prstGeom>
-          <a:ln/>
-        </p:spPr>
-        <p:style>
-          <a:lnRef idx="0">
-            <a:schemeClr val="accent1"/>
-          </a:lnRef>
-          <a:fillRef idx="3">
-            <a:schemeClr val="accent1"/>
-          </a:fillRef>
-          <a:effectRef idx="3">
-            <a:schemeClr val="accent1"/>
-          </a:effectRef>
-          <a:fontRef idx="minor">
-            <a:schemeClr val="lt1"/>
-          </a:fontRef>
-        </p:style>
-        <p:txBody>
-          <a:bodyPr rtlCol="0" anchor="ctr"/>
-          <a:lstStyle/>
-          <a:p>
-            <a:pPr algn="ctr"/>
-            <a:r>
-              <a:rPr lang="en-US" sz="9600" dirty="0" smtClean="0">
-                <a:latin typeface="AA Zuehlke" pitchFamily="2" charset="0"/>
-              </a:rPr>
               <a:t>?</a:t>
-            </a:r>
-            <a:endParaRPr lang="en-US" sz="9600" dirty="0" smtClean="0">
-              <a:latin typeface="AA Zuehlke" pitchFamily="2" charset="0"/>
-            </a:endParaRPr>
-          </a:p>
-        </p:txBody>
-      </p:sp>
-      <p:sp>
-        <p:nvSpPr>
-          <p:cNvPr id="15" name="Rounded Rectangle 14"/>
-          <p:cNvSpPr/>
-          <p:nvPr/>
-        </p:nvSpPr>
-        <p:spPr>
-          <a:xfrm>
-            <a:off x="3195623" y="4362645"/>
-            <a:ext cx="1756384" cy="853250"/>
-          </a:xfrm>
-          <a:prstGeom prst="roundRect">
-            <a:avLst/>
-          </a:prstGeom>
-          <a:gradFill flip="none" rotWithShape="1">
-            <a:gsLst>
-              <a:gs pos="0">
-                <a:srgbClr val="A5CDFE">
-                  <a:shade val="30000"/>
-                  <a:satMod val="115000"/>
-                </a:srgbClr>
-              </a:gs>
-              <a:gs pos="50000">
-                <a:srgbClr val="A5CDFE">
-                  <a:shade val="67500"/>
-                  <a:satMod val="115000"/>
-                </a:srgbClr>
-              </a:gs>
-              <a:gs pos="100000">
-                <a:srgbClr val="A5CDFE">
-                  <a:shade val="100000"/>
-                  <a:satMod val="115000"/>
-                </a:srgbClr>
-              </a:gs>
-            </a:gsLst>
-            <a:lin ang="16200000" scaled="1"/>
-            <a:tileRect/>
-          </a:gradFill>
-          <a:ln/>
-        </p:spPr>
-        <p:style>
-          <a:lnRef idx="0">
-            <a:schemeClr val="accent1"/>
-          </a:lnRef>
-          <a:fillRef idx="3">
-            <a:schemeClr val="accent1"/>
-          </a:fillRef>
-          <a:effectRef idx="3">
-            <a:schemeClr val="accent1"/>
-          </a:effectRef>
-          <a:fontRef idx="minor">
-            <a:schemeClr val="lt1"/>
-          </a:fontRef>
-        </p:style>
-        <p:txBody>
-          <a:bodyPr rtlCol="0" anchor="ctr"/>
-          <a:lstStyle/>
-          <a:p>
-            <a:pPr algn="ctr"/>
-            <a:r>
-              <a:rPr lang="en-US" dirty="0" smtClean="0">
-                <a:solidFill>
-                  <a:schemeClr val="tx1"/>
-                </a:solidFill>
-              </a:rPr>
-              <a:t>Business layer (.NET)</a:t>
-            </a:r>
-            <a:endParaRPr lang="en-US" dirty="0">
-              <a:solidFill>
-                <a:schemeClr val="tx1"/>
-              </a:solidFill>
-            </a:endParaRPr>
-          </a:p>
-        </p:txBody>
-      </p:sp>
-      <p:sp>
-        <p:nvSpPr>
-          <p:cNvPr id="25" name="Rectangle 24"/>
-          <p:cNvSpPr/>
-          <p:nvPr/>
-        </p:nvSpPr>
-        <p:spPr>
-          <a:xfrm rot="19911849">
-            <a:off x="3263277" y="4274400"/>
-            <a:ext cx="1689886" cy="923330"/>
-          </a:xfrm>
-          <a:prstGeom prst="rect">
-            <a:avLst/>
-          </a:prstGeom>
-          <a:noFill/>
-        </p:spPr>
-        <p:txBody>
-          <a:bodyPr wrap="none" lIns="91440" tIns="45720" rIns="91440" bIns="45720">
-            <a:spAutoFit/>
-          </a:bodyPr>
-          <a:lstStyle/>
-          <a:p>
-            <a:pPr algn="ctr"/>
-            <a:r>
-              <a:rPr lang="en-US" sz="5400" b="1" cap="none" spc="300" dirty="0" smtClean="0">
-                <a:ln w="11430" cmpd="sng">
-                  <a:solidFill>
-                    <a:schemeClr val="accent1">
-                      <a:tint val="10000"/>
-                    </a:schemeClr>
-                  </a:solidFill>
-                  <a:prstDash val="solid"/>
-                  <a:miter lim="800000"/>
-                </a:ln>
-                <a:gradFill>
-                  <a:gsLst>
-                    <a:gs pos="10000">
-                      <a:schemeClr val="accent1">
-                        <a:tint val="83000"/>
-                        <a:shade val="100000"/>
-                        <a:satMod val="200000"/>
-                      </a:schemeClr>
-                    </a:gs>
-                    <a:gs pos="75000">
-                      <a:schemeClr val="accent1">
-                        <a:tint val="100000"/>
-                        <a:shade val="50000"/>
-                        <a:satMod val="150000"/>
-                      </a:schemeClr>
-                    </a:gs>
-                  </a:gsLst>
-                  <a:lin ang="5400000"/>
-                </a:gradFill>
-                <a:effectLst>
-                  <a:glow rad="45500">
-                    <a:schemeClr val="accent1">
-                      <a:satMod val="220000"/>
-                      <a:alpha val="35000"/>
-                    </a:schemeClr>
-                  </a:glow>
-                </a:effectLst>
-              </a:rPr>
-              <a:t>PCL?</a:t>
-            </a:r>
-            <a:endParaRPr lang="en-US" sz="5400" b="1" cap="none" spc="300" dirty="0">
-              <a:ln w="11430" cmpd="sng">
-                <a:solidFill>
-                  <a:schemeClr val="accent1">
-                    <a:tint val="10000"/>
-                  </a:schemeClr>
-                </a:solidFill>
-                <a:prstDash val="solid"/>
-                <a:miter lim="800000"/>
-              </a:ln>
-              <a:gradFill>
-                <a:gsLst>
-                  <a:gs pos="10000">
-                    <a:schemeClr val="accent1">
-                      <a:tint val="83000"/>
-                      <a:shade val="100000"/>
-                      <a:satMod val="200000"/>
-                    </a:schemeClr>
-                  </a:gs>
-                  <a:gs pos="75000">
-                    <a:schemeClr val="accent1">
-                      <a:tint val="100000"/>
-                      <a:shade val="50000"/>
-                      <a:satMod val="150000"/>
-                    </a:schemeClr>
-                  </a:gs>
-                </a:gsLst>
-                <a:lin ang="5400000"/>
-              </a:gradFill>
-              <a:effectLst>
-                <a:glow rad="45500">
-                  <a:schemeClr val="accent1">
-                    <a:satMod val="220000"/>
-                    <a:alpha val="35000"/>
-                  </a:schemeClr>
-                </a:glow>
-              </a:effectLst>
-            </a:endParaRPr>
-          </a:p>
-        </p:txBody>
-      </p:sp>
-    </p:spTree>
-    <p:extLst>
-      <p:ext uri="{BB962C8B-B14F-4D97-AF65-F5344CB8AC3E}">
-        <p14:creationId xmlns:p14="http://schemas.microsoft.com/office/powerpoint/2010/main" val="811449459"/>
-      </p:ext>
-    </p:extLst>
-  </p:cSld>
-  <p:clrMapOvr>
-    <a:masterClrMapping/>
-  </p:clrMapOvr>
-  <p:timing>
-    <p:tnLst>
-      <p:par>
-        <p:cTn id="1" dur="indefinite" restart="never" nodeType="tmRoot">
-          <p:childTnLst>
-            <p:seq concurrent="1" nextAc="seek">
-              <p:cTn id="2" dur="indefinite" nodeType="mainSeq">
-                <p:childTnLst>
-                  <p:par>
-                    <p:cTn id="3" fill="hold">
-                      <p:stCondLst>
-                        <p:cond delay="indefinite"/>
-                      </p:stCondLst>
-                      <p:childTnLst>
-                        <p:par>
-                          <p:cTn id="4" fill="hold">
-                            <p:stCondLst>
-                              <p:cond delay="0"/>
-                            </p:stCondLst>
-                            <p:childTnLst>
-                              <p:par>
-                                <p:cTn id="5" presetID="10" presetClass="entr" presetSubtype="0" fill="hold" grpId="0" nodeType="clickEffect">
-                                  <p:stCondLst>
-                                    <p:cond delay="0"/>
-                                  </p:stCondLst>
-                                  <p:childTnLst>
-                                    <p:set>
-                                      <p:cBhvr>
-                                        <p:cTn id="6" dur="1" fill="hold">
-                                          <p:stCondLst>
-                                            <p:cond delay="0"/>
-                                          </p:stCondLst>
-                                        </p:cTn>
-                                        <p:tgtEl>
-                                          <p:spTgt spid="10"/>
-                                        </p:tgtEl>
-                                        <p:attrNameLst>
-                                          <p:attrName>style.visibility</p:attrName>
-                                        </p:attrNameLst>
-                                      </p:cBhvr>
-                                      <p:to>
-                                        <p:strVal val="visible"/>
-                                      </p:to>
-                                    </p:set>
-                                    <p:animEffect transition="in" filter="fade">
-                                      <p:cBhvr>
-                                        <p:cTn id="7" dur="500"/>
-                                        <p:tgtEl>
-                                          <p:spTgt spid="10"/>
-                                        </p:tgtEl>
-                                      </p:cBhvr>
-                                    </p:animEffect>
-                                  </p:childTnLst>
-                                </p:cTn>
-                              </p:par>
-                            </p:childTnLst>
-                          </p:cTn>
-                        </p:par>
-                      </p:childTnLst>
-                    </p:cTn>
-                  </p:par>
-                </p:childTnLst>
-              </p:cTn>
-              <p:prevCondLst>
-                <p:cond evt="onPrev" delay="0">
-                  <p:tgtEl>
-                    <p:sldTgt/>
-                  </p:tgtEl>
-                </p:cond>
-              </p:prevCondLst>
-              <p:nextCondLst>
-                <p:cond evt="onNext" delay="0">
-                  <p:tgtEl>
-                    <p:sldTgt/>
-                  </p:tgtEl>
-                </p:cond>
-              </p:nextCondLst>
-            </p:seq>
-          </p:childTnLst>
-        </p:cTn>
-      </p:par>
-    </p:tnLst>
-    <p:bldLst>
-      <p:bldP spid="10" grpId="0" animBg="1"/>
-    </p:bldLst>
-  </p:timing>
-</p:sld>
-</file>
-
-<file path=ppt/slides/slide5.xml><?xml version="1.0" encoding="utf-8"?>
-<p:sld xmlns:a="http://schemas.openxmlformats.org/drawingml/2006/main" xmlns:r="http://schemas.openxmlformats.org/officeDocument/2006/relationships" xmlns:p="http://schemas.openxmlformats.org/presentationml/2006/main">
-  <p:cSld>
-    <p:spTree>
-      <p:nvGrpSpPr>
-        <p:cNvPr id="1" name=""/>
-        <p:cNvGrpSpPr/>
-        <p:nvPr/>
-      </p:nvGrpSpPr>
-      <p:grpSpPr>
-        <a:xfrm>
-          <a:off x="0" y="0"/>
-          <a:ext cx="0" cy="0"/>
-          <a:chOff x="0" y="0"/>
-          <a:chExt cx="0" cy="0"/>
-        </a:xfrm>
-      </p:grpSpPr>
-      <p:sp>
-        <p:nvSpPr>
-          <p:cNvPr id="3" name="Title 2"/>
-          <p:cNvSpPr>
-            <a:spLocks noGrp="1"/>
-          </p:cNvSpPr>
-          <p:nvPr>
-            <p:ph type="title"/>
-          </p:nvPr>
-        </p:nvSpPr>
-        <p:spPr/>
-        <p:txBody>
-          <a:bodyPr/>
-          <a:lstStyle/>
-          <a:p>
-            <a:r>
-              <a:rPr lang="en-US" dirty="0" smtClean="0"/>
-              <a:t>Business layer</a:t>
-            </a:r>
-            <a:endParaRPr lang="en-US" dirty="0"/>
-          </a:p>
-        </p:txBody>
-      </p:sp>
-      <p:pic>
-        <p:nvPicPr>
-          <p:cNvPr id="1031" name="Picture 7"/>
-          <p:cNvPicPr>
-            <a:picLocks noChangeAspect="1" noChangeArrowheads="1"/>
-          </p:cNvPicPr>
-          <p:nvPr/>
-        </p:nvPicPr>
-        <p:blipFill>
-          <a:blip r:embed="rId2">
-            <a:extLst>
-              <a:ext uri="{28A0092B-C50C-407E-A947-70E740481C1C}">
-                <a14:useLocalDpi xmlns:a14="http://schemas.microsoft.com/office/drawing/2010/main" val="0"/>
-              </a:ext>
-            </a:extLst>
-          </a:blip>
-          <a:srcRect/>
-          <a:stretch>
-            <a:fillRect/>
-          </a:stretch>
-        </p:blipFill>
-        <p:spPr bwMode="auto">
-          <a:xfrm>
-            <a:off x="4438835" y="1789354"/>
-            <a:ext cx="3312368" cy="2627310"/>
-          </a:xfrm>
-          <a:prstGeom prst="rect">
-            <a:avLst/>
-          </a:prstGeom>
-          <a:noFill/>
-          <a:ln>
-            <a:noFill/>
-          </a:ln>
-          <a:effectLst/>
-          <a:extLst>
-            <a:ext uri="{909E8E84-426E-40DD-AFC4-6F175D3DCCD1}">
-              <a14:hiddenFill xmlns:a14="http://schemas.microsoft.com/office/drawing/2010/main">
-                <a:solidFill>
-                  <a:schemeClr val="accent1"/>
-                </a:solidFill>
-              </a14:hiddenFill>
-            </a:ext>
-            <a:ext uri="{91240B29-F687-4F45-9708-019B960494DF}">
-              <a14:hiddenLine xmlns:a14="http://schemas.microsoft.com/office/drawing/2010/main" w="9525">
-                <a:solidFill>
-                  <a:schemeClr val="tx1"/>
-                </a:solidFill>
-                <a:miter lim="800000"/>
-                <a:headEnd/>
-                <a:tailEnd/>
-              </a14:hiddenLine>
-            </a:ext>
-            <a:ext uri="{AF507438-7753-43E0-B8FC-AC1667EBCBE1}">
-              <a14:hiddenEffects xmlns:a14="http://schemas.microsoft.com/office/drawing/2010/main">
-                <a:effectLst>
-                  <a:outerShdw dist="35921" dir="2700000" algn="ctr" rotWithShape="0">
-                    <a:schemeClr val="bg2"/>
-                  </a:outerShdw>
-                </a:effectLst>
-              </a14:hiddenEffects>
-            </a:ext>
-          </a:extLst>
-        </p:spPr>
-      </p:pic>
-      <p:pic>
-        <p:nvPicPr>
-          <p:cNvPr id="1032" name="Picture 8"/>
-          <p:cNvPicPr>
-            <a:picLocks noChangeAspect="1" noChangeArrowheads="1"/>
-          </p:cNvPicPr>
-          <p:nvPr/>
-        </p:nvPicPr>
-        <p:blipFill>
-          <a:blip r:embed="rId3">
-            <a:extLst>
-              <a:ext uri="{28A0092B-C50C-407E-A947-70E740481C1C}">
-                <a14:useLocalDpi xmlns:a14="http://schemas.microsoft.com/office/drawing/2010/main" val="0"/>
-              </a:ext>
-            </a:extLst>
-          </a:blip>
-          <a:srcRect/>
-          <a:stretch>
-            <a:fillRect/>
-          </a:stretch>
-        </p:blipFill>
-        <p:spPr bwMode="auto">
-          <a:xfrm>
-            <a:off x="152082" y="1789353"/>
-            <a:ext cx="3782697" cy="1313656"/>
-          </a:xfrm>
-          <a:prstGeom prst="rect">
-            <a:avLst/>
-          </a:prstGeom>
-          <a:noFill/>
-          <a:ln>
-            <a:noFill/>
-          </a:ln>
-          <a:effectLst/>
-          <a:extLst>
-            <a:ext uri="{909E8E84-426E-40DD-AFC4-6F175D3DCCD1}">
-              <a14:hiddenFill xmlns:a14="http://schemas.microsoft.com/office/drawing/2010/main">
-                <a:solidFill>
-                  <a:schemeClr val="accent1"/>
-                </a:solidFill>
-              </a14:hiddenFill>
-            </a:ext>
-            <a:ext uri="{91240B29-F687-4F45-9708-019B960494DF}">
-              <a14:hiddenLine xmlns:a14="http://schemas.microsoft.com/office/drawing/2010/main" w="9525">
-                <a:solidFill>
-                  <a:schemeClr val="tx1"/>
-                </a:solidFill>
-                <a:miter lim="800000"/>
-                <a:headEnd/>
-                <a:tailEnd/>
-              </a14:hiddenLine>
-            </a:ext>
-            <a:ext uri="{AF507438-7753-43E0-B8FC-AC1667EBCBE1}">
-              <a14:hiddenEffects xmlns:a14="http://schemas.microsoft.com/office/drawing/2010/main">
-                <a:effectLst>
-                  <a:outerShdw dist="35921" dir="2700000" algn="ctr" rotWithShape="0">
-                    <a:schemeClr val="bg2"/>
-                  </a:outerShdw>
-                </a:effectLst>
-              </a14:hiddenEffects>
-            </a:ext>
-          </a:extLst>
-        </p:spPr>
-      </p:pic>
-      <p:pic>
-        <p:nvPicPr>
-          <p:cNvPr id="1033" name="Picture 9"/>
-          <p:cNvPicPr>
-            <a:picLocks noChangeAspect="1" noChangeArrowheads="1"/>
-          </p:cNvPicPr>
-          <p:nvPr/>
-        </p:nvPicPr>
-        <p:blipFill>
-          <a:blip r:embed="rId4">
-            <a:extLst>
-              <a:ext uri="{28A0092B-C50C-407E-A947-70E740481C1C}">
-                <a14:useLocalDpi xmlns:a14="http://schemas.microsoft.com/office/drawing/2010/main" val="0"/>
-              </a:ext>
-            </a:extLst>
-          </a:blip>
-          <a:srcRect/>
-          <a:stretch>
-            <a:fillRect/>
-          </a:stretch>
-        </p:blipFill>
-        <p:spPr bwMode="auto">
-          <a:xfrm>
-            <a:off x="4438835" y="4538854"/>
-            <a:ext cx="1728192" cy="1697331"/>
-          </a:xfrm>
-          <a:prstGeom prst="rect">
-            <a:avLst/>
-          </a:prstGeom>
-          <a:noFill/>
-          <a:ln>
-            <a:noFill/>
-          </a:ln>
-          <a:effectLst/>
-          <a:extLst>
-            <a:ext uri="{909E8E84-426E-40DD-AFC4-6F175D3DCCD1}">
-              <a14:hiddenFill xmlns:a14="http://schemas.microsoft.com/office/drawing/2010/main">
-                <a:solidFill>
-                  <a:schemeClr val="accent1"/>
-                </a:solidFill>
-              </a14:hiddenFill>
-            </a:ext>
-            <a:ext uri="{91240B29-F687-4F45-9708-019B960494DF}">
-              <a14:hiddenLine xmlns:a14="http://schemas.microsoft.com/office/drawing/2010/main" w="9525">
-                <a:solidFill>
-                  <a:schemeClr val="tx1"/>
-                </a:solidFill>
-                <a:miter lim="800000"/>
-                <a:headEnd/>
-                <a:tailEnd/>
-              </a14:hiddenLine>
-            </a:ext>
-            <a:ext uri="{AF507438-7753-43E0-B8FC-AC1667EBCBE1}">
-              <a14:hiddenEffects xmlns:a14="http://schemas.microsoft.com/office/drawing/2010/main">
-                <a:effectLst>
-                  <a:outerShdw dist="35921" dir="2700000" algn="ctr" rotWithShape="0">
-                    <a:schemeClr val="bg2"/>
-                  </a:outerShdw>
-                </a:effectLst>
-              </a14:hiddenEffects>
-            </a:ext>
-          </a:extLst>
-        </p:spPr>
-      </p:pic>
-      <p:cxnSp>
-        <p:nvCxnSpPr>
-          <p:cNvPr id="6" name="Straight Arrow Connector 5"/>
-          <p:cNvCxnSpPr>
-            <a:stCxn id="1032" idx="3"/>
-          </p:cNvCxnSpPr>
-          <p:nvPr/>
-        </p:nvCxnSpPr>
-        <p:spPr>
-          <a:xfrm>
-            <a:off x="3934779" y="2446181"/>
-            <a:ext cx="504056" cy="0"/>
-          </a:xfrm>
-          <a:prstGeom prst="straightConnector1">
-            <a:avLst/>
-          </a:prstGeom>
-          <a:ln w="25400">
-            <a:solidFill>
-              <a:schemeClr val="tx1"/>
-            </a:solidFill>
-            <a:tailEnd type="arrow" w="lg" len="lg"/>
-          </a:ln>
-        </p:spPr>
-        <p:style>
-          <a:lnRef idx="1">
-            <a:schemeClr val="accent1"/>
-          </a:lnRef>
-          <a:fillRef idx="0">
-            <a:schemeClr val="accent1"/>
-          </a:fillRef>
-          <a:effectRef idx="0">
-            <a:schemeClr val="accent1"/>
-          </a:effectRef>
-          <a:fontRef idx="minor">
-            <a:schemeClr val="tx1"/>
-          </a:fontRef>
-        </p:style>
-      </p:cxnSp>
-      <p:sp>
-        <p:nvSpPr>
-          <p:cNvPr id="7" name="Footer Placeholder 6"/>
-          <p:cNvSpPr>
-            <a:spLocks noGrp="1"/>
-          </p:cNvSpPr>
-          <p:nvPr>
-            <p:ph type="ftr" sz="quarter" idx="11"/>
-          </p:nvPr>
-        </p:nvSpPr>
-        <p:spPr/>
-        <p:txBody>
-          <a:bodyPr/>
-          <a:lstStyle/>
-          <a:p>
-            <a:r>
-              <a:rPr lang="en-US" smtClean="0"/>
-              <a:t>Cross-platform mobile development | Ursin Brunner, Stefan Schöb, Oliver Brack</a:t>
-            </a:r>
-            <a:endParaRPr lang="en-US" dirty="0"/>
-          </a:p>
-        </p:txBody>
-      </p:sp>
-      <p:sp>
-        <p:nvSpPr>
-          <p:cNvPr id="5" name="Date Placeholder 4"/>
-          <p:cNvSpPr>
-            <a:spLocks noGrp="1"/>
-          </p:cNvSpPr>
-          <p:nvPr>
-            <p:ph type="dt" sz="half" idx="10"/>
-          </p:nvPr>
-        </p:nvSpPr>
-        <p:spPr/>
-        <p:txBody>
-          <a:bodyPr/>
-          <a:lstStyle/>
-          <a:p>
-            <a:r>
-              <a:rPr lang="en-US" smtClean="0"/>
-              <a:t>26. September 2013</a:t>
-            </a:r>
-            <a:endParaRPr lang="de-CH" dirty="0"/>
-          </a:p>
-        </p:txBody>
-      </p:sp>
-      <p:sp>
-        <p:nvSpPr>
-          <p:cNvPr id="8" name="Slide Number Placeholder 7"/>
-          <p:cNvSpPr>
-            <a:spLocks noGrp="1"/>
-          </p:cNvSpPr>
-          <p:nvPr>
-            <p:ph type="sldNum" sz="quarter" idx="12"/>
-          </p:nvPr>
-        </p:nvSpPr>
-        <p:spPr/>
-        <p:txBody>
-          <a:bodyPr/>
-          <a:lstStyle/>
-          <a:p>
-            <a:r>
-              <a:rPr lang="de-CH" smtClean="0"/>
-              <a:t>Slide </a:t>
-            </a:r>
-            <a:fld id="{E1CB3416-E1B5-45C8-B9EE-3D42967D6863}" type="slidenum">
-              <a:rPr lang="de-CH" smtClean="0"/>
-              <a:t>5</a:t>
-            </a:fld>
-            <a:endParaRPr lang="de-CH" dirty="0"/>
-          </a:p>
-        </p:txBody>
-      </p:sp>
-      <p:sp>
-        <p:nvSpPr>
-          <p:cNvPr id="12" name="Rectangle 11"/>
-          <p:cNvSpPr/>
-          <p:nvPr/>
-        </p:nvSpPr>
-        <p:spPr>
-          <a:xfrm rot="19911849">
-            <a:off x="3195368" y="3196500"/>
-            <a:ext cx="2611612" cy="923330"/>
-          </a:xfrm>
-          <a:prstGeom prst="rect">
-            <a:avLst/>
-          </a:prstGeom>
-          <a:noFill/>
-        </p:spPr>
-        <p:txBody>
-          <a:bodyPr wrap="none" lIns="91440" tIns="45720" rIns="91440" bIns="45720">
-            <a:spAutoFit/>
-          </a:bodyPr>
-          <a:lstStyle/>
-          <a:p>
-            <a:pPr algn="ctr"/>
-            <a:r>
-              <a:rPr lang="en-US" sz="5400" b="1" cap="none" spc="300" dirty="0" smtClean="0">
-                <a:ln w="11430" cmpd="sng">
-                  <a:solidFill>
-                    <a:schemeClr val="accent1">
-                      <a:tint val="10000"/>
-                    </a:schemeClr>
-                  </a:solidFill>
-                  <a:prstDash val="solid"/>
-                  <a:miter lim="800000"/>
-                </a:ln>
-                <a:gradFill>
-                  <a:gsLst>
-                    <a:gs pos="10000">
-                      <a:schemeClr val="accent1">
-                        <a:tint val="83000"/>
-                        <a:shade val="100000"/>
-                        <a:satMod val="200000"/>
-                      </a:schemeClr>
-                    </a:gs>
-                    <a:gs pos="75000">
-                      <a:schemeClr val="accent1">
-                        <a:tint val="100000"/>
-                        <a:shade val="50000"/>
-                        <a:satMod val="150000"/>
-                      </a:schemeClr>
-                    </a:gs>
-                  </a:gsLst>
-                  <a:lin ang="5400000"/>
-                </a:gradFill>
-                <a:effectLst>
-                  <a:glow rad="45500">
-                    <a:schemeClr val="accent1">
-                      <a:satMod val="220000"/>
-                      <a:alpha val="35000"/>
-                    </a:schemeClr>
-                  </a:glow>
-                </a:effectLst>
-              </a:rPr>
-              <a:t>Update!</a:t>
-            </a:r>
-            <a:endParaRPr lang="en-US" sz="5400" b="1" cap="none" spc="300" dirty="0">
-              <a:ln w="11430" cmpd="sng">
-                <a:solidFill>
-                  <a:schemeClr val="accent1">
-                    <a:tint val="10000"/>
-                  </a:schemeClr>
-                </a:solidFill>
-                <a:prstDash val="solid"/>
-                <a:miter lim="800000"/>
-              </a:ln>
-              <a:gradFill>
-                <a:gsLst>
-                  <a:gs pos="10000">
-                    <a:schemeClr val="accent1">
-                      <a:tint val="83000"/>
-                      <a:shade val="100000"/>
-                      <a:satMod val="200000"/>
-                    </a:schemeClr>
-                  </a:gs>
-                  <a:gs pos="75000">
-                    <a:schemeClr val="accent1">
-                      <a:tint val="100000"/>
-                      <a:shade val="50000"/>
-                      <a:satMod val="150000"/>
-                    </a:schemeClr>
-                  </a:gs>
-                </a:gsLst>
-                <a:lin ang="5400000"/>
-              </a:gradFill>
-              <a:effectLst>
-                <a:glow rad="45500">
-                  <a:schemeClr val="accent1">
-                    <a:satMod val="220000"/>
-                    <a:alpha val="35000"/>
-                  </a:schemeClr>
-                </a:glow>
-              </a:effectLst>
-            </a:endParaRPr>
-          </a:p>
-        </p:txBody>
-      </p:sp>
-    </p:spTree>
-    <p:extLst>
-      <p:ext uri="{BB962C8B-B14F-4D97-AF65-F5344CB8AC3E}">
-        <p14:creationId xmlns:p14="http://schemas.microsoft.com/office/powerpoint/2010/main" val="2599384190"/>
-      </p:ext>
-    </p:extLst>
-  </p:cSld>
-  <p:clrMapOvr>
-    <a:masterClrMapping/>
-  </p:clrMapOvr>
-  <mc:AlternateContent xmlns:mc="http://schemas.openxmlformats.org/markup-compatibility/2006" xmlns:p14="http://schemas.microsoft.com/office/powerpoint/2010/main">
-    <mc:Choice Requires="p14">
-      <p:transition spd="slow" p14:dur="2000"/>
-    </mc:Choice>
-    <mc:Fallback xmlns="">
-      <p:transition spd="slow"/>
-    </mc:Fallback>
-  </mc:AlternateContent>
-  <p:timing>
-    <p:tnLst>
-      <p:par>
-        <p:cTn id="1" dur="indefinite" restart="never" nodeType="tmRoot"/>
-      </p:par>
-    </p:tnLst>
-  </p:timing>
-</p:sld>
-</file>
-
-<file path=ppt/slides/slide6.xml><?xml version="1.0" encoding="utf-8"?>
-<p:sld xmlns:a="http://schemas.openxmlformats.org/drawingml/2006/main" xmlns:r="http://schemas.openxmlformats.org/officeDocument/2006/relationships" xmlns:p="http://schemas.openxmlformats.org/presentationml/2006/main">
-  <p:cSld>
-    <p:spTree>
-      <p:nvGrpSpPr>
-        <p:cNvPr id="1" name=""/>
-        <p:cNvGrpSpPr/>
-        <p:nvPr/>
-      </p:nvGrpSpPr>
-      <p:grpSpPr>
-        <a:xfrm>
-          <a:off x="0" y="0"/>
-          <a:ext cx="0" cy="0"/>
-          <a:chOff x="0" y="0"/>
-          <a:chExt cx="0" cy="0"/>
-        </a:xfrm>
-      </p:grpSpPr>
-      <p:sp>
-        <p:nvSpPr>
-          <p:cNvPr id="2" name="Content Placeholder 1"/>
-          <p:cNvSpPr>
-            <a:spLocks noGrp="1"/>
-          </p:cNvSpPr>
-          <p:nvPr>
-            <p:ph idx="1"/>
-          </p:nvPr>
-        </p:nvSpPr>
-        <p:spPr/>
-        <p:txBody>
-          <a:bodyPr/>
-          <a:lstStyle/>
-          <a:p>
-            <a:endParaRPr lang="en-US" dirty="0"/>
-          </a:p>
-        </p:txBody>
-      </p:sp>
-      <p:sp>
-        <p:nvSpPr>
-          <p:cNvPr id="3" name="Title 2"/>
-          <p:cNvSpPr>
-            <a:spLocks noGrp="1"/>
-          </p:cNvSpPr>
-          <p:nvPr>
-            <p:ph type="title"/>
-          </p:nvPr>
-        </p:nvSpPr>
-        <p:spPr/>
-        <p:txBody>
-          <a:bodyPr/>
-          <a:lstStyle/>
-          <a:p>
-            <a:endParaRPr lang="en-US" dirty="0"/>
-          </a:p>
-        </p:txBody>
-      </p:sp>
-      <p:sp>
-        <p:nvSpPr>
-          <p:cNvPr id="5" name="Footer Placeholder 4"/>
-          <p:cNvSpPr>
-            <a:spLocks noGrp="1"/>
-          </p:cNvSpPr>
-          <p:nvPr>
-            <p:ph type="ftr" sz="quarter" idx="11"/>
-          </p:nvPr>
-        </p:nvSpPr>
-        <p:spPr/>
-        <p:txBody>
-          <a:bodyPr/>
-          <a:lstStyle/>
-          <a:p>
-            <a:r>
-              <a:rPr lang="en-US" smtClean="0"/>
-              <a:t>Cross-platform mobile development | Ursin Brunner, Stefan Schöb, Oliver Brack</a:t>
-            </a:r>
-            <a:endParaRPr lang="en-US" dirty="0"/>
-          </a:p>
-        </p:txBody>
-      </p:sp>
-      <p:pic>
-        <p:nvPicPr>
-          <p:cNvPr id="10" name="Picture 2"/>
-          <p:cNvPicPr>
-            <a:picLocks noChangeAspect="1" noChangeArrowheads="1"/>
-          </p:cNvPicPr>
-          <p:nvPr/>
-        </p:nvPicPr>
-        <p:blipFill rotWithShape="1">
-          <a:blip r:embed="rId2">
-            <a:extLst>
-              <a:ext uri="{28A0092B-C50C-407E-A947-70E740481C1C}">
-                <a14:useLocalDpi xmlns:a14="http://schemas.microsoft.com/office/drawing/2010/main" val="0"/>
-              </a:ext>
-            </a:extLst>
-          </a:blip>
-          <a:srcRect l="21144" t="18851" r="16619" b="17943"/>
-          <a:stretch/>
-        </p:blipFill>
-        <p:spPr bwMode="auto">
-          <a:xfrm>
-            <a:off x="7536" y="9325"/>
-            <a:ext cx="9136464" cy="6841547"/>
-          </a:xfrm>
-          <a:prstGeom prst="rect">
-            <a:avLst/>
-          </a:prstGeom>
-          <a:noFill/>
-          <a:ln w="9525">
-            <a:solidFill>
-              <a:schemeClr val="tx1"/>
-            </a:solidFill>
-            <a:miter lim="800000"/>
-            <a:headEnd/>
-            <a:tailEnd/>
-          </a:ln>
-          <a:effectLst/>
-          <a:extLst>
-            <a:ext uri="{909E8E84-426E-40DD-AFC4-6F175D3DCCD1}">
-              <a14:hiddenFill xmlns:a14="http://schemas.microsoft.com/office/drawing/2010/main">
-                <a:solidFill>
-                  <a:schemeClr val="accent1"/>
-                </a:solidFill>
-              </a14:hiddenFill>
-            </a:ext>
-            <a:ext uri="{AF507438-7753-43E0-B8FC-AC1667EBCBE1}">
-              <a14:hiddenEffects xmlns:a14="http://schemas.microsoft.com/office/drawing/2010/main">
-                <a:effectLst>
-                  <a:outerShdw dist="35921" dir="2700000" algn="ctr" rotWithShape="0">
-                    <a:schemeClr val="bg2"/>
-                  </a:outerShdw>
-                </a:effectLst>
-              </a14:hiddenEffects>
-            </a:ext>
-          </a:extLst>
-        </p:spPr>
-      </p:pic>
-      <p:pic>
-        <p:nvPicPr>
-          <p:cNvPr id="9" name="Picture 2" descr="C:\Users\ror\Desktop\ESE\ese2012\docs\mockups.png"/>
-          <p:cNvPicPr>
-            <a:picLocks noChangeAspect="1" noChangeArrowheads="1"/>
-          </p:cNvPicPr>
-          <p:nvPr/>
-        </p:nvPicPr>
-        <p:blipFill>
-          <a:blip r:embed="rId3">
-            <a:extLst>
-              <a:ext uri="{28A0092B-C50C-407E-A947-70E740481C1C}">
-                <a14:useLocalDpi xmlns:a14="http://schemas.microsoft.com/office/drawing/2010/main" val="0"/>
-              </a:ext>
-            </a:extLst>
-          </a:blip>
-          <a:srcRect/>
-          <a:stretch>
-            <a:fillRect/>
-          </a:stretch>
-        </p:blipFill>
-        <p:spPr bwMode="auto">
-          <a:xfrm>
-            <a:off x="4340152" y="420864"/>
-            <a:ext cx="3867587" cy="5997782"/>
-          </a:xfrm>
-          <a:prstGeom prst="rect">
-            <a:avLst/>
-          </a:prstGeom>
-          <a:noFill/>
-          <a:extLst>
-            <a:ext uri="{909E8E84-426E-40DD-AFC4-6F175D3DCCD1}">
-              <a14:hiddenFill xmlns:a14="http://schemas.microsoft.com/office/drawing/2010/main">
-                <a:solidFill>
-                  <a:srgbClr val="FFFFFF"/>
-                </a:solidFill>
-              </a14:hiddenFill>
-            </a:ext>
-          </a:extLst>
-        </p:spPr>
-      </p:pic>
-      <p:sp>
-        <p:nvSpPr>
-          <p:cNvPr id="11" name="Title 2"/>
-          <p:cNvSpPr txBox="1">
-            <a:spLocks/>
-          </p:cNvSpPr>
-          <p:nvPr/>
-        </p:nvSpPr>
-        <p:spPr bwMode="gray">
-          <a:xfrm>
-            <a:off x="304482" y="373395"/>
-            <a:ext cx="6274118" cy="1212518"/>
-          </a:xfrm>
-          <a:prstGeom prst="rect">
-            <a:avLst/>
-          </a:prstGeom>
-        </p:spPr>
-        <p:txBody>
-          <a:bodyPr vert="horz" lIns="0" tIns="0" rIns="0" bIns="0" rtlCol="0" anchor="t" anchorCtr="0">
-            <a:noAutofit/>
-          </a:bodyPr>
-          <a:lstStyle>
-            <a:lvl1pPr algn="l" defTabSz="914400" rtl="0" eaLnBrk="1" latinLnBrk="0" hangingPunct="1">
-              <a:lnSpc>
-                <a:spcPct val="98000"/>
-              </a:lnSpc>
-              <a:spcBef>
-                <a:spcPct val="0"/>
-              </a:spcBef>
-              <a:buNone/>
-              <a:defRPr sz="2800" kern="1200">
-                <a:solidFill>
-                  <a:srgbClr val="FF820A"/>
-                </a:solidFill>
-                <a:latin typeface="AA Zuehlke Medium" pitchFamily="2" charset="0"/>
-                <a:ea typeface="+mj-ea"/>
-                <a:cs typeface="+mj-cs"/>
-              </a:defRPr>
-            </a:lvl1pPr>
-          </a:lstStyle>
-          <a:p>
-            <a:r>
-              <a:rPr lang="en-US" dirty="0" smtClean="0">
-                <a:latin typeface="+mj-lt"/>
-              </a:rPr>
-              <a:t>User Interface Mockup</a:t>
-            </a:r>
-            <a:endParaRPr lang="en-US" dirty="0">
-              <a:latin typeface="+mj-lt"/>
-            </a:endParaRPr>
-          </a:p>
-        </p:txBody>
-      </p:sp>
-      <p:sp>
-        <p:nvSpPr>
-          <p:cNvPr id="4" name="Date Placeholder 3"/>
-          <p:cNvSpPr>
-            <a:spLocks noGrp="1"/>
-          </p:cNvSpPr>
-          <p:nvPr>
-            <p:ph type="dt" sz="half" idx="10"/>
-          </p:nvPr>
-        </p:nvSpPr>
-        <p:spPr/>
-        <p:txBody>
-          <a:bodyPr/>
-          <a:lstStyle/>
-          <a:p>
-            <a:r>
-              <a:rPr lang="en-US" smtClean="0"/>
-              <a:t>26. September 2013</a:t>
-            </a:r>
-            <a:endParaRPr lang="de-CH" dirty="0"/>
-          </a:p>
-        </p:txBody>
-      </p:sp>
-      <p:sp>
-        <p:nvSpPr>
-          <p:cNvPr id="8" name="Slide Number Placeholder 7"/>
-          <p:cNvSpPr>
-            <a:spLocks noGrp="1"/>
-          </p:cNvSpPr>
-          <p:nvPr>
-            <p:ph type="sldNum" sz="quarter" idx="12"/>
-          </p:nvPr>
-        </p:nvSpPr>
-        <p:spPr/>
-        <p:txBody>
-          <a:bodyPr/>
-          <a:lstStyle/>
-          <a:p>
-            <a:r>
-              <a:rPr lang="de-CH" smtClean="0"/>
-              <a:t>Slide </a:t>
-            </a:r>
-            <a:fld id="{1D5806BE-2718-41FB-A745-CE8DD23874EE}" type="slidenum">
-              <a:rPr lang="de-CH" smtClean="0"/>
-              <a:t>6</a:t>
-            </a:fld>
-            <a:endParaRPr lang="de-CH" dirty="0"/>
-          </a:p>
-        </p:txBody>
-      </p:sp>
-      <p:sp>
-        <p:nvSpPr>
-          <p:cNvPr id="12" name="Rectangle 11"/>
-          <p:cNvSpPr/>
-          <p:nvPr/>
-        </p:nvSpPr>
-        <p:spPr>
-          <a:xfrm rot="19911849">
-            <a:off x="3195368" y="3196500"/>
-            <a:ext cx="2611612" cy="923330"/>
-          </a:xfrm>
-          <a:prstGeom prst="rect">
-            <a:avLst/>
-          </a:prstGeom>
-          <a:noFill/>
-        </p:spPr>
-        <p:txBody>
-          <a:bodyPr wrap="none" lIns="91440" tIns="45720" rIns="91440" bIns="45720">
-            <a:spAutoFit/>
-          </a:bodyPr>
-          <a:lstStyle/>
-          <a:p>
-            <a:pPr algn="ctr"/>
-            <a:r>
-              <a:rPr lang="en-US" sz="5400" b="1" cap="none" spc="300" dirty="0" smtClean="0">
-                <a:ln w="11430" cmpd="sng">
-                  <a:solidFill>
-                    <a:schemeClr val="accent1">
-                      <a:tint val="10000"/>
-                    </a:schemeClr>
-                  </a:solidFill>
-                  <a:prstDash val="solid"/>
-                  <a:miter lim="800000"/>
-                </a:ln>
-                <a:gradFill>
-                  <a:gsLst>
-                    <a:gs pos="10000">
-                      <a:schemeClr val="accent1">
-                        <a:tint val="83000"/>
-                        <a:shade val="100000"/>
-                        <a:satMod val="200000"/>
-                      </a:schemeClr>
-                    </a:gs>
-                    <a:gs pos="75000">
-                      <a:schemeClr val="accent1">
-                        <a:tint val="100000"/>
-                        <a:shade val="50000"/>
-                        <a:satMod val="150000"/>
-                      </a:schemeClr>
-                    </a:gs>
-                  </a:gsLst>
-                  <a:lin ang="5400000"/>
-                </a:gradFill>
-                <a:effectLst>
-                  <a:glow rad="45500">
-                    <a:schemeClr val="accent1">
-                      <a:satMod val="220000"/>
-                      <a:alpha val="35000"/>
-                    </a:schemeClr>
-                  </a:glow>
-                </a:effectLst>
-              </a:rPr>
-              <a:t>Update!</a:t>
-            </a:r>
-            <a:endParaRPr lang="en-US" sz="5400" b="1" cap="none" spc="300" dirty="0">
-              <a:ln w="11430" cmpd="sng">
-                <a:solidFill>
-                  <a:schemeClr val="accent1">
-                    <a:tint val="10000"/>
-                  </a:schemeClr>
-                </a:solidFill>
-                <a:prstDash val="solid"/>
-                <a:miter lim="800000"/>
-              </a:ln>
-              <a:gradFill>
-                <a:gsLst>
-                  <a:gs pos="10000">
-                    <a:schemeClr val="accent1">
-                      <a:tint val="83000"/>
-                      <a:shade val="100000"/>
-                      <a:satMod val="200000"/>
-                    </a:schemeClr>
-                  </a:gs>
-                  <a:gs pos="75000">
-                    <a:schemeClr val="accent1">
-                      <a:tint val="100000"/>
-                      <a:shade val="50000"/>
-                      <a:satMod val="150000"/>
-                    </a:schemeClr>
-                  </a:gs>
-                </a:gsLst>
-                <a:lin ang="5400000"/>
-              </a:gradFill>
-              <a:effectLst>
-                <a:glow rad="45500">
-                  <a:schemeClr val="accent1">
-                    <a:satMod val="220000"/>
-                    <a:alpha val="35000"/>
-                  </a:schemeClr>
-                </a:glow>
-              </a:effectLst>
-            </a:endParaRPr>
-          </a:p>
-        </p:txBody>
-      </p:sp>
-    </p:spTree>
-    <p:extLst>
-      <p:ext uri="{BB962C8B-B14F-4D97-AF65-F5344CB8AC3E}">
-        <p14:creationId xmlns:p14="http://schemas.microsoft.com/office/powerpoint/2010/main" val="248274490"/>
-      </p:ext>
-    </p:extLst>
-  </p:cSld>
-  <p:clrMapOvr>
-    <a:masterClrMapping/>
-  </p:clrMapOvr>
-  <p:timing>
-    <p:tnLst>
-      <p:par>
-        <p:cTn id="1" dur="indefinite" restart="never" nodeType="tmRoot"/>
-      </p:par>
-    </p:tnLst>
-  </p:timing>
-</p:sld>
-</file>
-
-<file path=ppt/slides/slide7.xml><?xml version="1.0" encoding="utf-8"?>
-<p:sld xmlns:a="http://schemas.openxmlformats.org/drawingml/2006/main" xmlns:r="http://schemas.openxmlformats.org/officeDocument/2006/relationships" xmlns:p="http://schemas.openxmlformats.org/presentationml/2006/main">
-  <p:cSld>
-    <p:spTree>
-      <p:nvGrpSpPr>
-        <p:cNvPr id="1" name=""/>
-        <p:cNvGrpSpPr/>
-        <p:nvPr/>
-      </p:nvGrpSpPr>
-      <p:grpSpPr>
-        <a:xfrm>
-          <a:off x="0" y="0"/>
-          <a:ext cx="0" cy="0"/>
-          <a:chOff x="0" y="0"/>
-          <a:chExt cx="0" cy="0"/>
-        </a:xfrm>
-      </p:grpSpPr>
-      <p:sp>
-        <p:nvSpPr>
-          <p:cNvPr id="3" name="Titel 2"/>
-          <p:cNvSpPr>
-            <a:spLocks noGrp="1"/>
-          </p:cNvSpPr>
-          <p:nvPr>
-            <p:ph type="title"/>
-          </p:nvPr>
-        </p:nvSpPr>
-        <p:spPr>
-          <a:noFill/>
-        </p:spPr>
-        <p:txBody>
-          <a:bodyPr/>
-          <a:lstStyle/>
-          <a:p>
-            <a:pPr eaLnBrk="1" hangingPunct="1">
-              <a:defRPr/>
-            </a:pPr>
-            <a:r>
-              <a:rPr lang="en-US" dirty="0" smtClean="0"/>
-              <a:t>Web, hybrid or native?</a:t>
             </a:r>
             <a:endParaRPr lang="en-US" dirty="0"/>
           </a:p>
@@ -13899,7 +14530,7 @@
           <a:p>
             <a:r>
               <a:rPr lang="en-US" smtClean="0"/>
-              <a:t>Cross-platform mobile development | Ursin Brunner, Stefan Schöb, Oliver Brack</a:t>
+              <a:t>Cross-platform Mobile Development | Ursin Brunner, Stefan Schöb, Oliver Brack</a:t>
             </a:r>
             <a:endParaRPr lang="en-US" dirty="0"/>
           </a:p>
@@ -13907,7 +14538,183 @@
       </p:sp>
       <p:sp>
         <p:nvSpPr>
-          <p:cNvPr id="8" name="Date Placeholder 7"/>
+          <p:cNvPr id="11" name="Rounded Rectangular Callout 10"/>
+          <p:cNvSpPr/>
+          <p:nvPr/>
+        </p:nvSpPr>
+        <p:spPr>
+          <a:xfrm>
+            <a:off x="1577862" y="1076463"/>
+            <a:ext cx="1853514" cy="570312"/>
+          </a:xfrm>
+          <a:prstGeom prst="wedgeRoundRectCallout">
+            <a:avLst>
+              <a:gd name="adj1" fmla="val 47294"/>
+              <a:gd name="adj2" fmla="val 93039"/>
+              <a:gd name="adj3" fmla="val 16667"/>
+            </a:avLst>
+          </a:prstGeom>
+          <a:ln/>
+        </p:spPr>
+        <p:style>
+          <a:lnRef idx="0">
+            <a:schemeClr val="accent2"/>
+          </a:lnRef>
+          <a:fillRef idx="3">
+            <a:schemeClr val="accent2"/>
+          </a:fillRef>
+          <a:effectRef idx="3">
+            <a:schemeClr val="accent2"/>
+          </a:effectRef>
+          <a:fontRef idx="minor">
+            <a:schemeClr val="lt1"/>
+          </a:fontRef>
+        </p:style>
+        <p:txBody>
+          <a:bodyPr rtlCol="0" anchor="ctr"/>
+          <a:lstStyle/>
+          <a:p>
+            <a:pPr algn="ctr"/>
+            <a:r>
+              <a:rPr lang="en-US" sz="2200" dirty="0" err="1" smtClean="0">
+                <a:solidFill>
+                  <a:schemeClr val="tx1"/>
+                </a:solidFill>
+                <a:latin typeface="AA Zuehlke" pitchFamily="2" charset="0"/>
+              </a:rPr>
+              <a:t>jQuery</a:t>
+            </a:r>
+            <a:r>
+              <a:rPr lang="en-US" sz="2200" dirty="0" smtClean="0">
+                <a:solidFill>
+                  <a:schemeClr val="tx1"/>
+                </a:solidFill>
+                <a:latin typeface="AA Zuehlke" pitchFamily="2" charset="0"/>
+              </a:rPr>
+              <a:t> Mobile</a:t>
+            </a:r>
+            <a:endParaRPr lang="en-US" sz="2200" dirty="0" smtClean="0">
+              <a:solidFill>
+                <a:schemeClr val="tx1"/>
+              </a:solidFill>
+              <a:latin typeface="AA Zuehlke" pitchFamily="2" charset="0"/>
+            </a:endParaRPr>
+          </a:p>
+        </p:txBody>
+      </p:sp>
+      <p:sp>
+        <p:nvSpPr>
+          <p:cNvPr id="12" name="Rounded Rectangular Callout 11"/>
+          <p:cNvSpPr/>
+          <p:nvPr/>
+        </p:nvSpPr>
+        <p:spPr>
+          <a:xfrm>
+            <a:off x="3502665" y="1076463"/>
+            <a:ext cx="1568358" cy="570312"/>
+          </a:xfrm>
+          <a:prstGeom prst="wedgeRoundRectCallout">
+            <a:avLst>
+              <a:gd name="adj1" fmla="val 38324"/>
+              <a:gd name="adj2" fmla="val 91131"/>
+              <a:gd name="adj3" fmla="val 16667"/>
+            </a:avLst>
+          </a:prstGeom>
+          <a:ln/>
+        </p:spPr>
+        <p:style>
+          <a:lnRef idx="0">
+            <a:schemeClr val="accent2"/>
+          </a:lnRef>
+          <a:fillRef idx="3">
+            <a:schemeClr val="accent2"/>
+          </a:fillRef>
+          <a:effectRef idx="3">
+            <a:schemeClr val="accent2"/>
+          </a:effectRef>
+          <a:fontRef idx="minor">
+            <a:schemeClr val="lt1"/>
+          </a:fontRef>
+        </p:style>
+        <p:txBody>
+          <a:bodyPr rtlCol="0" anchor="ctr"/>
+          <a:lstStyle/>
+          <a:p>
+            <a:pPr algn="ctr"/>
+            <a:r>
+              <a:rPr lang="en-US" sz="2200" dirty="0" err="1" smtClean="0">
+                <a:solidFill>
+                  <a:schemeClr val="tx1"/>
+                </a:solidFill>
+                <a:latin typeface="AA Zuehlke" pitchFamily="2" charset="0"/>
+              </a:rPr>
+              <a:t>PhoneGap</a:t>
+            </a:r>
+            <a:endParaRPr lang="en-US" sz="2200" dirty="0" smtClean="0">
+              <a:solidFill>
+                <a:schemeClr val="tx1"/>
+              </a:solidFill>
+              <a:latin typeface="AA Zuehlke" pitchFamily="2" charset="0"/>
+            </a:endParaRPr>
+          </a:p>
+        </p:txBody>
+      </p:sp>
+      <p:sp>
+        <p:nvSpPr>
+          <p:cNvPr id="13" name="Rounded Rectangle 12"/>
+          <p:cNvSpPr/>
+          <p:nvPr/>
+        </p:nvSpPr>
+        <p:spPr>
+          <a:xfrm>
+            <a:off x="5642558" y="1361619"/>
+            <a:ext cx="1353268" cy="356445"/>
+          </a:xfrm>
+          <a:prstGeom prst="roundRect">
+            <a:avLst/>
+          </a:prstGeom>
+          <a:ln/>
+        </p:spPr>
+        <p:style>
+          <a:lnRef idx="0">
+            <a:schemeClr val="accent2"/>
+          </a:lnRef>
+          <a:fillRef idx="3">
+            <a:schemeClr val="accent2"/>
+          </a:fillRef>
+          <a:effectRef idx="3">
+            <a:schemeClr val="accent2"/>
+          </a:effectRef>
+          <a:fontRef idx="minor">
+            <a:schemeClr val="lt1"/>
+          </a:fontRef>
+        </p:style>
+        <p:txBody>
+          <a:bodyPr rtlCol="0" anchor="ctr"/>
+          <a:lstStyle/>
+          <a:p>
+            <a:pPr algn="ctr"/>
+            <a:r>
+              <a:rPr lang="en-US" sz="2200" dirty="0" err="1" smtClean="0">
+                <a:solidFill>
+                  <a:schemeClr val="tx1"/>
+                </a:solidFill>
+                <a:latin typeface="AA Zuehlke" pitchFamily="2" charset="0"/>
+              </a:rPr>
+              <a:t>Xamarin</a:t>
+            </a:r>
+            <a:endParaRPr lang="en-US" sz="2200" dirty="0" smtClean="0">
+              <a:solidFill>
+                <a:schemeClr val="tx1"/>
+              </a:solidFill>
+              <a:latin typeface="AA Zuehlke" pitchFamily="2" charset="0"/>
+            </a:endParaRPr>
+          </a:p>
+        </p:txBody>
+      </p:sp>
+      <p:sp>
+        <p:nvSpPr>
+          <p:cNvPr id="14" name="Date Placeholder 13"/>
           <p:cNvSpPr>
             <a:spLocks noGrp="1"/>
           </p:cNvSpPr>
@@ -13930,7 +14737,7 @@
       </p:sp>
       <p:sp>
         <p:nvSpPr>
-          <p:cNvPr id="9" name="Slide Number Placeholder 8"/>
+          <p:cNvPr id="15" name="Slide Number Placeholder 14"/>
           <p:cNvSpPr>
             <a:spLocks noGrp="1"/>
           </p:cNvSpPr>
@@ -13947,9 +14754,9 @@
               <a:rPr lang="de-CH" smtClean="0"/>
               <a:t>Slide </a:t>
             </a:r>
-            <a:fld id="{A6783B62-22FD-4694-A4BD-4428E51FDB20}" type="slidenum">
+            <a:fld id="{CA597A14-2431-4C44-A1B1-69C3F17E0917}" type="slidenum">
               <a:rPr lang="de-CH" smtClean="0"/>
-              <a:t>7</a:t>
+              <a:t>4</a:t>
             </a:fld>
             <a:endParaRPr lang="de-CH" dirty="0"/>
           </a:p>
@@ -13968,14 +14775,192 @@
   <p:timing>
     <p:tnLst>
       <p:par>
-        <p:cTn id="1" dur="indefinite" restart="never" nodeType="tmRoot"/>
+        <p:cTn id="1" dur="indefinite" restart="never" nodeType="tmRoot">
+          <p:childTnLst>
+            <p:seq concurrent="1" nextAc="seek">
+              <p:cTn id="2" dur="indefinite" nodeType="mainSeq">
+                <p:childTnLst>
+                  <p:par>
+                    <p:cTn id="3" fill="hold">
+                      <p:stCondLst>
+                        <p:cond delay="indefinite"/>
+                      </p:stCondLst>
+                      <p:childTnLst>
+                        <p:par>
+                          <p:cTn id="4" fill="hold">
+                            <p:stCondLst>
+                              <p:cond delay="0"/>
+                            </p:stCondLst>
+                            <p:childTnLst>
+                              <p:par>
+                                <p:cTn id="5" presetID="10" presetClass="entr" presetSubtype="0" fill="hold" grpId="0" nodeType="clickEffect">
+                                  <p:stCondLst>
+                                    <p:cond delay="0"/>
+                                  </p:stCondLst>
+                                  <p:childTnLst>
+                                    <p:set>
+                                      <p:cBhvr>
+                                        <p:cTn id="6" dur="1" fill="hold">
+                                          <p:stCondLst>
+                                            <p:cond delay="0"/>
+                                          </p:stCondLst>
+                                        </p:cTn>
+                                        <p:tgtEl>
+                                          <p:spTgt spid="11"/>
+                                        </p:tgtEl>
+                                        <p:attrNameLst>
+                                          <p:attrName>style.visibility</p:attrName>
+                                        </p:attrNameLst>
+                                      </p:cBhvr>
+                                      <p:to>
+                                        <p:strVal val="visible"/>
+                                      </p:to>
+                                    </p:set>
+                                    <p:animEffect transition="in" filter="fade">
+                                      <p:cBhvr>
+                                        <p:cTn id="7" dur="500"/>
+                                        <p:tgtEl>
+                                          <p:spTgt spid="11"/>
+                                        </p:tgtEl>
+                                      </p:cBhvr>
+                                    </p:animEffect>
+                                  </p:childTnLst>
+                                </p:cTn>
+                              </p:par>
+                            </p:childTnLst>
+                          </p:cTn>
+                        </p:par>
+                        <p:par>
+                          <p:cTn id="8" fill="hold">
+                            <p:stCondLst>
+                              <p:cond delay="500"/>
+                            </p:stCondLst>
+                            <p:childTnLst>
+                              <p:par>
+                                <p:cTn id="9" presetID="10" presetClass="entr" presetSubtype="0" fill="hold" grpId="0" nodeType="afterEffect">
+                                  <p:stCondLst>
+                                    <p:cond delay="0"/>
+                                  </p:stCondLst>
+                                  <p:childTnLst>
+                                    <p:set>
+                                      <p:cBhvr>
+                                        <p:cTn id="10" dur="1" fill="hold">
+                                          <p:stCondLst>
+                                            <p:cond delay="0"/>
+                                          </p:stCondLst>
+                                        </p:cTn>
+                                        <p:tgtEl>
+                                          <p:spTgt spid="12"/>
+                                        </p:tgtEl>
+                                        <p:attrNameLst>
+                                          <p:attrName>style.visibility</p:attrName>
+                                        </p:attrNameLst>
+                                      </p:cBhvr>
+                                      <p:to>
+                                        <p:strVal val="visible"/>
+                                      </p:to>
+                                    </p:set>
+                                    <p:animEffect transition="in" filter="fade">
+                                      <p:cBhvr>
+                                        <p:cTn id="11" dur="500"/>
+                                        <p:tgtEl>
+                                          <p:spTgt spid="12"/>
+                                        </p:tgtEl>
+                                      </p:cBhvr>
+                                    </p:animEffect>
+                                  </p:childTnLst>
+                                </p:cTn>
+                              </p:par>
+                            </p:childTnLst>
+                          </p:cTn>
+                        </p:par>
+                      </p:childTnLst>
+                    </p:cTn>
+                  </p:par>
+                  <p:par>
+                    <p:cTn id="12" fill="hold">
+                      <p:stCondLst>
+                        <p:cond delay="indefinite"/>
+                      </p:stCondLst>
+                      <p:childTnLst>
+                        <p:par>
+                          <p:cTn id="13" fill="hold">
+                            <p:stCondLst>
+                              <p:cond delay="0"/>
+                            </p:stCondLst>
+                            <p:childTnLst>
+                              <p:par>
+                                <p:cTn id="14" presetID="10" presetClass="entr" presetSubtype="0" fill="hold" grpId="0" nodeType="clickEffect">
+                                  <p:stCondLst>
+                                    <p:cond delay="0"/>
+                                  </p:stCondLst>
+                                  <p:childTnLst>
+                                    <p:set>
+                                      <p:cBhvr>
+                                        <p:cTn id="15" dur="1" fill="hold">
+                                          <p:stCondLst>
+                                            <p:cond delay="0"/>
+                                          </p:stCondLst>
+                                        </p:cTn>
+                                        <p:tgtEl>
+                                          <p:spTgt spid="13"/>
+                                        </p:tgtEl>
+                                        <p:attrNameLst>
+                                          <p:attrName>style.visibility</p:attrName>
+                                        </p:attrNameLst>
+                                      </p:cBhvr>
+                                      <p:to>
+                                        <p:strVal val="visible"/>
+                                      </p:to>
+                                    </p:set>
+                                    <p:animEffect transition="in" filter="fade">
+                                      <p:cBhvr>
+                                        <p:cTn id="16" dur="500"/>
+                                        <p:tgtEl>
+                                          <p:spTgt spid="13"/>
+                                        </p:tgtEl>
+                                      </p:cBhvr>
+                                    </p:animEffect>
+                                  </p:childTnLst>
+                                </p:cTn>
+                              </p:par>
+                            </p:childTnLst>
+                          </p:cTn>
+                        </p:par>
+                      </p:childTnLst>
+                    </p:cTn>
+                  </p:par>
+                </p:childTnLst>
+              </p:cTn>
+              <p:prevCondLst>
+                <p:cond evt="onPrev" delay="0">
+                  <p:tgtEl>
+                    <p:sldTgt/>
+                  </p:tgtEl>
+                </p:cond>
+              </p:prevCondLst>
+              <p:nextCondLst>
+                <p:cond evt="onNext" delay="0">
+                  <p:tgtEl>
+                    <p:sldTgt/>
+                  </p:tgtEl>
+                </p:cond>
+              </p:nextCondLst>
+            </p:seq>
+          </p:childTnLst>
+        </p:cTn>
       </p:par>
     </p:tnLst>
+    <p:bldLst>
+      <p:bldP spid="11" grpId="0" animBg="1"/>
+      <p:bldP spid="12" grpId="0" animBg="1"/>
+      <p:bldP spid="13" grpId="0" animBg="1"/>
+    </p:bldLst>
   </p:timing>
 </p:sld>
 </file>
 
-<file path=ppt/slides/slide8.xml><?xml version="1.0" encoding="utf-8"?>
+<file path=ppt/slides/slide5.xml><?xml version="1.0" encoding="utf-8"?>
 <p:sld xmlns:a="http://schemas.openxmlformats.org/drawingml/2006/main" xmlns:r="http://schemas.openxmlformats.org/officeDocument/2006/relationships" xmlns:p="http://schemas.openxmlformats.org/presentationml/2006/main">
   <p:cSld>
     <p:spTree>
@@ -15315,7 +16300,6 @@
               <a:rPr lang="en-US" sz="1000" dirty="0" smtClean="0"/>
               <a:t> (Microsoft), 2012</a:t>
             </a:r>
-            <a:endParaRPr lang="en-US" sz="1000" dirty="0" smtClean="0"/>
           </a:p>
         </p:txBody>
       </p:sp>
@@ -15336,7 +16320,7 @@
           <a:p>
             <a:r>
               <a:rPr lang="en-US" smtClean="0"/>
-              <a:t>Cross-platform mobile development | Ursin Brunner, Stefan Schöb, Oliver Brack</a:t>
+              <a:t>Cross-platform Mobile Development | Ursin Brunner, Stefan Schöb, Oliver Brack</a:t>
             </a:r>
             <a:endParaRPr lang="en-US" dirty="0"/>
           </a:p>
@@ -15344,7 +16328,7 @@
       </p:sp>
       <p:sp>
         <p:nvSpPr>
-          <p:cNvPr id="7" name="Date Placeholder 6"/>
+          <p:cNvPr id="11" name="Date Placeholder 10"/>
           <p:cNvSpPr>
             <a:spLocks noGrp="1"/>
           </p:cNvSpPr>
@@ -15367,7 +16351,7 @@
       </p:sp>
       <p:sp>
         <p:nvSpPr>
-          <p:cNvPr id="10" name="Slide Number Placeholder 9"/>
+          <p:cNvPr id="13" name="Slide Number Placeholder 12"/>
           <p:cNvSpPr>
             <a:spLocks noGrp="1"/>
           </p:cNvSpPr>
@@ -15384,9 +16368,9 @@
               <a:rPr lang="de-CH" smtClean="0"/>
               <a:t>Slide </a:t>
             </a:r>
-            <a:fld id="{B4B85FA4-8FCD-4698-B1D0-D89302EBB555}" type="slidenum">
+            <a:fld id="{6F5FC07B-321F-4620-B48B-547CEFA566A0}" type="slidenum">
               <a:rPr lang="de-CH" smtClean="0"/>
-              <a:t>8</a:t>
+              <a:t>5</a:t>
             </a:fld>
             <a:endParaRPr lang="de-CH" dirty="0"/>
           </a:p>
@@ -15599,7 +16583,7 @@
 </p:sld>
 </file>
 
-<file path=ppt/slides/slide9.xml><?xml version="1.0" encoding="utf-8"?>
+<file path=ppt/slides/slide6.xml><?xml version="1.0" encoding="utf-8"?>
 <p:sld xmlns:a="http://schemas.openxmlformats.org/drawingml/2006/main" xmlns:r="http://schemas.openxmlformats.org/officeDocument/2006/relationships" xmlns:p="http://schemas.openxmlformats.org/presentationml/2006/main">
   <p:cSld>
     <p:spTree>
@@ -15715,7 +16699,15 @@
             </a:pPr>
             <a:r>
               <a:rPr lang="en-US" dirty="0" smtClean="0"/>
-              <a:t>Code sharing using</a:t>
+              <a:t>Code </a:t>
+            </a:r>
+            <a:r>
+              <a:rPr lang="en-US" dirty="0" smtClean="0"/>
+              <a:t>Sharing Using</a:t>
+            </a:r>
+            <a:r>
+              <a:rPr lang="en-US" dirty="0" smtClean="0"/>
+              <a:t/>
             </a:r>
             <a:br>
               <a:rPr lang="en-US" dirty="0" smtClean="0"/>
@@ -16271,59 +17263,9 @@
           <a:p>
             <a:r>
               <a:rPr lang="en-US" smtClean="0"/>
-              <a:t>Cross-platform mobile development | Ursin Brunner, Stefan Schöb, Oliver Brack</a:t>
+              <a:t>Cross-platform Mobile Development | Ursin Brunner, Stefan Schöb, Oliver Brack</a:t>
             </a:r>
             <a:endParaRPr lang="en-US" dirty="0"/>
-          </a:p>
-        </p:txBody>
-      </p:sp>
-      <p:sp>
-        <p:nvSpPr>
-          <p:cNvPr id="5" name="Date Placeholder 4"/>
-          <p:cNvSpPr>
-            <a:spLocks noGrp="1"/>
-          </p:cNvSpPr>
-          <p:nvPr>
-            <p:ph type="dt" sz="half" idx="10"/>
-          </p:nvPr>
-        </p:nvSpPr>
-        <p:spPr/>
-        <p:txBody>
-          <a:bodyPr/>
-          <a:lstStyle/>
-          <a:p>
-            <a:r>
-              <a:rPr lang="en-US" smtClean="0"/>
-              <a:t>26. September 2013</a:t>
-            </a:r>
-            <a:endParaRPr lang="de-CH" dirty="0"/>
-          </a:p>
-        </p:txBody>
-      </p:sp>
-      <p:sp>
-        <p:nvSpPr>
-          <p:cNvPr id="8" name="Slide Number Placeholder 7"/>
-          <p:cNvSpPr>
-            <a:spLocks noGrp="1"/>
-          </p:cNvSpPr>
-          <p:nvPr>
-            <p:ph type="sldNum" sz="quarter" idx="12"/>
-          </p:nvPr>
-        </p:nvSpPr>
-        <p:spPr/>
-        <p:txBody>
-          <a:bodyPr/>
-          <a:lstStyle/>
-          <a:p>
-            <a:r>
-              <a:rPr lang="de-CH" smtClean="0"/>
-              <a:t>Slide </a:t>
-            </a:r>
-            <a:fld id="{0C82C0D9-F107-44F9-972C-8854FA9B0A74}" type="slidenum">
-              <a:rPr lang="de-CH" smtClean="0"/>
-              <a:t>9</a:t>
-            </a:fld>
-            <a:endParaRPr lang="de-CH" dirty="0"/>
           </a:p>
         </p:txBody>
       </p:sp>
@@ -16399,9 +17341,6 @@
               </a:rPr>
               <a:t>HTTP</a:t>
             </a:r>
-            <a:endParaRPr lang="en-US" dirty="0" smtClean="0">
-              <a:latin typeface="AA Zuehlke" pitchFamily="2" charset="0"/>
-            </a:endParaRPr>
           </a:p>
         </p:txBody>
       </p:sp>
@@ -16670,9 +17609,6 @@
               </a:rPr>
               <a:t>HTTP</a:t>
             </a:r>
-            <a:endParaRPr lang="en-US" dirty="0" smtClean="0">
-              <a:latin typeface="AA Zuehlke" pitchFamily="2" charset="0"/>
-            </a:endParaRPr>
           </a:p>
         </p:txBody>
       </p:sp>
@@ -17054,6 +17990,56 @@
                 <a:srgbClr val="000000"/>
               </a:solidFill>
             </a:endParaRPr>
+          </a:p>
+        </p:txBody>
+      </p:sp>
+      <p:sp>
+        <p:nvSpPr>
+          <p:cNvPr id="7" name="Date Placeholder 6"/>
+          <p:cNvSpPr>
+            <a:spLocks noGrp="1"/>
+          </p:cNvSpPr>
+          <p:nvPr>
+            <p:ph type="dt" sz="half" idx="10"/>
+          </p:nvPr>
+        </p:nvSpPr>
+        <p:spPr/>
+        <p:txBody>
+          <a:bodyPr/>
+          <a:lstStyle/>
+          <a:p>
+            <a:r>
+              <a:rPr lang="en-US" smtClean="0"/>
+              <a:t>26. September 2013</a:t>
+            </a:r>
+            <a:endParaRPr lang="de-CH" dirty="0"/>
+          </a:p>
+        </p:txBody>
+      </p:sp>
+      <p:sp>
+        <p:nvSpPr>
+          <p:cNvPr id="9" name="Slide Number Placeholder 8"/>
+          <p:cNvSpPr>
+            <a:spLocks noGrp="1"/>
+          </p:cNvSpPr>
+          <p:nvPr>
+            <p:ph type="sldNum" sz="quarter" idx="12"/>
+          </p:nvPr>
+        </p:nvSpPr>
+        <p:spPr/>
+        <p:txBody>
+          <a:bodyPr/>
+          <a:lstStyle/>
+          <a:p>
+            <a:r>
+              <a:rPr lang="de-CH" smtClean="0"/>
+              <a:t>Slide </a:t>
+            </a:r>
+            <a:fld id="{03199D14-6B2D-4480-8764-E684327558A3}" type="slidenum">
+              <a:rPr lang="de-CH" smtClean="0"/>
+              <a:t>6</a:t>
+            </a:fld>
+            <a:endParaRPr lang="de-CH" dirty="0"/>
           </a:p>
         </p:txBody>
       </p:sp>
@@ -17624,11 +18610,1438 @@
 </p:sld>
 </file>
 
+<file path=ppt/slides/slide7.xml><?xml version="1.0" encoding="utf-8"?>
+<p:sld xmlns:a="http://schemas.openxmlformats.org/drawingml/2006/main" xmlns:r="http://schemas.openxmlformats.org/officeDocument/2006/relationships" xmlns:p="http://schemas.openxmlformats.org/presentationml/2006/main">
+  <p:cSld>
+    <p:spTree>
+      <p:nvGrpSpPr>
+        <p:cNvPr id="1" name=""/>
+        <p:cNvGrpSpPr/>
+        <p:nvPr/>
+      </p:nvGrpSpPr>
+      <p:grpSpPr>
+        <a:xfrm>
+          <a:off x="0" y="0"/>
+          <a:ext cx="0" cy="0"/>
+          <a:chOff x="0" y="0"/>
+          <a:chExt cx="0" cy="0"/>
+        </a:xfrm>
+      </p:grpSpPr>
+      <p:sp>
+        <p:nvSpPr>
+          <p:cNvPr id="21" name="Rectangle 20"/>
+          <p:cNvSpPr/>
+          <p:nvPr/>
+        </p:nvSpPr>
+        <p:spPr>
+          <a:xfrm>
+            <a:off x="0" y="0"/>
+            <a:ext cx="9144000" cy="1524000"/>
+          </a:xfrm>
+          <a:prstGeom prst="rect">
+            <a:avLst/>
+          </a:prstGeom>
+          <a:solidFill>
+            <a:srgbClr val="FF820A"/>
+          </a:solidFill>
+          <a:ln w="12700">
+            <a:noFill/>
+          </a:ln>
+        </p:spPr>
+        <p:style>
+          <a:lnRef idx="2">
+            <a:schemeClr val="accent1">
+              <a:shade val="50000"/>
+            </a:schemeClr>
+          </a:lnRef>
+          <a:fillRef idx="1">
+            <a:schemeClr val="accent1"/>
+          </a:fillRef>
+          <a:effectRef idx="0">
+            <a:schemeClr val="accent1"/>
+          </a:effectRef>
+          <a:fontRef idx="minor">
+            <a:schemeClr val="lt1"/>
+          </a:fontRef>
+        </p:style>
+        <p:txBody>
+          <a:bodyPr rtlCol="0" anchor="ctr"/>
+          <a:lstStyle/>
+          <a:p>
+            <a:pPr algn="ctr"/>
+            <a:endParaRPr lang="en-US" sz="2200" dirty="0" err="1" smtClean="0">
+              <a:latin typeface="AA Zuehlke" pitchFamily="2" charset="0"/>
+            </a:endParaRPr>
+          </a:p>
+        </p:txBody>
+      </p:sp>
+      <p:sp>
+        <p:nvSpPr>
+          <p:cNvPr id="3" name="Titel 2"/>
+          <p:cNvSpPr>
+            <a:spLocks noGrp="1"/>
+          </p:cNvSpPr>
+          <p:nvPr>
+            <p:ph type="title"/>
+          </p:nvPr>
+        </p:nvSpPr>
+        <p:spPr/>
+        <p:txBody>
+          <a:bodyPr/>
+          <a:lstStyle/>
+          <a:p>
+            <a:pPr eaLnBrk="1" hangingPunct="1">
+              <a:defRPr/>
+            </a:pPr>
+            <a:r>
+              <a:rPr lang="en-US" dirty="0" smtClean="0">
+                <a:solidFill>
+                  <a:schemeClr val="bg1"/>
+                </a:solidFill>
+              </a:rPr>
+              <a:t>Initial </a:t>
+            </a:r>
+            <a:r>
+              <a:rPr lang="en-US" dirty="0" smtClean="0">
+                <a:solidFill>
+                  <a:schemeClr val="bg1"/>
+                </a:solidFill>
+              </a:rPr>
+              <a:t>Position</a:t>
+            </a:r>
+            <a:endParaRPr lang="en-US" dirty="0">
+              <a:solidFill>
+                <a:schemeClr val="bg1"/>
+              </a:solidFill>
+            </a:endParaRPr>
+          </a:p>
+        </p:txBody>
+      </p:sp>
+      <p:sp>
+        <p:nvSpPr>
+          <p:cNvPr id="10242" name="Inhaltsplatzhalter 1"/>
+          <p:cNvSpPr>
+            <a:spLocks noGrp="1"/>
+          </p:cNvSpPr>
+          <p:nvPr>
+            <p:ph idx="1"/>
+          </p:nvPr>
+        </p:nvSpPr>
+        <p:spPr>
+          <a:noFill/>
+        </p:spPr>
+        <p:txBody>
+          <a:bodyPr/>
+          <a:lstStyle/>
+          <a:p>
+            <a:pPr lvl="1"/>
+            <a:r>
+              <a:rPr lang="en-US" dirty="0" smtClean="0"/>
+              <a:t>.NET development team (C#)</a:t>
+            </a:r>
+          </a:p>
+          <a:p>
+            <a:pPr lvl="1"/>
+            <a:r>
+              <a:rPr lang="en-US" dirty="0" smtClean="0"/>
+              <a:t>Customer database</a:t>
+            </a:r>
+          </a:p>
+          <a:p>
+            <a:pPr lvl="1"/>
+            <a:r>
+              <a:rPr lang="en-US" dirty="0" smtClean="0"/>
+              <a:t>Cloud service (Azure) providing a </a:t>
+            </a:r>
+            <a:r>
+              <a:rPr lang="en-US" dirty="0" err="1" smtClean="0"/>
+              <a:t>RESTful</a:t>
+            </a:r>
+            <a:r>
+              <a:rPr lang="en-US" dirty="0" smtClean="0"/>
+              <a:t> </a:t>
+            </a:r>
+            <a:r>
+              <a:rPr lang="en-US" dirty="0" smtClean="0"/>
+              <a:t>API</a:t>
+            </a:r>
+          </a:p>
+          <a:p>
+            <a:pPr lvl="1"/>
+            <a:r>
+              <a:rPr lang="en-US" dirty="0" smtClean="0">
+                <a:solidFill>
+                  <a:schemeClr val="accent1"/>
+                </a:solidFill>
+              </a:rPr>
+              <a:t>Business layer (.NET) for using </a:t>
+            </a:r>
+            <a:r>
+              <a:rPr lang="en-US" dirty="0" smtClean="0">
+                <a:solidFill>
+                  <a:schemeClr val="accent1"/>
+                </a:solidFill>
+              </a:rPr>
+              <a:t>services</a:t>
+            </a:r>
+            <a:br>
+              <a:rPr lang="en-US" dirty="0" smtClean="0">
+                <a:solidFill>
+                  <a:schemeClr val="accent1"/>
+                </a:solidFill>
+              </a:rPr>
+            </a:br>
+            <a:r>
+              <a:rPr lang="en-US" dirty="0" smtClean="0">
+                <a:solidFill>
+                  <a:schemeClr val="accent1"/>
+                </a:solidFill>
+              </a:rPr>
+              <a:t>as Portable Class Library (PCL)</a:t>
+            </a:r>
+            <a:endParaRPr lang="en-US" dirty="0" smtClean="0">
+              <a:solidFill>
+                <a:schemeClr val="accent1"/>
+              </a:solidFill>
+            </a:endParaRPr>
+          </a:p>
+        </p:txBody>
+      </p:sp>
+      <p:sp>
+        <p:nvSpPr>
+          <p:cNvPr id="11" name="Rectangle 10"/>
+          <p:cNvSpPr/>
+          <p:nvPr/>
+        </p:nvSpPr>
+        <p:spPr>
+          <a:xfrm>
+            <a:off x="459635" y="4190281"/>
+            <a:ext cx="4896544" cy="1825302"/>
+          </a:xfrm>
+          <a:prstGeom prst="rect">
+            <a:avLst/>
+          </a:prstGeom>
+          <a:ln w="28575">
+            <a:solidFill>
+              <a:schemeClr val="tx1"/>
+            </a:solidFill>
+          </a:ln>
+        </p:spPr>
+        <p:style>
+          <a:lnRef idx="2">
+            <a:schemeClr val="accent4"/>
+          </a:lnRef>
+          <a:fillRef idx="1">
+            <a:schemeClr val="lt1"/>
+          </a:fillRef>
+          <a:effectRef idx="0">
+            <a:schemeClr val="accent4"/>
+          </a:effectRef>
+          <a:fontRef idx="minor">
+            <a:schemeClr val="dk1"/>
+          </a:fontRef>
+        </p:style>
+        <p:txBody>
+          <a:bodyPr rtlCol="0" anchor="t"/>
+          <a:lstStyle/>
+          <a:p>
+            <a:pPr algn="ctr"/>
+            <a:endParaRPr lang="en-US" dirty="0">
+              <a:solidFill>
+                <a:schemeClr val="tx1"/>
+              </a:solidFill>
+            </a:endParaRPr>
+          </a:p>
+        </p:txBody>
+      </p:sp>
+      <p:sp>
+        <p:nvSpPr>
+          <p:cNvPr id="12" name="Cloud 11"/>
+          <p:cNvSpPr/>
+          <p:nvPr/>
+        </p:nvSpPr>
+        <p:spPr>
+          <a:xfrm>
+            <a:off x="5641335" y="3987863"/>
+            <a:ext cx="3371569" cy="2435275"/>
+          </a:xfrm>
+          <a:prstGeom prst="cloud">
+            <a:avLst/>
+          </a:prstGeom>
+          <a:solidFill>
+            <a:srgbClr val="EBF4FF"/>
+          </a:solidFill>
+          <a:ln>
+            <a:solidFill>
+              <a:srgbClr val="A5CDFE"/>
+            </a:solidFill>
+          </a:ln>
+        </p:spPr>
+        <p:style>
+          <a:lnRef idx="1">
+            <a:schemeClr val="accent1"/>
+          </a:lnRef>
+          <a:fillRef idx="2">
+            <a:schemeClr val="accent1"/>
+          </a:fillRef>
+          <a:effectRef idx="1">
+            <a:schemeClr val="accent1"/>
+          </a:effectRef>
+          <a:fontRef idx="minor">
+            <a:schemeClr val="dk1"/>
+          </a:fontRef>
+        </p:style>
+        <p:txBody>
+          <a:bodyPr rtlCol="0" anchor="t"/>
+          <a:lstStyle/>
+          <a:p>
+            <a:pPr algn="ctr"/>
+            <a:r>
+              <a:rPr lang="en-US" dirty="0" smtClean="0">
+                <a:solidFill>
+                  <a:schemeClr val="tx1"/>
+                </a:solidFill>
+              </a:rPr>
+              <a:t>Service (Azure)</a:t>
+            </a:r>
+            <a:endParaRPr lang="en-US" dirty="0">
+              <a:solidFill>
+                <a:schemeClr val="tx1"/>
+              </a:solidFill>
+            </a:endParaRPr>
+          </a:p>
+        </p:txBody>
+      </p:sp>
+      <p:cxnSp>
+        <p:nvCxnSpPr>
+          <p:cNvPr id="17" name="Straight Arrow Connector 16"/>
+          <p:cNvCxnSpPr>
+            <a:stCxn id="15" idx="3"/>
+          </p:cNvCxnSpPr>
+          <p:nvPr/>
+        </p:nvCxnSpPr>
+        <p:spPr>
+          <a:xfrm>
+            <a:off x="4952007" y="5134266"/>
+            <a:ext cx="1187479" cy="1"/>
+          </a:xfrm>
+          <a:prstGeom prst="straightConnector1">
+            <a:avLst/>
+          </a:prstGeom>
+          <a:ln w="25400">
+            <a:solidFill>
+              <a:schemeClr val="tx1"/>
+            </a:solidFill>
+            <a:prstDash val="sysDash"/>
+            <a:tailEnd type="arrow" w="lg" len="lg"/>
+          </a:ln>
+        </p:spPr>
+        <p:style>
+          <a:lnRef idx="1">
+            <a:schemeClr val="accent1"/>
+          </a:lnRef>
+          <a:fillRef idx="0">
+            <a:schemeClr val="accent1"/>
+          </a:fillRef>
+          <a:effectRef idx="0">
+            <a:schemeClr val="accent1"/>
+          </a:effectRef>
+          <a:fontRef idx="minor">
+            <a:schemeClr val="tx1"/>
+          </a:fontRef>
+        </p:style>
+      </p:cxnSp>
+      <p:sp>
+        <p:nvSpPr>
+          <p:cNvPr id="7" name="TextBox 6"/>
+          <p:cNvSpPr txBox="1"/>
+          <p:nvPr/>
+        </p:nvSpPr>
+        <p:spPr>
+          <a:xfrm>
+            <a:off x="2005596" y="4005615"/>
+            <a:ext cx="1907895" cy="369332"/>
+          </a:xfrm>
+          <a:prstGeom prst="rect">
+            <a:avLst/>
+          </a:prstGeom>
+          <a:solidFill>
+            <a:schemeClr val="bg1"/>
+          </a:solidFill>
+        </p:spPr>
+        <p:txBody>
+          <a:bodyPr wrap="none" rtlCol="0">
+            <a:spAutoFit/>
+          </a:bodyPr>
+          <a:lstStyle/>
+          <a:p>
+            <a:pPr algn="ctr"/>
+            <a:r>
+              <a:rPr lang="en-US" dirty="0" smtClean="0">
+                <a:latin typeface="+mj-lt"/>
+              </a:rPr>
+              <a:t>Zühlke Messenger</a:t>
+            </a:r>
+            <a:endParaRPr lang="en-US" dirty="0">
+              <a:latin typeface="+mj-lt"/>
+            </a:endParaRPr>
+          </a:p>
+        </p:txBody>
+      </p:sp>
+      <p:sp>
+        <p:nvSpPr>
+          <p:cNvPr id="4" name="TextBox 3"/>
+          <p:cNvSpPr txBox="1"/>
+          <p:nvPr/>
+        </p:nvSpPr>
+        <p:spPr>
+          <a:xfrm>
+            <a:off x="5071023" y="5153503"/>
+            <a:ext cx="553781" cy="276999"/>
+          </a:xfrm>
+          <a:prstGeom prst="rect">
+            <a:avLst/>
+          </a:prstGeom>
+          <a:solidFill>
+            <a:schemeClr val="bg1"/>
+          </a:solidFill>
+        </p:spPr>
+        <p:txBody>
+          <a:bodyPr wrap="square" lIns="0" tIns="0" rIns="0" bIns="0" rtlCol="0">
+            <a:spAutoFit/>
+          </a:bodyPr>
+          <a:lstStyle/>
+          <a:p>
+            <a:pPr algn="ctr"/>
+            <a:r>
+              <a:rPr lang="en-US" dirty="0" smtClean="0"/>
+              <a:t>HTTP</a:t>
+            </a:r>
+            <a:endParaRPr lang="en-US" dirty="0"/>
+          </a:p>
+        </p:txBody>
+      </p:sp>
+      <p:pic>
+        <p:nvPicPr>
+          <p:cNvPr id="18" name="Picture 4" descr="D:\Data\My Pictures\Icon Library\INCORS Vista Icon Library\v_collections_png\business_finance_data\128x128\shadow\data.png"/>
+          <p:cNvPicPr>
+            <a:picLocks noChangeAspect="1" noChangeArrowheads="1"/>
+          </p:cNvPicPr>
+          <p:nvPr/>
+        </p:nvPicPr>
+        <p:blipFill>
+          <a:blip r:embed="rId3">
+            <a:extLst>
+              <a:ext uri="{28A0092B-C50C-407E-A947-70E740481C1C}">
+                <a14:useLocalDpi xmlns:a14="http://schemas.microsoft.com/office/drawing/2010/main" val="0"/>
+              </a:ext>
+            </a:extLst>
+          </a:blip>
+          <a:srcRect/>
+          <a:stretch>
+            <a:fillRect/>
+          </a:stretch>
+        </p:blipFill>
+        <p:spPr bwMode="auto">
+          <a:xfrm>
+            <a:off x="6710670" y="4907332"/>
+            <a:ext cx="1219200" cy="1219201"/>
+          </a:xfrm>
+          <a:prstGeom prst="rect">
+            <a:avLst/>
+          </a:prstGeom>
+          <a:noFill/>
+          <a:extLst>
+            <a:ext uri="{909E8E84-426E-40DD-AFC4-6F175D3DCCD1}">
+              <a14:hiddenFill xmlns:a14="http://schemas.microsoft.com/office/drawing/2010/main">
+                <a:solidFill>
+                  <a:srgbClr val="FFFFFF"/>
+                </a:solidFill>
+              </a14:hiddenFill>
+            </a:ext>
+          </a:extLst>
+        </p:spPr>
+      </p:pic>
+      <p:sp>
+        <p:nvSpPr>
+          <p:cNvPr id="6" name="Footer Placeholder 5"/>
+          <p:cNvSpPr>
+            <a:spLocks noGrp="1"/>
+          </p:cNvSpPr>
+          <p:nvPr>
+            <p:ph type="ftr" sz="quarter" idx="11"/>
+          </p:nvPr>
+        </p:nvSpPr>
+        <p:spPr/>
+        <p:txBody>
+          <a:bodyPr/>
+          <a:lstStyle/>
+          <a:p>
+            <a:r>
+              <a:rPr lang="en-US" smtClean="0"/>
+              <a:t>Cross-platform Mobile Development | Ursin Brunner, Stefan Schöb, Oliver Brack</a:t>
+            </a:r>
+            <a:endParaRPr lang="en-US" dirty="0"/>
+          </a:p>
+        </p:txBody>
+      </p:sp>
+      <p:sp>
+        <p:nvSpPr>
+          <p:cNvPr id="10" name="Rectangle 9"/>
+          <p:cNvSpPr/>
+          <p:nvPr/>
+        </p:nvSpPr>
+        <p:spPr>
+          <a:xfrm>
+            <a:off x="571188" y="4374947"/>
+            <a:ext cx="2851560" cy="1537719"/>
+          </a:xfrm>
+          <a:prstGeom prst="rect">
+            <a:avLst/>
+          </a:prstGeom>
+          <a:ln/>
+        </p:spPr>
+        <p:style>
+          <a:lnRef idx="0">
+            <a:schemeClr val="accent1"/>
+          </a:lnRef>
+          <a:fillRef idx="3">
+            <a:schemeClr val="accent1"/>
+          </a:fillRef>
+          <a:effectRef idx="3">
+            <a:schemeClr val="accent1"/>
+          </a:effectRef>
+          <a:fontRef idx="minor">
+            <a:schemeClr val="lt1"/>
+          </a:fontRef>
+        </p:style>
+        <p:txBody>
+          <a:bodyPr rtlCol="0" anchor="ctr"/>
+          <a:lstStyle/>
+          <a:p>
+            <a:pPr algn="ctr"/>
+            <a:r>
+              <a:rPr lang="en-US" sz="9600" dirty="0" smtClean="0">
+                <a:latin typeface="AA Zuehlke" pitchFamily="2" charset="0"/>
+              </a:rPr>
+              <a:t>?</a:t>
+            </a:r>
+          </a:p>
+        </p:txBody>
+      </p:sp>
+      <p:sp>
+        <p:nvSpPr>
+          <p:cNvPr id="15" name="Rounded Rectangle 14"/>
+          <p:cNvSpPr/>
+          <p:nvPr/>
+        </p:nvSpPr>
+        <p:spPr>
+          <a:xfrm>
+            <a:off x="3195623" y="4707641"/>
+            <a:ext cx="1756384" cy="853250"/>
+          </a:xfrm>
+          <a:prstGeom prst="roundRect">
+            <a:avLst/>
+          </a:prstGeom>
+          <a:gradFill flip="none" rotWithShape="1">
+            <a:gsLst>
+              <a:gs pos="0">
+                <a:srgbClr val="A5CDFE">
+                  <a:shade val="30000"/>
+                  <a:satMod val="115000"/>
+                </a:srgbClr>
+              </a:gs>
+              <a:gs pos="50000">
+                <a:srgbClr val="A5CDFE">
+                  <a:shade val="67500"/>
+                  <a:satMod val="115000"/>
+                </a:srgbClr>
+              </a:gs>
+              <a:gs pos="100000">
+                <a:srgbClr val="A5CDFE">
+                  <a:shade val="100000"/>
+                  <a:satMod val="115000"/>
+                </a:srgbClr>
+              </a:gs>
+            </a:gsLst>
+            <a:lin ang="16200000" scaled="1"/>
+            <a:tileRect/>
+          </a:gradFill>
+          <a:ln/>
+        </p:spPr>
+        <p:style>
+          <a:lnRef idx="0">
+            <a:schemeClr val="accent1"/>
+          </a:lnRef>
+          <a:fillRef idx="3">
+            <a:schemeClr val="accent1"/>
+          </a:fillRef>
+          <a:effectRef idx="3">
+            <a:schemeClr val="accent1"/>
+          </a:effectRef>
+          <a:fontRef idx="minor">
+            <a:schemeClr val="lt1"/>
+          </a:fontRef>
+        </p:style>
+        <p:txBody>
+          <a:bodyPr rtlCol="0" anchor="ctr"/>
+          <a:lstStyle/>
+          <a:p>
+            <a:pPr algn="ctr"/>
+            <a:r>
+              <a:rPr lang="en-US" dirty="0" smtClean="0">
+                <a:solidFill>
+                  <a:schemeClr val="tx1"/>
+                </a:solidFill>
+              </a:rPr>
+              <a:t>Business layer (.NET)</a:t>
+            </a:r>
+            <a:endParaRPr lang="en-US" dirty="0">
+              <a:solidFill>
+                <a:schemeClr val="tx1"/>
+              </a:solidFill>
+            </a:endParaRPr>
+          </a:p>
+        </p:txBody>
+      </p:sp>
+      <p:pic>
+        <p:nvPicPr>
+          <p:cNvPr id="22" name="Logo" descr="C:\Users\Luc Benninger\Desktop\Zuehlke_Logo_rgb_300dpi.png"/>
+          <p:cNvPicPr>
+            <a:picLocks noChangeArrowheads="1"/>
+          </p:cNvPicPr>
+          <p:nvPr>
+            <p:custDataLst>
+              <p:tags r:id="rId1"/>
+            </p:custDataLst>
+          </p:nvPr>
+        </p:nvPicPr>
+        <p:blipFill>
+          <a:blip r:embed="rId4" cstate="print">
+            <a:extLst>
+              <a:ext uri="{28A0092B-C50C-407E-A947-70E740481C1C}">
+                <a14:useLocalDpi xmlns:a14="http://schemas.microsoft.com/office/drawing/2010/main" val="0"/>
+              </a:ext>
+            </a:extLst>
+          </a:blip>
+          <a:srcRect/>
+          <a:stretch>
+            <a:fillRect/>
+          </a:stretch>
+        </p:blipFill>
+        <p:spPr bwMode="auto">
+          <a:xfrm>
+            <a:off x="6567488" y="292100"/>
+            <a:ext cx="1141412" cy="1141412"/>
+          </a:xfrm>
+          <a:prstGeom prst="rect">
+            <a:avLst/>
+          </a:prstGeom>
+          <a:noFill/>
+          <a:extLst>
+            <a:ext uri="{909E8E84-426E-40DD-AFC4-6F175D3DCCD1}">
+              <a14:hiddenFill xmlns:a14="http://schemas.microsoft.com/office/drawing/2010/main">
+                <a:solidFill>
+                  <a:srgbClr val="FFFFFF"/>
+                </a:solidFill>
+              </a14:hiddenFill>
+            </a:ext>
+          </a:extLst>
+        </p:spPr>
+      </p:pic>
+      <p:sp>
+        <p:nvSpPr>
+          <p:cNvPr id="14" name="Date Placeholder 13"/>
+          <p:cNvSpPr>
+            <a:spLocks noGrp="1"/>
+          </p:cNvSpPr>
+          <p:nvPr>
+            <p:ph type="dt" sz="half" idx="10"/>
+          </p:nvPr>
+        </p:nvSpPr>
+        <p:spPr/>
+        <p:txBody>
+          <a:bodyPr/>
+          <a:lstStyle/>
+          <a:p>
+            <a:r>
+              <a:rPr lang="en-US" smtClean="0"/>
+              <a:t>26. September 2013</a:t>
+            </a:r>
+            <a:endParaRPr lang="de-CH" dirty="0"/>
+          </a:p>
+        </p:txBody>
+      </p:sp>
+      <p:sp>
+        <p:nvSpPr>
+          <p:cNvPr id="16" name="Slide Number Placeholder 15"/>
+          <p:cNvSpPr>
+            <a:spLocks noGrp="1"/>
+          </p:cNvSpPr>
+          <p:nvPr>
+            <p:ph type="sldNum" sz="quarter" idx="12"/>
+          </p:nvPr>
+        </p:nvSpPr>
+        <p:spPr/>
+        <p:txBody>
+          <a:bodyPr/>
+          <a:lstStyle/>
+          <a:p>
+            <a:r>
+              <a:rPr lang="de-CH" smtClean="0"/>
+              <a:t>Slide </a:t>
+            </a:r>
+            <a:fld id="{91046E96-5A14-484B-8244-65336C5D08B9}" type="slidenum">
+              <a:rPr lang="de-CH" smtClean="0"/>
+              <a:t>7</a:t>
+            </a:fld>
+            <a:endParaRPr lang="de-CH" dirty="0"/>
+          </a:p>
+        </p:txBody>
+      </p:sp>
+    </p:spTree>
+    <p:extLst>
+      <p:ext uri="{BB962C8B-B14F-4D97-AF65-F5344CB8AC3E}">
+        <p14:creationId xmlns:p14="http://schemas.microsoft.com/office/powerpoint/2010/main" val="1709105156"/>
+      </p:ext>
+    </p:extLst>
+  </p:cSld>
+  <p:clrMapOvr>
+    <a:masterClrMapping/>
+  </p:clrMapOvr>
+  <p:timing>
+    <p:tnLst>
+      <p:par>
+        <p:cTn id="1" dur="indefinite" restart="never" nodeType="tmRoot">
+          <p:childTnLst>
+            <p:seq concurrent="1" nextAc="seek">
+              <p:cTn id="2" dur="indefinite" nodeType="mainSeq">
+                <p:childTnLst>
+                  <p:par>
+                    <p:cTn id="3" fill="hold">
+                      <p:stCondLst>
+                        <p:cond delay="indefinite"/>
+                      </p:stCondLst>
+                      <p:childTnLst>
+                        <p:par>
+                          <p:cTn id="4" fill="hold">
+                            <p:stCondLst>
+                              <p:cond delay="0"/>
+                            </p:stCondLst>
+                            <p:childTnLst>
+                              <p:par>
+                                <p:cTn id="5" presetID="10" presetClass="entr" presetSubtype="0" fill="hold" grpId="0" nodeType="clickEffect">
+                                  <p:stCondLst>
+                                    <p:cond delay="0"/>
+                                  </p:stCondLst>
+                                  <p:childTnLst>
+                                    <p:set>
+                                      <p:cBhvr>
+                                        <p:cTn id="6" dur="1" fill="hold">
+                                          <p:stCondLst>
+                                            <p:cond delay="0"/>
+                                          </p:stCondLst>
+                                        </p:cTn>
+                                        <p:tgtEl>
+                                          <p:spTgt spid="10"/>
+                                        </p:tgtEl>
+                                        <p:attrNameLst>
+                                          <p:attrName>style.visibility</p:attrName>
+                                        </p:attrNameLst>
+                                      </p:cBhvr>
+                                      <p:to>
+                                        <p:strVal val="visible"/>
+                                      </p:to>
+                                    </p:set>
+                                    <p:animEffect transition="in" filter="fade">
+                                      <p:cBhvr>
+                                        <p:cTn id="7" dur="500"/>
+                                        <p:tgtEl>
+                                          <p:spTgt spid="10"/>
+                                        </p:tgtEl>
+                                      </p:cBhvr>
+                                    </p:animEffect>
+                                  </p:childTnLst>
+                                </p:cTn>
+                              </p:par>
+                            </p:childTnLst>
+                          </p:cTn>
+                        </p:par>
+                      </p:childTnLst>
+                    </p:cTn>
+                  </p:par>
+                </p:childTnLst>
+              </p:cTn>
+              <p:prevCondLst>
+                <p:cond evt="onPrev" delay="0">
+                  <p:tgtEl>
+                    <p:sldTgt/>
+                  </p:tgtEl>
+                </p:cond>
+              </p:prevCondLst>
+              <p:nextCondLst>
+                <p:cond evt="onNext" delay="0">
+                  <p:tgtEl>
+                    <p:sldTgt/>
+                  </p:tgtEl>
+                </p:cond>
+              </p:nextCondLst>
+            </p:seq>
+          </p:childTnLst>
+        </p:cTn>
+      </p:par>
+    </p:tnLst>
+    <p:bldLst>
+      <p:bldP spid="10" grpId="0" animBg="1"/>
+    </p:bldLst>
+  </p:timing>
+</p:sld>
+</file>
+
+<file path=ppt/slides/slide8.xml><?xml version="1.0" encoding="utf-8"?>
+<p:sld xmlns:a="http://schemas.openxmlformats.org/drawingml/2006/main" xmlns:r="http://schemas.openxmlformats.org/officeDocument/2006/relationships" xmlns:p="http://schemas.openxmlformats.org/presentationml/2006/main">
+  <p:cSld>
+    <p:spTree>
+      <p:nvGrpSpPr>
+        <p:cNvPr id="1" name=""/>
+        <p:cNvGrpSpPr/>
+        <p:nvPr/>
+      </p:nvGrpSpPr>
+      <p:grpSpPr>
+        <a:xfrm>
+          <a:off x="0" y="0"/>
+          <a:ext cx="0" cy="0"/>
+          <a:chOff x="0" y="0"/>
+          <a:chExt cx="0" cy="0"/>
+        </a:xfrm>
+      </p:grpSpPr>
+      <p:sp>
+        <p:nvSpPr>
+          <p:cNvPr id="2" name="Content Placeholder 1"/>
+          <p:cNvSpPr>
+            <a:spLocks noGrp="1"/>
+          </p:cNvSpPr>
+          <p:nvPr>
+            <p:ph idx="1"/>
+          </p:nvPr>
+        </p:nvSpPr>
+        <p:spPr/>
+        <p:txBody>
+          <a:bodyPr/>
+          <a:lstStyle/>
+          <a:p>
+            <a:pPr lvl="1"/>
+            <a:r>
+              <a:rPr lang="en-US" dirty="0" smtClean="0"/>
+              <a:t>Visual Studio</a:t>
+            </a:r>
+          </a:p>
+          <a:p>
+            <a:pPr lvl="2"/>
+            <a:r>
+              <a:rPr lang="en-US" dirty="0" smtClean="0"/>
+              <a:t>Project Types</a:t>
+            </a:r>
+          </a:p>
+          <a:p>
+            <a:pPr lvl="2"/>
+            <a:r>
+              <a:rPr lang="en-US" dirty="0" smtClean="0"/>
+              <a:t>Android simulator</a:t>
+            </a:r>
+            <a:endParaRPr lang="en-US" dirty="0"/>
+          </a:p>
+        </p:txBody>
+      </p:sp>
+      <p:sp>
+        <p:nvSpPr>
+          <p:cNvPr id="3" name="Title 2"/>
+          <p:cNvSpPr>
+            <a:spLocks noGrp="1"/>
+          </p:cNvSpPr>
+          <p:nvPr>
+            <p:ph type="title"/>
+          </p:nvPr>
+        </p:nvSpPr>
+        <p:spPr/>
+        <p:txBody>
+          <a:bodyPr/>
+          <a:lstStyle/>
+          <a:p>
+            <a:pPr lvl="0"/>
+            <a:r>
+              <a:rPr lang="en-US" dirty="0" smtClean="0"/>
+              <a:t>Tooling</a:t>
+            </a:r>
+            <a:br>
+              <a:rPr lang="en-US" dirty="0" smtClean="0"/>
+            </a:br>
+            <a:r>
+              <a:rPr lang="en-US" dirty="0" smtClean="0"/>
+              <a:t>Android</a:t>
+            </a:r>
+            <a:endParaRPr lang="en-US" dirty="0"/>
+          </a:p>
+        </p:txBody>
+      </p:sp>
+      <p:sp>
+        <p:nvSpPr>
+          <p:cNvPr id="5" name="Footer Placeholder 4"/>
+          <p:cNvSpPr>
+            <a:spLocks noGrp="1"/>
+          </p:cNvSpPr>
+          <p:nvPr>
+            <p:ph type="ftr" sz="quarter" idx="11"/>
+          </p:nvPr>
+        </p:nvSpPr>
+        <p:spPr/>
+        <p:txBody>
+          <a:bodyPr/>
+          <a:lstStyle/>
+          <a:p>
+            <a:r>
+              <a:rPr lang="en-US" smtClean="0"/>
+              <a:t>Cross-platform Mobile Development | Ursin Brunner, Stefan Schöb, Oliver Brack</a:t>
+            </a:r>
+            <a:endParaRPr lang="en-US" dirty="0"/>
+          </a:p>
+        </p:txBody>
+      </p:sp>
+      <p:sp>
+        <p:nvSpPr>
+          <p:cNvPr id="9" name="Date Placeholder 8"/>
+          <p:cNvSpPr>
+            <a:spLocks noGrp="1"/>
+          </p:cNvSpPr>
+          <p:nvPr>
+            <p:ph type="dt" sz="half" idx="10"/>
+          </p:nvPr>
+        </p:nvSpPr>
+        <p:spPr/>
+        <p:txBody>
+          <a:bodyPr/>
+          <a:lstStyle/>
+          <a:p>
+            <a:r>
+              <a:rPr lang="en-US" smtClean="0"/>
+              <a:t>26. September 2013</a:t>
+            </a:r>
+            <a:endParaRPr lang="de-CH" dirty="0"/>
+          </a:p>
+        </p:txBody>
+      </p:sp>
+      <p:sp>
+        <p:nvSpPr>
+          <p:cNvPr id="10" name="Slide Number Placeholder 9"/>
+          <p:cNvSpPr>
+            <a:spLocks noGrp="1"/>
+          </p:cNvSpPr>
+          <p:nvPr>
+            <p:ph type="sldNum" sz="quarter" idx="12"/>
+          </p:nvPr>
+        </p:nvSpPr>
+        <p:spPr/>
+        <p:txBody>
+          <a:bodyPr/>
+          <a:lstStyle/>
+          <a:p>
+            <a:r>
+              <a:rPr lang="de-CH" smtClean="0"/>
+              <a:t>Slide </a:t>
+            </a:r>
+            <a:fld id="{E8DA3741-9D02-42BE-867F-5E0952897EE8}" type="slidenum">
+              <a:rPr lang="de-CH" smtClean="0"/>
+              <a:t>8</a:t>
+            </a:fld>
+            <a:endParaRPr lang="de-CH" dirty="0"/>
+          </a:p>
+        </p:txBody>
+      </p:sp>
+      <p:pic>
+        <p:nvPicPr>
+          <p:cNvPr id="11" name="Picture 2" descr="http://www.dosenfischer.de/wp-content/uploads/2009/06/android_vector-580x435.jpg"/>
+          <p:cNvPicPr>
+            <a:picLocks noChangeAspect="1" noChangeArrowheads="1"/>
+          </p:cNvPicPr>
+          <p:nvPr/>
+        </p:nvPicPr>
+        <p:blipFill rotWithShape="1">
+          <a:blip r:embed="rId2" cstate="print">
+            <a:extLst>
+              <a:ext uri="{BEBA8EAE-BF5A-486C-A8C5-ECC9F3942E4B}">
+                <a14:imgProps xmlns:a14="http://schemas.microsoft.com/office/drawing/2010/main">
+                  <a14:imgLayer r:embed="rId3">
+                    <a14:imgEffect>
+                      <a14:backgroundRemoval t="5287" b="92644" l="22069" r="78448">
+                        <a14:foregroundMark x1="27931" y1="45287" x2="27931" y2="45287"/>
+                        <a14:foregroundMark x1="74310" y1="48506" x2="74310" y2="48506"/>
+                        <a14:foregroundMark x1="48621" y1="21149" x2="48621" y2="21149"/>
+                        <a14:foregroundMark x1="42586" y1="25977" x2="42586" y2="25977"/>
+                        <a14:foregroundMark x1="58103" y1="25517" x2="58103" y2="25517"/>
+                      </a14:backgroundRemoval>
+                    </a14:imgEffect>
+                  </a14:imgLayer>
+                </a14:imgProps>
+              </a:ext>
+              <a:ext uri="{28A0092B-C50C-407E-A947-70E740481C1C}">
+                <a14:useLocalDpi xmlns:a14="http://schemas.microsoft.com/office/drawing/2010/main" val="0"/>
+              </a:ext>
+            </a:extLst>
+          </a:blip>
+          <a:srcRect l="21204" t="7413" r="21232" b="3409"/>
+          <a:stretch/>
+        </p:blipFill>
+        <p:spPr bwMode="auto">
+          <a:xfrm>
+            <a:off x="8440600" y="5924115"/>
+            <a:ext cx="619675" cy="720000"/>
+          </a:xfrm>
+          <a:prstGeom prst="rect">
+            <a:avLst/>
+          </a:prstGeom>
+          <a:noFill/>
+          <a:extLst>
+            <a:ext uri="{909E8E84-426E-40DD-AFC4-6F175D3DCCD1}">
+              <a14:hiddenFill xmlns:a14="http://schemas.microsoft.com/office/drawing/2010/main">
+                <a:solidFill>
+                  <a:srgbClr val="FFFFFF"/>
+                </a:solidFill>
+              </a14:hiddenFill>
+            </a:ext>
+          </a:extLst>
+        </p:spPr>
+      </p:pic>
+      <p:sp>
+        <p:nvSpPr>
+          <p:cNvPr id="12" name="Oval 11"/>
+          <p:cNvSpPr/>
+          <p:nvPr/>
+        </p:nvSpPr>
+        <p:spPr>
+          <a:xfrm>
+            <a:off x="8635473" y="78417"/>
+            <a:ext cx="427734" cy="427734"/>
+          </a:xfrm>
+          <a:prstGeom prst="ellipse">
+            <a:avLst/>
+          </a:prstGeom>
+          <a:noFill/>
+          <a:ln w="12700">
+            <a:solidFill>
+              <a:schemeClr val="accent1"/>
+            </a:solidFill>
+          </a:ln>
+        </p:spPr>
+        <p:style>
+          <a:lnRef idx="2">
+            <a:schemeClr val="accent1">
+              <a:shade val="50000"/>
+            </a:schemeClr>
+          </a:lnRef>
+          <a:fillRef idx="1">
+            <a:schemeClr val="accent1"/>
+          </a:fillRef>
+          <a:effectRef idx="0">
+            <a:schemeClr val="accent1"/>
+          </a:effectRef>
+          <a:fontRef idx="minor">
+            <a:schemeClr val="lt1"/>
+          </a:fontRef>
+        </p:style>
+        <p:txBody>
+          <a:bodyPr rtlCol="0" anchor="ctr"/>
+          <a:lstStyle/>
+          <a:p>
+            <a:pPr algn="ctr"/>
+            <a:r>
+              <a:rPr lang="en-US" sz="2200" dirty="0" smtClean="0">
+                <a:solidFill>
+                  <a:schemeClr val="accent1"/>
+                </a:solidFill>
+                <a:latin typeface="+mj-lt"/>
+              </a:rPr>
+              <a:t>1</a:t>
+            </a:r>
+            <a:endParaRPr lang="en-US" sz="2200" dirty="0" smtClean="0">
+              <a:solidFill>
+                <a:schemeClr val="accent1"/>
+              </a:solidFill>
+              <a:latin typeface="+mj-lt"/>
+            </a:endParaRPr>
+          </a:p>
+        </p:txBody>
+      </p:sp>
+    </p:spTree>
+    <p:extLst>
+      <p:ext uri="{BB962C8B-B14F-4D97-AF65-F5344CB8AC3E}">
+        <p14:creationId xmlns:p14="http://schemas.microsoft.com/office/powerpoint/2010/main" val="248274490"/>
+      </p:ext>
+    </p:extLst>
+  </p:cSld>
+  <p:clrMapOvr>
+    <a:masterClrMapping/>
+  </p:clrMapOvr>
+  <p:timing>
+    <p:tnLst>
+      <p:par>
+        <p:cTn id="1" dur="indefinite" restart="never" nodeType="tmRoot"/>
+      </p:par>
+    </p:tnLst>
+  </p:timing>
+</p:sld>
+</file>
+
+<file path=ppt/slides/slide9.xml><?xml version="1.0" encoding="utf-8"?>
+<p:sld xmlns:a="http://schemas.openxmlformats.org/drawingml/2006/main" xmlns:r="http://schemas.openxmlformats.org/officeDocument/2006/relationships" xmlns:p="http://schemas.openxmlformats.org/presentationml/2006/main">
+  <p:cSld>
+    <p:spTree>
+      <p:nvGrpSpPr>
+        <p:cNvPr id="1" name=""/>
+        <p:cNvGrpSpPr/>
+        <p:nvPr/>
+      </p:nvGrpSpPr>
+      <p:grpSpPr>
+        <a:xfrm>
+          <a:off x="0" y="0"/>
+          <a:ext cx="0" cy="0"/>
+          <a:chOff x="0" y="0"/>
+          <a:chExt cx="0" cy="0"/>
+        </a:xfrm>
+      </p:grpSpPr>
+      <p:sp>
+        <p:nvSpPr>
+          <p:cNvPr id="2" name="Content Placeholder 1"/>
+          <p:cNvSpPr>
+            <a:spLocks noGrp="1"/>
+          </p:cNvSpPr>
+          <p:nvPr>
+            <p:ph idx="1"/>
+          </p:nvPr>
+        </p:nvSpPr>
+        <p:spPr/>
+        <p:txBody>
+          <a:bodyPr/>
+          <a:lstStyle/>
+          <a:p>
+            <a:pPr lvl="1"/>
+            <a:r>
+              <a:rPr lang="en-US" dirty="0" err="1" smtClean="0"/>
+              <a:t>Xamarin</a:t>
+            </a:r>
+            <a:r>
+              <a:rPr lang="en-US" dirty="0" smtClean="0"/>
+              <a:t> Studio</a:t>
+            </a:r>
+          </a:p>
+          <a:p>
+            <a:pPr lvl="2"/>
+            <a:r>
+              <a:rPr lang="en-US" dirty="0" smtClean="0"/>
+              <a:t>C# example</a:t>
+            </a:r>
+          </a:p>
+          <a:p>
+            <a:pPr lvl="2"/>
+            <a:r>
+              <a:rPr lang="en-US" dirty="0" err="1" smtClean="0"/>
+              <a:t>iOS</a:t>
+            </a:r>
+            <a:r>
+              <a:rPr lang="en-US" dirty="0" smtClean="0"/>
+              <a:t> simulator (</a:t>
+            </a:r>
+            <a:r>
+              <a:rPr lang="en-US" dirty="0" smtClean="0">
+                <a:solidFill>
+                  <a:srgbClr val="FF0000"/>
+                </a:solidFill>
+              </a:rPr>
+              <a:t>remote</a:t>
+            </a:r>
+            <a:r>
+              <a:rPr lang="en-US" dirty="0" smtClean="0"/>
+              <a:t>)</a:t>
+            </a:r>
+            <a:endParaRPr lang="en-US" dirty="0"/>
+          </a:p>
+        </p:txBody>
+      </p:sp>
+      <p:sp>
+        <p:nvSpPr>
+          <p:cNvPr id="3" name="Title 2"/>
+          <p:cNvSpPr>
+            <a:spLocks noGrp="1"/>
+          </p:cNvSpPr>
+          <p:nvPr>
+            <p:ph type="title"/>
+          </p:nvPr>
+        </p:nvSpPr>
+        <p:spPr/>
+        <p:txBody>
+          <a:bodyPr/>
+          <a:lstStyle/>
+          <a:p>
+            <a:r>
+              <a:rPr lang="en-US" dirty="0" smtClean="0"/>
+              <a:t>Tooling</a:t>
+            </a:r>
+            <a:br>
+              <a:rPr lang="en-US" dirty="0" smtClean="0"/>
+            </a:br>
+            <a:r>
+              <a:rPr lang="en-US" dirty="0" err="1" smtClean="0"/>
+              <a:t>iOS</a:t>
+            </a:r>
+            <a:endParaRPr lang="en-US" dirty="0"/>
+          </a:p>
+        </p:txBody>
+      </p:sp>
+      <p:sp>
+        <p:nvSpPr>
+          <p:cNvPr id="4" name="Date Placeholder 3"/>
+          <p:cNvSpPr>
+            <a:spLocks noGrp="1"/>
+          </p:cNvSpPr>
+          <p:nvPr>
+            <p:ph type="dt" sz="half" idx="10"/>
+          </p:nvPr>
+        </p:nvSpPr>
+        <p:spPr/>
+        <p:txBody>
+          <a:bodyPr/>
+          <a:lstStyle/>
+          <a:p>
+            <a:r>
+              <a:rPr lang="en-US" dirty="0" smtClean="0"/>
+              <a:t>26. September 2013</a:t>
+            </a:r>
+            <a:endParaRPr lang="en-US" dirty="0"/>
+          </a:p>
+        </p:txBody>
+      </p:sp>
+      <p:sp>
+        <p:nvSpPr>
+          <p:cNvPr id="5" name="Footer Placeholder 4"/>
+          <p:cNvSpPr>
+            <a:spLocks noGrp="1"/>
+          </p:cNvSpPr>
+          <p:nvPr>
+            <p:ph type="ftr" sz="quarter" idx="11"/>
+          </p:nvPr>
+        </p:nvSpPr>
+        <p:spPr/>
+        <p:txBody>
+          <a:bodyPr/>
+          <a:lstStyle/>
+          <a:p>
+            <a:r>
+              <a:rPr lang="en-US" dirty="0" smtClean="0"/>
+              <a:t>Cross-platform Mobile Development | Ursin Brunner, Stefan </a:t>
+            </a:r>
+            <a:r>
+              <a:rPr lang="en-US" dirty="0" err="1" smtClean="0"/>
+              <a:t>Schöb</a:t>
+            </a:r>
+            <a:r>
+              <a:rPr lang="en-US" dirty="0" smtClean="0"/>
+              <a:t>, Oliver Brack</a:t>
+            </a:r>
+            <a:endParaRPr lang="en-US" dirty="0"/>
+          </a:p>
+        </p:txBody>
+      </p:sp>
+      <p:sp>
+        <p:nvSpPr>
+          <p:cNvPr id="8" name="Slide Number Placeholder 7"/>
+          <p:cNvSpPr>
+            <a:spLocks noGrp="1"/>
+          </p:cNvSpPr>
+          <p:nvPr>
+            <p:ph type="sldNum" sz="quarter" idx="12"/>
+          </p:nvPr>
+        </p:nvSpPr>
+        <p:spPr/>
+        <p:txBody>
+          <a:bodyPr/>
+          <a:lstStyle/>
+          <a:p>
+            <a:r>
+              <a:rPr lang="de-CH" smtClean="0"/>
+              <a:t>Slide </a:t>
+            </a:r>
+            <a:fld id="{76AE5747-D0E7-4D66-8FBF-9CFC53A4E0C8}" type="slidenum">
+              <a:rPr lang="de-CH" smtClean="0"/>
+              <a:t>9</a:t>
+            </a:fld>
+            <a:endParaRPr lang="de-CH" dirty="0"/>
+          </a:p>
+        </p:txBody>
+      </p:sp>
+      <p:pic>
+        <p:nvPicPr>
+          <p:cNvPr id="9" name="Picture 4" descr="http://www.digi-news.ch/schulen/20100624/uploads/apple_logo2.jpg"/>
+          <p:cNvPicPr>
+            <a:picLocks noChangeAspect="1" noChangeArrowheads="1"/>
+          </p:cNvPicPr>
+          <p:nvPr/>
+        </p:nvPicPr>
+        <p:blipFill rotWithShape="1">
+          <a:blip r:embed="rId2" cstate="print">
+            <a:extLst>
+              <a:ext uri="{BEBA8EAE-BF5A-486C-A8C5-ECC9F3942E4B}">
+                <a14:imgProps xmlns:a14="http://schemas.microsoft.com/office/drawing/2010/main">
+                  <a14:imgLayer r:embed="rId3">
+                    <a14:imgEffect>
+                      <a14:backgroundRemoval t="0" b="100000" l="10000" r="90000">
+                        <a14:foregroundMark x1="56444" y1="12162" x2="56444" y2="12162"/>
+                      </a14:backgroundRemoval>
+                    </a14:imgEffect>
+                  </a14:imgLayer>
+                </a14:imgProps>
+              </a:ext>
+              <a:ext uri="{28A0092B-C50C-407E-A947-70E740481C1C}">
+                <a14:useLocalDpi xmlns:a14="http://schemas.microsoft.com/office/drawing/2010/main" val="0"/>
+              </a:ext>
+            </a:extLst>
+          </a:blip>
+          <a:srcRect l="9636" r="15609"/>
+          <a:stretch/>
+        </p:blipFill>
+        <p:spPr bwMode="auto">
+          <a:xfrm>
+            <a:off x="8379457" y="5871876"/>
+            <a:ext cx="654610" cy="720000"/>
+          </a:xfrm>
+          <a:prstGeom prst="rect">
+            <a:avLst/>
+          </a:prstGeom>
+          <a:noFill/>
+          <a:extLst>
+            <a:ext uri="{909E8E84-426E-40DD-AFC4-6F175D3DCCD1}">
+              <a14:hiddenFill xmlns:a14="http://schemas.microsoft.com/office/drawing/2010/main">
+                <a:solidFill>
+                  <a:srgbClr val="FFFFFF"/>
+                </a:solidFill>
+              </a14:hiddenFill>
+            </a:ext>
+          </a:extLst>
+        </p:spPr>
+      </p:pic>
+      <p:sp>
+        <p:nvSpPr>
+          <p:cNvPr id="10" name="Oval 9"/>
+          <p:cNvSpPr/>
+          <p:nvPr/>
+        </p:nvSpPr>
+        <p:spPr>
+          <a:xfrm>
+            <a:off x="8635473" y="78417"/>
+            <a:ext cx="427734" cy="427734"/>
+          </a:xfrm>
+          <a:prstGeom prst="ellipse">
+            <a:avLst/>
+          </a:prstGeom>
+          <a:noFill/>
+          <a:ln w="12700">
+            <a:solidFill>
+              <a:schemeClr val="accent1"/>
+            </a:solidFill>
+          </a:ln>
+        </p:spPr>
+        <p:style>
+          <a:lnRef idx="2">
+            <a:schemeClr val="accent1">
+              <a:shade val="50000"/>
+            </a:schemeClr>
+          </a:lnRef>
+          <a:fillRef idx="1">
+            <a:schemeClr val="accent1"/>
+          </a:fillRef>
+          <a:effectRef idx="0">
+            <a:schemeClr val="accent1"/>
+          </a:effectRef>
+          <a:fontRef idx="minor">
+            <a:schemeClr val="lt1"/>
+          </a:fontRef>
+        </p:style>
+        <p:txBody>
+          <a:bodyPr rtlCol="0" anchor="ctr"/>
+          <a:lstStyle/>
+          <a:p>
+            <a:pPr algn="ctr"/>
+            <a:r>
+              <a:rPr lang="en-US" sz="2200" dirty="0" smtClean="0">
+                <a:solidFill>
+                  <a:schemeClr val="accent1"/>
+                </a:solidFill>
+                <a:latin typeface="+mj-lt"/>
+              </a:rPr>
+              <a:t>2</a:t>
+            </a:r>
+            <a:endParaRPr lang="en-US" sz="2200" dirty="0" smtClean="0">
+              <a:solidFill>
+                <a:schemeClr val="accent1"/>
+              </a:solidFill>
+              <a:latin typeface="+mj-lt"/>
+            </a:endParaRPr>
+          </a:p>
+        </p:txBody>
+      </p:sp>
+    </p:spTree>
+    <p:extLst>
+      <p:ext uri="{BB962C8B-B14F-4D97-AF65-F5344CB8AC3E}">
+        <p14:creationId xmlns:p14="http://schemas.microsoft.com/office/powerpoint/2010/main" val="248274490"/>
+      </p:ext>
+    </p:extLst>
+  </p:cSld>
+  <p:clrMapOvr>
+    <a:masterClrMapping/>
+  </p:clrMapOvr>
+  <p:timing>
+    <p:tnLst>
+      <p:par>
+        <p:cTn id="1" dur="indefinite" restart="never" nodeType="tmRoot"/>
+      </p:par>
+    </p:tnLst>
+  </p:timing>
+</p:sld>
+</file>
+
 <file path=ppt/tags/tag1.xml><?xml version="1.0" encoding="utf-8"?>
 <p:tagLst xmlns:a="http://schemas.openxmlformats.org/drawingml/2006/main" xmlns:r="http://schemas.openxmlformats.org/officeDocument/2006/relationships" xmlns:p="http://schemas.openxmlformats.org/presentationml/2006/main">
   <p:tag name="VERSINFO" val="ZE2002"/>
   <p:tag name="LANGUAGE" val="1033"/>
   <p:tag name="AUTHOR" val="Ursin Brunner;br&amp;Stefan Schöb;br&amp;Oliver Brack"/>
+</p:tagLst>
+</file>
+
+<file path=ppt/tags/tag10.xml><?xml version="1.0" encoding="utf-8"?>
+<p:tagLst xmlns:a="http://schemas.openxmlformats.org/drawingml/2006/main" xmlns:r="http://schemas.openxmlformats.org/officeDocument/2006/relationships" xmlns:p="http://schemas.openxmlformats.org/presentationml/2006/main">
+  <p:tag name="SHAPETYPE" val="Logo"/>
+</p:tagLst>
+</file>
+
+<file path=ppt/tags/tag11.xml><?xml version="1.0" encoding="utf-8"?>
+<p:tagLst xmlns:a="http://schemas.openxmlformats.org/drawingml/2006/main" xmlns:r="http://schemas.openxmlformats.org/officeDocument/2006/relationships" xmlns:p="http://schemas.openxmlformats.org/presentationml/2006/main">
+  <p:tag name="SHAPETYPE" val="Logo"/>
+</p:tagLst>
+</file>
+
+<file path=ppt/tags/tag12.xml><?xml version="1.0" encoding="utf-8"?>
+<p:tagLst xmlns:a="http://schemas.openxmlformats.org/drawingml/2006/main" xmlns:r="http://schemas.openxmlformats.org/officeDocument/2006/relationships" xmlns:p="http://schemas.openxmlformats.org/presentationml/2006/main">
+  <p:tag name="SHAPETYPE" val="Logo"/>
+</p:tagLst>
+</file>
+
+<file path=ppt/tags/tag13.xml><?xml version="1.0" encoding="utf-8"?>
+<p:tagLst xmlns:a="http://schemas.openxmlformats.org/drawingml/2006/main" xmlns:r="http://schemas.openxmlformats.org/officeDocument/2006/relationships" xmlns:p="http://schemas.openxmlformats.org/presentationml/2006/main">
+  <p:tag name="SHAPETYPE" val="Logo"/>
+</p:tagLst>
+</file>
+
+<file path=ppt/tags/tag14.xml><?xml version="1.0" encoding="utf-8"?>
+<p:tagLst xmlns:a="http://schemas.openxmlformats.org/drawingml/2006/main" xmlns:r="http://schemas.openxmlformats.org/officeDocument/2006/relationships" xmlns:p="http://schemas.openxmlformats.org/presentationml/2006/main">
+  <p:tag name="SHAPETYPE" val="Logo"/>
 </p:tagLst>
 </file>
 
@@ -17671,6 +20084,12 @@
 <file path=ppt/tags/tag8.xml><?xml version="1.0" encoding="utf-8"?>
 <p:tagLst xmlns:a="http://schemas.openxmlformats.org/drawingml/2006/main" xmlns:r="http://schemas.openxmlformats.org/officeDocument/2006/relationships" xmlns:p="http://schemas.openxmlformats.org/presentationml/2006/main">
   <p:tag name="SHAPETYPE" val="Author"/>
+</p:tagLst>
+</file>
+
+<file path=ppt/tags/tag9.xml><?xml version="1.0" encoding="utf-8"?>
+<p:tagLst xmlns:a="http://schemas.openxmlformats.org/drawingml/2006/main" xmlns:r="http://schemas.openxmlformats.org/officeDocument/2006/relationships" xmlns:p="http://schemas.openxmlformats.org/presentationml/2006/main">
+  <p:tag name="SHAPETYPE" val="Logo"/>
 </p:tagLst>
 </file>
 

--- a/docs/13-09-26 Cross-platform mobile development with C#.pptx
+++ b/docs/13-09-26 Cross-platform mobile development with C#.pptx
@@ -167,19 +167,18 @@
   <c:roundedCorners val="0"/>
   <mc:AlternateContent xmlns:mc="http://schemas.openxmlformats.org/markup-compatibility/2006">
     <mc:Choice xmlns:c14="http://schemas.microsoft.com/office/drawing/2007/8/2/chart" Requires="c14">
-      <c14:style val="126"/>
+      <c14:style val="102"/>
     </mc:Choice>
     <mc:Fallback>
-      <c:style val="26"/>
+      <c:style val="2"/>
     </mc:Fallback>
   </mc:AlternateContent>
   <c:chart>
-    <c:autoTitleDeleted val="0"/>
+    <c:autoTitleDeleted val="1"/>
     <c:plotArea>
       <c:layout/>
-      <c:lineChart>
-        <c:grouping val="standard"/>
-        <c:varyColors val="0"/>
+      <c:pieChart>
+        <c:varyColors val="1"/>
         <c:ser>
           <c:idx val="0"/>
           <c:order val="0"/>
@@ -189,154 +188,49 @@
               <c:strCache>
                 <c:ptCount val="1"/>
                 <c:pt idx="0">
-                  <c:v>Computers</c:v>
+                  <c:v>Sales</c:v>
                 </c:pt>
               </c:strCache>
             </c:strRef>
           </c:tx>
-          <c:marker>
-            <c:symbol val="none"/>
-          </c:marker>
+          <c:dPt>
+            <c:idx val="1"/>
+            <c:bubble3D val="0"/>
+            <c:spPr>
+              <a:solidFill>
+                <a:schemeClr val="bg1"/>
+              </a:solidFill>
+            </c:spPr>
+          </c:dPt>
           <c:cat>
-            <c:numRef>
-              <c:f>Sheet1!$A$2:$A$8</c:f>
-              <c:numCache>
-                <c:formatCode>General</c:formatCode>
-                <c:ptCount val="7"/>
+            <c:strRef>
+              <c:f>Sheet1!$A$2:$A$3</c:f>
+              <c:strCache>
+                <c:ptCount val="2"/>
                 <c:pt idx="0">
-                  <c:v>2010</c:v>
+                  <c:v>Mobile Device</c:v>
                 </c:pt>
                 <c:pt idx="1">
-                  <c:v>2011</c:v>
+                  <c:v>others</c:v>
                 </c:pt>
-                <c:pt idx="2">
-                  <c:v>2012</c:v>
-                </c:pt>
-                <c:pt idx="3">
-                  <c:v>2013</c:v>
-                </c:pt>
-                <c:pt idx="4">
-                  <c:v>2014</c:v>
-                </c:pt>
-                <c:pt idx="5">
-                  <c:v>2015</c:v>
-                </c:pt>
-                <c:pt idx="6">
-                  <c:v>2016</c:v>
-                </c:pt>
-              </c:numCache>
-            </c:numRef>
+              </c:strCache>
+            </c:strRef>
           </c:cat>
           <c:val>
             <c:numRef>
-              <c:f>Sheet1!$B$2:$B$8</c:f>
+              <c:f>Sheet1!$B$2:$B$3</c:f>
               <c:numCache>
                 <c:formatCode>General</c:formatCode>
-                <c:ptCount val="7"/>
+                <c:ptCount val="2"/>
                 <c:pt idx="0">
-                  <c:v>347</c:v>
+                  <c:v>75</c:v>
                 </c:pt>
                 <c:pt idx="1">
-                  <c:v>353</c:v>
-                </c:pt>
-                <c:pt idx="2">
-                  <c:v>371</c:v>
-                </c:pt>
-                <c:pt idx="3">
-                  <c:v>406</c:v>
-                </c:pt>
-                <c:pt idx="4">
-                  <c:v>446</c:v>
-                </c:pt>
-                <c:pt idx="5">
-                  <c:v>484</c:v>
-                </c:pt>
-                <c:pt idx="6">
-                  <c:v>518</c:v>
+                  <c:v>25</c:v>
                 </c:pt>
               </c:numCache>
             </c:numRef>
           </c:val>
-          <c:smooth val="0"/>
-        </c:ser>
-        <c:ser>
-          <c:idx val="1"/>
-          <c:order val="1"/>
-          <c:tx>
-            <c:strRef>
-              <c:f>Sheet1!$C$1</c:f>
-              <c:strCache>
-                <c:ptCount val="1"/>
-                <c:pt idx="0">
-                  <c:v>Mobile devices</c:v>
-                </c:pt>
-              </c:strCache>
-            </c:strRef>
-          </c:tx>
-          <c:marker>
-            <c:symbol val="none"/>
-          </c:marker>
-          <c:cat>
-            <c:numRef>
-              <c:f>Sheet1!$A$2:$A$8</c:f>
-              <c:numCache>
-                <c:formatCode>General</c:formatCode>
-                <c:ptCount val="7"/>
-                <c:pt idx="0">
-                  <c:v>2010</c:v>
-                </c:pt>
-                <c:pt idx="1">
-                  <c:v>2011</c:v>
-                </c:pt>
-                <c:pt idx="2">
-                  <c:v>2012</c:v>
-                </c:pt>
-                <c:pt idx="3">
-                  <c:v>2013</c:v>
-                </c:pt>
-                <c:pt idx="4">
-                  <c:v>2014</c:v>
-                </c:pt>
-                <c:pt idx="5">
-                  <c:v>2015</c:v>
-                </c:pt>
-                <c:pt idx="6">
-                  <c:v>2016</c:v>
-                </c:pt>
-              </c:numCache>
-            </c:numRef>
-          </c:cat>
-          <c:val>
-            <c:numRef>
-              <c:f>Sheet1!$C$2:$C$8</c:f>
-              <c:numCache>
-                <c:formatCode>General</c:formatCode>
-                <c:ptCount val="7"/>
-                <c:pt idx="0">
-                  <c:v>324</c:v>
-                </c:pt>
-                <c:pt idx="1">
-                  <c:v>563</c:v>
-                </c:pt>
-                <c:pt idx="2">
-                  <c:v>766</c:v>
-                </c:pt>
-                <c:pt idx="3">
-                  <c:v>938</c:v>
-                </c:pt>
-                <c:pt idx="4">
-                  <c:v>1083</c:v>
-                </c:pt>
-                <c:pt idx="5">
-                  <c:v>1226</c:v>
-                </c:pt>
-                <c:pt idx="6">
-                  <c:v>1359</c:v>
-                </c:pt>
-              </c:numCache>
-            </c:numRef>
-          </c:val>
-          <c:smooth val="0"/>
         </c:ser>
         <c:dLbls>
           <c:showLegendKey val="0"/>
@@ -345,61 +239,11 @@
           <c:showSerName val="0"/>
           <c:showPercent val="0"/>
           <c:showBubbleSize val="0"/>
+          <c:showLeaderLines val="1"/>
         </c:dLbls>
-        <c:marker val="1"/>
-        <c:smooth val="0"/>
-        <c:axId val="149052032"/>
-        <c:axId val="149074304"/>
-      </c:lineChart>
-      <c:catAx>
-        <c:axId val="149052032"/>
-        <c:scaling>
-          <c:orientation val="minMax"/>
-        </c:scaling>
-        <c:delete val="0"/>
-        <c:axPos val="b"/>
-        <c:numFmt formatCode="General" sourceLinked="1"/>
-        <c:majorTickMark val="out"/>
-        <c:minorTickMark val="none"/>
-        <c:tickLblPos val="nextTo"/>
-        <c:crossAx val="149074304"/>
-        <c:crosses val="autoZero"/>
-        <c:auto val="1"/>
-        <c:lblAlgn val="ctr"/>
-        <c:lblOffset val="100"/>
-        <c:noMultiLvlLbl val="0"/>
-      </c:catAx>
-      <c:valAx>
-        <c:axId val="149074304"/>
-        <c:scaling>
-          <c:orientation val="minMax"/>
-        </c:scaling>
-        <c:delete val="0"/>
-        <c:axPos val="l"/>
-        <c:majorGridlines/>
-        <c:numFmt formatCode="General" sourceLinked="1"/>
-        <c:majorTickMark val="out"/>
-        <c:minorTickMark val="none"/>
-        <c:tickLblPos val="nextTo"/>
-        <c:crossAx val="149052032"/>
-        <c:crosses val="autoZero"/>
-        <c:crossBetween val="midCat"/>
-      </c:valAx>
+        <c:firstSliceAng val="0"/>
+      </c:pieChart>
     </c:plotArea>
-    <c:legend>
-      <c:legendPos val="b"/>
-      <c:layout>
-        <c:manualLayout>
-          <c:xMode val="edge"/>
-          <c:yMode val="edge"/>
-          <c:x val="0.23992615132431946"/>
-          <c:y val="0.91208263539230838"/>
-          <c:w val="0.62272453661783944"/>
-          <c:h val="7.2200155563242274E-2"/>
-        </c:manualLayout>
-      </c:layout>
-      <c:overlay val="0"/>
-    </c:legend>
     <c:plotVisOnly val="1"/>
     <c:dispBlanksAs val="gap"/>
     <c:showDLblsOverMax val="0"/>
@@ -427,30 +271,18 @@
   <c:roundedCorners val="0"/>
   <mc:AlternateContent xmlns:mc="http://schemas.openxmlformats.org/markup-compatibility/2006">
     <mc:Choice xmlns:c14="http://schemas.microsoft.com/office/drawing/2007/8/2/chart" Requires="c14">
-      <c14:style val="126"/>
+      <c14:style val="102"/>
     </mc:Choice>
     <mc:Fallback>
-      <c:style val="26"/>
+      <c:style val="2"/>
     </mc:Fallback>
   </mc:AlternateContent>
   <c:chart>
-    <c:autoTitleDeleted val="0"/>
+    <c:autoTitleDeleted val="1"/>
     <c:plotArea>
-      <c:layout>
-        <c:manualLayout>
-          <c:layoutTarget val="inner"/>
-          <c:xMode val="edge"/>
-          <c:yMode val="edge"/>
-          <c:x val="3.8341150500185966E-2"/>
-          <c:y val="3.0871563687792803E-2"/>
-          <c:w val="0.91564946889959087"/>
-          <c:h val="0.76313378414213739"/>
-        </c:manualLayout>
-      </c:layout>
-      <c:barChart>
-        <c:barDir val="col"/>
-        <c:grouping val="percentStacked"/>
-        <c:varyColors val="0"/>
+      <c:layout/>
+      <c:pieChart>
+        <c:varyColors val="1"/>
         <c:ser>
           <c:idx val="0"/>
           <c:order val="0"/>
@@ -460,109 +292,45 @@
               <c:strCache>
                 <c:ptCount val="1"/>
                 <c:pt idx="0">
-                  <c:v>Android</c:v>
+                  <c:v>Facebook Posts</c:v>
                 </c:pt>
               </c:strCache>
             </c:strRef>
           </c:tx>
-          <c:invertIfNegative val="0"/>
+          <c:dPt>
+            <c:idx val="1"/>
+            <c:bubble3D val="0"/>
+            <c:spPr>
+              <a:solidFill>
+                <a:schemeClr val="bg1"/>
+              </a:solidFill>
+            </c:spPr>
+          </c:dPt>
           <c:cat>
             <c:strRef>
-              <c:f>Sheet1!$A$2</c:f>
+              <c:f>Sheet1!$A$2:$A$3</c:f>
               <c:strCache>
-                <c:ptCount val="1"/>
+                <c:ptCount val="2"/>
                 <c:pt idx="0">
-                  <c:v>12/11 - 02/12</c:v>
+                  <c:v>Mobile Device</c:v>
+                </c:pt>
+                <c:pt idx="1">
+                  <c:v>others</c:v>
                 </c:pt>
               </c:strCache>
             </c:strRef>
           </c:cat>
           <c:val>
             <c:numRef>
-              <c:f>Sheet1!$B$2</c:f>
+              <c:f>Sheet1!$B$2:$B$3</c:f>
               <c:numCache>
                 <c:formatCode>General</c:formatCode>
-                <c:ptCount val="1"/>
+                <c:ptCount val="2"/>
                 <c:pt idx="0">
-                  <c:v>0.48</c:v>
+                  <c:v>60</c:v>
                 </c:pt>
-              </c:numCache>
-            </c:numRef>
-          </c:val>
-        </c:ser>
-        <c:ser>
-          <c:idx val="1"/>
-          <c:order val="1"/>
-          <c:tx>
-            <c:strRef>
-              <c:f>Sheet1!$C$1</c:f>
-              <c:strCache>
-                <c:ptCount val="1"/>
-                <c:pt idx="0">
-                  <c:v>iOS</c:v>
-                </c:pt>
-              </c:strCache>
-            </c:strRef>
-          </c:tx>
-          <c:invertIfNegative val="0"/>
-          <c:cat>
-            <c:strRef>
-              <c:f>Sheet1!$A$2</c:f>
-              <c:strCache>
-                <c:ptCount val="1"/>
-                <c:pt idx="0">
-                  <c:v>12/11 - 02/12</c:v>
-                </c:pt>
-              </c:strCache>
-            </c:strRef>
-          </c:cat>
-          <c:val>
-            <c:numRef>
-              <c:f>Sheet1!$C$2</c:f>
-              <c:numCache>
-                <c:formatCode>General</c:formatCode>
-                <c:ptCount val="1"/>
-                <c:pt idx="0">
-                  <c:v>0.43</c:v>
-                </c:pt>
-              </c:numCache>
-            </c:numRef>
-          </c:val>
-        </c:ser>
-        <c:ser>
-          <c:idx val="2"/>
-          <c:order val="2"/>
-          <c:tx>
-            <c:strRef>
-              <c:f>Sheet1!$D$1</c:f>
-              <c:strCache>
-                <c:ptCount val="1"/>
-                <c:pt idx="0">
-                  <c:v>others</c:v>
-                </c:pt>
-              </c:strCache>
-            </c:strRef>
-          </c:tx>
-          <c:invertIfNegative val="0"/>
-          <c:cat>
-            <c:strRef>
-              <c:f>Sheet1!$A$2</c:f>
-              <c:strCache>
-                <c:ptCount val="1"/>
-                <c:pt idx="0">
-                  <c:v>12/11 - 02/12</c:v>
-                </c:pt>
-              </c:strCache>
-            </c:strRef>
-          </c:cat>
-          <c:val>
-            <c:numRef>
-              <c:f>Sheet1!$D$2</c:f>
-              <c:numCache>
-                <c:formatCode>General</c:formatCode>
-                <c:ptCount val="1"/>
-                <c:pt idx="0">
-                  <c:v>0.09</c:v>
+                <c:pt idx="1">
+                  <c:v>40</c:v>
                 </c:pt>
               </c:numCache>
             </c:numRef>
@@ -575,51 +343,115 @@
           <c:showSerName val="0"/>
           <c:showPercent val="0"/>
           <c:showBubbleSize val="0"/>
+          <c:showLeaderLines val="1"/>
         </c:dLbls>
-        <c:gapWidth val="150"/>
-        <c:overlap val="100"/>
-        <c:axId val="149865984"/>
-        <c:axId val="149867520"/>
-      </c:barChart>
-      <c:catAx>
-        <c:axId val="149865984"/>
-        <c:scaling>
-          <c:orientation val="minMax"/>
-        </c:scaling>
-        <c:delete val="0"/>
-        <c:axPos val="b"/>
-        <c:majorTickMark val="out"/>
-        <c:minorTickMark val="none"/>
-        <c:tickLblPos val="nextTo"/>
-        <c:crossAx val="149867520"/>
-        <c:crosses val="autoZero"/>
-        <c:auto val="1"/>
-        <c:lblAlgn val="ctr"/>
-        <c:lblOffset val="100"/>
-        <c:noMultiLvlLbl val="0"/>
-      </c:catAx>
-      <c:valAx>
-        <c:axId val="149867520"/>
-        <c:scaling>
-          <c:orientation val="minMax"/>
-        </c:scaling>
-        <c:delete val="0"/>
-        <c:axPos val="l"/>
-        <c:majorGridlines/>
-        <c:numFmt formatCode="0%" sourceLinked="1"/>
-        <c:majorTickMark val="none"/>
-        <c:minorTickMark val="none"/>
-        <c:tickLblPos val="none"/>
-        <c:crossAx val="149865984"/>
-        <c:crosses val="autoZero"/>
-        <c:crossBetween val="between"/>
-      </c:valAx>
+        <c:firstSliceAng val="0"/>
+      </c:pieChart>
     </c:plotArea>
-    <c:legend>
-      <c:legendPos val="b"/>
+    <c:plotVisOnly val="1"/>
+    <c:dispBlanksAs val="gap"/>
+    <c:showDLblsOverMax val="0"/>
+  </c:chart>
+  <c:txPr>
+    <a:bodyPr/>
+    <a:lstStyle/>
+    <a:p>
+      <a:pPr>
+        <a:defRPr sz="1800"/>
+      </a:pPr>
+      <a:endParaRPr lang="de-DE"/>
+    </a:p>
+  </c:txPr>
+  <c:externalData r:id="rId1">
+    <c:autoUpdate val="0"/>
+  </c:externalData>
+</c:chartSpace>
+</file>
+
+<file path=ppt/charts/chart3.xml><?xml version="1.0" encoding="utf-8"?>
+<c:chartSpace xmlns:c="http://schemas.openxmlformats.org/drawingml/2006/chart" xmlns:a="http://schemas.openxmlformats.org/drawingml/2006/main" xmlns:r="http://schemas.openxmlformats.org/officeDocument/2006/relationships">
+  <c:date1904 val="0"/>
+  <c:lang val="de-CH"/>
+  <c:roundedCorners val="0"/>
+  <mc:AlternateContent xmlns:mc="http://schemas.openxmlformats.org/markup-compatibility/2006">
+    <mc:Choice xmlns:c14="http://schemas.microsoft.com/office/drawing/2007/8/2/chart" Requires="c14">
+      <c14:style val="102"/>
+    </mc:Choice>
+    <mc:Fallback>
+      <c:style val="2"/>
+    </mc:Fallback>
+  </mc:AlternateContent>
+  <c:chart>
+    <c:autoTitleDeleted val="1"/>
+    <c:plotArea>
       <c:layout/>
-      <c:overlay val="0"/>
-    </c:legend>
+      <c:pieChart>
+        <c:varyColors val="1"/>
+        <c:ser>
+          <c:idx val="0"/>
+          <c:order val="0"/>
+          <c:tx>
+            <c:strRef>
+              <c:f>Sheet1!$B$1</c:f>
+              <c:strCache>
+                <c:ptCount val="1"/>
+                <c:pt idx="0">
+                  <c:v>Facebook Posts</c:v>
+                </c:pt>
+              </c:strCache>
+            </c:strRef>
+          </c:tx>
+          <c:dPt>
+            <c:idx val="1"/>
+            <c:bubble3D val="0"/>
+            <c:spPr>
+              <a:solidFill>
+                <a:schemeClr val="bg1"/>
+              </a:solidFill>
+            </c:spPr>
+          </c:dPt>
+          <c:cat>
+            <c:strRef>
+              <c:f>Sheet1!$A$2:$A$3</c:f>
+              <c:strCache>
+                <c:ptCount val="2"/>
+                <c:pt idx="0">
+                  <c:v>Mobile Device</c:v>
+                </c:pt>
+                <c:pt idx="1">
+                  <c:v>others</c:v>
+                </c:pt>
+              </c:strCache>
+            </c:strRef>
+          </c:cat>
+          <c:val>
+            <c:numRef>
+              <c:f>Sheet1!$B$2:$B$3</c:f>
+              <c:numCache>
+                <c:formatCode>General</c:formatCode>
+                <c:ptCount val="2"/>
+                <c:pt idx="0">
+                  <c:v>90</c:v>
+                </c:pt>
+                <c:pt idx="1">
+                  <c:v>10</c:v>
+                </c:pt>
+              </c:numCache>
+            </c:numRef>
+          </c:val>
+        </c:ser>
+        <c:dLbls>
+          <c:showLegendKey val="0"/>
+          <c:showVal val="0"/>
+          <c:showCatName val="0"/>
+          <c:showSerName val="0"/>
+          <c:showPercent val="0"/>
+          <c:showBubbleSize val="0"/>
+          <c:showLeaderLines val="1"/>
+        </c:dLbls>
+        <c:firstSliceAng val="0"/>
+      </c:pieChart>
+    </c:plotArea>
     <c:plotVisOnly val="1"/>
     <c:dispBlanksAs val="gap"/>
     <c:showDLblsOverMax val="0"/>
@@ -3679,14 +3511,6 @@
               </a:rPr>
               <a:t>Cross-platform Mobile Development</a:t>
             </a:r>
-            <a:endParaRPr lang="en-US" sz="700" b="1" kern="1200" noProof="1" smtClean="0">
-              <a:solidFill>
-                <a:srgbClr val="000000"/>
-              </a:solidFill>
-              <a:latin typeface="AA Zuehlke" pitchFamily="2" charset="0"/>
-              <a:ea typeface="+mn-ea"/>
-              <a:cs typeface="+mn-cs"/>
-            </a:endParaRPr>
           </a:p>
         </p:txBody>
       </p:sp>
@@ -6467,14 +6291,6 @@
               </a:rPr>
               <a:t>© Zühlke 2013</a:t>
             </a:r>
-            <a:endParaRPr lang="en-US" sz="700" kern="1200" noProof="1" smtClean="0">
-              <a:solidFill>
-                <a:srgbClr val="000000"/>
-              </a:solidFill>
-              <a:latin typeface="AA Zuehlke" pitchFamily="2" charset="0"/>
-              <a:ea typeface="+mn-ea"/>
-              <a:cs typeface="+mn-cs"/>
-            </a:endParaRPr>
           </a:p>
         </p:txBody>
       </p:sp>
@@ -6900,19 +6716,7 @@
           <a:p>
             <a:r>
               <a:rPr lang="en-US" dirty="0" smtClean="0"/>
-              <a:t>Cross-platform </a:t>
-            </a:r>
-            <a:r>
-              <a:rPr lang="en-US" dirty="0" smtClean="0"/>
-              <a:t>Mobile Development (with </a:t>
-            </a:r>
-            <a:r>
-              <a:rPr lang="en-US" dirty="0" smtClean="0"/>
-              <a:t>C</a:t>
-            </a:r>
-            <a:r>
-              <a:rPr lang="en-US" dirty="0" smtClean="0"/>
-              <a:t>#)</a:t>
+              <a:t>Cross-platform Mobile Development (with C#)</a:t>
             </a:r>
             <a:endParaRPr lang="en-US" dirty="0"/>
           </a:p>
@@ -7795,15 +7599,7 @@
             </a:r>
             <a:r>
               <a:rPr lang="en-US" dirty="0" smtClean="0"/>
-              <a:t> </a:t>
-            </a:r>
-            <a:r>
-              <a:rPr lang="en-US" dirty="0" smtClean="0"/>
-              <a:t>Setup </a:t>
-            </a:r>
-            <a:r>
-              <a:rPr lang="en-US" dirty="0" smtClean="0"/>
-              <a:t>with </a:t>
+              <a:t> Setup with </a:t>
             </a:r>
             <a:r>
               <a:rPr lang="en-US" dirty="0" err="1" smtClean="0"/>
@@ -7937,12 +7733,6 @@
               </a:rPr>
               <a:t>3</a:t>
             </a:r>
-            <a:endParaRPr lang="en-US" sz="2200" dirty="0" smtClean="0">
-              <a:solidFill>
-                <a:schemeClr val="accent1"/>
-              </a:solidFill>
-              <a:latin typeface="+mj-lt"/>
-            </a:endParaRPr>
           </a:p>
         </p:txBody>
       </p:sp>
@@ -8123,23 +7913,11 @@
           <a:p>
             <a:r>
               <a:rPr lang="en-US" dirty="0" smtClean="0"/>
-              <a:t>Shared </a:t>
-            </a:r>
-            <a:r>
-              <a:rPr lang="en-US" dirty="0" smtClean="0"/>
-              <a:t>Model/</a:t>
+              <a:t>Shared Model/</a:t>
             </a:r>
             <a:r>
               <a:rPr lang="en-US" dirty="0" err="1" smtClean="0"/>
-              <a:t>View</a:t>
-            </a:r>
-            <a:r>
-              <a:rPr lang="en-US" dirty="0" err="1" smtClean="0"/>
-              <a:t>M</a:t>
-            </a:r>
-            <a:r>
-              <a:rPr lang="en-US" dirty="0" err="1" smtClean="0"/>
-              <a:t>odel</a:t>
+              <a:t>ViewModel</a:t>
             </a:r>
             <a:r>
               <a:rPr lang="en-US" dirty="0" smtClean="0"/>
@@ -8273,12 +8051,6 @@
               </a:rPr>
               <a:t>4</a:t>
             </a:r>
-            <a:endParaRPr lang="en-US" sz="2200" dirty="0" smtClean="0">
-              <a:solidFill>
-                <a:schemeClr val="accent1"/>
-              </a:solidFill>
-              <a:latin typeface="+mj-lt"/>
-            </a:endParaRPr>
           </a:p>
         </p:txBody>
       </p:sp>
@@ -8473,7 +8245,6 @@
               <a:rPr lang="en-US" dirty="0"/>
               <a:t>)</a:t>
             </a:r>
-            <a:endParaRPr lang="en-US" dirty="0"/>
           </a:p>
         </p:txBody>
       </p:sp>
@@ -8601,12 +8372,6 @@
               </a:rPr>
               <a:t>5</a:t>
             </a:r>
-            <a:endParaRPr lang="en-US" sz="2200" dirty="0" smtClean="0">
-              <a:solidFill>
-                <a:schemeClr val="accent1"/>
-              </a:solidFill>
-              <a:latin typeface="+mj-lt"/>
-            </a:endParaRPr>
           </a:p>
         </p:txBody>
       </p:sp>
@@ -9175,12 +8940,6 @@
               </a:rPr>
               <a:t>6</a:t>
             </a:r>
-            <a:endParaRPr lang="en-US" sz="2200" dirty="0" smtClean="0">
-              <a:solidFill>
-                <a:schemeClr val="accent1"/>
-              </a:solidFill>
-              <a:latin typeface="+mj-lt"/>
-            </a:endParaRPr>
           </a:p>
         </p:txBody>
       </p:sp>
@@ -9839,12 +9598,6 @@
               </a:rPr>
               <a:t>7</a:t>
             </a:r>
-            <a:endParaRPr lang="en-US" sz="2200" dirty="0" smtClean="0">
-              <a:solidFill>
-                <a:schemeClr val="accent1"/>
-              </a:solidFill>
-              <a:latin typeface="+mj-lt"/>
-            </a:endParaRPr>
           </a:p>
         </p:txBody>
       </p:sp>
@@ -10586,12 +10339,6 @@
               </a:rPr>
               <a:t>8</a:t>
             </a:r>
-            <a:endParaRPr lang="en-US" sz="2200" dirty="0" smtClean="0">
-              <a:solidFill>
-                <a:schemeClr val="accent1"/>
-              </a:solidFill>
-              <a:latin typeface="+mj-lt"/>
-            </a:endParaRPr>
           </a:p>
         </p:txBody>
       </p:sp>
@@ -10703,24 +10450,134 @@
               <a:defRPr/>
             </a:pPr>
             <a:r>
-              <a:rPr lang="en-US" sz="3600" dirty="0" smtClean="0"/>
-              <a:t>The </a:t>
-            </a:r>
-            <a:r>
-              <a:rPr lang="en-US" sz="3600" dirty="0" smtClean="0"/>
-              <a:t>Future Is Mobile</a:t>
-            </a:r>
-            <a:r>
-              <a:rPr lang="en-US" sz="3600" dirty="0" smtClean="0"/>
-              <a:t>!</a:t>
-            </a:r>
-            <a:endParaRPr lang="en-US" sz="3600" dirty="0"/>
+              <a:rPr lang="en-US" dirty="0" smtClean="0"/>
+              <a:t>The Future Is Mobile!</a:t>
+            </a:r>
+            <a:endParaRPr lang="en-US" dirty="0"/>
+          </a:p>
+        </p:txBody>
+      </p:sp>
+      <p:sp>
+        <p:nvSpPr>
+          <p:cNvPr id="4" name="TextBox 3"/>
+          <p:cNvSpPr txBox="1"/>
+          <p:nvPr/>
+        </p:nvSpPr>
+        <p:spPr>
+          <a:xfrm>
+            <a:off x="7642439" y="6399474"/>
+            <a:ext cx="1439818" cy="246221"/>
+          </a:xfrm>
+          <a:prstGeom prst="rect">
+            <a:avLst/>
+          </a:prstGeom>
+          <a:noFill/>
+        </p:spPr>
+        <p:txBody>
+          <a:bodyPr wrap="none" rtlCol="0">
+            <a:spAutoFit/>
+          </a:bodyPr>
+          <a:lstStyle/>
+          <a:p>
+            <a:pPr algn="r"/>
+            <a:r>
+              <a:rPr lang="en-US" sz="1000" dirty="0" smtClean="0"/>
+              <a:t>Bill </a:t>
+            </a:r>
+            <a:r>
+              <a:rPr lang="en-US" sz="1000" dirty="0" err="1" smtClean="0"/>
+              <a:t>Boorman</a:t>
+            </a:r>
+            <a:r>
+              <a:rPr lang="en-US" sz="1000" dirty="0" smtClean="0"/>
+              <a:t>, </a:t>
+            </a:r>
+            <a:r>
+              <a:rPr lang="en-US" sz="1000" dirty="0" smtClean="0">
+                <a:hlinkClick r:id="rId2"/>
+              </a:rPr>
+              <a:t>ATC 2012</a:t>
+            </a:r>
+            <a:endParaRPr lang="en-US" sz="1000" dirty="0" smtClean="0"/>
+          </a:p>
+        </p:txBody>
+      </p:sp>
+      <p:sp>
+        <p:nvSpPr>
+          <p:cNvPr id="8" name="Footer Placeholder 7"/>
+          <p:cNvSpPr>
+            <a:spLocks noGrp="1"/>
+          </p:cNvSpPr>
+          <p:nvPr>
+            <p:ph type="ftr" sz="quarter" idx="11"/>
+          </p:nvPr>
+        </p:nvSpPr>
+        <p:spPr/>
+        <p:txBody>
+          <a:bodyPr/>
+          <a:lstStyle/>
+          <a:p>
+            <a:r>
+              <a:rPr lang="en-US" smtClean="0"/>
+              <a:t>Cross-platform Mobile Development | Ursin Brunner, Stefan Schöb, Oliver Brack</a:t>
+            </a:r>
+            <a:endParaRPr lang="en-US" dirty="0"/>
+          </a:p>
+        </p:txBody>
+      </p:sp>
+      <p:sp>
+        <p:nvSpPr>
+          <p:cNvPr id="12" name="Date Placeholder 11"/>
+          <p:cNvSpPr>
+            <a:spLocks noGrp="1"/>
+          </p:cNvSpPr>
+          <p:nvPr>
+            <p:ph type="dt" sz="half" idx="10"/>
+          </p:nvPr>
+        </p:nvSpPr>
+        <p:spPr/>
+        <p:txBody>
+          <a:bodyPr/>
+          <a:lstStyle/>
+          <a:p>
+            <a:r>
+              <a:rPr lang="en-US" smtClean="0"/>
+              <a:t>26. September 2013</a:t>
+            </a:r>
+            <a:endParaRPr lang="de-CH" dirty="0"/>
+          </a:p>
+        </p:txBody>
+      </p:sp>
+      <p:sp>
+        <p:nvSpPr>
+          <p:cNvPr id="13" name="Slide Number Placeholder 12"/>
+          <p:cNvSpPr>
+            <a:spLocks noGrp="1"/>
+          </p:cNvSpPr>
+          <p:nvPr>
+            <p:ph type="sldNum" sz="quarter" idx="12"/>
+          </p:nvPr>
+        </p:nvSpPr>
+        <p:spPr/>
+        <p:txBody>
+          <a:bodyPr/>
+          <a:lstStyle/>
+          <a:p>
+            <a:r>
+              <a:rPr lang="de-CH" smtClean="0"/>
+              <a:t>Slide </a:t>
+            </a:r>
+            <a:fld id="{52D4AFEC-F955-41BA-8292-1BE91E4102BD}" type="slidenum">
+              <a:rPr lang="de-CH" smtClean="0"/>
+              <a:t>2</a:t>
+            </a:fld>
+            <a:endParaRPr lang="de-CH" dirty="0"/>
           </a:p>
         </p:txBody>
       </p:sp>
       <p:graphicFrame>
         <p:nvGraphicFramePr>
-          <p:cNvPr id="2" name="Content Placeholder 1"/>
+          <p:cNvPr id="7" name="Content Placeholder 6"/>
           <p:cNvGraphicFramePr>
             <a:graphicFrameLocks noGrp="1"/>
           </p:cNvGraphicFramePr>
@@ -10728,66 +10585,14 @@
             <p:ph idx="1"/>
             <p:extLst>
               <p:ext uri="{D42A27DB-BD31-4B8C-83A1-F6EECF244321}">
-                <p14:modId xmlns:p14="http://schemas.microsoft.com/office/powerpoint/2010/main" val="458763553"/>
+                <p14:modId xmlns:p14="http://schemas.microsoft.com/office/powerpoint/2010/main" val="4257918361"/>
               </p:ext>
             </p:extLst>
           </p:nvPr>
         </p:nvGraphicFramePr>
         <p:xfrm>
-          <a:off x="152401" y="1646238"/>
-          <a:ext cx="5061200" cy="4848189"/>
-        </p:xfrm>
-        <a:graphic>
-          <a:graphicData uri="http://schemas.openxmlformats.org/drawingml/2006/chart">
-            <c:chart xmlns:c="http://schemas.openxmlformats.org/drawingml/2006/chart" xmlns:r="http://schemas.openxmlformats.org/officeDocument/2006/relationships" r:id="rId2"/>
-          </a:graphicData>
-        </a:graphic>
-      </p:graphicFrame>
-      <p:sp>
-        <p:nvSpPr>
-          <p:cNvPr id="4" name="TextBox 3"/>
-          <p:cNvSpPr txBox="1"/>
-          <p:nvPr/>
-        </p:nvSpPr>
-        <p:spPr>
-          <a:xfrm>
-            <a:off x="8019974" y="6351849"/>
-            <a:ext cx="1124026" cy="246221"/>
-          </a:xfrm>
-          <a:prstGeom prst="rect">
-            <a:avLst/>
-          </a:prstGeom>
-          <a:noFill/>
-        </p:spPr>
-        <p:txBody>
-          <a:bodyPr wrap="none" rtlCol="0">
-            <a:spAutoFit/>
-          </a:bodyPr>
-          <a:lstStyle/>
-          <a:p>
-            <a:pPr algn="r"/>
-            <a:r>
-              <a:rPr lang="en-US" sz="1000" dirty="0" smtClean="0"/>
-              <a:t>IDC/Nielsen 2012</a:t>
-            </a:r>
-          </a:p>
-        </p:txBody>
-      </p:sp>
-      <p:graphicFrame>
-        <p:nvGraphicFramePr>
-          <p:cNvPr id="5" name="Chart 4"/>
-          <p:cNvGraphicFramePr/>
-          <p:nvPr>
-            <p:extLst>
-              <p:ext uri="{D42A27DB-BD31-4B8C-83A1-F6EECF244321}">
-                <p14:modId xmlns:p14="http://schemas.microsoft.com/office/powerpoint/2010/main" val="2358618634"/>
-              </p:ext>
-            </p:extLst>
-          </p:nvPr>
-        </p:nvGraphicFramePr>
-        <p:xfrm>
-          <a:off x="5427468" y="1789353"/>
-          <a:ext cx="3312368" cy="4525200"/>
+          <a:off x="2932353" y="2573532"/>
+          <a:ext cx="3207687" cy="2880000"/>
         </p:xfrm>
         <a:graphic>
           <a:graphicData uri="http://schemas.openxmlformats.org/drawingml/2006/chart">
@@ -10795,181 +10600,1395 @@
           </a:graphicData>
         </a:graphic>
       </p:graphicFrame>
-      <p:sp>
-        <p:nvSpPr>
-          <p:cNvPr id="8" name="Footer Placeholder 7"/>
-          <p:cNvSpPr>
-            <a:spLocks noGrp="1"/>
-          </p:cNvSpPr>
+      <p:graphicFrame>
+        <p:nvGraphicFramePr>
+          <p:cNvPr id="14" name="Content Placeholder 6"/>
+          <p:cNvGraphicFramePr>
+            <a:graphicFrameLocks/>
+          </p:cNvGraphicFramePr>
           <p:nvPr>
-            <p:ph type="ftr" sz="quarter" idx="11"/>
+            <p:extLst>
+              <p:ext uri="{D42A27DB-BD31-4B8C-83A1-F6EECF244321}">
+                <p14:modId xmlns:p14="http://schemas.microsoft.com/office/powerpoint/2010/main" val="2339582886"/>
+              </p:ext>
+            </p:extLst>
           </p:nvPr>
-        </p:nvSpPr>
-        <p:spPr/>
-        <p:txBody>
-          <a:bodyPr/>
-          <a:lstStyle/>
-          <a:p>
-            <a:r>
-              <a:rPr lang="en-US" smtClean="0"/>
-              <a:t>Cross-platform Mobile Development | Ursin Brunner, Stefan Schöb, Oliver Brack</a:t>
-            </a:r>
-            <a:endParaRPr lang="en-US" dirty="0"/>
-          </a:p>
-        </p:txBody>
-      </p:sp>
-      <p:sp>
-        <p:nvSpPr>
-          <p:cNvPr id="11" name="Rectangle 10"/>
-          <p:cNvSpPr/>
+        </p:nvGraphicFramePr>
+        <p:xfrm>
+          <a:off x="-204363" y="2573532"/>
+          <a:ext cx="3207687" cy="2880000"/>
+        </p:xfrm>
+        <a:graphic>
+          <a:graphicData uri="http://schemas.openxmlformats.org/drawingml/2006/chart">
+            <c:chart xmlns:c="http://schemas.openxmlformats.org/drawingml/2006/chart" xmlns:r="http://schemas.openxmlformats.org/officeDocument/2006/relationships" r:id="rId4"/>
+          </a:graphicData>
+        </a:graphic>
+      </p:graphicFrame>
+      <p:graphicFrame>
+        <p:nvGraphicFramePr>
+          <p:cNvPr id="15" name="Content Placeholder 6"/>
+          <p:cNvGraphicFramePr>
+            <a:graphicFrameLocks/>
+          </p:cNvGraphicFramePr>
+          <p:nvPr>
+            <p:extLst>
+              <p:ext uri="{D42A27DB-BD31-4B8C-83A1-F6EECF244321}">
+                <p14:modId xmlns:p14="http://schemas.microsoft.com/office/powerpoint/2010/main" val="2560310598"/>
+              </p:ext>
+            </p:extLst>
+          </p:nvPr>
+        </p:nvGraphicFramePr>
+        <p:xfrm>
+          <a:off x="6069069" y="2573532"/>
+          <a:ext cx="3207687" cy="2880000"/>
+        </p:xfrm>
+        <a:graphic>
+          <a:graphicData uri="http://schemas.openxmlformats.org/drawingml/2006/chart">
+            <c:chart xmlns:c="http://schemas.openxmlformats.org/drawingml/2006/chart" xmlns:r="http://schemas.openxmlformats.org/officeDocument/2006/relationships" r:id="rId5"/>
+          </a:graphicData>
+        </a:graphic>
+      </p:graphicFrame>
+      <p:sp>
+        <p:nvSpPr>
+          <p:cNvPr id="16" name="Text Placeholder 1"/>
+          <p:cNvSpPr txBox="1">
+            <a:spLocks/>
+          </p:cNvSpPr>
           <p:nvPr/>
         </p:nvSpPr>
-        <p:spPr>
-          <a:xfrm rot="19911849">
-            <a:off x="947956" y="3196500"/>
-            <a:ext cx="7106433" cy="923330"/>
+        <p:spPr bwMode="auto">
+          <a:xfrm>
+            <a:off x="186280" y="5598893"/>
+            <a:ext cx="2426400" cy="432000"/>
           </a:xfrm>
           <a:prstGeom prst="rect">
             <a:avLst/>
           </a:prstGeom>
           <a:noFill/>
-        </p:spPr>
-        <p:txBody>
-          <a:bodyPr wrap="none" lIns="91440" tIns="45720" rIns="91440" bIns="45720">
-            <a:spAutoFit/>
+          <a:ln>
+            <a:noFill/>
+          </a:ln>
+          <a:extLst/>
+        </p:spPr>
+        <p:txBody>
+          <a:bodyPr vert="horz" wrap="square" lIns="91440" tIns="45720" rIns="91440" bIns="45720" numCol="1" anchor="ctr" anchorCtr="0" compatLnSpc="1">
+            <a:prstTxWarp prst="textNoShape">
+              <a:avLst/>
+            </a:prstTxWarp>
           </a:bodyPr>
-          <a:lstStyle/>
-          <a:p>
-            <a:pPr algn="ctr"/>
-            <a:r>
-              <a:rPr lang="en-US" sz="5400" b="1" cap="none" spc="300" dirty="0" smtClean="0">
-                <a:ln w="11430" cmpd="sng">
-                  <a:solidFill>
-                    <a:schemeClr val="accent1">
-                      <a:tint val="10000"/>
-                    </a:schemeClr>
-                  </a:solidFill>
-                  <a:prstDash val="solid"/>
-                  <a:miter lim="800000"/>
-                </a:ln>
-                <a:gradFill>
-                  <a:gsLst>
-                    <a:gs pos="10000">
-                      <a:schemeClr val="accent1">
-                        <a:tint val="83000"/>
-                        <a:shade val="100000"/>
-                        <a:satMod val="200000"/>
-                      </a:schemeClr>
-                    </a:gs>
-                    <a:gs pos="75000">
-                      <a:schemeClr val="accent1">
-                        <a:tint val="100000"/>
-                        <a:shade val="50000"/>
-                        <a:satMod val="150000"/>
-                      </a:schemeClr>
-                    </a:gs>
-                  </a:gsLst>
-                  <a:lin ang="5400000"/>
-                </a:gradFill>
-                <a:effectLst>
-                  <a:glow rad="45500">
-                    <a:schemeClr val="accent1">
-                      <a:satMod val="220000"/>
-                      <a:alpha val="35000"/>
-                    </a:schemeClr>
-                  </a:glow>
-                </a:effectLst>
+          <a:lstStyle>
+            <a:lvl1pPr marL="365125" indent="-255588" algn="l" rtl="0" eaLnBrk="0" fontAlgn="base" hangingPunct="0">
+              <a:spcBef>
+                <a:spcPts val="400"/>
+              </a:spcBef>
+              <a:spcAft>
+                <a:spcPct val="0"/>
+              </a:spcAft>
+              <a:buClr>
+                <a:schemeClr val="accent1"/>
+              </a:buClr>
+              <a:buSzPct val="68000"/>
+              <a:buFont typeface="Wingdings 3" pitchFamily="18" charset="2"/>
+              <a:buChar char=""/>
+              <a:defRPr sz="2700" kern="1200">
+                <a:solidFill>
+                  <a:schemeClr val="tx1"/>
+                </a:solidFill>
+                <a:latin typeface="+mn-lt"/>
+                <a:ea typeface="+mn-ea"/>
+                <a:cs typeface="+mn-cs"/>
+              </a:defRPr>
+            </a:lvl1pPr>
+            <a:lvl2pPr marL="620713" indent="-228600" algn="l" rtl="0" eaLnBrk="0" fontAlgn="base" hangingPunct="0">
+              <a:spcBef>
+                <a:spcPts val="325"/>
+              </a:spcBef>
+              <a:spcAft>
+                <a:spcPct val="0"/>
+              </a:spcAft>
+              <a:buClr>
+                <a:schemeClr val="accent1"/>
+              </a:buClr>
+              <a:buFont typeface="Arial" pitchFamily="34" charset="0"/>
+              <a:buChar char="•"/>
+              <a:defRPr sz="2300" kern="1200">
+                <a:solidFill>
+                  <a:schemeClr val="tx1"/>
+                </a:solidFill>
+                <a:latin typeface="+mn-lt"/>
+                <a:ea typeface="+mn-ea"/>
+                <a:cs typeface="+mn-cs"/>
+              </a:defRPr>
+            </a:lvl2pPr>
+            <a:lvl3pPr marL="858838" indent="-228600" algn="l" rtl="0" eaLnBrk="0" fontAlgn="base" hangingPunct="0">
+              <a:spcBef>
+                <a:spcPts val="350"/>
+              </a:spcBef>
+              <a:spcAft>
+                <a:spcPct val="0"/>
+              </a:spcAft>
+              <a:buClr>
+                <a:schemeClr val="accent2"/>
+              </a:buClr>
+              <a:buSzPct val="100000"/>
+              <a:buFont typeface="Wingdings 2" pitchFamily="18" charset="2"/>
+              <a:buChar char=""/>
+              <a:defRPr sz="2100" kern="1200">
+                <a:solidFill>
+                  <a:schemeClr val="tx1"/>
+                </a:solidFill>
+                <a:latin typeface="+mn-lt"/>
+                <a:ea typeface="+mn-ea"/>
+                <a:cs typeface="+mn-cs"/>
+              </a:defRPr>
+            </a:lvl3pPr>
+            <a:lvl4pPr marL="1143000" indent="-228600" algn="l" rtl="0" eaLnBrk="0" fontAlgn="base" hangingPunct="0">
+              <a:spcBef>
+                <a:spcPts val="350"/>
+              </a:spcBef>
+              <a:spcAft>
+                <a:spcPct val="0"/>
+              </a:spcAft>
+              <a:buClr>
+                <a:schemeClr val="accent2"/>
+              </a:buClr>
+              <a:buFont typeface="Wingdings 2" pitchFamily="18" charset="2"/>
+              <a:buChar char=""/>
+              <a:defRPr sz="1900" kern="1200">
+                <a:solidFill>
+                  <a:schemeClr val="tx1"/>
+                </a:solidFill>
+                <a:latin typeface="+mn-lt"/>
+                <a:ea typeface="+mn-ea"/>
+                <a:cs typeface="+mn-cs"/>
+              </a:defRPr>
+            </a:lvl4pPr>
+            <a:lvl5pPr marL="1371600" indent="-228600" algn="l" rtl="0" eaLnBrk="0" fontAlgn="base" hangingPunct="0">
+              <a:spcBef>
+                <a:spcPts val="350"/>
+              </a:spcBef>
+              <a:spcAft>
+                <a:spcPct val="0"/>
+              </a:spcAft>
+              <a:buClr>
+                <a:schemeClr val="accent2"/>
+              </a:buClr>
+              <a:buFont typeface="Wingdings 2" pitchFamily="18" charset="2"/>
+              <a:buChar char=""/>
+              <a:defRPr kern="1200">
+                <a:solidFill>
+                  <a:schemeClr val="tx1"/>
+                </a:solidFill>
+                <a:latin typeface="+mn-lt"/>
+                <a:ea typeface="+mn-ea"/>
+                <a:cs typeface="+mn-cs"/>
+              </a:defRPr>
+            </a:lvl5pPr>
+            <a:lvl6pPr marL="1600200" indent="-228600" algn="l" rtl="0" eaLnBrk="1" latinLnBrk="0" hangingPunct="1">
+              <a:spcBef>
+                <a:spcPts val="350"/>
+              </a:spcBef>
+              <a:buClr>
+                <a:schemeClr val="accent3"/>
+              </a:buClr>
+              <a:buFont typeface="Wingdings 2"/>
+              <a:buChar char=""/>
+              <a:defRPr kumimoji="0" sz="1800" kern="1200">
+                <a:solidFill>
+                  <a:schemeClr val="tx1"/>
+                </a:solidFill>
+                <a:latin typeface="+mn-lt"/>
+                <a:ea typeface="+mn-ea"/>
+                <a:cs typeface="+mn-cs"/>
+              </a:defRPr>
+            </a:lvl6pPr>
+            <a:lvl7pPr marL="1828800" indent="-228600" algn="l" rtl="0" eaLnBrk="1" latinLnBrk="0" hangingPunct="1">
+              <a:spcBef>
+                <a:spcPts val="350"/>
+              </a:spcBef>
+              <a:buClr>
+                <a:schemeClr val="accent3"/>
+              </a:buClr>
+              <a:buFont typeface="Wingdings 2"/>
+              <a:buChar char=""/>
+              <a:defRPr kumimoji="0" sz="1600" kern="1200">
+                <a:solidFill>
+                  <a:schemeClr val="tx1"/>
+                </a:solidFill>
+                <a:latin typeface="+mn-lt"/>
+                <a:ea typeface="+mn-ea"/>
+                <a:cs typeface="+mn-cs"/>
+              </a:defRPr>
+            </a:lvl7pPr>
+            <a:lvl8pPr marL="2057400" indent="-228600" algn="l" rtl="0" eaLnBrk="1" latinLnBrk="0" hangingPunct="1">
+              <a:spcBef>
+                <a:spcPts val="350"/>
+              </a:spcBef>
+              <a:buClr>
+                <a:schemeClr val="accent3"/>
+              </a:buClr>
+              <a:buFont typeface="Wingdings 2"/>
+              <a:buChar char=""/>
+              <a:defRPr kumimoji="0" sz="1600" kern="1200">
+                <a:solidFill>
+                  <a:schemeClr val="tx1"/>
+                </a:solidFill>
+                <a:latin typeface="+mn-lt"/>
+                <a:ea typeface="+mn-ea"/>
+                <a:cs typeface="+mn-cs"/>
+              </a:defRPr>
+            </a:lvl8pPr>
+            <a:lvl9pPr marL="2286000" indent="-228600" algn="l" rtl="0" eaLnBrk="1" latinLnBrk="0" hangingPunct="1">
+              <a:spcBef>
+                <a:spcPts val="350"/>
+              </a:spcBef>
+              <a:buClr>
+                <a:schemeClr val="accent3"/>
+              </a:buClr>
+              <a:buFont typeface="Wingdings 2"/>
+              <a:buChar char=""/>
+              <a:defRPr kumimoji="0" sz="1600" kern="1200" baseline="0">
+                <a:solidFill>
+                  <a:schemeClr val="tx1"/>
+                </a:solidFill>
+                <a:latin typeface="+mn-lt"/>
+                <a:ea typeface="+mn-ea"/>
+                <a:cs typeface="+mn-cs"/>
+              </a:defRPr>
+            </a:lvl9pPr>
+            <a:extLst/>
+          </a:lstStyle>
+          <a:p>
+            <a:pPr marL="109537" indent="0" algn="ctr">
+              <a:buNone/>
+            </a:pPr>
+            <a:r>
+              <a:rPr lang="en-US" sz="2800" dirty="0" smtClean="0"/>
+              <a:t>60 %</a:t>
+            </a:r>
+            <a:endParaRPr lang="en-US" sz="2800" dirty="0"/>
+          </a:p>
+        </p:txBody>
+      </p:sp>
+      <p:sp>
+        <p:nvSpPr>
+          <p:cNvPr id="17" name="Text Placeholder 1"/>
+          <p:cNvSpPr txBox="1">
+            <a:spLocks/>
+          </p:cNvSpPr>
+          <p:nvPr/>
+        </p:nvSpPr>
+        <p:spPr bwMode="auto">
+          <a:xfrm>
+            <a:off x="3322996" y="5598893"/>
+            <a:ext cx="2426400" cy="432000"/>
+          </a:xfrm>
+          <a:prstGeom prst="rect">
+            <a:avLst/>
+          </a:prstGeom>
+          <a:noFill/>
+          <a:ln>
+            <a:noFill/>
+          </a:ln>
+          <a:extLst/>
+        </p:spPr>
+        <p:txBody>
+          <a:bodyPr vert="horz" wrap="square" lIns="91440" tIns="45720" rIns="91440" bIns="45720" numCol="1" anchor="ctr" anchorCtr="0" compatLnSpc="1">
+            <a:prstTxWarp prst="textNoShape">
+              <a:avLst/>
+            </a:prstTxWarp>
+          </a:bodyPr>
+          <a:lstStyle>
+            <a:lvl1pPr marL="365125" indent="-255588" algn="l" rtl="0" eaLnBrk="0" fontAlgn="base" hangingPunct="0">
+              <a:spcBef>
+                <a:spcPts val="400"/>
+              </a:spcBef>
+              <a:spcAft>
+                <a:spcPct val="0"/>
+              </a:spcAft>
+              <a:buClr>
+                <a:schemeClr val="accent1"/>
+              </a:buClr>
+              <a:buSzPct val="68000"/>
+              <a:buFont typeface="Wingdings 3" pitchFamily="18" charset="2"/>
+              <a:buChar char=""/>
+              <a:defRPr sz="2700" kern="1200">
+                <a:solidFill>
+                  <a:schemeClr val="tx1"/>
+                </a:solidFill>
+                <a:latin typeface="+mn-lt"/>
+                <a:ea typeface="+mn-ea"/>
+                <a:cs typeface="+mn-cs"/>
+              </a:defRPr>
+            </a:lvl1pPr>
+            <a:lvl2pPr marL="620713" indent="-228600" algn="l" rtl="0" eaLnBrk="0" fontAlgn="base" hangingPunct="0">
+              <a:spcBef>
+                <a:spcPts val="325"/>
+              </a:spcBef>
+              <a:spcAft>
+                <a:spcPct val="0"/>
+              </a:spcAft>
+              <a:buClr>
+                <a:schemeClr val="accent1"/>
+              </a:buClr>
+              <a:buFont typeface="Arial" pitchFamily="34" charset="0"/>
+              <a:buChar char="•"/>
+              <a:defRPr sz="2300" kern="1200">
+                <a:solidFill>
+                  <a:schemeClr val="tx1"/>
+                </a:solidFill>
+                <a:latin typeface="+mn-lt"/>
+                <a:ea typeface="+mn-ea"/>
+                <a:cs typeface="+mn-cs"/>
+              </a:defRPr>
+            </a:lvl2pPr>
+            <a:lvl3pPr marL="858838" indent="-228600" algn="l" rtl="0" eaLnBrk="0" fontAlgn="base" hangingPunct="0">
+              <a:spcBef>
+                <a:spcPts val="350"/>
+              </a:spcBef>
+              <a:spcAft>
+                <a:spcPct val="0"/>
+              </a:spcAft>
+              <a:buClr>
+                <a:schemeClr val="accent2"/>
+              </a:buClr>
+              <a:buSzPct val="100000"/>
+              <a:buFont typeface="Wingdings 2" pitchFamily="18" charset="2"/>
+              <a:buChar char=""/>
+              <a:defRPr sz="2100" kern="1200">
+                <a:solidFill>
+                  <a:schemeClr val="tx1"/>
+                </a:solidFill>
+                <a:latin typeface="+mn-lt"/>
+                <a:ea typeface="+mn-ea"/>
+                <a:cs typeface="+mn-cs"/>
+              </a:defRPr>
+            </a:lvl3pPr>
+            <a:lvl4pPr marL="1143000" indent="-228600" algn="l" rtl="0" eaLnBrk="0" fontAlgn="base" hangingPunct="0">
+              <a:spcBef>
+                <a:spcPts val="350"/>
+              </a:spcBef>
+              <a:spcAft>
+                <a:spcPct val="0"/>
+              </a:spcAft>
+              <a:buClr>
+                <a:schemeClr val="accent2"/>
+              </a:buClr>
+              <a:buFont typeface="Wingdings 2" pitchFamily="18" charset="2"/>
+              <a:buChar char=""/>
+              <a:defRPr sz="1900" kern="1200">
+                <a:solidFill>
+                  <a:schemeClr val="tx1"/>
+                </a:solidFill>
+                <a:latin typeface="+mn-lt"/>
+                <a:ea typeface="+mn-ea"/>
+                <a:cs typeface="+mn-cs"/>
+              </a:defRPr>
+            </a:lvl4pPr>
+            <a:lvl5pPr marL="1371600" indent="-228600" algn="l" rtl="0" eaLnBrk="0" fontAlgn="base" hangingPunct="0">
+              <a:spcBef>
+                <a:spcPts val="350"/>
+              </a:spcBef>
+              <a:spcAft>
+                <a:spcPct val="0"/>
+              </a:spcAft>
+              <a:buClr>
+                <a:schemeClr val="accent2"/>
+              </a:buClr>
+              <a:buFont typeface="Wingdings 2" pitchFamily="18" charset="2"/>
+              <a:buChar char=""/>
+              <a:defRPr kern="1200">
+                <a:solidFill>
+                  <a:schemeClr val="tx1"/>
+                </a:solidFill>
+                <a:latin typeface="+mn-lt"/>
+                <a:ea typeface="+mn-ea"/>
+                <a:cs typeface="+mn-cs"/>
+              </a:defRPr>
+            </a:lvl5pPr>
+            <a:lvl6pPr marL="1600200" indent="-228600" algn="l" rtl="0" eaLnBrk="1" latinLnBrk="0" hangingPunct="1">
+              <a:spcBef>
+                <a:spcPts val="350"/>
+              </a:spcBef>
+              <a:buClr>
+                <a:schemeClr val="accent3"/>
+              </a:buClr>
+              <a:buFont typeface="Wingdings 2"/>
+              <a:buChar char=""/>
+              <a:defRPr kumimoji="0" sz="1800" kern="1200">
+                <a:solidFill>
+                  <a:schemeClr val="tx1"/>
+                </a:solidFill>
+                <a:latin typeface="+mn-lt"/>
+                <a:ea typeface="+mn-ea"/>
+                <a:cs typeface="+mn-cs"/>
+              </a:defRPr>
+            </a:lvl6pPr>
+            <a:lvl7pPr marL="1828800" indent="-228600" algn="l" rtl="0" eaLnBrk="1" latinLnBrk="0" hangingPunct="1">
+              <a:spcBef>
+                <a:spcPts val="350"/>
+              </a:spcBef>
+              <a:buClr>
+                <a:schemeClr val="accent3"/>
+              </a:buClr>
+              <a:buFont typeface="Wingdings 2"/>
+              <a:buChar char=""/>
+              <a:defRPr kumimoji="0" sz="1600" kern="1200">
+                <a:solidFill>
+                  <a:schemeClr val="tx1"/>
+                </a:solidFill>
+                <a:latin typeface="+mn-lt"/>
+                <a:ea typeface="+mn-ea"/>
+                <a:cs typeface="+mn-cs"/>
+              </a:defRPr>
+            </a:lvl7pPr>
+            <a:lvl8pPr marL="2057400" indent="-228600" algn="l" rtl="0" eaLnBrk="1" latinLnBrk="0" hangingPunct="1">
+              <a:spcBef>
+                <a:spcPts val="350"/>
+              </a:spcBef>
+              <a:buClr>
+                <a:schemeClr val="accent3"/>
+              </a:buClr>
+              <a:buFont typeface="Wingdings 2"/>
+              <a:buChar char=""/>
+              <a:defRPr kumimoji="0" sz="1600" kern="1200">
+                <a:solidFill>
+                  <a:schemeClr val="tx1"/>
+                </a:solidFill>
+                <a:latin typeface="+mn-lt"/>
+                <a:ea typeface="+mn-ea"/>
+                <a:cs typeface="+mn-cs"/>
+              </a:defRPr>
+            </a:lvl8pPr>
+            <a:lvl9pPr marL="2286000" indent="-228600" algn="l" rtl="0" eaLnBrk="1" latinLnBrk="0" hangingPunct="1">
+              <a:spcBef>
+                <a:spcPts val="350"/>
+              </a:spcBef>
+              <a:buClr>
+                <a:schemeClr val="accent3"/>
+              </a:buClr>
+              <a:buFont typeface="Wingdings 2"/>
+              <a:buChar char=""/>
+              <a:defRPr kumimoji="0" sz="1600" kern="1200" baseline="0">
+                <a:solidFill>
+                  <a:schemeClr val="tx1"/>
+                </a:solidFill>
+                <a:latin typeface="+mn-lt"/>
+                <a:ea typeface="+mn-ea"/>
+                <a:cs typeface="+mn-cs"/>
+              </a:defRPr>
+            </a:lvl9pPr>
+            <a:extLst/>
+          </a:lstStyle>
+          <a:p>
+            <a:pPr marL="109537" indent="0" algn="ctr">
+              <a:buNone/>
+            </a:pPr>
+            <a:r>
+              <a:rPr lang="en-US" sz="2800" dirty="0" smtClean="0"/>
+              <a:t>75 %</a:t>
+            </a:r>
+            <a:endParaRPr lang="en-US" sz="2800" dirty="0"/>
+          </a:p>
+        </p:txBody>
+      </p:sp>
+      <p:sp>
+        <p:nvSpPr>
+          <p:cNvPr id="18" name="Text Placeholder 1"/>
+          <p:cNvSpPr txBox="1">
+            <a:spLocks/>
+          </p:cNvSpPr>
+          <p:nvPr/>
+        </p:nvSpPr>
+        <p:spPr bwMode="auto">
+          <a:xfrm>
+            <a:off x="6459712" y="5598893"/>
+            <a:ext cx="2426400" cy="432000"/>
+          </a:xfrm>
+          <a:prstGeom prst="rect">
+            <a:avLst/>
+          </a:prstGeom>
+          <a:noFill/>
+          <a:ln>
+            <a:noFill/>
+          </a:ln>
+          <a:extLst/>
+        </p:spPr>
+        <p:txBody>
+          <a:bodyPr vert="horz" wrap="square" lIns="91440" tIns="45720" rIns="91440" bIns="45720" numCol="1" anchor="ctr" anchorCtr="0" compatLnSpc="1">
+            <a:prstTxWarp prst="textNoShape">
+              <a:avLst/>
+            </a:prstTxWarp>
+          </a:bodyPr>
+          <a:lstStyle>
+            <a:lvl1pPr marL="365125" indent="-255588" algn="l" rtl="0" eaLnBrk="0" fontAlgn="base" hangingPunct="0">
+              <a:spcBef>
+                <a:spcPts val="400"/>
+              </a:spcBef>
+              <a:spcAft>
+                <a:spcPct val="0"/>
+              </a:spcAft>
+              <a:buClr>
+                <a:schemeClr val="accent1"/>
+              </a:buClr>
+              <a:buSzPct val="68000"/>
+              <a:buFont typeface="Wingdings 3" pitchFamily="18" charset="2"/>
+              <a:buChar char=""/>
+              <a:defRPr sz="2700" kern="1200">
+                <a:solidFill>
+                  <a:schemeClr val="tx1"/>
+                </a:solidFill>
+                <a:latin typeface="+mn-lt"/>
+                <a:ea typeface="+mn-ea"/>
+                <a:cs typeface="+mn-cs"/>
+              </a:defRPr>
+            </a:lvl1pPr>
+            <a:lvl2pPr marL="620713" indent="-228600" algn="l" rtl="0" eaLnBrk="0" fontAlgn="base" hangingPunct="0">
+              <a:spcBef>
+                <a:spcPts val="325"/>
+              </a:spcBef>
+              <a:spcAft>
+                <a:spcPct val="0"/>
+              </a:spcAft>
+              <a:buClr>
+                <a:schemeClr val="accent1"/>
+              </a:buClr>
+              <a:buFont typeface="Arial" pitchFamily="34" charset="0"/>
+              <a:buChar char="•"/>
+              <a:defRPr sz="2300" kern="1200">
+                <a:solidFill>
+                  <a:schemeClr val="tx1"/>
+                </a:solidFill>
+                <a:latin typeface="+mn-lt"/>
+                <a:ea typeface="+mn-ea"/>
+                <a:cs typeface="+mn-cs"/>
+              </a:defRPr>
+            </a:lvl2pPr>
+            <a:lvl3pPr marL="858838" indent="-228600" algn="l" rtl="0" eaLnBrk="0" fontAlgn="base" hangingPunct="0">
+              <a:spcBef>
+                <a:spcPts val="350"/>
+              </a:spcBef>
+              <a:spcAft>
+                <a:spcPct val="0"/>
+              </a:spcAft>
+              <a:buClr>
+                <a:schemeClr val="accent2"/>
+              </a:buClr>
+              <a:buSzPct val="100000"/>
+              <a:buFont typeface="Wingdings 2" pitchFamily="18" charset="2"/>
+              <a:buChar char=""/>
+              <a:defRPr sz="2100" kern="1200">
+                <a:solidFill>
+                  <a:schemeClr val="tx1"/>
+                </a:solidFill>
+                <a:latin typeface="+mn-lt"/>
+                <a:ea typeface="+mn-ea"/>
+                <a:cs typeface="+mn-cs"/>
+              </a:defRPr>
+            </a:lvl3pPr>
+            <a:lvl4pPr marL="1143000" indent="-228600" algn="l" rtl="0" eaLnBrk="0" fontAlgn="base" hangingPunct="0">
+              <a:spcBef>
+                <a:spcPts val="350"/>
+              </a:spcBef>
+              <a:spcAft>
+                <a:spcPct val="0"/>
+              </a:spcAft>
+              <a:buClr>
+                <a:schemeClr val="accent2"/>
+              </a:buClr>
+              <a:buFont typeface="Wingdings 2" pitchFamily="18" charset="2"/>
+              <a:buChar char=""/>
+              <a:defRPr sz="1900" kern="1200">
+                <a:solidFill>
+                  <a:schemeClr val="tx1"/>
+                </a:solidFill>
+                <a:latin typeface="+mn-lt"/>
+                <a:ea typeface="+mn-ea"/>
+                <a:cs typeface="+mn-cs"/>
+              </a:defRPr>
+            </a:lvl4pPr>
+            <a:lvl5pPr marL="1371600" indent="-228600" algn="l" rtl="0" eaLnBrk="0" fontAlgn="base" hangingPunct="0">
+              <a:spcBef>
+                <a:spcPts val="350"/>
+              </a:spcBef>
+              <a:spcAft>
+                <a:spcPct val="0"/>
+              </a:spcAft>
+              <a:buClr>
+                <a:schemeClr val="accent2"/>
+              </a:buClr>
+              <a:buFont typeface="Wingdings 2" pitchFamily="18" charset="2"/>
+              <a:buChar char=""/>
+              <a:defRPr kern="1200">
+                <a:solidFill>
+                  <a:schemeClr val="tx1"/>
+                </a:solidFill>
+                <a:latin typeface="+mn-lt"/>
+                <a:ea typeface="+mn-ea"/>
+                <a:cs typeface="+mn-cs"/>
+              </a:defRPr>
+            </a:lvl5pPr>
+            <a:lvl6pPr marL="1600200" indent="-228600" algn="l" rtl="0" eaLnBrk="1" latinLnBrk="0" hangingPunct="1">
+              <a:spcBef>
+                <a:spcPts val="350"/>
+              </a:spcBef>
+              <a:buClr>
+                <a:schemeClr val="accent3"/>
+              </a:buClr>
+              <a:buFont typeface="Wingdings 2"/>
+              <a:buChar char=""/>
+              <a:defRPr kumimoji="0" sz="1800" kern="1200">
+                <a:solidFill>
+                  <a:schemeClr val="tx1"/>
+                </a:solidFill>
+                <a:latin typeface="+mn-lt"/>
+                <a:ea typeface="+mn-ea"/>
+                <a:cs typeface="+mn-cs"/>
+              </a:defRPr>
+            </a:lvl6pPr>
+            <a:lvl7pPr marL="1828800" indent="-228600" algn="l" rtl="0" eaLnBrk="1" latinLnBrk="0" hangingPunct="1">
+              <a:spcBef>
+                <a:spcPts val="350"/>
+              </a:spcBef>
+              <a:buClr>
+                <a:schemeClr val="accent3"/>
+              </a:buClr>
+              <a:buFont typeface="Wingdings 2"/>
+              <a:buChar char=""/>
+              <a:defRPr kumimoji="0" sz="1600" kern="1200">
+                <a:solidFill>
+                  <a:schemeClr val="tx1"/>
+                </a:solidFill>
+                <a:latin typeface="+mn-lt"/>
+                <a:ea typeface="+mn-ea"/>
+                <a:cs typeface="+mn-cs"/>
+              </a:defRPr>
+            </a:lvl7pPr>
+            <a:lvl8pPr marL="2057400" indent="-228600" algn="l" rtl="0" eaLnBrk="1" latinLnBrk="0" hangingPunct="1">
+              <a:spcBef>
+                <a:spcPts val="350"/>
+              </a:spcBef>
+              <a:buClr>
+                <a:schemeClr val="accent3"/>
+              </a:buClr>
+              <a:buFont typeface="Wingdings 2"/>
+              <a:buChar char=""/>
+              <a:defRPr kumimoji="0" sz="1600" kern="1200">
+                <a:solidFill>
+                  <a:schemeClr val="tx1"/>
+                </a:solidFill>
+                <a:latin typeface="+mn-lt"/>
+                <a:ea typeface="+mn-ea"/>
+                <a:cs typeface="+mn-cs"/>
+              </a:defRPr>
+            </a:lvl8pPr>
+            <a:lvl9pPr marL="2286000" indent="-228600" algn="l" rtl="0" eaLnBrk="1" latinLnBrk="0" hangingPunct="1">
+              <a:spcBef>
+                <a:spcPts val="350"/>
+              </a:spcBef>
+              <a:buClr>
+                <a:schemeClr val="accent3"/>
+              </a:buClr>
+              <a:buFont typeface="Wingdings 2"/>
+              <a:buChar char=""/>
+              <a:defRPr kumimoji="0" sz="1600" kern="1200" baseline="0">
+                <a:solidFill>
+                  <a:schemeClr val="tx1"/>
+                </a:solidFill>
+                <a:latin typeface="+mn-lt"/>
+                <a:ea typeface="+mn-ea"/>
+                <a:cs typeface="+mn-cs"/>
+              </a:defRPr>
+            </a:lvl9pPr>
+            <a:extLst/>
+          </a:lstStyle>
+          <a:p>
+            <a:pPr marL="109537" indent="0" algn="ctr">
+              <a:buNone/>
+            </a:pPr>
+            <a:r>
+              <a:rPr lang="en-US" sz="2800" dirty="0" smtClean="0"/>
+              <a:t>90 %</a:t>
+            </a:r>
+            <a:endParaRPr lang="en-US" sz="2800" dirty="0"/>
+          </a:p>
+        </p:txBody>
+      </p:sp>
+      <p:sp>
+        <p:nvSpPr>
+          <p:cNvPr id="20" name="Text Placeholder 1"/>
+          <p:cNvSpPr txBox="1">
+            <a:spLocks/>
+          </p:cNvSpPr>
+          <p:nvPr/>
+        </p:nvSpPr>
+        <p:spPr bwMode="auto">
+          <a:xfrm>
+            <a:off x="31355" y="1860642"/>
+            <a:ext cx="2736251" cy="432000"/>
+          </a:xfrm>
+          <a:prstGeom prst="rect">
+            <a:avLst/>
+          </a:prstGeom>
+          <a:noFill/>
+          <a:ln>
+            <a:noFill/>
+          </a:ln>
+          <a:extLst/>
+        </p:spPr>
+        <p:txBody>
+          <a:bodyPr vert="horz" wrap="square" lIns="91440" tIns="45720" rIns="91440" bIns="45720" numCol="1" anchor="ctr" anchorCtr="0" compatLnSpc="1">
+            <a:prstTxWarp prst="textNoShape">
+              <a:avLst/>
+            </a:prstTxWarp>
+          </a:bodyPr>
+          <a:lstStyle>
+            <a:lvl1pPr marL="365125" indent="-255588" algn="l" rtl="0" eaLnBrk="0" fontAlgn="base" hangingPunct="0">
+              <a:spcBef>
+                <a:spcPts val="400"/>
+              </a:spcBef>
+              <a:spcAft>
+                <a:spcPct val="0"/>
+              </a:spcAft>
+              <a:buClr>
+                <a:schemeClr val="accent1"/>
+              </a:buClr>
+              <a:buSzPct val="68000"/>
+              <a:buFont typeface="Wingdings 3" pitchFamily="18" charset="2"/>
+              <a:buChar char=""/>
+              <a:defRPr sz="2700" kern="1200">
+                <a:solidFill>
+                  <a:schemeClr val="tx1"/>
+                </a:solidFill>
+                <a:latin typeface="+mn-lt"/>
+                <a:ea typeface="+mn-ea"/>
+                <a:cs typeface="+mn-cs"/>
+              </a:defRPr>
+            </a:lvl1pPr>
+            <a:lvl2pPr marL="620713" indent="-228600" algn="l" rtl="0" eaLnBrk="0" fontAlgn="base" hangingPunct="0">
+              <a:spcBef>
+                <a:spcPts val="325"/>
+              </a:spcBef>
+              <a:spcAft>
+                <a:spcPct val="0"/>
+              </a:spcAft>
+              <a:buClr>
+                <a:schemeClr val="accent1"/>
+              </a:buClr>
+              <a:buFont typeface="Arial" pitchFamily="34" charset="0"/>
+              <a:buChar char="•"/>
+              <a:defRPr sz="2300" kern="1200">
+                <a:solidFill>
+                  <a:schemeClr val="tx1"/>
+                </a:solidFill>
+                <a:latin typeface="+mn-lt"/>
+                <a:ea typeface="+mn-ea"/>
+                <a:cs typeface="+mn-cs"/>
+              </a:defRPr>
+            </a:lvl2pPr>
+            <a:lvl3pPr marL="858838" indent="-228600" algn="l" rtl="0" eaLnBrk="0" fontAlgn="base" hangingPunct="0">
+              <a:spcBef>
+                <a:spcPts val="350"/>
+              </a:spcBef>
+              <a:spcAft>
+                <a:spcPct val="0"/>
+              </a:spcAft>
+              <a:buClr>
+                <a:schemeClr val="accent2"/>
+              </a:buClr>
+              <a:buSzPct val="100000"/>
+              <a:buFont typeface="Wingdings 2" pitchFamily="18" charset="2"/>
+              <a:buChar char=""/>
+              <a:defRPr sz="2100" kern="1200">
+                <a:solidFill>
+                  <a:schemeClr val="tx1"/>
+                </a:solidFill>
+                <a:latin typeface="+mn-lt"/>
+                <a:ea typeface="+mn-ea"/>
+                <a:cs typeface="+mn-cs"/>
+              </a:defRPr>
+            </a:lvl3pPr>
+            <a:lvl4pPr marL="1143000" indent="-228600" algn="l" rtl="0" eaLnBrk="0" fontAlgn="base" hangingPunct="0">
+              <a:spcBef>
+                <a:spcPts val="350"/>
+              </a:spcBef>
+              <a:spcAft>
+                <a:spcPct val="0"/>
+              </a:spcAft>
+              <a:buClr>
+                <a:schemeClr val="accent2"/>
+              </a:buClr>
+              <a:buFont typeface="Wingdings 2" pitchFamily="18" charset="2"/>
+              <a:buChar char=""/>
+              <a:defRPr sz="1900" kern="1200">
+                <a:solidFill>
+                  <a:schemeClr val="tx1"/>
+                </a:solidFill>
+                <a:latin typeface="+mn-lt"/>
+                <a:ea typeface="+mn-ea"/>
+                <a:cs typeface="+mn-cs"/>
+              </a:defRPr>
+            </a:lvl4pPr>
+            <a:lvl5pPr marL="1371600" indent="-228600" algn="l" rtl="0" eaLnBrk="0" fontAlgn="base" hangingPunct="0">
+              <a:spcBef>
+                <a:spcPts val="350"/>
+              </a:spcBef>
+              <a:spcAft>
+                <a:spcPct val="0"/>
+              </a:spcAft>
+              <a:buClr>
+                <a:schemeClr val="accent2"/>
+              </a:buClr>
+              <a:buFont typeface="Wingdings 2" pitchFamily="18" charset="2"/>
+              <a:buChar char=""/>
+              <a:defRPr kern="1200">
+                <a:solidFill>
+                  <a:schemeClr val="tx1"/>
+                </a:solidFill>
+                <a:latin typeface="+mn-lt"/>
+                <a:ea typeface="+mn-ea"/>
+                <a:cs typeface="+mn-cs"/>
+              </a:defRPr>
+            </a:lvl5pPr>
+            <a:lvl6pPr marL="1600200" indent="-228600" algn="l" rtl="0" eaLnBrk="1" latinLnBrk="0" hangingPunct="1">
+              <a:spcBef>
+                <a:spcPts val="350"/>
+              </a:spcBef>
+              <a:buClr>
+                <a:schemeClr val="accent3"/>
+              </a:buClr>
+              <a:buFont typeface="Wingdings 2"/>
+              <a:buChar char=""/>
+              <a:defRPr kumimoji="0" sz="1800" kern="1200">
+                <a:solidFill>
+                  <a:schemeClr val="tx1"/>
+                </a:solidFill>
+                <a:latin typeface="+mn-lt"/>
+                <a:ea typeface="+mn-ea"/>
+                <a:cs typeface="+mn-cs"/>
+              </a:defRPr>
+            </a:lvl6pPr>
+            <a:lvl7pPr marL="1828800" indent="-228600" algn="l" rtl="0" eaLnBrk="1" latinLnBrk="0" hangingPunct="1">
+              <a:spcBef>
+                <a:spcPts val="350"/>
+              </a:spcBef>
+              <a:buClr>
+                <a:schemeClr val="accent3"/>
+              </a:buClr>
+              <a:buFont typeface="Wingdings 2"/>
+              <a:buChar char=""/>
+              <a:defRPr kumimoji="0" sz="1600" kern="1200">
+                <a:solidFill>
+                  <a:schemeClr val="tx1"/>
+                </a:solidFill>
+                <a:latin typeface="+mn-lt"/>
+                <a:ea typeface="+mn-ea"/>
+                <a:cs typeface="+mn-cs"/>
+              </a:defRPr>
+            </a:lvl7pPr>
+            <a:lvl8pPr marL="2057400" indent="-228600" algn="l" rtl="0" eaLnBrk="1" latinLnBrk="0" hangingPunct="1">
+              <a:spcBef>
+                <a:spcPts val="350"/>
+              </a:spcBef>
+              <a:buClr>
+                <a:schemeClr val="accent3"/>
+              </a:buClr>
+              <a:buFont typeface="Wingdings 2"/>
+              <a:buChar char=""/>
+              <a:defRPr kumimoji="0" sz="1600" kern="1200">
+                <a:solidFill>
+                  <a:schemeClr val="tx1"/>
+                </a:solidFill>
+                <a:latin typeface="+mn-lt"/>
+                <a:ea typeface="+mn-ea"/>
+                <a:cs typeface="+mn-cs"/>
+              </a:defRPr>
+            </a:lvl8pPr>
+            <a:lvl9pPr marL="2286000" indent="-228600" algn="l" rtl="0" eaLnBrk="1" latinLnBrk="0" hangingPunct="1">
+              <a:spcBef>
+                <a:spcPts val="350"/>
+              </a:spcBef>
+              <a:buClr>
+                <a:schemeClr val="accent3"/>
+              </a:buClr>
+              <a:buFont typeface="Wingdings 2"/>
+              <a:buChar char=""/>
+              <a:defRPr kumimoji="0" sz="1600" kern="1200" baseline="0">
+                <a:solidFill>
+                  <a:schemeClr val="tx1"/>
+                </a:solidFill>
+                <a:latin typeface="+mn-lt"/>
+                <a:ea typeface="+mn-ea"/>
+                <a:cs typeface="+mn-cs"/>
+              </a:defRPr>
+            </a:lvl9pPr>
+            <a:extLst/>
+          </a:lstStyle>
+          <a:p>
+            <a:pPr marL="109537" indent="0" algn="ctr">
+              <a:buNone/>
+            </a:pPr>
+            <a:r>
+              <a:rPr lang="en-US" sz="2800" dirty="0" smtClean="0">
+                <a:latin typeface="+mj-lt"/>
               </a:rPr>
-              <a:t>More current graphs?</a:t>
-            </a:r>
-            <a:endParaRPr lang="en-US" sz="5400" b="1" cap="none" spc="300" dirty="0">
-              <a:ln w="11430" cmpd="sng">
+              <a:t>Facebook posts</a:t>
+            </a:r>
+            <a:endParaRPr lang="en-US" sz="2800" dirty="0">
+              <a:latin typeface="+mj-lt"/>
+            </a:endParaRPr>
+          </a:p>
+        </p:txBody>
+      </p:sp>
+      <p:sp>
+        <p:nvSpPr>
+          <p:cNvPr id="21" name="Text Placeholder 1"/>
+          <p:cNvSpPr txBox="1">
+            <a:spLocks/>
+          </p:cNvSpPr>
+          <p:nvPr/>
+        </p:nvSpPr>
+        <p:spPr bwMode="auto">
+          <a:xfrm>
+            <a:off x="3322996" y="1860642"/>
+            <a:ext cx="2426400" cy="432000"/>
+          </a:xfrm>
+          <a:prstGeom prst="rect">
+            <a:avLst/>
+          </a:prstGeom>
+          <a:noFill/>
+          <a:ln>
+            <a:noFill/>
+          </a:ln>
+          <a:extLst/>
+        </p:spPr>
+        <p:txBody>
+          <a:bodyPr vert="horz" wrap="square" lIns="91440" tIns="45720" rIns="91440" bIns="45720" numCol="1" anchor="ctr" anchorCtr="0" compatLnSpc="1">
+            <a:prstTxWarp prst="textNoShape">
+              <a:avLst/>
+            </a:prstTxWarp>
+          </a:bodyPr>
+          <a:lstStyle>
+            <a:lvl1pPr marL="365125" indent="-255588" algn="l" rtl="0" eaLnBrk="0" fontAlgn="base" hangingPunct="0">
+              <a:spcBef>
+                <a:spcPts val="400"/>
+              </a:spcBef>
+              <a:spcAft>
+                <a:spcPct val="0"/>
+              </a:spcAft>
+              <a:buClr>
+                <a:schemeClr val="accent1"/>
+              </a:buClr>
+              <a:buSzPct val="68000"/>
+              <a:buFont typeface="Wingdings 3" pitchFamily="18" charset="2"/>
+              <a:buChar char=""/>
+              <a:defRPr sz="2700" kern="1200">
                 <a:solidFill>
-                  <a:schemeClr val="accent1">
-                    <a:tint val="10000"/>
-                  </a:schemeClr>
+                  <a:schemeClr val="tx1"/>
                 </a:solidFill>
-                <a:prstDash val="solid"/>
-                <a:miter lim="800000"/>
-              </a:ln>
-              <a:gradFill>
-                <a:gsLst>
-                  <a:gs pos="10000">
-                    <a:schemeClr val="accent1">
-                      <a:tint val="83000"/>
-                      <a:shade val="100000"/>
-                      <a:satMod val="200000"/>
-                    </a:schemeClr>
-                  </a:gs>
-                  <a:gs pos="75000">
-                    <a:schemeClr val="accent1">
-                      <a:tint val="100000"/>
-                      <a:shade val="50000"/>
-                      <a:satMod val="150000"/>
-                    </a:schemeClr>
-                  </a:gs>
-                </a:gsLst>
-                <a:lin ang="5400000"/>
-              </a:gradFill>
-              <a:effectLst>
-                <a:glow rad="45500">
-                  <a:schemeClr val="accent1">
-                    <a:satMod val="220000"/>
-                    <a:alpha val="35000"/>
-                  </a:schemeClr>
-                </a:glow>
-              </a:effectLst>
+                <a:latin typeface="+mn-lt"/>
+                <a:ea typeface="+mn-ea"/>
+                <a:cs typeface="+mn-cs"/>
+              </a:defRPr>
+            </a:lvl1pPr>
+            <a:lvl2pPr marL="620713" indent="-228600" algn="l" rtl="0" eaLnBrk="0" fontAlgn="base" hangingPunct="0">
+              <a:spcBef>
+                <a:spcPts val="325"/>
+              </a:spcBef>
+              <a:spcAft>
+                <a:spcPct val="0"/>
+              </a:spcAft>
+              <a:buClr>
+                <a:schemeClr val="accent1"/>
+              </a:buClr>
+              <a:buFont typeface="Arial" pitchFamily="34" charset="0"/>
+              <a:buChar char="•"/>
+              <a:defRPr sz="2300" kern="1200">
+                <a:solidFill>
+                  <a:schemeClr val="tx1"/>
+                </a:solidFill>
+                <a:latin typeface="+mn-lt"/>
+                <a:ea typeface="+mn-ea"/>
+                <a:cs typeface="+mn-cs"/>
+              </a:defRPr>
+            </a:lvl2pPr>
+            <a:lvl3pPr marL="858838" indent="-228600" algn="l" rtl="0" eaLnBrk="0" fontAlgn="base" hangingPunct="0">
+              <a:spcBef>
+                <a:spcPts val="350"/>
+              </a:spcBef>
+              <a:spcAft>
+                <a:spcPct val="0"/>
+              </a:spcAft>
+              <a:buClr>
+                <a:schemeClr val="accent2"/>
+              </a:buClr>
+              <a:buSzPct val="100000"/>
+              <a:buFont typeface="Wingdings 2" pitchFamily="18" charset="2"/>
+              <a:buChar char=""/>
+              <a:defRPr sz="2100" kern="1200">
+                <a:solidFill>
+                  <a:schemeClr val="tx1"/>
+                </a:solidFill>
+                <a:latin typeface="+mn-lt"/>
+                <a:ea typeface="+mn-ea"/>
+                <a:cs typeface="+mn-cs"/>
+              </a:defRPr>
+            </a:lvl3pPr>
+            <a:lvl4pPr marL="1143000" indent="-228600" algn="l" rtl="0" eaLnBrk="0" fontAlgn="base" hangingPunct="0">
+              <a:spcBef>
+                <a:spcPts val="350"/>
+              </a:spcBef>
+              <a:spcAft>
+                <a:spcPct val="0"/>
+              </a:spcAft>
+              <a:buClr>
+                <a:schemeClr val="accent2"/>
+              </a:buClr>
+              <a:buFont typeface="Wingdings 2" pitchFamily="18" charset="2"/>
+              <a:buChar char=""/>
+              <a:defRPr sz="1900" kern="1200">
+                <a:solidFill>
+                  <a:schemeClr val="tx1"/>
+                </a:solidFill>
+                <a:latin typeface="+mn-lt"/>
+                <a:ea typeface="+mn-ea"/>
+                <a:cs typeface="+mn-cs"/>
+              </a:defRPr>
+            </a:lvl4pPr>
+            <a:lvl5pPr marL="1371600" indent="-228600" algn="l" rtl="0" eaLnBrk="0" fontAlgn="base" hangingPunct="0">
+              <a:spcBef>
+                <a:spcPts val="350"/>
+              </a:spcBef>
+              <a:spcAft>
+                <a:spcPct val="0"/>
+              </a:spcAft>
+              <a:buClr>
+                <a:schemeClr val="accent2"/>
+              </a:buClr>
+              <a:buFont typeface="Wingdings 2" pitchFamily="18" charset="2"/>
+              <a:buChar char=""/>
+              <a:defRPr kern="1200">
+                <a:solidFill>
+                  <a:schemeClr val="tx1"/>
+                </a:solidFill>
+                <a:latin typeface="+mn-lt"/>
+                <a:ea typeface="+mn-ea"/>
+                <a:cs typeface="+mn-cs"/>
+              </a:defRPr>
+            </a:lvl5pPr>
+            <a:lvl6pPr marL="1600200" indent="-228600" algn="l" rtl="0" eaLnBrk="1" latinLnBrk="0" hangingPunct="1">
+              <a:spcBef>
+                <a:spcPts val="350"/>
+              </a:spcBef>
+              <a:buClr>
+                <a:schemeClr val="accent3"/>
+              </a:buClr>
+              <a:buFont typeface="Wingdings 2"/>
+              <a:buChar char=""/>
+              <a:defRPr kumimoji="0" sz="1800" kern="1200">
+                <a:solidFill>
+                  <a:schemeClr val="tx1"/>
+                </a:solidFill>
+                <a:latin typeface="+mn-lt"/>
+                <a:ea typeface="+mn-ea"/>
+                <a:cs typeface="+mn-cs"/>
+              </a:defRPr>
+            </a:lvl6pPr>
+            <a:lvl7pPr marL="1828800" indent="-228600" algn="l" rtl="0" eaLnBrk="1" latinLnBrk="0" hangingPunct="1">
+              <a:spcBef>
+                <a:spcPts val="350"/>
+              </a:spcBef>
+              <a:buClr>
+                <a:schemeClr val="accent3"/>
+              </a:buClr>
+              <a:buFont typeface="Wingdings 2"/>
+              <a:buChar char=""/>
+              <a:defRPr kumimoji="0" sz="1600" kern="1200">
+                <a:solidFill>
+                  <a:schemeClr val="tx1"/>
+                </a:solidFill>
+                <a:latin typeface="+mn-lt"/>
+                <a:ea typeface="+mn-ea"/>
+                <a:cs typeface="+mn-cs"/>
+              </a:defRPr>
+            </a:lvl7pPr>
+            <a:lvl8pPr marL="2057400" indent="-228600" algn="l" rtl="0" eaLnBrk="1" latinLnBrk="0" hangingPunct="1">
+              <a:spcBef>
+                <a:spcPts val="350"/>
+              </a:spcBef>
+              <a:buClr>
+                <a:schemeClr val="accent3"/>
+              </a:buClr>
+              <a:buFont typeface="Wingdings 2"/>
+              <a:buChar char=""/>
+              <a:defRPr kumimoji="0" sz="1600" kern="1200">
+                <a:solidFill>
+                  <a:schemeClr val="tx1"/>
+                </a:solidFill>
+                <a:latin typeface="+mn-lt"/>
+                <a:ea typeface="+mn-ea"/>
+                <a:cs typeface="+mn-cs"/>
+              </a:defRPr>
+            </a:lvl8pPr>
+            <a:lvl9pPr marL="2286000" indent="-228600" algn="l" rtl="0" eaLnBrk="1" latinLnBrk="0" hangingPunct="1">
+              <a:spcBef>
+                <a:spcPts val="350"/>
+              </a:spcBef>
+              <a:buClr>
+                <a:schemeClr val="accent3"/>
+              </a:buClr>
+              <a:buFont typeface="Wingdings 2"/>
+              <a:buChar char=""/>
+              <a:defRPr kumimoji="0" sz="1600" kern="1200" baseline="0">
+                <a:solidFill>
+                  <a:schemeClr val="tx1"/>
+                </a:solidFill>
+                <a:latin typeface="+mn-lt"/>
+                <a:ea typeface="+mn-ea"/>
+                <a:cs typeface="+mn-cs"/>
+              </a:defRPr>
+            </a:lvl9pPr>
+            <a:extLst/>
+          </a:lstStyle>
+          <a:p>
+            <a:pPr marL="109537" indent="0" algn="ctr">
+              <a:buNone/>
+            </a:pPr>
+            <a:r>
+              <a:rPr lang="en-US" sz="2800" dirty="0" smtClean="0">
+                <a:latin typeface="+mj-lt"/>
+              </a:rPr>
+              <a:t>Emails</a:t>
+            </a:r>
+            <a:endParaRPr lang="en-US" sz="2800" dirty="0">
+              <a:latin typeface="+mj-lt"/>
             </a:endParaRPr>
           </a:p>
         </p:txBody>
       </p:sp>
       <p:sp>
         <p:nvSpPr>
-          <p:cNvPr id="12" name="Date Placeholder 11"/>
-          <p:cNvSpPr>
-            <a:spLocks noGrp="1"/>
-          </p:cNvSpPr>
-          <p:nvPr>
-            <p:ph type="dt" sz="half" idx="10"/>
-          </p:nvPr>
-        </p:nvSpPr>
-        <p:spPr/>
-        <p:txBody>
-          <a:bodyPr/>
-          <a:lstStyle/>
-          <a:p>
-            <a:r>
-              <a:rPr lang="en-US" smtClean="0"/>
-              <a:t>26. September 2013</a:t>
-            </a:r>
-            <a:endParaRPr lang="de-CH" dirty="0"/>
-          </a:p>
-        </p:txBody>
-      </p:sp>
-      <p:sp>
-        <p:nvSpPr>
-          <p:cNvPr id="13" name="Slide Number Placeholder 12"/>
-          <p:cNvSpPr>
-            <a:spLocks noGrp="1"/>
-          </p:cNvSpPr>
-          <p:nvPr>
-            <p:ph type="sldNum" sz="quarter" idx="12"/>
-          </p:nvPr>
-        </p:nvSpPr>
-        <p:spPr/>
-        <p:txBody>
-          <a:bodyPr/>
-          <a:lstStyle/>
-          <a:p>
-            <a:r>
-              <a:rPr lang="de-CH" smtClean="0"/>
-              <a:t>Slide </a:t>
-            </a:r>
-            <a:fld id="{52D4AFEC-F955-41BA-8292-1BE91E4102BD}" type="slidenum">
-              <a:rPr lang="de-CH" smtClean="0"/>
-              <a:t>2</a:t>
-            </a:fld>
-            <a:endParaRPr lang="de-CH" dirty="0"/>
+          <p:cNvPr id="22" name="Text Placeholder 1"/>
+          <p:cNvSpPr txBox="1">
+            <a:spLocks/>
+          </p:cNvSpPr>
+          <p:nvPr/>
+        </p:nvSpPr>
+        <p:spPr bwMode="auto">
+          <a:xfrm>
+            <a:off x="6459712" y="1860642"/>
+            <a:ext cx="2426400" cy="432000"/>
+          </a:xfrm>
+          <a:prstGeom prst="rect">
+            <a:avLst/>
+          </a:prstGeom>
+          <a:noFill/>
+          <a:ln>
+            <a:noFill/>
+          </a:ln>
+          <a:extLst/>
+        </p:spPr>
+        <p:txBody>
+          <a:bodyPr vert="horz" wrap="square" lIns="91440" tIns="45720" rIns="91440" bIns="45720" numCol="1" anchor="ctr" anchorCtr="0" compatLnSpc="1">
+            <a:prstTxWarp prst="textNoShape">
+              <a:avLst/>
+            </a:prstTxWarp>
+          </a:bodyPr>
+          <a:lstStyle>
+            <a:lvl1pPr marL="365125" indent="-255588" algn="l" rtl="0" eaLnBrk="0" fontAlgn="base" hangingPunct="0">
+              <a:spcBef>
+                <a:spcPts val="400"/>
+              </a:spcBef>
+              <a:spcAft>
+                <a:spcPct val="0"/>
+              </a:spcAft>
+              <a:buClr>
+                <a:schemeClr val="accent1"/>
+              </a:buClr>
+              <a:buSzPct val="68000"/>
+              <a:buFont typeface="Wingdings 3" pitchFamily="18" charset="2"/>
+              <a:buChar char=""/>
+              <a:defRPr sz="2700" kern="1200">
+                <a:solidFill>
+                  <a:schemeClr val="tx1"/>
+                </a:solidFill>
+                <a:latin typeface="+mn-lt"/>
+                <a:ea typeface="+mn-ea"/>
+                <a:cs typeface="+mn-cs"/>
+              </a:defRPr>
+            </a:lvl1pPr>
+            <a:lvl2pPr marL="620713" indent="-228600" algn="l" rtl="0" eaLnBrk="0" fontAlgn="base" hangingPunct="0">
+              <a:spcBef>
+                <a:spcPts val="325"/>
+              </a:spcBef>
+              <a:spcAft>
+                <a:spcPct val="0"/>
+              </a:spcAft>
+              <a:buClr>
+                <a:schemeClr val="accent1"/>
+              </a:buClr>
+              <a:buFont typeface="Arial" pitchFamily="34" charset="0"/>
+              <a:buChar char="•"/>
+              <a:defRPr sz="2300" kern="1200">
+                <a:solidFill>
+                  <a:schemeClr val="tx1"/>
+                </a:solidFill>
+                <a:latin typeface="+mn-lt"/>
+                <a:ea typeface="+mn-ea"/>
+                <a:cs typeface="+mn-cs"/>
+              </a:defRPr>
+            </a:lvl2pPr>
+            <a:lvl3pPr marL="858838" indent="-228600" algn="l" rtl="0" eaLnBrk="0" fontAlgn="base" hangingPunct="0">
+              <a:spcBef>
+                <a:spcPts val="350"/>
+              </a:spcBef>
+              <a:spcAft>
+                <a:spcPct val="0"/>
+              </a:spcAft>
+              <a:buClr>
+                <a:schemeClr val="accent2"/>
+              </a:buClr>
+              <a:buSzPct val="100000"/>
+              <a:buFont typeface="Wingdings 2" pitchFamily="18" charset="2"/>
+              <a:buChar char=""/>
+              <a:defRPr sz="2100" kern="1200">
+                <a:solidFill>
+                  <a:schemeClr val="tx1"/>
+                </a:solidFill>
+                <a:latin typeface="+mn-lt"/>
+                <a:ea typeface="+mn-ea"/>
+                <a:cs typeface="+mn-cs"/>
+              </a:defRPr>
+            </a:lvl3pPr>
+            <a:lvl4pPr marL="1143000" indent="-228600" algn="l" rtl="0" eaLnBrk="0" fontAlgn="base" hangingPunct="0">
+              <a:spcBef>
+                <a:spcPts val="350"/>
+              </a:spcBef>
+              <a:spcAft>
+                <a:spcPct val="0"/>
+              </a:spcAft>
+              <a:buClr>
+                <a:schemeClr val="accent2"/>
+              </a:buClr>
+              <a:buFont typeface="Wingdings 2" pitchFamily="18" charset="2"/>
+              <a:buChar char=""/>
+              <a:defRPr sz="1900" kern="1200">
+                <a:solidFill>
+                  <a:schemeClr val="tx1"/>
+                </a:solidFill>
+                <a:latin typeface="+mn-lt"/>
+                <a:ea typeface="+mn-ea"/>
+                <a:cs typeface="+mn-cs"/>
+              </a:defRPr>
+            </a:lvl4pPr>
+            <a:lvl5pPr marL="1371600" indent="-228600" algn="l" rtl="0" eaLnBrk="0" fontAlgn="base" hangingPunct="0">
+              <a:spcBef>
+                <a:spcPts val="350"/>
+              </a:spcBef>
+              <a:spcAft>
+                <a:spcPct val="0"/>
+              </a:spcAft>
+              <a:buClr>
+                <a:schemeClr val="accent2"/>
+              </a:buClr>
+              <a:buFont typeface="Wingdings 2" pitchFamily="18" charset="2"/>
+              <a:buChar char=""/>
+              <a:defRPr kern="1200">
+                <a:solidFill>
+                  <a:schemeClr val="tx1"/>
+                </a:solidFill>
+                <a:latin typeface="+mn-lt"/>
+                <a:ea typeface="+mn-ea"/>
+                <a:cs typeface="+mn-cs"/>
+              </a:defRPr>
+            </a:lvl5pPr>
+            <a:lvl6pPr marL="1600200" indent="-228600" algn="l" rtl="0" eaLnBrk="1" latinLnBrk="0" hangingPunct="1">
+              <a:spcBef>
+                <a:spcPts val="350"/>
+              </a:spcBef>
+              <a:buClr>
+                <a:schemeClr val="accent3"/>
+              </a:buClr>
+              <a:buFont typeface="Wingdings 2"/>
+              <a:buChar char=""/>
+              <a:defRPr kumimoji="0" sz="1800" kern="1200">
+                <a:solidFill>
+                  <a:schemeClr val="tx1"/>
+                </a:solidFill>
+                <a:latin typeface="+mn-lt"/>
+                <a:ea typeface="+mn-ea"/>
+                <a:cs typeface="+mn-cs"/>
+              </a:defRPr>
+            </a:lvl6pPr>
+            <a:lvl7pPr marL="1828800" indent="-228600" algn="l" rtl="0" eaLnBrk="1" latinLnBrk="0" hangingPunct="1">
+              <a:spcBef>
+                <a:spcPts val="350"/>
+              </a:spcBef>
+              <a:buClr>
+                <a:schemeClr val="accent3"/>
+              </a:buClr>
+              <a:buFont typeface="Wingdings 2"/>
+              <a:buChar char=""/>
+              <a:defRPr kumimoji="0" sz="1600" kern="1200">
+                <a:solidFill>
+                  <a:schemeClr val="tx1"/>
+                </a:solidFill>
+                <a:latin typeface="+mn-lt"/>
+                <a:ea typeface="+mn-ea"/>
+                <a:cs typeface="+mn-cs"/>
+              </a:defRPr>
+            </a:lvl7pPr>
+            <a:lvl8pPr marL="2057400" indent="-228600" algn="l" rtl="0" eaLnBrk="1" latinLnBrk="0" hangingPunct="1">
+              <a:spcBef>
+                <a:spcPts val="350"/>
+              </a:spcBef>
+              <a:buClr>
+                <a:schemeClr val="accent3"/>
+              </a:buClr>
+              <a:buFont typeface="Wingdings 2"/>
+              <a:buChar char=""/>
+              <a:defRPr kumimoji="0" sz="1600" kern="1200">
+                <a:solidFill>
+                  <a:schemeClr val="tx1"/>
+                </a:solidFill>
+                <a:latin typeface="+mn-lt"/>
+                <a:ea typeface="+mn-ea"/>
+                <a:cs typeface="+mn-cs"/>
+              </a:defRPr>
+            </a:lvl8pPr>
+            <a:lvl9pPr marL="2286000" indent="-228600" algn="l" rtl="0" eaLnBrk="1" latinLnBrk="0" hangingPunct="1">
+              <a:spcBef>
+                <a:spcPts val="350"/>
+              </a:spcBef>
+              <a:buClr>
+                <a:schemeClr val="accent3"/>
+              </a:buClr>
+              <a:buFont typeface="Wingdings 2"/>
+              <a:buChar char=""/>
+              <a:defRPr kumimoji="0" sz="1600" kern="1200" baseline="0">
+                <a:solidFill>
+                  <a:schemeClr val="tx1"/>
+                </a:solidFill>
+                <a:latin typeface="+mn-lt"/>
+                <a:ea typeface="+mn-ea"/>
+                <a:cs typeface="+mn-cs"/>
+              </a:defRPr>
+            </a:lvl9pPr>
+            <a:extLst/>
+          </a:lstStyle>
+          <a:p>
+            <a:pPr marL="109537" indent="0" algn="ctr">
+              <a:buNone/>
+            </a:pPr>
+            <a:r>
+              <a:rPr lang="en-US" sz="2800" dirty="0" smtClean="0">
+                <a:latin typeface="+mj-lt"/>
+              </a:rPr>
+              <a:t>Tweets</a:t>
+            </a:r>
+            <a:endParaRPr lang="en-US" sz="2800" dirty="0">
+              <a:latin typeface="+mj-lt"/>
+            </a:endParaRPr>
           </a:p>
         </p:txBody>
       </p:sp>
@@ -11004,7 +12023,7 @@
                             </p:stCondLst>
                             <p:childTnLst>
                               <p:par>
-                                <p:cTn id="5" presetID="22" presetClass="entr" presetSubtype="8" fill="hold" grpId="0" nodeType="clickEffect">
+                                <p:cTn id="5" presetID="10" presetClass="entr" presetSubtype="0" fill="hold" grpId="0" nodeType="clickEffect">
                                   <p:stCondLst>
                                     <p:cond delay="0"/>
                                   </p:stCondLst>
@@ -11017,11 +12036,7 @@
                                           </p:stCondLst>
                                         </p:cTn>
                                         <p:tgtEl>
-                                          <p:spTgt spid="2">
-                                            <p:graphicEl>
-                                              <a:chart seriesIdx="-3" categoryIdx="-3" bldStep="gridLegend"/>
-                                            </p:graphicEl>
-                                          </p:spTgt>
+                                          <p:spTgt spid="20"/>
                                         </p:tgtEl>
                                         <p:attrNameLst>
                                           <p:attrName>style.visibility</p:attrName>
@@ -11031,15 +12046,99 @@
                                         <p:strVal val="visible"/>
                                       </p:to>
                                     </p:set>
-                                    <p:animEffect transition="in" filter="wipe(left)">
+                                    <p:animEffect transition="in" filter="fade">
                                       <p:cBhvr>
-                                        <p:cTn id="7" dur="1000"/>
+                                        <p:cTn id="7" dur="500"/>
                                         <p:tgtEl>
-                                          <p:spTgt spid="2">
-                                            <p:graphicEl>
-                                              <a:chart seriesIdx="-3" categoryIdx="-3" bldStep="gridLegend"/>
-                                            </p:graphicEl>
-                                          </p:spTgt>
+                                          <p:spTgt spid="20"/>
+                                        </p:tgtEl>
+                                      </p:cBhvr>
+                                    </p:animEffect>
+                                  </p:childTnLst>
+                                </p:cTn>
+                              </p:par>
+                            </p:childTnLst>
+                          </p:cTn>
+                        </p:par>
+                        <p:par>
+                          <p:cTn id="8" fill="hold">
+                            <p:stCondLst>
+                              <p:cond delay="500"/>
+                            </p:stCondLst>
+                            <p:childTnLst>
+                              <p:par>
+                                <p:cTn id="9" presetID="21" presetClass="entr" presetSubtype="1" fill="hold" grpId="0" nodeType="afterEffect">
+                                  <p:stCondLst>
+                                    <p:cond delay="0"/>
+                                  </p:stCondLst>
+                                  <p:childTnLst>
+                                    <p:set>
+                                      <p:cBhvr>
+                                        <p:cTn id="10" dur="1" fill="hold">
+                                          <p:stCondLst>
+                                            <p:cond delay="0"/>
+                                          </p:stCondLst>
+                                        </p:cTn>
+                                        <p:tgtEl>
+                                          <p:spTgt spid="14"/>
+                                        </p:tgtEl>
+                                        <p:attrNameLst>
+                                          <p:attrName>style.visibility</p:attrName>
+                                        </p:attrNameLst>
+                                      </p:cBhvr>
+                                      <p:to>
+                                        <p:strVal val="visible"/>
+                                      </p:to>
+                                    </p:set>
+                                    <p:animEffect transition="in" filter="wheel(1)">
+                                      <p:cBhvr>
+                                        <p:cTn id="11" dur="1000"/>
+                                        <p:tgtEl>
+                                          <p:spTgt spid="14"/>
+                                        </p:tgtEl>
+                                      </p:cBhvr>
+                                    </p:animEffect>
+                                  </p:childTnLst>
+                                </p:cTn>
+                              </p:par>
+                            </p:childTnLst>
+                          </p:cTn>
+                        </p:par>
+                        <p:par>
+                          <p:cTn id="12" fill="hold">
+                            <p:stCondLst>
+                              <p:cond delay="1500"/>
+                            </p:stCondLst>
+                            <p:childTnLst>
+                              <p:par>
+                                <p:cTn id="13" presetID="10" presetClass="entr" presetSubtype="0" fill="hold" grpId="0" nodeType="afterEffect">
+                                  <p:stCondLst>
+                                    <p:cond delay="0"/>
+                                  </p:stCondLst>
+                                  <p:childTnLst>
+                                    <p:set>
+                                      <p:cBhvr>
+                                        <p:cTn id="14" dur="1" fill="hold">
+                                          <p:stCondLst>
+                                            <p:cond delay="0"/>
+                                          </p:stCondLst>
+                                        </p:cTn>
+                                        <p:tgtEl>
+                                          <p:spTgt spid="16"/>
+                                        </p:tgtEl>
+                                        <p:attrNameLst>
+                                          <p:attrName>style.visibility</p:attrName>
+                                        </p:attrNameLst>
+                                      </p:cBhvr>
+                                      <p:to>
+                                        <p:strVal val="visible"/>
+                                      </p:to>
+                                    </p:set>
+                                    <p:animEffect transition="in" filter="fade">
+                                      <p:cBhvr>
+                                        <p:cTn id="15" dur="500"/>
+                                        <p:tgtEl>
+                                          <p:spTgt spid="16"/>
                                         </p:tgtEl>
                                       </p:cBhvr>
                                     </p:animEffect>
@@ -11053,36 +12152,32 @@
                     </p:cTn>
                   </p:par>
                   <p:par>
-                    <p:cTn id="8" fill="hold">
+                    <p:cTn id="16" fill="hold">
                       <p:stCondLst>
                         <p:cond delay="indefinite"/>
                       </p:stCondLst>
                       <p:childTnLst>
                         <p:par>
-                          <p:cTn id="9" fill="hold">
+                          <p:cTn id="17" fill="hold">
                             <p:stCondLst>
                               <p:cond delay="0"/>
                             </p:stCondLst>
                             <p:childTnLst>
                               <p:par>
-                                <p:cTn id="10" presetID="22" presetClass="entr" presetSubtype="8" fill="hold" grpId="0" nodeType="clickEffect">
+                                <p:cTn id="18" presetID="10" presetClass="entr" presetSubtype="0" fill="hold" grpId="0" nodeType="clickEffect">
                                   <p:stCondLst>
                                     <p:cond delay="0"/>
                                   </p:stCondLst>
                                   <p:childTnLst>
                                     <p:set>
                                       <p:cBhvr>
-                                        <p:cTn id="11" dur="1" fill="hold">
+                                        <p:cTn id="19" dur="1" fill="hold">
                                           <p:stCondLst>
                                             <p:cond delay="0"/>
                                           </p:stCondLst>
                                         </p:cTn>
                                         <p:tgtEl>
-                                          <p:spTgt spid="2">
-                                            <p:graphicEl>
-                                              <a:chart seriesIdx="0" categoryIdx="-4" bldStep="series"/>
-                                            </p:graphicEl>
-                                          </p:spTgt>
+                                          <p:spTgt spid="21"/>
                                         </p:tgtEl>
                                         <p:attrNameLst>
                                           <p:attrName>style.visibility</p:attrName>
@@ -11092,15 +12187,99 @@
                                         <p:strVal val="visible"/>
                                       </p:to>
                                     </p:set>
-                                    <p:animEffect transition="in" filter="wipe(left)">
+                                    <p:animEffect transition="in" filter="fade">
                                       <p:cBhvr>
-                                        <p:cTn id="12" dur="1000"/>
+                                        <p:cTn id="20" dur="500"/>
                                         <p:tgtEl>
-                                          <p:spTgt spid="2">
-                                            <p:graphicEl>
-                                              <a:chart seriesIdx="0" categoryIdx="-4" bldStep="series"/>
-                                            </p:graphicEl>
-                                          </p:spTgt>
+                                          <p:spTgt spid="21"/>
+                                        </p:tgtEl>
+                                      </p:cBhvr>
+                                    </p:animEffect>
+                                  </p:childTnLst>
+                                </p:cTn>
+                              </p:par>
+                            </p:childTnLst>
+                          </p:cTn>
+                        </p:par>
+                        <p:par>
+                          <p:cTn id="21" fill="hold">
+                            <p:stCondLst>
+                              <p:cond delay="500"/>
+                            </p:stCondLst>
+                            <p:childTnLst>
+                              <p:par>
+                                <p:cTn id="22" presetID="21" presetClass="entr" presetSubtype="1" fill="hold" grpId="0" nodeType="afterEffect">
+                                  <p:stCondLst>
+                                    <p:cond delay="0"/>
+                                  </p:stCondLst>
+                                  <p:childTnLst>
+                                    <p:set>
+                                      <p:cBhvr>
+                                        <p:cTn id="23" dur="1" fill="hold">
+                                          <p:stCondLst>
+                                            <p:cond delay="0"/>
+                                          </p:stCondLst>
+                                        </p:cTn>
+                                        <p:tgtEl>
+                                          <p:spTgt spid="7"/>
+                                        </p:tgtEl>
+                                        <p:attrNameLst>
+                                          <p:attrName>style.visibility</p:attrName>
+                                        </p:attrNameLst>
+                                      </p:cBhvr>
+                                      <p:to>
+                                        <p:strVal val="visible"/>
+                                      </p:to>
+                                    </p:set>
+                                    <p:animEffect transition="in" filter="wheel(1)">
+                                      <p:cBhvr>
+                                        <p:cTn id="24" dur="1000"/>
+                                        <p:tgtEl>
+                                          <p:spTgt spid="7"/>
+                                        </p:tgtEl>
+                                      </p:cBhvr>
+                                    </p:animEffect>
+                                  </p:childTnLst>
+                                </p:cTn>
+                              </p:par>
+                            </p:childTnLst>
+                          </p:cTn>
+                        </p:par>
+                        <p:par>
+                          <p:cTn id="25" fill="hold">
+                            <p:stCondLst>
+                              <p:cond delay="1500"/>
+                            </p:stCondLst>
+                            <p:childTnLst>
+                              <p:par>
+                                <p:cTn id="26" presetID="10" presetClass="entr" presetSubtype="0" fill="hold" grpId="0" nodeType="afterEffect">
+                                  <p:stCondLst>
+                                    <p:cond delay="0"/>
+                                  </p:stCondLst>
+                                  <p:childTnLst>
+                                    <p:set>
+                                      <p:cBhvr>
+                                        <p:cTn id="27" dur="1" fill="hold">
+                                          <p:stCondLst>
+                                            <p:cond delay="0"/>
+                                          </p:stCondLst>
+                                        </p:cTn>
+                                        <p:tgtEl>
+                                          <p:spTgt spid="17"/>
+                                        </p:tgtEl>
+                                        <p:attrNameLst>
+                                          <p:attrName>style.visibility</p:attrName>
+                                        </p:attrNameLst>
+                                      </p:cBhvr>
+                                      <p:to>
+                                        <p:strVal val="visible"/>
+                                      </p:to>
+                                    </p:set>
+                                    <p:animEffect transition="in" filter="fade">
+                                      <p:cBhvr>
+                                        <p:cTn id="28" dur="500"/>
+                                        <p:tgtEl>
+                                          <p:spTgt spid="17"/>
                                         </p:tgtEl>
                                       </p:cBhvr>
                                     </p:animEffect>
@@ -11114,97 +12293,32 @@
                     </p:cTn>
                   </p:par>
                   <p:par>
-                    <p:cTn id="13" fill="hold">
+                    <p:cTn id="29" fill="hold">
                       <p:stCondLst>
                         <p:cond delay="indefinite"/>
                       </p:stCondLst>
                       <p:childTnLst>
                         <p:par>
-                          <p:cTn id="14" fill="hold">
+                          <p:cTn id="30" fill="hold">
                             <p:stCondLst>
                               <p:cond delay="0"/>
                             </p:stCondLst>
                             <p:childTnLst>
                               <p:par>
-                                <p:cTn id="15" presetID="22" presetClass="entr" presetSubtype="8" fill="hold" grpId="0" nodeType="clickEffect">
+                                <p:cTn id="31" presetID="10" presetClass="entr" presetSubtype="0" fill="hold" grpId="0" nodeType="clickEffect">
                                   <p:stCondLst>
                                     <p:cond delay="0"/>
                                   </p:stCondLst>
                                   <p:childTnLst>
                                     <p:set>
                                       <p:cBhvr>
-                                        <p:cTn id="16" dur="1" fill="hold">
+                                        <p:cTn id="32" dur="1" fill="hold">
                                           <p:stCondLst>
                                             <p:cond delay="0"/>
                                           </p:stCondLst>
                                         </p:cTn>
                                         <p:tgtEl>
-                                          <p:spTgt spid="2">
-                                            <p:graphicEl>
-                                              <a:chart seriesIdx="1" categoryIdx="-4" bldStep="series"/>
-                                            </p:graphicEl>
-                                          </p:spTgt>
-                                        </p:tgtEl>
-                                        <p:attrNameLst>
-                                          <p:attrName>style.visibility</p:attrName>
-                                        </p:attrNameLst>
-                                      </p:cBhvr>
-                                      <p:to>
-                                        <p:strVal val="visible"/>
-                                      </p:to>
-                                    </p:set>
-                                    <p:animEffect transition="in" filter="wipe(left)">
-                                      <p:cBhvr>
-                                        <p:cTn id="17" dur="1000"/>
-                                        <p:tgtEl>
-                                          <p:spTgt spid="2">
-                                            <p:graphicEl>
-                                              <a:chart seriesIdx="1" categoryIdx="-4" bldStep="series"/>
-                                            </p:graphicEl>
-                                          </p:spTgt>
-                                        </p:tgtEl>
-                                      </p:cBhvr>
-                                    </p:animEffect>
-                                  </p:childTnLst>
-                                </p:cTn>
-                              </p:par>
-                            </p:childTnLst>
-                          </p:cTn>
-                        </p:par>
-                      </p:childTnLst>
-                    </p:cTn>
-                  </p:par>
-                  <p:par>
-                    <p:cTn id="18" fill="hold">
-                      <p:stCondLst>
-                        <p:cond delay="indefinite"/>
-                      </p:stCondLst>
-                      <p:childTnLst>
-                        <p:par>
-                          <p:cTn id="19" fill="hold">
-                            <p:stCondLst>
-                              <p:cond delay="0"/>
-                            </p:stCondLst>
-                            <p:childTnLst>
-                              <p:par>
-                                <p:cTn id="20" presetID="10" presetClass="entr" presetSubtype="0" fill="hold" grpId="0" nodeType="clickEffect">
-                                  <p:stCondLst>
-                                    <p:cond delay="0"/>
-                                  </p:stCondLst>
-                                  <p:childTnLst>
-                                    <p:set>
-                                      <p:cBhvr>
-                                        <p:cTn id="21" dur="1" fill="hold">
-                                          <p:stCondLst>
-                                            <p:cond delay="0"/>
-                                          </p:stCondLst>
-                                        </p:cTn>
-                                        <p:tgtEl>
-                                          <p:spTgt spid="5">
-                                            <p:graphicEl>
-                                              <a:chart seriesIdx="-3" categoryIdx="-3" bldStep="gridLegend"/>
-                                            </p:graphicEl>
-                                          </p:spTgt>
+                                          <p:spTgt spid="22"/>
                                         </p:tgtEl>
                                         <p:attrNameLst>
                                           <p:attrName>style.visibility</p:attrName>
@@ -11216,13 +12330,9 @@
                                     </p:set>
                                     <p:animEffect transition="in" filter="fade">
                                       <p:cBhvr>
-                                        <p:cTn id="22" dur="500"/>
+                                        <p:cTn id="33" dur="500"/>
                                         <p:tgtEl>
-                                          <p:spTgt spid="5">
-                                            <p:graphicEl>
-                                              <a:chart seriesIdx="-3" categoryIdx="-3" bldStep="gridLegend"/>
-                                            </p:graphicEl>
-                                          </p:spTgt>
+                                          <p:spTgt spid="22"/>
                                         </p:tgtEl>
                                       </p:cBhvr>
                                     </p:animEffect>
@@ -11233,30 +12343,26 @@
                           </p:cTn>
                         </p:par>
                         <p:par>
-                          <p:cTn id="23" fill="hold">
+                          <p:cTn id="34" fill="hold">
                             <p:stCondLst>
                               <p:cond delay="500"/>
                             </p:stCondLst>
                             <p:childTnLst>
                               <p:par>
-                                <p:cTn id="24" presetID="22" presetClass="entr" presetSubtype="4" fill="hold" grpId="0" nodeType="afterEffect">
+                                <p:cTn id="35" presetID="21" presetClass="entr" presetSubtype="1" fill="hold" grpId="0" nodeType="afterEffect">
                                   <p:stCondLst>
                                     <p:cond delay="0"/>
                                   </p:stCondLst>
                                   <p:childTnLst>
                                     <p:set>
                                       <p:cBhvr>
-                                        <p:cTn id="25" dur="1" fill="hold">
+                                        <p:cTn id="36" dur="1" fill="hold">
                                           <p:stCondLst>
                                             <p:cond delay="0"/>
                                           </p:stCondLst>
                                         </p:cTn>
                                         <p:tgtEl>
-                                          <p:spTgt spid="5">
-                                            <p:graphicEl>
-                                              <a:chart seriesIdx="0" categoryIdx="-4" bldStep="series"/>
-                                            </p:graphicEl>
-                                          </p:spTgt>
+                                          <p:spTgt spid="15"/>
                                         </p:tgtEl>
                                         <p:attrNameLst>
                                           <p:attrName>style.visibility</p:attrName>
@@ -11266,15 +12372,11 @@
                                         <p:strVal val="visible"/>
                                       </p:to>
                                     </p:set>
-                                    <p:animEffect transition="in" filter="wipe(down)">
+                                    <p:animEffect transition="in" filter="wheel(1)">
                                       <p:cBhvr>
-                                        <p:cTn id="26" dur="500"/>
+                                        <p:cTn id="37" dur="1000"/>
                                         <p:tgtEl>
-                                          <p:spTgt spid="5">
-                                            <p:graphicEl>
-                                              <a:chart seriesIdx="0" categoryIdx="-4" bldStep="series"/>
-                                            </p:graphicEl>
-                                          </p:spTgt>
+                                          <p:spTgt spid="15"/>
                                         </p:tgtEl>
                                       </p:cBhvr>
                                     </p:animEffect>
@@ -11285,30 +12387,26 @@
                           </p:cTn>
                         </p:par>
                         <p:par>
-                          <p:cTn id="27" fill="hold">
+                          <p:cTn id="38" fill="hold">
                             <p:stCondLst>
-                              <p:cond delay="1000"/>
+                              <p:cond delay="1500"/>
                             </p:stCondLst>
                             <p:childTnLst>
                               <p:par>
-                                <p:cTn id="28" presetID="22" presetClass="entr" presetSubtype="4" fill="hold" grpId="0" nodeType="afterEffect">
+                                <p:cTn id="39" presetID="10" presetClass="entr" presetSubtype="0" fill="hold" grpId="0" nodeType="afterEffect">
                                   <p:stCondLst>
                                     <p:cond delay="0"/>
                                   </p:stCondLst>
                                   <p:childTnLst>
                                     <p:set>
                                       <p:cBhvr>
-                                        <p:cTn id="29" dur="1" fill="hold">
+                                        <p:cTn id="40" dur="1" fill="hold">
                                           <p:stCondLst>
                                             <p:cond delay="0"/>
                                           </p:stCondLst>
                                         </p:cTn>
                                         <p:tgtEl>
-                                          <p:spTgt spid="5">
-                                            <p:graphicEl>
-                                              <a:chart seriesIdx="1" categoryIdx="-4" bldStep="series"/>
-                                            </p:graphicEl>
-                                          </p:spTgt>
+                                          <p:spTgt spid="18"/>
                                         </p:tgtEl>
                                         <p:attrNameLst>
                                           <p:attrName>style.visibility</p:attrName>
@@ -11318,67 +12416,11 @@
                                         <p:strVal val="visible"/>
                                       </p:to>
                                     </p:set>
-                                    <p:animEffect transition="in" filter="wipe(down)">
+                                    <p:animEffect transition="in" filter="fade">
                                       <p:cBhvr>
-                                        <p:cTn id="30" dur="500"/>
+                                        <p:cTn id="41" dur="500"/>
                                         <p:tgtEl>
-                                          <p:spTgt spid="5">
-                                            <p:graphicEl>
-                                              <a:chart seriesIdx="1" categoryIdx="-4" bldStep="series"/>
-                                            </p:graphicEl>
-                                          </p:spTgt>
-                                        </p:tgtEl>
-                                      </p:cBhvr>
-                                    </p:animEffect>
-                                  </p:childTnLst>
-                                </p:cTn>
-                              </p:par>
-                            </p:childTnLst>
-                          </p:cTn>
-                        </p:par>
-                        <p:par>
-                          <p:cTn id="31" fill="hold">
-                            <p:stCondLst>
-                              <p:cond delay="1500"/>
-                            </p:stCondLst>
-                            <p:childTnLst>
-                              <p:par>
-                                <p:cTn id="32" presetID="22" presetClass="entr" presetSubtype="4" fill="hold" grpId="0" nodeType="afterEffect">
-                                  <p:stCondLst>
-                                    <p:cond delay="0"/>
-                                  </p:stCondLst>
-                                  <p:childTnLst>
-                                    <p:set>
-                                      <p:cBhvr>
-                                        <p:cTn id="33" dur="1" fill="hold">
-                                          <p:stCondLst>
-                                            <p:cond delay="0"/>
-                                          </p:stCondLst>
-                                        </p:cTn>
-                                        <p:tgtEl>
-                                          <p:spTgt spid="5">
-                                            <p:graphicEl>
-                                              <a:chart seriesIdx="2" categoryIdx="-4" bldStep="series"/>
-                                            </p:graphicEl>
-                                          </p:spTgt>
-                                        </p:tgtEl>
-                                        <p:attrNameLst>
-                                          <p:attrName>style.visibility</p:attrName>
-                                        </p:attrNameLst>
-                                      </p:cBhvr>
-                                      <p:to>
-                                        <p:strVal val="visible"/>
-                                      </p:to>
-                                    </p:set>
-                                    <p:animEffect transition="in" filter="wipe(down)">
-                                      <p:cBhvr>
-                                        <p:cTn id="34" dur="500"/>
-                                        <p:tgtEl>
-                                          <p:spTgt spid="5">
-                                            <p:graphicEl>
-                                              <a:chart seriesIdx="2" categoryIdx="-4" bldStep="series"/>
-                                            </p:graphicEl>
-                                          </p:spTgt>
+                                          <p:spTgt spid="18"/>
                                         </p:tgtEl>
                                       </p:cBhvr>
                                     </p:animEffect>
@@ -11413,16 +12455,21 @@
       </p:par>
     </p:tnLst>
     <p:bldLst>
-      <p:bldGraphic spid="2" grpId="0">
-        <p:bldSub>
-          <a:bldChart bld="series"/>
-        </p:bldSub>
+      <p:bldGraphic spid="7" grpId="0">
+        <p:bldAsOne/>
       </p:bldGraphic>
-      <p:bldGraphic spid="5" grpId="0">
-        <p:bldSub>
-          <a:bldChart bld="series"/>
-        </p:bldSub>
+      <p:bldGraphic spid="14" grpId="0">
+        <p:bldAsOne/>
       </p:bldGraphic>
+      <p:bldGraphic spid="15" grpId="0">
+        <p:bldAsOne/>
+      </p:bldGraphic>
+      <p:bldP spid="16" grpId="0"/>
+      <p:bldP spid="17" grpId="0"/>
+      <p:bldP spid="18" grpId="0"/>
+      <p:bldP spid="20" grpId="0"/>
+      <p:bldP spid="21" grpId="0"/>
+      <p:bldP spid="22" grpId="0"/>
     </p:bldLst>
   </p:timing>
 </p:sld>
@@ -11914,12 +12961,6 @@
               </a:rPr>
               <a:t>9</a:t>
             </a:r>
-            <a:endParaRPr lang="en-US" sz="2200" dirty="0" smtClean="0">
-              <a:solidFill>
-                <a:schemeClr val="accent1"/>
-              </a:solidFill>
-              <a:latin typeface="+mj-lt"/>
-            </a:endParaRPr>
           </a:p>
         </p:txBody>
       </p:sp>
@@ -12847,9 +13888,6 @@
               </a:rPr>
               <a:t>SWE-PRO/JAP</a:t>
             </a:r>
-            <a:endParaRPr lang="en-US" sz="2200" dirty="0" smtClean="0">
-              <a:latin typeface="AA Zuehlke" pitchFamily="2" charset="0"/>
-            </a:endParaRPr>
           </a:p>
         </p:txBody>
       </p:sp>
@@ -12906,9 +13944,6 @@
               </a:rPr>
               <a:t>SWE-EPS/ESI</a:t>
             </a:r>
-            <a:endParaRPr lang="en-US" sz="2200" dirty="0" smtClean="0">
-              <a:latin typeface="AA Zuehlke" pitchFamily="2" charset="0"/>
-            </a:endParaRPr>
           </a:p>
         </p:txBody>
       </p:sp>
@@ -12962,9 +13997,6 @@
               </a:rPr>
               <a:t>Zühlke Serbia</a:t>
             </a:r>
-            <a:endParaRPr lang="en-US" sz="2200" dirty="0" smtClean="0">
-              <a:latin typeface="AA Zuehlke" pitchFamily="2" charset="0"/>
-            </a:endParaRPr>
           </a:p>
         </p:txBody>
       </p:sp>
@@ -13198,11 +14230,7 @@
             <a:pPr marL="995363" lvl="2" indent="-457200"/>
             <a:r>
               <a:rPr lang="en-US" dirty="0" smtClean="0"/>
-              <a:t>Challenges </a:t>
-            </a:r>
-            <a:r>
-              <a:rPr lang="en-US" dirty="0" smtClean="0"/>
-              <a:t>in mobile development</a:t>
+              <a:t>Challenges in mobile development</a:t>
             </a:r>
           </a:p>
           <a:p>
@@ -13522,23 +14550,7 @@
             </a:pPr>
             <a:r>
               <a:rPr lang="en-US" dirty="0" smtClean="0"/>
-              <a:t>Web, </a:t>
-            </a:r>
-            <a:r>
-              <a:rPr lang="en-US" dirty="0" smtClean="0"/>
-              <a:t>Hybrid </a:t>
-            </a:r>
-            <a:r>
-              <a:rPr lang="en-US" dirty="0" smtClean="0"/>
-              <a:t>or </a:t>
-            </a:r>
-            <a:r>
-              <a:rPr lang="en-US" dirty="0" smtClean="0"/>
-              <a:t>Native</a:t>
-            </a:r>
-            <a:r>
-              <a:rPr lang="en-US" dirty="0" smtClean="0"/>
-              <a:t>?</a:t>
+              <a:t>Web, Hybrid or Native?</a:t>
             </a:r>
             <a:endParaRPr lang="en-US" dirty="0"/>
           </a:p>
@@ -14593,12 +15605,6 @@
               </a:rPr>
               <a:t> Mobile</a:t>
             </a:r>
-            <a:endParaRPr lang="en-US" sz="2200" dirty="0" smtClean="0">
-              <a:solidFill>
-                <a:schemeClr val="tx1"/>
-              </a:solidFill>
-              <a:latin typeface="AA Zuehlke" pitchFamily="2" charset="0"/>
-            </a:endParaRPr>
           </a:p>
         </p:txBody>
       </p:sp>
@@ -15795,7 +16801,7 @@
             </a:pPr>
             <a:r>
               <a:rPr lang="en-US" dirty="0" smtClean="0"/>
-              <a:t>80 %</a:t>
+              <a:t>64 %</a:t>
             </a:r>
             <a:endParaRPr lang="en-US" dirty="0"/>
           </a:p>
@@ -16022,7 +17028,7 @@
             </a:pPr>
             <a:r>
               <a:rPr lang="en-US" dirty="0" smtClean="0"/>
-              <a:t>20 %</a:t>
+              <a:t>36 %</a:t>
             </a:r>
             <a:endParaRPr lang="en-US" dirty="0"/>
           </a:p>
@@ -16257,7 +17263,7 @@
               <a:rPr lang="en-US" sz="2200" dirty="0" smtClean="0">
                 <a:latin typeface="AA Zuehlke" pitchFamily="2" charset="0"/>
               </a:rPr>
-              <a:t>Online time (mobile devices)</a:t>
+              <a:t>Mobile phone time</a:t>
             </a:r>
             <a:endParaRPr lang="en-US" sz="2200" dirty="0">
               <a:latin typeface="AA Zuehlke" pitchFamily="2" charset="0"/>
@@ -16273,8 +17279,8 @@
         </p:nvSpPr>
         <p:spPr>
           <a:xfrm>
-            <a:off x="7367195" y="6423138"/>
-            <a:ext cx="1813317" cy="246221"/>
+            <a:off x="8165025" y="6389949"/>
+            <a:ext cx="909223" cy="246221"/>
           </a:xfrm>
           <a:prstGeom prst="rect">
             <a:avLst/>
@@ -16289,16 +17295,18 @@
           <a:p>
             <a:pPr algn="r"/>
             <a:r>
+              <a:rPr lang="en-US" sz="1000" dirty="0" smtClean="0">
+                <a:hlinkClick r:id="rId4"/>
+              </a:rPr>
+              <a:t>Nielsen</a:t>
+            </a:r>
+            <a:r>
               <a:rPr lang="en-US" sz="1000" dirty="0" smtClean="0"/>
-              <a:t>Stefano </a:t>
-            </a:r>
-            <a:r>
-              <a:rPr lang="en-US" sz="1000" dirty="0" err="1" smtClean="0"/>
-              <a:t>Malle</a:t>
+              <a:t>, </a:t>
             </a:r>
             <a:r>
               <a:rPr lang="en-US" sz="1000" dirty="0" smtClean="0"/>
-              <a:t> (Microsoft), 2012</a:t>
+              <a:t>2012</a:t>
             </a:r>
           </a:p>
         </p:txBody>
@@ -16699,15 +17707,7 @@
             </a:pPr>
             <a:r>
               <a:rPr lang="en-US" dirty="0" smtClean="0"/>
-              <a:t>Code </a:t>
-            </a:r>
-            <a:r>
-              <a:rPr lang="en-US" dirty="0" smtClean="0"/>
-              <a:t>Sharing Using</a:t>
-            </a:r>
-            <a:r>
-              <a:rPr lang="en-US" dirty="0" smtClean="0"/>
-              <a:t/>
+              <a:t>Code Sharing Using</a:t>
             </a:r>
             <a:br>
               <a:rPr lang="en-US" dirty="0" smtClean="0"/>
@@ -18699,15 +19699,7 @@
                   <a:schemeClr val="bg1"/>
                 </a:solidFill>
               </a:rPr>
-              <a:t>Initial </a:t>
-            </a:r>
-            <a:r>
-              <a:rPr lang="en-US" dirty="0" smtClean="0">
-                <a:solidFill>
-                  <a:schemeClr val="bg1"/>
-                </a:solidFill>
-              </a:rPr>
-              <a:t>Position</a:t>
+              <a:t>Initial Position</a:t>
             </a:r>
             <a:endParaRPr lang="en-US" dirty="0">
               <a:solidFill>
@@ -18759,11 +19751,7 @@
             </a:r>
             <a:r>
               <a:rPr lang="en-US" dirty="0" smtClean="0"/>
-              <a:t> </a:t>
-            </a:r>
-            <a:r>
-              <a:rPr lang="en-US" dirty="0" smtClean="0"/>
-              <a:t>API</a:t>
+              <a:t> API</a:t>
             </a:r>
           </a:p>
           <a:p>
@@ -18774,15 +19762,7 @@
                   <a:schemeClr val="accent1"/>
                 </a:solidFill>
               </a:rPr>
-              <a:t>Business layer (.NET) for using </a:t>
-            </a:r>
-            <a:r>
-              <a:rPr lang="en-US" dirty="0" smtClean="0">
-                <a:solidFill>
-                  <a:schemeClr val="accent1"/>
-                </a:solidFill>
-              </a:rPr>
-              <a:t>services</a:t>
+              <a:t>Business layer (.NET) for using services</a:t>
             </a:r>
             <a:br>
               <a:rPr lang="en-US" dirty="0" smtClean="0">
@@ -18799,11 +19779,6 @@
               </a:rPr>
               <a:t>as Portable Class Library (PCL)</a:t>
             </a:r>
-            <a:endParaRPr lang="en-US" dirty="0" smtClean="0">
-              <a:solidFill>
-                <a:schemeClr val="accent1"/>
-              </a:solidFill>
-            </a:endParaRPr>
           </a:p>
         </p:txBody>
       </p:sp>
@@ -19662,12 +20637,6 @@
               </a:rPr>
               <a:t>1</a:t>
             </a:r>
-            <a:endParaRPr lang="en-US" sz="2200" dirty="0" smtClean="0">
-              <a:solidFill>
-                <a:schemeClr val="accent1"/>
-              </a:solidFill>
-              <a:latin typeface="+mj-lt"/>
-            </a:endParaRPr>
           </a:p>
         </p:txBody>
       </p:sp>
@@ -19978,12 +20947,6 @@
               </a:rPr>
               <a:t>2</a:t>
             </a:r>
-            <a:endParaRPr lang="en-US" sz="2200" dirty="0" smtClean="0">
-              <a:solidFill>
-                <a:schemeClr val="accent1"/>
-              </a:solidFill>
-              <a:latin typeface="+mj-lt"/>
-            </a:endParaRPr>
           </a:p>
         </p:txBody>
       </p:sp>

--- a/docs/13-09-26 Cross-platform mobile development with C#.pptx
+++ b/docs/13-09-26 Cross-platform mobile development with C#.pptx
@@ -5,10 +5,10 @@
     <p:sldMasterId id="2147483648" r:id="rId1"/>
   </p:sldMasterIdLst>
   <p:notesMasterIdLst>
-    <p:notesMasterId r:id="rId28"/>
+    <p:notesMasterId r:id="rId29"/>
   </p:notesMasterIdLst>
   <p:handoutMasterIdLst>
-    <p:handoutMasterId r:id="rId29"/>
+    <p:handoutMasterId r:id="rId30"/>
   </p:handoutMasterIdLst>
   <p:sldIdLst>
     <p:sldId id="293" r:id="rId2"/>
@@ -17,50 +17,51 @@
     <p:sldId id="268" r:id="rId5"/>
     <p:sldId id="269" r:id="rId6"/>
     <p:sldId id="279" r:id="rId7"/>
-    <p:sldId id="311" r:id="rId8"/>
-    <p:sldId id="300" r:id="rId9"/>
-    <p:sldId id="317" r:id="rId10"/>
-    <p:sldId id="312" r:id="rId11"/>
-    <p:sldId id="301" r:id="rId12"/>
-    <p:sldId id="310" r:id="rId13"/>
-    <p:sldId id="313" r:id="rId14"/>
-    <p:sldId id="314" r:id="rId15"/>
-    <p:sldId id="315" r:id="rId16"/>
-    <p:sldId id="316" r:id="rId17"/>
-    <p:sldId id="318" r:id="rId18"/>
-    <p:sldId id="308" r:id="rId19"/>
-    <p:sldId id="319" r:id="rId20"/>
-    <p:sldId id="320" r:id="rId21"/>
-    <p:sldId id="304" r:id="rId22"/>
-    <p:sldId id="290" r:id="rId23"/>
-    <p:sldId id="298" r:id="rId24"/>
-    <p:sldId id="299" r:id="rId25"/>
-    <p:sldId id="297" r:id="rId26"/>
-    <p:sldId id="295" r:id="rId27"/>
+    <p:sldId id="321" r:id="rId8"/>
+    <p:sldId id="311" r:id="rId9"/>
+    <p:sldId id="300" r:id="rId10"/>
+    <p:sldId id="317" r:id="rId11"/>
+    <p:sldId id="312" r:id="rId12"/>
+    <p:sldId id="301" r:id="rId13"/>
+    <p:sldId id="310" r:id="rId14"/>
+    <p:sldId id="313" r:id="rId15"/>
+    <p:sldId id="314" r:id="rId16"/>
+    <p:sldId id="315" r:id="rId17"/>
+    <p:sldId id="316" r:id="rId18"/>
+    <p:sldId id="318" r:id="rId19"/>
+    <p:sldId id="308" r:id="rId20"/>
+    <p:sldId id="319" r:id="rId21"/>
+    <p:sldId id="320" r:id="rId22"/>
+    <p:sldId id="304" r:id="rId23"/>
+    <p:sldId id="290" r:id="rId24"/>
+    <p:sldId id="298" r:id="rId25"/>
+    <p:sldId id="299" r:id="rId26"/>
+    <p:sldId id="297" r:id="rId27"/>
+    <p:sldId id="295" r:id="rId28"/>
   </p:sldIdLst>
   <p:sldSz cx="9144000" cy="6858000" type="screen4x3"/>
   <p:notesSz cx="6858000" cy="9144000"/>
   <p:embeddedFontLst>
-    <p:embeddedFont>
-      <p:font typeface="AA Zuehlke Medium" panose="02000603060000020004" pitchFamily="2" charset="0"/>
-      <p:regular r:id="rId30"/>
-    </p:embeddedFont>
     <p:embeddedFont>
       <p:font typeface="AA Zuehlke" panose="02000503060000020004" pitchFamily="2" charset="0"/>
       <p:regular r:id="rId31"/>
       <p:bold r:id="rId32"/>
     </p:embeddedFont>
     <p:embeddedFont>
-      <p:font typeface="Webdings" panose="05030102010509060703" pitchFamily="18" charset="2"/>
+      <p:font typeface="AA Zuehlke Medium" panose="02000603060000020004" pitchFamily="2" charset="0"/>
       <p:regular r:id="rId33"/>
     </p:embeddedFont>
     <p:embeddedFont>
+      <p:font typeface="Webdings" panose="05030102010509060703" pitchFamily="18" charset="2"/>
+      <p:regular r:id="rId34"/>
+    </p:embeddedFont>
+    <p:embeddedFont>
       <p:font typeface="Wingdings 3" panose="05040102010807070707" pitchFamily="18" charset="2"/>
-      <p:regular r:id="rId34"/>
+      <p:regular r:id="rId35"/>
     </p:embeddedFont>
   </p:embeddedFontLst>
   <p:custDataLst>
-    <p:tags r:id="rId35"/>
+    <p:tags r:id="rId36"/>
   </p:custDataLst>
   <p:defaultTextStyle>
     <a:defPPr>
@@ -6716,7 +6717,19 @@
           <a:p>
             <a:r>
               <a:rPr lang="en-US" dirty="0" smtClean="0"/>
-              <a:t>Cross-platform Mobile Development (with C#)</a:t>
+              <a:t>Cross-platform Mobile Development </a:t>
+            </a:r>
+            <a:r>
+              <a:rPr lang="en-US" dirty="0" smtClean="0"/>
+              <a:t>with </a:t>
+            </a:r>
+            <a:r>
+              <a:rPr lang="en-US" dirty="0" smtClean="0"/>
+              <a:t>C</a:t>
+            </a:r>
+            <a:r>
+              <a:rPr lang="en-US" dirty="0" smtClean="0"/>
+              <a:t>#</a:t>
             </a:r>
             <a:endParaRPr lang="en-US" dirty="0"/>
           </a:p>
@@ -6946,6 +6959,316 @@
       </p:grpSpPr>
       <p:sp>
         <p:nvSpPr>
+          <p:cNvPr id="2" name="Content Placeholder 1"/>
+          <p:cNvSpPr>
+            <a:spLocks noGrp="1"/>
+          </p:cNvSpPr>
+          <p:nvPr>
+            <p:ph idx="1"/>
+          </p:nvPr>
+        </p:nvSpPr>
+        <p:spPr/>
+        <p:txBody>
+          <a:bodyPr/>
+          <a:lstStyle/>
+          <a:p>
+            <a:pPr lvl="1"/>
+            <a:r>
+              <a:rPr lang="en-US" dirty="0" err="1" smtClean="0"/>
+              <a:t>Xamarin</a:t>
+            </a:r>
+            <a:r>
+              <a:rPr lang="en-US" dirty="0" smtClean="0"/>
+              <a:t> Studio</a:t>
+            </a:r>
+          </a:p>
+          <a:p>
+            <a:pPr lvl="2"/>
+            <a:r>
+              <a:rPr lang="en-US" dirty="0" smtClean="0"/>
+              <a:t>C# example</a:t>
+            </a:r>
+          </a:p>
+          <a:p>
+            <a:pPr lvl="2"/>
+            <a:r>
+              <a:rPr lang="en-US" dirty="0" err="1" smtClean="0"/>
+              <a:t>iOS</a:t>
+            </a:r>
+            <a:r>
+              <a:rPr lang="en-US" dirty="0" smtClean="0"/>
+              <a:t> simulator (</a:t>
+            </a:r>
+            <a:r>
+              <a:rPr lang="en-US" dirty="0" smtClean="0">
+                <a:solidFill>
+                  <a:srgbClr val="FF0000"/>
+                </a:solidFill>
+              </a:rPr>
+              <a:t>remote</a:t>
+            </a:r>
+            <a:r>
+              <a:rPr lang="en-US" dirty="0" smtClean="0"/>
+              <a:t>)</a:t>
+            </a:r>
+            <a:endParaRPr lang="en-US" dirty="0"/>
+          </a:p>
+        </p:txBody>
+      </p:sp>
+      <p:sp>
+        <p:nvSpPr>
+          <p:cNvPr id="3" name="Title 2"/>
+          <p:cNvSpPr>
+            <a:spLocks noGrp="1"/>
+          </p:cNvSpPr>
+          <p:nvPr>
+            <p:ph type="title"/>
+          </p:nvPr>
+        </p:nvSpPr>
+        <p:spPr/>
+        <p:txBody>
+          <a:bodyPr/>
+          <a:lstStyle/>
+          <a:p>
+            <a:r>
+              <a:rPr lang="en-US" dirty="0" smtClean="0"/>
+              <a:t>Tooling</a:t>
+            </a:r>
+            <a:br>
+              <a:rPr lang="en-US" dirty="0" smtClean="0"/>
+            </a:br>
+            <a:r>
+              <a:rPr lang="en-US" dirty="0" err="1" smtClean="0"/>
+              <a:t>iOS</a:t>
+            </a:r>
+            <a:endParaRPr lang="en-US" dirty="0"/>
+          </a:p>
+        </p:txBody>
+      </p:sp>
+      <p:sp>
+        <p:nvSpPr>
+          <p:cNvPr id="4" name="Date Placeholder 3"/>
+          <p:cNvSpPr>
+            <a:spLocks noGrp="1"/>
+          </p:cNvSpPr>
+          <p:nvPr>
+            <p:ph type="dt" sz="half" idx="10"/>
+          </p:nvPr>
+        </p:nvSpPr>
+        <p:spPr/>
+        <p:txBody>
+          <a:bodyPr/>
+          <a:lstStyle/>
+          <a:p>
+            <a:r>
+              <a:rPr lang="en-US" dirty="0" smtClean="0"/>
+              <a:t>26. September 2013</a:t>
+            </a:r>
+            <a:endParaRPr lang="en-US" dirty="0"/>
+          </a:p>
+        </p:txBody>
+      </p:sp>
+      <p:sp>
+        <p:nvSpPr>
+          <p:cNvPr id="5" name="Footer Placeholder 4"/>
+          <p:cNvSpPr>
+            <a:spLocks noGrp="1"/>
+          </p:cNvSpPr>
+          <p:nvPr>
+            <p:ph type="ftr" sz="quarter" idx="11"/>
+          </p:nvPr>
+        </p:nvSpPr>
+        <p:spPr/>
+        <p:txBody>
+          <a:bodyPr/>
+          <a:lstStyle/>
+          <a:p>
+            <a:r>
+              <a:rPr lang="en-US" dirty="0" smtClean="0"/>
+              <a:t>Cross-platform Mobile Development | Ursin Brunner, Stefan </a:t>
+            </a:r>
+            <a:r>
+              <a:rPr lang="en-US" dirty="0" err="1" smtClean="0"/>
+              <a:t>Schöb</a:t>
+            </a:r>
+            <a:r>
+              <a:rPr lang="en-US" dirty="0" smtClean="0"/>
+              <a:t>, Oliver Brack</a:t>
+            </a:r>
+            <a:endParaRPr lang="en-US" dirty="0"/>
+          </a:p>
+        </p:txBody>
+      </p:sp>
+      <p:sp>
+        <p:nvSpPr>
+          <p:cNvPr id="8" name="Slide Number Placeholder 7"/>
+          <p:cNvSpPr>
+            <a:spLocks noGrp="1"/>
+          </p:cNvSpPr>
+          <p:nvPr>
+            <p:ph type="sldNum" sz="quarter" idx="12"/>
+          </p:nvPr>
+        </p:nvSpPr>
+        <p:spPr/>
+        <p:txBody>
+          <a:bodyPr/>
+          <a:lstStyle/>
+          <a:p>
+            <a:r>
+              <a:rPr lang="de-CH" smtClean="0"/>
+              <a:t>Slide </a:t>
+            </a:r>
+            <a:fld id="{76AE5747-D0E7-4D66-8FBF-9CFC53A4E0C8}" type="slidenum">
+              <a:rPr lang="de-CH" smtClean="0"/>
+              <a:t>10</a:t>
+            </a:fld>
+            <a:endParaRPr lang="de-CH" dirty="0"/>
+          </a:p>
+        </p:txBody>
+      </p:sp>
+      <p:pic>
+        <p:nvPicPr>
+          <p:cNvPr id="9" name="Picture 4" descr="http://www.digi-news.ch/schulen/20100624/uploads/apple_logo2.jpg"/>
+          <p:cNvPicPr>
+            <a:picLocks noChangeAspect="1" noChangeArrowheads="1"/>
+          </p:cNvPicPr>
+          <p:nvPr/>
+        </p:nvPicPr>
+        <p:blipFill rotWithShape="1">
+          <a:blip r:embed="rId2" cstate="print">
+            <a:extLst>
+              <a:ext uri="{BEBA8EAE-BF5A-486C-A8C5-ECC9F3942E4B}">
+                <a14:imgProps xmlns:a14="http://schemas.microsoft.com/office/drawing/2010/main">
+                  <a14:imgLayer r:embed="rId3">
+                    <a14:imgEffect>
+                      <a14:backgroundRemoval t="0" b="100000" l="10000" r="90000">
+                        <a14:foregroundMark x1="56444" y1="12162" x2="56444" y2="12162"/>
+                      </a14:backgroundRemoval>
+                    </a14:imgEffect>
+                  </a14:imgLayer>
+                </a14:imgProps>
+              </a:ext>
+              <a:ext uri="{28A0092B-C50C-407E-A947-70E740481C1C}">
+                <a14:useLocalDpi xmlns:a14="http://schemas.microsoft.com/office/drawing/2010/main" val="0"/>
+              </a:ext>
+            </a:extLst>
+          </a:blip>
+          <a:srcRect l="9636" r="15609"/>
+          <a:stretch/>
+        </p:blipFill>
+        <p:spPr bwMode="auto">
+          <a:xfrm>
+            <a:off x="8379457" y="5871876"/>
+            <a:ext cx="654610" cy="720000"/>
+          </a:xfrm>
+          <a:prstGeom prst="rect">
+            <a:avLst/>
+          </a:prstGeom>
+          <a:noFill/>
+          <a:extLst>
+            <a:ext uri="{909E8E84-426E-40DD-AFC4-6F175D3DCCD1}">
+              <a14:hiddenFill xmlns:a14="http://schemas.microsoft.com/office/drawing/2010/main">
+                <a:solidFill>
+                  <a:srgbClr val="FFFFFF"/>
+                </a:solidFill>
+              </a14:hiddenFill>
+            </a:ext>
+          </a:extLst>
+        </p:spPr>
+      </p:pic>
+      <p:sp>
+        <p:nvSpPr>
+          <p:cNvPr id="10" name="Oval 9"/>
+          <p:cNvSpPr/>
+          <p:nvPr/>
+        </p:nvSpPr>
+        <p:spPr>
+          <a:xfrm>
+            <a:off x="8635473" y="78417"/>
+            <a:ext cx="427734" cy="427734"/>
+          </a:xfrm>
+          <a:prstGeom prst="ellipse">
+            <a:avLst/>
+          </a:prstGeom>
+          <a:noFill/>
+          <a:ln w="12700">
+            <a:solidFill>
+              <a:schemeClr val="accent1"/>
+            </a:solidFill>
+          </a:ln>
+        </p:spPr>
+        <p:style>
+          <a:lnRef idx="2">
+            <a:schemeClr val="accent1">
+              <a:shade val="50000"/>
+            </a:schemeClr>
+          </a:lnRef>
+          <a:fillRef idx="1">
+            <a:schemeClr val="accent1"/>
+          </a:fillRef>
+          <a:effectRef idx="0">
+            <a:schemeClr val="accent1"/>
+          </a:effectRef>
+          <a:fontRef idx="minor">
+            <a:schemeClr val="lt1"/>
+          </a:fontRef>
+        </p:style>
+        <p:txBody>
+          <a:bodyPr rtlCol="0" anchor="ctr"/>
+          <a:lstStyle/>
+          <a:p>
+            <a:pPr algn="ctr"/>
+            <a:r>
+              <a:rPr lang="en-US" sz="2200" dirty="0" smtClean="0">
+                <a:solidFill>
+                  <a:schemeClr val="accent1"/>
+                </a:solidFill>
+                <a:latin typeface="+mj-lt"/>
+              </a:rPr>
+              <a:t>2</a:t>
+            </a:r>
+          </a:p>
+        </p:txBody>
+      </p:sp>
+    </p:spTree>
+    <p:extLst>
+      <p:ext uri="{BB962C8B-B14F-4D97-AF65-F5344CB8AC3E}">
+        <p14:creationId xmlns:p14="http://schemas.microsoft.com/office/powerpoint/2010/main" val="248274490"/>
+      </p:ext>
+    </p:extLst>
+  </p:cSld>
+  <p:clrMapOvr>
+    <a:masterClrMapping/>
+  </p:clrMapOvr>
+  <p:timing>
+    <p:tnLst>
+      <p:par>
+        <p:cTn id="1" dur="indefinite" restart="never" nodeType="tmRoot"/>
+      </p:par>
+    </p:tnLst>
+  </p:timing>
+</p:sld>
+</file>
+
+<file path=ppt/slides/slide11.xml><?xml version="1.0" encoding="utf-8"?>
+<p:sld xmlns:a="http://schemas.openxmlformats.org/drawingml/2006/main" xmlns:r="http://schemas.openxmlformats.org/officeDocument/2006/relationships" xmlns:p="http://schemas.openxmlformats.org/presentationml/2006/main">
+  <p:cSld>
+    <p:spTree>
+      <p:nvGrpSpPr>
+        <p:cNvPr id="1" name=""/>
+        <p:cNvGrpSpPr/>
+        <p:nvPr/>
+      </p:nvGrpSpPr>
+      <p:grpSpPr>
+        <a:xfrm>
+          <a:off x="0" y="0"/>
+          <a:ext cx="0" cy="0"/>
+          <a:chOff x="0" y="0"/>
+          <a:chExt cx="0" cy="0"/>
+        </a:xfrm>
+      </p:grpSpPr>
+      <p:sp>
+        <p:nvSpPr>
           <p:cNvPr id="14" name="Rectangle 13"/>
           <p:cNvSpPr/>
           <p:nvPr/>
@@ -7297,7 +7620,7 @@
             </a:r>
             <a:fld id="{76AE5747-D0E7-4D66-8FBF-9CFC53A4E0C8}" type="slidenum">
               <a:rPr lang="de-CH" smtClean="0"/>
-              <a:t>10</a:t>
+              <a:t>11</a:t>
             </a:fld>
             <a:endParaRPr lang="de-CH" dirty="0"/>
           </a:p>
@@ -7493,7 +7816,7 @@
 </p:sld>
 </file>
 
-<file path=ppt/slides/slide11.xml><?xml version="1.0" encoding="utf-8"?>
+<file path=ppt/slides/slide12.xml><?xml version="1.0" encoding="utf-8"?>
 <p:sld xmlns:a="http://schemas.openxmlformats.org/drawingml/2006/main" xmlns:r="http://schemas.openxmlformats.org/officeDocument/2006/relationships" xmlns:p="http://schemas.openxmlformats.org/presentationml/2006/main">
   <p:cSld>
     <p:spTree>
@@ -7527,53 +7850,143 @@
           <a:p>
             <a:pPr lvl="1"/>
             <a:r>
-              <a:rPr lang="en-US" dirty="0" smtClean="0"/>
+              <a:rPr lang="en-US" sz="2800" dirty="0" smtClean="0"/>
               <a:t>Prepared</a:t>
             </a:r>
             <a:r>
-              <a:rPr lang="en-US" dirty="0"/>
+              <a:rPr lang="en-US" sz="2800" dirty="0"/>
               <a:t> </a:t>
             </a:r>
             <a:r>
-              <a:rPr lang="en-US" dirty="0" smtClean="0"/>
-              <a:t>Solution</a:t>
-            </a:r>
+              <a:rPr lang="en-US" sz="2800" dirty="0" smtClean="0"/>
+              <a:t>solution</a:t>
+            </a:r>
+          </a:p>
+          <a:p>
+            <a:pPr lvl="2"/>
+            <a:r>
+              <a:rPr lang="en-US" sz="2400" dirty="0" err="1" smtClean="0"/>
+              <a:t>Zxm.Android</a:t>
+            </a:r>
+            <a:r>
+              <a:rPr lang="en-US" sz="2400" dirty="0" smtClean="0"/>
+              <a:t>:	Android specific code</a:t>
+            </a:r>
+          </a:p>
+          <a:p>
+            <a:pPr lvl="2"/>
+            <a:r>
+              <a:rPr lang="en-US" sz="2400" dirty="0" err="1" smtClean="0"/>
+              <a:t>Zxm.Core</a:t>
+            </a:r>
+            <a:r>
+              <a:rPr lang="en-US" sz="2400" dirty="0" smtClean="0"/>
+              <a:t>:		Shared code (client-side)</a:t>
+            </a:r>
+          </a:p>
+          <a:p>
+            <a:pPr lvl="2"/>
+            <a:r>
+              <a:rPr lang="en-US" sz="2400" dirty="0" err="1" smtClean="0"/>
+              <a:t>Zxm.iOS</a:t>
+            </a:r>
+            <a:r>
+              <a:rPr lang="en-US" sz="2400" dirty="0" smtClean="0"/>
+              <a:t>:		</a:t>
+            </a:r>
+            <a:r>
+              <a:rPr lang="en-US" sz="2400" dirty="0" err="1" smtClean="0"/>
+              <a:t>iOS</a:t>
+            </a:r>
+            <a:r>
+              <a:rPr lang="en-US" sz="2400" dirty="0" smtClean="0"/>
+              <a:t> specific code</a:t>
+            </a:r>
+          </a:p>
+          <a:p>
+            <a:pPr lvl="2"/>
+            <a:r>
+              <a:rPr lang="en-US" sz="2400" dirty="0" err="1" smtClean="0"/>
+              <a:t>Zxm.Test</a:t>
+            </a:r>
+            <a:r>
+              <a:rPr lang="en-US" sz="2400" dirty="0" smtClean="0"/>
+              <a:t>:		Unit tests (client-side)</a:t>
+            </a:r>
+          </a:p>
+          <a:p>
+            <a:pPr lvl="2"/>
+            <a:r>
+              <a:rPr lang="en-US" sz="2400" dirty="0" err="1" smtClean="0"/>
+              <a:t>Zxm.Webservice</a:t>
+            </a:r>
+            <a:r>
+              <a:rPr lang="en-US" sz="2400" dirty="0" smtClean="0"/>
+              <a:t>:	</a:t>
+            </a:r>
+            <a:r>
+              <a:rPr lang="en-US" sz="2400" dirty="0" err="1" smtClean="0"/>
+              <a:t>RESTful</a:t>
+            </a:r>
+            <a:r>
+              <a:rPr lang="en-US" sz="2400" dirty="0" smtClean="0"/>
+              <a:t> service (hosted on Azure)</a:t>
+            </a:r>
+            <a:endParaRPr lang="en-US" sz="2400" dirty="0" smtClean="0"/>
           </a:p>
           <a:p>
             <a:pPr lvl="1"/>
             <a:r>
-              <a:rPr lang="en-US" dirty="0" err="1" smtClean="0"/>
+              <a:rPr lang="en-US" sz="2800" dirty="0" err="1" smtClean="0"/>
               <a:t>NuGet</a:t>
             </a:r>
             <a:r>
-              <a:rPr lang="en-US" dirty="0" smtClean="0"/>
+              <a:rPr lang="en-US" sz="2800" dirty="0" smtClean="0"/>
               <a:t> </a:t>
             </a:r>
             <a:r>
-              <a:rPr lang="en-US" dirty="0" smtClean="0">
+              <a:rPr lang="en-US" sz="2800" dirty="0" smtClean="0">
                 <a:sym typeface="Wingdings" panose="05000000000000000000" pitchFamily="2" charset="2"/>
               </a:rPr>
               <a:t> Install </a:t>
             </a:r>
             <a:r>
-              <a:rPr lang="en-US" dirty="0" err="1" smtClean="0">
+              <a:rPr lang="en-US" sz="2800" dirty="0" err="1" smtClean="0">
                 <a:sym typeface="Wingdings" panose="05000000000000000000" pitchFamily="2" charset="2"/>
               </a:rPr>
               <a:t>MvvmCross</a:t>
             </a:r>
-            <a:endParaRPr lang="en-US" dirty="0" smtClean="0">
+            <a:endParaRPr lang="en-US" sz="2800" dirty="0">
               <a:sym typeface="Wingdings" panose="05000000000000000000" pitchFamily="2" charset="2"/>
             </a:endParaRPr>
           </a:p>
           <a:p>
+            <a:pPr lvl="2"/>
+            <a:r>
+              <a:rPr lang="en-US" sz="2400" dirty="0" err="1" smtClean="0">
+                <a:sym typeface="Wingdings" panose="05000000000000000000" pitchFamily="2" charset="2"/>
+              </a:rPr>
+              <a:t>HotTuna</a:t>
+            </a:r>
+            <a:r>
+              <a:rPr lang="en-US" sz="2400" dirty="0" smtClean="0">
+                <a:sym typeface="Wingdings" panose="05000000000000000000" pitchFamily="2" charset="2"/>
+              </a:rPr>
+              <a:t>: Most recent release</a:t>
+            </a:r>
+            <a:endParaRPr lang="en-US" sz="2400" dirty="0" smtClean="0">
+              <a:sym typeface="Wingdings" panose="05000000000000000000" pitchFamily="2" charset="2"/>
+            </a:endParaRPr>
+          </a:p>
+          <a:p>
             <a:pPr lvl="1"/>
             <a:r>
-              <a:rPr lang="en-US" dirty="0" smtClean="0">
+              <a:rPr lang="en-US" sz="2800" dirty="0" smtClean="0">
                 <a:sym typeface="Wingdings" panose="05000000000000000000" pitchFamily="2" charset="2"/>
               </a:rPr>
               <a:t>Run mini-Demo</a:t>
             </a:r>
-            <a:endParaRPr lang="en-US" dirty="0" smtClean="0"/>
+            <a:endParaRPr lang="en-US" sz="2800" dirty="0" smtClean="0"/>
           </a:p>
         </p:txBody>
       </p:sp>
@@ -7676,7 +8089,7 @@
             </a:r>
             <a:fld id="{75C58849-2B8D-462E-A136-5B0C5EFE9461}" type="slidenum">
               <a:rPr lang="de-CH" smtClean="0"/>
-              <a:t>11</a:t>
+              <a:t>12</a:t>
             </a:fld>
             <a:endParaRPr lang="de-CH" dirty="0"/>
           </a:p>
@@ -7810,7 +8223,7 @@
 </p:sld>
 </file>
 
-<file path=ppt/slides/slide12.xml><?xml version="1.0" encoding="utf-8"?>
+<file path=ppt/slides/slide13.xml><?xml version="1.0" encoding="utf-8"?>
 <p:sld xmlns:a="http://schemas.openxmlformats.org/drawingml/2006/main" xmlns:r="http://schemas.openxmlformats.org/officeDocument/2006/relationships" xmlns:p="http://schemas.openxmlformats.org/presentationml/2006/main">
   <p:cSld>
     <p:spTree>
@@ -7842,57 +8255,172 @@
           <a:bodyPr/>
           <a:lstStyle/>
           <a:p>
+            <a:r>
+              <a:rPr lang="en-US" sz="2400" dirty="0" smtClean="0"/>
+              <a:t>Model (shared)</a:t>
+            </a:r>
+          </a:p>
+          <a:p>
             <a:pPr lvl="1"/>
             <a:r>
-              <a:rPr lang="en-US" dirty="0" err="1" smtClean="0"/>
-              <a:t>Benutzer</a:t>
-            </a:r>
-            <a:r>
-              <a:rPr lang="en-US" dirty="0" smtClean="0"/>
-              <a:t> Class</a:t>
+              <a:rPr lang="en-US" sz="2400" dirty="0" smtClean="0"/>
+              <a:t>User class</a:t>
+            </a:r>
+            <a:endParaRPr lang="en-US" sz="2400" dirty="0" smtClean="0"/>
+          </a:p>
+          <a:p>
+            <a:r>
+              <a:rPr lang="en-US" sz="2400" dirty="0" err="1" smtClean="0"/>
+              <a:t>ViewModel</a:t>
+            </a:r>
+            <a:r>
+              <a:rPr lang="en-US" sz="2400" dirty="0" smtClean="0"/>
+              <a:t> (shared)</a:t>
             </a:r>
           </a:p>
           <a:p>
             <a:pPr lvl="1"/>
             <a:r>
-              <a:rPr lang="en-US" dirty="0" err="1" smtClean="0"/>
-              <a:t>ViewModel</a:t>
-            </a:r>
-            <a:r>
-              <a:rPr lang="en-US" dirty="0" smtClean="0"/>
-              <a:t> </a:t>
-            </a:r>
-            <a:r>
-              <a:rPr lang="en-US" dirty="0" smtClean="0">
+              <a:rPr lang="en-US" sz="2400" dirty="0" smtClean="0">
                 <a:sym typeface="Wingdings" panose="05000000000000000000" pitchFamily="2" charset="2"/>
               </a:rPr>
-              <a:t> Dummy </a:t>
-            </a:r>
-            <a:r>
-              <a:rPr lang="en-US" dirty="0" err="1" smtClean="0">
+              <a:t>Derive from </a:t>
+            </a:r>
+            <a:r>
+              <a:rPr lang="en-US" sz="2400" dirty="0" err="1" smtClean="0">
                 <a:sym typeface="Wingdings" panose="05000000000000000000" pitchFamily="2" charset="2"/>
               </a:rPr>
-              <a:t>Daten</a:t>
-            </a:r>
-            <a:endParaRPr lang="en-US" dirty="0" smtClean="0">
+              <a:t>MvxViewModel</a:t>
+            </a:r>
+            <a:endParaRPr lang="en-US" sz="2400" dirty="0" smtClean="0">
               <a:sym typeface="Wingdings" panose="05000000000000000000" pitchFamily="2" charset="2"/>
             </a:endParaRPr>
           </a:p>
           <a:p>
-            <a:pPr lvl="1"/>
-            <a:r>
-              <a:rPr lang="en-US" dirty="0" smtClean="0">
+            <a:pPr lvl="2"/>
+            <a:r>
+              <a:rPr lang="en-US" sz="2000" dirty="0" err="1" smtClean="0">
                 <a:sym typeface="Wingdings" panose="05000000000000000000" pitchFamily="2" charset="2"/>
               </a:rPr>
-              <a:t>View  </a:t>
-            </a:r>
-            <a:r>
-              <a:rPr lang="en-US" dirty="0" err="1" smtClean="0">
+              <a:t>ObservableCollection</a:t>
+            </a:r>
+            <a:r>
+              <a:rPr lang="en-US" sz="2000" dirty="0" smtClean="0">
                 <a:sym typeface="Wingdings" panose="05000000000000000000" pitchFamily="2" charset="2"/>
               </a:rPr>
-              <a:t>DataBinding</a:t>
-            </a:r>
-            <a:endParaRPr lang="en-US" dirty="0"/>
+              <a:t> for user list</a:t>
+            </a:r>
+          </a:p>
+          <a:p>
+            <a:pPr lvl="2"/>
+            <a:r>
+              <a:rPr lang="en-US" sz="2000" dirty="0" err="1" smtClean="0">
+                <a:sym typeface="Wingdings" panose="05000000000000000000" pitchFamily="2" charset="2"/>
+              </a:rPr>
+              <a:t>ICommand</a:t>
+            </a:r>
+            <a:r>
+              <a:rPr lang="en-US" sz="2000" dirty="0" smtClean="0">
+                <a:sym typeface="Wingdings" panose="05000000000000000000" pitchFamily="2" charset="2"/>
+              </a:rPr>
+              <a:t> to load/refresh users</a:t>
+            </a:r>
+            <a:endParaRPr lang="en-US" sz="2000" dirty="0" smtClean="0">
+              <a:sym typeface="Wingdings" panose="05000000000000000000" pitchFamily="2" charset="2"/>
+            </a:endParaRPr>
+          </a:p>
+          <a:p>
+            <a:r>
+              <a:rPr lang="en-US" sz="2400" dirty="0" smtClean="0">
+                <a:sym typeface="Wingdings" panose="05000000000000000000" pitchFamily="2" charset="2"/>
+              </a:rPr>
+              <a:t>View (</a:t>
+            </a:r>
+            <a:r>
+              <a:rPr lang="en-US" sz="2400" dirty="0" err="1" smtClean="0">
+                <a:sym typeface="Wingdings" panose="05000000000000000000" pitchFamily="2" charset="2"/>
+              </a:rPr>
+              <a:t>iOS</a:t>
+            </a:r>
+            <a:r>
+              <a:rPr lang="en-US" sz="2400" dirty="0" smtClean="0">
+                <a:sym typeface="Wingdings" panose="05000000000000000000" pitchFamily="2" charset="2"/>
+              </a:rPr>
+              <a:t> specific)</a:t>
+            </a:r>
+          </a:p>
+          <a:p>
+            <a:pPr lvl="1"/>
+            <a:r>
+              <a:rPr lang="en-US" sz="2400" dirty="0" smtClean="0">
+                <a:sym typeface="Wingdings" panose="05000000000000000000" pitchFamily="2" charset="2"/>
+              </a:rPr>
+              <a:t>View (</a:t>
+            </a:r>
+            <a:r>
+              <a:rPr lang="en-US" sz="2400" dirty="0" err="1" smtClean="0">
+                <a:sym typeface="Wingdings" panose="05000000000000000000" pitchFamily="2" charset="2"/>
+              </a:rPr>
+              <a:t>xib</a:t>
+            </a:r>
+            <a:r>
+              <a:rPr lang="en-US" sz="2400" dirty="0" smtClean="0">
+                <a:sym typeface="Wingdings" panose="05000000000000000000" pitchFamily="2" charset="2"/>
+              </a:rPr>
+              <a:t>) and </a:t>
+            </a:r>
+            <a:r>
+              <a:rPr lang="en-US" sz="2400" dirty="0" err="1" smtClean="0">
+                <a:sym typeface="Wingdings" panose="05000000000000000000" pitchFamily="2" charset="2"/>
+              </a:rPr>
+              <a:t>ViewController</a:t>
+            </a:r>
+            <a:r>
+              <a:rPr lang="en-US" sz="2400" dirty="0" smtClean="0">
+                <a:sym typeface="Wingdings" panose="05000000000000000000" pitchFamily="2" charset="2"/>
+              </a:rPr>
+              <a:t> (C#)</a:t>
+            </a:r>
+          </a:p>
+          <a:p>
+            <a:pPr lvl="2"/>
+            <a:r>
+              <a:rPr lang="en-US" sz="2000" dirty="0" smtClean="0">
+                <a:sym typeface="Wingdings" panose="05000000000000000000" pitchFamily="2" charset="2"/>
+              </a:rPr>
+              <a:t>Table</a:t>
+            </a:r>
+          </a:p>
+          <a:p>
+            <a:pPr lvl="2"/>
+            <a:r>
+              <a:rPr lang="en-US" sz="2000" dirty="0" smtClean="0">
+                <a:sym typeface="Wingdings" panose="05000000000000000000" pitchFamily="2" charset="2"/>
+              </a:rPr>
+              <a:t>Button</a:t>
+            </a:r>
+          </a:p>
+          <a:p>
+            <a:pPr lvl="2"/>
+            <a:r>
+              <a:rPr lang="en-US" sz="2000" dirty="0" smtClean="0">
+                <a:sym typeface="Wingdings" panose="05000000000000000000" pitchFamily="2" charset="2"/>
+              </a:rPr>
+              <a:t>Data binding with </a:t>
+            </a:r>
+            <a:r>
+              <a:rPr lang="en-US" sz="2000" dirty="0" err="1" smtClean="0">
+                <a:sym typeface="Wingdings" panose="05000000000000000000" pitchFamily="2" charset="2"/>
+              </a:rPr>
+              <a:t>MvvmCross</a:t>
+            </a:r>
+            <a:r>
+              <a:rPr lang="en-US" sz="2000" dirty="0" smtClean="0">
+                <a:sym typeface="Wingdings" panose="05000000000000000000" pitchFamily="2" charset="2"/>
+              </a:rPr>
+              <a:t> classes/methods</a:t>
+            </a:r>
+            <a:endParaRPr lang="en-US" sz="2000" dirty="0"/>
           </a:p>
         </p:txBody>
       </p:sp>
@@ -7994,7 +8522,7 @@
             </a:r>
             <a:fld id="{B3B97BE1-35C1-414D-8998-D7C12E7673C1}" type="slidenum">
               <a:rPr lang="de-CH" smtClean="0"/>
-              <a:t>12</a:t>
+              <a:t>13</a:t>
             </a:fld>
             <a:endParaRPr lang="de-CH" dirty="0"/>
           </a:p>
@@ -8104,6 +8632,199 @@
           </a:extLst>
         </p:spPr>
       </p:pic>
+      <p:sp>
+        <p:nvSpPr>
+          <p:cNvPr id="14" name="Rounded Rectangle 13"/>
+          <p:cNvSpPr/>
+          <p:nvPr/>
+        </p:nvSpPr>
+        <p:spPr>
+          <a:xfrm>
+            <a:off x="6568091" y="1646775"/>
+            <a:ext cx="2049519" cy="501739"/>
+          </a:xfrm>
+          <a:prstGeom prst="roundRect">
+            <a:avLst/>
+          </a:prstGeom>
+          <a:ln/>
+        </p:spPr>
+        <p:style>
+          <a:lnRef idx="0">
+            <a:schemeClr val="accent1"/>
+          </a:lnRef>
+          <a:fillRef idx="3">
+            <a:schemeClr val="accent1"/>
+          </a:fillRef>
+          <a:effectRef idx="3">
+            <a:schemeClr val="accent1"/>
+          </a:effectRef>
+          <a:fontRef idx="minor">
+            <a:schemeClr val="lt1"/>
+          </a:fontRef>
+        </p:style>
+        <p:txBody>
+          <a:bodyPr rtlCol="0" anchor="ctr"/>
+          <a:lstStyle/>
+          <a:p>
+            <a:pPr algn="ctr"/>
+            <a:r>
+              <a:rPr lang="en-US" sz="2800" dirty="0" smtClean="0"/>
+              <a:t>Model</a:t>
+            </a:r>
+            <a:endParaRPr lang="en-US" sz="2800" dirty="0"/>
+          </a:p>
+        </p:txBody>
+      </p:sp>
+      <p:sp>
+        <p:nvSpPr>
+          <p:cNvPr id="15" name="Rounded Rectangle 14"/>
+          <p:cNvSpPr/>
+          <p:nvPr/>
+        </p:nvSpPr>
+        <p:spPr>
+          <a:xfrm>
+            <a:off x="6568091" y="4202845"/>
+            <a:ext cx="2049519" cy="499068"/>
+          </a:xfrm>
+          <a:prstGeom prst="roundRect">
+            <a:avLst/>
+          </a:prstGeom>
+          <a:gradFill flip="none" rotWithShape="1">
+            <a:gsLst>
+              <a:gs pos="0">
+                <a:schemeClr val="accent2">
+                  <a:shade val="30000"/>
+                  <a:satMod val="115000"/>
+                </a:schemeClr>
+              </a:gs>
+              <a:gs pos="50000">
+                <a:schemeClr val="accent2">
+                  <a:shade val="67500"/>
+                  <a:satMod val="115000"/>
+                </a:schemeClr>
+              </a:gs>
+              <a:gs pos="100000">
+                <a:schemeClr val="accent2">
+                  <a:shade val="100000"/>
+                  <a:satMod val="115000"/>
+                </a:schemeClr>
+              </a:gs>
+            </a:gsLst>
+            <a:lin ang="16200000" scaled="1"/>
+            <a:tileRect/>
+          </a:gradFill>
+          <a:ln/>
+        </p:spPr>
+        <p:style>
+          <a:lnRef idx="0">
+            <a:schemeClr val="accent2"/>
+          </a:lnRef>
+          <a:fillRef idx="3">
+            <a:schemeClr val="accent2"/>
+          </a:fillRef>
+          <a:effectRef idx="3">
+            <a:schemeClr val="accent2"/>
+          </a:effectRef>
+          <a:fontRef idx="minor">
+            <a:schemeClr val="lt1"/>
+          </a:fontRef>
+        </p:style>
+        <p:txBody>
+          <a:bodyPr rtlCol="0" anchor="ctr"/>
+          <a:lstStyle/>
+          <a:p>
+            <a:pPr algn="ctr"/>
+            <a:r>
+              <a:rPr lang="en-US" sz="2800" dirty="0" smtClean="0">
+                <a:solidFill>
+                  <a:srgbClr val="000000"/>
+                </a:solidFill>
+              </a:rPr>
+              <a:t>View</a:t>
+            </a:r>
+            <a:endParaRPr lang="en-US" sz="2800" dirty="0">
+              <a:solidFill>
+                <a:srgbClr val="000000"/>
+              </a:solidFill>
+            </a:endParaRPr>
+          </a:p>
+        </p:txBody>
+      </p:sp>
+      <p:sp>
+        <p:nvSpPr>
+          <p:cNvPr id="16" name="Rounded Rectangle 15"/>
+          <p:cNvSpPr/>
+          <p:nvPr/>
+        </p:nvSpPr>
+        <p:spPr>
+          <a:xfrm>
+            <a:off x="6567372" y="2573532"/>
+            <a:ext cx="2049519" cy="499068"/>
+          </a:xfrm>
+          <a:prstGeom prst="roundRect">
+            <a:avLst/>
+          </a:prstGeom>
+          <a:gradFill flip="none" rotWithShape="1">
+            <a:gsLst>
+              <a:gs pos="0">
+                <a:schemeClr val="accent2">
+                  <a:shade val="30000"/>
+                  <a:satMod val="115000"/>
+                </a:schemeClr>
+              </a:gs>
+              <a:gs pos="50000">
+                <a:schemeClr val="accent2">
+                  <a:shade val="67500"/>
+                  <a:satMod val="115000"/>
+                </a:schemeClr>
+              </a:gs>
+              <a:gs pos="100000">
+                <a:schemeClr val="accent2">
+                  <a:shade val="100000"/>
+                  <a:satMod val="115000"/>
+                </a:schemeClr>
+              </a:gs>
+            </a:gsLst>
+            <a:lin ang="16200000" scaled="1"/>
+            <a:tileRect/>
+          </a:gradFill>
+          <a:ln/>
+        </p:spPr>
+        <p:style>
+          <a:lnRef idx="0">
+            <a:schemeClr val="accent2"/>
+          </a:lnRef>
+          <a:fillRef idx="3">
+            <a:schemeClr val="accent2"/>
+          </a:fillRef>
+          <a:effectRef idx="3">
+            <a:schemeClr val="accent2"/>
+          </a:effectRef>
+          <a:fontRef idx="minor">
+            <a:schemeClr val="lt1"/>
+          </a:fontRef>
+        </p:style>
+        <p:txBody>
+          <a:bodyPr rtlCol="0" anchor="ctr"/>
+          <a:lstStyle/>
+          <a:p>
+            <a:pPr algn="ctr"/>
+            <a:r>
+              <a:rPr lang="en-US" sz="2800" dirty="0" err="1" smtClean="0">
+                <a:solidFill>
+                  <a:srgbClr val="000000"/>
+                </a:solidFill>
+              </a:rPr>
+              <a:t>ViewModel</a:t>
+            </a:r>
+            <a:endParaRPr lang="en-US" sz="2800" dirty="0">
+              <a:solidFill>
+                <a:srgbClr val="000000"/>
+              </a:solidFill>
+            </a:endParaRPr>
+          </a:p>
+        </p:txBody>
+      </p:sp>
     </p:spTree>
     <p:extLst>
       <p:ext uri="{BB962C8B-B14F-4D97-AF65-F5344CB8AC3E}">
@@ -8117,14 +8838,168 @@
   <p:timing>
     <p:tnLst>
       <p:par>
-        <p:cTn id="1" dur="indefinite" restart="never" nodeType="tmRoot"/>
+        <p:cTn id="1" dur="indefinite" restart="never" nodeType="tmRoot">
+          <p:childTnLst>
+            <p:seq concurrent="1" nextAc="seek">
+              <p:cTn id="2" dur="indefinite" nodeType="mainSeq">
+                <p:childTnLst>
+                  <p:par>
+                    <p:cTn id="3" fill="hold">
+                      <p:stCondLst>
+                        <p:cond delay="indefinite"/>
+                        <p:cond evt="onBegin" delay="0">
+                          <p:tn val="2"/>
+                        </p:cond>
+                      </p:stCondLst>
+                      <p:childTnLst>
+                        <p:par>
+                          <p:cTn id="4" fill="hold">
+                            <p:stCondLst>
+                              <p:cond delay="0"/>
+                            </p:stCondLst>
+                            <p:childTnLst>
+                              <p:par>
+                                <p:cTn id="5" presetID="10" presetClass="entr" presetSubtype="0" fill="hold" grpId="0" nodeType="withEffect">
+                                  <p:stCondLst>
+                                    <p:cond delay="0"/>
+                                  </p:stCondLst>
+                                  <p:childTnLst>
+                                    <p:set>
+                                      <p:cBhvr>
+                                        <p:cTn id="6" dur="1" fill="hold">
+                                          <p:stCondLst>
+                                            <p:cond delay="0"/>
+                                          </p:stCondLst>
+                                        </p:cTn>
+                                        <p:tgtEl>
+                                          <p:spTgt spid="14"/>
+                                        </p:tgtEl>
+                                        <p:attrNameLst>
+                                          <p:attrName>style.visibility</p:attrName>
+                                        </p:attrNameLst>
+                                      </p:cBhvr>
+                                      <p:to>
+                                        <p:strVal val="visible"/>
+                                      </p:to>
+                                    </p:set>
+                                    <p:animEffect transition="in" filter="fade">
+                                      <p:cBhvr>
+                                        <p:cTn id="7" dur="500"/>
+                                        <p:tgtEl>
+                                          <p:spTgt spid="14"/>
+                                        </p:tgtEl>
+                                      </p:cBhvr>
+                                    </p:animEffect>
+                                  </p:childTnLst>
+                                </p:cTn>
+                              </p:par>
+                              <p:par>
+                                <p:cTn id="8" presetID="10" presetClass="entr" presetSubtype="0" fill="hold" grpId="0" nodeType="withEffect">
+                                  <p:stCondLst>
+                                    <p:cond delay="0"/>
+                                  </p:stCondLst>
+                                  <p:childTnLst>
+                                    <p:set>
+                                      <p:cBhvr>
+                                        <p:cTn id="9" dur="1" fill="hold">
+                                          <p:stCondLst>
+                                            <p:cond delay="0"/>
+                                          </p:stCondLst>
+                                        </p:cTn>
+                                        <p:tgtEl>
+                                          <p:spTgt spid="15"/>
+                                        </p:tgtEl>
+                                        <p:attrNameLst>
+                                          <p:attrName>style.visibility</p:attrName>
+                                        </p:attrNameLst>
+                                      </p:cBhvr>
+                                      <p:to>
+                                        <p:strVal val="visible"/>
+                                      </p:to>
+                                    </p:set>
+                                    <p:animEffect transition="in" filter="fade">
+                                      <p:cBhvr>
+                                        <p:cTn id="10" dur="500"/>
+                                        <p:tgtEl>
+                                          <p:spTgt spid="15"/>
+                                        </p:tgtEl>
+                                      </p:cBhvr>
+                                    </p:animEffect>
+                                  </p:childTnLst>
+                                </p:cTn>
+                              </p:par>
+                              <p:par>
+                                <p:cTn id="11" presetID="10" presetClass="entr" presetSubtype="0" fill="hold" grpId="0" nodeType="withEffect">
+                                  <p:stCondLst>
+                                    <p:cond delay="0"/>
+                                  </p:stCondLst>
+                                  <p:childTnLst>
+                                    <p:set>
+                                      <p:cBhvr>
+                                        <p:cTn id="12" dur="1" fill="hold">
+                                          <p:stCondLst>
+                                            <p:cond delay="0"/>
+                                          </p:stCondLst>
+                                        </p:cTn>
+                                        <p:tgtEl>
+                                          <p:spTgt spid="16"/>
+                                        </p:tgtEl>
+                                        <p:attrNameLst>
+                                          <p:attrName>style.visibility</p:attrName>
+                                        </p:attrNameLst>
+                                      </p:cBhvr>
+                                      <p:to>
+                                        <p:strVal val="visible"/>
+                                      </p:to>
+                                    </p:set>
+                                    <p:animEffect transition="in" filter="fade">
+                                      <p:cBhvr>
+                                        <p:cTn id="13" dur="500"/>
+                                        <p:tgtEl>
+                                          <p:spTgt spid="16"/>
+                                        </p:tgtEl>
+                                      </p:cBhvr>
+                                    </p:animEffect>
+                                  </p:childTnLst>
+                                </p:cTn>
+                              </p:par>
+                            </p:childTnLst>
+                          </p:cTn>
+                        </p:par>
+                      </p:childTnLst>
+                    </p:cTn>
+                  </p:par>
+                </p:childTnLst>
+              </p:cTn>
+              <p:prevCondLst>
+                <p:cond evt="onPrev" delay="0">
+                  <p:tgtEl>
+                    <p:sldTgt/>
+                  </p:tgtEl>
+                </p:cond>
+              </p:prevCondLst>
+              <p:nextCondLst>
+                <p:cond evt="onNext" delay="0">
+                  <p:tgtEl>
+                    <p:sldTgt/>
+                  </p:tgtEl>
+                </p:cond>
+              </p:nextCondLst>
+            </p:seq>
+          </p:childTnLst>
+        </p:cTn>
       </p:par>
     </p:tnLst>
+    <p:bldLst>
+      <p:bldP spid="14" grpId="0" animBg="1"/>
+      <p:bldP spid="15" grpId="0" animBg="1"/>
+      <p:bldP spid="16" grpId="0" animBg="1"/>
+    </p:bldLst>
   </p:timing>
 </p:sld>
 </file>
 
-<file path=ppt/slides/slide13.xml><?xml version="1.0" encoding="utf-8"?>
+<file path=ppt/slides/slide14.xml><?xml version="1.0" encoding="utf-8"?>
 <p:sld xmlns:a="http://schemas.openxmlformats.org/drawingml/2006/main" xmlns:r="http://schemas.openxmlformats.org/officeDocument/2006/relationships" xmlns:p="http://schemas.openxmlformats.org/presentationml/2006/main">
   <p:cSld>
     <p:spTree>
@@ -8156,55 +9031,89 @@
           <a:bodyPr/>
           <a:lstStyle/>
           <a:p>
+            <a:r>
+              <a:rPr lang="en-US" sz="2000" dirty="0">
+                <a:sym typeface="Wingdings" panose="05000000000000000000" pitchFamily="2" charset="2"/>
+              </a:rPr>
+              <a:t>View </a:t>
+            </a:r>
+            <a:r>
+              <a:rPr lang="en-US" sz="2000" dirty="0" smtClean="0">
+                <a:sym typeface="Wingdings" panose="05000000000000000000" pitchFamily="2" charset="2"/>
+              </a:rPr>
+              <a:t>(Android specific</a:t>
+            </a:r>
+            <a:r>
+              <a:rPr lang="en-US" sz="2000" dirty="0">
+                <a:sym typeface="Wingdings" panose="05000000000000000000" pitchFamily="2" charset="2"/>
+              </a:rPr>
+              <a:t>)</a:t>
+            </a:r>
+          </a:p>
+          <a:p>
             <a:pPr lvl="1"/>
             <a:r>
               <a:rPr lang="en-US" dirty="0" smtClean="0"/>
-              <a:t>Create </a:t>
-            </a:r>
+              <a:t>User list</a:t>
+            </a:r>
+          </a:p>
+          <a:p>
+            <a:pPr lvl="2"/>
+            <a:r>
+              <a:rPr lang="en-US" dirty="0" smtClean="0"/>
+              <a:t>Fragment (sub activity)</a:t>
+            </a:r>
+          </a:p>
+          <a:p>
+            <a:pPr lvl="2"/>
+            <a:r>
+              <a:rPr lang="en-US" dirty="0" smtClean="0"/>
+              <a:t>Layout for single user (XML)</a:t>
+            </a:r>
+          </a:p>
+          <a:p>
+            <a:r>
+              <a:rPr lang="en-US" dirty="0" smtClean="0"/>
+              <a:t>User service access</a:t>
+            </a:r>
+            <a:endParaRPr lang="en-US" dirty="0" smtClean="0"/>
+          </a:p>
+          <a:p>
+            <a:pPr lvl="1"/>
             <a:r>
               <a:rPr lang="en-US" dirty="0" err="1" smtClean="0"/>
-              <a:t>UserList</a:t>
+              <a:t>RestClient</a:t>
             </a:r>
             <a:r>
               <a:rPr lang="en-US" dirty="0" smtClean="0"/>
-              <a:t>-View (XML)</a:t>
-            </a:r>
-          </a:p>
-          <a:p>
-            <a:pPr lvl="2"/>
-            <a:r>
-              <a:rPr lang="en-US" dirty="0" err="1" smtClean="0"/>
-              <a:t>DataBinding</a:t>
-            </a:r>
-            <a:endParaRPr lang="en-US" dirty="0" smtClean="0"/>
-          </a:p>
-          <a:p>
-            <a:pPr lvl="1"/>
-            <a:r>
-              <a:rPr lang="en-US" dirty="0" err="1" smtClean="0"/>
-              <a:t>UserList</a:t>
-            </a:r>
-            <a:r>
-              <a:rPr lang="en-US" dirty="0" smtClean="0"/>
-              <a:t> Service</a:t>
-            </a:r>
-          </a:p>
-          <a:p>
-            <a:pPr lvl="2"/>
-            <a:r>
-              <a:rPr lang="en-US" dirty="0" smtClean="0"/>
-              <a:t>Request users from web</a:t>
-            </a:r>
-          </a:p>
-          <a:p>
-            <a:pPr lvl="2"/>
+              <a:t> (class from </a:t>
+            </a:r>
             <a:r>
               <a:rPr lang="en-US" dirty="0" err="1" smtClean="0"/>
               <a:t>RestSharp</a:t>
             </a:r>
             <a:r>
               <a:rPr lang="en-US" dirty="0" smtClean="0"/>
-              <a:t> and Json.NET</a:t>
+              <a:t>)</a:t>
+            </a:r>
+          </a:p>
+          <a:p>
+            <a:pPr lvl="1"/>
+            <a:r>
+              <a:rPr lang="en-US" dirty="0" smtClean="0"/>
+              <a:t>Get users asynchronously</a:t>
+            </a:r>
+            <a:endParaRPr lang="en-US" dirty="0" smtClean="0"/>
+          </a:p>
+          <a:p>
+            <a:pPr lvl="1"/>
+            <a:r>
+              <a:rPr lang="en-US" dirty="0" err="1" smtClean="0"/>
+              <a:t>Deserializing</a:t>
+            </a:r>
+            <a:r>
+              <a:rPr lang="en-US" dirty="0" smtClean="0"/>
+              <a:t> JSON response with Json.NET</a:t>
             </a:r>
             <a:endParaRPr lang="en-US" dirty="0"/>
           </a:p>
@@ -8315,7 +9224,7 @@
             </a:r>
             <a:fld id="{B34BD413-43F6-4070-803A-629292F2ECAE}" type="slidenum">
               <a:rPr lang="de-CH" smtClean="0"/>
-              <a:t>13</a:t>
+              <a:t>14</a:t>
             </a:fld>
             <a:endParaRPr lang="de-CH" dirty="0"/>
           </a:p>
@@ -8449,7 +9358,7 @@
 </p:sld>
 </file>
 
-<file path=ppt/slides/slide14.xml><?xml version="1.0" encoding="utf-8"?>
+<file path=ppt/slides/slide15.xml><?xml version="1.0" encoding="utf-8"?>
 <p:sld xmlns:a="http://schemas.openxmlformats.org/drawingml/2006/main" xmlns:r="http://schemas.openxmlformats.org/officeDocument/2006/relationships" xmlns:p="http://schemas.openxmlformats.org/presentationml/2006/main">
   <p:cSld>
     <p:spTree>
@@ -8711,7 +9620,7 @@
             </a:r>
             <a:fld id="{7C2DB7A0-06DB-4D16-BEF2-9752666C014E}" type="slidenum">
               <a:rPr lang="de-CH" smtClean="0"/>
-              <a:t>14</a:t>
+              <a:t>15</a:t>
             </a:fld>
             <a:endParaRPr lang="de-CH" dirty="0"/>
           </a:p>
@@ -8737,7 +9646,7 @@
 </p:sld>
 </file>
 
-<file path=ppt/slides/slide15.xml><?xml version="1.0" encoding="utf-8"?>
+<file path=ppt/slides/slide16.xml><?xml version="1.0" encoding="utf-8"?>
 <p:sld xmlns:a="http://schemas.openxmlformats.org/drawingml/2006/main" xmlns:r="http://schemas.openxmlformats.org/officeDocument/2006/relationships" xmlns:p="http://schemas.openxmlformats.org/presentationml/2006/main">
   <p:cSld>
     <p:spTree>
@@ -8769,10 +9678,53 @@
           <a:bodyPr/>
           <a:lstStyle/>
           <a:p>
+            <a:r>
+              <a:rPr lang="en-US" dirty="0" err="1" smtClean="0"/>
+              <a:t>ViewModel</a:t>
+            </a:r>
+            <a:r>
+              <a:rPr lang="en-US" dirty="0" smtClean="0"/>
+              <a:t> (shared)</a:t>
+            </a:r>
+          </a:p>
+          <a:p>
             <a:pPr lvl="1"/>
             <a:r>
               <a:rPr lang="en-US" dirty="0" smtClean="0"/>
-              <a:t>Navigation shared</a:t>
+              <a:t>Create URL by user ID</a:t>
+            </a:r>
+          </a:p>
+          <a:p>
+            <a:pPr lvl="1"/>
+            <a:r>
+              <a:rPr lang="en-US" dirty="0" err="1" smtClean="0"/>
+              <a:t>ICommand</a:t>
+            </a:r>
+            <a:r>
+              <a:rPr lang="en-US" dirty="0" smtClean="0"/>
+              <a:t> to show user details (on </a:t>
+            </a:r>
+            <a:r>
+              <a:rPr lang="en-US" dirty="0" err="1" smtClean="0"/>
+              <a:t>UserListViewModel</a:t>
+            </a:r>
+            <a:r>
+              <a:rPr lang="en-US" dirty="0" smtClean="0"/>
+              <a:t>)</a:t>
+            </a:r>
+          </a:p>
+          <a:p>
+            <a:r>
+              <a:rPr lang="en-US" dirty="0" smtClean="0"/>
+              <a:t>View (</a:t>
+            </a:r>
+            <a:r>
+              <a:rPr lang="en-US" dirty="0" err="1" smtClean="0"/>
+              <a:t>iOS</a:t>
+            </a:r>
+            <a:r>
+              <a:rPr lang="en-US" dirty="0" smtClean="0"/>
+              <a:t> specific)</a:t>
             </a:r>
           </a:p>
           <a:p>
@@ -8783,7 +9735,11 @@
             </a:r>
             <a:r>
               <a:rPr lang="en-US" dirty="0" smtClean="0"/>
-              <a:t> (existing)</a:t>
+              <a:t> </a:t>
+            </a:r>
+            <a:r>
+              <a:rPr lang="en-US" dirty="0" smtClean="0"/>
+              <a:t>(existing)</a:t>
             </a:r>
             <a:endParaRPr lang="en-US" dirty="0"/>
           </a:p>
@@ -8883,7 +9839,7 @@
             </a:r>
             <a:fld id="{8D640C6B-F2E1-43DE-A8F0-766B912423D9}" type="slidenum">
               <a:rPr lang="de-CH" smtClean="0"/>
-              <a:t>15</a:t>
+              <a:t>16</a:t>
             </a:fld>
             <a:endParaRPr lang="de-CH" dirty="0"/>
           </a:p>
@@ -9013,7 +9969,7 @@
 </p:sld>
 </file>
 
-<file path=ppt/slides/slide16.xml><?xml version="1.0" encoding="utf-8"?>
+<file path=ppt/slides/slide17.xml><?xml version="1.0" encoding="utf-8"?>
 <p:sld xmlns:a="http://schemas.openxmlformats.org/drawingml/2006/main" xmlns:r="http://schemas.openxmlformats.org/officeDocument/2006/relationships" xmlns:p="http://schemas.openxmlformats.org/presentationml/2006/main">
   <p:cSld>
     <p:spTree>
@@ -9320,7 +10276,7 @@
             </a:r>
             <a:fld id="{02982A73-811C-4CFD-A616-A880D45024A1}" type="slidenum">
               <a:rPr lang="de-CH" smtClean="0"/>
-              <a:t>16</a:t>
+              <a:t>17</a:t>
             </a:fld>
             <a:endParaRPr lang="de-CH" dirty="0"/>
           </a:p>
@@ -9346,7 +10302,7 @@
 </p:sld>
 </file>
 
-<file path=ppt/slides/slide17.xml><?xml version="1.0" encoding="utf-8"?>
+<file path=ppt/slides/slide18.xml><?xml version="1.0" encoding="utf-8"?>
 <p:sld xmlns:a="http://schemas.openxmlformats.org/drawingml/2006/main" xmlns:r="http://schemas.openxmlformats.org/officeDocument/2006/relationships" xmlns:p="http://schemas.openxmlformats.org/presentationml/2006/main">
   <p:cSld>
     <p:spTree>
@@ -9365,6 +10321,29 @@
       </p:grpSpPr>
       <p:sp>
         <p:nvSpPr>
+          <p:cNvPr id="3" name="Title 2"/>
+          <p:cNvSpPr>
+            <a:spLocks noGrp="1"/>
+          </p:cNvSpPr>
+          <p:nvPr>
+            <p:ph type="title"/>
+          </p:nvPr>
+        </p:nvSpPr>
+        <p:spPr/>
+        <p:txBody>
+          <a:bodyPr/>
+          <a:lstStyle/>
+          <a:p>
+            <a:r>
+              <a:rPr lang="en-US" dirty="0" smtClean="0"/>
+              <a:t>Messages</a:t>
+            </a:r>
+            <a:endParaRPr lang="en-US" dirty="0"/>
+          </a:p>
+        </p:txBody>
+      </p:sp>
+      <p:sp>
+        <p:nvSpPr>
           <p:cNvPr id="2" name="Content Placeholder 1"/>
           <p:cNvSpPr>
             <a:spLocks noGrp="1"/>
@@ -9378,89 +10357,84 @@
           <a:bodyPr/>
           <a:lstStyle/>
           <a:p>
+            <a:r>
+              <a:rPr lang="en-US" dirty="0" smtClean="0"/>
+              <a:t>Core (shared</a:t>
+            </a:r>
+            <a:r>
+              <a:rPr lang="en-US" dirty="0"/>
+              <a:t>)</a:t>
+            </a:r>
+          </a:p>
+          <a:p>
             <a:pPr lvl="1"/>
             <a:r>
+              <a:rPr lang="en-US" dirty="0" err="1"/>
+              <a:t>MessageService</a:t>
+            </a:r>
+            <a:r>
+              <a:rPr lang="en-US" dirty="0"/>
+              <a:t> (client-side) to receive and send messages</a:t>
+            </a:r>
+          </a:p>
+          <a:p>
+            <a:r>
               <a:rPr lang="en-US" dirty="0" err="1" smtClean="0"/>
-              <a:t>MessageList</a:t>
-            </a:r>
-            <a:endParaRPr lang="en-US" dirty="0" smtClean="0"/>
+              <a:t>ViewModel</a:t>
+            </a:r>
+            <a:r>
+              <a:rPr lang="en-US" dirty="0" smtClean="0"/>
+              <a:t> (shared)</a:t>
+            </a:r>
           </a:p>
           <a:p>
             <a:pPr lvl="1"/>
             <a:r>
               <a:rPr lang="en-US" dirty="0" err="1" smtClean="0"/>
-              <a:t>MessageService</a:t>
-            </a:r>
-            <a:endParaRPr lang="en-US" dirty="0" smtClean="0"/>
+              <a:t>ObservableCollection</a:t>
+            </a:r>
+            <a:r>
+              <a:rPr lang="en-US" dirty="0" smtClean="0"/>
+              <a:t> for messages</a:t>
+            </a:r>
           </a:p>
           <a:p>
             <a:pPr lvl="1"/>
             <a:r>
               <a:rPr lang="en-US" dirty="0" err="1" smtClean="0"/>
-              <a:t>MessageViewModel</a:t>
-            </a:r>
-            <a:endParaRPr lang="en-US" dirty="0" smtClean="0"/>
+              <a:t>ICommand</a:t>
+            </a:r>
+            <a:r>
+              <a:rPr lang="en-US" dirty="0" smtClean="0"/>
+              <a:t> to load/reload messages</a:t>
+            </a:r>
+          </a:p>
+          <a:p>
+            <a:r>
+              <a:rPr lang="en-US" dirty="0" smtClean="0"/>
+              <a:t>View</a:t>
+            </a:r>
           </a:p>
           <a:p>
             <a:pPr lvl="1"/>
             <a:r>
+              <a:rPr lang="en-US" dirty="0" smtClean="0"/>
+              <a:t>Converter to convert timestamp (</a:t>
+            </a:r>
+            <a:r>
               <a:rPr lang="en-US" dirty="0" err="1" smtClean="0"/>
-              <a:t>MessageView</a:t>
-            </a:r>
-            <a:endParaRPr lang="en-US" dirty="0" smtClean="0"/>
+              <a:t>DateTime</a:t>
+            </a:r>
+            <a:r>
+              <a:rPr lang="en-US" dirty="0" smtClean="0"/>
+              <a:t>)</a:t>
+            </a:r>
           </a:p>
           <a:p>
             <a:pPr lvl="1"/>
             <a:r>
-              <a:rPr lang="en-US" dirty="0" err="1" smtClean="0"/>
-              <a:t>AddMessageView</a:t>
-            </a:r>
-            <a:endParaRPr lang="en-US" dirty="0" smtClean="0"/>
-          </a:p>
-          <a:p>
-            <a:pPr lvl="1"/>
-            <a:r>
-              <a:rPr lang="en-US" dirty="0" err="1" smtClean="0"/>
-              <a:t>AddMessageViewModel</a:t>
-            </a:r>
-            <a:endParaRPr lang="en-US" dirty="0" smtClean="0"/>
-          </a:p>
-          <a:p>
-            <a:pPr lvl="1"/>
-            <a:r>
               <a:rPr lang="en-US" dirty="0" smtClean="0"/>
-              <a:t>Send message using </a:t>
-            </a:r>
-            <a:r>
-              <a:rPr lang="en-US" dirty="0" err="1" smtClean="0"/>
-              <a:t>MessageService</a:t>
-            </a:r>
-            <a:endParaRPr lang="en-US" dirty="0" smtClean="0"/>
-          </a:p>
-          <a:p>
-            <a:pPr lvl="1"/>
-            <a:endParaRPr lang="en-US" dirty="0"/>
-          </a:p>
-        </p:txBody>
-      </p:sp>
-      <p:sp>
-        <p:nvSpPr>
-          <p:cNvPr id="3" name="Title 2"/>
-          <p:cNvSpPr>
-            <a:spLocks noGrp="1"/>
-          </p:cNvSpPr>
-          <p:nvPr>
-            <p:ph type="title"/>
-          </p:nvPr>
-        </p:nvSpPr>
-        <p:spPr/>
-        <p:txBody>
-          <a:bodyPr/>
-          <a:lstStyle/>
-          <a:p>
-            <a:r>
-              <a:rPr lang="en-US" dirty="0" smtClean="0"/>
-              <a:t>Messages</a:t>
+              <a:t>Menu item for Action Bar to send message</a:t>
             </a:r>
             <a:endParaRPr lang="en-US" dirty="0"/>
           </a:p>
@@ -9541,7 +10515,7 @@
             </a:r>
             <a:fld id="{76AE5747-D0E7-4D66-8FBF-9CFC53A4E0C8}" type="slidenum">
               <a:rPr lang="de-CH" smtClean="0"/>
-              <a:t>17</a:t>
+              <a:t>18</a:t>
             </a:fld>
             <a:endParaRPr lang="de-CH" dirty="0"/>
           </a:p>
@@ -9655,6 +10629,111 @@
           </a:extLst>
         </p:spPr>
       </p:pic>
+      <p:sp>
+        <p:nvSpPr>
+          <p:cNvPr id="6" name="Rectangle 5"/>
+          <p:cNvSpPr/>
+          <p:nvPr/>
+        </p:nvSpPr>
+        <p:spPr>
+          <a:xfrm rot="18746122">
+            <a:off x="4637475" y="2969970"/>
+            <a:ext cx="4689105" cy="923330"/>
+          </a:xfrm>
+          <a:prstGeom prst="rect">
+            <a:avLst/>
+          </a:prstGeom>
+          <a:noFill/>
+        </p:spPr>
+        <p:txBody>
+          <a:bodyPr wrap="none" lIns="91440" tIns="45720" rIns="91440" bIns="45720">
+            <a:spAutoFit/>
+          </a:bodyPr>
+          <a:lstStyle/>
+          <a:p>
+            <a:pPr algn="ctr"/>
+            <a:r>
+              <a:rPr lang="en-US" sz="5400" b="1" cap="none" spc="300" dirty="0" smtClean="0">
+                <a:ln w="11430" cmpd="sng">
+                  <a:solidFill>
+                    <a:schemeClr val="accent1">
+                      <a:tint val="10000"/>
+                    </a:schemeClr>
+                  </a:solidFill>
+                  <a:prstDash val="solid"/>
+                  <a:miter lim="800000"/>
+                </a:ln>
+                <a:gradFill>
+                  <a:gsLst>
+                    <a:gs pos="10000">
+                      <a:schemeClr val="accent1">
+                        <a:tint val="83000"/>
+                        <a:shade val="100000"/>
+                        <a:satMod val="200000"/>
+                      </a:schemeClr>
+                    </a:gs>
+                    <a:gs pos="75000">
+                      <a:schemeClr val="accent1">
+                        <a:tint val="100000"/>
+                        <a:shade val="50000"/>
+                        <a:satMod val="150000"/>
+                      </a:schemeClr>
+                    </a:gs>
+                  </a:gsLst>
+                  <a:lin ang="5400000"/>
+                </a:gradFill>
+                <a:effectLst>
+                  <a:glow rad="45500">
+                    <a:schemeClr val="accent1">
+                      <a:satMod val="220000"/>
+                      <a:alpha val="35000"/>
+                    </a:schemeClr>
+                  </a:glow>
+                </a:effectLst>
+              </a:rPr>
+              <a:t>Class diagram</a:t>
+            </a:r>
+            <a:endParaRPr lang="en-US" sz="5400" b="1" cap="none" spc="300" dirty="0">
+              <a:ln w="11430" cmpd="sng">
+                <a:solidFill>
+                  <a:schemeClr val="accent1">
+                    <a:tint val="10000"/>
+                  </a:schemeClr>
+                </a:solidFill>
+                <a:prstDash val="solid"/>
+                <a:miter lim="800000"/>
+              </a:ln>
+              <a:gradFill>
+                <a:gsLst>
+                  <a:gs pos="10000">
+                    <a:schemeClr val="accent1">
+                      <a:tint val="83000"/>
+                      <a:shade val="100000"/>
+                      <a:satMod val="200000"/>
+                    </a:schemeClr>
+                  </a:gs>
+                  <a:gs pos="75000">
+                    <a:schemeClr val="accent1">
+                      <a:tint val="100000"/>
+                      <a:shade val="50000"/>
+                      <a:satMod val="150000"/>
+                    </a:schemeClr>
+                  </a:gs>
+                </a:gsLst>
+                <a:lin ang="5400000"/>
+              </a:gradFill>
+              <a:effectLst>
+                <a:glow rad="45500">
+                  <a:schemeClr val="accent1">
+                    <a:satMod val="220000"/>
+                    <a:alpha val="35000"/>
+                  </a:schemeClr>
+                </a:glow>
+              </a:effectLst>
+            </a:endParaRPr>
+          </a:p>
+        </p:txBody>
+      </p:sp>
     </p:spTree>
     <p:extLst>
       <p:ext uri="{BB962C8B-B14F-4D97-AF65-F5344CB8AC3E}">
@@ -9675,7 +10754,7 @@
 </p:sld>
 </file>
 
-<file path=ppt/slides/slide18.xml><?xml version="1.0" encoding="utf-8"?>
+<file path=ppt/slides/slide19.xml><?xml version="1.0" encoding="utf-8"?>
 <p:sld xmlns:a="http://schemas.openxmlformats.org/drawingml/2006/main" xmlns:r="http://schemas.openxmlformats.org/officeDocument/2006/relationships" xmlns:p="http://schemas.openxmlformats.org/presentationml/2006/main">
   <p:cSld>
     <p:spTree>
@@ -9960,7 +11039,7 @@
             </a:r>
             <a:fld id="{D81727B8-15C5-4C54-A7E8-FF16A5766928}" type="slidenum">
               <a:rPr lang="de-CH" smtClean="0"/>
-              <a:t>18</a:t>
+              <a:t>19</a:t>
             </a:fld>
             <a:endParaRPr lang="de-CH" dirty="0"/>
           </a:p>
@@ -10112,302 +11191,6 @@
     <p:bldLst>
       <p:bldP spid="13" grpId="0" build="p"/>
     </p:bldLst>
-  </p:timing>
-</p:sld>
-</file>
-
-<file path=ppt/slides/slide19.xml><?xml version="1.0" encoding="utf-8"?>
-<p:sld xmlns:a="http://schemas.openxmlformats.org/drawingml/2006/main" xmlns:r="http://schemas.openxmlformats.org/officeDocument/2006/relationships" xmlns:p="http://schemas.openxmlformats.org/presentationml/2006/main">
-  <p:cSld>
-    <p:spTree>
-      <p:nvGrpSpPr>
-        <p:cNvPr id="1" name=""/>
-        <p:cNvGrpSpPr/>
-        <p:nvPr/>
-      </p:nvGrpSpPr>
-      <p:grpSpPr>
-        <a:xfrm>
-          <a:off x="0" y="0"/>
-          <a:ext cx="0" cy="0"/>
-          <a:chOff x="0" y="0"/>
-          <a:chExt cx="0" cy="0"/>
-        </a:xfrm>
-      </p:grpSpPr>
-      <p:sp>
-        <p:nvSpPr>
-          <p:cNvPr id="2" name="Content Placeholder 1"/>
-          <p:cNvSpPr>
-            <a:spLocks noGrp="1"/>
-          </p:cNvSpPr>
-          <p:nvPr>
-            <p:ph idx="1"/>
-          </p:nvPr>
-        </p:nvSpPr>
-        <p:spPr/>
-        <p:txBody>
-          <a:bodyPr/>
-          <a:lstStyle/>
-          <a:p>
-            <a:pPr lvl="1"/>
-            <a:r>
-              <a:rPr lang="en-US" dirty="0" err="1" smtClean="0"/>
-              <a:t>EncryptionService</a:t>
-            </a:r>
-            <a:endParaRPr lang="en-US" dirty="0" smtClean="0"/>
-          </a:p>
-          <a:p>
-            <a:pPr lvl="1"/>
-            <a:r>
-              <a:rPr lang="en-US" dirty="0" smtClean="0"/>
-              <a:t>Include </a:t>
-            </a:r>
-            <a:r>
-              <a:rPr lang="en-US" dirty="0" err="1" smtClean="0"/>
-              <a:t>BountyCastle</a:t>
-            </a:r>
-            <a:endParaRPr lang="en-US" dirty="0" smtClean="0"/>
-          </a:p>
-          <a:p>
-            <a:pPr lvl="1"/>
-            <a:r>
-              <a:rPr lang="en-US" dirty="0" smtClean="0"/>
-              <a:t>TDD</a:t>
-            </a:r>
-          </a:p>
-          <a:p>
-            <a:pPr lvl="1"/>
-            <a:r>
-              <a:rPr lang="en-US" dirty="0" err="1" smtClean="0"/>
-              <a:t>MessageEncryptionService</a:t>
-            </a:r>
-            <a:endParaRPr lang="en-US" dirty="0"/>
-          </a:p>
-        </p:txBody>
-      </p:sp>
-      <p:sp>
-        <p:nvSpPr>
-          <p:cNvPr id="3" name="Title 2"/>
-          <p:cNvSpPr>
-            <a:spLocks noGrp="1"/>
-          </p:cNvSpPr>
-          <p:nvPr>
-            <p:ph type="title"/>
-          </p:nvPr>
-        </p:nvSpPr>
-        <p:spPr/>
-        <p:txBody>
-          <a:bodyPr/>
-          <a:lstStyle/>
-          <a:p>
-            <a:r>
-              <a:rPr lang="en-US" dirty="0" smtClean="0"/>
-              <a:t>Client-side Encryption</a:t>
-            </a:r>
-            <a:endParaRPr lang="en-US" dirty="0"/>
-          </a:p>
-        </p:txBody>
-      </p:sp>
-      <p:sp>
-        <p:nvSpPr>
-          <p:cNvPr id="4" name="Date Placeholder 3"/>
-          <p:cNvSpPr>
-            <a:spLocks noGrp="1"/>
-          </p:cNvSpPr>
-          <p:nvPr>
-            <p:ph type="dt" sz="half" idx="10"/>
-          </p:nvPr>
-        </p:nvSpPr>
-        <p:spPr/>
-        <p:txBody>
-          <a:bodyPr/>
-          <a:lstStyle/>
-          <a:p>
-            <a:r>
-              <a:rPr lang="en-US" dirty="0" smtClean="0"/>
-              <a:t>26. September 2013</a:t>
-            </a:r>
-            <a:endParaRPr lang="en-US" dirty="0"/>
-          </a:p>
-        </p:txBody>
-      </p:sp>
-      <p:sp>
-        <p:nvSpPr>
-          <p:cNvPr id="5" name="Footer Placeholder 4"/>
-          <p:cNvSpPr>
-            <a:spLocks noGrp="1"/>
-          </p:cNvSpPr>
-          <p:nvPr>
-            <p:ph type="ftr" sz="quarter" idx="11"/>
-          </p:nvPr>
-        </p:nvSpPr>
-        <p:spPr/>
-        <p:txBody>
-          <a:bodyPr/>
-          <a:lstStyle/>
-          <a:p>
-            <a:r>
-              <a:rPr lang="en-US" dirty="0" smtClean="0"/>
-              <a:t>Cross-platform Mobile Development | Ursin Brunner, Stefan </a:t>
-            </a:r>
-            <a:r>
-              <a:rPr lang="en-US" dirty="0" err="1" smtClean="0"/>
-              <a:t>Schöb</a:t>
-            </a:r>
-            <a:r>
-              <a:rPr lang="en-US" dirty="0" smtClean="0"/>
-              <a:t>, Oliver Brack</a:t>
-            </a:r>
-            <a:endParaRPr lang="en-US" dirty="0"/>
-          </a:p>
-        </p:txBody>
-      </p:sp>
-      <p:sp>
-        <p:nvSpPr>
-          <p:cNvPr id="8" name="Slide Number Placeholder 7"/>
-          <p:cNvSpPr>
-            <a:spLocks noGrp="1"/>
-          </p:cNvSpPr>
-          <p:nvPr>
-            <p:ph type="sldNum" sz="quarter" idx="12"/>
-          </p:nvPr>
-        </p:nvSpPr>
-        <p:spPr/>
-        <p:txBody>
-          <a:bodyPr/>
-          <a:lstStyle/>
-          <a:p>
-            <a:r>
-              <a:rPr lang="de-CH" smtClean="0"/>
-              <a:t>Slide </a:t>
-            </a:r>
-            <a:fld id="{76AE5747-D0E7-4D66-8FBF-9CFC53A4E0C8}" type="slidenum">
-              <a:rPr lang="de-CH" smtClean="0"/>
-              <a:t>19</a:t>
-            </a:fld>
-            <a:endParaRPr lang="de-CH" dirty="0"/>
-          </a:p>
-        </p:txBody>
-      </p:sp>
-      <p:sp>
-        <p:nvSpPr>
-          <p:cNvPr id="10" name="Oval 9"/>
-          <p:cNvSpPr/>
-          <p:nvPr/>
-        </p:nvSpPr>
-        <p:spPr>
-          <a:xfrm>
-            <a:off x="8635473" y="78417"/>
-            <a:ext cx="427734" cy="427734"/>
-          </a:xfrm>
-          <a:prstGeom prst="ellipse">
-            <a:avLst/>
-          </a:prstGeom>
-          <a:noFill/>
-          <a:ln w="12700">
-            <a:solidFill>
-              <a:schemeClr val="accent1"/>
-            </a:solidFill>
-          </a:ln>
-        </p:spPr>
-        <p:style>
-          <a:lnRef idx="2">
-            <a:schemeClr val="accent1">
-              <a:shade val="50000"/>
-            </a:schemeClr>
-          </a:lnRef>
-          <a:fillRef idx="1">
-            <a:schemeClr val="accent1"/>
-          </a:fillRef>
-          <a:effectRef idx="0">
-            <a:schemeClr val="accent1"/>
-          </a:effectRef>
-          <a:fontRef idx="minor">
-            <a:schemeClr val="lt1"/>
-          </a:fontRef>
-        </p:style>
-        <p:txBody>
-          <a:bodyPr rtlCol="0" anchor="ctr"/>
-          <a:lstStyle/>
-          <a:p>
-            <a:pPr algn="ctr"/>
-            <a:r>
-              <a:rPr lang="en-US" sz="2200" dirty="0" smtClean="0">
-                <a:solidFill>
-                  <a:schemeClr val="accent1"/>
-                </a:solidFill>
-                <a:latin typeface="+mj-lt"/>
-              </a:rPr>
-              <a:t>8</a:t>
-            </a:r>
-          </a:p>
-        </p:txBody>
-      </p:sp>
-      <p:pic>
-        <p:nvPicPr>
-          <p:cNvPr id="11" name="Picture 4" descr="http://www.digi-news.ch/schulen/20100624/uploads/apple_logo2.jpg"/>
-          <p:cNvPicPr>
-            <a:picLocks noChangeAspect="1" noChangeArrowheads="1"/>
-          </p:cNvPicPr>
-          <p:nvPr/>
-        </p:nvPicPr>
-        <p:blipFill rotWithShape="1">
-          <a:blip r:embed="rId2" cstate="print">
-            <a:extLst>
-              <a:ext uri="{BEBA8EAE-BF5A-486C-A8C5-ECC9F3942E4B}">
-                <a14:imgProps xmlns:a14="http://schemas.microsoft.com/office/drawing/2010/main">
-                  <a14:imgLayer r:embed="rId3">
-                    <a14:imgEffect>
-                      <a14:backgroundRemoval t="0" b="100000" l="10000" r="90000">
-                        <a14:foregroundMark x1="56444" y1="12162" x2="56444" y2="12162"/>
-                      </a14:backgroundRemoval>
-                    </a14:imgEffect>
-                  </a14:imgLayer>
-                </a14:imgProps>
-              </a:ext>
-              <a:ext uri="{28A0092B-C50C-407E-A947-70E740481C1C}">
-                <a14:useLocalDpi xmlns:a14="http://schemas.microsoft.com/office/drawing/2010/main" val="0"/>
-              </a:ext>
-            </a:extLst>
-          </a:blip>
-          <a:srcRect l="9636" r="15609"/>
-          <a:stretch/>
-        </p:blipFill>
-        <p:spPr bwMode="auto">
-          <a:xfrm>
-            <a:off x="8379457" y="5871876"/>
-            <a:ext cx="654610" cy="720000"/>
-          </a:xfrm>
-          <a:prstGeom prst="rect">
-            <a:avLst/>
-          </a:prstGeom>
-          <a:noFill/>
-          <a:extLst>
-            <a:ext uri="{909E8E84-426E-40DD-AFC4-6F175D3DCCD1}">
-              <a14:hiddenFill xmlns:a14="http://schemas.microsoft.com/office/drawing/2010/main">
-                <a:solidFill>
-                  <a:srgbClr val="FFFFFF"/>
-                </a:solidFill>
-              </a14:hiddenFill>
-            </a:ext>
-          </a:extLst>
-        </p:spPr>
-      </p:pic>
-    </p:spTree>
-    <p:extLst>
-      <p:ext uri="{BB962C8B-B14F-4D97-AF65-F5344CB8AC3E}">
-        <p14:creationId xmlns:p14="http://schemas.microsoft.com/office/powerpoint/2010/main" val="248274490"/>
-      </p:ext>
-    </p:extLst>
-  </p:cSld>
-  <p:clrMapOvr>
-    <a:masterClrMapping/>
-  </p:clrMapOvr>
-  <p:timing>
-    <p:tnLst>
-      <p:par>
-        <p:cTn id="1" dur="indefinite" restart="never" nodeType="tmRoot"/>
-      </p:par>
-    </p:tnLst>
   </p:timing>
 </p:sld>
 </file>
@@ -12494,23 +13277,223 @@
       </p:grpSpPr>
       <p:sp>
         <p:nvSpPr>
-          <p:cNvPr id="9" name="Rectangle 8"/>
+          <p:cNvPr id="2" name="Content Placeholder 1"/>
+          <p:cNvSpPr>
+            <a:spLocks noGrp="1"/>
+          </p:cNvSpPr>
+          <p:nvPr>
+            <p:ph idx="1"/>
+          </p:nvPr>
+        </p:nvSpPr>
+        <p:spPr/>
+        <p:txBody>
+          <a:bodyPr/>
+          <a:lstStyle/>
+          <a:p>
+            <a:r>
+              <a:rPr lang="en-US" dirty="0" smtClean="0"/>
+              <a:t>Encryption</a:t>
+            </a:r>
+          </a:p>
+          <a:p>
+            <a:pPr lvl="1"/>
+            <a:r>
+              <a:rPr lang="en-US" dirty="0" smtClean="0"/>
+              <a:t>Symmetric encryption with AES (256 bytes key)</a:t>
+            </a:r>
+            <a:endParaRPr lang="en-US" dirty="0" smtClean="0"/>
+          </a:p>
+          <a:p>
+            <a:pPr lvl="1"/>
+            <a:r>
+              <a:rPr lang="en-US" dirty="0" err="1" smtClean="0"/>
+              <a:t>BountyCastle</a:t>
+            </a:r>
+            <a:r>
+              <a:rPr lang="en-US" dirty="0" smtClean="0"/>
+              <a:t> implementation</a:t>
+            </a:r>
+            <a:endParaRPr lang="en-US" dirty="0" smtClean="0"/>
+          </a:p>
+          <a:p>
+            <a:endParaRPr lang="en-US" dirty="0" smtClean="0"/>
+          </a:p>
+          <a:p>
+            <a:r>
+              <a:rPr lang="en-US" dirty="0" smtClean="0"/>
+              <a:t>Test Driven Development (TDD)</a:t>
+            </a:r>
+          </a:p>
+          <a:p>
+            <a:pPr lvl="1"/>
+            <a:r>
+              <a:rPr lang="en-US" dirty="0" err="1" smtClean="0"/>
+              <a:t>NUnit</a:t>
+            </a:r>
+            <a:r>
+              <a:rPr lang="en-US" dirty="0" smtClean="0"/>
+              <a:t> as test framework</a:t>
+            </a:r>
+          </a:p>
+          <a:p>
+            <a:pPr lvl="1"/>
+            <a:r>
+              <a:rPr lang="en-US" dirty="0" err="1" smtClean="0"/>
+              <a:t>NSubstitute</a:t>
+            </a:r>
+            <a:r>
+              <a:rPr lang="en-US" dirty="0" smtClean="0"/>
+              <a:t> for mocking</a:t>
+            </a:r>
+          </a:p>
+          <a:p>
+            <a:pPr lvl="1"/>
+            <a:r>
+              <a:rPr lang="en-US" dirty="0" smtClean="0"/>
+              <a:t>Test our </a:t>
+            </a:r>
+            <a:r>
+              <a:rPr lang="en-US" dirty="0" err="1" smtClean="0"/>
+              <a:t>EncryptedMessageService</a:t>
+            </a:r>
+            <a:r>
+              <a:rPr lang="en-US" dirty="0" smtClean="0"/>
+              <a:t>, not the encryption itself</a:t>
+            </a:r>
+            <a:br>
+              <a:rPr lang="en-US" dirty="0" smtClean="0"/>
+            </a:br>
+            <a:r>
+              <a:rPr lang="en-US" dirty="0" smtClean="0"/>
+              <a:t>(as we are using a given encryption library)</a:t>
+            </a:r>
+            <a:endParaRPr lang="en-US" dirty="0" smtClean="0"/>
+          </a:p>
+        </p:txBody>
+      </p:sp>
+      <p:sp>
+        <p:nvSpPr>
+          <p:cNvPr id="3" name="Title 2"/>
+          <p:cNvSpPr>
+            <a:spLocks noGrp="1"/>
+          </p:cNvSpPr>
+          <p:nvPr>
+            <p:ph type="title"/>
+          </p:nvPr>
+        </p:nvSpPr>
+        <p:spPr/>
+        <p:txBody>
+          <a:bodyPr/>
+          <a:lstStyle/>
+          <a:p>
+            <a:r>
+              <a:rPr lang="en-US" dirty="0" smtClean="0"/>
+              <a:t>Client-side Encryption</a:t>
+            </a:r>
+            <a:endParaRPr lang="en-US" dirty="0"/>
+          </a:p>
+        </p:txBody>
+      </p:sp>
+      <p:sp>
+        <p:nvSpPr>
+          <p:cNvPr id="4" name="Date Placeholder 3"/>
+          <p:cNvSpPr>
+            <a:spLocks noGrp="1"/>
+          </p:cNvSpPr>
+          <p:nvPr>
+            <p:ph type="dt" sz="half" idx="10"/>
+          </p:nvPr>
+        </p:nvSpPr>
+        <p:spPr/>
+        <p:txBody>
+          <a:bodyPr/>
+          <a:lstStyle/>
+          <a:p>
+            <a:r>
+              <a:rPr lang="en-US" dirty="0" smtClean="0"/>
+              <a:t>26. September 2013</a:t>
+            </a:r>
+            <a:endParaRPr lang="en-US" dirty="0"/>
+          </a:p>
+        </p:txBody>
+      </p:sp>
+      <p:sp>
+        <p:nvSpPr>
+          <p:cNvPr id="5" name="Footer Placeholder 4"/>
+          <p:cNvSpPr>
+            <a:spLocks noGrp="1"/>
+          </p:cNvSpPr>
+          <p:nvPr>
+            <p:ph type="ftr" sz="quarter" idx="11"/>
+          </p:nvPr>
+        </p:nvSpPr>
+        <p:spPr/>
+        <p:txBody>
+          <a:bodyPr/>
+          <a:lstStyle/>
+          <a:p>
+            <a:r>
+              <a:rPr lang="en-US" dirty="0" smtClean="0"/>
+              <a:t>Cross-platform Mobile Development | Ursin Brunner, Stefan </a:t>
+            </a:r>
+            <a:r>
+              <a:rPr lang="en-US" dirty="0" err="1" smtClean="0"/>
+              <a:t>Schöb</a:t>
+            </a:r>
+            <a:r>
+              <a:rPr lang="en-US" dirty="0" smtClean="0"/>
+              <a:t>, Oliver Brack</a:t>
+            </a:r>
+            <a:endParaRPr lang="en-US" dirty="0"/>
+          </a:p>
+        </p:txBody>
+      </p:sp>
+      <p:sp>
+        <p:nvSpPr>
+          <p:cNvPr id="8" name="Slide Number Placeholder 7"/>
+          <p:cNvSpPr>
+            <a:spLocks noGrp="1"/>
+          </p:cNvSpPr>
+          <p:nvPr>
+            <p:ph type="sldNum" sz="quarter" idx="12"/>
+          </p:nvPr>
+        </p:nvSpPr>
+        <p:spPr/>
+        <p:txBody>
+          <a:bodyPr/>
+          <a:lstStyle/>
+          <a:p>
+            <a:r>
+              <a:rPr lang="de-CH" smtClean="0"/>
+              <a:t>Slide </a:t>
+            </a:r>
+            <a:fld id="{76AE5747-D0E7-4D66-8FBF-9CFC53A4E0C8}" type="slidenum">
+              <a:rPr lang="de-CH" smtClean="0"/>
+              <a:t>20</a:t>
+            </a:fld>
+            <a:endParaRPr lang="de-CH" dirty="0"/>
+          </a:p>
+        </p:txBody>
+      </p:sp>
+      <p:sp>
+        <p:nvSpPr>
+          <p:cNvPr id="10" name="Oval 9"/>
           <p:cNvSpPr/>
           <p:nvPr/>
         </p:nvSpPr>
         <p:spPr>
           <a:xfrm>
-            <a:off x="0" y="0"/>
-            <a:ext cx="9144000" cy="1524000"/>
+            <a:off x="8635473" y="78417"/>
+            <a:ext cx="427734" cy="427734"/>
           </a:xfrm>
-          <a:prstGeom prst="rect">
+          <a:prstGeom prst="ellipse">
             <a:avLst/>
           </a:prstGeom>
-          <a:solidFill>
-            <a:srgbClr val="FF820A"/>
-          </a:solidFill>
+          <a:noFill/>
           <a:ln w="12700">
-            <a:noFill/>
+            <a:solidFill>
+              <a:schemeClr val="accent1"/>
+            </a:solidFill>
           </a:ln>
         </p:spPr>
         <p:style>
@@ -12534,194 +13517,52 @@
           <a:lstStyle/>
           <a:p>
             <a:pPr algn="ctr"/>
-            <a:endParaRPr lang="en-US" sz="2200" dirty="0" err="1" smtClean="0">
-              <a:latin typeface="AA Zuehlke" pitchFamily="2" charset="0"/>
-            </a:endParaRPr>
-          </a:p>
-        </p:txBody>
-      </p:sp>
-      <p:sp>
-        <p:nvSpPr>
-          <p:cNvPr id="2" name="Content Placeholder 1"/>
-          <p:cNvSpPr>
-            <a:spLocks noGrp="1"/>
-          </p:cNvSpPr>
-          <p:nvPr>
-            <p:ph idx="1"/>
-          </p:nvPr>
-        </p:nvSpPr>
-        <p:spPr/>
-        <p:txBody>
-          <a:bodyPr/>
-          <a:lstStyle/>
-          <a:p>
-            <a:pPr lvl="1"/>
-            <a:r>
-              <a:rPr lang="en-US" dirty="0" smtClean="0"/>
-              <a:t>Azure</a:t>
-            </a:r>
-          </a:p>
-          <a:p>
-            <a:pPr lvl="1"/>
-            <a:r>
-              <a:rPr lang="en-US" dirty="0" smtClean="0">
-                <a:hlinkClick r:id="rId3"/>
+            <a:r>
+              <a:rPr lang="en-US" sz="2200" dirty="0" smtClean="0">
+                <a:solidFill>
+                  <a:schemeClr val="accent1"/>
+                </a:solidFill>
+                <a:latin typeface="+mj-lt"/>
               </a:rPr>
-              <a:t>Encryption demo</a:t>
-            </a:r>
-            <a:endParaRPr lang="en-US" dirty="0" smtClean="0"/>
-          </a:p>
-          <a:p>
-            <a:pPr lvl="1"/>
-            <a:r>
-              <a:rPr lang="en-US" dirty="0" smtClean="0"/>
-              <a:t>Hardcoded password/username?</a:t>
-            </a:r>
-            <a:endParaRPr lang="en-US" dirty="0"/>
-          </a:p>
-        </p:txBody>
-      </p:sp>
-      <p:sp>
-        <p:nvSpPr>
-          <p:cNvPr id="3" name="Title 2"/>
-          <p:cNvSpPr>
-            <a:spLocks noGrp="1"/>
-          </p:cNvSpPr>
-          <p:nvPr>
-            <p:ph type="title"/>
-          </p:nvPr>
-        </p:nvSpPr>
-        <p:spPr/>
-        <p:txBody>
-          <a:bodyPr/>
-          <a:lstStyle/>
-          <a:p>
-            <a:r>
-              <a:rPr lang="en-US" dirty="0" smtClean="0">
-                <a:solidFill>
-                  <a:schemeClr val="bg1"/>
-                </a:solidFill>
-              </a:rPr>
-              <a:t>Data in the Cloud</a:t>
-            </a:r>
-            <a:endParaRPr lang="en-US" dirty="0">
-              <a:solidFill>
-                <a:schemeClr val="bg1"/>
-              </a:solidFill>
-            </a:endParaRPr>
-          </a:p>
-        </p:txBody>
-      </p:sp>
-      <p:sp>
-        <p:nvSpPr>
-          <p:cNvPr id="4" name="Date Placeholder 3"/>
-          <p:cNvSpPr>
-            <a:spLocks noGrp="1"/>
-          </p:cNvSpPr>
-          <p:nvPr>
-            <p:ph type="dt" sz="half" idx="10"/>
-          </p:nvPr>
-        </p:nvSpPr>
-        <p:spPr/>
-        <p:txBody>
-          <a:bodyPr/>
-          <a:lstStyle/>
-          <a:p>
-            <a:r>
-              <a:rPr lang="en-US" dirty="0" smtClean="0"/>
-              <a:t>26. September 2013</a:t>
-            </a:r>
-            <a:endParaRPr lang="en-US" dirty="0"/>
-          </a:p>
-        </p:txBody>
-      </p:sp>
-      <p:sp>
-        <p:nvSpPr>
-          <p:cNvPr id="5" name="Footer Placeholder 4"/>
-          <p:cNvSpPr>
-            <a:spLocks noGrp="1"/>
-          </p:cNvSpPr>
-          <p:nvPr>
-            <p:ph type="ftr" sz="quarter" idx="11"/>
-          </p:nvPr>
-        </p:nvSpPr>
-        <p:spPr/>
-        <p:txBody>
-          <a:bodyPr/>
-          <a:lstStyle/>
-          <a:p>
-            <a:r>
-              <a:rPr lang="en-US" dirty="0" smtClean="0"/>
-              <a:t>Cross-platform Mobile Development | Ursin Brunner, Stefan </a:t>
-            </a:r>
-            <a:r>
-              <a:rPr lang="en-US" dirty="0" err="1" smtClean="0"/>
-              <a:t>Schöb</a:t>
-            </a:r>
-            <a:r>
-              <a:rPr lang="en-US" dirty="0" smtClean="0"/>
-              <a:t>, Oliver Brack</a:t>
-            </a:r>
-            <a:endParaRPr lang="en-US" dirty="0"/>
-          </a:p>
-        </p:txBody>
-      </p:sp>
-      <p:sp>
-        <p:nvSpPr>
-          <p:cNvPr id="8" name="Slide Number Placeholder 7"/>
-          <p:cNvSpPr>
-            <a:spLocks noGrp="1"/>
-          </p:cNvSpPr>
-          <p:nvPr>
-            <p:ph type="sldNum" sz="quarter" idx="12"/>
-          </p:nvPr>
-        </p:nvSpPr>
-        <p:spPr/>
-        <p:txBody>
-          <a:bodyPr/>
-          <a:lstStyle/>
-          <a:p>
-            <a:r>
-              <a:rPr lang="de-CH" smtClean="0"/>
-              <a:t>Slide </a:t>
-            </a:r>
-            <a:fld id="{76AE5747-D0E7-4D66-8FBF-9CFC53A4E0C8}" type="slidenum">
-              <a:rPr lang="de-CH" smtClean="0"/>
-              <a:t>20</a:t>
-            </a:fld>
-            <a:endParaRPr lang="de-CH" dirty="0"/>
+              <a:t>8</a:t>
+            </a:r>
           </a:p>
         </p:txBody>
       </p:sp>
       <p:pic>
         <p:nvPicPr>
-          <p:cNvPr id="10" name="Logo" descr="C:\Users\Luc Benninger\Desktop\Zuehlke_Logo_rgb_300dpi.png"/>
+          <p:cNvPr id="11" name="Picture 4" descr="http://www.digi-news.ch/schulen/20100624/uploads/apple_logo2.jpg"/>
           <p:cNvPicPr>
-            <a:picLocks noChangeArrowheads="1"/>
+            <a:picLocks noChangeAspect="1" noChangeArrowheads="1"/>
           </p:cNvPicPr>
-          <p:nvPr>
-            <p:custDataLst>
-              <p:tags r:id="rId1"/>
-            </p:custDataLst>
-          </p:nvPr>
+          <p:nvPr/>
         </p:nvPicPr>
-        <p:blipFill>
-          <a:blip r:embed="rId4" cstate="print">
+        <p:blipFill rotWithShape="1">
+          <a:blip r:embed="rId2" cstate="print">
             <a:extLst>
+              <a:ext uri="{BEBA8EAE-BF5A-486C-A8C5-ECC9F3942E4B}">
+                <a14:imgProps xmlns:a14="http://schemas.microsoft.com/office/drawing/2010/main">
+                  <a14:imgLayer r:embed="rId3">
+                    <a14:imgEffect>
+                      <a14:backgroundRemoval t="0" b="100000" l="10000" r="90000">
+                        <a14:foregroundMark x1="56444" y1="12162" x2="56444" y2="12162"/>
+                      </a14:backgroundRemoval>
+                    </a14:imgEffect>
+                  </a14:imgLayer>
+                </a14:imgProps>
+              </a:ext>
               <a:ext uri="{28A0092B-C50C-407E-A947-70E740481C1C}">
                 <a14:useLocalDpi xmlns:a14="http://schemas.microsoft.com/office/drawing/2010/main" val="0"/>
               </a:ext>
             </a:extLst>
           </a:blip>
-          <a:srcRect/>
-          <a:stretch>
-            <a:fillRect/>
-          </a:stretch>
+          <a:srcRect l="9636" r="15609"/>
+          <a:stretch/>
         </p:blipFill>
         <p:spPr bwMode="auto">
           <a:xfrm>
-            <a:off x="6567488" y="292100"/>
-            <a:ext cx="1141412" cy="1141412"/>
+            <a:off x="8379457" y="5871876"/>
+            <a:ext cx="654610" cy="720000"/>
           </a:xfrm>
           <a:prstGeom prst="rect">
             <a:avLst/>
@@ -12777,6 +13618,54 @@
       </p:grpSpPr>
       <p:sp>
         <p:nvSpPr>
+          <p:cNvPr id="9" name="Rectangle 8"/>
+          <p:cNvSpPr/>
+          <p:nvPr/>
+        </p:nvSpPr>
+        <p:spPr>
+          <a:xfrm>
+            <a:off x="0" y="0"/>
+            <a:ext cx="9144000" cy="1524000"/>
+          </a:xfrm>
+          <a:prstGeom prst="rect">
+            <a:avLst/>
+          </a:prstGeom>
+          <a:solidFill>
+            <a:srgbClr val="FF820A"/>
+          </a:solidFill>
+          <a:ln w="12700">
+            <a:noFill/>
+          </a:ln>
+        </p:spPr>
+        <p:style>
+          <a:lnRef idx="2">
+            <a:schemeClr val="accent1">
+              <a:shade val="50000"/>
+            </a:schemeClr>
+          </a:lnRef>
+          <a:fillRef idx="1">
+            <a:schemeClr val="accent1"/>
+          </a:fillRef>
+          <a:effectRef idx="0">
+            <a:schemeClr val="accent1"/>
+          </a:effectRef>
+          <a:fontRef idx="minor">
+            <a:schemeClr val="lt1"/>
+          </a:fontRef>
+        </p:style>
+        <p:txBody>
+          <a:bodyPr rtlCol="0" anchor="ctr"/>
+          <a:lstStyle/>
+          <a:p>
+            <a:pPr algn="ctr"/>
+            <a:endParaRPr lang="en-US" sz="2200" dirty="0" err="1" smtClean="0">
+              <a:latin typeface="AA Zuehlke" pitchFamily="2" charset="0"/>
+            </a:endParaRPr>
+          </a:p>
+        </p:txBody>
+      </p:sp>
+      <p:sp>
+        <p:nvSpPr>
           <p:cNvPr id="2" name="Content Placeholder 1"/>
           <p:cNvSpPr>
             <a:spLocks noGrp="1"/>
@@ -12793,23 +13682,53 @@
             <a:pPr lvl="1"/>
             <a:r>
               <a:rPr lang="en-US" dirty="0" smtClean="0"/>
-              <a:t>SQLite plug-in (plug-in system)</a:t>
+              <a:t>Azure</a:t>
             </a:r>
           </a:p>
           <a:p>
             <a:pPr lvl="1"/>
             <a:r>
+              <a:rPr lang="en-US" dirty="0" smtClean="0">
+                <a:hlinkClick r:id="rId3"/>
+              </a:rPr>
+              <a:t>Encryption demo</a:t>
+            </a:r>
+            <a:endParaRPr lang="en-US" dirty="0" smtClean="0"/>
+          </a:p>
+          <a:p>
+            <a:pPr lvl="1"/>
+            <a:r>
               <a:rPr lang="en-US" dirty="0" smtClean="0"/>
-              <a:t>Username/password</a:t>
+              <a:t>Hardcoded password/username</a:t>
+            </a:r>
+            <a:r>
+              <a:rPr lang="en-US" dirty="0" smtClean="0"/>
+              <a:t>?</a:t>
             </a:r>
           </a:p>
           <a:p>
             <a:pPr lvl="1"/>
             <a:r>
-              <a:rPr lang="en-US" dirty="0" smtClean="0"/>
-              <a:t>LINQ</a:t>
-            </a:r>
-            <a:endParaRPr lang="en-US" dirty="0"/>
+              <a:rPr lang="en-US" dirty="0" err="1" smtClean="0">
+                <a:solidFill>
+                  <a:srgbClr val="FF0000"/>
+                </a:solidFill>
+              </a:rPr>
+              <a:t>WireFrame</a:t>
+            </a:r>
+            <a:r>
+              <a:rPr lang="en-US" dirty="0" smtClean="0">
+                <a:solidFill>
+                  <a:srgbClr val="FF0000"/>
+                </a:solidFill>
+              </a:rPr>
+              <a:t> with username/password</a:t>
+            </a:r>
+            <a:endParaRPr lang="en-US" dirty="0">
+              <a:solidFill>
+                <a:srgbClr val="FF0000"/>
+              </a:solidFill>
+            </a:endParaRPr>
           </a:p>
         </p:txBody>
       </p:sp>
@@ -12828,10 +13747,40 @@
           <a:bodyPr/>
           <a:lstStyle/>
           <a:p>
-            <a:pPr lvl="0"/>
+            <a:r>
+              <a:rPr lang="en-US" dirty="0" smtClean="0">
+                <a:solidFill>
+                  <a:schemeClr val="bg1"/>
+                </a:solidFill>
+              </a:rPr>
+              <a:t>Data in the Cloud</a:t>
+            </a:r>
+            <a:endParaRPr lang="en-US" dirty="0">
+              <a:solidFill>
+                <a:schemeClr val="bg1"/>
+              </a:solidFill>
+            </a:endParaRPr>
+          </a:p>
+        </p:txBody>
+      </p:sp>
+      <p:sp>
+        <p:nvSpPr>
+          <p:cNvPr id="4" name="Date Placeholder 3"/>
+          <p:cNvSpPr>
+            <a:spLocks noGrp="1"/>
+          </p:cNvSpPr>
+          <p:nvPr>
+            <p:ph type="dt" sz="half" idx="10"/>
+          </p:nvPr>
+        </p:nvSpPr>
+        <p:spPr/>
+        <p:txBody>
+          <a:bodyPr/>
+          <a:lstStyle/>
+          <a:p>
             <a:r>
               <a:rPr lang="en-US" dirty="0" smtClean="0"/>
-              <a:t>SQLite with LINQ</a:t>
+              <a:t>26. September 2013</a:t>
             </a:r>
             <a:endParaRPr lang="en-US" dirty="0"/>
           </a:p>
@@ -12853,6 +13802,316 @@
           <a:lstStyle/>
           <a:p>
             <a:r>
+              <a:rPr lang="en-US" dirty="0" smtClean="0"/>
+              <a:t>Cross-platform Mobile Development | Ursin Brunner, Stefan </a:t>
+            </a:r>
+            <a:r>
+              <a:rPr lang="en-US" dirty="0" err="1" smtClean="0"/>
+              <a:t>Schöb</a:t>
+            </a:r>
+            <a:r>
+              <a:rPr lang="en-US" dirty="0" smtClean="0"/>
+              <a:t>, Oliver Brack</a:t>
+            </a:r>
+            <a:endParaRPr lang="en-US" dirty="0"/>
+          </a:p>
+        </p:txBody>
+      </p:sp>
+      <p:sp>
+        <p:nvSpPr>
+          <p:cNvPr id="8" name="Slide Number Placeholder 7"/>
+          <p:cNvSpPr>
+            <a:spLocks noGrp="1"/>
+          </p:cNvSpPr>
+          <p:nvPr>
+            <p:ph type="sldNum" sz="quarter" idx="12"/>
+          </p:nvPr>
+        </p:nvSpPr>
+        <p:spPr/>
+        <p:txBody>
+          <a:bodyPr/>
+          <a:lstStyle/>
+          <a:p>
+            <a:r>
+              <a:rPr lang="de-CH" smtClean="0"/>
+              <a:t>Slide </a:t>
+            </a:r>
+            <a:fld id="{76AE5747-D0E7-4D66-8FBF-9CFC53A4E0C8}" type="slidenum">
+              <a:rPr lang="de-CH" smtClean="0"/>
+              <a:t>21</a:t>
+            </a:fld>
+            <a:endParaRPr lang="de-CH" dirty="0"/>
+          </a:p>
+        </p:txBody>
+      </p:sp>
+      <p:pic>
+        <p:nvPicPr>
+          <p:cNvPr id="10" name="Logo" descr="C:\Users\Luc Benninger\Desktop\Zuehlke_Logo_rgb_300dpi.png"/>
+          <p:cNvPicPr>
+            <a:picLocks noChangeArrowheads="1"/>
+          </p:cNvPicPr>
+          <p:nvPr>
+            <p:custDataLst>
+              <p:tags r:id="rId1"/>
+            </p:custDataLst>
+          </p:nvPr>
+        </p:nvPicPr>
+        <p:blipFill>
+          <a:blip r:embed="rId4" cstate="print">
+            <a:extLst>
+              <a:ext uri="{28A0092B-C50C-407E-A947-70E740481C1C}">
+                <a14:useLocalDpi xmlns:a14="http://schemas.microsoft.com/office/drawing/2010/main" val="0"/>
+              </a:ext>
+            </a:extLst>
+          </a:blip>
+          <a:srcRect/>
+          <a:stretch>
+            <a:fillRect/>
+          </a:stretch>
+        </p:blipFill>
+        <p:spPr bwMode="auto">
+          <a:xfrm>
+            <a:off x="6567488" y="292100"/>
+            <a:ext cx="1141412" cy="1141412"/>
+          </a:xfrm>
+          <a:prstGeom prst="rect">
+            <a:avLst/>
+          </a:prstGeom>
+          <a:noFill/>
+          <a:extLst>
+            <a:ext uri="{909E8E84-426E-40DD-AFC4-6F175D3DCCD1}">
+              <a14:hiddenFill xmlns:a14="http://schemas.microsoft.com/office/drawing/2010/main">
+                <a:solidFill>
+                  <a:srgbClr val="FFFFFF"/>
+                </a:solidFill>
+              </a14:hiddenFill>
+            </a:ext>
+          </a:extLst>
+        </p:spPr>
+      </p:pic>
+      <p:pic>
+        <p:nvPicPr>
+          <p:cNvPr id="1026" name="Picture 2"/>
+          <p:cNvPicPr>
+            <a:picLocks noChangeAspect="1" noChangeArrowheads="1"/>
+          </p:cNvPicPr>
+          <p:nvPr/>
+        </p:nvPicPr>
+        <p:blipFill>
+          <a:blip r:embed="rId5" cstate="print">
+            <a:extLst>
+              <a:ext uri="{28A0092B-C50C-407E-A947-70E740481C1C}">
+                <a14:useLocalDpi xmlns:a14="http://schemas.microsoft.com/office/drawing/2010/main" val="0"/>
+              </a:ext>
+            </a:extLst>
+          </a:blip>
+          <a:srcRect/>
+          <a:stretch>
+            <a:fillRect/>
+          </a:stretch>
+        </p:blipFill>
+        <p:spPr bwMode="auto">
+          <a:xfrm>
+            <a:off x="5277671" y="1718064"/>
+            <a:ext cx="3721046" cy="2431083"/>
+          </a:xfrm>
+          <a:prstGeom prst="rect">
+            <a:avLst/>
+          </a:prstGeom>
+          <a:noFill/>
+          <a:ln>
+            <a:noFill/>
+          </a:ln>
+          <a:extLst>
+            <a:ext uri="{909E8E84-426E-40DD-AFC4-6F175D3DCCD1}">
+              <a14:hiddenFill xmlns:a14="http://schemas.microsoft.com/office/drawing/2010/main">
+                <a:solidFill>
+                  <a:schemeClr val="accent1"/>
+                </a:solidFill>
+              </a14:hiddenFill>
+            </a:ext>
+            <a:ext uri="{91240B29-F687-4F45-9708-019B960494DF}">
+              <a14:hiddenLine xmlns:a14="http://schemas.microsoft.com/office/drawing/2010/main" w="9525">
+                <a:solidFill>
+                  <a:schemeClr val="tx1"/>
+                </a:solidFill>
+                <a:miter lim="800000"/>
+                <a:headEnd/>
+                <a:tailEnd/>
+              </a14:hiddenLine>
+            </a:ext>
+          </a:extLst>
+        </p:spPr>
+      </p:pic>
+    </p:spTree>
+    <p:extLst>
+      <p:ext uri="{BB962C8B-B14F-4D97-AF65-F5344CB8AC3E}">
+        <p14:creationId xmlns:p14="http://schemas.microsoft.com/office/powerpoint/2010/main" val="248274490"/>
+      </p:ext>
+    </p:extLst>
+  </p:cSld>
+  <p:clrMapOvr>
+    <a:masterClrMapping/>
+  </p:clrMapOvr>
+  <p:timing>
+    <p:tnLst>
+      <p:par>
+        <p:cTn id="1" dur="indefinite" restart="never" nodeType="tmRoot"/>
+      </p:par>
+    </p:tnLst>
+  </p:timing>
+</p:sld>
+</file>
+
+<file path=ppt/slides/slide22.xml><?xml version="1.0" encoding="utf-8"?>
+<p:sld xmlns:a="http://schemas.openxmlformats.org/drawingml/2006/main" xmlns:r="http://schemas.openxmlformats.org/officeDocument/2006/relationships" xmlns:p="http://schemas.openxmlformats.org/presentationml/2006/main">
+  <p:cSld>
+    <p:spTree>
+      <p:nvGrpSpPr>
+        <p:cNvPr id="1" name=""/>
+        <p:cNvGrpSpPr/>
+        <p:nvPr/>
+      </p:nvGrpSpPr>
+      <p:grpSpPr>
+        <a:xfrm>
+          <a:off x="0" y="0"/>
+          <a:ext cx="0" cy="0"/>
+          <a:chOff x="0" y="0"/>
+          <a:chExt cx="0" cy="0"/>
+        </a:xfrm>
+      </p:grpSpPr>
+      <p:sp>
+        <p:nvSpPr>
+          <p:cNvPr id="2" name="Content Placeholder 1"/>
+          <p:cNvSpPr>
+            <a:spLocks noGrp="1"/>
+          </p:cNvSpPr>
+          <p:nvPr>
+            <p:ph idx="1"/>
+          </p:nvPr>
+        </p:nvSpPr>
+        <p:spPr/>
+        <p:txBody>
+          <a:bodyPr/>
+          <a:lstStyle/>
+          <a:p>
+            <a:r>
+              <a:rPr lang="en-US" dirty="0" smtClean="0"/>
+              <a:t>SQLite database</a:t>
+            </a:r>
+          </a:p>
+          <a:p>
+            <a:pPr lvl="1"/>
+            <a:r>
+              <a:rPr lang="en-US" dirty="0" smtClean="0"/>
+              <a:t>Install SQLite using </a:t>
+            </a:r>
+            <a:r>
+              <a:rPr lang="en-US" dirty="0" err="1" smtClean="0"/>
+              <a:t>NuGet</a:t>
+            </a:r>
+            <a:endParaRPr lang="en-US" dirty="0" smtClean="0"/>
+          </a:p>
+          <a:p>
+            <a:pPr lvl="1"/>
+            <a:r>
+              <a:rPr lang="en-US" dirty="0" smtClean="0"/>
+              <a:t>Create </a:t>
+            </a:r>
+            <a:r>
+              <a:rPr lang="en-US" dirty="0" err="1" smtClean="0"/>
+              <a:t>DatabaseService</a:t>
+            </a:r>
+            <a:r>
+              <a:rPr lang="en-US" dirty="0" smtClean="0"/>
+              <a:t> (client-side) to access database</a:t>
+            </a:r>
+          </a:p>
+          <a:p>
+            <a:pPr lvl="1"/>
+            <a:r>
+              <a:rPr lang="en-US" dirty="0" smtClean="0"/>
+              <a:t>Full LINQ support to query/select/manipulate data</a:t>
+            </a:r>
+            <a:endParaRPr lang="en-US" dirty="0" smtClean="0"/>
+          </a:p>
+          <a:p>
+            <a:endParaRPr lang="en-US" dirty="0" smtClean="0"/>
+          </a:p>
+          <a:p>
+            <a:r>
+              <a:rPr lang="en-US" dirty="0" smtClean="0"/>
+              <a:t>User settings</a:t>
+            </a:r>
+          </a:p>
+          <a:p>
+            <a:pPr lvl="1"/>
+            <a:r>
+              <a:rPr lang="en-US" dirty="0" smtClean="0"/>
+              <a:t>Service (client-side) to load/save settings</a:t>
+            </a:r>
+          </a:p>
+          <a:p>
+            <a:pPr lvl="1"/>
+            <a:r>
+              <a:rPr lang="en-US" dirty="0" err="1" smtClean="0"/>
+              <a:t>ViewModel</a:t>
+            </a:r>
+            <a:r>
+              <a:rPr lang="en-US" dirty="0" smtClean="0"/>
+              <a:t> revealing both username and password</a:t>
+            </a:r>
+          </a:p>
+          <a:p>
+            <a:pPr lvl="1"/>
+            <a:r>
+              <a:rPr lang="en-US" dirty="0" smtClean="0"/>
+              <a:t>Use password from user settings within encryption service</a:t>
+            </a:r>
+            <a:endParaRPr lang="en-US" dirty="0" smtClean="0"/>
+          </a:p>
+        </p:txBody>
+      </p:sp>
+      <p:sp>
+        <p:nvSpPr>
+          <p:cNvPr id="3" name="Title 2"/>
+          <p:cNvSpPr>
+            <a:spLocks noGrp="1"/>
+          </p:cNvSpPr>
+          <p:nvPr>
+            <p:ph type="title"/>
+          </p:nvPr>
+        </p:nvSpPr>
+        <p:spPr/>
+        <p:txBody>
+          <a:bodyPr/>
+          <a:lstStyle/>
+          <a:p>
+            <a:pPr lvl="0"/>
+            <a:r>
+              <a:rPr lang="en-US" dirty="0" smtClean="0"/>
+              <a:t>User Settings</a:t>
+            </a:r>
+            <a:endParaRPr lang="en-US" dirty="0"/>
+          </a:p>
+        </p:txBody>
+      </p:sp>
+      <p:sp>
+        <p:nvSpPr>
+          <p:cNvPr id="5" name="Footer Placeholder 4"/>
+          <p:cNvSpPr>
+            <a:spLocks noGrp="1"/>
+          </p:cNvSpPr>
+          <p:nvPr>
+            <p:ph type="ftr" sz="quarter" idx="11"/>
+          </p:nvPr>
+        </p:nvSpPr>
+        <p:spPr/>
+        <p:txBody>
+          <a:bodyPr/>
+          <a:lstStyle/>
+          <a:p>
+            <a:r>
               <a:rPr lang="en-US" smtClean="0"/>
               <a:t>Cross-platform Mobile Development | Ursin Brunner, Stefan Schöb, Oliver Brack</a:t>
             </a:r>
@@ -12904,7 +14163,7 @@
             </a:r>
             <a:fld id="{80A3D6BB-8BCA-4B24-9E9B-FFF3E06677AE}" type="slidenum">
               <a:rPr lang="de-CH" smtClean="0"/>
-              <a:t>21</a:t>
+              <a:t>22</a:t>
             </a:fld>
             <a:endParaRPr lang="de-CH" dirty="0"/>
           </a:p>
@@ -13038,7 +14297,7 @@
 </p:sld>
 </file>
 
-<file path=ppt/slides/slide22.xml><?xml version="1.0" encoding="utf-8"?>
+<file path=ppt/slides/slide23.xml><?xml version="1.0" encoding="utf-8"?>
 <p:sld xmlns:a="http://schemas.openxmlformats.org/drawingml/2006/main" xmlns:r="http://schemas.openxmlformats.org/officeDocument/2006/relationships" xmlns:p="http://schemas.openxmlformats.org/presentationml/2006/main">
   <p:cSld>
     <p:spTree>
@@ -13184,7 +14443,7 @@
             </a:r>
             <a:fld id="{EA382A82-52C3-4CAB-89F1-38331029E314}" type="slidenum">
               <a:rPr lang="de-CH" smtClean="0"/>
-              <a:t>22</a:t>
+              <a:t>23</a:t>
             </a:fld>
             <a:endParaRPr lang="de-CH" dirty="0"/>
           </a:p>
@@ -13194,170 +14453,6 @@
     <p:extLst>
       <p:ext uri="{BB962C8B-B14F-4D97-AF65-F5344CB8AC3E}">
         <p14:creationId xmlns:p14="http://schemas.microsoft.com/office/powerpoint/2010/main" val="3639459524"/>
-      </p:ext>
-    </p:extLst>
-  </p:cSld>
-  <p:clrMapOvr>
-    <a:masterClrMapping/>
-  </p:clrMapOvr>
-  <p:timing>
-    <p:tnLst>
-      <p:par>
-        <p:cTn id="1" dur="indefinite" restart="never" nodeType="tmRoot"/>
-      </p:par>
-    </p:tnLst>
-  </p:timing>
-</p:sld>
-</file>
-
-<file path=ppt/slides/slide23.xml><?xml version="1.0" encoding="utf-8"?>
-<p:sld xmlns:a="http://schemas.openxmlformats.org/drawingml/2006/main" xmlns:r="http://schemas.openxmlformats.org/officeDocument/2006/relationships" xmlns:p="http://schemas.openxmlformats.org/presentationml/2006/main">
-  <p:cSld>
-    <p:spTree>
-      <p:nvGrpSpPr>
-        <p:cNvPr id="1" name=""/>
-        <p:cNvGrpSpPr/>
-        <p:nvPr/>
-      </p:nvGrpSpPr>
-      <p:grpSpPr>
-        <a:xfrm>
-          <a:off x="0" y="0"/>
-          <a:ext cx="0" cy="0"/>
-          <a:chOff x="0" y="0"/>
-          <a:chExt cx="0" cy="0"/>
-        </a:xfrm>
-      </p:grpSpPr>
-      <p:sp>
-        <p:nvSpPr>
-          <p:cNvPr id="9" name="Title 8"/>
-          <p:cNvSpPr>
-            <a:spLocks noGrp="1"/>
-          </p:cNvSpPr>
-          <p:nvPr>
-            <p:ph type="title"/>
-          </p:nvPr>
-        </p:nvSpPr>
-        <p:spPr/>
-        <p:txBody>
-          <a:bodyPr/>
-          <a:lstStyle/>
-          <a:p>
-            <a:r>
-              <a:rPr lang="en-US" dirty="0" err="1"/>
-              <a:t>myBosch</a:t>
-            </a:r>
-            <a:r>
-              <a:rPr lang="en-US" dirty="0"/>
-              <a:t> App: Experiences</a:t>
-            </a:r>
-          </a:p>
-        </p:txBody>
-      </p:sp>
-      <p:sp>
-        <p:nvSpPr>
-          <p:cNvPr id="10" name="Text Placeholder 9"/>
-          <p:cNvSpPr>
-            <a:spLocks noGrp="1"/>
-          </p:cNvSpPr>
-          <p:nvPr>
-            <p:ph type="body" idx="1"/>
-          </p:nvPr>
-        </p:nvSpPr>
-        <p:spPr/>
-        <p:txBody>
-          <a:bodyPr/>
-          <a:lstStyle/>
-          <a:p>
-            <a:r>
-              <a:rPr lang="en-US" dirty="0" smtClean="0"/>
-              <a:t>Kerry Lothrop</a:t>
-            </a:r>
-            <a:endParaRPr lang="en-US" dirty="0"/>
-          </a:p>
-        </p:txBody>
-      </p:sp>
-      <p:sp>
-        <p:nvSpPr>
-          <p:cNvPr id="5" name="Footer Placeholder 4"/>
-          <p:cNvSpPr>
-            <a:spLocks noGrp="1"/>
-          </p:cNvSpPr>
-          <p:nvPr>
-            <p:ph type="ftr" sz="quarter" idx="4294967295"/>
-          </p:nvPr>
-        </p:nvSpPr>
-        <p:spPr>
-          <a:xfrm>
-            <a:off x="0" y="6673850"/>
-            <a:ext cx="4989513" cy="106363"/>
-          </a:xfrm>
-        </p:spPr>
-        <p:txBody>
-          <a:bodyPr/>
-          <a:lstStyle/>
-          <a:p>
-            <a:r>
-              <a:rPr lang="en-US" smtClean="0"/>
-              <a:t>Cross-platform Mobile Development | Ursin Brunner, Stefan Schöb, Oliver Brack</a:t>
-            </a:r>
-            <a:endParaRPr lang="en-US" dirty="0"/>
-          </a:p>
-        </p:txBody>
-      </p:sp>
-      <p:sp>
-        <p:nvSpPr>
-          <p:cNvPr id="6" name="Date Placeholder 5"/>
-          <p:cNvSpPr>
-            <a:spLocks noGrp="1"/>
-          </p:cNvSpPr>
-          <p:nvPr>
-            <p:ph type="dt" sz="half" idx="10"/>
-          </p:nvPr>
-        </p:nvSpPr>
-        <p:spPr/>
-        <p:txBody>
-          <a:bodyPr/>
-          <a:lstStyle/>
-          <a:p>
-            <a:r>
-              <a:rPr lang="de-CH" smtClean="0"/>
-              <a:t>26. September 2013</a:t>
-            </a:r>
-            <a:endParaRPr lang="de-CH" dirty="0"/>
-          </a:p>
-        </p:txBody>
-      </p:sp>
-      <p:sp>
-        <p:nvSpPr>
-          <p:cNvPr id="7" name="Slide Number Placeholder 6"/>
-          <p:cNvSpPr>
-            <a:spLocks noGrp="1"/>
-          </p:cNvSpPr>
-          <p:nvPr>
-            <p:ph type="sldNum" sz="quarter" idx="12"/>
-          </p:nvPr>
-        </p:nvSpPr>
-        <p:spPr/>
-        <p:txBody>
-          <a:bodyPr/>
-          <a:lstStyle/>
-          <a:p>
-            <a:r>
-              <a:rPr lang="de-CH" smtClean="0"/>
-              <a:t>Slide </a:t>
-            </a:r>
-            <a:fld id="{7B09883B-D8DA-4C40-AD18-6B0B2D9537FF}" type="slidenum">
-              <a:rPr lang="de-CH" smtClean="0"/>
-              <a:t>23</a:t>
-            </a:fld>
-            <a:endParaRPr lang="de-CH" dirty="0"/>
-          </a:p>
-        </p:txBody>
-      </p:sp>
-    </p:spTree>
-    <p:extLst>
-      <p:ext uri="{BB962C8B-B14F-4D97-AF65-F5344CB8AC3E}">
-        <p14:creationId xmlns:p14="http://schemas.microsoft.com/office/powerpoint/2010/main" val="248274490"/>
       </p:ext>
     </p:extLst>
   </p:cSld>
@@ -13407,16 +14502,12 @@
           <a:lstStyle/>
           <a:p>
             <a:r>
+              <a:rPr lang="en-US" dirty="0" err="1"/>
+              <a:t>myBosch</a:t>
+            </a:r>
+            <a:r>
               <a:rPr lang="en-US" dirty="0"/>
-              <a:t>Zühlke as </a:t>
-            </a:r>
-            <a:r>
-              <a:rPr lang="en-US" dirty="0" err="1"/>
-              <a:t>Xamarin’s</a:t>
-            </a:r>
-            <a:r>
-              <a:rPr lang="en-US" dirty="0"/>
-              <a:t> Premium Consulting Partner</a:t>
+              <a:t> App: Experiences</a:t>
             </a:r>
           </a:p>
         </p:txBody>
@@ -13433,12 +14524,40 @@
         </p:nvSpPr>
         <p:spPr/>
         <p:txBody>
-          <a:bodyPr anchor="b"/>
+          <a:bodyPr/>
           <a:lstStyle/>
           <a:p>
             <a:r>
               <a:rPr lang="en-US" dirty="0" smtClean="0"/>
-              <a:t>Klaus Liebe</a:t>
+              <a:t>Kerry Lothrop</a:t>
+            </a:r>
+            <a:endParaRPr lang="en-US" dirty="0"/>
+          </a:p>
+        </p:txBody>
+      </p:sp>
+      <p:sp>
+        <p:nvSpPr>
+          <p:cNvPr id="5" name="Footer Placeholder 4"/>
+          <p:cNvSpPr>
+            <a:spLocks noGrp="1"/>
+          </p:cNvSpPr>
+          <p:nvPr>
+            <p:ph type="ftr" sz="quarter" idx="4294967295"/>
+          </p:nvPr>
+        </p:nvSpPr>
+        <p:spPr>
+          <a:xfrm>
+            <a:off x="0" y="6673850"/>
+            <a:ext cx="4989513" cy="106363"/>
+          </a:xfrm>
+        </p:spPr>
+        <p:txBody>
+          <a:bodyPr/>
+          <a:lstStyle/>
+          <a:p>
+            <a:r>
+              <a:rPr lang="en-US" smtClean="0"/>
+              <a:t>Cross-platform Mobile Development | Ursin Brunner, Stefan Schöb, Oliver Brack</a:t>
             </a:r>
             <a:endParaRPr lang="en-US" dirty="0"/>
           </a:p>
@@ -13486,9 +14605,149 @@
               <a:rPr lang="de-CH" smtClean="0"/>
               <a:t>Slide </a:t>
             </a:r>
+            <a:fld id="{7B09883B-D8DA-4C40-AD18-6B0B2D9537FF}" type="slidenum">
+              <a:rPr lang="de-CH" smtClean="0"/>
+              <a:t>24</a:t>
+            </a:fld>
+            <a:endParaRPr lang="de-CH" dirty="0"/>
+          </a:p>
+        </p:txBody>
+      </p:sp>
+    </p:spTree>
+    <p:extLst>
+      <p:ext uri="{BB962C8B-B14F-4D97-AF65-F5344CB8AC3E}">
+        <p14:creationId xmlns:p14="http://schemas.microsoft.com/office/powerpoint/2010/main" val="248274490"/>
+      </p:ext>
+    </p:extLst>
+  </p:cSld>
+  <p:clrMapOvr>
+    <a:masterClrMapping/>
+  </p:clrMapOvr>
+  <p:timing>
+    <p:tnLst>
+      <p:par>
+        <p:cTn id="1" dur="indefinite" restart="never" nodeType="tmRoot"/>
+      </p:par>
+    </p:tnLst>
+  </p:timing>
+</p:sld>
+</file>
+
+<file path=ppt/slides/slide25.xml><?xml version="1.0" encoding="utf-8"?>
+<p:sld xmlns:a="http://schemas.openxmlformats.org/drawingml/2006/main" xmlns:r="http://schemas.openxmlformats.org/officeDocument/2006/relationships" xmlns:p="http://schemas.openxmlformats.org/presentationml/2006/main">
+  <p:cSld>
+    <p:spTree>
+      <p:nvGrpSpPr>
+        <p:cNvPr id="1" name=""/>
+        <p:cNvGrpSpPr/>
+        <p:nvPr/>
+      </p:nvGrpSpPr>
+      <p:grpSpPr>
+        <a:xfrm>
+          <a:off x="0" y="0"/>
+          <a:ext cx="0" cy="0"/>
+          <a:chOff x="0" y="0"/>
+          <a:chExt cx="0" cy="0"/>
+        </a:xfrm>
+      </p:grpSpPr>
+      <p:sp>
+        <p:nvSpPr>
+          <p:cNvPr id="9" name="Title 8"/>
+          <p:cNvSpPr>
+            <a:spLocks noGrp="1"/>
+          </p:cNvSpPr>
+          <p:nvPr>
+            <p:ph type="title"/>
+          </p:nvPr>
+        </p:nvSpPr>
+        <p:spPr/>
+        <p:txBody>
+          <a:bodyPr/>
+          <a:lstStyle/>
+          <a:p>
+            <a:r>
+              <a:rPr lang="en-US" dirty="0"/>
+              <a:t>Zühlke as </a:t>
+            </a:r>
+            <a:r>
+              <a:rPr lang="en-US" dirty="0" err="1"/>
+              <a:t>Xamarin’s</a:t>
+            </a:r>
+            <a:r>
+              <a:rPr lang="en-US" dirty="0"/>
+              <a:t> Premium Consulting Partner</a:t>
+            </a:r>
+          </a:p>
+        </p:txBody>
+      </p:sp>
+      <p:sp>
+        <p:nvSpPr>
+          <p:cNvPr id="10" name="Text Placeholder 9"/>
+          <p:cNvSpPr>
+            <a:spLocks noGrp="1"/>
+          </p:cNvSpPr>
+          <p:nvPr>
+            <p:ph type="body" idx="1"/>
+          </p:nvPr>
+        </p:nvSpPr>
+        <p:spPr/>
+        <p:txBody>
+          <a:bodyPr anchor="b"/>
+          <a:lstStyle/>
+          <a:p>
+            <a:r>
+              <a:rPr lang="en-US" dirty="0" smtClean="0"/>
+              <a:t>Klaus Liebe</a:t>
+            </a:r>
+            <a:endParaRPr lang="en-US" dirty="0"/>
+          </a:p>
+        </p:txBody>
+      </p:sp>
+      <p:sp>
+        <p:nvSpPr>
+          <p:cNvPr id="6" name="Date Placeholder 5"/>
+          <p:cNvSpPr>
+            <a:spLocks noGrp="1"/>
+          </p:cNvSpPr>
+          <p:nvPr>
+            <p:ph type="dt" sz="half" idx="10"/>
+          </p:nvPr>
+        </p:nvSpPr>
+        <p:spPr/>
+        <p:txBody>
+          <a:bodyPr/>
+          <a:lstStyle/>
+          <a:p>
+            <a:r>
+              <a:rPr lang="de-CH" smtClean="0"/>
+              <a:t>26. September 2013</a:t>
+            </a:r>
+            <a:endParaRPr lang="de-CH" dirty="0"/>
+          </a:p>
+        </p:txBody>
+      </p:sp>
+      <p:sp>
+        <p:nvSpPr>
+          <p:cNvPr id="7" name="Slide Number Placeholder 6"/>
+          <p:cNvSpPr>
+            <a:spLocks noGrp="1"/>
+          </p:cNvSpPr>
+          <p:nvPr>
+            <p:ph type="sldNum" sz="quarter" idx="12"/>
+          </p:nvPr>
+        </p:nvSpPr>
+        <p:spPr/>
+        <p:txBody>
+          <a:bodyPr/>
+          <a:lstStyle/>
+          <a:p>
+            <a:r>
+              <a:rPr lang="de-CH" smtClean="0"/>
+              <a:t>Slide </a:t>
+            </a:r>
             <a:fld id="{7481FCEA-C37D-4243-8F22-4CC0415B3695}" type="slidenum">
               <a:rPr lang="de-CH" smtClean="0"/>
-              <a:t>24</a:t>
+              <a:t>25</a:t>
             </a:fld>
             <a:endParaRPr lang="de-CH" dirty="0"/>
           </a:p>
@@ -13514,7 +14773,7 @@
 </p:sld>
 </file>
 
-<file path=ppt/slides/slide25.xml><?xml version="1.0" encoding="utf-8"?>
+<file path=ppt/slides/slide26.xml><?xml version="1.0" encoding="utf-8"?>
 <p:sld xmlns:a="http://schemas.openxmlformats.org/drawingml/2006/main" xmlns:r="http://schemas.openxmlformats.org/officeDocument/2006/relationships" xmlns:p="http://schemas.openxmlformats.org/presentationml/2006/main">
   <p:cSld>
     <p:spTree>
@@ -13662,7 +14921,7 @@
             </a:r>
             <a:fld id="{46E01C9A-4F0E-450E-B8F9-72C16FDD6F64}" type="slidenum">
               <a:rPr lang="de-CH" smtClean="0"/>
-              <a:t>25</a:t>
+              <a:t>26</a:t>
             </a:fld>
             <a:endParaRPr lang="de-CH" dirty="0"/>
           </a:p>
@@ -13688,7 +14947,7 @@
 </p:sld>
 </file>
 
-<file path=ppt/slides/slide26.xml><?xml version="1.0" encoding="utf-8"?>
+<file path=ppt/slides/slide27.xml><?xml version="1.0" encoding="utf-8"?>
 <p:sld xmlns:a="http://schemas.openxmlformats.org/drawingml/2006/main" xmlns:r="http://schemas.openxmlformats.org/officeDocument/2006/relationships" xmlns:p="http://schemas.openxmlformats.org/presentationml/2006/main">
   <p:cSld>
     <p:spTree>
@@ -13755,7 +15014,11 @@
             </a:pPr>
             <a:r>
               <a:rPr lang="en-US" dirty="0" smtClean="0"/>
-              <a:t>About us</a:t>
+              <a:t>About </a:t>
+            </a:r>
+            <a:r>
+              <a:rPr lang="en-US" dirty="0" smtClean="0"/>
+              <a:t>Us</a:t>
             </a:r>
             <a:endParaRPr lang="en-US" dirty="0"/>
           </a:p>
@@ -14149,7 +15412,7 @@
             </a:r>
             <a:fld id="{3A0CAE62-62EF-4FE6-8C36-CD1035D976E5}" type="slidenum">
               <a:rPr lang="de-CH" smtClean="0"/>
-              <a:t>26</a:t>
+              <a:t>27</a:t>
             </a:fld>
             <a:endParaRPr lang="de-CH" dirty="0"/>
           </a:p>
@@ -14218,13 +15481,23 @@
             </a:pPr>
             <a:r>
               <a:rPr lang="en-US" dirty="0" smtClean="0"/>
-              <a:t>Introduction					10’	</a:t>
-            </a:r>
-            <a:r>
-              <a:rPr lang="en-US" dirty="0" err="1" smtClean="0"/>
+              <a:t>Introduction					</a:t>
+            </a:r>
+            <a:r>
+              <a:rPr lang="en-US" dirty="0" smtClean="0">
+                <a:latin typeface="+mn-lt"/>
+              </a:rPr>
+              <a:t>10’	</a:t>
+            </a:r>
+            <a:r>
+              <a:rPr lang="en-US" dirty="0" err="1" smtClean="0">
+                <a:latin typeface="+mn-lt"/>
+              </a:rPr>
               <a:t>olb</a:t>
             </a:r>
-            <a:endParaRPr lang="en-US" dirty="0" smtClean="0"/>
+            <a:endParaRPr lang="en-US" dirty="0" smtClean="0">
+              <a:latin typeface="+mn-lt"/>
+            </a:endParaRPr>
           </a:p>
           <a:p>
             <a:pPr marL="995363" lvl="2" indent="-457200"/>
@@ -14296,21 +15569,35 @@
             </a:r>
             <a:r>
               <a:rPr lang="en-US" dirty="0" smtClean="0"/>
-              <a:t>essenger”	40’	</a:t>
-            </a:r>
-            <a:r>
-              <a:rPr lang="en-US" dirty="0" err="1" smtClean="0"/>
+              <a:t>essenger”	</a:t>
+            </a:r>
+            <a:r>
+              <a:rPr lang="en-US" dirty="0" smtClean="0">
+                <a:latin typeface="+mn-lt"/>
+              </a:rPr>
+              <a:t>40’	</a:t>
+            </a:r>
+            <a:r>
+              <a:rPr lang="en-US" dirty="0" err="1" smtClean="0">
+                <a:latin typeface="+mn-lt"/>
+              </a:rPr>
               <a:t>ssh</a:t>
             </a:r>
             <a:r>
-              <a:rPr lang="en-US" dirty="0" smtClean="0"/>
+              <a:rPr lang="en-US" dirty="0" smtClean="0">
+                <a:latin typeface="+mn-lt"/>
+              </a:rPr>
               <a:t>/</a:t>
             </a:r>
             <a:r>
-              <a:rPr lang="en-US" dirty="0" err="1" smtClean="0"/>
+              <a:rPr lang="en-US" dirty="0" err="1" smtClean="0">
+                <a:latin typeface="+mn-lt"/>
+              </a:rPr>
               <a:t>urb</a:t>
             </a:r>
-            <a:endParaRPr lang="en-US" dirty="0" smtClean="0"/>
+            <a:endParaRPr lang="en-US" dirty="0" smtClean="0">
+              <a:latin typeface="+mn-lt"/>
+            </a:endParaRPr>
           </a:p>
           <a:p>
             <a:pPr marL="457200" indent="-457200">
@@ -14333,13 +15620,23 @@
             </a:r>
             <a:r>
               <a:rPr lang="en-US" dirty="0" smtClean="0"/>
-              <a:t> App: Experiences				5’	</a:t>
-            </a:r>
-            <a:r>
-              <a:rPr lang="en-US" dirty="0" err="1" smtClean="0"/>
+              <a:t> App: Experiences				</a:t>
+            </a:r>
+            <a:r>
+              <a:rPr lang="en-US" dirty="0" smtClean="0">
+                <a:latin typeface="+mn-lt"/>
+              </a:rPr>
+              <a:t>5’	</a:t>
+            </a:r>
+            <a:r>
+              <a:rPr lang="en-US" dirty="0" err="1" smtClean="0">
+                <a:latin typeface="+mn-lt"/>
+              </a:rPr>
               <a:t>kwl</a:t>
             </a:r>
-            <a:endParaRPr lang="en-US" dirty="0" smtClean="0"/>
+            <a:endParaRPr lang="en-US" dirty="0" smtClean="0">
+              <a:latin typeface="+mn-lt"/>
+            </a:endParaRPr>
           </a:p>
           <a:p>
             <a:pPr marL="457200" indent="-457200">
@@ -14360,13 +15657,23 @@
             </a:r>
             <a:r>
               <a:rPr lang="en-US" dirty="0" smtClean="0"/>
-              <a:t>Partner	5’	</a:t>
-            </a:r>
-            <a:r>
-              <a:rPr lang="en-US" dirty="0" err="1" smtClean="0"/>
+              <a:t>Partner	</a:t>
+            </a:r>
+            <a:r>
+              <a:rPr lang="en-US" dirty="0" smtClean="0">
+                <a:latin typeface="+mn-lt"/>
+              </a:rPr>
+              <a:t>5’	</a:t>
+            </a:r>
+            <a:r>
+              <a:rPr lang="en-US" dirty="0" err="1" smtClean="0">
+                <a:latin typeface="+mn-lt"/>
+              </a:rPr>
               <a:t>kls</a:t>
             </a:r>
-            <a:endParaRPr lang="en-US" dirty="0" smtClean="0"/>
+            <a:endParaRPr lang="en-US" dirty="0" smtClean="0">
+              <a:latin typeface="+mn-lt"/>
+            </a:endParaRPr>
           </a:p>
           <a:p>
             <a:pPr marL="457200" indent="-457200">
@@ -14375,7 +15682,13 @@
             </a:pPr>
             <a:r>
               <a:rPr lang="en-US" dirty="0" smtClean="0"/>
-              <a:t>Discussion						20’</a:t>
+              <a:t>Discussion						</a:t>
+            </a:r>
+            <a:r>
+              <a:rPr lang="en-US" dirty="0" smtClean="0">
+                <a:latin typeface="+mn-lt"/>
+              </a:rPr>
+              <a:t>20’</a:t>
             </a:r>
           </a:p>
           <a:p>
@@ -14385,13 +15698,23 @@
             </a:pPr>
             <a:r>
               <a:rPr lang="en-US" dirty="0" smtClean="0"/>
-              <a:t>Wrap-up						5’	</a:t>
-            </a:r>
-            <a:r>
-              <a:rPr lang="en-US" dirty="0" err="1" smtClean="0"/>
+              <a:t>Wrap-up						</a:t>
+            </a:r>
+            <a:r>
+              <a:rPr lang="en-US" dirty="0" smtClean="0">
+                <a:latin typeface="+mn-lt"/>
+              </a:rPr>
+              <a:t>5’	</a:t>
+            </a:r>
+            <a:r>
+              <a:rPr lang="en-US" dirty="0" err="1" smtClean="0">
+                <a:latin typeface="+mn-lt"/>
+              </a:rPr>
               <a:t>olb</a:t>
             </a:r>
-            <a:endParaRPr lang="en-US" dirty="0"/>
+            <a:endParaRPr lang="en-US" dirty="0">
+              <a:latin typeface="+mn-lt"/>
+            </a:endParaRPr>
           </a:p>
         </p:txBody>
       </p:sp>
@@ -16561,7 +17884,13 @@
               <a:rPr lang="en-US" sz="2200" dirty="0" smtClean="0">
                 <a:latin typeface="AA Zuehlke" pitchFamily="2" charset="0"/>
               </a:rPr>
-              <a:t>Hardware</a:t>
+              <a:t>Hardware support</a:t>
+            </a:r>
+            <a:r>
+              <a:rPr lang="en-US" sz="2200" dirty="0" smtClean="0">
+                <a:latin typeface="AA Zuehlke" pitchFamily="2" charset="0"/>
+              </a:rPr>
+              <a:t/>
             </a:r>
             <a:br>
               <a:rPr lang="en-US" sz="2200" dirty="0" smtClean="0">
@@ -17302,11 +18631,7 @@
             </a:r>
             <a:r>
               <a:rPr lang="en-US" sz="1000" dirty="0" smtClean="0"/>
-              <a:t>, </a:t>
-            </a:r>
-            <a:r>
-              <a:rPr lang="en-US" sz="1000" dirty="0" smtClean="0"/>
-              <a:t>2012</a:t>
+              <a:t>, 2012</a:t>
             </a:r>
           </a:p>
         </p:txBody>
@@ -19699,7 +21024,7 @@
                   <a:schemeClr val="bg1"/>
                 </a:solidFill>
               </a:rPr>
-              <a:t>Initial Position</a:t>
+              <a:t>Team Roles</a:t>
             </a:r>
             <a:endParaRPr lang="en-US" dirty="0">
               <a:solidFill>
@@ -19711,6 +21036,502 @@
       </p:sp>
       <p:sp>
         <p:nvSpPr>
+          <p:cNvPr id="6" name="Footer Placeholder 5"/>
+          <p:cNvSpPr>
+            <a:spLocks noGrp="1"/>
+          </p:cNvSpPr>
+          <p:nvPr>
+            <p:ph type="ftr" sz="quarter" idx="11"/>
+          </p:nvPr>
+        </p:nvSpPr>
+        <p:spPr/>
+        <p:txBody>
+          <a:bodyPr/>
+          <a:lstStyle/>
+          <a:p>
+            <a:r>
+              <a:rPr lang="en-US" smtClean="0"/>
+              <a:t>Cross-platform Mobile Development | Ursin Brunner, Stefan Schöb, Oliver Brack</a:t>
+            </a:r>
+            <a:endParaRPr lang="en-US" dirty="0"/>
+          </a:p>
+        </p:txBody>
+      </p:sp>
+      <p:pic>
+        <p:nvPicPr>
+          <p:cNvPr id="22" name="Logo" descr="C:\Users\Luc Benninger\Desktop\Zuehlke_Logo_rgb_300dpi.png"/>
+          <p:cNvPicPr>
+            <a:picLocks noChangeArrowheads="1"/>
+          </p:cNvPicPr>
+          <p:nvPr>
+            <p:custDataLst>
+              <p:tags r:id="rId1"/>
+            </p:custDataLst>
+          </p:nvPr>
+        </p:nvPicPr>
+        <p:blipFill>
+          <a:blip r:embed="rId3" cstate="print">
+            <a:extLst>
+              <a:ext uri="{28A0092B-C50C-407E-A947-70E740481C1C}">
+                <a14:useLocalDpi xmlns:a14="http://schemas.microsoft.com/office/drawing/2010/main" val="0"/>
+              </a:ext>
+            </a:extLst>
+          </a:blip>
+          <a:srcRect/>
+          <a:stretch>
+            <a:fillRect/>
+          </a:stretch>
+        </p:blipFill>
+        <p:spPr bwMode="auto">
+          <a:xfrm>
+            <a:off x="6567488" y="292100"/>
+            <a:ext cx="1141412" cy="1141412"/>
+          </a:xfrm>
+          <a:prstGeom prst="rect">
+            <a:avLst/>
+          </a:prstGeom>
+          <a:noFill/>
+          <a:extLst>
+            <a:ext uri="{909E8E84-426E-40DD-AFC4-6F175D3DCCD1}">
+              <a14:hiddenFill xmlns:a14="http://schemas.microsoft.com/office/drawing/2010/main">
+                <a:solidFill>
+                  <a:srgbClr val="FFFFFF"/>
+                </a:solidFill>
+              </a14:hiddenFill>
+            </a:ext>
+          </a:extLst>
+        </p:spPr>
+      </p:pic>
+      <p:sp>
+        <p:nvSpPr>
+          <p:cNvPr id="14" name="Date Placeholder 13"/>
+          <p:cNvSpPr>
+            <a:spLocks noGrp="1"/>
+          </p:cNvSpPr>
+          <p:nvPr>
+            <p:ph type="dt" sz="half" idx="10"/>
+          </p:nvPr>
+        </p:nvSpPr>
+        <p:spPr/>
+        <p:txBody>
+          <a:bodyPr/>
+          <a:lstStyle/>
+          <a:p>
+            <a:r>
+              <a:rPr lang="en-US" smtClean="0"/>
+              <a:t>26. September 2013</a:t>
+            </a:r>
+            <a:endParaRPr lang="de-CH" dirty="0"/>
+          </a:p>
+        </p:txBody>
+      </p:sp>
+      <p:sp>
+        <p:nvSpPr>
+          <p:cNvPr id="2" name="Slide Number Placeholder 1"/>
+          <p:cNvSpPr>
+            <a:spLocks noGrp="1"/>
+          </p:cNvSpPr>
+          <p:nvPr>
+            <p:ph type="sldNum" sz="quarter" idx="12"/>
+          </p:nvPr>
+        </p:nvSpPr>
+        <p:spPr/>
+        <p:txBody>
+          <a:bodyPr/>
+          <a:lstStyle/>
+          <a:p>
+            <a:r>
+              <a:rPr lang="de-CH" smtClean="0"/>
+              <a:t>Slide </a:t>
+            </a:r>
+            <a:fld id="{B4A0E5B1-79FC-4B47-9748-810F1C93ADDA}" type="slidenum">
+              <a:rPr lang="de-CH" smtClean="0"/>
+              <a:t>7</a:t>
+            </a:fld>
+            <a:endParaRPr lang="de-CH" dirty="0"/>
+          </a:p>
+        </p:txBody>
+      </p:sp>
+      <p:pic>
+        <p:nvPicPr>
+          <p:cNvPr id="19" name="Picture 18"/>
+          <p:cNvPicPr>
+            <a:picLocks noChangeAspect="1"/>
+          </p:cNvPicPr>
+          <p:nvPr/>
+        </p:nvPicPr>
+        <p:blipFill>
+          <a:blip r:embed="rId4" cstate="print">
+            <a:extLst>
+              <a:ext uri="{28A0092B-C50C-407E-A947-70E740481C1C}">
+                <a14:useLocalDpi xmlns:a14="http://schemas.microsoft.com/office/drawing/2010/main" val="0"/>
+              </a:ext>
+            </a:extLst>
+          </a:blip>
+          <a:stretch>
+            <a:fillRect/>
+          </a:stretch>
+        </p:blipFill>
+        <p:spPr>
+          <a:xfrm>
+            <a:off x="161515" y="1583170"/>
+            <a:ext cx="1620000" cy="1620000"/>
+          </a:xfrm>
+          <a:prstGeom prst="rect">
+            <a:avLst/>
+          </a:prstGeom>
+        </p:spPr>
+      </p:pic>
+      <p:pic>
+        <p:nvPicPr>
+          <p:cNvPr id="20" name="Picture 19"/>
+          <p:cNvPicPr>
+            <a:picLocks noChangeAspect="1"/>
+          </p:cNvPicPr>
+          <p:nvPr/>
+        </p:nvPicPr>
+        <p:blipFill>
+          <a:blip r:embed="rId5" cstate="print">
+            <a:extLst>
+              <a:ext uri="{28A0092B-C50C-407E-A947-70E740481C1C}">
+                <a14:useLocalDpi xmlns:a14="http://schemas.microsoft.com/office/drawing/2010/main" val="0"/>
+              </a:ext>
+            </a:extLst>
+          </a:blip>
+          <a:stretch>
+            <a:fillRect/>
+          </a:stretch>
+        </p:blipFill>
+        <p:spPr>
+          <a:xfrm>
+            <a:off x="161515" y="4945716"/>
+            <a:ext cx="1620000" cy="1620000"/>
+          </a:xfrm>
+          <a:prstGeom prst="rect">
+            <a:avLst/>
+          </a:prstGeom>
+        </p:spPr>
+      </p:pic>
+      <p:pic>
+        <p:nvPicPr>
+          <p:cNvPr id="23" name="Picture 22"/>
+          <p:cNvPicPr>
+            <a:picLocks noChangeAspect="1"/>
+          </p:cNvPicPr>
+          <p:nvPr/>
+        </p:nvPicPr>
+        <p:blipFill>
+          <a:blip r:embed="rId6" cstate="print">
+            <a:extLst>
+              <a:ext uri="{28A0092B-C50C-407E-A947-70E740481C1C}">
+                <a14:useLocalDpi xmlns:a14="http://schemas.microsoft.com/office/drawing/2010/main" val="0"/>
+              </a:ext>
+            </a:extLst>
+          </a:blip>
+          <a:stretch>
+            <a:fillRect/>
+          </a:stretch>
+        </p:blipFill>
+        <p:spPr>
+          <a:xfrm>
+            <a:off x="161515" y="3264443"/>
+            <a:ext cx="1620000" cy="1620000"/>
+          </a:xfrm>
+          <a:prstGeom prst="rect">
+            <a:avLst/>
+          </a:prstGeom>
+        </p:spPr>
+      </p:pic>
+      <p:sp>
+        <p:nvSpPr>
+          <p:cNvPr id="24" name="TextBox 23"/>
+          <p:cNvSpPr txBox="1"/>
+          <p:nvPr/>
+        </p:nvSpPr>
+        <p:spPr>
+          <a:xfrm>
+            <a:off x="1791730" y="1860642"/>
+            <a:ext cx="1924803" cy="1346402"/>
+          </a:xfrm>
+          <a:prstGeom prst="rect">
+            <a:avLst/>
+          </a:prstGeom>
+          <a:noFill/>
+        </p:spPr>
+        <p:txBody>
+          <a:bodyPr wrap="none" bIns="0" rtlCol="0" anchor="b">
+            <a:noAutofit/>
+          </a:bodyPr>
+          <a:lstStyle/>
+          <a:p>
+            <a:r>
+              <a:rPr lang="en-US" sz="2200" dirty="0" smtClean="0">
+                <a:latin typeface="+mj-lt"/>
+              </a:rPr>
+              <a:t>Oliver Brack</a:t>
+            </a:r>
+            <a:endParaRPr lang="en-US" sz="2200" dirty="0" smtClean="0">
+              <a:latin typeface="+mj-lt"/>
+            </a:endParaRPr>
+          </a:p>
+          <a:p>
+            <a:r>
+              <a:rPr lang="en-US" sz="2200" dirty="0" smtClean="0">
+                <a:latin typeface="AA Zuehlke" pitchFamily="2" charset="0"/>
+              </a:rPr>
+              <a:t>Project Owner</a:t>
+            </a:r>
+            <a:endParaRPr lang="en-US" sz="2200" dirty="0" smtClean="0">
+              <a:latin typeface="AA Zuehlke" pitchFamily="2" charset="0"/>
+            </a:endParaRPr>
+          </a:p>
+        </p:txBody>
+      </p:sp>
+      <p:sp>
+        <p:nvSpPr>
+          <p:cNvPr id="25" name="TextBox 24"/>
+          <p:cNvSpPr txBox="1"/>
+          <p:nvPr/>
+        </p:nvSpPr>
+        <p:spPr>
+          <a:xfrm>
+            <a:off x="1791729" y="3539163"/>
+            <a:ext cx="1924803" cy="1346402"/>
+          </a:xfrm>
+          <a:prstGeom prst="rect">
+            <a:avLst/>
+          </a:prstGeom>
+          <a:noFill/>
+        </p:spPr>
+        <p:txBody>
+          <a:bodyPr wrap="none" bIns="0" rtlCol="0" anchor="b">
+            <a:noAutofit/>
+          </a:bodyPr>
+          <a:lstStyle/>
+          <a:p>
+            <a:r>
+              <a:rPr lang="en-US" sz="2200" dirty="0" smtClean="0">
+                <a:latin typeface="+mj-lt"/>
+              </a:rPr>
+              <a:t>Stefan </a:t>
+            </a:r>
+            <a:r>
+              <a:rPr lang="en-US" sz="2200" dirty="0" err="1" smtClean="0">
+                <a:latin typeface="+mj-lt"/>
+              </a:rPr>
+              <a:t>Schöb</a:t>
+            </a:r>
+            <a:endParaRPr lang="en-US" sz="2200" dirty="0" smtClean="0">
+              <a:latin typeface="+mj-lt"/>
+            </a:endParaRPr>
+          </a:p>
+          <a:p>
+            <a:r>
+              <a:rPr lang="en-US" sz="2200" dirty="0" smtClean="0">
+                <a:latin typeface="AA Zuehlke" pitchFamily="2" charset="0"/>
+              </a:rPr>
+              <a:t>Android Developer</a:t>
+            </a:r>
+            <a:endParaRPr lang="en-US" sz="2200" dirty="0" smtClean="0">
+              <a:latin typeface="AA Zuehlke" pitchFamily="2" charset="0"/>
+            </a:endParaRPr>
+          </a:p>
+          <a:p>
+            <a:r>
+              <a:rPr lang="en-US" sz="2200" dirty="0" smtClean="0">
+                <a:latin typeface="AA Zuehlke" pitchFamily="2" charset="0"/>
+              </a:rPr>
+              <a:t>Windows</a:t>
+            </a:r>
+            <a:endParaRPr lang="en-US" sz="2200" dirty="0" smtClean="0">
+              <a:latin typeface="AA Zuehlke" pitchFamily="2" charset="0"/>
+            </a:endParaRPr>
+          </a:p>
+        </p:txBody>
+      </p:sp>
+      <p:sp>
+        <p:nvSpPr>
+          <p:cNvPr id="26" name="TextBox 25"/>
+          <p:cNvSpPr txBox="1"/>
+          <p:nvPr/>
+        </p:nvSpPr>
+        <p:spPr>
+          <a:xfrm>
+            <a:off x="1806304" y="5219314"/>
+            <a:ext cx="1924803" cy="1346402"/>
+          </a:xfrm>
+          <a:prstGeom prst="rect">
+            <a:avLst/>
+          </a:prstGeom>
+          <a:noFill/>
+        </p:spPr>
+        <p:txBody>
+          <a:bodyPr wrap="none" bIns="0" rtlCol="0" anchor="b">
+            <a:noAutofit/>
+          </a:bodyPr>
+          <a:lstStyle/>
+          <a:p>
+            <a:r>
+              <a:rPr lang="en-US" sz="2200" dirty="0" smtClean="0">
+                <a:latin typeface="+mj-lt"/>
+              </a:rPr>
+              <a:t>Ursin Brunner</a:t>
+            </a:r>
+            <a:endParaRPr lang="en-US" sz="2200" dirty="0" smtClean="0">
+              <a:latin typeface="+mj-lt"/>
+            </a:endParaRPr>
+          </a:p>
+          <a:p>
+            <a:r>
+              <a:rPr lang="en-US" sz="2200" dirty="0" err="1" smtClean="0">
+                <a:latin typeface="AA Zuehlke" pitchFamily="2" charset="0"/>
+              </a:rPr>
+              <a:t>iOS</a:t>
+            </a:r>
+            <a:r>
+              <a:rPr lang="en-US" sz="2200" dirty="0" smtClean="0">
+                <a:latin typeface="AA Zuehlke" pitchFamily="2" charset="0"/>
+              </a:rPr>
+              <a:t> Developer</a:t>
+            </a:r>
+            <a:endParaRPr lang="en-US" sz="2200" dirty="0" smtClean="0">
+              <a:latin typeface="AA Zuehlke" pitchFamily="2" charset="0"/>
+            </a:endParaRPr>
+          </a:p>
+          <a:p>
+            <a:r>
+              <a:rPr lang="en-US" sz="2200" dirty="0" smtClean="0">
+                <a:latin typeface="AA Zuehlke" pitchFamily="2" charset="0"/>
+              </a:rPr>
+              <a:t>Mac OSX</a:t>
+            </a:r>
+            <a:endParaRPr lang="en-US" sz="2200" dirty="0" smtClean="0">
+              <a:latin typeface="AA Zuehlke" pitchFamily="2" charset="0"/>
+            </a:endParaRPr>
+          </a:p>
+        </p:txBody>
+      </p:sp>
+    </p:spTree>
+    <p:extLst>
+      <p:ext uri="{BB962C8B-B14F-4D97-AF65-F5344CB8AC3E}">
+        <p14:creationId xmlns:p14="http://schemas.microsoft.com/office/powerpoint/2010/main" val="4097332360"/>
+      </p:ext>
+    </p:extLst>
+  </p:cSld>
+  <p:clrMapOvr>
+    <a:masterClrMapping/>
+  </p:clrMapOvr>
+  <p:timing>
+    <p:tnLst>
+      <p:par>
+        <p:cTn id="1" dur="indefinite" restart="never" nodeType="tmRoot"/>
+      </p:par>
+    </p:tnLst>
+  </p:timing>
+</p:sld>
+</file>
+
+<file path=ppt/slides/slide8.xml><?xml version="1.0" encoding="utf-8"?>
+<p:sld xmlns:a="http://schemas.openxmlformats.org/drawingml/2006/main" xmlns:r="http://schemas.openxmlformats.org/officeDocument/2006/relationships" xmlns:p="http://schemas.openxmlformats.org/presentationml/2006/main">
+  <p:cSld>
+    <p:spTree>
+      <p:nvGrpSpPr>
+        <p:cNvPr id="1" name=""/>
+        <p:cNvGrpSpPr/>
+        <p:nvPr/>
+      </p:nvGrpSpPr>
+      <p:grpSpPr>
+        <a:xfrm>
+          <a:off x="0" y="0"/>
+          <a:ext cx="0" cy="0"/>
+          <a:chOff x="0" y="0"/>
+          <a:chExt cx="0" cy="0"/>
+        </a:xfrm>
+      </p:grpSpPr>
+      <p:sp>
+        <p:nvSpPr>
+          <p:cNvPr id="21" name="Rectangle 20"/>
+          <p:cNvSpPr/>
+          <p:nvPr/>
+        </p:nvSpPr>
+        <p:spPr>
+          <a:xfrm>
+            <a:off x="0" y="0"/>
+            <a:ext cx="9144000" cy="1524000"/>
+          </a:xfrm>
+          <a:prstGeom prst="rect">
+            <a:avLst/>
+          </a:prstGeom>
+          <a:solidFill>
+            <a:srgbClr val="FF820A"/>
+          </a:solidFill>
+          <a:ln w="12700">
+            <a:noFill/>
+          </a:ln>
+        </p:spPr>
+        <p:style>
+          <a:lnRef idx="2">
+            <a:schemeClr val="accent1">
+              <a:shade val="50000"/>
+            </a:schemeClr>
+          </a:lnRef>
+          <a:fillRef idx="1">
+            <a:schemeClr val="accent1"/>
+          </a:fillRef>
+          <a:effectRef idx="0">
+            <a:schemeClr val="accent1"/>
+          </a:effectRef>
+          <a:fontRef idx="minor">
+            <a:schemeClr val="lt1"/>
+          </a:fontRef>
+        </p:style>
+        <p:txBody>
+          <a:bodyPr rtlCol="0" anchor="ctr"/>
+          <a:lstStyle/>
+          <a:p>
+            <a:pPr algn="ctr"/>
+            <a:endParaRPr lang="en-US" sz="2200" dirty="0" err="1" smtClean="0">
+              <a:latin typeface="AA Zuehlke" pitchFamily="2" charset="0"/>
+            </a:endParaRPr>
+          </a:p>
+        </p:txBody>
+      </p:sp>
+      <p:sp>
+        <p:nvSpPr>
+          <p:cNvPr id="3" name="Titel 2"/>
+          <p:cNvSpPr>
+            <a:spLocks noGrp="1"/>
+          </p:cNvSpPr>
+          <p:nvPr>
+            <p:ph type="title"/>
+          </p:nvPr>
+        </p:nvSpPr>
+        <p:spPr/>
+        <p:txBody>
+          <a:bodyPr/>
+          <a:lstStyle/>
+          <a:p>
+            <a:pPr eaLnBrk="1" hangingPunct="1">
+              <a:defRPr/>
+            </a:pPr>
+            <a:r>
+              <a:rPr lang="en-US" dirty="0" smtClean="0">
+                <a:solidFill>
+                  <a:schemeClr val="bg1"/>
+                </a:solidFill>
+              </a:rPr>
+              <a:t>Initial Position</a:t>
+            </a:r>
+            <a:endParaRPr lang="en-US" dirty="0">
+              <a:solidFill>
+                <a:schemeClr val="bg1"/>
+              </a:solidFill>
+            </a:endParaRPr>
+          </a:p>
+        </p:txBody>
+      </p:sp>
+      <p:sp>
+        <p:nvSpPr>
           <p:cNvPr id="10242" name="Inhaltsplatzhalter 1"/>
           <p:cNvSpPr>
             <a:spLocks noGrp="1"/>
@@ -19736,14 +21557,11 @@
             <a:pPr lvl="1"/>
             <a:r>
               <a:rPr lang="en-US" dirty="0" smtClean="0"/>
-              <a:t>Customer database</a:t>
-            </a:r>
-          </a:p>
-          <a:p>
-            <a:pPr lvl="1"/>
+              <a:t>Cloud </a:t>
+            </a:r>
             <a:r>
               <a:rPr lang="en-US" dirty="0" smtClean="0"/>
-              <a:t>Cloud service (Azure) providing a </a:t>
+              <a:t>service (Azure) providing a </a:t>
             </a:r>
             <a:r>
               <a:rPr lang="en-US" dirty="0" err="1" smtClean="0"/>
@@ -19751,34 +21569,27 @@
             </a:r>
             <a:r>
               <a:rPr lang="en-US" dirty="0" smtClean="0"/>
-              <a:t> API</a:t>
-            </a:r>
-          </a:p>
-          <a:p>
-            <a:pPr lvl="1"/>
-            <a:r>
-              <a:rPr lang="en-US" dirty="0" smtClean="0">
-                <a:solidFill>
-                  <a:schemeClr val="accent1"/>
-                </a:solidFill>
-              </a:rPr>
-              <a:t>Business layer (.NET) for using services</a:t>
-            </a:r>
-            <a:br>
-              <a:rPr lang="en-US" dirty="0" smtClean="0">
-                <a:solidFill>
-                  <a:schemeClr val="accent1"/>
-                </a:solidFill>
-              </a:rPr>
-            </a:br>
-            <a:r>
-              <a:rPr lang="en-US" dirty="0" smtClean="0">
-                <a:solidFill>
-                  <a:schemeClr val="accent1"/>
-                </a:solidFill>
-              </a:rPr>
-              <a:t>as Portable Class Library (PCL)</a:t>
-            </a:r>
+              <a:t> </a:t>
+            </a:r>
+            <a:r>
+              <a:rPr lang="en-US" dirty="0" smtClean="0"/>
+              <a:t>API</a:t>
+            </a:r>
+          </a:p>
+          <a:p>
+            <a:pPr lvl="2"/>
+            <a:r>
+              <a:rPr lang="en-US" dirty="0" smtClean="0"/>
+              <a:t>Get users</a:t>
+            </a:r>
+          </a:p>
+          <a:p>
+            <a:pPr lvl="2"/>
+            <a:r>
+              <a:rPr lang="en-US" dirty="0" smtClean="0"/>
+              <a:t>Send/receive messages</a:t>
+            </a:r>
+            <a:endParaRPr lang="en-US" dirty="0" smtClean="0"/>
           </a:p>
         </p:txBody>
       </p:sp>
@@ -20268,7 +22079,7 @@
             </a:r>
             <a:fld id="{91046E96-5A14-484B-8244-65336C5D08B9}" type="slidenum">
               <a:rPr lang="de-CH" smtClean="0"/>
-              <a:t>7</a:t>
+              <a:t>8</a:t>
             </a:fld>
             <a:endParaRPr lang="de-CH" dirty="0"/>
           </a:p>
@@ -20373,7 +22184,7 @@
 </p:sld>
 </file>
 
-<file path=ppt/slides/slide8.xml><?xml version="1.0" encoding="utf-8"?>
+<file path=ppt/slides/slide9.xml><?xml version="1.0" encoding="utf-8"?>
 <p:sld xmlns:a="http://schemas.openxmlformats.org/drawingml/2006/main" xmlns:r="http://schemas.openxmlformats.org/officeDocument/2006/relationships" xmlns:p="http://schemas.openxmlformats.org/presentationml/2006/main">
   <p:cSld>
     <p:spTree>
@@ -20415,8 +22226,13 @@
             <a:pPr lvl="2"/>
             <a:r>
               <a:rPr lang="en-US" dirty="0" smtClean="0"/>
-              <a:t>Project Types</a:t>
-            </a:r>
+              <a:t>Project </a:t>
+            </a:r>
+            <a:r>
+              <a:rPr lang="en-US" dirty="0" smtClean="0"/>
+              <a:t>types</a:t>
+            </a:r>
+            <a:endParaRPr lang="en-US" dirty="0" smtClean="0"/>
           </a:p>
           <a:p>
             <a:pPr lvl="2"/>
@@ -20526,7 +22342,7 @@
             </a:r>
             <a:fld id="{E8DA3741-9D02-42BE-867F-5E0952897EE8}" type="slidenum">
               <a:rPr lang="de-CH" smtClean="0"/>
-              <a:t>8</a:t>
+              <a:t>9</a:t>
             </a:fld>
             <a:endParaRPr lang="de-CH" dirty="0"/>
           </a:p>
@@ -20660,316 +22476,6 @@
 </p:sld>
 </file>
 
-<file path=ppt/slides/slide9.xml><?xml version="1.0" encoding="utf-8"?>
-<p:sld xmlns:a="http://schemas.openxmlformats.org/drawingml/2006/main" xmlns:r="http://schemas.openxmlformats.org/officeDocument/2006/relationships" xmlns:p="http://schemas.openxmlformats.org/presentationml/2006/main">
-  <p:cSld>
-    <p:spTree>
-      <p:nvGrpSpPr>
-        <p:cNvPr id="1" name=""/>
-        <p:cNvGrpSpPr/>
-        <p:nvPr/>
-      </p:nvGrpSpPr>
-      <p:grpSpPr>
-        <a:xfrm>
-          <a:off x="0" y="0"/>
-          <a:ext cx="0" cy="0"/>
-          <a:chOff x="0" y="0"/>
-          <a:chExt cx="0" cy="0"/>
-        </a:xfrm>
-      </p:grpSpPr>
-      <p:sp>
-        <p:nvSpPr>
-          <p:cNvPr id="2" name="Content Placeholder 1"/>
-          <p:cNvSpPr>
-            <a:spLocks noGrp="1"/>
-          </p:cNvSpPr>
-          <p:nvPr>
-            <p:ph idx="1"/>
-          </p:nvPr>
-        </p:nvSpPr>
-        <p:spPr/>
-        <p:txBody>
-          <a:bodyPr/>
-          <a:lstStyle/>
-          <a:p>
-            <a:pPr lvl="1"/>
-            <a:r>
-              <a:rPr lang="en-US" dirty="0" err="1" smtClean="0"/>
-              <a:t>Xamarin</a:t>
-            </a:r>
-            <a:r>
-              <a:rPr lang="en-US" dirty="0" smtClean="0"/>
-              <a:t> Studio</a:t>
-            </a:r>
-          </a:p>
-          <a:p>
-            <a:pPr lvl="2"/>
-            <a:r>
-              <a:rPr lang="en-US" dirty="0" smtClean="0"/>
-              <a:t>C# example</a:t>
-            </a:r>
-          </a:p>
-          <a:p>
-            <a:pPr lvl="2"/>
-            <a:r>
-              <a:rPr lang="en-US" dirty="0" err="1" smtClean="0"/>
-              <a:t>iOS</a:t>
-            </a:r>
-            <a:r>
-              <a:rPr lang="en-US" dirty="0" smtClean="0"/>
-              <a:t> simulator (</a:t>
-            </a:r>
-            <a:r>
-              <a:rPr lang="en-US" dirty="0" smtClean="0">
-                <a:solidFill>
-                  <a:srgbClr val="FF0000"/>
-                </a:solidFill>
-              </a:rPr>
-              <a:t>remote</a:t>
-            </a:r>
-            <a:r>
-              <a:rPr lang="en-US" dirty="0" smtClean="0"/>
-              <a:t>)</a:t>
-            </a:r>
-            <a:endParaRPr lang="en-US" dirty="0"/>
-          </a:p>
-        </p:txBody>
-      </p:sp>
-      <p:sp>
-        <p:nvSpPr>
-          <p:cNvPr id="3" name="Title 2"/>
-          <p:cNvSpPr>
-            <a:spLocks noGrp="1"/>
-          </p:cNvSpPr>
-          <p:nvPr>
-            <p:ph type="title"/>
-          </p:nvPr>
-        </p:nvSpPr>
-        <p:spPr/>
-        <p:txBody>
-          <a:bodyPr/>
-          <a:lstStyle/>
-          <a:p>
-            <a:r>
-              <a:rPr lang="en-US" dirty="0" smtClean="0"/>
-              <a:t>Tooling</a:t>
-            </a:r>
-            <a:br>
-              <a:rPr lang="en-US" dirty="0" smtClean="0"/>
-            </a:br>
-            <a:r>
-              <a:rPr lang="en-US" dirty="0" err="1" smtClean="0"/>
-              <a:t>iOS</a:t>
-            </a:r>
-            <a:endParaRPr lang="en-US" dirty="0"/>
-          </a:p>
-        </p:txBody>
-      </p:sp>
-      <p:sp>
-        <p:nvSpPr>
-          <p:cNvPr id="4" name="Date Placeholder 3"/>
-          <p:cNvSpPr>
-            <a:spLocks noGrp="1"/>
-          </p:cNvSpPr>
-          <p:nvPr>
-            <p:ph type="dt" sz="half" idx="10"/>
-          </p:nvPr>
-        </p:nvSpPr>
-        <p:spPr/>
-        <p:txBody>
-          <a:bodyPr/>
-          <a:lstStyle/>
-          <a:p>
-            <a:r>
-              <a:rPr lang="en-US" dirty="0" smtClean="0"/>
-              <a:t>26. September 2013</a:t>
-            </a:r>
-            <a:endParaRPr lang="en-US" dirty="0"/>
-          </a:p>
-        </p:txBody>
-      </p:sp>
-      <p:sp>
-        <p:nvSpPr>
-          <p:cNvPr id="5" name="Footer Placeholder 4"/>
-          <p:cNvSpPr>
-            <a:spLocks noGrp="1"/>
-          </p:cNvSpPr>
-          <p:nvPr>
-            <p:ph type="ftr" sz="quarter" idx="11"/>
-          </p:nvPr>
-        </p:nvSpPr>
-        <p:spPr/>
-        <p:txBody>
-          <a:bodyPr/>
-          <a:lstStyle/>
-          <a:p>
-            <a:r>
-              <a:rPr lang="en-US" dirty="0" smtClean="0"/>
-              <a:t>Cross-platform Mobile Development | Ursin Brunner, Stefan </a:t>
-            </a:r>
-            <a:r>
-              <a:rPr lang="en-US" dirty="0" err="1" smtClean="0"/>
-              <a:t>Schöb</a:t>
-            </a:r>
-            <a:r>
-              <a:rPr lang="en-US" dirty="0" smtClean="0"/>
-              <a:t>, Oliver Brack</a:t>
-            </a:r>
-            <a:endParaRPr lang="en-US" dirty="0"/>
-          </a:p>
-        </p:txBody>
-      </p:sp>
-      <p:sp>
-        <p:nvSpPr>
-          <p:cNvPr id="8" name="Slide Number Placeholder 7"/>
-          <p:cNvSpPr>
-            <a:spLocks noGrp="1"/>
-          </p:cNvSpPr>
-          <p:nvPr>
-            <p:ph type="sldNum" sz="quarter" idx="12"/>
-          </p:nvPr>
-        </p:nvSpPr>
-        <p:spPr/>
-        <p:txBody>
-          <a:bodyPr/>
-          <a:lstStyle/>
-          <a:p>
-            <a:r>
-              <a:rPr lang="de-CH" smtClean="0"/>
-              <a:t>Slide </a:t>
-            </a:r>
-            <a:fld id="{76AE5747-D0E7-4D66-8FBF-9CFC53A4E0C8}" type="slidenum">
-              <a:rPr lang="de-CH" smtClean="0"/>
-              <a:t>9</a:t>
-            </a:fld>
-            <a:endParaRPr lang="de-CH" dirty="0"/>
-          </a:p>
-        </p:txBody>
-      </p:sp>
-      <p:pic>
-        <p:nvPicPr>
-          <p:cNvPr id="9" name="Picture 4" descr="http://www.digi-news.ch/schulen/20100624/uploads/apple_logo2.jpg"/>
-          <p:cNvPicPr>
-            <a:picLocks noChangeAspect="1" noChangeArrowheads="1"/>
-          </p:cNvPicPr>
-          <p:nvPr/>
-        </p:nvPicPr>
-        <p:blipFill rotWithShape="1">
-          <a:blip r:embed="rId2" cstate="print">
-            <a:extLst>
-              <a:ext uri="{BEBA8EAE-BF5A-486C-A8C5-ECC9F3942E4B}">
-                <a14:imgProps xmlns:a14="http://schemas.microsoft.com/office/drawing/2010/main">
-                  <a14:imgLayer r:embed="rId3">
-                    <a14:imgEffect>
-                      <a14:backgroundRemoval t="0" b="100000" l="10000" r="90000">
-                        <a14:foregroundMark x1="56444" y1="12162" x2="56444" y2="12162"/>
-                      </a14:backgroundRemoval>
-                    </a14:imgEffect>
-                  </a14:imgLayer>
-                </a14:imgProps>
-              </a:ext>
-              <a:ext uri="{28A0092B-C50C-407E-A947-70E740481C1C}">
-                <a14:useLocalDpi xmlns:a14="http://schemas.microsoft.com/office/drawing/2010/main" val="0"/>
-              </a:ext>
-            </a:extLst>
-          </a:blip>
-          <a:srcRect l="9636" r="15609"/>
-          <a:stretch/>
-        </p:blipFill>
-        <p:spPr bwMode="auto">
-          <a:xfrm>
-            <a:off x="8379457" y="5871876"/>
-            <a:ext cx="654610" cy="720000"/>
-          </a:xfrm>
-          <a:prstGeom prst="rect">
-            <a:avLst/>
-          </a:prstGeom>
-          <a:noFill/>
-          <a:extLst>
-            <a:ext uri="{909E8E84-426E-40DD-AFC4-6F175D3DCCD1}">
-              <a14:hiddenFill xmlns:a14="http://schemas.microsoft.com/office/drawing/2010/main">
-                <a:solidFill>
-                  <a:srgbClr val="FFFFFF"/>
-                </a:solidFill>
-              </a14:hiddenFill>
-            </a:ext>
-          </a:extLst>
-        </p:spPr>
-      </p:pic>
-      <p:sp>
-        <p:nvSpPr>
-          <p:cNvPr id="10" name="Oval 9"/>
-          <p:cNvSpPr/>
-          <p:nvPr/>
-        </p:nvSpPr>
-        <p:spPr>
-          <a:xfrm>
-            <a:off x="8635473" y="78417"/>
-            <a:ext cx="427734" cy="427734"/>
-          </a:xfrm>
-          <a:prstGeom prst="ellipse">
-            <a:avLst/>
-          </a:prstGeom>
-          <a:noFill/>
-          <a:ln w="12700">
-            <a:solidFill>
-              <a:schemeClr val="accent1"/>
-            </a:solidFill>
-          </a:ln>
-        </p:spPr>
-        <p:style>
-          <a:lnRef idx="2">
-            <a:schemeClr val="accent1">
-              <a:shade val="50000"/>
-            </a:schemeClr>
-          </a:lnRef>
-          <a:fillRef idx="1">
-            <a:schemeClr val="accent1"/>
-          </a:fillRef>
-          <a:effectRef idx="0">
-            <a:schemeClr val="accent1"/>
-          </a:effectRef>
-          <a:fontRef idx="minor">
-            <a:schemeClr val="lt1"/>
-          </a:fontRef>
-        </p:style>
-        <p:txBody>
-          <a:bodyPr rtlCol="0" anchor="ctr"/>
-          <a:lstStyle/>
-          <a:p>
-            <a:pPr algn="ctr"/>
-            <a:r>
-              <a:rPr lang="en-US" sz="2200" dirty="0" smtClean="0">
-                <a:solidFill>
-                  <a:schemeClr val="accent1"/>
-                </a:solidFill>
-                <a:latin typeface="+mj-lt"/>
-              </a:rPr>
-              <a:t>2</a:t>
-            </a:r>
-          </a:p>
-        </p:txBody>
-      </p:sp>
-    </p:spTree>
-    <p:extLst>
-      <p:ext uri="{BB962C8B-B14F-4D97-AF65-F5344CB8AC3E}">
-        <p14:creationId xmlns:p14="http://schemas.microsoft.com/office/powerpoint/2010/main" val="248274490"/>
-      </p:ext>
-    </p:extLst>
-  </p:cSld>
-  <p:clrMapOvr>
-    <a:masterClrMapping/>
-  </p:clrMapOvr>
-  <p:timing>
-    <p:tnLst>
-      <p:par>
-        <p:cTn id="1" dur="indefinite" restart="never" nodeType="tmRoot"/>
-      </p:par>
-    </p:tnLst>
-  </p:timing>
-</p:sld>
-</file>
-
 <file path=ppt/tags/tag1.xml><?xml version="1.0" encoding="utf-8"?>
 <p:tagLst xmlns:a="http://schemas.openxmlformats.org/drawingml/2006/main" xmlns:r="http://schemas.openxmlformats.org/officeDocument/2006/relationships" xmlns:p="http://schemas.openxmlformats.org/presentationml/2006/main">
   <p:tag name="VERSINFO" val="ZE2002"/>
@@ -21003,6 +22509,12 @@
 </file>
 
 <file path=ppt/tags/tag14.xml><?xml version="1.0" encoding="utf-8"?>
+<p:tagLst xmlns:a="http://schemas.openxmlformats.org/drawingml/2006/main" xmlns:r="http://schemas.openxmlformats.org/officeDocument/2006/relationships" xmlns:p="http://schemas.openxmlformats.org/presentationml/2006/main">
+  <p:tag name="SHAPETYPE" val="Logo"/>
+</p:tagLst>
+</file>
+
+<file path=ppt/tags/tag15.xml><?xml version="1.0" encoding="utf-8"?>
 <p:tagLst xmlns:a="http://schemas.openxmlformats.org/drawingml/2006/main" xmlns:r="http://schemas.openxmlformats.org/officeDocument/2006/relationships" xmlns:p="http://schemas.openxmlformats.org/presentationml/2006/main">
   <p:tag name="SHAPETYPE" val="Logo"/>
 </p:tagLst>

--- a/docs/13-09-26 Cross-platform mobile development with C#.pptx
+++ b/docs/13-09-26 Cross-platform mobile development with C#.pptx
@@ -5,10 +5,10 @@
     <p:sldMasterId id="2147483648" r:id="rId1"/>
   </p:sldMasterIdLst>
   <p:notesMasterIdLst>
-    <p:notesMasterId r:id="rId29"/>
+    <p:notesMasterId r:id="rId30"/>
   </p:notesMasterIdLst>
   <p:handoutMasterIdLst>
-    <p:handoutMasterId r:id="rId30"/>
+    <p:handoutMasterId r:id="rId31"/>
   </p:handoutMasterIdLst>
   <p:sldIdLst>
     <p:sldId id="293" r:id="rId2"/>
@@ -32,36 +32,37 @@
     <p:sldId id="308" r:id="rId20"/>
     <p:sldId id="319" r:id="rId21"/>
     <p:sldId id="320" r:id="rId22"/>
-    <p:sldId id="304" r:id="rId23"/>
-    <p:sldId id="290" r:id="rId24"/>
-    <p:sldId id="298" r:id="rId25"/>
-    <p:sldId id="299" r:id="rId26"/>
-    <p:sldId id="297" r:id="rId27"/>
-    <p:sldId id="295" r:id="rId28"/>
+    <p:sldId id="322" r:id="rId23"/>
+    <p:sldId id="304" r:id="rId24"/>
+    <p:sldId id="290" r:id="rId25"/>
+    <p:sldId id="298" r:id="rId26"/>
+    <p:sldId id="299" r:id="rId27"/>
+    <p:sldId id="297" r:id="rId28"/>
+    <p:sldId id="295" r:id="rId29"/>
   </p:sldIdLst>
   <p:sldSz cx="9144000" cy="6858000" type="screen4x3"/>
   <p:notesSz cx="6858000" cy="9144000"/>
   <p:embeddedFontLst>
     <p:embeddedFont>
       <p:font typeface="AA Zuehlke" panose="02000503060000020004" pitchFamily="2" charset="0"/>
-      <p:regular r:id="rId31"/>
-      <p:bold r:id="rId32"/>
+      <p:regular r:id="rId32"/>
+      <p:bold r:id="rId33"/>
     </p:embeddedFont>
     <p:embeddedFont>
       <p:font typeface="AA Zuehlke Medium" panose="02000603060000020004" pitchFamily="2" charset="0"/>
-      <p:regular r:id="rId33"/>
+      <p:regular r:id="rId34"/>
     </p:embeddedFont>
     <p:embeddedFont>
       <p:font typeface="Webdings" panose="05030102010509060703" pitchFamily="18" charset="2"/>
-      <p:regular r:id="rId34"/>
+      <p:regular r:id="rId35"/>
     </p:embeddedFont>
     <p:embeddedFont>
       <p:font typeface="Wingdings 3" panose="05040102010807070707" pitchFamily="18" charset="2"/>
-      <p:regular r:id="rId35"/>
+      <p:regular r:id="rId36"/>
     </p:embeddedFont>
   </p:embeddedFontLst>
   <p:custDataLst>
-    <p:tags r:id="rId36"/>
+    <p:tags r:id="rId37"/>
   </p:custDataLst>
   <p:defaultTextStyle>
     <a:defPPr>
@@ -6717,19 +6718,7 @@
           <a:p>
             <a:r>
               <a:rPr lang="en-US" dirty="0" smtClean="0"/>
-              <a:t>Cross-platform Mobile Development </a:t>
-            </a:r>
-            <a:r>
-              <a:rPr lang="en-US" dirty="0" smtClean="0"/>
-              <a:t>with </a:t>
-            </a:r>
-            <a:r>
-              <a:rPr lang="en-US" dirty="0" smtClean="0"/>
-              <a:t>C</a:t>
-            </a:r>
-            <a:r>
-              <a:rPr lang="en-US" dirty="0" smtClean="0"/>
-              <a:t>#</a:t>
+              <a:t>Cross-platform Mobile Development with C#</a:t>
             </a:r>
             <a:endParaRPr lang="en-US" dirty="0"/>
           </a:p>
@@ -7881,8 +7870,28 @@
             </a:r>
             <a:r>
               <a:rPr lang="en-US" sz="2400" dirty="0" smtClean="0"/>
-              <a:t>:		Shared code (client-side)</a:t>
-            </a:r>
+              <a:t>:		Shared code (client-side</a:t>
+            </a:r>
+            <a:r>
+              <a:rPr lang="en-US" sz="2400" dirty="0" smtClean="0"/>
+              <a:t>) as</a:t>
+            </a:r>
+            <a:br>
+              <a:rPr lang="en-US" sz="2400" dirty="0" smtClean="0"/>
+            </a:br>
+            <a:r>
+              <a:rPr lang="en-US" sz="2400" dirty="0" smtClean="0"/>
+              <a:t>			</a:t>
+            </a:r>
+            <a:r>
+              <a:rPr lang="en-US" sz="2400" dirty="0" smtClean="0">
+                <a:latin typeface="+mj-lt"/>
+              </a:rPr>
+              <a:t>Portable Class Library (PCL)</a:t>
+            </a:r>
+            <a:endParaRPr lang="en-US" sz="2400" dirty="0" smtClean="0">
+              <a:latin typeface="+mj-lt"/>
+            </a:endParaRPr>
           </a:p>
           <a:p>
             <a:pPr lvl="2"/>
@@ -7932,7 +7941,6 @@
               <a:rPr lang="en-US" sz="2400" dirty="0" smtClean="0"/>
               <a:t> service (hosted on Azure)</a:t>
             </a:r>
-            <a:endParaRPr lang="en-US" sz="2400" dirty="0" smtClean="0"/>
           </a:p>
           <a:p>
             <a:pPr lvl="1"/>
@@ -7972,21 +7980,17 @@
               <a:rPr lang="en-US" sz="2400" dirty="0" smtClean="0">
                 <a:sym typeface="Wingdings" panose="05000000000000000000" pitchFamily="2" charset="2"/>
               </a:rPr>
-              <a:t>: Most recent release</a:t>
+              <a:t>: Most recent </a:t>
+            </a:r>
+            <a:r>
+              <a:rPr lang="en-US" sz="2400" dirty="0" smtClean="0">
+                <a:sym typeface="Wingdings" panose="05000000000000000000" pitchFamily="2" charset="2"/>
+              </a:rPr>
+              <a:t>release</a:t>
             </a:r>
             <a:endParaRPr lang="en-US" sz="2400" dirty="0" smtClean="0">
               <a:sym typeface="Wingdings" panose="05000000000000000000" pitchFamily="2" charset="2"/>
             </a:endParaRPr>
-          </a:p>
-          <a:p>
-            <a:pPr lvl="1"/>
-            <a:r>
-              <a:rPr lang="en-US" sz="2800" dirty="0" smtClean="0">
-                <a:sym typeface="Wingdings" panose="05000000000000000000" pitchFamily="2" charset="2"/>
-              </a:rPr>
-              <a:t>Run mini-Demo</a:t>
-            </a:r>
-            <a:endParaRPr lang="en-US" sz="2800" dirty="0" smtClean="0"/>
           </a:p>
         </p:txBody>
       </p:sp>
@@ -8266,7 +8270,6 @@
               <a:rPr lang="en-US" sz="2400" dirty="0" smtClean="0"/>
               <a:t>User class</a:t>
             </a:r>
-            <a:endParaRPr lang="en-US" sz="2400" dirty="0" smtClean="0"/>
           </a:p>
           <a:p>
             <a:r>
@@ -8325,9 +8328,6 @@
               </a:rPr>
               <a:t> to load/refresh users</a:t>
             </a:r>
-            <a:endParaRPr lang="en-US" sz="2000" dirty="0" smtClean="0">
-              <a:sym typeface="Wingdings" panose="05000000000000000000" pitchFamily="2" charset="2"/>
-            </a:endParaRPr>
           </a:p>
           <a:p>
             <a:r>
@@ -9076,7 +9076,6 @@
               <a:rPr lang="en-US" dirty="0" smtClean="0"/>
               <a:t>User service access</a:t>
             </a:r>
-            <a:endParaRPr lang="en-US" dirty="0" smtClean="0"/>
           </a:p>
           <a:p>
             <a:pPr lvl="1"/>
@@ -9103,7 +9102,6 @@
               <a:rPr lang="en-US" dirty="0" smtClean="0"/>
               <a:t>Get users asynchronously</a:t>
             </a:r>
-            <a:endParaRPr lang="en-US" dirty="0" smtClean="0"/>
           </a:p>
           <a:p>
             <a:pPr lvl="1"/>
@@ -9735,11 +9733,7 @@
             </a:r>
             <a:r>
               <a:rPr lang="en-US" dirty="0" smtClean="0"/>
-              <a:t> </a:t>
-            </a:r>
-            <a:r>
-              <a:rPr lang="en-US" dirty="0" smtClean="0"/>
-              <a:t>(existing)</a:t>
+              <a:t> (existing)</a:t>
             </a:r>
             <a:endParaRPr lang="en-US" dirty="0"/>
           </a:p>
@@ -13301,7 +13295,6 @@
               <a:rPr lang="en-US" dirty="0" smtClean="0"/>
               <a:t>Symmetric encryption with AES (256 bytes key)</a:t>
             </a:r>
-            <a:endParaRPr lang="en-US" dirty="0" smtClean="0"/>
           </a:p>
           <a:p>
             <a:pPr lvl="1"/>
@@ -13313,7 +13306,6 @@
               <a:rPr lang="en-US" dirty="0" smtClean="0"/>
               <a:t> implementation</a:t>
             </a:r>
-            <a:endParaRPr lang="en-US" dirty="0" smtClean="0"/>
           </a:p>
           <a:p>
             <a:endParaRPr lang="en-US" dirty="0" smtClean="0"/>
@@ -13367,7 +13359,6 @@
               <a:rPr lang="en-US" dirty="0" smtClean="0"/>
               <a:t>(as we are using a given encryption library)</a:t>
             </a:r>
-            <a:endParaRPr lang="en-US" dirty="0" smtClean="0"/>
           </a:p>
         </p:txBody>
       </p:sp>
@@ -13681,54 +13672,22 @@
           <a:p>
             <a:pPr lvl="1"/>
             <a:r>
-              <a:rPr lang="en-US" dirty="0" smtClean="0"/>
-              <a:t>Azure</a:t>
-            </a:r>
-          </a:p>
-          <a:p>
-            <a:pPr lvl="1"/>
-            <a:r>
               <a:rPr lang="en-US" dirty="0" smtClean="0">
                 <a:hlinkClick r:id="rId3"/>
               </a:rPr>
               <a:t>Encryption demo</a:t>
             </a:r>
-            <a:endParaRPr lang="en-US" dirty="0" smtClean="0"/>
+            <a:r>
+              <a:rPr lang="en-US" dirty="0" smtClean="0"/>
+              <a:t> on server</a:t>
+            </a:r>
           </a:p>
           <a:p>
             <a:pPr lvl="1"/>
             <a:r>
               <a:rPr lang="en-US" dirty="0" smtClean="0"/>
-              <a:t>Hardcoded password/username</a:t>
-            </a:r>
-            <a:r>
-              <a:rPr lang="en-US" dirty="0" smtClean="0"/>
-              <a:t>?</a:t>
-            </a:r>
-          </a:p>
-          <a:p>
-            <a:pPr lvl="1"/>
-            <a:r>
-              <a:rPr lang="en-US" dirty="0" err="1" smtClean="0">
-                <a:solidFill>
-                  <a:srgbClr val="FF0000"/>
-                </a:solidFill>
-              </a:rPr>
-              <a:t>WireFrame</a:t>
-            </a:r>
-            <a:r>
-              <a:rPr lang="en-US" dirty="0" smtClean="0">
-                <a:solidFill>
-                  <a:srgbClr val="FF0000"/>
-                </a:solidFill>
-              </a:rPr>
-              <a:t> with username/password</a:t>
-            </a:r>
-            <a:endParaRPr lang="en-US" dirty="0">
-              <a:solidFill>
-                <a:srgbClr val="FF0000"/>
-              </a:solidFill>
-            </a:endParaRPr>
+              <a:t>Service can be hosted on public Cloud (e.g. Azure)</a:t>
+            </a:r>
           </a:p>
         </p:txBody>
       </p:sp>
@@ -13753,7 +13712,7 @@
                   <a:schemeClr val="bg1"/>
                 </a:solidFill>
               </a:rPr>
-              <a:t>Data in the Cloud</a:t>
+              <a:t>Service Hosting</a:t>
             </a:r>
             <a:endParaRPr lang="en-US" dirty="0">
               <a:solidFill>
@@ -13912,8 +13871,8 @@
         </p:blipFill>
         <p:spPr bwMode="auto">
           <a:xfrm>
-            <a:off x="5277671" y="1718064"/>
-            <a:ext cx="3721046" cy="2431083"/>
+            <a:off x="437238" y="2573532"/>
+            <a:ext cx="5988276" cy="3912340"/>
           </a:xfrm>
           <a:prstGeom prst="rect">
             <a:avLst/>
@@ -13982,6 +13941,54 @@
       </p:grpSpPr>
       <p:sp>
         <p:nvSpPr>
+          <p:cNvPr id="9" name="Rectangle 8"/>
+          <p:cNvSpPr/>
+          <p:nvPr/>
+        </p:nvSpPr>
+        <p:spPr>
+          <a:xfrm>
+            <a:off x="0" y="0"/>
+            <a:ext cx="9144000" cy="1524000"/>
+          </a:xfrm>
+          <a:prstGeom prst="rect">
+            <a:avLst/>
+          </a:prstGeom>
+          <a:solidFill>
+            <a:srgbClr val="FF820A"/>
+          </a:solidFill>
+          <a:ln w="12700">
+            <a:noFill/>
+          </a:ln>
+        </p:spPr>
+        <p:style>
+          <a:lnRef idx="2">
+            <a:schemeClr val="accent1">
+              <a:shade val="50000"/>
+            </a:schemeClr>
+          </a:lnRef>
+          <a:fillRef idx="1">
+            <a:schemeClr val="accent1"/>
+          </a:fillRef>
+          <a:effectRef idx="0">
+            <a:schemeClr val="accent1"/>
+          </a:effectRef>
+          <a:fontRef idx="minor">
+            <a:schemeClr val="lt1"/>
+          </a:fontRef>
+        </p:style>
+        <p:txBody>
+          <a:bodyPr rtlCol="0" anchor="ctr"/>
+          <a:lstStyle/>
+          <a:p>
+            <a:pPr algn="ctr"/>
+            <a:endParaRPr lang="en-US" sz="2200" dirty="0" err="1" smtClean="0">
+              <a:latin typeface="AA Zuehlke" pitchFamily="2" charset="0"/>
+            </a:endParaRPr>
+          </a:p>
+        </p:txBody>
+      </p:sp>
+      <p:sp>
+        <p:nvSpPr>
           <p:cNvPr id="2" name="Content Placeholder 1"/>
           <p:cNvSpPr>
             <a:spLocks noGrp="1"/>
@@ -13997,78 +14004,66 @@
           <a:p>
             <a:r>
               <a:rPr lang="en-US" dirty="0" smtClean="0"/>
-              <a:t>SQLite database</a:t>
+              <a:t>Password (encryption key) hard coded</a:t>
             </a:r>
           </a:p>
           <a:p>
             <a:pPr lvl="1"/>
             <a:r>
               <a:rPr lang="en-US" dirty="0" smtClean="0"/>
-              <a:t>Install SQLite using </a:t>
-            </a:r>
-            <a:r>
-              <a:rPr lang="en-US" dirty="0" err="1" smtClean="0"/>
-              <a:t>NuGet</a:t>
-            </a:r>
+              <a:t>Reverse engineering</a:t>
+            </a:r>
+          </a:p>
+          <a:p>
+            <a:pPr lvl="1"/>
+            <a:r>
+              <a:rPr lang="en-US" dirty="0" smtClean="0"/>
+              <a:t>Key change needs deployment</a:t>
+            </a:r>
+          </a:p>
+          <a:p>
             <a:endParaRPr lang="en-US" dirty="0" smtClean="0"/>
           </a:p>
           <a:p>
+            <a:r>
+              <a:rPr lang="en-US" dirty="0" smtClean="0"/>
+              <a:t>Additional requirements</a:t>
+            </a:r>
+          </a:p>
+          <a:p>
             <a:pPr lvl="1"/>
             <a:r>
               <a:rPr lang="en-US" dirty="0" smtClean="0"/>
-              <a:t>Create </a:t>
-            </a:r>
-            <a:r>
-              <a:rPr lang="en-US" dirty="0" err="1" smtClean="0"/>
-              <a:t>DatabaseService</a:t>
-            </a:r>
+              <a:t>Settings</a:t>
+            </a:r>
+          </a:p>
+          <a:p>
+            <a:pPr lvl="2"/>
             <a:r>
               <a:rPr lang="en-US" dirty="0" smtClean="0"/>
-              <a:t> (client-side) to access database</a:t>
+              <a:t>User name</a:t>
+            </a:r>
+          </a:p>
+          <a:p>
+            <a:pPr lvl="2"/>
+            <a:r>
+              <a:rPr lang="en-US" dirty="0" smtClean="0"/>
+              <a:t>Password</a:t>
             </a:r>
           </a:p>
           <a:p>
             <a:pPr lvl="1"/>
             <a:r>
               <a:rPr lang="en-US" dirty="0" smtClean="0"/>
-              <a:t>Full LINQ support to query/select/manipulate data</a:t>
-            </a:r>
-            <a:endParaRPr lang="en-US" dirty="0" smtClean="0"/>
-          </a:p>
-          <a:p>
-            <a:endParaRPr lang="en-US" dirty="0" smtClean="0"/>
-          </a:p>
-          <a:p>
+              <a:t>Individually configurable by user</a:t>
+            </a:r>
+          </a:p>
+          <a:p>
+            <a:pPr lvl="1"/>
             <a:r>
               <a:rPr lang="en-US" dirty="0" smtClean="0"/>
-              <a:t>User settings</a:t>
-            </a:r>
-          </a:p>
-          <a:p>
-            <a:pPr lvl="1"/>
-            <a:r>
-              <a:rPr lang="en-US" dirty="0" smtClean="0"/>
-              <a:t>Service (client-side) to load/save settings</a:t>
-            </a:r>
-          </a:p>
-          <a:p>
-            <a:pPr lvl="1"/>
-            <a:r>
-              <a:rPr lang="en-US" dirty="0" err="1" smtClean="0"/>
-              <a:t>ViewModel</a:t>
-            </a:r>
-            <a:r>
-              <a:rPr lang="en-US" dirty="0" smtClean="0"/>
-              <a:t> revealing both username and password</a:t>
-            </a:r>
-          </a:p>
-          <a:p>
-            <a:pPr lvl="1"/>
-            <a:r>
-              <a:rPr lang="en-US" dirty="0" smtClean="0"/>
-              <a:t>Use password from user settings within encryption service</a:t>
-            </a:r>
-            <a:endParaRPr lang="en-US" dirty="0" smtClean="0"/>
+              <a:t>Persisted independent from application</a:t>
+            </a:r>
           </a:p>
         </p:txBody>
       </p:sp>
@@ -14087,10 +14082,40 @@
           <a:bodyPr/>
           <a:lstStyle/>
           <a:p>
-            <a:pPr lvl="0"/>
+            <a:r>
+              <a:rPr lang="en-US" dirty="0" smtClean="0">
+                <a:solidFill>
+                  <a:schemeClr val="bg1"/>
+                </a:solidFill>
+              </a:rPr>
+              <a:t>User Settings</a:t>
+            </a:r>
+            <a:endParaRPr lang="en-US" dirty="0">
+              <a:solidFill>
+                <a:schemeClr val="bg1"/>
+              </a:solidFill>
+            </a:endParaRPr>
+          </a:p>
+        </p:txBody>
+      </p:sp>
+      <p:sp>
+        <p:nvSpPr>
+          <p:cNvPr id="4" name="Date Placeholder 3"/>
+          <p:cNvSpPr>
+            <a:spLocks noGrp="1"/>
+          </p:cNvSpPr>
+          <p:nvPr>
+            <p:ph type="dt" sz="half" idx="10"/>
+          </p:nvPr>
+        </p:nvSpPr>
+        <p:spPr/>
+        <p:txBody>
+          <a:bodyPr/>
+          <a:lstStyle/>
+          <a:p>
             <a:r>
               <a:rPr lang="en-US" dirty="0" smtClean="0"/>
-              <a:t>User Settings</a:t>
+              <a:t>26. September 2013</a:t>
             </a:r>
             <a:endParaRPr lang="en-US" dirty="0"/>
           </a:p>
@@ -14112,6 +14137,657 @@
           <a:lstStyle/>
           <a:p>
             <a:r>
+              <a:rPr lang="en-US" dirty="0" smtClean="0"/>
+              <a:t>Cross-platform Mobile Development | Ursin Brunner, Stefan </a:t>
+            </a:r>
+            <a:r>
+              <a:rPr lang="en-US" dirty="0" err="1" smtClean="0"/>
+              <a:t>Schöb</a:t>
+            </a:r>
+            <a:r>
+              <a:rPr lang="en-US" dirty="0" smtClean="0"/>
+              <a:t>, Oliver Brack</a:t>
+            </a:r>
+            <a:endParaRPr lang="en-US" dirty="0"/>
+          </a:p>
+        </p:txBody>
+      </p:sp>
+      <p:pic>
+        <p:nvPicPr>
+          <p:cNvPr id="10" name="Logo" descr="C:\Users\Luc Benninger\Desktop\Zuehlke_Logo_rgb_300dpi.png"/>
+          <p:cNvPicPr>
+            <a:picLocks noChangeArrowheads="1"/>
+          </p:cNvPicPr>
+          <p:nvPr>
+            <p:custDataLst>
+              <p:tags r:id="rId1"/>
+            </p:custDataLst>
+          </p:nvPr>
+        </p:nvPicPr>
+        <p:blipFill>
+          <a:blip r:embed="rId3" cstate="print">
+            <a:extLst>
+              <a:ext uri="{28A0092B-C50C-407E-A947-70E740481C1C}">
+                <a14:useLocalDpi xmlns:a14="http://schemas.microsoft.com/office/drawing/2010/main" val="0"/>
+              </a:ext>
+            </a:extLst>
+          </a:blip>
+          <a:srcRect/>
+          <a:stretch>
+            <a:fillRect/>
+          </a:stretch>
+        </p:blipFill>
+        <p:spPr bwMode="auto">
+          <a:xfrm>
+            <a:off x="6567488" y="292100"/>
+            <a:ext cx="1141412" cy="1141412"/>
+          </a:xfrm>
+          <a:prstGeom prst="rect">
+            <a:avLst/>
+          </a:prstGeom>
+          <a:noFill/>
+          <a:extLst>
+            <a:ext uri="{909E8E84-426E-40DD-AFC4-6F175D3DCCD1}">
+              <a14:hiddenFill xmlns:a14="http://schemas.microsoft.com/office/drawing/2010/main">
+                <a:solidFill>
+                  <a:srgbClr val="FFFFFF"/>
+                </a:solidFill>
+              </a14:hiddenFill>
+            </a:ext>
+          </a:extLst>
+        </p:spPr>
+      </p:pic>
+      <p:pic>
+        <p:nvPicPr>
+          <p:cNvPr id="6" name="Picture 2"/>
+          <p:cNvPicPr>
+            <a:picLocks noChangeAspect="1" noChangeArrowheads="1"/>
+          </p:cNvPicPr>
+          <p:nvPr/>
+        </p:nvPicPr>
+        <p:blipFill>
+          <a:blip r:embed="rId4">
+            <a:extLst>
+              <a:ext uri="{28A0092B-C50C-407E-A947-70E740481C1C}">
+                <a14:useLocalDpi xmlns:a14="http://schemas.microsoft.com/office/drawing/2010/main" val="0"/>
+              </a:ext>
+            </a:extLst>
+          </a:blip>
+          <a:srcRect/>
+          <a:stretch>
+            <a:fillRect/>
+          </a:stretch>
+        </p:blipFill>
+        <p:spPr bwMode="auto">
+          <a:xfrm>
+            <a:off x="6561269" y="1626844"/>
+            <a:ext cx="2430649" cy="4938872"/>
+          </a:xfrm>
+          <a:prstGeom prst="rect">
+            <a:avLst/>
+          </a:prstGeom>
+          <a:noFill/>
+          <a:ln>
+            <a:noFill/>
+          </a:ln>
+          <a:extLst>
+            <a:ext uri="{909E8E84-426E-40DD-AFC4-6F175D3DCCD1}">
+              <a14:hiddenFill xmlns:a14="http://schemas.microsoft.com/office/drawing/2010/main">
+                <a:solidFill>
+                  <a:schemeClr val="accent1"/>
+                </a:solidFill>
+              </a14:hiddenFill>
+            </a:ext>
+            <a:ext uri="{91240B29-F687-4F45-9708-019B960494DF}">
+              <a14:hiddenLine xmlns:a14="http://schemas.microsoft.com/office/drawing/2010/main" w="9525">
+                <a:solidFill>
+                  <a:schemeClr val="tx1"/>
+                </a:solidFill>
+                <a:miter lim="800000"/>
+                <a:headEnd/>
+                <a:tailEnd/>
+              </a14:hiddenLine>
+            </a:ext>
+          </a:extLst>
+        </p:spPr>
+      </p:pic>
+      <p:sp>
+        <p:nvSpPr>
+          <p:cNvPr id="7" name="Slide Number Placeholder 6"/>
+          <p:cNvSpPr>
+            <a:spLocks noGrp="1"/>
+          </p:cNvSpPr>
+          <p:nvPr>
+            <p:ph type="sldNum" sz="quarter" idx="12"/>
+          </p:nvPr>
+        </p:nvSpPr>
+        <p:spPr/>
+        <p:txBody>
+          <a:bodyPr/>
+          <a:lstStyle/>
+          <a:p>
+            <a:r>
+              <a:rPr lang="de-CH" smtClean="0"/>
+              <a:t>Slide </a:t>
+            </a:r>
+            <a:fld id="{76AE5747-D0E7-4D66-8FBF-9CFC53A4E0C8}" type="slidenum">
+              <a:rPr lang="de-CH" smtClean="0"/>
+              <a:t>22</a:t>
+            </a:fld>
+            <a:endParaRPr lang="de-CH" dirty="0"/>
+          </a:p>
+        </p:txBody>
+      </p:sp>
+    </p:spTree>
+    <p:extLst>
+      <p:ext uri="{BB962C8B-B14F-4D97-AF65-F5344CB8AC3E}">
+        <p14:creationId xmlns:p14="http://schemas.microsoft.com/office/powerpoint/2010/main" val="3022904530"/>
+      </p:ext>
+    </p:extLst>
+  </p:cSld>
+  <p:clrMapOvr>
+    <a:masterClrMapping/>
+  </p:clrMapOvr>
+  <p:timing>
+    <p:tnLst>
+      <p:par>
+        <p:cTn id="1" dur="indefinite" restart="never" nodeType="tmRoot">
+          <p:childTnLst>
+            <p:seq concurrent="1" nextAc="seek">
+              <p:cTn id="2" dur="indefinite" nodeType="mainSeq">
+                <p:childTnLst>
+                  <p:par>
+                    <p:cTn id="3" fill="hold">
+                      <p:stCondLst>
+                        <p:cond delay="indefinite"/>
+                      </p:stCondLst>
+                      <p:childTnLst>
+                        <p:par>
+                          <p:cTn id="4" fill="hold">
+                            <p:stCondLst>
+                              <p:cond delay="0"/>
+                            </p:stCondLst>
+                            <p:childTnLst>
+                              <p:par>
+                                <p:cTn id="5" presetID="10" presetClass="entr" presetSubtype="0" fill="hold" nodeType="clickEffect">
+                                  <p:stCondLst>
+                                    <p:cond delay="0"/>
+                                  </p:stCondLst>
+                                  <p:childTnLst>
+                                    <p:set>
+                                      <p:cBhvr>
+                                        <p:cTn id="6" dur="1" fill="hold">
+                                          <p:stCondLst>
+                                            <p:cond delay="0"/>
+                                          </p:stCondLst>
+                                        </p:cTn>
+                                        <p:tgtEl>
+                                          <p:spTgt spid="2">
+                                            <p:txEl>
+                                              <p:pRg st="4" end="4"/>
+                                            </p:txEl>
+                                          </p:spTgt>
+                                        </p:tgtEl>
+                                        <p:attrNameLst>
+                                          <p:attrName>style.visibility</p:attrName>
+                                        </p:attrNameLst>
+                                      </p:cBhvr>
+                                      <p:to>
+                                        <p:strVal val="visible"/>
+                                      </p:to>
+                                    </p:set>
+                                    <p:animEffect transition="in" filter="fade">
+                                      <p:cBhvr>
+                                        <p:cTn id="7" dur="500"/>
+                                        <p:tgtEl>
+                                          <p:spTgt spid="2">
+                                            <p:txEl>
+                                              <p:pRg st="4" end="4"/>
+                                            </p:txEl>
+                                          </p:spTgt>
+                                        </p:tgtEl>
+                                      </p:cBhvr>
+                                    </p:animEffect>
+                                  </p:childTnLst>
+                                </p:cTn>
+                              </p:par>
+                              <p:par>
+                                <p:cTn id="8" presetID="10" presetClass="entr" presetSubtype="0" fill="hold" nodeType="withEffect">
+                                  <p:stCondLst>
+                                    <p:cond delay="0"/>
+                                  </p:stCondLst>
+                                  <p:childTnLst>
+                                    <p:set>
+                                      <p:cBhvr>
+                                        <p:cTn id="9" dur="1" fill="hold">
+                                          <p:stCondLst>
+                                            <p:cond delay="0"/>
+                                          </p:stCondLst>
+                                        </p:cTn>
+                                        <p:tgtEl>
+                                          <p:spTgt spid="2">
+                                            <p:txEl>
+                                              <p:pRg st="5" end="5"/>
+                                            </p:txEl>
+                                          </p:spTgt>
+                                        </p:tgtEl>
+                                        <p:attrNameLst>
+                                          <p:attrName>style.visibility</p:attrName>
+                                        </p:attrNameLst>
+                                      </p:cBhvr>
+                                      <p:to>
+                                        <p:strVal val="visible"/>
+                                      </p:to>
+                                    </p:set>
+                                    <p:animEffect transition="in" filter="fade">
+                                      <p:cBhvr>
+                                        <p:cTn id="10" dur="500"/>
+                                        <p:tgtEl>
+                                          <p:spTgt spid="2">
+                                            <p:txEl>
+                                              <p:pRg st="5" end="5"/>
+                                            </p:txEl>
+                                          </p:spTgt>
+                                        </p:tgtEl>
+                                      </p:cBhvr>
+                                    </p:animEffect>
+                                  </p:childTnLst>
+                                </p:cTn>
+                              </p:par>
+                              <p:par>
+                                <p:cTn id="11" presetID="10" presetClass="entr" presetSubtype="0" fill="hold" nodeType="withEffect">
+                                  <p:stCondLst>
+                                    <p:cond delay="0"/>
+                                  </p:stCondLst>
+                                  <p:childTnLst>
+                                    <p:set>
+                                      <p:cBhvr>
+                                        <p:cTn id="12" dur="1" fill="hold">
+                                          <p:stCondLst>
+                                            <p:cond delay="0"/>
+                                          </p:stCondLst>
+                                        </p:cTn>
+                                        <p:tgtEl>
+                                          <p:spTgt spid="2">
+                                            <p:txEl>
+                                              <p:pRg st="6" end="6"/>
+                                            </p:txEl>
+                                          </p:spTgt>
+                                        </p:tgtEl>
+                                        <p:attrNameLst>
+                                          <p:attrName>style.visibility</p:attrName>
+                                        </p:attrNameLst>
+                                      </p:cBhvr>
+                                      <p:to>
+                                        <p:strVal val="visible"/>
+                                      </p:to>
+                                    </p:set>
+                                    <p:animEffect transition="in" filter="fade">
+                                      <p:cBhvr>
+                                        <p:cTn id="13" dur="500"/>
+                                        <p:tgtEl>
+                                          <p:spTgt spid="2">
+                                            <p:txEl>
+                                              <p:pRg st="6" end="6"/>
+                                            </p:txEl>
+                                          </p:spTgt>
+                                        </p:tgtEl>
+                                      </p:cBhvr>
+                                    </p:animEffect>
+                                  </p:childTnLst>
+                                </p:cTn>
+                              </p:par>
+                              <p:par>
+                                <p:cTn id="14" presetID="10" presetClass="entr" presetSubtype="0" fill="hold" nodeType="withEffect">
+                                  <p:stCondLst>
+                                    <p:cond delay="0"/>
+                                  </p:stCondLst>
+                                  <p:childTnLst>
+                                    <p:set>
+                                      <p:cBhvr>
+                                        <p:cTn id="15" dur="1" fill="hold">
+                                          <p:stCondLst>
+                                            <p:cond delay="0"/>
+                                          </p:stCondLst>
+                                        </p:cTn>
+                                        <p:tgtEl>
+                                          <p:spTgt spid="2">
+                                            <p:txEl>
+                                              <p:pRg st="7" end="7"/>
+                                            </p:txEl>
+                                          </p:spTgt>
+                                        </p:tgtEl>
+                                        <p:attrNameLst>
+                                          <p:attrName>style.visibility</p:attrName>
+                                        </p:attrNameLst>
+                                      </p:cBhvr>
+                                      <p:to>
+                                        <p:strVal val="visible"/>
+                                      </p:to>
+                                    </p:set>
+                                    <p:animEffect transition="in" filter="fade">
+                                      <p:cBhvr>
+                                        <p:cTn id="16" dur="500"/>
+                                        <p:tgtEl>
+                                          <p:spTgt spid="2">
+                                            <p:txEl>
+                                              <p:pRg st="7" end="7"/>
+                                            </p:txEl>
+                                          </p:spTgt>
+                                        </p:tgtEl>
+                                      </p:cBhvr>
+                                    </p:animEffect>
+                                  </p:childTnLst>
+                                </p:cTn>
+                              </p:par>
+                              <p:par>
+                                <p:cTn id="17" presetID="10" presetClass="entr" presetSubtype="0" fill="hold" nodeType="withEffect">
+                                  <p:stCondLst>
+                                    <p:cond delay="0"/>
+                                  </p:stCondLst>
+                                  <p:childTnLst>
+                                    <p:set>
+                                      <p:cBhvr>
+                                        <p:cTn id="18" dur="1" fill="hold">
+                                          <p:stCondLst>
+                                            <p:cond delay="0"/>
+                                          </p:stCondLst>
+                                        </p:cTn>
+                                        <p:tgtEl>
+                                          <p:spTgt spid="2">
+                                            <p:txEl>
+                                              <p:pRg st="8" end="8"/>
+                                            </p:txEl>
+                                          </p:spTgt>
+                                        </p:tgtEl>
+                                        <p:attrNameLst>
+                                          <p:attrName>style.visibility</p:attrName>
+                                        </p:attrNameLst>
+                                      </p:cBhvr>
+                                      <p:to>
+                                        <p:strVal val="visible"/>
+                                      </p:to>
+                                    </p:set>
+                                    <p:animEffect transition="in" filter="fade">
+                                      <p:cBhvr>
+                                        <p:cTn id="19" dur="500"/>
+                                        <p:tgtEl>
+                                          <p:spTgt spid="2">
+                                            <p:txEl>
+                                              <p:pRg st="8" end="8"/>
+                                            </p:txEl>
+                                          </p:spTgt>
+                                        </p:tgtEl>
+                                      </p:cBhvr>
+                                    </p:animEffect>
+                                  </p:childTnLst>
+                                </p:cTn>
+                              </p:par>
+                              <p:par>
+                                <p:cTn id="20" presetID="10" presetClass="entr" presetSubtype="0" fill="hold" nodeType="withEffect">
+                                  <p:stCondLst>
+                                    <p:cond delay="0"/>
+                                  </p:stCondLst>
+                                  <p:childTnLst>
+                                    <p:set>
+                                      <p:cBhvr>
+                                        <p:cTn id="21" dur="1" fill="hold">
+                                          <p:stCondLst>
+                                            <p:cond delay="0"/>
+                                          </p:stCondLst>
+                                        </p:cTn>
+                                        <p:tgtEl>
+                                          <p:spTgt spid="2">
+                                            <p:txEl>
+                                              <p:pRg st="9" end="9"/>
+                                            </p:txEl>
+                                          </p:spTgt>
+                                        </p:tgtEl>
+                                        <p:attrNameLst>
+                                          <p:attrName>style.visibility</p:attrName>
+                                        </p:attrNameLst>
+                                      </p:cBhvr>
+                                      <p:to>
+                                        <p:strVal val="visible"/>
+                                      </p:to>
+                                    </p:set>
+                                    <p:animEffect transition="in" filter="fade">
+                                      <p:cBhvr>
+                                        <p:cTn id="22" dur="500"/>
+                                        <p:tgtEl>
+                                          <p:spTgt spid="2">
+                                            <p:txEl>
+                                              <p:pRg st="9" end="9"/>
+                                            </p:txEl>
+                                          </p:spTgt>
+                                        </p:tgtEl>
+                                      </p:cBhvr>
+                                    </p:animEffect>
+                                  </p:childTnLst>
+                                </p:cTn>
+                              </p:par>
+                            </p:childTnLst>
+                          </p:cTn>
+                        </p:par>
+                        <p:par>
+                          <p:cTn id="23" fill="hold">
+                            <p:stCondLst>
+                              <p:cond delay="500"/>
+                            </p:stCondLst>
+                            <p:childTnLst>
+                              <p:par>
+                                <p:cTn id="24" presetID="10" presetClass="entr" presetSubtype="0" fill="hold" nodeType="afterEffect">
+                                  <p:stCondLst>
+                                    <p:cond delay="0"/>
+                                  </p:stCondLst>
+                                  <p:childTnLst>
+                                    <p:set>
+                                      <p:cBhvr>
+                                        <p:cTn id="25" dur="1" fill="hold">
+                                          <p:stCondLst>
+                                            <p:cond delay="0"/>
+                                          </p:stCondLst>
+                                        </p:cTn>
+                                        <p:tgtEl>
+                                          <p:spTgt spid="6"/>
+                                        </p:tgtEl>
+                                        <p:attrNameLst>
+                                          <p:attrName>style.visibility</p:attrName>
+                                        </p:attrNameLst>
+                                      </p:cBhvr>
+                                      <p:to>
+                                        <p:strVal val="visible"/>
+                                      </p:to>
+                                    </p:set>
+                                    <p:animEffect transition="in" filter="fade">
+                                      <p:cBhvr>
+                                        <p:cTn id="26" dur="500"/>
+                                        <p:tgtEl>
+                                          <p:spTgt spid="6"/>
+                                        </p:tgtEl>
+                                      </p:cBhvr>
+                                    </p:animEffect>
+                                  </p:childTnLst>
+                                </p:cTn>
+                              </p:par>
+                            </p:childTnLst>
+                          </p:cTn>
+                        </p:par>
+                      </p:childTnLst>
+                    </p:cTn>
+                  </p:par>
+                </p:childTnLst>
+              </p:cTn>
+              <p:prevCondLst>
+                <p:cond evt="onPrev" delay="0">
+                  <p:tgtEl>
+                    <p:sldTgt/>
+                  </p:tgtEl>
+                </p:cond>
+              </p:prevCondLst>
+              <p:nextCondLst>
+                <p:cond evt="onNext" delay="0">
+                  <p:tgtEl>
+                    <p:sldTgt/>
+                  </p:tgtEl>
+                </p:cond>
+              </p:nextCondLst>
+            </p:seq>
+          </p:childTnLst>
+        </p:cTn>
+      </p:par>
+    </p:tnLst>
+  </p:timing>
+</p:sld>
+</file>
+
+<file path=ppt/slides/slide23.xml><?xml version="1.0" encoding="utf-8"?>
+<p:sld xmlns:a="http://schemas.openxmlformats.org/drawingml/2006/main" xmlns:r="http://schemas.openxmlformats.org/officeDocument/2006/relationships" xmlns:p="http://schemas.openxmlformats.org/presentationml/2006/main">
+  <p:cSld>
+    <p:spTree>
+      <p:nvGrpSpPr>
+        <p:cNvPr id="1" name=""/>
+        <p:cNvGrpSpPr/>
+        <p:nvPr/>
+      </p:nvGrpSpPr>
+      <p:grpSpPr>
+        <a:xfrm>
+          <a:off x="0" y="0"/>
+          <a:ext cx="0" cy="0"/>
+          <a:chOff x="0" y="0"/>
+          <a:chExt cx="0" cy="0"/>
+        </a:xfrm>
+      </p:grpSpPr>
+      <p:sp>
+        <p:nvSpPr>
+          <p:cNvPr id="2" name="Content Placeholder 1"/>
+          <p:cNvSpPr>
+            <a:spLocks noGrp="1"/>
+          </p:cNvSpPr>
+          <p:nvPr>
+            <p:ph idx="1"/>
+          </p:nvPr>
+        </p:nvSpPr>
+        <p:spPr/>
+        <p:txBody>
+          <a:bodyPr/>
+          <a:lstStyle/>
+          <a:p>
+            <a:r>
+              <a:rPr lang="en-US" dirty="0" smtClean="0"/>
+              <a:t>SQLite database</a:t>
+            </a:r>
+          </a:p>
+          <a:p>
+            <a:pPr lvl="1"/>
+            <a:r>
+              <a:rPr lang="en-US" dirty="0" smtClean="0"/>
+              <a:t>Install SQLite using </a:t>
+            </a:r>
+            <a:r>
+              <a:rPr lang="en-US" dirty="0" err="1" smtClean="0"/>
+              <a:t>NuGet</a:t>
+            </a:r>
+            <a:endParaRPr lang="en-US" dirty="0" smtClean="0"/>
+          </a:p>
+          <a:p>
+            <a:pPr lvl="1"/>
+            <a:r>
+              <a:rPr lang="en-US" dirty="0" smtClean="0"/>
+              <a:t>Create </a:t>
+            </a:r>
+            <a:r>
+              <a:rPr lang="en-US" dirty="0" err="1" smtClean="0"/>
+              <a:t>DatabaseService</a:t>
+            </a:r>
+            <a:r>
+              <a:rPr lang="en-US" dirty="0" smtClean="0"/>
+              <a:t> (client-side) to access database</a:t>
+            </a:r>
+          </a:p>
+          <a:p>
+            <a:pPr lvl="1"/>
+            <a:r>
+              <a:rPr lang="en-US" dirty="0" smtClean="0"/>
+              <a:t>Full LINQ support to query/select/manipulate data</a:t>
+            </a:r>
+          </a:p>
+          <a:p>
+            <a:endParaRPr lang="en-US" dirty="0" smtClean="0"/>
+          </a:p>
+          <a:p>
+            <a:r>
+              <a:rPr lang="en-US" dirty="0" smtClean="0"/>
+              <a:t>User settings</a:t>
+            </a:r>
+          </a:p>
+          <a:p>
+            <a:pPr lvl="1"/>
+            <a:r>
+              <a:rPr lang="en-US" dirty="0" smtClean="0"/>
+              <a:t>Service (client-side) to load/save settings</a:t>
+            </a:r>
+          </a:p>
+          <a:p>
+            <a:pPr lvl="1"/>
+            <a:r>
+              <a:rPr lang="en-US" dirty="0" err="1" smtClean="0"/>
+              <a:t>ViewModel</a:t>
+            </a:r>
+            <a:r>
+              <a:rPr lang="en-US" dirty="0" smtClean="0"/>
+              <a:t> revealing both username and password</a:t>
+            </a:r>
+          </a:p>
+          <a:p>
+            <a:pPr lvl="1"/>
+            <a:r>
+              <a:rPr lang="en-US" dirty="0" smtClean="0"/>
+              <a:t>Use password from user settings within encryption service</a:t>
+            </a:r>
+          </a:p>
+        </p:txBody>
+      </p:sp>
+      <p:sp>
+        <p:nvSpPr>
+          <p:cNvPr id="3" name="Title 2"/>
+          <p:cNvSpPr>
+            <a:spLocks noGrp="1"/>
+          </p:cNvSpPr>
+          <p:nvPr>
+            <p:ph type="title"/>
+          </p:nvPr>
+        </p:nvSpPr>
+        <p:spPr/>
+        <p:txBody>
+          <a:bodyPr/>
+          <a:lstStyle/>
+          <a:p>
+            <a:pPr lvl="0"/>
+            <a:r>
+              <a:rPr lang="en-US" dirty="0" smtClean="0"/>
+              <a:t>User Settings</a:t>
+            </a:r>
+            <a:endParaRPr lang="en-US" dirty="0"/>
+          </a:p>
+        </p:txBody>
+      </p:sp>
+      <p:sp>
+        <p:nvSpPr>
+          <p:cNvPr id="5" name="Footer Placeholder 4"/>
+          <p:cNvSpPr>
+            <a:spLocks noGrp="1"/>
+          </p:cNvSpPr>
+          <p:nvPr>
+            <p:ph type="ftr" sz="quarter" idx="11"/>
+          </p:nvPr>
+        </p:nvSpPr>
+        <p:spPr/>
+        <p:txBody>
+          <a:bodyPr/>
+          <a:lstStyle/>
+          <a:p>
+            <a:r>
               <a:rPr lang="en-US" smtClean="0"/>
               <a:t>Cross-platform Mobile Development | Ursin Brunner, Stefan Schöb, Oliver Brack</a:t>
             </a:r>
@@ -14163,7 +14839,7 @@
             </a:r>
             <a:fld id="{80A3D6BB-8BCA-4B24-9E9B-FFF3E06677AE}" type="slidenum">
               <a:rPr lang="de-CH" smtClean="0"/>
-              <a:t>22</a:t>
+              <a:t>23</a:t>
             </a:fld>
             <a:endParaRPr lang="de-CH" dirty="0"/>
           </a:p>
@@ -14297,7 +14973,7 @@
 </p:sld>
 </file>
 
-<file path=ppt/slides/slide23.xml><?xml version="1.0" encoding="utf-8"?>
+<file path=ppt/slides/slide24.xml><?xml version="1.0" encoding="utf-8"?>
 <p:sld xmlns:a="http://schemas.openxmlformats.org/drawingml/2006/main" xmlns:r="http://schemas.openxmlformats.org/officeDocument/2006/relationships" xmlns:p="http://schemas.openxmlformats.org/presentationml/2006/main">
   <p:cSld>
     <p:spTree>
@@ -14443,7 +15119,7 @@
             </a:r>
             <a:fld id="{EA382A82-52C3-4CAB-89F1-38331029E314}" type="slidenum">
               <a:rPr lang="de-CH" smtClean="0"/>
-              <a:t>23</a:t>
+              <a:t>24</a:t>
             </a:fld>
             <a:endParaRPr lang="de-CH" dirty="0"/>
           </a:p>
@@ -14453,170 +15129,6 @@
     <p:extLst>
       <p:ext uri="{BB962C8B-B14F-4D97-AF65-F5344CB8AC3E}">
         <p14:creationId xmlns:p14="http://schemas.microsoft.com/office/powerpoint/2010/main" val="3639459524"/>
-      </p:ext>
-    </p:extLst>
-  </p:cSld>
-  <p:clrMapOvr>
-    <a:masterClrMapping/>
-  </p:clrMapOvr>
-  <p:timing>
-    <p:tnLst>
-      <p:par>
-        <p:cTn id="1" dur="indefinite" restart="never" nodeType="tmRoot"/>
-      </p:par>
-    </p:tnLst>
-  </p:timing>
-</p:sld>
-</file>
-
-<file path=ppt/slides/slide24.xml><?xml version="1.0" encoding="utf-8"?>
-<p:sld xmlns:a="http://schemas.openxmlformats.org/drawingml/2006/main" xmlns:r="http://schemas.openxmlformats.org/officeDocument/2006/relationships" xmlns:p="http://schemas.openxmlformats.org/presentationml/2006/main">
-  <p:cSld>
-    <p:spTree>
-      <p:nvGrpSpPr>
-        <p:cNvPr id="1" name=""/>
-        <p:cNvGrpSpPr/>
-        <p:nvPr/>
-      </p:nvGrpSpPr>
-      <p:grpSpPr>
-        <a:xfrm>
-          <a:off x="0" y="0"/>
-          <a:ext cx="0" cy="0"/>
-          <a:chOff x="0" y="0"/>
-          <a:chExt cx="0" cy="0"/>
-        </a:xfrm>
-      </p:grpSpPr>
-      <p:sp>
-        <p:nvSpPr>
-          <p:cNvPr id="9" name="Title 8"/>
-          <p:cNvSpPr>
-            <a:spLocks noGrp="1"/>
-          </p:cNvSpPr>
-          <p:nvPr>
-            <p:ph type="title"/>
-          </p:nvPr>
-        </p:nvSpPr>
-        <p:spPr/>
-        <p:txBody>
-          <a:bodyPr/>
-          <a:lstStyle/>
-          <a:p>
-            <a:r>
-              <a:rPr lang="en-US" dirty="0" err="1"/>
-              <a:t>myBosch</a:t>
-            </a:r>
-            <a:r>
-              <a:rPr lang="en-US" dirty="0"/>
-              <a:t> App: Experiences</a:t>
-            </a:r>
-          </a:p>
-        </p:txBody>
-      </p:sp>
-      <p:sp>
-        <p:nvSpPr>
-          <p:cNvPr id="10" name="Text Placeholder 9"/>
-          <p:cNvSpPr>
-            <a:spLocks noGrp="1"/>
-          </p:cNvSpPr>
-          <p:nvPr>
-            <p:ph type="body" idx="1"/>
-          </p:nvPr>
-        </p:nvSpPr>
-        <p:spPr/>
-        <p:txBody>
-          <a:bodyPr/>
-          <a:lstStyle/>
-          <a:p>
-            <a:r>
-              <a:rPr lang="en-US" dirty="0" smtClean="0"/>
-              <a:t>Kerry Lothrop</a:t>
-            </a:r>
-            <a:endParaRPr lang="en-US" dirty="0"/>
-          </a:p>
-        </p:txBody>
-      </p:sp>
-      <p:sp>
-        <p:nvSpPr>
-          <p:cNvPr id="5" name="Footer Placeholder 4"/>
-          <p:cNvSpPr>
-            <a:spLocks noGrp="1"/>
-          </p:cNvSpPr>
-          <p:nvPr>
-            <p:ph type="ftr" sz="quarter" idx="4294967295"/>
-          </p:nvPr>
-        </p:nvSpPr>
-        <p:spPr>
-          <a:xfrm>
-            <a:off x="0" y="6673850"/>
-            <a:ext cx="4989513" cy="106363"/>
-          </a:xfrm>
-        </p:spPr>
-        <p:txBody>
-          <a:bodyPr/>
-          <a:lstStyle/>
-          <a:p>
-            <a:r>
-              <a:rPr lang="en-US" smtClean="0"/>
-              <a:t>Cross-platform Mobile Development | Ursin Brunner, Stefan Schöb, Oliver Brack</a:t>
-            </a:r>
-            <a:endParaRPr lang="en-US" dirty="0"/>
-          </a:p>
-        </p:txBody>
-      </p:sp>
-      <p:sp>
-        <p:nvSpPr>
-          <p:cNvPr id="6" name="Date Placeholder 5"/>
-          <p:cNvSpPr>
-            <a:spLocks noGrp="1"/>
-          </p:cNvSpPr>
-          <p:nvPr>
-            <p:ph type="dt" sz="half" idx="10"/>
-          </p:nvPr>
-        </p:nvSpPr>
-        <p:spPr/>
-        <p:txBody>
-          <a:bodyPr/>
-          <a:lstStyle/>
-          <a:p>
-            <a:r>
-              <a:rPr lang="de-CH" smtClean="0"/>
-              <a:t>26. September 2013</a:t>
-            </a:r>
-            <a:endParaRPr lang="de-CH" dirty="0"/>
-          </a:p>
-        </p:txBody>
-      </p:sp>
-      <p:sp>
-        <p:nvSpPr>
-          <p:cNvPr id="7" name="Slide Number Placeholder 6"/>
-          <p:cNvSpPr>
-            <a:spLocks noGrp="1"/>
-          </p:cNvSpPr>
-          <p:nvPr>
-            <p:ph type="sldNum" sz="quarter" idx="12"/>
-          </p:nvPr>
-        </p:nvSpPr>
-        <p:spPr/>
-        <p:txBody>
-          <a:bodyPr/>
-          <a:lstStyle/>
-          <a:p>
-            <a:r>
-              <a:rPr lang="de-CH" smtClean="0"/>
-              <a:t>Slide </a:t>
-            </a:r>
-            <a:fld id="{7B09883B-D8DA-4C40-AD18-6B0B2D9537FF}" type="slidenum">
-              <a:rPr lang="de-CH" smtClean="0"/>
-              <a:t>24</a:t>
-            </a:fld>
-            <a:endParaRPr lang="de-CH" dirty="0"/>
-          </a:p>
-        </p:txBody>
-      </p:sp>
-    </p:spTree>
-    <p:extLst>
-      <p:ext uri="{BB962C8B-B14F-4D97-AF65-F5344CB8AC3E}">
-        <p14:creationId xmlns:p14="http://schemas.microsoft.com/office/powerpoint/2010/main" val="248274490"/>
       </p:ext>
     </p:extLst>
   </p:cSld>
@@ -14666,16 +15178,12 @@
           <a:lstStyle/>
           <a:p>
             <a:r>
+              <a:rPr lang="en-US" dirty="0" err="1"/>
+              <a:t>myBosch</a:t>
+            </a:r>
+            <a:r>
               <a:rPr lang="en-US" dirty="0"/>
-              <a:t>Zühlke as </a:t>
-            </a:r>
-            <a:r>
-              <a:rPr lang="en-US" dirty="0" err="1"/>
-              <a:t>Xamarin’s</a:t>
-            </a:r>
-            <a:r>
-              <a:rPr lang="en-US" dirty="0"/>
-              <a:t> Premium Consulting Partner</a:t>
+              <a:t> App: Experiences</a:t>
             </a:r>
           </a:p>
         </p:txBody>
@@ -14692,12 +15200,40 @@
         </p:nvSpPr>
         <p:spPr/>
         <p:txBody>
-          <a:bodyPr anchor="b"/>
+          <a:bodyPr/>
           <a:lstStyle/>
           <a:p>
             <a:r>
               <a:rPr lang="en-US" dirty="0" smtClean="0"/>
-              <a:t>Klaus Liebe</a:t>
+              <a:t>Kerry Lothrop</a:t>
+            </a:r>
+            <a:endParaRPr lang="en-US" dirty="0"/>
+          </a:p>
+        </p:txBody>
+      </p:sp>
+      <p:sp>
+        <p:nvSpPr>
+          <p:cNvPr id="5" name="Footer Placeholder 4"/>
+          <p:cNvSpPr>
+            <a:spLocks noGrp="1"/>
+          </p:cNvSpPr>
+          <p:nvPr>
+            <p:ph type="ftr" sz="quarter" idx="4294967295"/>
+          </p:nvPr>
+        </p:nvSpPr>
+        <p:spPr>
+          <a:xfrm>
+            <a:off x="0" y="6673850"/>
+            <a:ext cx="4989513" cy="106363"/>
+          </a:xfrm>
+        </p:spPr>
+        <p:txBody>
+          <a:bodyPr/>
+          <a:lstStyle/>
+          <a:p>
+            <a:r>
+              <a:rPr lang="en-US" smtClean="0"/>
+              <a:t>Cross-platform Mobile Development | Ursin Brunner, Stefan Schöb, Oliver Brack</a:t>
             </a:r>
             <a:endParaRPr lang="en-US" dirty="0"/>
           </a:p>
@@ -14745,7 +15281,7 @@
               <a:rPr lang="de-CH" smtClean="0"/>
               <a:t>Slide </a:t>
             </a:r>
-            <a:fld id="{7481FCEA-C37D-4243-8F22-4CC0415B3695}" type="slidenum">
+            <a:fld id="{7B09883B-D8DA-4C40-AD18-6B0B2D9537FF}" type="slidenum">
               <a:rPr lang="de-CH" smtClean="0"/>
               <a:t>25</a:t>
             </a:fld>
@@ -14753,6 +15289,206 @@
           </a:p>
         </p:txBody>
       </p:sp>
+      <p:pic>
+        <p:nvPicPr>
+          <p:cNvPr id="8" name="Picture 7"/>
+          <p:cNvPicPr>
+            <a:picLocks noChangeAspect="1"/>
+          </p:cNvPicPr>
+          <p:nvPr/>
+        </p:nvPicPr>
+        <p:blipFill>
+          <a:blip r:embed="rId2">
+            <a:extLst>
+              <a:ext uri="{28A0092B-C50C-407E-A947-70E740481C1C}">
+                <a14:useLocalDpi xmlns:a14="http://schemas.microsoft.com/office/drawing/2010/main" val="0"/>
+              </a:ext>
+            </a:extLst>
+          </a:blip>
+          <a:stretch>
+            <a:fillRect/>
+          </a:stretch>
+        </p:blipFill>
+        <p:spPr>
+          <a:xfrm>
+            <a:off x="7851293" y="4119029"/>
+            <a:ext cx="1143837" cy="1143837"/>
+          </a:xfrm>
+          <a:prstGeom prst="rect">
+            <a:avLst/>
+          </a:prstGeom>
+        </p:spPr>
+      </p:pic>
+    </p:spTree>
+    <p:extLst>
+      <p:ext uri="{BB962C8B-B14F-4D97-AF65-F5344CB8AC3E}">
+        <p14:creationId xmlns:p14="http://schemas.microsoft.com/office/powerpoint/2010/main" val="248274490"/>
+      </p:ext>
+    </p:extLst>
+  </p:cSld>
+  <p:clrMapOvr>
+    <a:masterClrMapping/>
+  </p:clrMapOvr>
+  <p:timing>
+    <p:tnLst>
+      <p:par>
+        <p:cTn id="1" dur="indefinite" restart="never" nodeType="tmRoot"/>
+      </p:par>
+    </p:tnLst>
+  </p:timing>
+</p:sld>
+</file>
+
+<file path=ppt/slides/slide26.xml><?xml version="1.0" encoding="utf-8"?>
+<p:sld xmlns:a="http://schemas.openxmlformats.org/drawingml/2006/main" xmlns:r="http://schemas.openxmlformats.org/officeDocument/2006/relationships" xmlns:p="http://schemas.openxmlformats.org/presentationml/2006/main">
+  <p:cSld>
+    <p:spTree>
+      <p:nvGrpSpPr>
+        <p:cNvPr id="1" name=""/>
+        <p:cNvGrpSpPr/>
+        <p:nvPr/>
+      </p:nvGrpSpPr>
+      <p:grpSpPr>
+        <a:xfrm>
+          <a:off x="0" y="0"/>
+          <a:ext cx="0" cy="0"/>
+          <a:chOff x="0" y="0"/>
+          <a:chExt cx="0" cy="0"/>
+        </a:xfrm>
+      </p:grpSpPr>
+      <p:sp>
+        <p:nvSpPr>
+          <p:cNvPr id="9" name="Title 8"/>
+          <p:cNvSpPr>
+            <a:spLocks noGrp="1"/>
+          </p:cNvSpPr>
+          <p:nvPr>
+            <p:ph type="title"/>
+          </p:nvPr>
+        </p:nvSpPr>
+        <p:spPr/>
+        <p:txBody>
+          <a:bodyPr/>
+          <a:lstStyle/>
+          <a:p>
+            <a:r>
+              <a:rPr lang="en-US" dirty="0"/>
+              <a:t>Zühlke as </a:t>
+            </a:r>
+            <a:r>
+              <a:rPr lang="en-US" dirty="0" err="1"/>
+              <a:t>Xamarin’s</a:t>
+            </a:r>
+            <a:r>
+              <a:rPr lang="en-US" dirty="0"/>
+              <a:t> Premium Consulting Partner</a:t>
+            </a:r>
+          </a:p>
+        </p:txBody>
+      </p:sp>
+      <p:sp>
+        <p:nvSpPr>
+          <p:cNvPr id="10" name="Text Placeholder 9"/>
+          <p:cNvSpPr>
+            <a:spLocks noGrp="1"/>
+          </p:cNvSpPr>
+          <p:nvPr>
+            <p:ph type="body" idx="1"/>
+          </p:nvPr>
+        </p:nvSpPr>
+        <p:spPr/>
+        <p:txBody>
+          <a:bodyPr anchor="b"/>
+          <a:lstStyle/>
+          <a:p>
+            <a:r>
+              <a:rPr lang="en-US" dirty="0" smtClean="0"/>
+              <a:t>Klaus Liebe</a:t>
+            </a:r>
+            <a:endParaRPr lang="en-US" dirty="0"/>
+          </a:p>
+        </p:txBody>
+      </p:sp>
+      <p:sp>
+        <p:nvSpPr>
+          <p:cNvPr id="6" name="Date Placeholder 5"/>
+          <p:cNvSpPr>
+            <a:spLocks noGrp="1"/>
+          </p:cNvSpPr>
+          <p:nvPr>
+            <p:ph type="dt" sz="half" idx="10"/>
+          </p:nvPr>
+        </p:nvSpPr>
+        <p:spPr/>
+        <p:txBody>
+          <a:bodyPr/>
+          <a:lstStyle/>
+          <a:p>
+            <a:r>
+              <a:rPr lang="de-CH" smtClean="0"/>
+              <a:t>26. September 2013</a:t>
+            </a:r>
+            <a:endParaRPr lang="de-CH" dirty="0"/>
+          </a:p>
+        </p:txBody>
+      </p:sp>
+      <p:sp>
+        <p:nvSpPr>
+          <p:cNvPr id="7" name="Slide Number Placeholder 6"/>
+          <p:cNvSpPr>
+            <a:spLocks noGrp="1"/>
+          </p:cNvSpPr>
+          <p:nvPr>
+            <p:ph type="sldNum" sz="quarter" idx="12"/>
+          </p:nvPr>
+        </p:nvSpPr>
+        <p:spPr/>
+        <p:txBody>
+          <a:bodyPr/>
+          <a:lstStyle/>
+          <a:p>
+            <a:r>
+              <a:rPr lang="de-CH" smtClean="0"/>
+              <a:t>Slide </a:t>
+            </a:r>
+            <a:fld id="{7481FCEA-C37D-4243-8F22-4CC0415B3695}" type="slidenum">
+              <a:rPr lang="de-CH" smtClean="0"/>
+              <a:t>26</a:t>
+            </a:fld>
+            <a:endParaRPr lang="de-CH" dirty="0"/>
+          </a:p>
+        </p:txBody>
+      </p:sp>
+      <p:pic>
+        <p:nvPicPr>
+          <p:cNvPr id="8" name="Picture 7"/>
+          <p:cNvPicPr>
+            <a:picLocks noChangeAspect="1"/>
+          </p:cNvPicPr>
+          <p:nvPr/>
+        </p:nvPicPr>
+        <p:blipFill>
+          <a:blip r:embed="rId2" cstate="print">
+            <a:extLst>
+              <a:ext uri="{28A0092B-C50C-407E-A947-70E740481C1C}">
+                <a14:useLocalDpi xmlns:a14="http://schemas.microsoft.com/office/drawing/2010/main" val="0"/>
+              </a:ext>
+            </a:extLst>
+          </a:blip>
+          <a:stretch>
+            <a:fillRect/>
+          </a:stretch>
+        </p:blipFill>
+        <p:spPr>
+          <a:xfrm>
+            <a:off x="7851293" y="4122839"/>
+            <a:ext cx="1140027" cy="1140027"/>
+          </a:xfrm>
+          <a:prstGeom prst="rect">
+            <a:avLst/>
+          </a:prstGeom>
+        </p:spPr>
+      </p:pic>
     </p:spTree>
     <p:extLst>
       <p:ext uri="{BB962C8B-B14F-4D97-AF65-F5344CB8AC3E}">
@@ -14773,7 +15509,7 @@
 </p:sld>
 </file>
 
-<file path=ppt/slides/slide26.xml><?xml version="1.0" encoding="utf-8"?>
+<file path=ppt/slides/slide27.xml><?xml version="1.0" encoding="utf-8"?>
 <p:sld xmlns:a="http://schemas.openxmlformats.org/drawingml/2006/main" xmlns:r="http://schemas.openxmlformats.org/officeDocument/2006/relationships" xmlns:p="http://schemas.openxmlformats.org/presentationml/2006/main">
   <p:cSld>
     <p:spTree>
@@ -14921,7 +15657,7 @@
             </a:r>
             <a:fld id="{46E01C9A-4F0E-450E-B8F9-72C16FDD6F64}" type="slidenum">
               <a:rPr lang="de-CH" smtClean="0"/>
-              <a:t>26</a:t>
+              <a:t>27</a:t>
             </a:fld>
             <a:endParaRPr lang="de-CH" dirty="0"/>
           </a:p>
@@ -14947,7 +15683,7 @@
 </p:sld>
 </file>
 
-<file path=ppt/slides/slide27.xml><?xml version="1.0" encoding="utf-8"?>
+<file path=ppt/slides/slide28.xml><?xml version="1.0" encoding="utf-8"?>
 <p:sld xmlns:a="http://schemas.openxmlformats.org/drawingml/2006/main" xmlns:r="http://schemas.openxmlformats.org/officeDocument/2006/relationships" xmlns:p="http://schemas.openxmlformats.org/presentationml/2006/main">
   <p:cSld>
     <p:spTree>
@@ -15014,11 +15750,7 @@
             </a:pPr>
             <a:r>
               <a:rPr lang="en-US" dirty="0" smtClean="0"/>
-              <a:t>About </a:t>
-            </a:r>
-            <a:r>
-              <a:rPr lang="en-US" dirty="0" smtClean="0"/>
-              <a:t>Us</a:t>
+              <a:t>About Us</a:t>
             </a:r>
             <a:endParaRPr lang="en-US" dirty="0"/>
           </a:p>
@@ -15146,11 +15878,14 @@
           </a:p>
           <a:p>
             <a:r>
-              <a:rPr lang="en-US" sz="2200" dirty="0" smtClean="0">
+              <a:rPr lang="en-US" sz="2200" dirty="0" err="1" smtClean="0">
                 <a:latin typeface="AA Zuehlke" pitchFamily="2" charset="0"/>
               </a:rPr>
-              <a:t>SWE-PRO/JAP</a:t>
-            </a:r>
+              <a:t>Schlieren</a:t>
+            </a:r>
+            <a:endParaRPr lang="en-US" sz="2200" dirty="0" smtClean="0">
+              <a:latin typeface="AA Zuehlke" pitchFamily="2" charset="0"/>
+            </a:endParaRPr>
           </a:p>
         </p:txBody>
       </p:sp>
@@ -15202,11 +15937,14 @@
           </a:p>
           <a:p>
             <a:r>
-              <a:rPr lang="en-US" sz="2200" dirty="0" smtClean="0">
+              <a:rPr lang="en-US" sz="2200" dirty="0" err="1" smtClean="0">
                 <a:latin typeface="AA Zuehlke" pitchFamily="2" charset="0"/>
               </a:rPr>
-              <a:t>SWE-EPS/ESI</a:t>
-            </a:r>
+              <a:t>Schlieren</a:t>
+            </a:r>
+            <a:endParaRPr lang="en-US" sz="2200" dirty="0" smtClean="0">
+              <a:latin typeface="AA Zuehlke" pitchFamily="2" charset="0"/>
+            </a:endParaRPr>
           </a:p>
         </p:txBody>
       </p:sp>
@@ -15258,21 +15996,104 @@
               <a:rPr lang="en-US" sz="2200" dirty="0" smtClean="0">
                 <a:latin typeface="AA Zuehlke" pitchFamily="2" charset="0"/>
               </a:rPr>
-              <a:t>Zühlke Serbia</a:t>
-            </a:r>
-          </a:p>
-        </p:txBody>
-      </p:sp>
-      <p:sp>
-        <p:nvSpPr>
-          <p:cNvPr id="14" name="Rectangle 13"/>
-          <p:cNvSpPr/>
+              <a:t>Belgrade</a:t>
+            </a:r>
+            <a:endParaRPr lang="en-US" sz="2200" dirty="0" smtClean="0">
+              <a:latin typeface="AA Zuehlke" pitchFamily="2" charset="0"/>
+            </a:endParaRPr>
+          </a:p>
+        </p:txBody>
+      </p:sp>
+      <p:sp>
+        <p:nvSpPr>
+          <p:cNvPr id="7" name="Date Placeholder 6"/>
+          <p:cNvSpPr>
+            <a:spLocks noGrp="1"/>
+          </p:cNvSpPr>
+          <p:nvPr>
+            <p:ph type="dt" sz="half" idx="10"/>
+          </p:nvPr>
+        </p:nvSpPr>
+        <p:spPr/>
+        <p:txBody>
+          <a:bodyPr/>
+          <a:lstStyle/>
+          <a:p>
+            <a:r>
+              <a:rPr lang="en-US" smtClean="0"/>
+              <a:t>26. September 2013</a:t>
+            </a:r>
+            <a:endParaRPr lang="de-CH" dirty="0"/>
+          </a:p>
+        </p:txBody>
+      </p:sp>
+      <p:sp>
+        <p:nvSpPr>
+          <p:cNvPr id="9" name="Slide Number Placeholder 8"/>
+          <p:cNvSpPr>
+            <a:spLocks noGrp="1"/>
+          </p:cNvSpPr>
+          <p:nvPr>
+            <p:ph type="sldNum" sz="quarter" idx="12"/>
+          </p:nvPr>
+        </p:nvSpPr>
+        <p:spPr/>
+        <p:txBody>
+          <a:bodyPr/>
+          <a:lstStyle/>
+          <a:p>
+            <a:r>
+              <a:rPr lang="de-CH" smtClean="0"/>
+              <a:t>Slide </a:t>
+            </a:r>
+            <a:fld id="{3A0CAE62-62EF-4FE6-8C36-CD1035D976E5}" type="slidenum">
+              <a:rPr lang="de-CH" smtClean="0"/>
+              <a:t>28</a:t>
+            </a:fld>
+            <a:endParaRPr lang="de-CH" dirty="0"/>
+          </a:p>
+        </p:txBody>
+      </p:sp>
+      <p:pic>
+        <p:nvPicPr>
+          <p:cNvPr id="2" name="Picture 1"/>
+          <p:cNvPicPr>
+            <a:picLocks noChangeAspect="1"/>
+          </p:cNvPicPr>
           <p:nvPr/>
-        </p:nvSpPr>
+        </p:nvPicPr>
+        <p:blipFill>
+          <a:blip r:embed="rId5">
+            <a:extLst>
+              <a:ext uri="{28A0092B-C50C-407E-A947-70E740481C1C}">
+                <a14:useLocalDpi xmlns:a14="http://schemas.microsoft.com/office/drawing/2010/main" val="0"/>
+              </a:ext>
+            </a:extLst>
+          </a:blip>
+          <a:stretch>
+            <a:fillRect/>
+          </a:stretch>
+        </p:blipFill>
         <p:spPr>
-          <a:xfrm rot="19297953">
-            <a:off x="2780722" y="3492524"/>
-            <a:ext cx="6038834" cy="923330"/>
+          <a:xfrm>
+            <a:off x="4449069" y="3265565"/>
+            <a:ext cx="1620000" cy="1620000"/>
+          </a:xfrm>
+          <a:prstGeom prst="rect">
+            <a:avLst/>
+          </a:prstGeom>
+        </p:spPr>
+      </p:pic>
+      <p:sp>
+        <p:nvSpPr>
+          <p:cNvPr id="15" name="TextBox 14"/>
+          <p:cNvSpPr txBox="1"/>
+          <p:nvPr/>
+        </p:nvSpPr>
+        <p:spPr>
+          <a:xfrm>
+            <a:off x="6056304" y="3539163"/>
+            <a:ext cx="1924803" cy="1346402"/>
           </a:xfrm>
           <a:prstGeom prst="rect">
             <a:avLst/>
@@ -15280,141 +16101,128 @@
           <a:noFill/>
         </p:spPr>
         <p:txBody>
-          <a:bodyPr wrap="none" lIns="91440" tIns="45720" rIns="91440" bIns="45720">
-            <a:spAutoFit/>
+          <a:bodyPr wrap="none" bIns="0" rtlCol="0" anchor="b">
+            <a:noAutofit/>
           </a:bodyPr>
           <a:lstStyle/>
           <a:p>
-            <a:pPr algn="ctr"/>
-            <a:r>
-              <a:rPr lang="en-US" sz="5400" b="1" cap="none" spc="300" dirty="0" smtClean="0">
-                <a:ln w="11430" cmpd="sng">
-                  <a:solidFill>
-                    <a:schemeClr val="accent1">
-                      <a:tint val="10000"/>
-                    </a:schemeClr>
-                  </a:solidFill>
-                  <a:prstDash val="solid"/>
-                  <a:miter lim="800000"/>
-                </a:ln>
-                <a:gradFill>
-                  <a:gsLst>
-                    <a:gs pos="10000">
-                      <a:schemeClr val="accent1">
-                        <a:tint val="83000"/>
-                        <a:shade val="100000"/>
-                        <a:satMod val="200000"/>
-                      </a:schemeClr>
-                    </a:gs>
-                    <a:gs pos="75000">
-                      <a:schemeClr val="accent1">
-                        <a:tint val="100000"/>
-                        <a:shade val="50000"/>
-                        <a:satMod val="150000"/>
-                      </a:schemeClr>
-                    </a:gs>
-                  </a:gsLst>
-                  <a:lin ang="5400000"/>
-                </a:gradFill>
-                <a:effectLst>
-                  <a:glow rad="45500">
-                    <a:schemeClr val="accent1">
-                      <a:satMod val="220000"/>
-                      <a:alpha val="35000"/>
-                    </a:schemeClr>
-                  </a:glow>
-                </a:effectLst>
+            <a:r>
+              <a:rPr lang="en-US" sz="2200" dirty="0" smtClean="0">
+                <a:latin typeface="+mj-lt"/>
               </a:rPr>
-              <a:t>Klaus, Kerry, etc.?</a:t>
-            </a:r>
-            <a:endParaRPr lang="en-US" sz="5400" b="1" cap="none" spc="300" dirty="0">
-              <a:ln w="11430" cmpd="sng">
-                <a:solidFill>
-                  <a:schemeClr val="accent1">
-                    <a:tint val="10000"/>
-                  </a:schemeClr>
-                </a:solidFill>
-                <a:prstDash val="solid"/>
-                <a:miter lim="800000"/>
-              </a:ln>
-              <a:gradFill>
-                <a:gsLst>
-                  <a:gs pos="10000">
-                    <a:schemeClr val="accent1">
-                      <a:tint val="83000"/>
-                      <a:shade val="100000"/>
-                      <a:satMod val="200000"/>
-                    </a:schemeClr>
-                  </a:gs>
-                  <a:gs pos="75000">
-                    <a:schemeClr val="accent1">
-                      <a:tint val="100000"/>
-                      <a:shade val="50000"/>
-                      <a:satMod val="150000"/>
-                    </a:schemeClr>
-                  </a:gs>
-                </a:gsLst>
-                <a:lin ang="5400000"/>
-              </a:gradFill>
-              <a:effectLst>
-                <a:glow rad="45500">
-                  <a:schemeClr val="accent1">
-                    <a:satMod val="220000"/>
-                    <a:alpha val="35000"/>
-                  </a:schemeClr>
-                </a:glow>
-              </a:effectLst>
+              <a:t>Kerry Lothrop</a:t>
+            </a:r>
+            <a:endParaRPr lang="en-US" sz="2200" dirty="0" smtClean="0">
+              <a:latin typeface="+mj-lt"/>
             </a:endParaRPr>
           </a:p>
-        </p:txBody>
-      </p:sp>
-      <p:sp>
-        <p:nvSpPr>
-          <p:cNvPr id="7" name="Date Placeholder 6"/>
-          <p:cNvSpPr>
-            <a:spLocks noGrp="1"/>
-          </p:cNvSpPr>
-          <p:nvPr>
-            <p:ph type="dt" sz="half" idx="10"/>
-          </p:nvPr>
-        </p:nvSpPr>
-        <p:spPr/>
-        <p:txBody>
-          <a:bodyPr/>
-          <a:lstStyle/>
-          <a:p>
-            <a:r>
-              <a:rPr lang="en-US" smtClean="0"/>
-              <a:t>26. September 2013</a:t>
-            </a:r>
-            <a:endParaRPr lang="de-CH" dirty="0"/>
-          </a:p>
-        </p:txBody>
-      </p:sp>
-      <p:sp>
-        <p:nvSpPr>
-          <p:cNvPr id="9" name="Slide Number Placeholder 8"/>
-          <p:cNvSpPr>
-            <a:spLocks noGrp="1"/>
-          </p:cNvSpPr>
-          <p:nvPr>
-            <p:ph type="sldNum" sz="quarter" idx="12"/>
-          </p:nvPr>
-        </p:nvSpPr>
-        <p:spPr/>
-        <p:txBody>
-          <a:bodyPr/>
-          <a:lstStyle/>
-          <a:p>
-            <a:r>
-              <a:rPr lang="de-CH" smtClean="0"/>
-              <a:t>Slide </a:t>
-            </a:r>
-            <a:fld id="{3A0CAE62-62EF-4FE6-8C36-CD1035D976E5}" type="slidenum">
-              <a:rPr lang="de-CH" smtClean="0"/>
-              <a:t>27</a:t>
-            </a:fld>
-            <a:endParaRPr lang="de-CH" dirty="0"/>
+          <a:p>
+            <a:r>
+              <a:rPr lang="en-US" sz="2200" dirty="0" smtClean="0">
+                <a:latin typeface="AA Zuehlke" pitchFamily="2" charset="0"/>
+              </a:rPr>
+              <a:t>Lead Software Architect</a:t>
+            </a:r>
+            <a:endParaRPr lang="en-US" sz="2200" dirty="0" smtClean="0">
+              <a:latin typeface="AA Zuehlke" pitchFamily="2" charset="0"/>
+            </a:endParaRPr>
+          </a:p>
+          <a:p>
+            <a:r>
+              <a:rPr lang="en-US" sz="2200" dirty="0" smtClean="0">
+                <a:latin typeface="AA Zuehlke" pitchFamily="2" charset="0"/>
+              </a:rPr>
+              <a:t>Frankfurt</a:t>
+            </a:r>
+            <a:endParaRPr lang="en-US" sz="2200" dirty="0" smtClean="0">
+              <a:latin typeface="AA Zuehlke" pitchFamily="2" charset="0"/>
+            </a:endParaRPr>
+          </a:p>
+        </p:txBody>
+      </p:sp>
+      <p:pic>
+        <p:nvPicPr>
+          <p:cNvPr id="4" name="Picture 3"/>
+          <p:cNvPicPr>
+            <a:picLocks noChangeAspect="1"/>
+          </p:cNvPicPr>
+          <p:nvPr/>
+        </p:nvPicPr>
+        <p:blipFill>
+          <a:blip r:embed="rId6" cstate="print">
+            <a:extLst>
+              <a:ext uri="{28A0092B-C50C-407E-A947-70E740481C1C}">
+                <a14:useLocalDpi xmlns:a14="http://schemas.microsoft.com/office/drawing/2010/main" val="0"/>
+              </a:ext>
+            </a:extLst>
+          </a:blip>
+          <a:stretch>
+            <a:fillRect/>
+          </a:stretch>
+        </p:blipFill>
+        <p:spPr>
+          <a:xfrm>
+            <a:off x="4449069" y="1587044"/>
+            <a:ext cx="1620000" cy="1620000"/>
+          </a:xfrm>
+          <a:prstGeom prst="rect">
+            <a:avLst/>
+          </a:prstGeom>
+        </p:spPr>
+      </p:pic>
+      <p:sp>
+        <p:nvSpPr>
+          <p:cNvPr id="16" name="TextBox 15"/>
+          <p:cNvSpPr txBox="1"/>
+          <p:nvPr/>
+        </p:nvSpPr>
+        <p:spPr>
+          <a:xfrm>
+            <a:off x="6069069" y="1860642"/>
+            <a:ext cx="1924803" cy="1346402"/>
+          </a:xfrm>
+          <a:prstGeom prst="rect">
+            <a:avLst/>
+          </a:prstGeom>
+          <a:noFill/>
+        </p:spPr>
+        <p:txBody>
+          <a:bodyPr wrap="none" bIns="0" rtlCol="0" anchor="b">
+            <a:noAutofit/>
+          </a:bodyPr>
+          <a:lstStyle/>
+          <a:p>
+            <a:r>
+              <a:rPr lang="en-US" sz="2200" dirty="0" smtClean="0">
+                <a:latin typeface="+mj-lt"/>
+              </a:rPr>
+              <a:t>Klaus Liebe</a:t>
+            </a:r>
+            <a:endParaRPr lang="en-US" sz="2200" dirty="0" smtClean="0">
+              <a:latin typeface="+mj-lt"/>
+            </a:endParaRPr>
+          </a:p>
+          <a:p>
+            <a:r>
+              <a:rPr lang="en-US" sz="2200" dirty="0" smtClean="0">
+                <a:latin typeface="AA Zuehlke" pitchFamily="2" charset="0"/>
+              </a:rPr>
+              <a:t>Business Unit Manager</a:t>
+            </a:r>
+            <a:endParaRPr lang="en-US" sz="2200" dirty="0" smtClean="0">
+              <a:latin typeface="AA Zuehlke" pitchFamily="2" charset="0"/>
+            </a:endParaRPr>
+          </a:p>
+          <a:p>
+            <a:r>
+              <a:rPr lang="en-US" sz="2200" dirty="0" smtClean="0">
+                <a:latin typeface="AA Zuehlke" pitchFamily="2" charset="0"/>
+              </a:rPr>
+              <a:t>Frankfurt</a:t>
+            </a:r>
+            <a:endParaRPr lang="en-US" sz="2200" dirty="0" smtClean="0">
+              <a:latin typeface="AA Zuehlke" pitchFamily="2" charset="0"/>
+            </a:endParaRPr>
           </a:p>
         </p:txBody>
       </p:sp>
@@ -15500,40 +16308,17 @@
             </a:endParaRPr>
           </a:p>
           <a:p>
-            <a:pPr marL="995363" lvl="2" indent="-457200"/>
-            <a:r>
-              <a:rPr lang="en-US" dirty="0" smtClean="0"/>
-              <a:t>Challenges in mobile development</a:t>
-            </a:r>
-          </a:p>
-          <a:p>
-            <a:pPr marL="995363" lvl="2" indent="-457200"/>
-            <a:r>
-              <a:rPr lang="en-US" dirty="0" smtClean="0"/>
-              <a:t>Code-sharing using </a:t>
-            </a:r>
-            <a:r>
-              <a:rPr lang="en-US" dirty="0" err="1" smtClean="0"/>
-              <a:t>Xamarin</a:t>
-            </a:r>
-            <a:r>
-              <a:rPr lang="en-US" dirty="0" smtClean="0"/>
-              <a:t> and </a:t>
-            </a:r>
-            <a:r>
-              <a:rPr lang="en-US" dirty="0" err="1" smtClean="0"/>
-              <a:t>MvvmCross</a:t>
-            </a:r>
-            <a:endParaRPr lang="en-US" dirty="0" smtClean="0"/>
-          </a:p>
-          <a:p>
             <a:pPr marL="457200" indent="-457200">
               <a:buFont typeface="+mj-lt"/>
               <a:buAutoNum type="arabicPeriod"/>
             </a:pPr>
             <a:r>
               <a:rPr lang="en-US" dirty="0" smtClean="0"/>
-              <a:t>Building the “</a:t>
+              <a:t>Building </a:t>
+            </a:r>
+            <a:r>
+              <a:rPr lang="en-US" dirty="0" smtClean="0"/>
+              <a:t>the “</a:t>
             </a:r>
             <a:r>
               <a:rPr lang="en-US" dirty="0" smtClean="0">
@@ -17886,12 +18671,6 @@
               </a:rPr>
               <a:t>Hardware support</a:t>
             </a:r>
-            <a:r>
-              <a:rPr lang="en-US" sz="2200" dirty="0" smtClean="0">
-                <a:latin typeface="AA Zuehlke" pitchFamily="2" charset="0"/>
-              </a:rPr>
-              <a:t/>
-            </a:r>
             <a:br>
               <a:rPr lang="en-US" sz="2200" dirty="0" smtClean="0">
                 <a:latin typeface="AA Zuehlke" pitchFamily="2" charset="0"/>
@@ -20954,6 +21733,132 @@
       </p:grpSpPr>
       <p:sp>
         <p:nvSpPr>
+          <p:cNvPr id="15" name="Rounded Rectangle 14"/>
+          <p:cNvSpPr/>
+          <p:nvPr/>
+        </p:nvSpPr>
+        <p:spPr>
+          <a:xfrm>
+            <a:off x="4308687" y="1789352"/>
+            <a:ext cx="4683231" cy="4633785"/>
+          </a:xfrm>
+          <a:prstGeom prst="roundRect">
+            <a:avLst/>
+          </a:prstGeom>
+          <a:solidFill>
+            <a:schemeClr val="accent1">
+              <a:lumMod val="40000"/>
+              <a:lumOff val="60000"/>
+            </a:schemeClr>
+          </a:solidFill>
+          <a:ln w="12700">
+            <a:noFill/>
+          </a:ln>
+        </p:spPr>
+        <p:style>
+          <a:lnRef idx="2">
+            <a:schemeClr val="accent1">
+              <a:shade val="50000"/>
+            </a:schemeClr>
+          </a:lnRef>
+          <a:fillRef idx="1">
+            <a:schemeClr val="accent1"/>
+          </a:fillRef>
+          <a:effectRef idx="0">
+            <a:schemeClr val="accent1"/>
+          </a:effectRef>
+          <a:fontRef idx="minor">
+            <a:schemeClr val="lt1"/>
+          </a:fontRef>
+        </p:style>
+        <p:txBody>
+          <a:bodyPr rtlCol="0" anchor="t"/>
+          <a:lstStyle/>
+          <a:p>
+            <a:pPr algn="ctr"/>
+            <a:r>
+              <a:rPr lang="en-US" sz="2800" dirty="0" smtClean="0">
+                <a:solidFill>
+                  <a:schemeClr val="tx1"/>
+                </a:solidFill>
+                <a:latin typeface="+mj-lt"/>
+              </a:rPr>
+              <a:t>Zühlke</a:t>
+            </a:r>
+            <a:endParaRPr lang="en-US" sz="2800" dirty="0" smtClean="0">
+              <a:solidFill>
+                <a:schemeClr val="tx1"/>
+              </a:solidFill>
+              <a:latin typeface="+mj-lt"/>
+            </a:endParaRPr>
+          </a:p>
+        </p:txBody>
+      </p:sp>
+      <p:sp>
+        <p:nvSpPr>
+          <p:cNvPr id="4" name="Rounded Rectangle 3"/>
+          <p:cNvSpPr/>
+          <p:nvPr/>
+        </p:nvSpPr>
+        <p:spPr>
+          <a:xfrm>
+            <a:off x="171730" y="1789353"/>
+            <a:ext cx="3687380" cy="4633785"/>
+          </a:xfrm>
+          <a:prstGeom prst="roundRect">
+            <a:avLst/>
+          </a:prstGeom>
+          <a:solidFill>
+            <a:schemeClr val="accent1">
+              <a:lumMod val="40000"/>
+              <a:lumOff val="60000"/>
+            </a:schemeClr>
+          </a:solidFill>
+          <a:ln w="12700">
+            <a:noFill/>
+          </a:ln>
+        </p:spPr>
+        <p:style>
+          <a:lnRef idx="2">
+            <a:schemeClr val="accent1">
+              <a:shade val="50000"/>
+            </a:schemeClr>
+          </a:lnRef>
+          <a:fillRef idx="1">
+            <a:schemeClr val="accent1"/>
+          </a:fillRef>
+          <a:effectRef idx="0">
+            <a:schemeClr val="accent1"/>
+          </a:effectRef>
+          <a:fontRef idx="minor">
+            <a:schemeClr val="lt1"/>
+          </a:fontRef>
+        </p:style>
+        <p:txBody>
+          <a:bodyPr rtlCol="0" anchor="t"/>
+          <a:lstStyle/>
+          <a:p>
+            <a:pPr algn="ctr"/>
+            <a:r>
+              <a:rPr lang="en-US" sz="2800" dirty="0" smtClean="0">
+                <a:solidFill>
+                  <a:schemeClr val="tx1"/>
+                </a:solidFill>
+                <a:latin typeface="+mj-lt"/>
+              </a:rPr>
+              <a:t>Customer</a:t>
+            </a:r>
+            <a:endParaRPr lang="en-US" sz="2800" dirty="0" smtClean="0">
+              <a:solidFill>
+                <a:schemeClr val="tx1"/>
+              </a:solidFill>
+              <a:latin typeface="+mj-lt"/>
+            </a:endParaRPr>
+          </a:p>
+        </p:txBody>
+      </p:sp>
+      <p:sp>
+        <p:nvSpPr>
           <p:cNvPr id="21" name="Rectangle 20"/>
           <p:cNvSpPr/>
           <p:nvPr/>
@@ -21174,7 +22079,7 @@
         </p:blipFill>
         <p:spPr>
           <a:xfrm>
-            <a:off x="161515" y="1583170"/>
+            <a:off x="304092" y="2693503"/>
             <a:ext cx="1620000" cy="1620000"/>
           </a:xfrm>
           <a:prstGeom prst="rect">
@@ -21204,7 +22109,7 @@
         </p:blipFill>
         <p:spPr>
           <a:xfrm>
-            <a:off x="161515" y="4945716"/>
+            <a:off x="4638147" y="4375404"/>
             <a:ext cx="1620000" cy="1620000"/>
           </a:xfrm>
           <a:prstGeom prst="rect">
@@ -21234,7 +22139,7 @@
         </p:blipFill>
         <p:spPr>
           <a:xfrm>
-            <a:off x="161515" y="3264443"/>
+            <a:off x="4638147" y="2694131"/>
             <a:ext cx="1620000" cy="1620000"/>
           </a:xfrm>
           <a:prstGeom prst="rect">
@@ -21250,7 +22155,7 @@
         </p:nvSpPr>
         <p:spPr>
           <a:xfrm>
-            <a:off x="1791730" y="1860642"/>
+            <a:off x="1934307" y="2970975"/>
             <a:ext cx="1924803" cy="1346402"/>
           </a:xfrm>
           <a:prstGeom prst="rect">
@@ -21270,9 +22175,6 @@
               </a:rPr>
               <a:t>Oliver Brack</a:t>
             </a:r>
-            <a:endParaRPr lang="en-US" sz="2200" dirty="0" smtClean="0">
-              <a:latin typeface="+mj-lt"/>
-            </a:endParaRPr>
           </a:p>
           <a:p>
             <a:r>
@@ -21281,9 +22183,6 @@
               </a:rPr>
               <a:t>Project Owner</a:t>
             </a:r>
-            <a:endParaRPr lang="en-US" sz="2200" dirty="0" smtClean="0">
-              <a:latin typeface="AA Zuehlke" pitchFamily="2" charset="0"/>
-            </a:endParaRPr>
           </a:p>
         </p:txBody>
       </p:sp>
@@ -21295,7 +22194,7 @@
         </p:nvSpPr>
         <p:spPr>
           <a:xfrm>
-            <a:off x="1791729" y="3539163"/>
+            <a:off x="6268361" y="2968851"/>
             <a:ext cx="1924803" cy="1346402"/>
           </a:xfrm>
           <a:prstGeom prst="rect">
@@ -21332,9 +22231,6 @@
               </a:rPr>
               <a:t>Android Developer</a:t>
             </a:r>
-            <a:endParaRPr lang="en-US" sz="2200" dirty="0" smtClean="0">
-              <a:latin typeface="AA Zuehlke" pitchFamily="2" charset="0"/>
-            </a:endParaRPr>
           </a:p>
           <a:p>
             <a:r>
@@ -21343,9 +22239,6 @@
               </a:rPr>
               <a:t>Windows</a:t>
             </a:r>
-            <a:endParaRPr lang="en-US" sz="2200" dirty="0" smtClean="0">
-              <a:latin typeface="AA Zuehlke" pitchFamily="2" charset="0"/>
-            </a:endParaRPr>
           </a:p>
         </p:txBody>
       </p:sp>
@@ -21357,7 +22250,7 @@
         </p:nvSpPr>
         <p:spPr>
           <a:xfrm>
-            <a:off x="1806304" y="5219314"/>
+            <a:off x="6282936" y="4649002"/>
             <a:ext cx="1924803" cy="1346402"/>
           </a:xfrm>
           <a:prstGeom prst="rect">
@@ -21377,9 +22270,6 @@
               </a:rPr>
               <a:t>Ursin Brunner</a:t>
             </a:r>
-            <a:endParaRPr lang="en-US" sz="2200" dirty="0" smtClean="0">
-              <a:latin typeface="+mj-lt"/>
-            </a:endParaRPr>
           </a:p>
           <a:p>
             <a:r>
@@ -21394,9 +22284,6 @@
               </a:rPr>
               <a:t> Developer</a:t>
             </a:r>
-            <a:endParaRPr lang="en-US" sz="2200" dirty="0" smtClean="0">
-              <a:latin typeface="AA Zuehlke" pitchFamily="2" charset="0"/>
-            </a:endParaRPr>
           </a:p>
           <a:p>
             <a:r>
@@ -21405,9 +22292,6 @@
               </a:rPr>
               <a:t>Mac OSX</a:t>
             </a:r>
-            <a:endParaRPr lang="en-US" sz="2200" dirty="0" smtClean="0">
-              <a:latin typeface="AA Zuehlke" pitchFamily="2" charset="0"/>
-            </a:endParaRPr>
           </a:p>
         </p:txBody>
       </p:sp>
@@ -21557,11 +22441,7 @@
             <a:pPr lvl="1"/>
             <a:r>
               <a:rPr lang="en-US" dirty="0" smtClean="0"/>
-              <a:t>Cloud </a:t>
-            </a:r>
-            <a:r>
-              <a:rPr lang="en-US" dirty="0" smtClean="0"/>
-              <a:t>service (Azure) providing a </a:t>
+              <a:t>Cloud service (Azure) providing a </a:t>
             </a:r>
             <a:r>
               <a:rPr lang="en-US" dirty="0" err="1" smtClean="0"/>
@@ -21569,11 +22449,7 @@
             </a:r>
             <a:r>
               <a:rPr lang="en-US" dirty="0" smtClean="0"/>
-              <a:t> </a:t>
-            </a:r>
-            <a:r>
-              <a:rPr lang="en-US" dirty="0" smtClean="0"/>
-              <a:t>API</a:t>
+              <a:t> API</a:t>
             </a:r>
           </a:p>
           <a:p>
@@ -21589,7 +22465,6 @@
               <a:rPr lang="en-US" dirty="0" smtClean="0"/>
               <a:t>Send/receive messages</a:t>
             </a:r>
-            <a:endParaRPr lang="en-US" dirty="0" smtClean="0"/>
           </a:p>
         </p:txBody>
       </p:sp>
@@ -21601,15 +22476,15 @@
         </p:nvSpPr>
         <p:spPr>
           <a:xfrm>
-            <a:off x="459635" y="4190281"/>
-            <a:ext cx="4896544" cy="1825302"/>
+            <a:off x="365949" y="3845285"/>
+            <a:ext cx="4990230" cy="1825302"/>
           </a:xfrm>
           <a:prstGeom prst="rect">
             <a:avLst/>
           </a:prstGeom>
           <a:ln w="28575">
             <a:solidFill>
-              <a:schemeClr val="tx1"/>
+              <a:schemeClr val="accent1"/>
             </a:solidFill>
           </a:ln>
         </p:spPr>
@@ -21648,7 +22523,7 @@
         </p:nvSpPr>
         <p:spPr>
           <a:xfrm>
-            <a:off x="5641335" y="3987863"/>
+            <a:off x="5641335" y="3642867"/>
             <a:ext cx="3371569" cy="2435275"/>
           </a:xfrm>
           <a:prstGeom prst="cloud">
@@ -21707,9 +22582,9 @@
           <p:nvPr/>
         </p:nvCxnSpPr>
         <p:spPr>
-          <a:xfrm>
-            <a:off x="4952007" y="5134266"/>
-            <a:ext cx="1187479" cy="1"/>
+          <a:xfrm flipV="1">
+            <a:off x="5213601" y="4798810"/>
+            <a:ext cx="925885" cy="1"/>
           </a:xfrm>
           <a:prstGeom prst="straightConnector1">
             <a:avLst/>
@@ -21745,8 +22620,8 @@
         </p:nvSpPr>
         <p:spPr>
           <a:xfrm>
-            <a:off x="2005596" y="4005615"/>
-            <a:ext cx="1907895" cy="369332"/>
+            <a:off x="1469395" y="3660619"/>
+            <a:ext cx="2980303" cy="369332"/>
           </a:xfrm>
           <a:prstGeom prst="rect">
             <a:avLst/>
@@ -21764,11 +22639,26 @@
             <a:pPr algn="ctr"/>
             <a:r>
               <a:rPr lang="en-US" dirty="0" smtClean="0">
+                <a:solidFill>
+                  <a:schemeClr val="accent1"/>
+                </a:solidFill>
                 <a:latin typeface="+mj-lt"/>
               </a:rPr>
-              <a:t>Zühlke Messenger</a:t>
+              <a:t>Zühlke X-Platform </a:t>
+            </a:r>
+            <a:r>
+              <a:rPr lang="en-US" dirty="0" smtClean="0">
+                <a:solidFill>
+                  <a:schemeClr val="accent1"/>
+                </a:solidFill>
+                <a:latin typeface="+mj-lt"/>
+              </a:rPr>
+              <a:t>Messenger</a:t>
             </a:r>
             <a:endParaRPr lang="en-US" dirty="0">
+              <a:solidFill>
+                <a:schemeClr val="accent1"/>
+              </a:solidFill>
               <a:latin typeface="+mj-lt"/>
             </a:endParaRPr>
           </a:p>
@@ -21782,7 +22672,7 @@
         </p:nvSpPr>
         <p:spPr>
           <a:xfrm>
-            <a:off x="5071023" y="5153503"/>
+            <a:off x="5284890" y="4874386"/>
             <a:ext cx="553781" cy="276999"/>
           </a:xfrm>
           <a:prstGeom prst="rect">
@@ -21830,7 +22720,7 @@
         </p:blipFill>
         <p:spPr bwMode="auto">
           <a:xfrm>
-            <a:off x="6710670" y="4907332"/>
+            <a:off x="6710670" y="4562336"/>
             <a:ext cx="1219200" cy="1219201"/>
           </a:xfrm>
           <a:prstGeom prst="rect">
@@ -21879,10 +22769,87 @@
         </p:nvSpPr>
         <p:spPr>
           <a:xfrm>
-            <a:off x="571188" y="4374947"/>
-            <a:ext cx="2851560" cy="1537719"/>
+            <a:off x="437238" y="4029951"/>
+            <a:ext cx="2708982" cy="1537719"/>
           </a:xfrm>
           <a:prstGeom prst="rect">
+            <a:avLst/>
+          </a:prstGeom>
+          <a:ln/>
+        </p:spPr>
+        <p:style>
+          <a:lnRef idx="0">
+            <a:schemeClr val="accent2"/>
+          </a:lnRef>
+          <a:fillRef idx="3">
+            <a:schemeClr val="accent2"/>
+          </a:fillRef>
+          <a:effectRef idx="3">
+            <a:schemeClr val="accent2"/>
+          </a:effectRef>
+          <a:fontRef idx="minor">
+            <a:schemeClr val="lt1"/>
+          </a:fontRef>
+        </p:style>
+        <p:txBody>
+          <a:bodyPr rtlCol="0" anchor="ctr"/>
+          <a:lstStyle/>
+          <a:p>
+            <a:pPr algn="ctr"/>
+            <a:r>
+              <a:rPr lang="en-US" sz="2200" dirty="0" smtClean="0">
+                <a:solidFill>
+                  <a:schemeClr val="tx1"/>
+                </a:solidFill>
+                <a:latin typeface="+mj-lt"/>
+              </a:rPr>
+              <a:t>Mobile Clients</a:t>
+            </a:r>
+          </a:p>
+          <a:p>
+            <a:pPr algn="ctr"/>
+            <a:r>
+              <a:rPr lang="en-US" sz="2200" dirty="0" smtClean="0">
+                <a:solidFill>
+                  <a:schemeClr val="tx1"/>
+                </a:solidFill>
+                <a:latin typeface="AA Zuehlke" pitchFamily="2" charset="0"/>
+              </a:rPr>
+              <a:t>Android</a:t>
+            </a:r>
+          </a:p>
+          <a:p>
+            <a:pPr algn="ctr"/>
+            <a:r>
+              <a:rPr lang="en-US" sz="2200" dirty="0" err="1" smtClean="0">
+                <a:solidFill>
+                  <a:schemeClr val="tx1"/>
+                </a:solidFill>
+                <a:latin typeface="AA Zuehlke" pitchFamily="2" charset="0"/>
+              </a:rPr>
+              <a:t>iOS</a:t>
+            </a:r>
+            <a:endParaRPr lang="en-US" sz="2200" dirty="0" smtClean="0">
+              <a:solidFill>
+                <a:schemeClr val="tx1"/>
+              </a:solidFill>
+              <a:latin typeface="AA Zuehlke" pitchFamily="2" charset="0"/>
+            </a:endParaRPr>
+          </a:p>
+        </p:txBody>
+      </p:sp>
+      <p:sp>
+        <p:nvSpPr>
+          <p:cNvPr id="15" name="Rounded Rectangle 14"/>
+          <p:cNvSpPr/>
+          <p:nvPr/>
+        </p:nvSpPr>
+        <p:spPr>
+          <a:xfrm>
+            <a:off x="2907907" y="4303177"/>
+            <a:ext cx="2305694" cy="991267"/>
+          </a:xfrm>
+          <a:prstGeom prst="roundRect">
             <a:avLst/>
           </a:prstGeom>
           <a:ln/>
@@ -21907,80 +22874,59 @@
           <a:p>
             <a:pPr algn="ctr"/>
             <a:r>
-              <a:rPr lang="en-US" sz="9600" dirty="0" smtClean="0">
-                <a:latin typeface="AA Zuehlke" pitchFamily="2" charset="0"/>
-              </a:rPr>
-              <a:t>?</a:t>
-            </a:r>
-          </a:p>
-        </p:txBody>
-      </p:sp>
-      <p:sp>
-        <p:nvSpPr>
-          <p:cNvPr id="15" name="Rounded Rectangle 14"/>
-          <p:cNvSpPr/>
-          <p:nvPr/>
-        </p:nvSpPr>
-        <p:spPr>
-          <a:xfrm>
-            <a:off x="3195623" y="4707641"/>
-            <a:ext cx="1756384" cy="853250"/>
-          </a:xfrm>
-          <a:prstGeom prst="roundRect">
-            <a:avLst/>
-          </a:prstGeom>
-          <a:gradFill flip="none" rotWithShape="1">
-            <a:gsLst>
-              <a:gs pos="0">
-                <a:srgbClr val="A5CDFE">
-                  <a:shade val="30000"/>
-                  <a:satMod val="115000"/>
-                </a:srgbClr>
-              </a:gs>
-              <a:gs pos="50000">
-                <a:srgbClr val="A5CDFE">
-                  <a:shade val="67500"/>
-                  <a:satMod val="115000"/>
-                </a:srgbClr>
-              </a:gs>
-              <a:gs pos="100000">
-                <a:srgbClr val="A5CDFE">
-                  <a:shade val="100000"/>
-                  <a:satMod val="115000"/>
-                </a:srgbClr>
-              </a:gs>
-            </a:gsLst>
-            <a:lin ang="16200000" scaled="1"/>
-            <a:tileRect/>
-          </a:gradFill>
-          <a:ln/>
-        </p:spPr>
-        <p:style>
-          <a:lnRef idx="0">
-            <a:schemeClr val="accent1"/>
-          </a:lnRef>
-          <a:fillRef idx="3">
-            <a:schemeClr val="accent1"/>
-          </a:fillRef>
-          <a:effectRef idx="3">
-            <a:schemeClr val="accent1"/>
-          </a:effectRef>
-          <a:fontRef idx="minor">
-            <a:schemeClr val="lt1"/>
-          </a:fontRef>
-        </p:style>
-        <p:txBody>
-          <a:bodyPr rtlCol="0" anchor="ctr"/>
-          <a:lstStyle/>
-          <a:p>
-            <a:pPr algn="ctr"/>
-            <a:r>
               <a:rPr lang="en-US" dirty="0" smtClean="0">
                 <a:solidFill>
                   <a:schemeClr val="tx1"/>
                 </a:solidFill>
               </a:rPr>
-              <a:t>Business layer (.NET)</a:t>
+              <a:t>Business </a:t>
+            </a:r>
+            <a:r>
+              <a:rPr lang="en-US" dirty="0">
+                <a:solidFill>
+                  <a:schemeClr val="tx1"/>
+                </a:solidFill>
+              </a:rPr>
+              <a:t>L</a:t>
+            </a:r>
+            <a:r>
+              <a:rPr lang="en-US" dirty="0" smtClean="0">
+                <a:solidFill>
+                  <a:schemeClr val="tx1"/>
+                </a:solidFill>
+              </a:rPr>
+              <a:t>ayer (.</a:t>
+            </a:r>
+            <a:r>
+              <a:rPr lang="en-US" dirty="0" smtClean="0">
+                <a:solidFill>
+                  <a:schemeClr val="tx1"/>
+                </a:solidFill>
+              </a:rPr>
+              <a:t>NET</a:t>
+            </a:r>
+            <a:r>
+              <a:rPr lang="en-US" dirty="0" smtClean="0">
+                <a:solidFill>
+                  <a:schemeClr val="tx1"/>
+                </a:solidFill>
+              </a:rPr>
+              <a:t>)</a:t>
+            </a:r>
+            <a:br>
+              <a:rPr lang="en-US" dirty="0" smtClean="0">
+                <a:solidFill>
+                  <a:schemeClr val="tx1"/>
+                </a:solidFill>
+              </a:rPr>
+            </a:br>
+            <a:r>
+              <a:rPr lang="en-US" dirty="0" smtClean="0">
+                <a:solidFill>
+                  <a:schemeClr val="tx1"/>
+                </a:solidFill>
+              </a:rPr>
+              <a:t>Portable Class Library</a:t>
             </a:r>
             <a:endParaRPr lang="en-US" dirty="0">
               <a:solidFill>
@@ -22156,6 +23102,129 @@
                       </p:childTnLst>
                     </p:cTn>
                   </p:par>
+                  <p:par>
+                    <p:cTn id="8" fill="hold">
+                      <p:stCondLst>
+                        <p:cond delay="indefinite"/>
+                      </p:stCondLst>
+                      <p:childTnLst>
+                        <p:par>
+                          <p:cTn id="9" fill="hold">
+                            <p:stCondLst>
+                              <p:cond delay="0"/>
+                            </p:stCondLst>
+                            <p:childTnLst>
+                              <p:par>
+                                <p:cTn id="10" presetID="10" presetClass="entr" presetSubtype="0" fill="hold" grpId="0" nodeType="clickEffect">
+                                  <p:stCondLst>
+                                    <p:cond delay="0"/>
+                                  </p:stCondLst>
+                                  <p:childTnLst>
+                                    <p:set>
+                                      <p:cBhvr>
+                                        <p:cTn id="11" dur="1" fill="hold">
+                                          <p:stCondLst>
+                                            <p:cond delay="0"/>
+                                          </p:stCondLst>
+                                        </p:cTn>
+                                        <p:tgtEl>
+                                          <p:spTgt spid="15"/>
+                                        </p:tgtEl>
+                                        <p:attrNameLst>
+                                          <p:attrName>style.visibility</p:attrName>
+                                        </p:attrNameLst>
+                                      </p:cBhvr>
+                                      <p:to>
+                                        <p:strVal val="visible"/>
+                                      </p:to>
+                                    </p:set>
+                                    <p:animEffect transition="in" filter="fade">
+                                      <p:cBhvr>
+                                        <p:cTn id="12" dur="500"/>
+                                        <p:tgtEl>
+                                          <p:spTgt spid="15"/>
+                                        </p:tgtEl>
+                                      </p:cBhvr>
+                                    </p:animEffect>
+                                  </p:childTnLst>
+                                </p:cTn>
+                              </p:par>
+                              <p:par>
+                                <p:cTn id="13" presetID="10" presetClass="entr" presetSubtype="0" fill="hold" nodeType="withEffect">
+                                  <p:stCondLst>
+                                    <p:cond delay="0"/>
+                                  </p:stCondLst>
+                                  <p:childTnLst>
+                                    <p:set>
+                                      <p:cBhvr>
+                                        <p:cTn id="14" dur="1" fill="hold">
+                                          <p:stCondLst>
+                                            <p:cond delay="0"/>
+                                          </p:stCondLst>
+                                        </p:cTn>
+                                        <p:tgtEl>
+                                          <p:spTgt spid="17"/>
+                                        </p:tgtEl>
+                                        <p:attrNameLst>
+                                          <p:attrName>style.visibility</p:attrName>
+                                        </p:attrNameLst>
+                                      </p:cBhvr>
+                                      <p:to>
+                                        <p:strVal val="visible"/>
+                                      </p:to>
+                                    </p:set>
+                                    <p:animEffect transition="in" filter="fade">
+                                      <p:cBhvr>
+                                        <p:cTn id="15" dur="500"/>
+                                        <p:tgtEl>
+                                          <p:spTgt spid="17"/>
+                                        </p:tgtEl>
+                                      </p:cBhvr>
+                                    </p:animEffect>
+                                  </p:childTnLst>
+                                </p:cTn>
+                              </p:par>
+                              <p:par>
+                                <p:cTn id="16" presetID="10" presetClass="entr" presetSubtype="0" fill="hold" grpId="0" nodeType="withEffect">
+                                  <p:stCondLst>
+                                    <p:cond delay="0"/>
+                                  </p:stCondLst>
+                                  <p:childTnLst>
+                                    <p:set>
+                                      <p:cBhvr>
+                                        <p:cTn id="17" dur="1" fill="hold">
+                                          <p:stCondLst>
+                                            <p:cond delay="0"/>
+                                          </p:stCondLst>
+                                        </p:cTn>
+                                        <p:tgtEl>
+                                          <p:spTgt spid="4"/>
+                                        </p:tgtEl>
+                                        <p:attrNameLst>
+                                          <p:attrName>style.visibility</p:attrName>
+                                        </p:attrNameLst>
+                                      </p:cBhvr>
+                                      <p:to>
+                                        <p:strVal val="visible"/>
+                                      </p:to>
+                                    </p:set>
+                                    <p:animEffect transition="in" filter="fade">
+                                      <p:cBhvr>
+                                        <p:cTn id="18" dur="500"/>
+                                        <p:tgtEl>
+                                          <p:spTgt spid="4"/>
+                                        </p:tgtEl>
+                                      </p:cBhvr>
+                                    </p:animEffect>
+                                  </p:childTnLst>
+                                </p:cTn>
+                              </p:par>
+                            </p:childTnLst>
+                          </p:cTn>
+                        </p:par>
+                      </p:childTnLst>
+                    </p:cTn>
+                  </p:par>
                 </p:childTnLst>
               </p:cTn>
               <p:prevCondLst>
@@ -22178,7 +23247,9 @@
       </p:par>
     </p:tnLst>
     <p:bldLst>
+      <p:bldP spid="4" grpId="0" animBg="1"/>
       <p:bldP spid="10" grpId="0" animBg="1"/>
+      <p:bldP spid="15" grpId="0" animBg="1"/>
     </p:bldLst>
   </p:timing>
 </p:sld>
@@ -22226,13 +23297,8 @@
             <a:pPr lvl="2"/>
             <a:r>
               <a:rPr lang="en-US" dirty="0" smtClean="0"/>
-              <a:t>Project </a:t>
-            </a:r>
-            <a:r>
-              <a:rPr lang="en-US" dirty="0" smtClean="0"/>
-              <a:t>types</a:t>
-            </a:r>
-            <a:endParaRPr lang="en-US" dirty="0" smtClean="0"/>
+              <a:t>Project types</a:t>
+            </a:r>
           </a:p>
           <a:p>
             <a:pPr lvl="2"/>
@@ -22515,6 +23581,12 @@
 </file>
 
 <file path=ppt/tags/tag15.xml><?xml version="1.0" encoding="utf-8"?>
+<p:tagLst xmlns:a="http://schemas.openxmlformats.org/drawingml/2006/main" xmlns:r="http://schemas.openxmlformats.org/officeDocument/2006/relationships" xmlns:p="http://schemas.openxmlformats.org/presentationml/2006/main">
+  <p:tag name="SHAPETYPE" val="Logo"/>
+</p:tagLst>
+</file>
+
+<file path=ppt/tags/tag16.xml><?xml version="1.0" encoding="utf-8"?>
 <p:tagLst xmlns:a="http://schemas.openxmlformats.org/drawingml/2006/main" xmlns:r="http://schemas.openxmlformats.org/officeDocument/2006/relationships" xmlns:p="http://schemas.openxmlformats.org/presentationml/2006/main">
   <p:tag name="SHAPETYPE" val="Logo"/>
 </p:tagLst>

--- a/docs/13-09-26 Cross-platform mobile development with C#.pptx
+++ b/docs/13-09-26 Cross-platform mobile development with C#.pptx
@@ -5,10 +5,10 @@
     <p:sldMasterId id="2147483648" r:id="rId1"/>
   </p:sldMasterIdLst>
   <p:notesMasterIdLst>
-    <p:notesMasterId r:id="rId30"/>
+    <p:notesMasterId r:id="rId31"/>
   </p:notesMasterIdLst>
   <p:handoutMasterIdLst>
-    <p:handoutMasterId r:id="rId31"/>
+    <p:handoutMasterId r:id="rId32"/>
   </p:handoutMasterIdLst>
   <p:sldIdLst>
     <p:sldId id="293" r:id="rId2"/>
@@ -34,35 +34,36 @@
     <p:sldId id="320" r:id="rId22"/>
     <p:sldId id="322" r:id="rId23"/>
     <p:sldId id="304" r:id="rId24"/>
-    <p:sldId id="290" r:id="rId25"/>
-    <p:sldId id="298" r:id="rId26"/>
-    <p:sldId id="299" r:id="rId27"/>
-    <p:sldId id="297" r:id="rId28"/>
-    <p:sldId id="295" r:id="rId29"/>
+    <p:sldId id="323" r:id="rId25"/>
+    <p:sldId id="290" r:id="rId26"/>
+    <p:sldId id="298" r:id="rId27"/>
+    <p:sldId id="299" r:id="rId28"/>
+    <p:sldId id="297" r:id="rId29"/>
+    <p:sldId id="295" r:id="rId30"/>
   </p:sldIdLst>
   <p:sldSz cx="9144000" cy="6858000" type="screen4x3"/>
   <p:notesSz cx="6858000" cy="9144000"/>
   <p:embeddedFontLst>
     <p:embeddedFont>
-      <p:font typeface="AA Zuehlke" panose="02000503060000020004" pitchFamily="2" charset="0"/>
-      <p:regular r:id="rId32"/>
-      <p:bold r:id="rId33"/>
+      <p:font typeface="AA Zuehlke Medium" panose="02000603060000020004" pitchFamily="2" charset="0"/>
+      <p:regular r:id="rId33"/>
     </p:embeddedFont>
     <p:embeddedFont>
-      <p:font typeface="AA Zuehlke Medium" panose="02000603060000020004" pitchFamily="2" charset="0"/>
+      <p:font typeface="AA Zuehlke" panose="02000503060000020004" pitchFamily="2" charset="0"/>
       <p:regular r:id="rId34"/>
+      <p:bold r:id="rId35"/>
     </p:embeddedFont>
     <p:embeddedFont>
       <p:font typeface="Webdings" panose="05030102010509060703" pitchFamily="18" charset="2"/>
-      <p:regular r:id="rId35"/>
+      <p:regular r:id="rId36"/>
     </p:embeddedFont>
     <p:embeddedFont>
       <p:font typeface="Wingdings 3" panose="05040102010807070707" pitchFamily="18" charset="2"/>
-      <p:regular r:id="rId36"/>
+      <p:regular r:id="rId37"/>
     </p:embeddedFont>
   </p:embeddedFontLst>
   <p:custDataLst>
-    <p:tags r:id="rId37"/>
+    <p:tags r:id="rId38"/>
   </p:custDataLst>
   <p:defaultTextStyle>
     <a:defPPr>
@@ -7870,11 +7871,7 @@
             </a:r>
             <a:r>
               <a:rPr lang="en-US" sz="2400" dirty="0" smtClean="0"/>
-              <a:t>:		Shared code (client-side</a:t>
-            </a:r>
-            <a:r>
-              <a:rPr lang="en-US" sz="2400" dirty="0" smtClean="0"/>
-              <a:t>) as</a:t>
+              <a:t>:		Shared code (client-side) as</a:t>
             </a:r>
             <a:br>
               <a:rPr lang="en-US" sz="2400" dirty="0" smtClean="0"/>
@@ -7889,9 +7886,6 @@
               </a:rPr>
               <a:t>Portable Class Library (PCL)</a:t>
             </a:r>
-            <a:endParaRPr lang="en-US" sz="2400" dirty="0" smtClean="0">
-              <a:latin typeface="+mj-lt"/>
-            </a:endParaRPr>
           </a:p>
           <a:p>
             <a:pPr lvl="2"/>
@@ -7980,17 +7974,8 @@
               <a:rPr lang="en-US" sz="2400" dirty="0" smtClean="0">
                 <a:sym typeface="Wingdings" panose="05000000000000000000" pitchFamily="2" charset="2"/>
               </a:rPr>
-              <a:t>: Most recent </a:t>
-            </a:r>
-            <a:r>
-              <a:rPr lang="en-US" sz="2400" dirty="0" smtClean="0">
-                <a:sym typeface="Wingdings" panose="05000000000000000000" pitchFamily="2" charset="2"/>
-              </a:rPr>
-              <a:t>release</a:t>
-            </a:r>
-            <a:endParaRPr lang="en-US" sz="2400" dirty="0" smtClean="0">
-              <a:sym typeface="Wingdings" panose="05000000000000000000" pitchFamily="2" charset="2"/>
-            </a:endParaRPr>
+              <a:t>: Most recent release</a:t>
+            </a:r>
           </a:p>
         </p:txBody>
       </p:sp>
@@ -10911,8 +10896,8 @@
         </p:nvSpPr>
         <p:spPr>
           <a:xfrm>
-            <a:off x="152082" y="5353803"/>
-            <a:ext cx="7556633" cy="1140659"/>
+            <a:off x="152082" y="5068647"/>
+            <a:ext cx="7556633" cy="1283202"/>
           </a:xfrm>
         </p:spPr>
         <p:txBody>
@@ -13293,18 +13278,23 @@
             <a:pPr lvl="1"/>
             <a:r>
               <a:rPr lang="en-US" dirty="0" smtClean="0"/>
-              <a:t>Symmetric encryption with AES (256 bytes key)</a:t>
-            </a:r>
+              <a:t>Symmetric encryption with </a:t>
+            </a:r>
+            <a:r>
+              <a:rPr lang="en-US" dirty="0" smtClean="0"/>
+              <a:t>AES-256</a:t>
+            </a:r>
+            <a:endParaRPr lang="en-US" dirty="0" smtClean="0"/>
           </a:p>
           <a:p>
             <a:pPr lvl="1"/>
             <a:r>
-              <a:rPr lang="en-US" dirty="0" err="1" smtClean="0"/>
-              <a:t>BountyCastle</a:t>
-            </a:r>
-            <a:r>
               <a:rPr lang="en-US" dirty="0" smtClean="0"/>
-              <a:t> implementation</a:t>
+              <a:t>Bouncy Castle </a:t>
+            </a:r>
+            <a:r>
+              <a:rPr lang="en-US" dirty="0" smtClean="0"/>
+              <a:t>implementation</a:t>
             </a:r>
           </a:p>
           <a:p>
@@ -13357,7 +13347,15 @@
             </a:br>
             <a:r>
               <a:rPr lang="en-US" dirty="0" smtClean="0"/>
-              <a:t>(as we are using a given encryption library)</a:t>
+              <a:t>(as we are using a </a:t>
+            </a:r>
+            <a:r>
+              <a:rPr lang="en-US" dirty="0" smtClean="0"/>
+              <a:t>tested encryption </a:t>
+            </a:r>
+            <a:r>
+              <a:rPr lang="en-US" dirty="0" smtClean="0"/>
+              <a:t>library)</a:t>
             </a:r>
           </a:p>
         </p:txBody>
@@ -13850,14 +13848,14 @@
       </p:pic>
       <p:pic>
         <p:nvPicPr>
-          <p:cNvPr id="1026" name="Picture 2"/>
+          <p:cNvPr id="6" name="Picture 2"/>
           <p:cNvPicPr>
             <a:picLocks noChangeAspect="1" noChangeArrowheads="1"/>
           </p:cNvPicPr>
           <p:nvPr/>
         </p:nvPicPr>
         <p:blipFill>
-          <a:blip r:embed="rId5" cstate="print">
+          <a:blip r:embed="rId5">
             <a:extLst>
               <a:ext uri="{28A0092B-C50C-407E-A947-70E740481C1C}">
                 <a14:useLocalDpi xmlns:a14="http://schemas.microsoft.com/office/drawing/2010/main" val="0"/>
@@ -13871,8 +13869,8 @@
         </p:blipFill>
         <p:spPr bwMode="auto">
           <a:xfrm>
-            <a:off x="437238" y="2573532"/>
-            <a:ext cx="5988276" cy="3912340"/>
+            <a:off x="427944" y="2616820"/>
+            <a:ext cx="7138194" cy="3877607"/>
           </a:xfrm>
           <a:prstGeom prst="rect">
             <a:avLst/>
@@ -14992,6 +14990,839 @@
       </p:grpSpPr>
       <p:sp>
         <p:nvSpPr>
+          <p:cNvPr id="16" name="Rectangle 15"/>
+          <p:cNvSpPr/>
+          <p:nvPr/>
+        </p:nvSpPr>
+        <p:spPr>
+          <a:xfrm>
+            <a:off x="643987" y="2074509"/>
+            <a:ext cx="2851560" cy="356445"/>
+          </a:xfrm>
+          <a:prstGeom prst="rect">
+            <a:avLst/>
+          </a:prstGeom>
+          <a:solidFill>
+            <a:schemeClr val="accent1">
+              <a:lumMod val="60000"/>
+              <a:lumOff val="40000"/>
+            </a:schemeClr>
+          </a:solidFill>
+          <a:ln w="12700">
+            <a:noFill/>
+          </a:ln>
+        </p:spPr>
+        <p:style>
+          <a:lnRef idx="2">
+            <a:schemeClr val="accent1">
+              <a:shade val="50000"/>
+            </a:schemeClr>
+          </a:lnRef>
+          <a:fillRef idx="1">
+            <a:schemeClr val="accent1"/>
+          </a:fillRef>
+          <a:effectRef idx="0">
+            <a:schemeClr val="accent1"/>
+          </a:effectRef>
+          <a:fontRef idx="minor">
+            <a:schemeClr val="lt1"/>
+          </a:fontRef>
+        </p:style>
+        <p:txBody>
+          <a:bodyPr rtlCol="0" anchor="ctr"/>
+          <a:lstStyle/>
+          <a:p>
+            <a:pPr algn="ctr"/>
+            <a:endParaRPr lang="en-US" sz="2200" dirty="0" err="1" smtClean="0">
+              <a:latin typeface="AA Zuehlke" pitchFamily="2" charset="0"/>
+            </a:endParaRPr>
+          </a:p>
+        </p:txBody>
+      </p:sp>
+      <p:sp>
+        <p:nvSpPr>
+          <p:cNvPr id="17" name="Rectangle 16"/>
+          <p:cNvSpPr/>
+          <p:nvPr/>
+        </p:nvSpPr>
+        <p:spPr>
+          <a:xfrm>
+            <a:off x="643987" y="2787399"/>
+            <a:ext cx="2851560" cy="356445"/>
+          </a:xfrm>
+          <a:prstGeom prst="rect">
+            <a:avLst/>
+          </a:prstGeom>
+          <a:solidFill>
+            <a:schemeClr val="accent1">
+              <a:lumMod val="60000"/>
+              <a:lumOff val="40000"/>
+            </a:schemeClr>
+          </a:solidFill>
+          <a:ln w="12700">
+            <a:noFill/>
+          </a:ln>
+        </p:spPr>
+        <p:style>
+          <a:lnRef idx="2">
+            <a:schemeClr val="accent1">
+              <a:shade val="50000"/>
+            </a:schemeClr>
+          </a:lnRef>
+          <a:fillRef idx="1">
+            <a:schemeClr val="accent1"/>
+          </a:fillRef>
+          <a:effectRef idx="0">
+            <a:schemeClr val="accent1"/>
+          </a:effectRef>
+          <a:fontRef idx="minor">
+            <a:schemeClr val="lt1"/>
+          </a:fontRef>
+        </p:style>
+        <p:txBody>
+          <a:bodyPr rtlCol="0" anchor="ctr"/>
+          <a:lstStyle/>
+          <a:p>
+            <a:pPr algn="ctr"/>
+            <a:endParaRPr lang="en-US" sz="2200" dirty="0" err="1" smtClean="0">
+              <a:latin typeface="AA Zuehlke" pitchFamily="2" charset="0"/>
+            </a:endParaRPr>
+          </a:p>
+        </p:txBody>
+      </p:sp>
+      <p:sp>
+        <p:nvSpPr>
+          <p:cNvPr id="15" name="Rectangle 14"/>
+          <p:cNvSpPr/>
+          <p:nvPr/>
+        </p:nvSpPr>
+        <p:spPr>
+          <a:xfrm>
+            <a:off x="643987" y="3143844"/>
+            <a:ext cx="2851560" cy="356445"/>
+          </a:xfrm>
+          <a:prstGeom prst="rect">
+            <a:avLst/>
+          </a:prstGeom>
+          <a:solidFill>
+            <a:schemeClr val="accent3">
+              <a:lumMod val="60000"/>
+              <a:lumOff val="40000"/>
+            </a:schemeClr>
+          </a:solidFill>
+          <a:ln w="12700">
+            <a:noFill/>
+          </a:ln>
+        </p:spPr>
+        <p:style>
+          <a:lnRef idx="2">
+            <a:schemeClr val="accent1">
+              <a:shade val="50000"/>
+            </a:schemeClr>
+          </a:lnRef>
+          <a:fillRef idx="1">
+            <a:schemeClr val="accent1"/>
+          </a:fillRef>
+          <a:effectRef idx="0">
+            <a:schemeClr val="accent1"/>
+          </a:effectRef>
+          <a:fontRef idx="minor">
+            <a:schemeClr val="lt1"/>
+          </a:fontRef>
+        </p:style>
+        <p:txBody>
+          <a:bodyPr rtlCol="0" anchor="ctr"/>
+          <a:lstStyle/>
+          <a:p>
+            <a:pPr algn="ctr"/>
+            <a:endParaRPr lang="en-US" sz="2200" dirty="0" err="1" smtClean="0">
+              <a:latin typeface="AA Zuehlke" pitchFamily="2" charset="0"/>
+            </a:endParaRPr>
+          </a:p>
+        </p:txBody>
+      </p:sp>
+      <p:sp>
+        <p:nvSpPr>
+          <p:cNvPr id="6" name="Rectangle 5"/>
+          <p:cNvSpPr/>
+          <p:nvPr/>
+        </p:nvSpPr>
+        <p:spPr>
+          <a:xfrm>
+            <a:off x="643987" y="2430954"/>
+            <a:ext cx="2851560" cy="356445"/>
+          </a:xfrm>
+          <a:prstGeom prst="rect">
+            <a:avLst/>
+          </a:prstGeom>
+          <a:solidFill>
+            <a:schemeClr val="accent3">
+              <a:lumMod val="60000"/>
+              <a:lumOff val="40000"/>
+            </a:schemeClr>
+          </a:solidFill>
+          <a:ln w="12700">
+            <a:noFill/>
+          </a:ln>
+        </p:spPr>
+        <p:style>
+          <a:lnRef idx="2">
+            <a:schemeClr val="accent1">
+              <a:shade val="50000"/>
+            </a:schemeClr>
+          </a:lnRef>
+          <a:fillRef idx="1">
+            <a:schemeClr val="accent1"/>
+          </a:fillRef>
+          <a:effectRef idx="0">
+            <a:schemeClr val="accent1"/>
+          </a:effectRef>
+          <a:fontRef idx="minor">
+            <a:schemeClr val="lt1"/>
+          </a:fontRef>
+        </p:style>
+        <p:txBody>
+          <a:bodyPr rtlCol="0" anchor="ctr"/>
+          <a:lstStyle/>
+          <a:p>
+            <a:pPr algn="ctr"/>
+            <a:endParaRPr lang="en-US" sz="2200" dirty="0" err="1" smtClean="0">
+              <a:latin typeface="AA Zuehlke" pitchFamily="2" charset="0"/>
+            </a:endParaRPr>
+          </a:p>
+        </p:txBody>
+      </p:sp>
+      <p:sp>
+        <p:nvSpPr>
+          <p:cNvPr id="11" name="Rectangle 10"/>
+          <p:cNvSpPr/>
+          <p:nvPr/>
+        </p:nvSpPr>
+        <p:spPr>
+          <a:xfrm>
+            <a:off x="0" y="0"/>
+            <a:ext cx="9144000" cy="1524000"/>
+          </a:xfrm>
+          <a:prstGeom prst="rect">
+            <a:avLst/>
+          </a:prstGeom>
+          <a:solidFill>
+            <a:srgbClr val="FF820A"/>
+          </a:solidFill>
+          <a:ln w="12700">
+            <a:noFill/>
+          </a:ln>
+        </p:spPr>
+        <p:style>
+          <a:lnRef idx="2">
+            <a:schemeClr val="accent1">
+              <a:shade val="50000"/>
+            </a:schemeClr>
+          </a:lnRef>
+          <a:fillRef idx="1">
+            <a:schemeClr val="accent1"/>
+          </a:fillRef>
+          <a:effectRef idx="0">
+            <a:schemeClr val="accent1"/>
+          </a:effectRef>
+          <a:fontRef idx="minor">
+            <a:schemeClr val="lt1"/>
+          </a:fontRef>
+        </p:style>
+        <p:txBody>
+          <a:bodyPr rtlCol="0" anchor="ctr"/>
+          <a:lstStyle/>
+          <a:p>
+            <a:pPr algn="ctr"/>
+            <a:endParaRPr lang="en-US" sz="2200" dirty="0" err="1" smtClean="0">
+              <a:latin typeface="AA Zuehlke" pitchFamily="2" charset="0"/>
+            </a:endParaRPr>
+          </a:p>
+        </p:txBody>
+      </p:sp>
+      <p:sp>
+        <p:nvSpPr>
+          <p:cNvPr id="2" name="Content Placeholder 1"/>
+          <p:cNvSpPr>
+            <a:spLocks noGrp="1"/>
+          </p:cNvSpPr>
+          <p:nvPr>
+            <p:ph idx="1"/>
+          </p:nvPr>
+        </p:nvSpPr>
+        <p:spPr/>
+        <p:txBody>
+          <a:bodyPr/>
+          <a:lstStyle/>
+          <a:p>
+            <a:pPr lvl="1"/>
+            <a:r>
+              <a:rPr lang="en-US" sz="2800" dirty="0" smtClean="0"/>
+              <a:t>Lines of code</a:t>
+            </a:r>
+          </a:p>
+          <a:p>
+            <a:pPr lvl="2"/>
+            <a:r>
+              <a:rPr lang="en-US" sz="2400" dirty="0" err="1" smtClean="0">
+                <a:latin typeface="+mn-lt"/>
+              </a:rPr>
+              <a:t>Zxm.Android</a:t>
+            </a:r>
+            <a:r>
+              <a:rPr lang="en-US" sz="2400" dirty="0" smtClean="0">
+                <a:latin typeface="+mn-lt"/>
+              </a:rPr>
+              <a:t>:	</a:t>
+            </a:r>
+            <a:r>
+              <a:rPr lang="en-US" sz="2400" dirty="0" smtClean="0">
+                <a:latin typeface="+mn-lt"/>
+              </a:rPr>
+              <a:t>??</a:t>
+            </a:r>
+            <a:endParaRPr lang="en-US" sz="2400" dirty="0" smtClean="0">
+              <a:latin typeface="+mn-lt"/>
+            </a:endParaRPr>
+          </a:p>
+          <a:p>
+            <a:pPr lvl="2"/>
+            <a:r>
+              <a:rPr lang="en-US" sz="2400" dirty="0" err="1" smtClean="0">
+                <a:latin typeface="+mn-lt"/>
+              </a:rPr>
+              <a:t>Zxm.Core</a:t>
+            </a:r>
+            <a:r>
+              <a:rPr lang="en-US" sz="2400" dirty="0" smtClean="0">
+                <a:latin typeface="+mn-lt"/>
+              </a:rPr>
+              <a:t>:	</a:t>
+            </a:r>
+            <a:r>
+              <a:rPr lang="en-US" sz="2400" dirty="0" smtClean="0">
+                <a:latin typeface="+mn-lt"/>
+              </a:rPr>
+              <a:t>	396</a:t>
+            </a:r>
+            <a:endParaRPr lang="en-US" sz="2400" dirty="0" smtClean="0">
+              <a:latin typeface="+mn-lt"/>
+            </a:endParaRPr>
+          </a:p>
+          <a:p>
+            <a:pPr lvl="2"/>
+            <a:r>
+              <a:rPr lang="en-US" sz="2400" dirty="0" err="1" smtClean="0">
+                <a:latin typeface="+mn-lt"/>
+              </a:rPr>
+              <a:t>Zxm.iOS</a:t>
+            </a:r>
+            <a:r>
+              <a:rPr lang="en-US" sz="2400" dirty="0" smtClean="0">
+                <a:latin typeface="+mn-lt"/>
+              </a:rPr>
+              <a:t>:		</a:t>
+            </a:r>
+            <a:r>
+              <a:rPr lang="en-US" sz="2400" dirty="0" smtClean="0">
+                <a:latin typeface="+mn-lt"/>
+              </a:rPr>
+              <a:t>??</a:t>
+            </a:r>
+            <a:endParaRPr lang="en-US" sz="2400" dirty="0" smtClean="0">
+              <a:latin typeface="+mn-lt"/>
+            </a:endParaRPr>
+          </a:p>
+          <a:p>
+            <a:pPr lvl="2"/>
+            <a:r>
+              <a:rPr lang="en-US" sz="2400" dirty="0" err="1" smtClean="0">
+                <a:latin typeface="+mn-lt"/>
+              </a:rPr>
+              <a:t>Zxm.Test</a:t>
+            </a:r>
+            <a:r>
+              <a:rPr lang="en-US" sz="2400" dirty="0" smtClean="0">
+                <a:latin typeface="+mn-lt"/>
+              </a:rPr>
+              <a:t>:		</a:t>
+            </a:r>
+            <a:r>
+              <a:rPr lang="en-US" sz="2400" dirty="0" smtClean="0">
+                <a:latin typeface="+mn-lt"/>
+              </a:rPr>
+              <a:t>27</a:t>
+            </a:r>
+            <a:endParaRPr lang="en-US" sz="2400" dirty="0" smtClean="0">
+              <a:latin typeface="+mn-lt"/>
+            </a:endParaRPr>
+          </a:p>
+          <a:p>
+            <a:pPr lvl="2"/>
+            <a:r>
+              <a:rPr lang="en-US" sz="2400" dirty="0" err="1" smtClean="0">
+                <a:latin typeface="+mn-lt"/>
+              </a:rPr>
+              <a:t>Zxm.Webservice</a:t>
+            </a:r>
+            <a:r>
+              <a:rPr lang="en-US" sz="2400" dirty="0" smtClean="0">
+                <a:latin typeface="+mn-lt"/>
+              </a:rPr>
+              <a:t>:	</a:t>
+            </a:r>
+            <a:r>
+              <a:rPr lang="en-US" sz="2400" dirty="0" smtClean="0">
+                <a:latin typeface="+mn-lt"/>
+              </a:rPr>
+              <a:t>279</a:t>
+            </a:r>
+            <a:endParaRPr lang="en-US" sz="2400" dirty="0" smtClean="0">
+              <a:latin typeface="+mn-lt"/>
+            </a:endParaRPr>
+          </a:p>
+          <a:p>
+            <a:pPr lvl="1"/>
+            <a:r>
+              <a:rPr lang="en-US" sz="2800" dirty="0" smtClean="0"/>
+              <a:t>?? % of code is shared</a:t>
+            </a:r>
+            <a:endParaRPr lang="en-US" sz="2400" dirty="0" smtClean="0">
+              <a:sym typeface="Wingdings" panose="05000000000000000000" pitchFamily="2" charset="2"/>
+            </a:endParaRPr>
+          </a:p>
+        </p:txBody>
+      </p:sp>
+      <p:sp>
+        <p:nvSpPr>
+          <p:cNvPr id="3" name="Title 2"/>
+          <p:cNvSpPr>
+            <a:spLocks noGrp="1"/>
+          </p:cNvSpPr>
+          <p:nvPr>
+            <p:ph type="title"/>
+          </p:nvPr>
+        </p:nvSpPr>
+        <p:spPr/>
+        <p:txBody>
+          <a:bodyPr/>
+          <a:lstStyle/>
+          <a:p>
+            <a:pPr lvl="0"/>
+            <a:r>
+              <a:rPr lang="en-US" dirty="0" smtClean="0">
+                <a:solidFill>
+                  <a:schemeClr val="bg1"/>
+                </a:solidFill>
+              </a:rPr>
+              <a:t>Code Metrics</a:t>
+            </a:r>
+            <a:endParaRPr lang="en-US" dirty="0">
+              <a:solidFill>
+                <a:schemeClr val="bg1"/>
+              </a:solidFill>
+            </a:endParaRPr>
+          </a:p>
+        </p:txBody>
+      </p:sp>
+      <p:sp>
+        <p:nvSpPr>
+          <p:cNvPr id="5" name="Footer Placeholder 4"/>
+          <p:cNvSpPr>
+            <a:spLocks noGrp="1"/>
+          </p:cNvSpPr>
+          <p:nvPr>
+            <p:ph type="ftr" sz="quarter" idx="11"/>
+          </p:nvPr>
+        </p:nvSpPr>
+        <p:spPr/>
+        <p:txBody>
+          <a:bodyPr/>
+          <a:lstStyle/>
+          <a:p>
+            <a:r>
+              <a:rPr lang="en-US" smtClean="0"/>
+              <a:t>Cross-platform Mobile Development | Ursin Brunner, Stefan Schöb, Oliver Brack</a:t>
+            </a:r>
+            <a:endParaRPr lang="en-US" dirty="0"/>
+          </a:p>
+        </p:txBody>
+      </p:sp>
+      <p:sp>
+        <p:nvSpPr>
+          <p:cNvPr id="9" name="Date Placeholder 8"/>
+          <p:cNvSpPr>
+            <a:spLocks noGrp="1"/>
+          </p:cNvSpPr>
+          <p:nvPr>
+            <p:ph type="dt" sz="half" idx="10"/>
+          </p:nvPr>
+        </p:nvSpPr>
+        <p:spPr/>
+        <p:txBody>
+          <a:bodyPr/>
+          <a:lstStyle/>
+          <a:p>
+            <a:r>
+              <a:rPr lang="en-US" smtClean="0"/>
+              <a:t>26. September 2013</a:t>
+            </a:r>
+            <a:endParaRPr lang="de-CH" dirty="0"/>
+          </a:p>
+        </p:txBody>
+      </p:sp>
+      <p:sp>
+        <p:nvSpPr>
+          <p:cNvPr id="12" name="Oval 11"/>
+          <p:cNvSpPr/>
+          <p:nvPr/>
+        </p:nvSpPr>
+        <p:spPr>
+          <a:xfrm>
+            <a:off x="8635473" y="78417"/>
+            <a:ext cx="427734" cy="427734"/>
+          </a:xfrm>
+          <a:prstGeom prst="ellipse">
+            <a:avLst/>
+          </a:prstGeom>
+          <a:noFill/>
+          <a:ln w="12700">
+            <a:solidFill>
+              <a:schemeClr val="accent1"/>
+            </a:solidFill>
+          </a:ln>
+        </p:spPr>
+        <p:style>
+          <a:lnRef idx="2">
+            <a:schemeClr val="accent1">
+              <a:shade val="50000"/>
+            </a:schemeClr>
+          </a:lnRef>
+          <a:fillRef idx="1">
+            <a:schemeClr val="accent1"/>
+          </a:fillRef>
+          <a:effectRef idx="0">
+            <a:schemeClr val="accent1"/>
+          </a:effectRef>
+          <a:fontRef idx="minor">
+            <a:schemeClr val="lt1"/>
+          </a:fontRef>
+        </p:style>
+        <p:txBody>
+          <a:bodyPr rtlCol="0" anchor="ctr"/>
+          <a:lstStyle/>
+          <a:p>
+            <a:pPr algn="ctr"/>
+            <a:r>
+              <a:rPr lang="en-US" sz="2200" dirty="0" smtClean="0">
+                <a:solidFill>
+                  <a:schemeClr val="accent1"/>
+                </a:solidFill>
+                <a:latin typeface="+mj-lt"/>
+              </a:rPr>
+              <a:t>3</a:t>
+            </a:r>
+          </a:p>
+        </p:txBody>
+      </p:sp>
+      <p:sp>
+        <p:nvSpPr>
+          <p:cNvPr id="4" name="Slide Number Placeholder 3"/>
+          <p:cNvSpPr>
+            <a:spLocks noGrp="1"/>
+          </p:cNvSpPr>
+          <p:nvPr>
+            <p:ph type="sldNum" sz="quarter" idx="12"/>
+          </p:nvPr>
+        </p:nvSpPr>
+        <p:spPr/>
+        <p:txBody>
+          <a:bodyPr/>
+          <a:lstStyle/>
+          <a:p>
+            <a:r>
+              <a:rPr lang="de-CH" smtClean="0"/>
+              <a:t>Slide </a:t>
+            </a:r>
+            <a:fld id="{76AE5747-D0E7-4D66-8FBF-9CFC53A4E0C8}" type="slidenum">
+              <a:rPr lang="de-CH" smtClean="0"/>
+              <a:t>24</a:t>
+            </a:fld>
+            <a:endParaRPr lang="de-CH" dirty="0"/>
+          </a:p>
+        </p:txBody>
+      </p:sp>
+      <p:pic>
+        <p:nvPicPr>
+          <p:cNvPr id="14" name="Logo" descr="C:\Users\Luc Benninger\Desktop\Zuehlke_Logo_rgb_300dpi.png"/>
+          <p:cNvPicPr>
+            <a:picLocks noChangeArrowheads="1"/>
+          </p:cNvPicPr>
+          <p:nvPr>
+            <p:custDataLst>
+              <p:tags r:id="rId1"/>
+            </p:custDataLst>
+          </p:nvPr>
+        </p:nvPicPr>
+        <p:blipFill>
+          <a:blip r:embed="rId3" cstate="print">
+            <a:extLst>
+              <a:ext uri="{28A0092B-C50C-407E-A947-70E740481C1C}">
+                <a14:useLocalDpi xmlns:a14="http://schemas.microsoft.com/office/drawing/2010/main" val="0"/>
+              </a:ext>
+            </a:extLst>
+          </a:blip>
+          <a:srcRect/>
+          <a:stretch>
+            <a:fillRect/>
+          </a:stretch>
+        </p:blipFill>
+        <p:spPr bwMode="auto">
+          <a:xfrm>
+            <a:off x="6567488" y="292100"/>
+            <a:ext cx="1141412" cy="1141412"/>
+          </a:xfrm>
+          <a:prstGeom prst="rect">
+            <a:avLst/>
+          </a:prstGeom>
+          <a:noFill/>
+          <a:extLst>
+            <a:ext uri="{909E8E84-426E-40DD-AFC4-6F175D3DCCD1}">
+              <a14:hiddenFill xmlns:a14="http://schemas.microsoft.com/office/drawing/2010/main">
+                <a:solidFill>
+                  <a:srgbClr val="FFFFFF"/>
+                </a:solidFill>
+              </a14:hiddenFill>
+            </a:ext>
+          </a:extLst>
+        </p:spPr>
+      </p:pic>
+    </p:spTree>
+    <p:extLst>
+      <p:ext uri="{BB962C8B-B14F-4D97-AF65-F5344CB8AC3E}">
+        <p14:creationId xmlns:p14="http://schemas.microsoft.com/office/powerpoint/2010/main" val="212439074"/>
+      </p:ext>
+    </p:extLst>
+  </p:cSld>
+  <p:clrMapOvr>
+    <a:masterClrMapping/>
+  </p:clrMapOvr>
+  <p:timing>
+    <p:tnLst>
+      <p:par>
+        <p:cTn id="1" dur="indefinite" restart="never" nodeType="tmRoot">
+          <p:childTnLst>
+            <p:seq concurrent="1" nextAc="seek">
+              <p:cTn id="2" dur="indefinite" nodeType="mainSeq">
+                <p:childTnLst>
+                  <p:par>
+                    <p:cTn id="3" fill="hold">
+                      <p:stCondLst>
+                        <p:cond delay="indefinite"/>
+                      </p:stCondLst>
+                      <p:childTnLst>
+                        <p:par>
+                          <p:cTn id="4" fill="hold">
+                            <p:stCondLst>
+                              <p:cond delay="0"/>
+                            </p:stCondLst>
+                            <p:childTnLst>
+                              <p:par>
+                                <p:cTn id="5" presetID="10" presetClass="entr" presetSubtype="0" fill="hold" grpId="0" nodeType="clickEffect">
+                                  <p:stCondLst>
+                                    <p:cond delay="0"/>
+                                  </p:stCondLst>
+                                  <p:childTnLst>
+                                    <p:set>
+                                      <p:cBhvr>
+                                        <p:cTn id="6" dur="1" fill="hold">
+                                          <p:stCondLst>
+                                            <p:cond delay="0"/>
+                                          </p:stCondLst>
+                                        </p:cTn>
+                                        <p:tgtEl>
+                                          <p:spTgt spid="15"/>
+                                        </p:tgtEl>
+                                        <p:attrNameLst>
+                                          <p:attrName>style.visibility</p:attrName>
+                                        </p:attrNameLst>
+                                      </p:cBhvr>
+                                      <p:to>
+                                        <p:strVal val="visible"/>
+                                      </p:to>
+                                    </p:set>
+                                    <p:animEffect transition="in" filter="fade">
+                                      <p:cBhvr>
+                                        <p:cTn id="7" dur="500"/>
+                                        <p:tgtEl>
+                                          <p:spTgt spid="15"/>
+                                        </p:tgtEl>
+                                      </p:cBhvr>
+                                    </p:animEffect>
+                                  </p:childTnLst>
+                                </p:cTn>
+                              </p:par>
+                              <p:par>
+                                <p:cTn id="8" presetID="10" presetClass="entr" presetSubtype="0" fill="hold" grpId="0" nodeType="withEffect">
+                                  <p:stCondLst>
+                                    <p:cond delay="0"/>
+                                  </p:stCondLst>
+                                  <p:childTnLst>
+                                    <p:set>
+                                      <p:cBhvr>
+                                        <p:cTn id="9" dur="1" fill="hold">
+                                          <p:stCondLst>
+                                            <p:cond delay="0"/>
+                                          </p:stCondLst>
+                                        </p:cTn>
+                                        <p:tgtEl>
+                                          <p:spTgt spid="6"/>
+                                        </p:tgtEl>
+                                        <p:attrNameLst>
+                                          <p:attrName>style.visibility</p:attrName>
+                                        </p:attrNameLst>
+                                      </p:cBhvr>
+                                      <p:to>
+                                        <p:strVal val="visible"/>
+                                      </p:to>
+                                    </p:set>
+                                    <p:animEffect transition="in" filter="fade">
+                                      <p:cBhvr>
+                                        <p:cTn id="10" dur="500"/>
+                                        <p:tgtEl>
+                                          <p:spTgt spid="6"/>
+                                        </p:tgtEl>
+                                      </p:cBhvr>
+                                    </p:animEffect>
+                                  </p:childTnLst>
+                                </p:cTn>
+                              </p:par>
+                              <p:par>
+                                <p:cTn id="11" presetID="10" presetClass="entr" presetSubtype="0" fill="hold" grpId="0" nodeType="withEffect">
+                                  <p:stCondLst>
+                                    <p:cond delay="0"/>
+                                  </p:stCondLst>
+                                  <p:childTnLst>
+                                    <p:set>
+                                      <p:cBhvr>
+                                        <p:cTn id="12" dur="1" fill="hold">
+                                          <p:stCondLst>
+                                            <p:cond delay="0"/>
+                                          </p:stCondLst>
+                                        </p:cTn>
+                                        <p:tgtEl>
+                                          <p:spTgt spid="16"/>
+                                        </p:tgtEl>
+                                        <p:attrNameLst>
+                                          <p:attrName>style.visibility</p:attrName>
+                                        </p:attrNameLst>
+                                      </p:cBhvr>
+                                      <p:to>
+                                        <p:strVal val="visible"/>
+                                      </p:to>
+                                    </p:set>
+                                    <p:animEffect transition="in" filter="fade">
+                                      <p:cBhvr>
+                                        <p:cTn id="13" dur="500"/>
+                                        <p:tgtEl>
+                                          <p:spTgt spid="16"/>
+                                        </p:tgtEl>
+                                      </p:cBhvr>
+                                    </p:animEffect>
+                                  </p:childTnLst>
+                                </p:cTn>
+                              </p:par>
+                              <p:par>
+                                <p:cTn id="14" presetID="10" presetClass="entr" presetSubtype="0" fill="hold" grpId="0" nodeType="withEffect">
+                                  <p:stCondLst>
+                                    <p:cond delay="0"/>
+                                  </p:stCondLst>
+                                  <p:childTnLst>
+                                    <p:set>
+                                      <p:cBhvr>
+                                        <p:cTn id="15" dur="1" fill="hold">
+                                          <p:stCondLst>
+                                            <p:cond delay="0"/>
+                                          </p:stCondLst>
+                                        </p:cTn>
+                                        <p:tgtEl>
+                                          <p:spTgt spid="17"/>
+                                        </p:tgtEl>
+                                        <p:attrNameLst>
+                                          <p:attrName>style.visibility</p:attrName>
+                                        </p:attrNameLst>
+                                      </p:cBhvr>
+                                      <p:to>
+                                        <p:strVal val="visible"/>
+                                      </p:to>
+                                    </p:set>
+                                    <p:animEffect transition="in" filter="fade">
+                                      <p:cBhvr>
+                                        <p:cTn id="16" dur="500"/>
+                                        <p:tgtEl>
+                                          <p:spTgt spid="17"/>
+                                        </p:tgtEl>
+                                      </p:cBhvr>
+                                    </p:animEffect>
+                                  </p:childTnLst>
+                                </p:cTn>
+                              </p:par>
+                            </p:childTnLst>
+                          </p:cTn>
+                        </p:par>
+                      </p:childTnLst>
+                    </p:cTn>
+                  </p:par>
+                </p:childTnLst>
+              </p:cTn>
+              <p:prevCondLst>
+                <p:cond evt="onPrev" delay="0">
+                  <p:tgtEl>
+                    <p:sldTgt/>
+                  </p:tgtEl>
+                </p:cond>
+              </p:prevCondLst>
+              <p:nextCondLst>
+                <p:cond evt="onNext" delay="0">
+                  <p:tgtEl>
+                    <p:sldTgt/>
+                  </p:tgtEl>
+                </p:cond>
+              </p:nextCondLst>
+            </p:seq>
+          </p:childTnLst>
+        </p:cTn>
+      </p:par>
+    </p:tnLst>
+    <p:bldLst>
+      <p:bldP spid="16" grpId="0" animBg="1"/>
+      <p:bldP spid="17" grpId="0" animBg="1"/>
+      <p:bldP spid="15" grpId="0" animBg="1"/>
+      <p:bldP spid="6" grpId="0" animBg="1"/>
+    </p:bldLst>
+  </p:timing>
+</p:sld>
+</file>
+
+<file path=ppt/slides/slide25.xml><?xml version="1.0" encoding="utf-8"?>
+<p:sld xmlns:a="http://schemas.openxmlformats.org/drawingml/2006/main" xmlns:r="http://schemas.openxmlformats.org/officeDocument/2006/relationships" xmlns:p="http://schemas.openxmlformats.org/presentationml/2006/main">
+  <p:cSld>
+    <p:spTree>
+      <p:nvGrpSpPr>
+        <p:cNvPr id="1" name=""/>
+        <p:cNvGrpSpPr/>
+        <p:nvPr/>
+      </p:nvGrpSpPr>
+      <p:grpSpPr>
+        <a:xfrm>
+          <a:off x="0" y="0"/>
+          <a:ext cx="0" cy="0"/>
+          <a:chOff x="0" y="0"/>
+          <a:chExt cx="0" cy="0"/>
+        </a:xfrm>
+      </p:grpSpPr>
+      <p:sp>
+        <p:nvSpPr>
           <p:cNvPr id="3" name="Title 2"/>
           <p:cNvSpPr>
             <a:spLocks noGrp="1"/>
@@ -15119,7 +15950,7 @@
             </a:r>
             <a:fld id="{EA382A82-52C3-4CAB-89F1-38331029E314}" type="slidenum">
               <a:rPr lang="de-CH" smtClean="0"/>
-              <a:t>24</a:t>
+              <a:t>25</a:t>
             </a:fld>
             <a:endParaRPr lang="de-CH" dirty="0"/>
           </a:p>
@@ -15145,7 +15976,7 @@
 </p:sld>
 </file>
 
-<file path=ppt/slides/slide25.xml><?xml version="1.0" encoding="utf-8"?>
+<file path=ppt/slides/slide26.xml><?xml version="1.0" encoding="utf-8"?>
 <p:sld xmlns:a="http://schemas.openxmlformats.org/drawingml/2006/main" xmlns:r="http://schemas.openxmlformats.org/officeDocument/2006/relationships" xmlns:p="http://schemas.openxmlformats.org/presentationml/2006/main">
   <p:cSld>
     <p:spTree>
@@ -15283,7 +16114,7 @@
             </a:r>
             <a:fld id="{7B09883B-D8DA-4C40-AD18-6B0B2D9537FF}" type="slidenum">
               <a:rPr lang="de-CH" smtClean="0"/>
-              <a:t>25</a:t>
+              <a:t>26</a:t>
             </a:fld>
             <a:endParaRPr lang="de-CH" dirty="0"/>
           </a:p>
@@ -15339,7 +16170,7 @@
 </p:sld>
 </file>
 
-<file path=ppt/slides/slide26.xml><?xml version="1.0" encoding="utf-8"?>
+<file path=ppt/slides/slide27.xml><?xml version="1.0" encoding="utf-8"?>
 <p:sld xmlns:a="http://schemas.openxmlformats.org/drawingml/2006/main" xmlns:r="http://schemas.openxmlformats.org/officeDocument/2006/relationships" xmlns:p="http://schemas.openxmlformats.org/presentationml/2006/main">
   <p:cSld>
     <p:spTree>
@@ -15453,7 +16284,7 @@
             </a:r>
             <a:fld id="{7481FCEA-C37D-4243-8F22-4CC0415B3695}" type="slidenum">
               <a:rPr lang="de-CH" smtClean="0"/>
-              <a:t>26</a:t>
+              <a:t>27</a:t>
             </a:fld>
             <a:endParaRPr lang="de-CH" dirty="0"/>
           </a:p>
@@ -15509,7 +16340,7 @@
 </p:sld>
 </file>
 
-<file path=ppt/slides/slide27.xml><?xml version="1.0" encoding="utf-8"?>
+<file path=ppt/slides/slide28.xml><?xml version="1.0" encoding="utf-8"?>
 <p:sld xmlns:a="http://schemas.openxmlformats.org/drawingml/2006/main" xmlns:r="http://schemas.openxmlformats.org/officeDocument/2006/relationships" xmlns:p="http://schemas.openxmlformats.org/presentationml/2006/main">
   <p:cSld>
     <p:spTree>
@@ -15657,7 +16488,7 @@
             </a:r>
             <a:fld id="{46E01C9A-4F0E-450E-B8F9-72C16FDD6F64}" type="slidenum">
               <a:rPr lang="de-CH" smtClean="0"/>
-              <a:t>27</a:t>
+              <a:t>28</a:t>
             </a:fld>
             <a:endParaRPr lang="de-CH" dirty="0"/>
           </a:p>
@@ -15683,7 +16514,7 @@
 </p:sld>
 </file>
 
-<file path=ppt/slides/slide28.xml><?xml version="1.0" encoding="utf-8"?>
+<file path=ppt/slides/slide29.xml><?xml version="1.0" encoding="utf-8"?>
 <p:sld xmlns:a="http://schemas.openxmlformats.org/drawingml/2006/main" xmlns:r="http://schemas.openxmlformats.org/officeDocument/2006/relationships" xmlns:p="http://schemas.openxmlformats.org/presentationml/2006/main">
   <p:cSld>
     <p:spTree>
@@ -15998,9 +16829,6 @@
               </a:rPr>
               <a:t>Belgrade</a:t>
             </a:r>
-            <a:endParaRPr lang="en-US" sz="2200" dirty="0" smtClean="0">
-              <a:latin typeface="AA Zuehlke" pitchFamily="2" charset="0"/>
-            </a:endParaRPr>
           </a:p>
         </p:txBody>
       </p:sp>
@@ -16048,7 +16876,7 @@
             </a:r>
             <a:fld id="{3A0CAE62-62EF-4FE6-8C36-CD1035D976E5}" type="slidenum">
               <a:rPr lang="de-CH" smtClean="0"/>
-              <a:t>28</a:t>
+              <a:t>29</a:t>
             </a:fld>
             <a:endParaRPr lang="de-CH" dirty="0"/>
           </a:p>
@@ -16112,9 +16940,6 @@
               </a:rPr>
               <a:t>Kerry Lothrop</a:t>
             </a:r>
-            <a:endParaRPr lang="en-US" sz="2200" dirty="0" smtClean="0">
-              <a:latin typeface="+mj-lt"/>
-            </a:endParaRPr>
           </a:p>
           <a:p>
             <a:r>
@@ -16123,9 +16948,6 @@
               </a:rPr>
               <a:t>Lead Software Architect</a:t>
             </a:r>
-            <a:endParaRPr lang="en-US" sz="2200" dirty="0" smtClean="0">
-              <a:latin typeface="AA Zuehlke" pitchFamily="2" charset="0"/>
-            </a:endParaRPr>
           </a:p>
           <a:p>
             <a:r>
@@ -16134,9 +16956,6 @@
               </a:rPr>
               <a:t>Frankfurt</a:t>
             </a:r>
-            <a:endParaRPr lang="en-US" sz="2200" dirty="0" smtClean="0">
-              <a:latin typeface="AA Zuehlke" pitchFamily="2" charset="0"/>
-            </a:endParaRPr>
           </a:p>
         </p:txBody>
       </p:sp>
@@ -16198,9 +17017,6 @@
               </a:rPr>
               <a:t>Klaus Liebe</a:t>
             </a:r>
-            <a:endParaRPr lang="en-US" sz="2200" dirty="0" smtClean="0">
-              <a:latin typeface="+mj-lt"/>
-            </a:endParaRPr>
           </a:p>
           <a:p>
             <a:r>
@@ -16209,9 +17025,6 @@
               </a:rPr>
               <a:t>Business Unit Manager</a:t>
             </a:r>
-            <a:endParaRPr lang="en-US" sz="2200" dirty="0" smtClean="0">
-              <a:latin typeface="AA Zuehlke" pitchFamily="2" charset="0"/>
-            </a:endParaRPr>
           </a:p>
           <a:p>
             <a:r>
@@ -16220,9 +17033,6 @@
               </a:rPr>
               <a:t>Frankfurt</a:t>
             </a:r>
-            <a:endParaRPr lang="en-US" sz="2200" dirty="0" smtClean="0">
-              <a:latin typeface="AA Zuehlke" pitchFamily="2" charset="0"/>
-            </a:endParaRPr>
           </a:p>
         </p:txBody>
       </p:sp>
@@ -16314,11 +17124,7 @@
             </a:pPr>
             <a:r>
               <a:rPr lang="en-US" dirty="0" smtClean="0"/>
-              <a:t>Building </a:t>
-            </a:r>
-            <a:r>
-              <a:rPr lang="en-US" dirty="0" smtClean="0"/>
-              <a:t>the “</a:t>
+              <a:t>Building the “</a:t>
             </a:r>
             <a:r>
               <a:rPr lang="en-US" dirty="0" smtClean="0">
@@ -16379,6 +17185,27 @@
                 <a:latin typeface="+mn-lt"/>
               </a:rPr>
               <a:t>urb</a:t>
+            </a:r>
+            <a:endParaRPr lang="en-US" dirty="0">
+              <a:latin typeface="+mn-lt"/>
+            </a:endParaRPr>
+          </a:p>
+          <a:p>
+            <a:pPr lvl="3"/>
+            <a:r>
+              <a:rPr lang="en-US" dirty="0" smtClean="0">
+                <a:latin typeface="+mn-lt"/>
+              </a:rPr>
+              <a:t>Role playing</a:t>
+            </a:r>
+          </a:p>
+          <a:p>
+            <a:pPr lvl="3"/>
+            <a:r>
+              <a:rPr lang="en-US" dirty="0" smtClean="0">
+                <a:latin typeface="+mn-lt"/>
+              </a:rPr>
+              <a:t>Live coding</a:t>
             </a:r>
             <a:endParaRPr lang="en-US" dirty="0" smtClean="0">
               <a:latin typeface="+mn-lt"/>
@@ -19714,6 +20541,172 @@
       </p:grpSpPr>
       <p:sp>
         <p:nvSpPr>
+          <p:cNvPr id="40" name="Rounded Rectangle 39"/>
+          <p:cNvSpPr/>
+          <p:nvPr/>
+        </p:nvSpPr>
+        <p:spPr>
+          <a:xfrm>
+            <a:off x="6340716" y="2537664"/>
+            <a:ext cx="1296000" cy="748758"/>
+          </a:xfrm>
+          <a:prstGeom prst="roundRect">
+            <a:avLst/>
+          </a:prstGeom>
+          <a:gradFill flip="none" rotWithShape="1">
+            <a:gsLst>
+              <a:gs pos="0">
+                <a:schemeClr val="accent2">
+                  <a:shade val="30000"/>
+                  <a:satMod val="115000"/>
+                </a:schemeClr>
+              </a:gs>
+              <a:gs pos="50000">
+                <a:schemeClr val="accent2">
+                  <a:shade val="67500"/>
+                  <a:satMod val="115000"/>
+                </a:schemeClr>
+              </a:gs>
+              <a:gs pos="100000">
+                <a:schemeClr val="accent2">
+                  <a:shade val="100000"/>
+                  <a:satMod val="115000"/>
+                </a:schemeClr>
+              </a:gs>
+            </a:gsLst>
+            <a:lin ang="16200000" scaled="1"/>
+            <a:tileRect/>
+          </a:gradFill>
+          <a:ln/>
+        </p:spPr>
+        <p:style>
+          <a:lnRef idx="0">
+            <a:schemeClr val="accent2"/>
+          </a:lnRef>
+          <a:fillRef idx="3">
+            <a:schemeClr val="accent2"/>
+          </a:fillRef>
+          <a:effectRef idx="3">
+            <a:schemeClr val="accent2"/>
+          </a:effectRef>
+          <a:fontRef idx="minor">
+            <a:schemeClr val="lt1"/>
+          </a:fontRef>
+        </p:style>
+        <p:txBody>
+          <a:bodyPr rtlCol="0" anchor="ctr"/>
+          <a:lstStyle/>
+          <a:p>
+            <a:pPr algn="ctr"/>
+            <a:r>
+              <a:rPr lang="en-US" dirty="0" smtClean="0">
+                <a:solidFill>
+                  <a:srgbClr val="000000"/>
+                </a:solidFill>
+              </a:rPr>
+              <a:t>User </a:t>
+            </a:r>
+            <a:r>
+              <a:rPr lang="en-US" dirty="0" smtClean="0">
+                <a:solidFill>
+                  <a:srgbClr val="000000"/>
+                </a:solidFill>
+              </a:rPr>
+              <a:t>Interface</a:t>
+            </a:r>
+            <a:endParaRPr lang="en-US" dirty="0">
+              <a:solidFill>
+                <a:srgbClr val="000000"/>
+              </a:solidFill>
+            </a:endParaRPr>
+          </a:p>
+        </p:txBody>
+      </p:sp>
+      <p:sp>
+        <p:nvSpPr>
+          <p:cNvPr id="60" name="Rounded Rectangle 59"/>
+          <p:cNvSpPr/>
+          <p:nvPr/>
+        </p:nvSpPr>
+        <p:spPr>
+          <a:xfrm>
+            <a:off x="1421775" y="2537664"/>
+            <a:ext cx="1296000" cy="748758"/>
+          </a:xfrm>
+          <a:prstGeom prst="roundRect">
+            <a:avLst/>
+          </a:prstGeom>
+          <a:gradFill flip="none" rotWithShape="1">
+            <a:gsLst>
+              <a:gs pos="0">
+                <a:schemeClr val="accent2">
+                  <a:shade val="30000"/>
+                  <a:satMod val="115000"/>
+                </a:schemeClr>
+              </a:gs>
+              <a:gs pos="50000">
+                <a:schemeClr val="accent2">
+                  <a:shade val="67500"/>
+                  <a:satMod val="115000"/>
+                </a:schemeClr>
+              </a:gs>
+              <a:gs pos="100000">
+                <a:schemeClr val="accent2">
+                  <a:shade val="100000"/>
+                  <a:satMod val="115000"/>
+                </a:schemeClr>
+              </a:gs>
+            </a:gsLst>
+            <a:lin ang="16200000" scaled="1"/>
+            <a:tileRect/>
+          </a:gradFill>
+          <a:ln/>
+        </p:spPr>
+        <p:style>
+          <a:lnRef idx="0">
+            <a:schemeClr val="accent2"/>
+          </a:lnRef>
+          <a:fillRef idx="3">
+            <a:schemeClr val="accent2"/>
+          </a:fillRef>
+          <a:effectRef idx="3">
+            <a:schemeClr val="accent2"/>
+          </a:effectRef>
+          <a:fontRef idx="minor">
+            <a:schemeClr val="lt1"/>
+          </a:fontRef>
+        </p:style>
+        <p:txBody>
+          <a:bodyPr rtlCol="0" anchor="ctr"/>
+          <a:lstStyle/>
+          <a:p>
+            <a:pPr algn="ctr"/>
+            <a:r>
+              <a:rPr lang="en-US" dirty="0" smtClean="0">
+                <a:solidFill>
+                  <a:srgbClr val="000000"/>
+                </a:solidFill>
+              </a:rPr>
+              <a:t>User </a:t>
+            </a:r>
+            <a:r>
+              <a:rPr lang="en-US" dirty="0" smtClean="0">
+                <a:solidFill>
+                  <a:srgbClr val="000000"/>
+                </a:solidFill>
+              </a:rPr>
+              <a:t>Interface</a:t>
+            </a:r>
+            <a:endParaRPr lang="en-US" dirty="0">
+              <a:solidFill>
+                <a:srgbClr val="000000"/>
+              </a:solidFill>
+            </a:endParaRPr>
+          </a:p>
+        </p:txBody>
+      </p:sp>
+      <p:sp>
+        <p:nvSpPr>
           <p:cNvPr id="15" name="Cloud 14"/>
           <p:cNvSpPr/>
           <p:nvPr/>
@@ -19919,7 +20912,11 @@
             <a:pPr algn="ctr"/>
             <a:r>
               <a:rPr lang="en-US" dirty="0" smtClean="0"/>
-              <a:t>Business layer</a:t>
+              <a:t>Business </a:t>
+            </a:r>
+            <a:r>
+              <a:rPr lang="en-US" dirty="0" smtClean="0"/>
+              <a:t>Layer</a:t>
             </a:r>
             <a:endParaRPr lang="en-US" dirty="0"/>
           </a:p>
@@ -20202,156 +21199,6 @@
       </p:pic>
       <p:sp>
         <p:nvSpPr>
-          <p:cNvPr id="60" name="Rounded Rectangle 59"/>
-          <p:cNvSpPr/>
-          <p:nvPr/>
-        </p:nvSpPr>
-        <p:spPr>
-          <a:xfrm>
-            <a:off x="1421775" y="2537664"/>
-            <a:ext cx="1296000" cy="748758"/>
-          </a:xfrm>
-          <a:prstGeom prst="roundRect">
-            <a:avLst/>
-          </a:prstGeom>
-          <a:gradFill flip="none" rotWithShape="1">
-            <a:gsLst>
-              <a:gs pos="0">
-                <a:schemeClr val="accent2">
-                  <a:shade val="30000"/>
-                  <a:satMod val="115000"/>
-                </a:schemeClr>
-              </a:gs>
-              <a:gs pos="50000">
-                <a:schemeClr val="accent2">
-                  <a:shade val="67500"/>
-                  <a:satMod val="115000"/>
-                </a:schemeClr>
-              </a:gs>
-              <a:gs pos="100000">
-                <a:schemeClr val="accent2">
-                  <a:shade val="100000"/>
-                  <a:satMod val="115000"/>
-                </a:schemeClr>
-              </a:gs>
-            </a:gsLst>
-            <a:lin ang="16200000" scaled="1"/>
-            <a:tileRect/>
-          </a:gradFill>
-          <a:ln/>
-        </p:spPr>
-        <p:style>
-          <a:lnRef idx="0">
-            <a:schemeClr val="accent2"/>
-          </a:lnRef>
-          <a:fillRef idx="3">
-            <a:schemeClr val="accent2"/>
-          </a:fillRef>
-          <a:effectRef idx="3">
-            <a:schemeClr val="accent2"/>
-          </a:effectRef>
-          <a:fontRef idx="minor">
-            <a:schemeClr val="lt1"/>
-          </a:fontRef>
-        </p:style>
-        <p:txBody>
-          <a:bodyPr rtlCol="0" anchor="ctr"/>
-          <a:lstStyle/>
-          <a:p>
-            <a:pPr algn="ctr"/>
-            <a:r>
-              <a:rPr lang="en-US" dirty="0" smtClean="0">
-                <a:solidFill>
-                  <a:srgbClr val="000000"/>
-                </a:solidFill>
-              </a:rPr>
-              <a:t>User interface</a:t>
-            </a:r>
-            <a:endParaRPr lang="en-US" dirty="0">
-              <a:solidFill>
-                <a:srgbClr val="000000"/>
-              </a:solidFill>
-            </a:endParaRPr>
-          </a:p>
-        </p:txBody>
-      </p:sp>
-      <p:sp>
-        <p:nvSpPr>
-          <p:cNvPr id="40" name="Rounded Rectangle 39"/>
-          <p:cNvSpPr/>
-          <p:nvPr/>
-        </p:nvSpPr>
-        <p:spPr>
-          <a:xfrm>
-            <a:off x="6340716" y="2537664"/>
-            <a:ext cx="1296000" cy="748758"/>
-          </a:xfrm>
-          <a:prstGeom prst="roundRect">
-            <a:avLst/>
-          </a:prstGeom>
-          <a:gradFill flip="none" rotWithShape="1">
-            <a:gsLst>
-              <a:gs pos="0">
-                <a:schemeClr val="accent2">
-                  <a:shade val="30000"/>
-                  <a:satMod val="115000"/>
-                </a:schemeClr>
-              </a:gs>
-              <a:gs pos="50000">
-                <a:schemeClr val="accent2">
-                  <a:shade val="67500"/>
-                  <a:satMod val="115000"/>
-                </a:schemeClr>
-              </a:gs>
-              <a:gs pos="100000">
-                <a:schemeClr val="accent2">
-                  <a:shade val="100000"/>
-                  <a:satMod val="115000"/>
-                </a:schemeClr>
-              </a:gs>
-            </a:gsLst>
-            <a:lin ang="16200000" scaled="1"/>
-            <a:tileRect/>
-          </a:gradFill>
-          <a:ln/>
-        </p:spPr>
-        <p:style>
-          <a:lnRef idx="0">
-            <a:schemeClr val="accent2"/>
-          </a:lnRef>
-          <a:fillRef idx="3">
-            <a:schemeClr val="accent2"/>
-          </a:fillRef>
-          <a:effectRef idx="3">
-            <a:schemeClr val="accent2"/>
-          </a:effectRef>
-          <a:fontRef idx="minor">
-            <a:schemeClr val="lt1"/>
-          </a:fontRef>
-        </p:style>
-        <p:txBody>
-          <a:bodyPr rtlCol="0" anchor="ctr"/>
-          <a:lstStyle/>
-          <a:p>
-            <a:pPr algn="ctr"/>
-            <a:r>
-              <a:rPr lang="en-US" dirty="0" smtClean="0">
-                <a:solidFill>
-                  <a:srgbClr val="000000"/>
-                </a:solidFill>
-              </a:rPr>
-              <a:t>User interface</a:t>
-            </a:r>
-            <a:endParaRPr lang="en-US" dirty="0">
-              <a:solidFill>
-                <a:srgbClr val="000000"/>
-              </a:solidFill>
-            </a:endParaRPr>
-          </a:p>
-        </p:txBody>
-      </p:sp>
-      <p:sp>
-        <p:nvSpPr>
           <p:cNvPr id="6" name="Footer Placeholder 5"/>
           <p:cNvSpPr>
             <a:spLocks noGrp="1"/>
@@ -20410,7 +21257,11 @@
             <a:pPr algn="ctr"/>
             <a:r>
               <a:rPr lang="en-US" dirty="0" smtClean="0"/>
-              <a:t>Business layer</a:t>
+              <a:t>Business </a:t>
+            </a:r>
+            <a:r>
+              <a:rPr lang="en-US" dirty="0" smtClean="0"/>
+              <a:t>Layer</a:t>
             </a:r>
             <a:endParaRPr lang="en-US" dirty="0"/>
           </a:p>
@@ -20868,49 +21719,6 @@
       </p:sp>
       <p:sp>
         <p:nvSpPr>
-          <p:cNvPr id="52" name="Rounded Rectangle 51"/>
-          <p:cNvSpPr/>
-          <p:nvPr/>
-        </p:nvSpPr>
-        <p:spPr>
-          <a:xfrm>
-            <a:off x="1427873" y="3754953"/>
-            <a:ext cx="6208841" cy="853250"/>
-          </a:xfrm>
-          <a:prstGeom prst="roundRect">
-            <a:avLst/>
-          </a:prstGeom>
-          <a:ln/>
-        </p:spPr>
-        <p:style>
-          <a:lnRef idx="0">
-            <a:schemeClr val="accent1"/>
-          </a:lnRef>
-          <a:fillRef idx="3">
-            <a:schemeClr val="accent1"/>
-          </a:fillRef>
-          <a:effectRef idx="3">
-            <a:schemeClr val="accent1"/>
-          </a:effectRef>
-          <a:fontRef idx="minor">
-            <a:schemeClr val="lt1"/>
-          </a:fontRef>
-        </p:style>
-        <p:txBody>
-          <a:bodyPr rtlCol="0" anchor="ctr"/>
-          <a:lstStyle/>
-          <a:p>
-            <a:pPr algn="ctr"/>
-            <a:r>
-              <a:rPr lang="en-US" dirty="0" smtClean="0"/>
-              <a:t>Business layer</a:t>
-            </a:r>
-            <a:endParaRPr lang="en-US" dirty="0"/>
-          </a:p>
-        </p:txBody>
-      </p:sp>
-      <p:sp>
-        <p:nvSpPr>
           <p:cNvPr id="53" name="Rounded Rectangle 52"/>
           <p:cNvSpPr/>
           <p:nvPr/>
@@ -21144,6 +21952,53 @@
               <a:t>6</a:t>
             </a:fld>
             <a:endParaRPr lang="de-CH" dirty="0"/>
+          </a:p>
+        </p:txBody>
+      </p:sp>
+      <p:sp>
+        <p:nvSpPr>
+          <p:cNvPr id="52" name="Rounded Rectangle 51"/>
+          <p:cNvSpPr/>
+          <p:nvPr/>
+        </p:nvSpPr>
+        <p:spPr>
+          <a:xfrm>
+            <a:off x="1427873" y="3754953"/>
+            <a:ext cx="6208841" cy="853250"/>
+          </a:xfrm>
+          <a:prstGeom prst="roundRect">
+            <a:avLst/>
+          </a:prstGeom>
+          <a:ln/>
+        </p:spPr>
+        <p:style>
+          <a:lnRef idx="0">
+            <a:schemeClr val="accent1"/>
+          </a:lnRef>
+          <a:fillRef idx="3">
+            <a:schemeClr val="accent1"/>
+          </a:fillRef>
+          <a:effectRef idx="3">
+            <a:schemeClr val="accent1"/>
+          </a:effectRef>
+          <a:fontRef idx="minor">
+            <a:schemeClr val="lt1"/>
+          </a:fontRef>
+        </p:style>
+        <p:txBody>
+          <a:bodyPr rtlCol="0" anchor="ctr"/>
+          <a:lstStyle/>
+          <a:p>
+            <a:pPr algn="ctr"/>
+            <a:r>
+              <a:rPr lang="en-US" dirty="0" smtClean="0"/>
+              <a:t>Business </a:t>
+            </a:r>
+            <a:r>
+              <a:rPr lang="en-US" dirty="0" smtClean="0"/>
+              <a:t>Layer</a:t>
+            </a:r>
+            <a:endParaRPr lang="en-US" dirty="0"/>
           </a:p>
         </p:txBody>
       </p:sp>
@@ -21696,19 +22551,19 @@
       </p:par>
     </p:tnLst>
     <p:bldLst>
+      <p:bldP spid="40" grpId="0" animBg="1"/>
       <p:bldP spid="60" grpId="0" animBg="1"/>
-      <p:bldP spid="40" grpId="0" animBg="1"/>
       <p:bldP spid="42" grpId="0" animBg="1"/>
       <p:bldP spid="43" grpId="0" animBg="1"/>
       <p:bldP spid="46" grpId="0" animBg="1"/>
       <p:bldP spid="48" grpId="0" animBg="1"/>
       <p:bldP spid="50" grpId="0" animBg="1"/>
       <p:bldP spid="51" grpId="0" animBg="1"/>
-      <p:bldP spid="52" grpId="0" animBg="1"/>
       <p:bldP spid="53" grpId="0" animBg="1"/>
       <p:bldP spid="25" grpId="0"/>
       <p:bldP spid="56" grpId="0"/>
       <p:bldP spid="57" grpId="0" animBg="1"/>
+      <p:bldP spid="52" grpId="0" animBg="1"/>
     </p:bldLst>
   </p:timing>
 </p:sld>
@@ -21785,12 +22640,6 @@
               </a:rPr>
               <a:t>Zühlke</a:t>
             </a:r>
-            <a:endParaRPr lang="en-US" sz="2800" dirty="0" smtClean="0">
-              <a:solidFill>
-                <a:schemeClr val="tx1"/>
-              </a:solidFill>
-              <a:latin typeface="+mj-lt"/>
-            </a:endParaRPr>
           </a:p>
         </p:txBody>
       </p:sp>
@@ -21848,12 +22697,6 @@
               </a:rPr>
               <a:t>Customer</a:t>
             </a:r>
-            <a:endParaRPr lang="en-US" sz="2800" dirty="0" smtClean="0">
-              <a:solidFill>
-                <a:schemeClr val="tx1"/>
-              </a:solidFill>
-              <a:latin typeface="+mj-lt"/>
-            </a:endParaRPr>
           </a:p>
         </p:txBody>
       </p:sp>
@@ -22399,7 +23242,7 @@
               <a:defRPr/>
             </a:pPr>
             <a:r>
-              <a:rPr lang="en-US" dirty="0" smtClean="0">
+              <a:rPr lang="en-US" smtClean="0">
                 <a:solidFill>
                   <a:schemeClr val="bg1"/>
                 </a:solidFill>
@@ -22433,38 +23276,31 @@
           <a:p>
             <a:pPr lvl="1"/>
             <a:r>
-              <a:rPr lang="en-US" dirty="0" smtClean="0"/>
+              <a:rPr lang="en-US" smtClean="0"/>
               <a:t>.NET development team (C#)</a:t>
             </a:r>
           </a:p>
           <a:p>
             <a:pPr lvl="1"/>
             <a:r>
-              <a:rPr lang="en-US" dirty="0" smtClean="0"/>
-              <a:t>Cloud service (Azure) providing a </a:t>
-            </a:r>
-            <a:r>
-              <a:rPr lang="en-US" dirty="0" err="1" smtClean="0"/>
-              <a:t>RESTful</a:t>
-            </a:r>
-            <a:r>
-              <a:rPr lang="en-US" dirty="0" smtClean="0"/>
-              <a:t> API</a:t>
+              <a:rPr lang="en-US" smtClean="0"/>
+              <a:t>Cloud service (Azure) providing a RESTful API</a:t>
             </a:r>
           </a:p>
           <a:p>
             <a:pPr lvl="2"/>
             <a:r>
-              <a:rPr lang="en-US" dirty="0" smtClean="0"/>
+              <a:rPr lang="en-US" smtClean="0"/>
               <a:t>Get users</a:t>
             </a:r>
           </a:p>
           <a:p>
             <a:pPr lvl="2"/>
             <a:r>
-              <a:rPr lang="en-US" dirty="0" smtClean="0"/>
+              <a:rPr lang="en-US" smtClean="0"/>
               <a:t>Send/receive messages</a:t>
             </a:r>
+            <a:endParaRPr lang="en-US" dirty="0" smtClean="0"/>
           </a:p>
         </p:txBody>
       </p:sp>
@@ -22644,16 +23480,7 @@
                 </a:solidFill>
                 <a:latin typeface="+mj-lt"/>
               </a:rPr>
-              <a:t>Zühlke X-Platform </a:t>
-            </a:r>
-            <a:r>
-              <a:rPr lang="en-US" dirty="0" smtClean="0">
-                <a:solidFill>
-                  <a:schemeClr val="accent1"/>
-                </a:solidFill>
-                <a:latin typeface="+mj-lt"/>
-              </a:rPr>
-              <a:t>Messenger</a:t>
+              <a:t>Zühlke X-Platform Messenger</a:t>
             </a:r>
             <a:endParaRPr lang="en-US" dirty="0">
               <a:solidFill>
@@ -22895,23 +23722,7 @@
                   <a:schemeClr val="tx1"/>
                 </a:solidFill>
               </a:rPr>
-              <a:t>ayer (.</a:t>
-            </a:r>
-            <a:r>
-              <a:rPr lang="en-US" dirty="0" smtClean="0">
-                <a:solidFill>
-                  <a:schemeClr val="tx1"/>
-                </a:solidFill>
-              </a:rPr>
-              <a:t>NET</a:t>
-            </a:r>
-            <a:r>
-              <a:rPr lang="en-US" dirty="0" smtClean="0">
-                <a:solidFill>
-                  <a:schemeClr val="tx1"/>
-                </a:solidFill>
-              </a:rPr>
-              <a:t>)</a:t>
+              <a:t>ayer (.NET)</a:t>
             </a:r>
             <a:br>
               <a:rPr lang="en-US" dirty="0" smtClean="0">
@@ -23587,6 +24398,12 @@
 </file>
 
 <file path=ppt/tags/tag16.xml><?xml version="1.0" encoding="utf-8"?>
+<p:tagLst xmlns:a="http://schemas.openxmlformats.org/drawingml/2006/main" xmlns:r="http://schemas.openxmlformats.org/officeDocument/2006/relationships" xmlns:p="http://schemas.openxmlformats.org/presentationml/2006/main">
+  <p:tag name="SHAPETYPE" val="Logo"/>
+</p:tagLst>
+</file>
+
+<file path=ppt/tags/tag17.xml><?xml version="1.0" encoding="utf-8"?>
 <p:tagLst xmlns:a="http://schemas.openxmlformats.org/drawingml/2006/main" xmlns:r="http://schemas.openxmlformats.org/officeDocument/2006/relationships" xmlns:p="http://schemas.openxmlformats.org/presentationml/2006/main">
   <p:tag name="SHAPETYPE" val="Logo"/>
 </p:tagLst>

--- a/docs/13-09-26 Cross-platform mobile development with C#.pptx
+++ b/docs/13-09-26 Cross-platform mobile development with C#.pptx
@@ -49,17 +49,17 @@
       <p:regular r:id="rId33"/>
     </p:embeddedFont>
     <p:embeddedFont>
-      <p:font typeface="AA Zuehlke" panose="02000503060000020004" pitchFamily="2" charset="0"/>
+      <p:font typeface="Webdings" panose="05030102010509060703" pitchFamily="18" charset="2"/>
       <p:regular r:id="rId34"/>
-      <p:bold r:id="rId35"/>
-    </p:embeddedFont>
-    <p:embeddedFont>
-      <p:font typeface="Webdings" panose="05030102010509060703" pitchFamily="18" charset="2"/>
-      <p:regular r:id="rId36"/>
     </p:embeddedFont>
     <p:embeddedFont>
       <p:font typeface="Wingdings 3" panose="05040102010807070707" pitchFamily="18" charset="2"/>
-      <p:regular r:id="rId37"/>
+      <p:regular r:id="rId35"/>
+    </p:embeddedFont>
+    <p:embeddedFont>
+      <p:font typeface="AA Zuehlke" panose="02000503060000020004" pitchFamily="2" charset="0"/>
+      <p:regular r:id="rId36"/>
+      <p:bold r:id="rId37"/>
     </p:embeddedFont>
   </p:embeddedFontLst>
   <p:custDataLst>
@@ -561,7 +561,7 @@
               <a:rPr lang="de-DE" smtClean="0">
                 <a:latin typeface="AA Zuehlke" pitchFamily="2" charset="0"/>
               </a:rPr>
-              <a:t>16.09.2013</a:t>
+              <a:t>17.09.2013</a:t>
             </a:fld>
             <a:endParaRPr lang="de-DE">
               <a:latin typeface="AA Zuehlke" pitchFamily="2" charset="0"/>
@@ -739,7 +739,7 @@
             <a:fld id="{A6966AE6-B72D-4967-9CA3-8469D2863705}" type="datetimeFigureOut">
               <a:rPr lang="en-US" smtClean="0"/>
               <a:pPr/>
-              <a:t>9/16/2013</a:t>
+              <a:t>9/17/2013</a:t>
             </a:fld>
             <a:endParaRPr lang="en-US" dirty="0"/>
           </a:p>
@@ -1012,6 +1012,374 @@
     </a:lvl9pPr>
   </p:notesStyle>
 </p:notesMaster>
+</file>
+
+<file path=ppt/notesSlides/notesSlide1.xml><?xml version="1.0" encoding="utf-8"?>
+<p:notes xmlns:a="http://schemas.openxmlformats.org/drawingml/2006/main" xmlns:r="http://schemas.openxmlformats.org/officeDocument/2006/relationships" xmlns:p="http://schemas.openxmlformats.org/presentationml/2006/main">
+  <p:cSld>
+    <p:spTree>
+      <p:nvGrpSpPr>
+        <p:cNvPr id="1" name=""/>
+        <p:cNvGrpSpPr/>
+        <p:nvPr/>
+      </p:nvGrpSpPr>
+      <p:grpSpPr>
+        <a:xfrm>
+          <a:off x="0" y="0"/>
+          <a:ext cx="0" cy="0"/>
+          <a:chOff x="0" y="0"/>
+          <a:chExt cx="0" cy="0"/>
+        </a:xfrm>
+      </p:grpSpPr>
+      <p:sp>
+        <p:nvSpPr>
+          <p:cNvPr id="2" name="Slide Image Placeholder 1"/>
+          <p:cNvSpPr>
+            <a:spLocks noGrp="1" noRot="1" noChangeAspect="1"/>
+          </p:cNvSpPr>
+          <p:nvPr>
+            <p:ph type="sldImg"/>
+          </p:nvPr>
+        </p:nvSpPr>
+        <p:spPr/>
+      </p:sp>
+      <p:sp>
+        <p:nvSpPr>
+          <p:cNvPr id="3" name="Notes Placeholder 2"/>
+          <p:cNvSpPr>
+            <a:spLocks noGrp="1"/>
+          </p:cNvSpPr>
+          <p:nvPr>
+            <p:ph type="body" idx="1"/>
+          </p:nvPr>
+        </p:nvSpPr>
+        <p:spPr/>
+        <p:txBody>
+          <a:bodyPr/>
+          <a:lstStyle/>
+          <a:p>
+            <a:pPr marL="171450" indent="-171450">
+              <a:buFont typeface="Arial" panose="020B0604020202020204" pitchFamily="34" charset="0"/>
+              <a:buChar char="•"/>
+            </a:pPr>
+            <a:r>
+              <a:rPr lang="en-US" dirty="0" smtClean="0"/>
+              <a:t>Swiss Federal Railways</a:t>
+            </a:r>
+          </a:p>
+          <a:p>
+            <a:pPr marL="171450" indent="-171450">
+              <a:buFont typeface="Arial" panose="020B0604020202020204" pitchFamily="34" charset="0"/>
+              <a:buChar char="•"/>
+            </a:pPr>
+            <a:r>
+              <a:rPr lang="en-US" dirty="0" smtClean="0"/>
+              <a:t>Train schedule</a:t>
+            </a:r>
+            <a:endParaRPr lang="en-US" dirty="0"/>
+          </a:p>
+        </p:txBody>
+      </p:sp>
+      <p:sp>
+        <p:nvSpPr>
+          <p:cNvPr id="4" name="Slide Number Placeholder 3"/>
+          <p:cNvSpPr>
+            <a:spLocks noGrp="1"/>
+          </p:cNvSpPr>
+          <p:nvPr>
+            <p:ph type="sldNum" sz="quarter" idx="10"/>
+          </p:nvPr>
+        </p:nvSpPr>
+        <p:spPr/>
+        <p:txBody>
+          <a:bodyPr/>
+          <a:lstStyle/>
+          <a:p>
+            <a:fld id="{04E102C5-3B9C-48EE-BFF0-2E7AF2F2A1F4}" type="slidenum">
+              <a:rPr lang="en-US" smtClean="0"/>
+              <a:pPr/>
+              <a:t>5</a:t>
+            </a:fld>
+            <a:endParaRPr lang="en-US" dirty="0"/>
+          </a:p>
+        </p:txBody>
+      </p:sp>
+    </p:spTree>
+    <p:extLst>
+      <p:ext uri="{BB962C8B-B14F-4D97-AF65-F5344CB8AC3E}">
+        <p14:creationId xmlns:p14="http://schemas.microsoft.com/office/powerpoint/2010/main" val="3849736501"/>
+      </p:ext>
+    </p:extLst>
+  </p:cSld>
+  <p:clrMapOvr>
+    <a:masterClrMapping/>
+  </p:clrMapOvr>
+</p:notes>
+</file>
+
+<file path=ppt/notesSlides/notesSlide2.xml><?xml version="1.0" encoding="utf-8"?>
+<p:notes xmlns:a="http://schemas.openxmlformats.org/drawingml/2006/main" xmlns:r="http://schemas.openxmlformats.org/officeDocument/2006/relationships" xmlns:p="http://schemas.openxmlformats.org/presentationml/2006/main">
+  <p:cSld>
+    <p:spTree>
+      <p:nvGrpSpPr>
+        <p:cNvPr id="1" name=""/>
+        <p:cNvGrpSpPr/>
+        <p:nvPr/>
+      </p:nvGrpSpPr>
+      <p:grpSpPr>
+        <a:xfrm>
+          <a:off x="0" y="0"/>
+          <a:ext cx="0" cy="0"/>
+          <a:chOff x="0" y="0"/>
+          <a:chExt cx="0" cy="0"/>
+        </a:xfrm>
+      </p:grpSpPr>
+      <p:sp>
+        <p:nvSpPr>
+          <p:cNvPr id="2" name="Slide Image Placeholder 1"/>
+          <p:cNvSpPr>
+            <a:spLocks noGrp="1" noRot="1" noChangeAspect="1"/>
+          </p:cNvSpPr>
+          <p:nvPr>
+            <p:ph type="sldImg"/>
+          </p:nvPr>
+        </p:nvSpPr>
+        <p:spPr/>
+      </p:sp>
+      <p:sp>
+        <p:nvSpPr>
+          <p:cNvPr id="3" name="Notes Placeholder 2"/>
+          <p:cNvSpPr>
+            <a:spLocks noGrp="1"/>
+          </p:cNvSpPr>
+          <p:nvPr>
+            <p:ph type="body" idx="1"/>
+          </p:nvPr>
+        </p:nvSpPr>
+        <p:spPr/>
+        <p:txBody>
+          <a:bodyPr/>
+          <a:lstStyle/>
+          <a:p>
+            <a:r>
+              <a:rPr lang="de-DE" sz="1200" kern="1200" dirty="0" smtClean="0">
+                <a:solidFill>
+                  <a:schemeClr val="tx1"/>
+                </a:solidFill>
+                <a:effectLst/>
+                <a:latin typeface="AA Zuehlke" pitchFamily="2" charset="0"/>
+                <a:ea typeface="+mn-ea"/>
+                <a:cs typeface="+mn-cs"/>
+              </a:rPr>
+              <a:t>Zühlke </a:t>
+            </a:r>
+            <a:r>
+              <a:rPr lang="de-DE" sz="1200" kern="1200" dirty="0" err="1" smtClean="0">
+                <a:solidFill>
+                  <a:schemeClr val="tx1"/>
+                </a:solidFill>
+                <a:effectLst/>
+                <a:latin typeface="AA Zuehlke" pitchFamily="2" charset="0"/>
+                <a:ea typeface="+mn-ea"/>
+                <a:cs typeface="+mn-cs"/>
+              </a:rPr>
+              <a:t>is</a:t>
+            </a:r>
+            <a:r>
+              <a:rPr lang="de-DE" sz="1200" kern="1200" dirty="0" smtClean="0">
+                <a:solidFill>
+                  <a:schemeClr val="tx1"/>
+                </a:solidFill>
+                <a:effectLst/>
+                <a:latin typeface="AA Zuehlke" pitchFamily="2" charset="0"/>
+                <a:ea typeface="+mn-ea"/>
+                <a:cs typeface="+mn-cs"/>
+              </a:rPr>
+              <a:t> </a:t>
+            </a:r>
+            <a:r>
+              <a:rPr lang="de-DE" sz="1200" kern="1200" dirty="0" err="1" smtClean="0">
+                <a:solidFill>
+                  <a:schemeClr val="tx1"/>
+                </a:solidFill>
+                <a:effectLst/>
+                <a:latin typeface="AA Zuehlke" pitchFamily="2" charset="0"/>
+                <a:ea typeface="+mn-ea"/>
+                <a:cs typeface="+mn-cs"/>
+              </a:rPr>
+              <a:t>Xamarin‘s</a:t>
+            </a:r>
+            <a:r>
+              <a:rPr lang="de-DE" sz="1200" kern="1200" dirty="0" smtClean="0">
+                <a:solidFill>
+                  <a:schemeClr val="tx1"/>
+                </a:solidFill>
+                <a:effectLst/>
+                <a:latin typeface="AA Zuehlke" pitchFamily="2" charset="0"/>
+                <a:ea typeface="+mn-ea"/>
+                <a:cs typeface="+mn-cs"/>
+              </a:rPr>
+              <a:t> </a:t>
+            </a:r>
+            <a:r>
+              <a:rPr lang="de-DE" sz="1200" kern="1200" dirty="0" err="1" smtClean="0">
+                <a:solidFill>
+                  <a:schemeClr val="tx1"/>
+                </a:solidFill>
+                <a:effectLst/>
+                <a:latin typeface="AA Zuehlke" pitchFamily="2" charset="0"/>
+                <a:ea typeface="+mn-ea"/>
+                <a:cs typeface="+mn-cs"/>
+              </a:rPr>
+              <a:t>exclusive</a:t>
+            </a:r>
+            <a:r>
+              <a:rPr lang="de-DE" sz="1200" kern="1200" baseline="0" dirty="0" smtClean="0">
+                <a:solidFill>
+                  <a:schemeClr val="tx1"/>
+                </a:solidFill>
+                <a:effectLst/>
+                <a:latin typeface="AA Zuehlke" pitchFamily="2" charset="0"/>
+                <a:ea typeface="+mn-ea"/>
+                <a:cs typeface="+mn-cs"/>
+              </a:rPr>
+              <a:t> </a:t>
+            </a:r>
+            <a:r>
+              <a:rPr lang="de-DE" sz="1200" kern="1200" dirty="0" smtClean="0">
+                <a:solidFill>
+                  <a:schemeClr val="tx1"/>
+                </a:solidFill>
+                <a:effectLst/>
+                <a:latin typeface="AA Zuehlke" pitchFamily="2" charset="0"/>
+                <a:ea typeface="+mn-ea"/>
+                <a:cs typeface="+mn-cs"/>
+              </a:rPr>
+              <a:t>Premium Consulting Partner</a:t>
+            </a:r>
+            <a:r>
+              <a:rPr lang="de-DE" sz="1200" kern="1200" baseline="0" dirty="0" smtClean="0">
+                <a:solidFill>
+                  <a:schemeClr val="tx1"/>
+                </a:solidFill>
+                <a:effectLst/>
+                <a:latin typeface="AA Zuehlke" pitchFamily="2" charset="0"/>
+                <a:ea typeface="+mn-ea"/>
+                <a:cs typeface="+mn-cs"/>
+              </a:rPr>
+              <a:t> in </a:t>
+            </a:r>
+            <a:r>
+              <a:rPr lang="de-DE" sz="1200" kern="1200" baseline="0" dirty="0" err="1" smtClean="0">
+                <a:solidFill>
+                  <a:schemeClr val="tx1"/>
+                </a:solidFill>
+                <a:effectLst/>
+                <a:latin typeface="AA Zuehlke" pitchFamily="2" charset="0"/>
+                <a:ea typeface="+mn-ea"/>
+                <a:cs typeface="+mn-cs"/>
+              </a:rPr>
+              <a:t>the</a:t>
+            </a:r>
+            <a:r>
+              <a:rPr lang="de-DE" sz="1200" kern="1200" baseline="0" dirty="0" smtClean="0">
+                <a:solidFill>
+                  <a:schemeClr val="tx1"/>
+                </a:solidFill>
+                <a:effectLst/>
+                <a:latin typeface="AA Zuehlke" pitchFamily="2" charset="0"/>
+                <a:ea typeface="+mn-ea"/>
+                <a:cs typeface="+mn-cs"/>
+              </a:rPr>
+              <a:t> German-</a:t>
+            </a:r>
+            <a:r>
+              <a:rPr lang="de-DE" sz="1200" kern="1200" baseline="0" dirty="0" err="1" smtClean="0">
+                <a:solidFill>
+                  <a:schemeClr val="tx1"/>
+                </a:solidFill>
+                <a:effectLst/>
+                <a:latin typeface="AA Zuehlke" pitchFamily="2" charset="0"/>
+                <a:ea typeface="+mn-ea"/>
+                <a:cs typeface="+mn-cs"/>
+              </a:rPr>
+              <a:t>speaking</a:t>
+            </a:r>
+            <a:r>
+              <a:rPr lang="de-DE" sz="1200" kern="1200" baseline="0" dirty="0" smtClean="0">
+                <a:solidFill>
+                  <a:schemeClr val="tx1"/>
+                </a:solidFill>
+                <a:effectLst/>
+                <a:latin typeface="AA Zuehlke" pitchFamily="2" charset="0"/>
+                <a:ea typeface="+mn-ea"/>
+                <a:cs typeface="+mn-cs"/>
+              </a:rPr>
+              <a:t> </a:t>
+            </a:r>
+            <a:r>
+              <a:rPr lang="de-DE" sz="1200" kern="1200" baseline="0" dirty="0" err="1" smtClean="0">
+                <a:solidFill>
+                  <a:schemeClr val="tx1"/>
+                </a:solidFill>
+                <a:effectLst/>
+                <a:latin typeface="AA Zuehlke" pitchFamily="2" charset="0"/>
+                <a:ea typeface="+mn-ea"/>
+                <a:cs typeface="+mn-cs"/>
+              </a:rPr>
+              <a:t>world</a:t>
+            </a:r>
+            <a:r>
+              <a:rPr lang="de-DE" sz="1200" kern="1200" baseline="0" dirty="0" smtClean="0">
+                <a:solidFill>
+                  <a:schemeClr val="tx1"/>
+                </a:solidFill>
+                <a:effectLst/>
+                <a:latin typeface="AA Zuehlke" pitchFamily="2" charset="0"/>
+                <a:ea typeface="+mn-ea"/>
+                <a:cs typeface="+mn-cs"/>
+              </a:rPr>
+              <a:t>.</a:t>
+            </a:r>
+            <a:endParaRPr lang="en-US" dirty="0"/>
+          </a:p>
+        </p:txBody>
+      </p:sp>
+      <p:sp>
+        <p:nvSpPr>
+          <p:cNvPr id="4" name="Slide Number Placeholder 3"/>
+          <p:cNvSpPr>
+            <a:spLocks noGrp="1"/>
+          </p:cNvSpPr>
+          <p:nvPr>
+            <p:ph type="sldNum" sz="quarter" idx="10"/>
+          </p:nvPr>
+        </p:nvSpPr>
+        <p:spPr/>
+        <p:txBody>
+          <a:bodyPr/>
+          <a:lstStyle/>
+          <a:p>
+            <a:fld id="{04E102C5-3B9C-48EE-BFF0-2E7AF2F2A1F4}" type="slidenum">
+              <a:rPr lang="en-US" smtClean="0"/>
+              <a:pPr/>
+              <a:t>27</a:t>
+            </a:fld>
+            <a:endParaRPr lang="en-US" dirty="0"/>
+          </a:p>
+        </p:txBody>
+      </p:sp>
+    </p:spTree>
+    <p:extLst>
+      <p:ext uri="{BB962C8B-B14F-4D97-AF65-F5344CB8AC3E}">
+        <p14:creationId xmlns:p14="http://schemas.microsoft.com/office/powerpoint/2010/main" val="288767218"/>
+      </p:ext>
+    </p:extLst>
+  </p:cSld>
+  <p:clrMapOvr>
+    <a:masterClrMapping/>
+  </p:clrMapOvr>
+</p:notes>
 </file>
 
 <file path=ppt/slideLayouts/slideLayout1.xml><?xml version="1.0" encoding="utf-8"?>
@@ -8246,8 +8614,9 @@
           <a:p>
             <a:r>
               <a:rPr lang="en-US" sz="2400" dirty="0" smtClean="0"/>
-              <a:t>Model (shared)</a:t>
-            </a:r>
+              <a:t>Model</a:t>
+            </a:r>
+            <a:endParaRPr lang="en-US" sz="2400" dirty="0" smtClean="0"/>
           </a:p>
           <a:p>
             <a:pPr lvl="1"/>
@@ -8261,10 +8630,7 @@
               <a:rPr lang="en-US" sz="2400" dirty="0" err="1" smtClean="0"/>
               <a:t>ViewModel</a:t>
             </a:r>
-            <a:r>
-              <a:rPr lang="en-US" sz="2400" dirty="0" smtClean="0"/>
-              <a:t> (shared)</a:t>
-            </a:r>
+            <a:endParaRPr lang="en-US" sz="2400" dirty="0" smtClean="0"/>
           </a:p>
           <a:p>
             <a:pPr lvl="1"/>
@@ -8319,20 +8685,11 @@
               <a:rPr lang="en-US" sz="2400" dirty="0" smtClean="0">
                 <a:sym typeface="Wingdings" panose="05000000000000000000" pitchFamily="2" charset="2"/>
               </a:rPr>
-              <a:t>View (</a:t>
-            </a:r>
-            <a:r>
-              <a:rPr lang="en-US" sz="2400" dirty="0" err="1" smtClean="0">
-                <a:sym typeface="Wingdings" panose="05000000000000000000" pitchFamily="2" charset="2"/>
-              </a:rPr>
-              <a:t>iOS</a:t>
-            </a:r>
-            <a:r>
-              <a:rPr lang="en-US" sz="2400" dirty="0" smtClean="0">
-                <a:sym typeface="Wingdings" panose="05000000000000000000" pitchFamily="2" charset="2"/>
-              </a:rPr>
-              <a:t> specific)</a:t>
-            </a:r>
+              <a:t>View</a:t>
+            </a:r>
+            <a:endParaRPr lang="en-US" sz="2400" dirty="0" smtClean="0">
+              <a:sym typeface="Wingdings" panose="05000000000000000000" pitchFamily="2" charset="2"/>
+            </a:endParaRPr>
           </a:p>
           <a:p>
             <a:pPr lvl="1"/>
@@ -8810,6 +9167,56 @@
           </a:p>
         </p:txBody>
       </p:sp>
+      <p:pic>
+        <p:nvPicPr>
+          <p:cNvPr id="17" name="Picture 4" descr="http://www.digi-news.ch/schulen/20100624/uploads/apple_logo2.jpg"/>
+          <p:cNvPicPr>
+            <a:picLocks noChangeAspect="1" noChangeArrowheads="1"/>
+          </p:cNvPicPr>
+          <p:nvPr/>
+        </p:nvPicPr>
+        <p:blipFill rotWithShape="1">
+          <a:blip r:embed="rId4" cstate="print">
+            <a:extLst>
+              <a:ext uri="{BEBA8EAE-BF5A-486C-A8C5-ECC9F3942E4B}">
+                <a14:imgProps xmlns:a14="http://schemas.microsoft.com/office/drawing/2010/main">
+                  <a14:imgLayer r:embed="rId5">
+                    <a14:imgEffect>
+                      <a14:backgroundRemoval t="0" b="100000" l="10000" r="90000">
+                        <a14:foregroundMark x1="56444" y1="12162" x2="56444" y2="12162"/>
+                      </a14:backgroundRemoval>
+                    </a14:imgEffect>
+                  </a14:imgLayer>
+                </a14:imgProps>
+              </a:ext>
+              <a:ext uri="{28A0092B-C50C-407E-A947-70E740481C1C}">
+                <a14:useLocalDpi xmlns:a14="http://schemas.microsoft.com/office/drawing/2010/main" val="0"/>
+              </a:ext>
+            </a:extLst>
+          </a:blip>
+          <a:srcRect l="9636" r="15609"/>
+          <a:stretch/>
+        </p:blipFill>
+        <p:spPr bwMode="auto">
+          <a:xfrm>
+            <a:off x="6111219" y="4272379"/>
+            <a:ext cx="327305" cy="360000"/>
+          </a:xfrm>
+          <a:prstGeom prst="rect">
+            <a:avLst/>
+          </a:prstGeom>
+          <a:noFill/>
+          <a:extLst>
+            <a:ext uri="{909E8E84-426E-40DD-AFC4-6F175D3DCCD1}">
+              <a14:hiddenFill xmlns:a14="http://schemas.microsoft.com/office/drawing/2010/main">
+                <a:solidFill>
+                  <a:srgbClr val="FFFFFF"/>
+                </a:solidFill>
+              </a14:hiddenFill>
+            </a:ext>
+          </a:extLst>
+        </p:spPr>
+      </p:pic>
     </p:spTree>
     <p:extLst>
       <p:ext uri="{BB962C8B-B14F-4D97-AF65-F5344CB8AC3E}">
@@ -8823,163 +9230,9 @@
   <p:timing>
     <p:tnLst>
       <p:par>
-        <p:cTn id="1" dur="indefinite" restart="never" nodeType="tmRoot">
-          <p:childTnLst>
-            <p:seq concurrent="1" nextAc="seek">
-              <p:cTn id="2" dur="indefinite" nodeType="mainSeq">
-                <p:childTnLst>
-                  <p:par>
-                    <p:cTn id="3" fill="hold">
-                      <p:stCondLst>
-                        <p:cond delay="indefinite"/>
-                        <p:cond evt="onBegin" delay="0">
-                          <p:tn val="2"/>
-                        </p:cond>
-                      </p:stCondLst>
-                      <p:childTnLst>
-                        <p:par>
-                          <p:cTn id="4" fill="hold">
-                            <p:stCondLst>
-                              <p:cond delay="0"/>
-                            </p:stCondLst>
-                            <p:childTnLst>
-                              <p:par>
-                                <p:cTn id="5" presetID="10" presetClass="entr" presetSubtype="0" fill="hold" grpId="0" nodeType="withEffect">
-                                  <p:stCondLst>
-                                    <p:cond delay="0"/>
-                                  </p:stCondLst>
-                                  <p:childTnLst>
-                                    <p:set>
-                                      <p:cBhvr>
-                                        <p:cTn id="6" dur="1" fill="hold">
-                                          <p:stCondLst>
-                                            <p:cond delay="0"/>
-                                          </p:stCondLst>
-                                        </p:cTn>
-                                        <p:tgtEl>
-                                          <p:spTgt spid="14"/>
-                                        </p:tgtEl>
-                                        <p:attrNameLst>
-                                          <p:attrName>style.visibility</p:attrName>
-                                        </p:attrNameLst>
-                                      </p:cBhvr>
-                                      <p:to>
-                                        <p:strVal val="visible"/>
-                                      </p:to>
-                                    </p:set>
-                                    <p:animEffect transition="in" filter="fade">
-                                      <p:cBhvr>
-                                        <p:cTn id="7" dur="500"/>
-                                        <p:tgtEl>
-                                          <p:spTgt spid="14"/>
-                                        </p:tgtEl>
-                                      </p:cBhvr>
-                                    </p:animEffect>
-                                  </p:childTnLst>
-                                </p:cTn>
-                              </p:par>
-                              <p:par>
-                                <p:cTn id="8" presetID="10" presetClass="entr" presetSubtype="0" fill="hold" grpId="0" nodeType="withEffect">
-                                  <p:stCondLst>
-                                    <p:cond delay="0"/>
-                                  </p:stCondLst>
-                                  <p:childTnLst>
-                                    <p:set>
-                                      <p:cBhvr>
-                                        <p:cTn id="9" dur="1" fill="hold">
-                                          <p:stCondLst>
-                                            <p:cond delay="0"/>
-                                          </p:stCondLst>
-                                        </p:cTn>
-                                        <p:tgtEl>
-                                          <p:spTgt spid="15"/>
-                                        </p:tgtEl>
-                                        <p:attrNameLst>
-                                          <p:attrName>style.visibility</p:attrName>
-                                        </p:attrNameLst>
-                                      </p:cBhvr>
-                                      <p:to>
-                                        <p:strVal val="visible"/>
-                                      </p:to>
-                                    </p:set>
-                                    <p:animEffect transition="in" filter="fade">
-                                      <p:cBhvr>
-                                        <p:cTn id="10" dur="500"/>
-                                        <p:tgtEl>
-                                          <p:spTgt spid="15"/>
-                                        </p:tgtEl>
-                                      </p:cBhvr>
-                                    </p:animEffect>
-                                  </p:childTnLst>
-                                </p:cTn>
-                              </p:par>
-                              <p:par>
-                                <p:cTn id="11" presetID="10" presetClass="entr" presetSubtype="0" fill="hold" grpId="0" nodeType="withEffect">
-                                  <p:stCondLst>
-                                    <p:cond delay="0"/>
-                                  </p:stCondLst>
-                                  <p:childTnLst>
-                                    <p:set>
-                                      <p:cBhvr>
-                                        <p:cTn id="12" dur="1" fill="hold">
-                                          <p:stCondLst>
-                                            <p:cond delay="0"/>
-                                          </p:stCondLst>
-                                        </p:cTn>
-                                        <p:tgtEl>
-                                          <p:spTgt spid="16"/>
-                                        </p:tgtEl>
-                                        <p:attrNameLst>
-                                          <p:attrName>style.visibility</p:attrName>
-                                        </p:attrNameLst>
-                                      </p:cBhvr>
-                                      <p:to>
-                                        <p:strVal val="visible"/>
-                                      </p:to>
-                                    </p:set>
-                                    <p:animEffect transition="in" filter="fade">
-                                      <p:cBhvr>
-                                        <p:cTn id="13" dur="500"/>
-                                        <p:tgtEl>
-                                          <p:spTgt spid="16"/>
-                                        </p:tgtEl>
-                                      </p:cBhvr>
-                                    </p:animEffect>
-                                  </p:childTnLst>
-                                </p:cTn>
-                              </p:par>
-                            </p:childTnLst>
-                          </p:cTn>
-                        </p:par>
-                      </p:childTnLst>
-                    </p:cTn>
-                  </p:par>
-                </p:childTnLst>
-              </p:cTn>
-              <p:prevCondLst>
-                <p:cond evt="onPrev" delay="0">
-                  <p:tgtEl>
-                    <p:sldTgt/>
-                  </p:tgtEl>
-                </p:cond>
-              </p:prevCondLst>
-              <p:nextCondLst>
-                <p:cond evt="onNext" delay="0">
-                  <p:tgtEl>
-                    <p:sldTgt/>
-                  </p:tgtEl>
-                </p:cond>
-              </p:nextCondLst>
-            </p:seq>
-          </p:childTnLst>
-        </p:cTn>
+        <p:cTn id="1" dur="indefinite" restart="never" nodeType="tmRoot"/>
       </p:par>
     </p:tnLst>
-    <p:bldLst>
-      <p:bldP spid="14" grpId="0" animBg="1"/>
-      <p:bldP spid="15" grpId="0" animBg="1"/>
-      <p:bldP spid="16" grpId="0" animBg="1"/>
-    </p:bldLst>
   </p:timing>
 </p:sld>
 </file>
@@ -9017,22 +9270,58 @@
           <a:lstStyle/>
           <a:p>
             <a:r>
-              <a:rPr lang="en-US" sz="2000" dirty="0">
+              <a:rPr lang="en-US" dirty="0"/>
+              <a:t>User service access</a:t>
+            </a:r>
+          </a:p>
+          <a:p>
+            <a:pPr lvl="1"/>
+            <a:r>
+              <a:rPr lang="en-US" dirty="0" err="1"/>
+              <a:t>RestClient</a:t>
+            </a:r>
+            <a:r>
+              <a:rPr lang="en-US" dirty="0"/>
+              <a:t> (class from </a:t>
+            </a:r>
+            <a:r>
+              <a:rPr lang="en-US" dirty="0" err="1"/>
+              <a:t>RestSharp</a:t>
+            </a:r>
+            <a:r>
+              <a:rPr lang="en-US" dirty="0"/>
+              <a:t>)</a:t>
+            </a:r>
+          </a:p>
+          <a:p>
+            <a:pPr lvl="1"/>
+            <a:r>
+              <a:rPr lang="en-US" dirty="0"/>
+              <a:t>Get users asynchronously</a:t>
+            </a:r>
+          </a:p>
+          <a:p>
+            <a:pPr lvl="1"/>
+            <a:r>
+              <a:rPr lang="en-US" dirty="0" err="1"/>
+              <a:t>Deserializing</a:t>
+            </a:r>
+            <a:r>
+              <a:rPr lang="en-US" dirty="0"/>
+              <a:t> JSON response with Json.NET</a:t>
+            </a:r>
+          </a:p>
+          <a:p>
+            <a:endParaRPr lang="en-US" dirty="0" smtClean="0">
+              <a:sym typeface="Wingdings" panose="05000000000000000000" pitchFamily="2" charset="2"/>
+            </a:endParaRPr>
+          </a:p>
+          <a:p>
+            <a:r>
+              <a:rPr lang="en-US" dirty="0" smtClean="0">
                 <a:sym typeface="Wingdings" panose="05000000000000000000" pitchFamily="2" charset="2"/>
               </a:rPr>
-              <a:t>View </a:t>
-            </a:r>
-            <a:r>
-              <a:rPr lang="en-US" sz="2000" dirty="0" smtClean="0">
-                <a:sym typeface="Wingdings" panose="05000000000000000000" pitchFamily="2" charset="2"/>
-              </a:rPr>
-              <a:t>(Android specific</a:t>
-            </a:r>
-            <a:r>
-              <a:rPr lang="en-US" sz="2000" dirty="0">
-                <a:sym typeface="Wingdings" panose="05000000000000000000" pitchFamily="2" charset="2"/>
-              </a:rPr>
-              <a:t>)</a:t>
+              <a:t>View (Android specific)</a:t>
             </a:r>
           </a:p>
           <a:p>
@@ -9055,50 +9344,6 @@
               <a:rPr lang="en-US" dirty="0" smtClean="0"/>
               <a:t>Layout for single user (XML)</a:t>
             </a:r>
-          </a:p>
-          <a:p>
-            <a:r>
-              <a:rPr lang="en-US" dirty="0" smtClean="0"/>
-              <a:t>User service access</a:t>
-            </a:r>
-          </a:p>
-          <a:p>
-            <a:pPr lvl="1"/>
-            <a:r>
-              <a:rPr lang="en-US" dirty="0" err="1" smtClean="0"/>
-              <a:t>RestClient</a:t>
-            </a:r>
-            <a:r>
-              <a:rPr lang="en-US" dirty="0" smtClean="0"/>
-              <a:t> (class from </a:t>
-            </a:r>
-            <a:r>
-              <a:rPr lang="en-US" dirty="0" err="1" smtClean="0"/>
-              <a:t>RestSharp</a:t>
-            </a:r>
-            <a:r>
-              <a:rPr lang="en-US" dirty="0" smtClean="0"/>
-              <a:t>)</a:t>
-            </a:r>
-          </a:p>
-          <a:p>
-            <a:pPr lvl="1"/>
-            <a:r>
-              <a:rPr lang="en-US" dirty="0" smtClean="0"/>
-              <a:t>Get users asynchronously</a:t>
-            </a:r>
-          </a:p>
-          <a:p>
-            <a:pPr lvl="1"/>
-            <a:r>
-              <a:rPr lang="en-US" dirty="0" err="1" smtClean="0"/>
-              <a:t>Deserializing</a:t>
-            </a:r>
-            <a:r>
-              <a:rPr lang="en-US" dirty="0" smtClean="0"/>
-              <a:t> JSON response with Json.NET</a:t>
-            </a:r>
-            <a:endParaRPr lang="en-US" dirty="0"/>
           </a:p>
         </p:txBody>
       </p:sp>
@@ -9118,25 +9363,33 @@
           <a:lstStyle/>
           <a:p>
             <a:r>
-              <a:rPr lang="en-US" dirty="0"/>
-              <a:t>Shared Model/</a:t>
-            </a:r>
-            <a:r>
-              <a:rPr lang="en-US" dirty="0" err="1"/>
-              <a:t>ViewModel</a:t>
-            </a:r>
-            <a:r>
-              <a:rPr lang="en-US" dirty="0"/>
-              <a:t> </a:t>
-            </a:r>
-            <a:r>
-              <a:rPr lang="en-US" dirty="0" smtClean="0"/>
-              <a:t>(2/2</a:t>
-            </a:r>
-            <a:r>
-              <a:rPr lang="en-US" dirty="0"/>
-              <a:t>)</a:t>
-            </a:r>
+              <a:rPr lang="en-US" smtClean="0"/>
+              <a:t>Shared Model/ViewModel (2/2)</a:t>
+            </a:r>
+            <a:endParaRPr lang="en-US" dirty="0"/>
+          </a:p>
+        </p:txBody>
+      </p:sp>
+      <p:sp>
+        <p:nvSpPr>
+          <p:cNvPr id="9" name="Date Placeholder 8"/>
+          <p:cNvSpPr>
+            <a:spLocks noGrp="1"/>
+          </p:cNvSpPr>
+          <p:nvPr>
+            <p:ph type="dt" sz="half" idx="10"/>
+          </p:nvPr>
+        </p:nvSpPr>
+        <p:spPr/>
+        <p:txBody>
+          <a:bodyPr/>
+          <a:lstStyle/>
+          <a:p>
+            <a:r>
+              <a:rPr lang="en-US" smtClean="0"/>
+              <a:t>26. September 2013</a:t>
+            </a:r>
+            <a:endParaRPr lang="de-CH" dirty="0"/>
           </a:p>
         </p:txBody>
       </p:sp>
@@ -9160,56 +9413,6 @@
               <a:t>Cross-platform Mobile Development | Ursin Brunner, Stefan Schöb, Oliver Brack</a:t>
             </a:r>
             <a:endParaRPr lang="en-US" dirty="0"/>
-          </a:p>
-        </p:txBody>
-      </p:sp>
-      <p:sp>
-        <p:nvSpPr>
-          <p:cNvPr id="9" name="Date Placeholder 8"/>
-          <p:cNvSpPr>
-            <a:spLocks noGrp="1"/>
-          </p:cNvSpPr>
-          <p:nvPr>
-            <p:ph type="dt" sz="half" idx="10"/>
-          </p:nvPr>
-        </p:nvSpPr>
-        <p:spPr/>
-        <p:txBody>
-          <a:bodyPr/>
-          <a:lstStyle/>
-          <a:p>
-            <a:r>
-              <a:rPr lang="en-US" smtClean="0"/>
-              <a:t>26. September 2013</a:t>
-            </a:r>
-            <a:endParaRPr lang="de-CH" dirty="0"/>
-          </a:p>
-        </p:txBody>
-      </p:sp>
-      <p:sp>
-        <p:nvSpPr>
-          <p:cNvPr id="10" name="Slide Number Placeholder 9"/>
-          <p:cNvSpPr>
-            <a:spLocks noGrp="1"/>
-          </p:cNvSpPr>
-          <p:nvPr>
-            <p:ph type="sldNum" sz="quarter" idx="12"/>
-          </p:nvPr>
-        </p:nvSpPr>
-        <p:spPr/>
-        <p:txBody>
-          <a:bodyPr/>
-          <a:lstStyle/>
-          <a:p>
-            <a:r>
-              <a:rPr lang="de-CH" smtClean="0"/>
-              <a:t>Slide </a:t>
-            </a:r>
-            <a:fld id="{B34BD413-43F6-4070-803A-629292F2ECAE}" type="slidenum">
-              <a:rPr lang="de-CH" smtClean="0"/>
-              <a:t>14</a:t>
-            </a:fld>
-            <a:endParaRPr lang="de-CH" dirty="0"/>
           </a:p>
         </p:txBody>
       </p:sp>
@@ -9321,6 +9524,205 @@
           </a:extLst>
         </p:spPr>
       </p:pic>
+      <p:sp>
+        <p:nvSpPr>
+          <p:cNvPr id="14" name="Slide Number Placeholder 13"/>
+          <p:cNvSpPr>
+            <a:spLocks noGrp="1"/>
+          </p:cNvSpPr>
+          <p:nvPr>
+            <p:ph type="sldNum" sz="quarter" idx="12"/>
+          </p:nvPr>
+        </p:nvSpPr>
+        <p:spPr/>
+        <p:txBody>
+          <a:bodyPr/>
+          <a:lstStyle/>
+          <a:p>
+            <a:r>
+              <a:rPr lang="de-CH" smtClean="0"/>
+              <a:t>Slide </a:t>
+            </a:r>
+            <a:fld id="{76AE5747-D0E7-4D66-8FBF-9CFC53A4E0C8}" type="slidenum">
+              <a:rPr lang="de-CH" smtClean="0"/>
+              <a:t>14</a:t>
+            </a:fld>
+            <a:endParaRPr lang="de-CH" dirty="0"/>
+          </a:p>
+        </p:txBody>
+      </p:sp>
+      <p:sp>
+        <p:nvSpPr>
+          <p:cNvPr id="15" name="Rounded Rectangle 14"/>
+          <p:cNvSpPr/>
+          <p:nvPr/>
+        </p:nvSpPr>
+        <p:spPr>
+          <a:xfrm>
+            <a:off x="6568091" y="1646775"/>
+            <a:ext cx="2049519" cy="501739"/>
+          </a:xfrm>
+          <a:prstGeom prst="roundRect">
+            <a:avLst/>
+          </a:prstGeom>
+          <a:ln/>
+        </p:spPr>
+        <p:style>
+          <a:lnRef idx="0">
+            <a:schemeClr val="accent1"/>
+          </a:lnRef>
+          <a:fillRef idx="3">
+            <a:schemeClr val="accent1"/>
+          </a:fillRef>
+          <a:effectRef idx="3">
+            <a:schemeClr val="accent1"/>
+          </a:effectRef>
+          <a:fontRef idx="minor">
+            <a:schemeClr val="lt1"/>
+          </a:fontRef>
+        </p:style>
+        <p:txBody>
+          <a:bodyPr rtlCol="0" anchor="ctr"/>
+          <a:lstStyle/>
+          <a:p>
+            <a:pPr algn="ctr"/>
+            <a:r>
+              <a:rPr lang="en-US" sz="2800" dirty="0" smtClean="0"/>
+              <a:t>Model</a:t>
+            </a:r>
+            <a:endParaRPr lang="en-US" sz="2800" dirty="0"/>
+          </a:p>
+        </p:txBody>
+      </p:sp>
+      <p:sp>
+        <p:nvSpPr>
+          <p:cNvPr id="16" name="Rounded Rectangle 15"/>
+          <p:cNvSpPr/>
+          <p:nvPr/>
+        </p:nvSpPr>
+        <p:spPr>
+          <a:xfrm>
+            <a:off x="6568091" y="3999312"/>
+            <a:ext cx="2049519" cy="499068"/>
+          </a:xfrm>
+          <a:prstGeom prst="roundRect">
+            <a:avLst/>
+          </a:prstGeom>
+          <a:gradFill flip="none" rotWithShape="1">
+            <a:gsLst>
+              <a:gs pos="0">
+                <a:schemeClr val="accent2">
+                  <a:shade val="30000"/>
+                  <a:satMod val="115000"/>
+                </a:schemeClr>
+              </a:gs>
+              <a:gs pos="50000">
+                <a:schemeClr val="accent2">
+                  <a:shade val="67500"/>
+                  <a:satMod val="115000"/>
+                </a:schemeClr>
+              </a:gs>
+              <a:gs pos="100000">
+                <a:schemeClr val="accent2">
+                  <a:shade val="100000"/>
+                  <a:satMod val="115000"/>
+                </a:schemeClr>
+              </a:gs>
+            </a:gsLst>
+            <a:lin ang="16200000" scaled="1"/>
+            <a:tileRect/>
+          </a:gradFill>
+          <a:ln/>
+        </p:spPr>
+        <p:style>
+          <a:lnRef idx="0">
+            <a:schemeClr val="accent2"/>
+          </a:lnRef>
+          <a:fillRef idx="3">
+            <a:schemeClr val="accent2"/>
+          </a:fillRef>
+          <a:effectRef idx="3">
+            <a:schemeClr val="accent2"/>
+          </a:effectRef>
+          <a:fontRef idx="minor">
+            <a:schemeClr val="lt1"/>
+          </a:fontRef>
+        </p:style>
+        <p:txBody>
+          <a:bodyPr rtlCol="0" anchor="ctr"/>
+          <a:lstStyle/>
+          <a:p>
+            <a:pPr algn="ctr"/>
+            <a:r>
+              <a:rPr lang="en-US" sz="2800" dirty="0" smtClean="0">
+                <a:solidFill>
+                  <a:srgbClr val="000000"/>
+                </a:solidFill>
+              </a:rPr>
+              <a:t>View</a:t>
+            </a:r>
+            <a:endParaRPr lang="en-US" sz="2800" dirty="0">
+              <a:solidFill>
+                <a:srgbClr val="000000"/>
+              </a:solidFill>
+            </a:endParaRPr>
+          </a:p>
+        </p:txBody>
+      </p:sp>
+      <p:pic>
+        <p:nvPicPr>
+          <p:cNvPr id="17" name="Picture 2" descr="http://www.dosenfischer.de/wp-content/uploads/2009/06/android_vector-580x435.jpg"/>
+          <p:cNvPicPr>
+            <a:picLocks noChangeAspect="1" noChangeArrowheads="1"/>
+          </p:cNvPicPr>
+          <p:nvPr/>
+        </p:nvPicPr>
+        <p:blipFill rotWithShape="1">
+          <a:blip r:embed="rId4" cstate="print">
+            <a:extLst>
+              <a:ext uri="{BEBA8EAE-BF5A-486C-A8C5-ECC9F3942E4B}">
+                <a14:imgProps xmlns:a14="http://schemas.microsoft.com/office/drawing/2010/main">
+                  <a14:imgLayer r:embed="rId5">
+                    <a14:imgEffect>
+                      <a14:backgroundRemoval t="5287" b="92644" l="22069" r="78448">
+                        <a14:foregroundMark x1="27931" y1="45287" x2="27931" y2="45287"/>
+                        <a14:foregroundMark x1="74310" y1="48506" x2="74310" y2="48506"/>
+                        <a14:foregroundMark x1="48621" y1="21149" x2="48621" y2="21149"/>
+                        <a14:foregroundMark x1="42586" y1="25977" x2="42586" y2="25977"/>
+                        <a14:foregroundMark x1="58103" y1="25517" x2="58103" y2="25517"/>
+                      </a14:backgroundRemoval>
+                    </a14:imgEffect>
+                  </a14:imgLayer>
+                </a14:imgProps>
+              </a:ext>
+              <a:ext uri="{28A0092B-C50C-407E-A947-70E740481C1C}">
+                <a14:useLocalDpi xmlns:a14="http://schemas.microsoft.com/office/drawing/2010/main" val="0"/>
+              </a:ext>
+            </a:extLst>
+          </a:blip>
+          <a:srcRect l="21204" t="7413" r="21232" b="3409"/>
+          <a:stretch/>
+        </p:blipFill>
+        <p:spPr bwMode="auto">
+          <a:xfrm>
+            <a:off x="6211647" y="4068846"/>
+            <a:ext cx="309838" cy="360000"/>
+          </a:xfrm>
+          <a:prstGeom prst="rect">
+            <a:avLst/>
+          </a:prstGeom>
+          <a:noFill/>
+          <a:extLst>
+            <a:ext uri="{909E8E84-426E-40DD-AFC4-6F175D3DCCD1}">
+              <a14:hiddenFill xmlns:a14="http://schemas.microsoft.com/office/drawing/2010/main">
+                <a:solidFill>
+                  <a:srgbClr val="FFFFFF"/>
+                </a:solidFill>
+              </a14:hiddenFill>
+            </a:ext>
+          </a:extLst>
+        </p:spPr>
+      </p:pic>
     </p:spTree>
     <p:extLst>
       <p:ext uri="{BB962C8B-B14F-4D97-AF65-F5344CB8AC3E}">
@@ -9665,10 +10067,7 @@
               <a:rPr lang="en-US" dirty="0" err="1" smtClean="0"/>
               <a:t>ViewModel</a:t>
             </a:r>
-            <a:r>
-              <a:rPr lang="en-US" dirty="0" smtClean="0"/>
-              <a:t> (shared)</a:t>
-            </a:r>
+            <a:endParaRPr lang="en-US" dirty="0" smtClean="0"/>
           </a:p>
           <a:p>
             <a:pPr lvl="1"/>
@@ -9697,17 +10096,12 @@
             </a:r>
           </a:p>
           <a:p>
+            <a:endParaRPr lang="en-US" dirty="0" smtClean="0"/>
+          </a:p>
+          <a:p>
             <a:r>
               <a:rPr lang="en-US" dirty="0" smtClean="0"/>
-              <a:t>View (</a:t>
-            </a:r>
-            <a:r>
-              <a:rPr lang="en-US" dirty="0" err="1" smtClean="0"/>
-              <a:t>iOS</a:t>
-            </a:r>
-            <a:r>
-              <a:rPr lang="en-US" dirty="0" smtClean="0"/>
-              <a:t> specific)</a:t>
+              <a:t>View</a:t>
             </a:r>
           </a:p>
           <a:p>
@@ -9928,6 +10322,206 @@
           </a:extLst>
         </p:spPr>
       </p:pic>
+      <p:sp>
+        <p:nvSpPr>
+          <p:cNvPr id="15" name="Rounded Rectangle 14"/>
+          <p:cNvSpPr/>
+          <p:nvPr/>
+        </p:nvSpPr>
+        <p:spPr>
+          <a:xfrm>
+            <a:off x="6568091" y="3571578"/>
+            <a:ext cx="2049519" cy="499068"/>
+          </a:xfrm>
+          <a:prstGeom prst="roundRect">
+            <a:avLst/>
+          </a:prstGeom>
+          <a:gradFill flip="none" rotWithShape="1">
+            <a:gsLst>
+              <a:gs pos="0">
+                <a:schemeClr val="accent2">
+                  <a:shade val="30000"/>
+                  <a:satMod val="115000"/>
+                </a:schemeClr>
+              </a:gs>
+              <a:gs pos="50000">
+                <a:schemeClr val="accent2">
+                  <a:shade val="67500"/>
+                  <a:satMod val="115000"/>
+                </a:schemeClr>
+              </a:gs>
+              <a:gs pos="100000">
+                <a:schemeClr val="accent2">
+                  <a:shade val="100000"/>
+                  <a:satMod val="115000"/>
+                </a:schemeClr>
+              </a:gs>
+            </a:gsLst>
+            <a:lin ang="16200000" scaled="1"/>
+            <a:tileRect/>
+          </a:gradFill>
+          <a:ln/>
+        </p:spPr>
+        <p:style>
+          <a:lnRef idx="0">
+            <a:schemeClr val="accent2"/>
+          </a:lnRef>
+          <a:fillRef idx="3">
+            <a:schemeClr val="accent2"/>
+          </a:fillRef>
+          <a:effectRef idx="3">
+            <a:schemeClr val="accent2"/>
+          </a:effectRef>
+          <a:fontRef idx="minor">
+            <a:schemeClr val="lt1"/>
+          </a:fontRef>
+        </p:style>
+        <p:txBody>
+          <a:bodyPr rtlCol="0" anchor="ctr"/>
+          <a:lstStyle/>
+          <a:p>
+            <a:pPr algn="ctr"/>
+            <a:r>
+              <a:rPr lang="en-US" sz="2800" dirty="0" smtClean="0">
+                <a:solidFill>
+                  <a:srgbClr val="000000"/>
+                </a:solidFill>
+              </a:rPr>
+              <a:t>View</a:t>
+            </a:r>
+            <a:endParaRPr lang="en-US" sz="2800" dirty="0">
+              <a:solidFill>
+                <a:srgbClr val="000000"/>
+              </a:solidFill>
+            </a:endParaRPr>
+          </a:p>
+        </p:txBody>
+      </p:sp>
+      <p:sp>
+        <p:nvSpPr>
+          <p:cNvPr id="16" name="Rounded Rectangle 15"/>
+          <p:cNvSpPr/>
+          <p:nvPr/>
+        </p:nvSpPr>
+        <p:spPr>
+          <a:xfrm>
+            <a:off x="6567372" y="1575486"/>
+            <a:ext cx="2049519" cy="499068"/>
+          </a:xfrm>
+          <a:prstGeom prst="roundRect">
+            <a:avLst/>
+          </a:prstGeom>
+          <a:gradFill flip="none" rotWithShape="1">
+            <a:gsLst>
+              <a:gs pos="0">
+                <a:schemeClr val="accent2">
+                  <a:shade val="30000"/>
+                  <a:satMod val="115000"/>
+                </a:schemeClr>
+              </a:gs>
+              <a:gs pos="50000">
+                <a:schemeClr val="accent2">
+                  <a:shade val="67500"/>
+                  <a:satMod val="115000"/>
+                </a:schemeClr>
+              </a:gs>
+              <a:gs pos="100000">
+                <a:schemeClr val="accent2">
+                  <a:shade val="100000"/>
+                  <a:satMod val="115000"/>
+                </a:schemeClr>
+              </a:gs>
+            </a:gsLst>
+            <a:lin ang="16200000" scaled="1"/>
+            <a:tileRect/>
+          </a:gradFill>
+          <a:ln/>
+        </p:spPr>
+        <p:style>
+          <a:lnRef idx="0">
+            <a:schemeClr val="accent2"/>
+          </a:lnRef>
+          <a:fillRef idx="3">
+            <a:schemeClr val="accent2"/>
+          </a:fillRef>
+          <a:effectRef idx="3">
+            <a:schemeClr val="accent2"/>
+          </a:effectRef>
+          <a:fontRef idx="minor">
+            <a:schemeClr val="lt1"/>
+          </a:fontRef>
+        </p:style>
+        <p:txBody>
+          <a:bodyPr rtlCol="0" anchor="ctr"/>
+          <a:lstStyle/>
+          <a:p>
+            <a:pPr algn="ctr"/>
+            <a:r>
+              <a:rPr lang="en-US" sz="2800" dirty="0" err="1" smtClean="0">
+                <a:solidFill>
+                  <a:srgbClr val="000000"/>
+                </a:solidFill>
+              </a:rPr>
+              <a:t>ViewModel</a:t>
+            </a:r>
+            <a:endParaRPr lang="en-US" sz="2800" dirty="0">
+              <a:solidFill>
+                <a:srgbClr val="000000"/>
+              </a:solidFill>
+            </a:endParaRPr>
+          </a:p>
+        </p:txBody>
+      </p:sp>
+      <p:pic>
+        <p:nvPicPr>
+          <p:cNvPr id="17" name="Picture 4" descr="http://www.digi-news.ch/schulen/20100624/uploads/apple_logo2.jpg"/>
+          <p:cNvPicPr>
+            <a:picLocks noChangeAspect="1" noChangeArrowheads="1"/>
+          </p:cNvPicPr>
+          <p:nvPr/>
+        </p:nvPicPr>
+        <p:blipFill rotWithShape="1">
+          <a:blip r:embed="rId4" cstate="print">
+            <a:extLst>
+              <a:ext uri="{BEBA8EAE-BF5A-486C-A8C5-ECC9F3942E4B}">
+                <a14:imgProps xmlns:a14="http://schemas.microsoft.com/office/drawing/2010/main">
+                  <a14:imgLayer r:embed="rId5">
+                    <a14:imgEffect>
+                      <a14:backgroundRemoval t="0" b="100000" l="10000" r="90000">
+                        <a14:foregroundMark x1="56444" y1="12162" x2="56444" y2="12162"/>
+                      </a14:backgroundRemoval>
+                    </a14:imgEffect>
+                  </a14:imgLayer>
+                </a14:imgProps>
+              </a:ext>
+              <a:ext uri="{28A0092B-C50C-407E-A947-70E740481C1C}">
+                <a14:useLocalDpi xmlns:a14="http://schemas.microsoft.com/office/drawing/2010/main" val="0"/>
+              </a:ext>
+            </a:extLst>
+          </a:blip>
+          <a:srcRect l="9636" r="15609"/>
+          <a:stretch/>
+        </p:blipFill>
+        <p:spPr bwMode="auto">
+          <a:xfrm>
+            <a:off x="6111219" y="3641112"/>
+            <a:ext cx="327305" cy="360000"/>
+          </a:xfrm>
+          <a:prstGeom prst="rect">
+            <a:avLst/>
+          </a:prstGeom>
+          <a:noFill/>
+          <a:extLst>
+            <a:ext uri="{909E8E84-426E-40DD-AFC4-6F175D3DCCD1}">
+              <a14:hiddenFill xmlns:a14="http://schemas.microsoft.com/office/drawing/2010/main">
+                <a:solidFill>
+                  <a:srgbClr val="FFFFFF"/>
+                </a:solidFill>
+              </a14:hiddenFill>
+            </a:ext>
+          </a:extLst>
+        </p:spPr>
+      </p:pic>
     </p:spTree>
     <p:extLst>
       <p:ext uri="{BB962C8B-B14F-4D97-AF65-F5344CB8AC3E}">
@@ -10338,12 +10932,9 @@
           <a:p>
             <a:r>
               <a:rPr lang="en-US" dirty="0" smtClean="0"/>
-              <a:t>Core (shared</a:t>
-            </a:r>
-            <a:r>
-              <a:rPr lang="en-US" dirty="0"/>
-              <a:t>)</a:t>
-            </a:r>
+              <a:t>Core</a:t>
+            </a:r>
+            <a:endParaRPr lang="en-US" dirty="0"/>
           </a:p>
           <a:p>
             <a:pPr lvl="1"/>
@@ -10361,10 +10952,7 @@
               <a:rPr lang="en-US" dirty="0" err="1" smtClean="0"/>
               <a:t>ViewModel</a:t>
             </a:r>
-            <a:r>
-              <a:rPr lang="en-US" dirty="0" smtClean="0"/>
-              <a:t> (shared)</a:t>
-            </a:r>
+            <a:endParaRPr lang="en-US" dirty="0" smtClean="0"/>
           </a:p>
           <a:p>
             <a:pPr lvl="1"/>
@@ -10610,14 +11198,261 @@
       </p:pic>
       <p:sp>
         <p:nvSpPr>
+          <p:cNvPr id="12" name="Rounded Rectangle 11"/>
+          <p:cNvSpPr/>
+          <p:nvPr/>
+        </p:nvSpPr>
+        <p:spPr>
+          <a:xfrm>
+            <a:off x="6568091" y="1646775"/>
+            <a:ext cx="2049519" cy="501739"/>
+          </a:xfrm>
+          <a:prstGeom prst="roundRect">
+            <a:avLst/>
+          </a:prstGeom>
+          <a:ln/>
+        </p:spPr>
+        <p:style>
+          <a:lnRef idx="0">
+            <a:schemeClr val="accent1"/>
+          </a:lnRef>
+          <a:fillRef idx="3">
+            <a:schemeClr val="accent1"/>
+          </a:fillRef>
+          <a:effectRef idx="3">
+            <a:schemeClr val="accent1"/>
+          </a:effectRef>
+          <a:fontRef idx="minor">
+            <a:schemeClr val="lt1"/>
+          </a:fontRef>
+        </p:style>
+        <p:txBody>
+          <a:bodyPr rtlCol="0" anchor="ctr"/>
+          <a:lstStyle/>
+          <a:p>
+            <a:pPr algn="ctr"/>
+            <a:r>
+              <a:rPr lang="en-US" sz="2800" dirty="0" smtClean="0"/>
+              <a:t>Model</a:t>
+            </a:r>
+            <a:endParaRPr lang="en-US" sz="2800" dirty="0"/>
+          </a:p>
+        </p:txBody>
+      </p:sp>
+      <p:sp>
+        <p:nvSpPr>
+          <p:cNvPr id="13" name="Rounded Rectangle 12"/>
+          <p:cNvSpPr/>
+          <p:nvPr/>
+        </p:nvSpPr>
+        <p:spPr>
+          <a:xfrm>
+            <a:off x="6568091" y="4355757"/>
+            <a:ext cx="2049519" cy="499068"/>
+          </a:xfrm>
+          <a:prstGeom prst="roundRect">
+            <a:avLst/>
+          </a:prstGeom>
+          <a:gradFill flip="none" rotWithShape="1">
+            <a:gsLst>
+              <a:gs pos="0">
+                <a:schemeClr val="accent2">
+                  <a:shade val="30000"/>
+                  <a:satMod val="115000"/>
+                </a:schemeClr>
+              </a:gs>
+              <a:gs pos="50000">
+                <a:schemeClr val="accent2">
+                  <a:shade val="67500"/>
+                  <a:satMod val="115000"/>
+                </a:schemeClr>
+              </a:gs>
+              <a:gs pos="100000">
+                <a:schemeClr val="accent2">
+                  <a:shade val="100000"/>
+                  <a:satMod val="115000"/>
+                </a:schemeClr>
+              </a:gs>
+            </a:gsLst>
+            <a:lin ang="16200000" scaled="1"/>
+            <a:tileRect/>
+          </a:gradFill>
+          <a:ln/>
+        </p:spPr>
+        <p:style>
+          <a:lnRef idx="0">
+            <a:schemeClr val="accent2"/>
+          </a:lnRef>
+          <a:fillRef idx="3">
+            <a:schemeClr val="accent2"/>
+          </a:fillRef>
+          <a:effectRef idx="3">
+            <a:schemeClr val="accent2"/>
+          </a:effectRef>
+          <a:fontRef idx="minor">
+            <a:schemeClr val="lt1"/>
+          </a:fontRef>
+        </p:style>
+        <p:txBody>
+          <a:bodyPr rtlCol="0" anchor="ctr"/>
+          <a:lstStyle/>
+          <a:p>
+            <a:pPr algn="ctr"/>
+            <a:r>
+              <a:rPr lang="en-US" sz="2800" dirty="0" smtClean="0">
+                <a:solidFill>
+                  <a:srgbClr val="000000"/>
+                </a:solidFill>
+              </a:rPr>
+              <a:t>View</a:t>
+            </a:r>
+            <a:endParaRPr lang="en-US" sz="2800" dirty="0">
+              <a:solidFill>
+                <a:srgbClr val="000000"/>
+              </a:solidFill>
+            </a:endParaRPr>
+          </a:p>
+        </p:txBody>
+      </p:sp>
+      <p:sp>
+        <p:nvSpPr>
+          <p:cNvPr id="14" name="Rounded Rectangle 13"/>
+          <p:cNvSpPr/>
+          <p:nvPr/>
+        </p:nvSpPr>
+        <p:spPr>
+          <a:xfrm>
+            <a:off x="6567372" y="2929932"/>
+            <a:ext cx="2049519" cy="499068"/>
+          </a:xfrm>
+          <a:prstGeom prst="roundRect">
+            <a:avLst/>
+          </a:prstGeom>
+          <a:gradFill flip="none" rotWithShape="1">
+            <a:gsLst>
+              <a:gs pos="0">
+                <a:schemeClr val="accent2">
+                  <a:shade val="30000"/>
+                  <a:satMod val="115000"/>
+                </a:schemeClr>
+              </a:gs>
+              <a:gs pos="50000">
+                <a:schemeClr val="accent2">
+                  <a:shade val="67500"/>
+                  <a:satMod val="115000"/>
+                </a:schemeClr>
+              </a:gs>
+              <a:gs pos="100000">
+                <a:schemeClr val="accent2">
+                  <a:shade val="100000"/>
+                  <a:satMod val="115000"/>
+                </a:schemeClr>
+              </a:gs>
+            </a:gsLst>
+            <a:lin ang="16200000" scaled="1"/>
+            <a:tileRect/>
+          </a:gradFill>
+          <a:ln/>
+        </p:spPr>
+        <p:style>
+          <a:lnRef idx="0">
+            <a:schemeClr val="accent2"/>
+          </a:lnRef>
+          <a:fillRef idx="3">
+            <a:schemeClr val="accent2"/>
+          </a:fillRef>
+          <a:effectRef idx="3">
+            <a:schemeClr val="accent2"/>
+          </a:effectRef>
+          <a:fontRef idx="minor">
+            <a:schemeClr val="lt1"/>
+          </a:fontRef>
+        </p:style>
+        <p:txBody>
+          <a:bodyPr rtlCol="0" anchor="ctr"/>
+          <a:lstStyle/>
+          <a:p>
+            <a:pPr algn="ctr"/>
+            <a:r>
+              <a:rPr lang="en-US" sz="2800" dirty="0" err="1" smtClean="0">
+                <a:solidFill>
+                  <a:srgbClr val="000000"/>
+                </a:solidFill>
+              </a:rPr>
+              <a:t>ViewModel</a:t>
+            </a:r>
+            <a:endParaRPr lang="en-US" sz="2800" dirty="0">
+              <a:solidFill>
+                <a:srgbClr val="000000"/>
+              </a:solidFill>
+            </a:endParaRPr>
+          </a:p>
+        </p:txBody>
+      </p:sp>
+      <p:pic>
+        <p:nvPicPr>
+          <p:cNvPr id="15" name="Picture 2" descr="http://www.dosenfischer.de/wp-content/uploads/2009/06/android_vector-580x435.jpg"/>
+          <p:cNvPicPr>
+            <a:picLocks noChangeAspect="1" noChangeArrowheads="1"/>
+          </p:cNvPicPr>
+          <p:nvPr/>
+        </p:nvPicPr>
+        <p:blipFill rotWithShape="1">
+          <a:blip r:embed="rId4" cstate="print">
+            <a:extLst>
+              <a:ext uri="{BEBA8EAE-BF5A-486C-A8C5-ECC9F3942E4B}">
+                <a14:imgProps xmlns:a14="http://schemas.microsoft.com/office/drawing/2010/main">
+                  <a14:imgLayer r:embed="rId5">
+                    <a14:imgEffect>
+                      <a14:backgroundRemoval t="5287" b="92644" l="22069" r="78448">
+                        <a14:foregroundMark x1="27931" y1="45287" x2="27931" y2="45287"/>
+                        <a14:foregroundMark x1="74310" y1="48506" x2="74310" y2="48506"/>
+                        <a14:foregroundMark x1="48621" y1="21149" x2="48621" y2="21149"/>
+                        <a14:foregroundMark x1="42586" y1="25977" x2="42586" y2="25977"/>
+                        <a14:foregroundMark x1="58103" y1="25517" x2="58103" y2="25517"/>
+                      </a14:backgroundRemoval>
+                    </a14:imgEffect>
+                  </a14:imgLayer>
+                </a14:imgProps>
+              </a:ext>
+              <a:ext uri="{28A0092B-C50C-407E-A947-70E740481C1C}">
+                <a14:useLocalDpi xmlns:a14="http://schemas.microsoft.com/office/drawing/2010/main" val="0"/>
+              </a:ext>
+            </a:extLst>
+          </a:blip>
+          <a:srcRect l="21204" t="7413" r="21232" b="3409"/>
+          <a:stretch/>
+        </p:blipFill>
+        <p:spPr bwMode="auto">
+          <a:xfrm>
+            <a:off x="6186965" y="4425291"/>
+            <a:ext cx="309838" cy="360000"/>
+          </a:xfrm>
+          <a:prstGeom prst="rect">
+            <a:avLst/>
+          </a:prstGeom>
+          <a:noFill/>
+          <a:extLst>
+            <a:ext uri="{909E8E84-426E-40DD-AFC4-6F175D3DCCD1}">
+              <a14:hiddenFill xmlns:a14="http://schemas.microsoft.com/office/drawing/2010/main">
+                <a:solidFill>
+                  <a:srgbClr val="FFFFFF"/>
+                </a:solidFill>
+              </a14:hiddenFill>
+            </a:ext>
+          </a:extLst>
+        </p:spPr>
+      </p:pic>
+      <p:sp>
+        <p:nvSpPr>
           <p:cNvPr id="6" name="Rectangle 5"/>
           <p:cNvSpPr/>
           <p:nvPr/>
         </p:nvSpPr>
         <p:spPr>
           <a:xfrm rot="18746122">
-            <a:off x="4637475" y="2969970"/>
-            <a:ext cx="4689105" cy="923330"/>
+            <a:off x="4473969" y="2969970"/>
+            <a:ext cx="5016117" cy="923330"/>
           </a:xfrm>
           <a:prstGeom prst="rect">
             <a:avLst/>
@@ -10670,7 +11505,48 @@
                   </a:glow>
                 </a:effectLst>
               </a:rPr>
-              <a:t>Class diagram</a:t>
+              <a:t>Class </a:t>
+            </a:r>
+            <a:r>
+              <a:rPr lang="en-US" sz="5400" b="1" cap="none" spc="300" dirty="0" smtClean="0">
+                <a:ln w="11430" cmpd="sng">
+                  <a:solidFill>
+                    <a:schemeClr val="accent1">
+                      <a:tint val="10000"/>
+                    </a:schemeClr>
+                  </a:solidFill>
+                  <a:prstDash val="solid"/>
+                  <a:miter lim="800000"/>
+                </a:ln>
+                <a:gradFill>
+                  <a:gsLst>
+                    <a:gs pos="10000">
+                      <a:schemeClr val="accent1">
+                        <a:tint val="83000"/>
+                        <a:shade val="100000"/>
+                        <a:satMod val="200000"/>
+                      </a:schemeClr>
+                    </a:gs>
+                    <a:gs pos="75000">
+                      <a:schemeClr val="accent1">
+                        <a:tint val="100000"/>
+                        <a:shade val="50000"/>
+                        <a:satMod val="150000"/>
+                      </a:schemeClr>
+                    </a:gs>
+                  </a:gsLst>
+                  <a:lin ang="5400000"/>
+                </a:gradFill>
+                <a:effectLst>
+                  <a:glow rad="45500">
+                    <a:schemeClr val="accent1">
+                      <a:satMod val="220000"/>
+                      <a:alpha val="35000"/>
+                    </a:schemeClr>
+                  </a:glow>
+                </a:effectLst>
+              </a:rPr>
+              <a:t>diagram?</a:t>
             </a:r>
             <a:endParaRPr lang="en-US" sz="5400" b="1" cap="none" spc="300" dirty="0">
               <a:ln w="11430" cmpd="sng">
@@ -13278,23 +14154,14 @@
             <a:pPr lvl="1"/>
             <a:r>
               <a:rPr lang="en-US" dirty="0" smtClean="0"/>
-              <a:t>Symmetric encryption with </a:t>
-            </a:r>
+              <a:t>Symmetric encryption with AES-256</a:t>
+            </a:r>
+          </a:p>
+          <a:p>
+            <a:pPr lvl="1"/>
             <a:r>
               <a:rPr lang="en-US" dirty="0" smtClean="0"/>
-              <a:t>AES-256</a:t>
-            </a:r>
-            <a:endParaRPr lang="en-US" dirty="0" smtClean="0"/>
-          </a:p>
-          <a:p>
-            <a:pPr lvl="1"/>
-            <a:r>
-              <a:rPr lang="en-US" dirty="0" smtClean="0"/>
-              <a:t>Bouncy Castle </a:t>
-            </a:r>
-            <a:r>
-              <a:rPr lang="en-US" dirty="0" smtClean="0"/>
-              <a:t>implementation</a:t>
+              <a:t>Bouncy Castle implementation</a:t>
             </a:r>
           </a:p>
           <a:p>
@@ -13347,15 +14214,7 @@
             </a:br>
             <a:r>
               <a:rPr lang="en-US" dirty="0" smtClean="0"/>
-              <a:t>(as we are using a </a:t>
-            </a:r>
-            <a:r>
-              <a:rPr lang="en-US" dirty="0" smtClean="0"/>
-              <a:t>tested encryption </a:t>
-            </a:r>
-            <a:r>
-              <a:rPr lang="en-US" dirty="0" smtClean="0"/>
-              <a:t>library)</a:t>
+              <a:t>(as we are using a tested encryption library)</a:t>
             </a:r>
           </a:p>
         </p:txBody>
@@ -15273,17 +16132,8 @@
               <a:rPr lang="en-US" sz="2400" dirty="0" smtClean="0">
                 <a:latin typeface="+mn-lt"/>
               </a:rPr>
-              <a:t>:	</a:t>
-            </a:r>
-            <a:r>
-              <a:rPr lang="en-US" sz="2400" dirty="0" smtClean="0">
-                <a:latin typeface="+mn-lt"/>
-              </a:rPr>
-              <a:t>??</a:t>
-            </a:r>
-            <a:endParaRPr lang="en-US" sz="2400" dirty="0" smtClean="0">
-              <a:latin typeface="+mn-lt"/>
-            </a:endParaRPr>
+              <a:t>:	??</a:t>
+            </a:r>
           </a:p>
           <a:p>
             <a:pPr lvl="2"/>
@@ -15297,17 +16147,8 @@
               <a:rPr lang="en-US" sz="2400" dirty="0" smtClean="0">
                 <a:latin typeface="+mn-lt"/>
               </a:rPr>
-              <a:t>:	</a:t>
-            </a:r>
-            <a:r>
-              <a:rPr lang="en-US" sz="2400" dirty="0" smtClean="0">
-                <a:latin typeface="+mn-lt"/>
-              </a:rPr>
-              <a:t>	396</a:t>
-            </a:r>
-            <a:endParaRPr lang="en-US" sz="2400" dirty="0" smtClean="0">
-              <a:latin typeface="+mn-lt"/>
-            </a:endParaRPr>
+              <a:t>:		396</a:t>
+            </a:r>
           </a:p>
           <a:p>
             <a:pPr lvl="2"/>
@@ -15321,17 +16162,8 @@
               <a:rPr lang="en-US" sz="2400" dirty="0" smtClean="0">
                 <a:latin typeface="+mn-lt"/>
               </a:rPr>
-              <a:t>:		</a:t>
-            </a:r>
-            <a:r>
-              <a:rPr lang="en-US" sz="2400" dirty="0" smtClean="0">
-                <a:latin typeface="+mn-lt"/>
-              </a:rPr>
-              <a:t>??</a:t>
-            </a:r>
-            <a:endParaRPr lang="en-US" sz="2400" dirty="0" smtClean="0">
-              <a:latin typeface="+mn-lt"/>
-            </a:endParaRPr>
+              <a:t>:		??</a:t>
+            </a:r>
           </a:p>
           <a:p>
             <a:pPr lvl="2"/>
@@ -15345,17 +16177,8 @@
               <a:rPr lang="en-US" sz="2400" dirty="0" smtClean="0">
                 <a:latin typeface="+mn-lt"/>
               </a:rPr>
-              <a:t>:		</a:t>
-            </a:r>
-            <a:r>
-              <a:rPr lang="en-US" sz="2400" dirty="0" smtClean="0">
-                <a:latin typeface="+mn-lt"/>
-              </a:rPr>
-              <a:t>27</a:t>
-            </a:r>
-            <a:endParaRPr lang="en-US" sz="2400" dirty="0" smtClean="0">
-              <a:latin typeface="+mn-lt"/>
-            </a:endParaRPr>
+              <a:t>:		27</a:t>
+            </a:r>
           </a:p>
           <a:p>
             <a:pPr lvl="2"/>
@@ -15369,17 +16192,8 @@
               <a:rPr lang="en-US" sz="2400" dirty="0" smtClean="0">
                 <a:latin typeface="+mn-lt"/>
               </a:rPr>
-              <a:t>:	</a:t>
-            </a:r>
-            <a:r>
-              <a:rPr lang="en-US" sz="2400" dirty="0" smtClean="0">
-                <a:latin typeface="+mn-lt"/>
-              </a:rPr>
-              <a:t>279</a:t>
-            </a:r>
-            <a:endParaRPr lang="en-US" sz="2400" dirty="0" smtClean="0">
-              <a:latin typeface="+mn-lt"/>
-            </a:endParaRPr>
+              <a:t>:	279</a:t>
+            </a:r>
           </a:p>
           <a:p>
             <a:pPr lvl="1"/>
@@ -16299,7 +17113,7 @@
           <p:nvPr/>
         </p:nvPicPr>
         <p:blipFill>
-          <a:blip r:embed="rId2" cstate="print">
+          <a:blip r:embed="rId3" cstate="print">
             <a:extLst>
               <a:ext uri="{28A0092B-C50C-407E-A947-70E740481C1C}">
                 <a14:useLocalDpi xmlns:a14="http://schemas.microsoft.com/office/drawing/2010/main" val="0"/>
@@ -17207,9 +18021,6 @@
               </a:rPr>
               <a:t>Live coding</a:t>
             </a:r>
-            <a:endParaRPr lang="en-US" dirty="0" smtClean="0">
-              <a:latin typeface="+mn-lt"/>
-            </a:endParaRPr>
           </a:p>
           <a:p>
             <a:pPr marL="457200" indent="-457200">
@@ -19053,7 +19864,7 @@
           <p:nvPr/>
         </p:nvPicPr>
         <p:blipFill>
-          <a:blip r:embed="rId2" cstate="print">
+          <a:blip r:embed="rId3" cstate="print">
             <a:extLst>
               <a:ext uri="{28A0092B-C50C-407E-A947-70E740481C1C}">
                 <a14:useLocalDpi xmlns:a14="http://schemas.microsoft.com/office/drawing/2010/main" val="0"/>
@@ -19117,7 +19928,7 @@
           <p:nvPr/>
         </p:nvPicPr>
         <p:blipFill>
-          <a:blip r:embed="rId3" cstate="print">
+          <a:blip r:embed="rId4" cstate="print">
             <a:extLst>
               <a:ext uri="{28A0092B-C50C-407E-A947-70E740481C1C}">
                 <a14:useLocalDpi xmlns:a14="http://schemas.microsoft.com/office/drawing/2010/main" val="0"/>
@@ -19474,7 +20285,25 @@
               <a:rPr lang="en-US" sz="2200" dirty="0" smtClean="0">
                 <a:latin typeface="AA Zuehlke" pitchFamily="2" charset="0"/>
               </a:rPr>
-              <a:t>(Buy ticket)</a:t>
+              <a:t>(</a:t>
+            </a:r>
+            <a:r>
+              <a:rPr lang="en-US" sz="2200" dirty="0">
+                <a:latin typeface="AA Zuehlke" pitchFamily="2" charset="0"/>
+              </a:rPr>
+              <a:t>b</a:t>
+            </a:r>
+            <a:r>
+              <a:rPr lang="en-US" sz="2200" dirty="0" smtClean="0">
+                <a:latin typeface="AA Zuehlke" pitchFamily="2" charset="0"/>
+              </a:rPr>
+              <a:t>uy </a:t>
+            </a:r>
+            <a:r>
+              <a:rPr lang="en-US" sz="2200" dirty="0" smtClean="0">
+                <a:latin typeface="AA Zuehlke" pitchFamily="2" charset="0"/>
+              </a:rPr>
+              <a:t>ticket)</a:t>
             </a:r>
           </a:p>
           <a:p>
@@ -19507,7 +20336,25 @@
               <a:rPr lang="en-US" sz="2200" dirty="0" smtClean="0">
                 <a:latin typeface="AA Zuehlke" pitchFamily="2" charset="0"/>
               </a:rPr>
-              <a:t>(Shake for most current ticket)</a:t>
+              <a:t>(shake </a:t>
+            </a:r>
+            <a:r>
+              <a:rPr lang="en-US" sz="2200" dirty="0" smtClean="0">
+                <a:latin typeface="AA Zuehlke" pitchFamily="2" charset="0"/>
+              </a:rPr>
+              <a:t>for most </a:t>
+            </a:r>
+            <a:r>
+              <a:rPr lang="en-US" sz="2200" dirty="0" smtClean="0">
+                <a:latin typeface="AA Zuehlke" pitchFamily="2" charset="0"/>
+              </a:rPr>
+              <a:t>recent ticket</a:t>
+            </a:r>
+            <a:r>
+              <a:rPr lang="en-US" sz="2200" dirty="0" smtClean="0">
+                <a:latin typeface="AA Zuehlke" pitchFamily="2" charset="0"/>
+              </a:rPr>
+              <a:t>)</a:t>
             </a:r>
             <a:endParaRPr lang="en-US" sz="2200" dirty="0">
               <a:latin typeface="AA Zuehlke" pitchFamily="2" charset="0"/>
@@ -20231,7 +21078,7 @@
             <a:pPr algn="r"/>
             <a:r>
               <a:rPr lang="en-US" sz="1000" dirty="0" smtClean="0">
-                <a:hlinkClick r:id="rId4"/>
+                <a:hlinkClick r:id="rId5"/>
               </a:rPr>
               <a:t>Nielsen</a:t>
             </a:r>
@@ -20604,15 +21451,7 @@
                   <a:srgbClr val="000000"/>
                 </a:solidFill>
               </a:rPr>
-              <a:t>User </a:t>
-            </a:r>
-            <a:r>
-              <a:rPr lang="en-US" dirty="0" smtClean="0">
-                <a:solidFill>
-                  <a:srgbClr val="000000"/>
-                </a:solidFill>
-              </a:rPr>
-              <a:t>Interface</a:t>
+              <a:t>User Interface</a:t>
             </a:r>
             <a:endParaRPr lang="en-US" dirty="0">
               <a:solidFill>
@@ -20687,15 +21526,7 @@
                   <a:srgbClr val="000000"/>
                 </a:solidFill>
               </a:rPr>
-              <a:t>User </a:t>
-            </a:r>
-            <a:r>
-              <a:rPr lang="en-US" dirty="0" smtClean="0">
-                <a:solidFill>
-                  <a:srgbClr val="000000"/>
-                </a:solidFill>
-              </a:rPr>
-              <a:t>Interface</a:t>
+              <a:t>User Interface</a:t>
             </a:r>
             <a:endParaRPr lang="en-US" dirty="0">
               <a:solidFill>
@@ -20912,11 +21743,7 @@
             <a:pPr algn="ctr"/>
             <a:r>
               <a:rPr lang="en-US" dirty="0" smtClean="0"/>
-              <a:t>Business </a:t>
-            </a:r>
-            <a:r>
-              <a:rPr lang="en-US" dirty="0" smtClean="0"/>
-              <a:t>Layer</a:t>
+              <a:t>Business Layer</a:t>
             </a:r>
             <a:endParaRPr lang="en-US" dirty="0"/>
           </a:p>
@@ -21257,11 +22084,7 @@
             <a:pPr algn="ctr"/>
             <a:r>
               <a:rPr lang="en-US" dirty="0" smtClean="0"/>
-              <a:t>Business </a:t>
-            </a:r>
-            <a:r>
-              <a:rPr lang="en-US" dirty="0" smtClean="0"/>
-              <a:t>Layer</a:t>
+              <a:t>Business Layer</a:t>
             </a:r>
             <a:endParaRPr lang="en-US" dirty="0"/>
           </a:p>
@@ -21992,11 +22815,7 @@
             <a:pPr algn="ctr"/>
             <a:r>
               <a:rPr lang="en-US" dirty="0" smtClean="0"/>
-              <a:t>Business </a:t>
-            </a:r>
-            <a:r>
-              <a:rPr lang="en-US" dirty="0" smtClean="0"/>
-              <a:t>Layer</a:t>
+              <a:t>Business Layer</a:t>
             </a:r>
             <a:endParaRPr lang="en-US" dirty="0"/>
           </a:p>

--- a/docs/13-09-26 Cross-platform mobile development with C#.pptx
+++ b/docs/13-09-26 Cross-platform mobile development with C#.pptx
@@ -45,11 +45,11 @@
   <p:notesSz cx="6858000" cy="9144000"/>
   <p:embeddedFontLst>
     <p:embeddedFont>
-      <p:font typeface="AA Zuehlke Medium" panose="02000603060000020004" pitchFamily="2" charset="0"/>
+      <p:font typeface="Webdings" panose="05030102010509060703" pitchFamily="18" charset="2"/>
       <p:regular r:id="rId33"/>
     </p:embeddedFont>
     <p:embeddedFont>
-      <p:font typeface="Webdings" panose="05030102010509060703" pitchFamily="18" charset="2"/>
+      <p:font typeface="AA Zuehlke Medium" panose="02000603060000020004" pitchFamily="2" charset="0"/>
       <p:regular r:id="rId34"/>
     </p:embeddedFont>
     <p:embeddedFont>
@@ -475,6 +475,176 @@
 </c:chartSpace>
 </file>
 
+<file path=ppt/charts/chart4.xml><?xml version="1.0" encoding="utf-8"?>
+<c:chartSpace xmlns:c="http://schemas.openxmlformats.org/drawingml/2006/chart" xmlns:a="http://schemas.openxmlformats.org/drawingml/2006/main" xmlns:r="http://schemas.openxmlformats.org/officeDocument/2006/relationships">
+  <c:date1904 val="0"/>
+  <c:lang val="de-CH"/>
+  <c:roundedCorners val="0"/>
+  <mc:AlternateContent xmlns:mc="http://schemas.openxmlformats.org/markup-compatibility/2006">
+    <mc:Choice xmlns:c14="http://schemas.microsoft.com/office/drawing/2007/8/2/chart" Requires="c14">
+      <c14:style val="102"/>
+    </mc:Choice>
+    <mc:Fallback>
+      <c:style val="2"/>
+    </mc:Fallback>
+  </mc:AlternateContent>
+  <c:chart>
+    <c:autoTitleDeleted val="1"/>
+    <c:view3D>
+      <c:rotX val="30"/>
+      <c:rotY val="0"/>
+      <c:rAngAx val="0"/>
+      <c:perspective val="30"/>
+    </c:view3D>
+    <c:floor>
+      <c:thickness val="0"/>
+    </c:floor>
+    <c:sideWall>
+      <c:thickness val="0"/>
+    </c:sideWall>
+    <c:backWall>
+      <c:thickness val="0"/>
+    </c:backWall>
+    <c:plotArea>
+      <c:layout/>
+      <c:pie3DChart>
+        <c:varyColors val="1"/>
+        <c:ser>
+          <c:idx val="0"/>
+          <c:order val="0"/>
+          <c:tx>
+            <c:strRef>
+              <c:f>Sheet1!$B$1</c:f>
+              <c:strCache>
+                <c:ptCount val="1"/>
+                <c:pt idx="0">
+                  <c:v>LoC</c:v>
+                </c:pt>
+              </c:strCache>
+            </c:strRef>
+          </c:tx>
+          <c:dPt>
+            <c:idx val="1"/>
+            <c:bubble3D val="0"/>
+            <c:spPr>
+              <a:solidFill>
+                <a:schemeClr val="accent3">
+                  <a:lumMod val="60000"/>
+                  <a:lumOff val="40000"/>
+                </a:schemeClr>
+              </a:solidFill>
+            </c:spPr>
+          </c:dPt>
+          <c:cat>
+            <c:strRef>
+              <c:f>Sheet1!$A$2:$A$3</c:f>
+              <c:strCache>
+                <c:ptCount val="2"/>
+                <c:pt idx="0">
+                  <c:v>proprietary</c:v>
+                </c:pt>
+                <c:pt idx="1">
+                  <c:v>shared</c:v>
+                </c:pt>
+              </c:strCache>
+            </c:strRef>
+          </c:cat>
+          <c:val>
+            <c:numRef>
+              <c:f>Sheet1!$B$2:$B$3</c:f>
+              <c:numCache>
+                <c:formatCode>General</c:formatCode>
+                <c:ptCount val="2"/>
+                <c:pt idx="0">
+                  <c:v>431</c:v>
+                </c:pt>
+                <c:pt idx="1">
+                  <c:v>423</c:v>
+                </c:pt>
+              </c:numCache>
+            </c:numRef>
+          </c:val>
+        </c:ser>
+        <c:ser>
+          <c:idx val="1"/>
+          <c:order val="1"/>
+          <c:tx>
+            <c:strRef>
+              <c:f>Sheet1!$C$1</c:f>
+              <c:strCache>
+                <c:ptCount val="1"/>
+                <c:pt idx="0">
+                  <c:v>Column1</c:v>
+                </c:pt>
+              </c:strCache>
+            </c:strRef>
+          </c:tx>
+          <c:cat>
+            <c:strRef>
+              <c:f>Sheet1!$A$2:$A$3</c:f>
+              <c:strCache>
+                <c:ptCount val="2"/>
+                <c:pt idx="0">
+                  <c:v>proprietary</c:v>
+                </c:pt>
+                <c:pt idx="1">
+                  <c:v>shared</c:v>
+                </c:pt>
+              </c:strCache>
+            </c:strRef>
+          </c:cat>
+          <c:val>
+            <c:numRef>
+              <c:f>Sheet1!$C$2:$C$3</c:f>
+              <c:numCache>
+                <c:formatCode>0.0%</c:formatCode>
+                <c:ptCount val="2"/>
+                <c:pt idx="0">
+                  <c:v>0.50468384074941453</c:v>
+                </c:pt>
+                <c:pt idx="1">
+                  <c:v>0.49531615925058547</c:v>
+                </c:pt>
+              </c:numCache>
+            </c:numRef>
+          </c:val>
+        </c:ser>
+        <c:dLbls>
+          <c:showLegendKey val="0"/>
+          <c:showVal val="0"/>
+          <c:showCatName val="0"/>
+          <c:showSerName val="0"/>
+          <c:showPercent val="0"/>
+          <c:showBubbleSize val="0"/>
+          <c:showLeaderLines val="1"/>
+        </c:dLbls>
+      </c:pie3DChart>
+    </c:plotArea>
+    <c:legend>
+      <c:legendPos val="t"/>
+      <c:layout/>
+      <c:overlay val="0"/>
+    </c:legend>
+    <c:plotVisOnly val="1"/>
+    <c:dispBlanksAs val="gap"/>
+    <c:showDLblsOverMax val="0"/>
+  </c:chart>
+  <c:txPr>
+    <a:bodyPr/>
+    <a:lstStyle/>
+    <a:p>
+      <a:pPr>
+        <a:defRPr sz="1800"/>
+      </a:pPr>
+      <a:endParaRPr lang="de-DE"/>
+    </a:p>
+  </c:txPr>
+  <c:externalData r:id="rId1">
+    <c:autoUpdate val="0"/>
+  </c:externalData>
+</c:chartSpace>
+</file>
+
 <file path=ppt/handoutMasters/handoutMaster1.xml><?xml version="1.0" encoding="utf-8"?>
 <p:handoutMaster xmlns:a="http://schemas.openxmlformats.org/drawingml/2006/main" xmlns:r="http://schemas.openxmlformats.org/officeDocument/2006/relationships" xmlns:p="http://schemas.openxmlformats.org/presentationml/2006/main">
   <p:cSld>
@@ -7332,44 +7502,100 @@
           <a:p>
             <a:pPr lvl="1"/>
             <a:r>
-              <a:rPr lang="en-US" dirty="0" err="1" smtClean="0"/>
+              <a:rPr lang="en-US" sz="2800" dirty="0" err="1" smtClean="0"/>
               <a:t>Xamarin</a:t>
             </a:r>
             <a:r>
-              <a:rPr lang="en-US" dirty="0" smtClean="0"/>
-              <a:t> Studio</a:t>
+              <a:rPr lang="en-US" sz="2800" dirty="0" smtClean="0"/>
+              <a:t> </a:t>
+            </a:r>
+            <a:r>
+              <a:rPr lang="en-US" sz="2800" dirty="0" smtClean="0"/>
+              <a:t>Studio</a:t>
             </a:r>
           </a:p>
           <a:p>
             <a:pPr lvl="2"/>
             <a:r>
-              <a:rPr lang="en-US" dirty="0" smtClean="0"/>
-              <a:t>C# example</a:t>
-            </a:r>
+              <a:rPr lang="en-US" sz="2400" dirty="0" smtClean="0"/>
+              <a:t>Successor of </a:t>
+            </a:r>
+            <a:r>
+              <a:rPr lang="en-US" sz="2400" dirty="0" err="1" smtClean="0"/>
+              <a:t>MonoDevelop</a:t>
+            </a:r>
+            <a:endParaRPr lang="en-US" sz="2400" dirty="0" smtClean="0"/>
           </a:p>
           <a:p>
             <a:pPr lvl="2"/>
             <a:r>
-              <a:rPr lang="en-US" dirty="0" err="1" smtClean="0"/>
+              <a:rPr lang="en-US" sz="2400" dirty="0" smtClean="0"/>
+              <a:t>UI design with </a:t>
+            </a:r>
+            <a:r>
+              <a:rPr lang="en-US" sz="2400" dirty="0" err="1" smtClean="0"/>
+              <a:t>XCode</a:t>
+            </a:r>
+            <a:endParaRPr lang="en-US" sz="2400" dirty="0" smtClean="0"/>
+          </a:p>
+          <a:p>
+            <a:pPr lvl="1"/>
+            <a:r>
+              <a:rPr lang="en-US" sz="2800" dirty="0"/>
+              <a:t>Project types</a:t>
+            </a:r>
+          </a:p>
+          <a:p>
+            <a:pPr lvl="2"/>
+            <a:r>
+              <a:rPr lang="en-US" sz="2400" dirty="0" err="1"/>
               <a:t>iOS</a:t>
             </a:r>
-            <a:r>
-              <a:rPr lang="en-US" dirty="0" smtClean="0"/>
-              <a:t> simulator (</a:t>
-            </a:r>
-            <a:r>
-              <a:rPr lang="en-US" dirty="0" smtClean="0">
-                <a:solidFill>
-                  <a:srgbClr val="FF0000"/>
-                </a:solidFill>
-              </a:rPr>
-              <a:t>remote</a:t>
-            </a:r>
-            <a:r>
-              <a:rPr lang="en-US" dirty="0" smtClean="0"/>
-              <a:t>)</a:t>
-            </a:r>
-            <a:endParaRPr lang="en-US" dirty="0"/>
+            <a:endParaRPr lang="en-US" sz="2400" dirty="0"/>
+          </a:p>
+          <a:p>
+            <a:pPr lvl="2"/>
+            <a:r>
+              <a:rPr lang="en-US" sz="2400" dirty="0"/>
+              <a:t>Android</a:t>
+            </a:r>
+          </a:p>
+          <a:p>
+            <a:pPr lvl="1"/>
+            <a:r>
+              <a:rPr lang="en-US" sz="2800" dirty="0" smtClean="0"/>
+              <a:t>Plain .NET with C#</a:t>
+            </a:r>
+          </a:p>
+          <a:p>
+            <a:pPr lvl="2"/>
+            <a:r>
+              <a:rPr lang="en-US" sz="2400" dirty="0" smtClean="0"/>
+              <a:t>Writing </a:t>
+            </a:r>
+            <a:r>
+              <a:rPr lang="en-US" sz="2400" dirty="0" err="1" smtClean="0"/>
+              <a:t>iOS</a:t>
+            </a:r>
+            <a:r>
+              <a:rPr lang="en-US" sz="2400" dirty="0" smtClean="0"/>
+              <a:t> apps using C# only (no Objective-C)</a:t>
+            </a:r>
+          </a:p>
+          <a:p>
+            <a:pPr lvl="1"/>
+            <a:r>
+              <a:rPr lang="en-US" sz="2800" dirty="0" smtClean="0"/>
+              <a:t>Remote debugging from Windows</a:t>
+            </a:r>
+          </a:p>
+          <a:p>
+            <a:pPr lvl="2"/>
+            <a:r>
+              <a:rPr lang="en-US" sz="2400" dirty="0" smtClean="0"/>
+              <a:t>Using a Mac as build server while developing and debugging from within Visual Studio on Windows</a:t>
+            </a:r>
+            <a:endParaRPr lang="en-US" sz="2400" dirty="0"/>
           </a:p>
         </p:txBody>
       </p:sp>
@@ -8208,12 +8434,49 @@
           <a:p>
             <a:pPr lvl="1"/>
             <a:r>
-              <a:rPr lang="en-US" sz="2800" dirty="0" smtClean="0"/>
-              <a:t>Prepared</a:t>
+              <a:rPr lang="en-US" sz="2800" dirty="0" err="1"/>
+              <a:t>NuGet</a:t>
             </a:r>
             <a:r>
               <a:rPr lang="en-US" sz="2800" dirty="0"/>
               <a:t> </a:t>
+            </a:r>
+            <a:r>
+              <a:rPr lang="en-US" sz="2800" dirty="0">
+                <a:sym typeface="Wingdings" panose="05000000000000000000" pitchFamily="2" charset="2"/>
+              </a:rPr>
+              <a:t> Install </a:t>
+            </a:r>
+            <a:r>
+              <a:rPr lang="en-US" sz="2800" dirty="0" err="1">
+                <a:sym typeface="Wingdings" panose="05000000000000000000" pitchFamily="2" charset="2"/>
+              </a:rPr>
+              <a:t>MvvmCross</a:t>
+            </a:r>
+            <a:endParaRPr lang="en-US" sz="2800" dirty="0">
+              <a:sym typeface="Wingdings" panose="05000000000000000000" pitchFamily="2" charset="2"/>
+            </a:endParaRPr>
+          </a:p>
+          <a:p>
+            <a:pPr lvl="2"/>
+            <a:r>
+              <a:rPr lang="en-US" sz="2400" dirty="0" smtClean="0">
+                <a:sym typeface="Wingdings" panose="05000000000000000000" pitchFamily="2" charset="2"/>
+              </a:rPr>
+              <a:t>Hot Tuna</a:t>
+            </a:r>
+            <a:r>
+              <a:rPr lang="en-US" sz="2400" dirty="0">
+                <a:sym typeface="Wingdings" panose="05000000000000000000" pitchFamily="2" charset="2"/>
+              </a:rPr>
+              <a:t>: Most recent release</a:t>
+            </a:r>
+          </a:p>
+          <a:p>
+            <a:pPr lvl="1"/>
+            <a:r>
+              <a:rPr lang="en-US" sz="2800" dirty="0" smtClean="0"/>
+              <a:t>Prepared </a:t>
             </a:r>
             <a:r>
               <a:rPr lang="en-US" sz="2800" dirty="0" smtClean="0"/>
@@ -8296,54 +8559,18 @@
               <a:t>:	</a:t>
             </a:r>
             <a:r>
-              <a:rPr lang="en-US" sz="2400" dirty="0" err="1" smtClean="0"/>
-              <a:t>RESTful</a:t>
-            </a:r>
-            <a:r>
               <a:rPr lang="en-US" sz="2400" dirty="0" smtClean="0"/>
-              <a:t> service (hosted on Azure)</a:t>
-            </a:r>
-          </a:p>
-          <a:p>
-            <a:pPr lvl="1"/>
-            <a:r>
-              <a:rPr lang="en-US" sz="2800" dirty="0" err="1" smtClean="0"/>
-              <a:t>NuGet</a:t>
-            </a:r>
-            <a:r>
-              <a:rPr lang="en-US" sz="2800" dirty="0" smtClean="0"/>
-              <a:t> </a:t>
-            </a:r>
-            <a:r>
-              <a:rPr lang="en-US" sz="2800" dirty="0" smtClean="0">
-                <a:sym typeface="Wingdings" panose="05000000000000000000" pitchFamily="2" charset="2"/>
-              </a:rPr>
-              <a:t> Install </a:t>
-            </a:r>
-            <a:r>
-              <a:rPr lang="en-US" sz="2800" dirty="0" err="1" smtClean="0">
-                <a:sym typeface="Wingdings" panose="05000000000000000000" pitchFamily="2" charset="2"/>
-              </a:rPr>
-              <a:t>MvvmCross</a:t>
-            </a:r>
-            <a:endParaRPr lang="en-US" sz="2800" dirty="0">
-              <a:sym typeface="Wingdings" panose="05000000000000000000" pitchFamily="2" charset="2"/>
-            </a:endParaRPr>
-          </a:p>
-          <a:p>
-            <a:pPr lvl="2"/>
-            <a:r>
-              <a:rPr lang="en-US" sz="2400" dirty="0" err="1" smtClean="0">
-                <a:sym typeface="Wingdings" panose="05000000000000000000" pitchFamily="2" charset="2"/>
-              </a:rPr>
-              <a:t>HotTuna</a:t>
-            </a:r>
-            <a:r>
-              <a:rPr lang="en-US" sz="2400" dirty="0" smtClean="0">
-                <a:sym typeface="Wingdings" panose="05000000000000000000" pitchFamily="2" charset="2"/>
-              </a:rPr>
-              <a:t>: Most recent release</a:t>
-            </a:r>
+              <a:t>REST </a:t>
+            </a:r>
+            <a:r>
+              <a:rPr lang="en-US" sz="2400" dirty="0" smtClean="0"/>
+              <a:t>service (hosted on Azure</a:t>
+            </a:r>
+            <a:r>
+              <a:rPr lang="en-US" sz="2400" dirty="0" smtClean="0"/>
+              <a:t>)</a:t>
+            </a:r>
+            <a:endParaRPr lang="en-US" sz="2400" dirty="0" smtClean="0"/>
           </a:p>
         </p:txBody>
       </p:sp>
@@ -8616,7 +8843,6 @@
               <a:rPr lang="en-US" sz="2400" dirty="0" smtClean="0"/>
               <a:t>Model</a:t>
             </a:r>
-            <a:endParaRPr lang="en-US" sz="2400" dirty="0" smtClean="0"/>
           </a:p>
           <a:p>
             <a:pPr lvl="1"/>
@@ -8687,9 +8913,6 @@
               </a:rPr>
               <a:t>View</a:t>
             </a:r>
-            <a:endParaRPr lang="en-US" sz="2400" dirty="0" smtClean="0">
-              <a:sym typeface="Wingdings" panose="05000000000000000000" pitchFamily="2" charset="2"/>
-            </a:endParaRPr>
           </a:p>
           <a:p>
             <a:pPr lvl="1"/>
@@ -9199,8 +9422,90 @@
         </p:blipFill>
         <p:spPr bwMode="auto">
           <a:xfrm>
-            <a:off x="6111219" y="4272379"/>
+            <a:off x="6063151" y="4272379"/>
             <a:ext cx="327305" cy="360000"/>
+          </a:xfrm>
+          <a:prstGeom prst="rect">
+            <a:avLst/>
+          </a:prstGeom>
+          <a:noFill/>
+          <a:extLst>
+            <a:ext uri="{909E8E84-426E-40DD-AFC4-6F175D3DCCD1}">
+              <a14:hiddenFill xmlns:a14="http://schemas.microsoft.com/office/drawing/2010/main">
+                <a:solidFill>
+                  <a:srgbClr val="FFFFFF"/>
+                </a:solidFill>
+              </a14:hiddenFill>
+            </a:ext>
+          </a:extLst>
+        </p:spPr>
+      </p:pic>
+      <p:pic>
+        <p:nvPicPr>
+          <p:cNvPr id="1026" name="Picture 2" descr="http://cdn1.xamarin.com/webimages/images/index/icon-cross-platform.png"/>
+          <p:cNvPicPr>
+            <a:picLocks noChangeAspect="1" noChangeArrowheads="1"/>
+          </p:cNvPicPr>
+          <p:nvPr/>
+        </p:nvPicPr>
+        <p:blipFill>
+          <a:blip r:embed="rId6">
+            <a:extLst>
+              <a:ext uri="{28A0092B-C50C-407E-A947-70E740481C1C}">
+                <a14:useLocalDpi xmlns:a14="http://schemas.microsoft.com/office/drawing/2010/main" val="0"/>
+              </a:ext>
+            </a:extLst>
+          </a:blip>
+          <a:srcRect/>
+          <a:stretch>
+            <a:fillRect/>
+          </a:stretch>
+        </p:blipFill>
+        <p:spPr bwMode="auto">
+          <a:xfrm>
+            <a:off x="5956803" y="2553066"/>
+            <a:ext cx="540000" cy="540000"/>
+          </a:xfrm>
+          <a:prstGeom prst="rect">
+            <a:avLst/>
+          </a:prstGeom>
+          <a:noFill/>
+          <a:extLst>
+            <a:ext uri="{909E8E84-426E-40DD-AFC4-6F175D3DCCD1}">
+              <a14:hiddenFill xmlns:a14="http://schemas.microsoft.com/office/drawing/2010/main">
+                <a:solidFill>
+                  <a:srgbClr val="FFFFFF"/>
+                </a:solidFill>
+              </a14:hiddenFill>
+            </a:ext>
+          </a:extLst>
+        </p:spPr>
+      </p:pic>
+      <p:pic>
+        <p:nvPicPr>
+          <p:cNvPr id="18" name="Picture 2" descr="http://cdn1.xamarin.com/webimages/images/index/icon-cross-platform.png"/>
+          <p:cNvPicPr>
+            <a:picLocks noChangeAspect="1" noChangeArrowheads="1"/>
+          </p:cNvPicPr>
+          <p:nvPr/>
+        </p:nvPicPr>
+        <p:blipFill>
+          <a:blip r:embed="rId6">
+            <a:extLst>
+              <a:ext uri="{28A0092B-C50C-407E-A947-70E740481C1C}">
+                <a14:useLocalDpi xmlns:a14="http://schemas.microsoft.com/office/drawing/2010/main" val="0"/>
+              </a:ext>
+            </a:extLst>
+          </a:blip>
+          <a:srcRect/>
+          <a:stretch>
+            <a:fillRect/>
+          </a:stretch>
+        </p:blipFill>
+        <p:spPr bwMode="auto">
+          <a:xfrm>
+            <a:off x="5956804" y="1627644"/>
+            <a:ext cx="539999" cy="540000"/>
           </a:xfrm>
           <a:prstGeom prst="rect">
             <a:avLst/>
@@ -9270,78 +9575,121 @@
           <a:lstStyle/>
           <a:p>
             <a:r>
-              <a:rPr lang="en-US" dirty="0"/>
-              <a:t>User service access</a:t>
-            </a:r>
+              <a:rPr lang="en-US" sz="2800" dirty="0" smtClean="0"/>
+              <a:t>Core (user service access)</a:t>
+            </a:r>
+            <a:endParaRPr lang="en-US" sz="2800" dirty="0"/>
           </a:p>
           <a:p>
             <a:pPr lvl="1"/>
             <a:r>
-              <a:rPr lang="en-US" dirty="0" err="1"/>
+              <a:rPr lang="en-US" sz="2800" dirty="0" err="1"/>
               <a:t>RestClient</a:t>
             </a:r>
             <a:r>
-              <a:rPr lang="en-US" dirty="0"/>
-              <a:t> (class from </a:t>
-            </a:r>
-            <a:r>
-              <a:rPr lang="en-US" dirty="0" err="1"/>
+              <a:rPr lang="en-US" sz="2800" dirty="0"/>
+              <a:t> </a:t>
+            </a:r>
+            <a:r>
+              <a:rPr lang="en-US" sz="2800" dirty="0" smtClean="0"/>
+              <a:t>(using </a:t>
+            </a:r>
+            <a:r>
+              <a:rPr lang="en-US" sz="2800" dirty="0" err="1" smtClean="0"/>
               <a:t>RestSharp</a:t>
             </a:r>
             <a:r>
-              <a:rPr lang="en-US" dirty="0"/>
+              <a:rPr lang="en-US" sz="2800" dirty="0"/>
               <a:t>)</a:t>
             </a:r>
           </a:p>
           <a:p>
             <a:pPr lvl="1"/>
             <a:r>
-              <a:rPr lang="en-US" dirty="0"/>
+              <a:rPr lang="en-US" sz="2800" dirty="0"/>
               <a:t>Get users asynchronously</a:t>
             </a:r>
           </a:p>
           <a:p>
             <a:pPr lvl="1"/>
             <a:r>
-              <a:rPr lang="en-US" dirty="0" err="1"/>
+              <a:rPr lang="en-US" sz="2800" dirty="0" err="1"/>
               <a:t>Deserializing</a:t>
             </a:r>
             <a:r>
-              <a:rPr lang="en-US" dirty="0"/>
-              <a:t> JSON response with Json.NET</a:t>
-            </a:r>
-          </a:p>
-          <a:p>
-            <a:endParaRPr lang="en-US" dirty="0" smtClean="0">
+              <a:rPr lang="en-US" sz="2800" dirty="0"/>
+              <a:t> JSON response </a:t>
+            </a:r>
+            <a:r>
+              <a:rPr lang="en-US" sz="2800" dirty="0" smtClean="0"/>
+              <a:t>using Json.NET</a:t>
+            </a:r>
+          </a:p>
+          <a:p>
+            <a:pPr lvl="1"/>
+            <a:r>
+              <a:rPr lang="en-US" sz="2800" dirty="0" smtClean="0">
+                <a:sym typeface="Wingdings" panose="05000000000000000000" pitchFamily="2" charset="2"/>
+              </a:rPr>
+              <a:t>Use </a:t>
+            </a:r>
+            <a:r>
+              <a:rPr lang="en-US" sz="2800" dirty="0" err="1" smtClean="0">
+                <a:sym typeface="Wingdings" panose="05000000000000000000" pitchFamily="2" charset="2"/>
+              </a:rPr>
+              <a:t>MvvmCross</a:t>
+            </a:r>
+            <a:r>
+              <a:rPr lang="en-US" sz="2800" dirty="0" smtClean="0">
+                <a:sym typeface="Wingdings" panose="05000000000000000000" pitchFamily="2" charset="2"/>
+              </a:rPr>
+              <a:t> as </a:t>
+            </a:r>
+            <a:r>
+              <a:rPr lang="en-US" sz="2800" dirty="0" err="1" smtClean="0">
+                <a:sym typeface="Wingdings" panose="05000000000000000000" pitchFamily="2" charset="2"/>
+              </a:rPr>
+              <a:t>IoC</a:t>
+            </a:r>
+            <a:r>
+              <a:rPr lang="en-US" sz="2800" dirty="0" smtClean="0">
+                <a:sym typeface="Wingdings" panose="05000000000000000000" pitchFamily="2" charset="2"/>
+              </a:rPr>
+              <a:t> container</a:t>
+            </a:r>
+            <a:endParaRPr lang="en-US" sz="2800" dirty="0" smtClean="0">
               <a:sym typeface="Wingdings" panose="05000000000000000000" pitchFamily="2" charset="2"/>
             </a:endParaRPr>
           </a:p>
           <a:p>
             <a:r>
-              <a:rPr lang="en-US" dirty="0" smtClean="0">
+              <a:rPr lang="en-US" sz="2800" dirty="0" smtClean="0">
                 <a:sym typeface="Wingdings" panose="05000000000000000000" pitchFamily="2" charset="2"/>
               </a:rPr>
-              <a:t>View (Android specific)</a:t>
-            </a:r>
+              <a:t>View</a:t>
+            </a:r>
+            <a:endParaRPr lang="en-US" sz="2800" dirty="0" smtClean="0">
+              <a:sym typeface="Wingdings" panose="05000000000000000000" pitchFamily="2" charset="2"/>
+            </a:endParaRPr>
           </a:p>
           <a:p>
             <a:pPr lvl="1"/>
             <a:r>
-              <a:rPr lang="en-US" dirty="0" smtClean="0"/>
+              <a:rPr lang="en-US" sz="2800" dirty="0" smtClean="0"/>
               <a:t>User list</a:t>
             </a:r>
           </a:p>
           <a:p>
             <a:pPr lvl="2"/>
             <a:r>
-              <a:rPr lang="en-US" dirty="0" smtClean="0"/>
+              <a:rPr lang="en-US" sz="2400" dirty="0" smtClean="0"/>
               <a:t>Fragment (sub activity)</a:t>
             </a:r>
           </a:p>
           <a:p>
             <a:pPr lvl="2"/>
             <a:r>
-              <a:rPr lang="en-US" dirty="0" smtClean="0"/>
+              <a:rPr lang="en-US" sz="2400" dirty="0" smtClean="0"/>
               <a:t>Layout for single user (XML)</a:t>
             </a:r>
           </a:p>
@@ -9602,7 +9950,7 @@
         </p:nvSpPr>
         <p:spPr>
           <a:xfrm>
-            <a:off x="6568091" y="3999312"/>
+            <a:off x="6568091" y="4498335"/>
             <a:ext cx="2049519" cy="499068"/>
           </a:xfrm>
           <a:prstGeom prst="roundRect">
@@ -9705,8 +10053,49 @@
         </p:blipFill>
         <p:spPr bwMode="auto">
           <a:xfrm>
-            <a:off x="6211647" y="4068846"/>
+            <a:off x="6071884" y="4567869"/>
             <a:ext cx="309838" cy="360000"/>
+          </a:xfrm>
+          <a:prstGeom prst="rect">
+            <a:avLst/>
+          </a:prstGeom>
+          <a:noFill/>
+          <a:extLst>
+            <a:ext uri="{909E8E84-426E-40DD-AFC4-6F175D3DCCD1}">
+              <a14:hiddenFill xmlns:a14="http://schemas.microsoft.com/office/drawing/2010/main">
+                <a:solidFill>
+                  <a:srgbClr val="FFFFFF"/>
+                </a:solidFill>
+              </a14:hiddenFill>
+            </a:ext>
+          </a:extLst>
+        </p:spPr>
+      </p:pic>
+      <p:pic>
+        <p:nvPicPr>
+          <p:cNvPr id="18" name="Picture 2" descr="http://cdn1.xamarin.com/webimages/images/index/icon-cross-platform.png"/>
+          <p:cNvPicPr>
+            <a:picLocks noChangeAspect="1" noChangeArrowheads="1"/>
+          </p:cNvPicPr>
+          <p:nvPr/>
+        </p:nvPicPr>
+        <p:blipFill>
+          <a:blip r:embed="rId6">
+            <a:extLst>
+              <a:ext uri="{28A0092B-C50C-407E-A947-70E740481C1C}">
+                <a14:useLocalDpi xmlns:a14="http://schemas.microsoft.com/office/drawing/2010/main" val="0"/>
+              </a:ext>
+            </a:extLst>
+          </a:blip>
+          <a:srcRect/>
+          <a:stretch>
+            <a:fillRect/>
+          </a:stretch>
+        </p:blipFill>
+        <p:spPr bwMode="auto">
+          <a:xfrm>
+            <a:off x="5956804" y="1627644"/>
+            <a:ext cx="539999" cy="540000"/>
           </a:xfrm>
           <a:prstGeom prst="rect">
             <a:avLst/>
@@ -10064,57 +10453,89 @@
           <a:lstStyle/>
           <a:p>
             <a:r>
-              <a:rPr lang="en-US" dirty="0" err="1" smtClean="0"/>
+              <a:rPr lang="en-US" sz="2800" dirty="0" err="1" smtClean="0"/>
               <a:t>ViewModel</a:t>
             </a:r>
-            <a:endParaRPr lang="en-US" dirty="0" smtClean="0"/>
+            <a:endParaRPr lang="en-US" sz="2800" dirty="0" smtClean="0"/>
           </a:p>
           <a:p>
             <a:pPr lvl="1"/>
             <a:r>
-              <a:rPr lang="en-US" dirty="0" smtClean="0"/>
-              <a:t>Create URL by user ID</a:t>
+              <a:rPr lang="en-US" sz="2800" dirty="0" smtClean="0"/>
+              <a:t>Create URL </a:t>
+            </a:r>
+            <a:r>
+              <a:rPr lang="en-US" sz="2800" dirty="0" smtClean="0"/>
+              <a:t>based on user </a:t>
+            </a:r>
+            <a:r>
+              <a:rPr lang="en-US" sz="2800" dirty="0" smtClean="0"/>
+              <a:t>ID</a:t>
             </a:r>
           </a:p>
           <a:p>
             <a:pPr lvl="1"/>
             <a:r>
-              <a:rPr lang="en-US" dirty="0" err="1" smtClean="0"/>
+              <a:rPr lang="en-US" sz="2800" dirty="0" err="1" smtClean="0"/>
               <a:t>ICommand</a:t>
             </a:r>
             <a:r>
-              <a:rPr lang="en-US" dirty="0" smtClean="0"/>
-              <a:t> to show user details (on </a:t>
-            </a:r>
-            <a:r>
-              <a:rPr lang="en-US" dirty="0" err="1" smtClean="0"/>
+              <a:rPr lang="en-US" sz="2800" dirty="0" smtClean="0"/>
+              <a:t> to show user </a:t>
+            </a:r>
+            <a:r>
+              <a:rPr lang="en-US" sz="2800" dirty="0" smtClean="0"/>
+              <a:t>details</a:t>
+            </a:r>
+            <a:br>
+              <a:rPr lang="en-US" sz="2800" dirty="0" smtClean="0"/>
+            </a:br>
+            <a:r>
+              <a:rPr lang="en-US" sz="2800" dirty="0" smtClean="0"/>
+              <a:t>(on </a:t>
+            </a:r>
+            <a:r>
+              <a:rPr lang="en-US" sz="2800" dirty="0" err="1" smtClean="0"/>
               <a:t>UserListViewModel</a:t>
             </a:r>
             <a:r>
-              <a:rPr lang="en-US" dirty="0" smtClean="0"/>
+              <a:rPr lang="en-US" sz="2800" dirty="0" smtClean="0"/>
               <a:t>)</a:t>
             </a:r>
           </a:p>
           <a:p>
-            <a:endParaRPr lang="en-US" dirty="0" smtClean="0"/>
-          </a:p>
-          <a:p>
-            <a:r>
-              <a:rPr lang="en-US" dirty="0" smtClean="0"/>
+            <a:pPr lvl="1"/>
+            <a:r>
+              <a:rPr lang="en-US" sz="2800" dirty="0" smtClean="0"/>
+              <a:t>Navigation is also defined in the shared part</a:t>
+            </a:r>
+            <a:endParaRPr lang="en-US" sz="2800" dirty="0" smtClean="0"/>
+          </a:p>
+          <a:p>
+            <a:endParaRPr lang="en-US" sz="2800" dirty="0" smtClean="0"/>
+          </a:p>
+          <a:p>
+            <a:r>
+              <a:rPr lang="en-US" sz="2800" dirty="0" smtClean="0"/>
               <a:t>View</a:t>
             </a:r>
+            <a:endParaRPr lang="en-US" sz="2800" dirty="0" smtClean="0"/>
           </a:p>
           <a:p>
             <a:pPr lvl="1"/>
             <a:r>
-              <a:rPr lang="en-US" dirty="0" err="1" smtClean="0"/>
+              <a:rPr lang="en-US" sz="2800" dirty="0" err="1" smtClean="0"/>
               <a:t>WebView</a:t>
             </a:r>
             <a:r>
-              <a:rPr lang="en-US" dirty="0" smtClean="0"/>
-              <a:t> (existing)</a:t>
-            </a:r>
-            <a:endParaRPr lang="en-US" dirty="0"/>
+              <a:rPr lang="en-US" sz="2800" dirty="0" smtClean="0"/>
+              <a:t> </a:t>
+            </a:r>
+            <a:r>
+              <a:rPr lang="en-US" sz="2800" dirty="0" smtClean="0"/>
+              <a:t>(i.e. browser window)</a:t>
+            </a:r>
+            <a:endParaRPr lang="en-US" sz="2800" dirty="0"/>
           </a:p>
         </p:txBody>
       </p:sp>
@@ -10330,7 +10751,7 @@
         </p:nvSpPr>
         <p:spPr>
           <a:xfrm>
-            <a:off x="6568091" y="3571578"/>
+            <a:off x="6568091" y="4997358"/>
             <a:ext cx="2049519" cy="499068"/>
           </a:xfrm>
           <a:prstGeom prst="roundRect">
@@ -10504,8 +10925,49 @@
         </p:blipFill>
         <p:spPr bwMode="auto">
           <a:xfrm>
-            <a:off x="6111219" y="3641112"/>
+            <a:off x="6063150" y="5066892"/>
             <a:ext cx="327305" cy="360000"/>
+          </a:xfrm>
+          <a:prstGeom prst="rect">
+            <a:avLst/>
+          </a:prstGeom>
+          <a:noFill/>
+          <a:extLst>
+            <a:ext uri="{909E8E84-426E-40DD-AFC4-6F175D3DCCD1}">
+              <a14:hiddenFill xmlns:a14="http://schemas.microsoft.com/office/drawing/2010/main">
+                <a:solidFill>
+                  <a:srgbClr val="FFFFFF"/>
+                </a:solidFill>
+              </a14:hiddenFill>
+            </a:ext>
+          </a:extLst>
+        </p:spPr>
+      </p:pic>
+      <p:pic>
+        <p:nvPicPr>
+          <p:cNvPr id="14" name="Picture 2" descr="http://cdn1.xamarin.com/webimages/images/index/icon-cross-platform.png"/>
+          <p:cNvPicPr>
+            <a:picLocks noChangeAspect="1" noChangeArrowheads="1"/>
+          </p:cNvPicPr>
+          <p:nvPr/>
+        </p:nvPicPr>
+        <p:blipFill>
+          <a:blip r:embed="rId6">
+            <a:extLst>
+              <a:ext uri="{28A0092B-C50C-407E-A947-70E740481C1C}">
+                <a14:useLocalDpi xmlns:a14="http://schemas.microsoft.com/office/drawing/2010/main" val="0"/>
+              </a:ext>
+            </a:extLst>
+          </a:blip>
+          <a:srcRect/>
+          <a:stretch>
+            <a:fillRect/>
+          </a:stretch>
+        </p:blipFill>
+        <p:spPr bwMode="auto">
+          <a:xfrm>
+            <a:off x="5956804" y="1555020"/>
+            <a:ext cx="539999" cy="540000"/>
           </a:xfrm>
           <a:prstGeom prst="rect">
             <a:avLst/>
@@ -10939,12 +11401,27 @@
           <a:p>
             <a:pPr lvl="1"/>
             <a:r>
-              <a:rPr lang="en-US" dirty="0" err="1"/>
+              <a:rPr lang="en-US" dirty="0"/>
+              <a:t>Message</a:t>
+            </a:r>
+          </a:p>
+          <a:p>
+            <a:pPr lvl="1"/>
+            <a:r>
+              <a:rPr lang="en-US" dirty="0" err="1" smtClean="0"/>
               <a:t>MessageService</a:t>
             </a:r>
             <a:r>
+              <a:rPr lang="en-US" dirty="0" smtClean="0"/>
+              <a:t> </a:t>
+            </a:r>
+            <a:r>
               <a:rPr lang="en-US" dirty="0"/>
-              <a:t> (client-side) to receive and send messages</a:t>
+              <a:t>(client-side</a:t>
+            </a:r>
+            <a:r>
+              <a:rPr lang="en-US" dirty="0" smtClean="0"/>
+              <a:t>): Send and receive messages</a:t>
             </a:r>
           </a:p>
           <a:p>
@@ -10986,7 +11463,15 @@
             <a:pPr lvl="1"/>
             <a:r>
               <a:rPr lang="en-US" dirty="0" smtClean="0"/>
-              <a:t>Converter to convert timestamp (</a:t>
+              <a:t>Converter to </a:t>
+            </a:r>
+            <a:r>
+              <a:rPr lang="en-US" dirty="0" smtClean="0"/>
+              <a:t>format timestamp </a:t>
+            </a:r>
+            <a:r>
+              <a:rPr lang="en-US" dirty="0" smtClean="0"/>
+              <a:t>(</a:t>
             </a:r>
             <a:r>
               <a:rPr lang="en-US" dirty="0" err="1" smtClean="0"/>
@@ -11247,7 +11732,7 @@
         </p:nvSpPr>
         <p:spPr>
           <a:xfrm>
-            <a:off x="6568091" y="4355757"/>
+            <a:off x="6568091" y="4854735"/>
             <a:ext cx="2049519" cy="499068"/>
           </a:xfrm>
           <a:prstGeom prst="roundRect">
@@ -11322,7 +11807,7 @@
         </p:nvSpPr>
         <p:spPr>
           <a:xfrm>
-            <a:off x="6567372" y="2929932"/>
+            <a:off x="6567372" y="3428910"/>
             <a:ext cx="2049519" cy="499068"/>
           </a:xfrm>
           <a:prstGeom prst="roundRect">
@@ -11425,7 +11910,7 @@
         </p:blipFill>
         <p:spPr bwMode="auto">
           <a:xfrm>
-            <a:off x="6186965" y="4425291"/>
+            <a:off x="6071884" y="4924269"/>
             <a:ext cx="309838" cy="360000"/>
           </a:xfrm>
           <a:prstGeom prst="rect">
@@ -11443,152 +11928,88 @@
           </a:extLst>
         </p:spPr>
       </p:pic>
-      <p:sp>
-        <p:nvSpPr>
-          <p:cNvPr id="6" name="Rectangle 5"/>
-          <p:cNvSpPr/>
+      <p:pic>
+        <p:nvPicPr>
+          <p:cNvPr id="16" name="Picture 2" descr="http://cdn1.xamarin.com/webimages/images/index/icon-cross-platform.png"/>
+          <p:cNvPicPr>
+            <a:picLocks noChangeAspect="1" noChangeArrowheads="1"/>
+          </p:cNvPicPr>
           <p:nvPr/>
-        </p:nvSpPr>
-        <p:spPr>
-          <a:xfrm rot="18746122">
-            <a:off x="4473969" y="2969970"/>
-            <a:ext cx="5016117" cy="923330"/>
+        </p:nvPicPr>
+        <p:blipFill>
+          <a:blip r:embed="rId6">
+            <a:extLst>
+              <a:ext uri="{28A0092B-C50C-407E-A947-70E740481C1C}">
+                <a14:useLocalDpi xmlns:a14="http://schemas.microsoft.com/office/drawing/2010/main" val="0"/>
+              </a:ext>
+            </a:extLst>
+          </a:blip>
+          <a:srcRect/>
+          <a:stretch>
+            <a:fillRect/>
+          </a:stretch>
+        </p:blipFill>
+        <p:spPr bwMode="auto">
+          <a:xfrm>
+            <a:off x="5956804" y="1627644"/>
+            <a:ext cx="539999" cy="540000"/>
           </a:xfrm>
           <a:prstGeom prst="rect">
             <a:avLst/>
           </a:prstGeom>
           <a:noFill/>
+          <a:extLst>
+            <a:ext uri="{909E8E84-426E-40DD-AFC4-6F175D3DCCD1}">
+              <a14:hiddenFill xmlns:a14="http://schemas.microsoft.com/office/drawing/2010/main">
+                <a:solidFill>
+                  <a:srgbClr val="FFFFFF"/>
+                </a:solidFill>
+              </a14:hiddenFill>
+            </a:ext>
+          </a:extLst>
         </p:spPr>
-        <p:txBody>
-          <a:bodyPr wrap="none" lIns="91440" tIns="45720" rIns="91440" bIns="45720">
-            <a:spAutoFit/>
-          </a:bodyPr>
-          <a:lstStyle/>
-          <a:p>
-            <a:pPr algn="ctr"/>
-            <a:r>
-              <a:rPr lang="en-US" sz="5400" b="1" cap="none" spc="300" dirty="0" smtClean="0">
-                <a:ln w="11430" cmpd="sng">
-                  <a:solidFill>
-                    <a:schemeClr val="accent1">
-                      <a:tint val="10000"/>
-                    </a:schemeClr>
-                  </a:solidFill>
-                  <a:prstDash val="solid"/>
-                  <a:miter lim="800000"/>
-                </a:ln>
-                <a:gradFill>
-                  <a:gsLst>
-                    <a:gs pos="10000">
-                      <a:schemeClr val="accent1">
-                        <a:tint val="83000"/>
-                        <a:shade val="100000"/>
-                        <a:satMod val="200000"/>
-                      </a:schemeClr>
-                    </a:gs>
-                    <a:gs pos="75000">
-                      <a:schemeClr val="accent1">
-                        <a:tint val="100000"/>
-                        <a:shade val="50000"/>
-                        <a:satMod val="150000"/>
-                      </a:schemeClr>
-                    </a:gs>
-                  </a:gsLst>
-                  <a:lin ang="5400000"/>
-                </a:gradFill>
-                <a:effectLst>
-                  <a:glow rad="45500">
-                    <a:schemeClr val="accent1">
-                      <a:satMod val="220000"/>
-                      <a:alpha val="35000"/>
-                    </a:schemeClr>
-                  </a:glow>
-                </a:effectLst>
-              </a:rPr>
-              <a:t>Class </a:t>
-            </a:r>
-            <a:r>
-              <a:rPr lang="en-US" sz="5400" b="1" cap="none" spc="300" dirty="0" smtClean="0">
-                <a:ln w="11430" cmpd="sng">
-                  <a:solidFill>
-                    <a:schemeClr val="accent1">
-                      <a:tint val="10000"/>
-                    </a:schemeClr>
-                  </a:solidFill>
-                  <a:prstDash val="solid"/>
-                  <a:miter lim="800000"/>
-                </a:ln>
-                <a:gradFill>
-                  <a:gsLst>
-                    <a:gs pos="10000">
-                      <a:schemeClr val="accent1">
-                        <a:tint val="83000"/>
-                        <a:shade val="100000"/>
-                        <a:satMod val="200000"/>
-                      </a:schemeClr>
-                    </a:gs>
-                    <a:gs pos="75000">
-                      <a:schemeClr val="accent1">
-                        <a:tint val="100000"/>
-                        <a:shade val="50000"/>
-                        <a:satMod val="150000"/>
-                      </a:schemeClr>
-                    </a:gs>
-                  </a:gsLst>
-                  <a:lin ang="5400000"/>
-                </a:gradFill>
-                <a:effectLst>
-                  <a:glow rad="45500">
-                    <a:schemeClr val="accent1">
-                      <a:satMod val="220000"/>
-                      <a:alpha val="35000"/>
-                    </a:schemeClr>
-                  </a:glow>
-                </a:effectLst>
-              </a:rPr>
-              <a:t>diagram?</a:t>
-            </a:r>
-            <a:endParaRPr lang="en-US" sz="5400" b="1" cap="none" spc="300" dirty="0">
-              <a:ln w="11430" cmpd="sng">
+      </p:pic>
+      <p:pic>
+        <p:nvPicPr>
+          <p:cNvPr id="17" name="Picture 2" descr="http://cdn1.xamarin.com/webimages/images/index/icon-cross-platform.png"/>
+          <p:cNvPicPr>
+            <a:picLocks noChangeAspect="1" noChangeArrowheads="1"/>
+          </p:cNvPicPr>
+          <p:nvPr/>
+        </p:nvPicPr>
+        <p:blipFill>
+          <a:blip r:embed="rId6">
+            <a:extLst>
+              <a:ext uri="{28A0092B-C50C-407E-A947-70E740481C1C}">
+                <a14:useLocalDpi xmlns:a14="http://schemas.microsoft.com/office/drawing/2010/main" val="0"/>
+              </a:ext>
+            </a:extLst>
+          </a:blip>
+          <a:srcRect/>
+          <a:stretch>
+            <a:fillRect/>
+          </a:stretch>
+        </p:blipFill>
+        <p:spPr bwMode="auto">
+          <a:xfrm>
+            <a:off x="5956804" y="3408444"/>
+            <a:ext cx="539999" cy="540000"/>
+          </a:xfrm>
+          <a:prstGeom prst="rect">
+            <a:avLst/>
+          </a:prstGeom>
+          <a:noFill/>
+          <a:extLst>
+            <a:ext uri="{909E8E84-426E-40DD-AFC4-6F175D3DCCD1}">
+              <a14:hiddenFill xmlns:a14="http://schemas.microsoft.com/office/drawing/2010/main">
                 <a:solidFill>
-                  <a:schemeClr val="accent1">
-                    <a:tint val="10000"/>
-                  </a:schemeClr>
+                  <a:srgbClr val="FFFFFF"/>
                 </a:solidFill>
-                <a:prstDash val="solid"/>
-                <a:miter lim="800000"/>
-              </a:ln>
-              <a:gradFill>
-                <a:gsLst>
-                  <a:gs pos="10000">
-                    <a:schemeClr val="accent1">
-                      <a:tint val="83000"/>
-                      <a:shade val="100000"/>
-                      <a:satMod val="200000"/>
-                    </a:schemeClr>
-                  </a:gs>
-                  <a:gs pos="75000">
-                    <a:schemeClr val="accent1">
-                      <a:tint val="100000"/>
-                      <a:shade val="50000"/>
-                      <a:satMod val="150000"/>
-                    </a:schemeClr>
-                  </a:gs>
-                </a:gsLst>
-                <a:lin ang="5400000"/>
-              </a:gradFill>
-              <a:effectLst>
-                <a:glow rad="45500">
-                  <a:schemeClr val="accent1">
-                    <a:satMod val="220000"/>
-                    <a:alpha val="35000"/>
-                  </a:schemeClr>
-                </a:glow>
-              </a:effectLst>
-            </a:endParaRPr>
-          </a:p>
-        </p:txBody>
-      </p:sp>
+              </a14:hiddenFill>
+            </a:ext>
+          </a:extLst>
+        </p:spPr>
+      </p:pic>
     </p:spTree>
     <p:extLst>
       <p:ext uri="{BB962C8B-B14F-4D97-AF65-F5344CB8AC3E}">
@@ -14154,8 +14575,13 @@
             <a:pPr lvl="1"/>
             <a:r>
               <a:rPr lang="en-US" dirty="0" smtClean="0"/>
-              <a:t>Symmetric encryption with AES-256</a:t>
-            </a:r>
+              <a:t>Symmetric encryption with </a:t>
+            </a:r>
+            <a:r>
+              <a:rPr lang="en-US" dirty="0" smtClean="0"/>
+              <a:t>AES-256 and shared key</a:t>
+            </a:r>
+            <a:endParaRPr lang="en-US" dirty="0" smtClean="0"/>
           </a:p>
           <a:p>
             <a:pPr lvl="1"/>
@@ -15539,7 +15965,26 @@
             <a:pPr lvl="1"/>
             <a:r>
               <a:rPr lang="en-US" dirty="0" smtClean="0"/>
-              <a:t>Install SQLite using </a:t>
+              <a:t>Install </a:t>
+            </a:r>
+            <a:r>
+              <a:rPr lang="en-US" dirty="0" smtClean="0"/>
+              <a:t>SQLite (</a:t>
+            </a:r>
+            <a:r>
+              <a:rPr lang="en-US" dirty="0" smtClean="0"/>
+              <a:t>shared interface and proprietary </a:t>
+            </a:r>
+            <a:r>
+              <a:rPr lang="en-US" dirty="0" smtClean="0"/>
+              <a:t>plug-in)</a:t>
+            </a:r>
+            <a:br>
+              <a:rPr lang="en-US" dirty="0" smtClean="0"/>
+            </a:br>
+            <a:r>
+              <a:rPr lang="en-US" dirty="0" smtClean="0"/>
+              <a:t>using </a:t>
             </a:r>
             <a:r>
               <a:rPr lang="en-US" dirty="0" err="1" smtClean="0"/>
@@ -16132,8 +16577,17 @@
               <a:rPr lang="en-US" sz="2400" dirty="0" smtClean="0">
                 <a:latin typeface="+mn-lt"/>
               </a:rPr>
-              <a:t>:	??</a:t>
-            </a:r>
+              <a:t>:	</a:t>
+            </a:r>
+            <a:r>
+              <a:rPr lang="en-US" sz="2400" dirty="0" smtClean="0">
+                <a:latin typeface="+mn-lt"/>
+              </a:rPr>
+              <a:t>162</a:t>
+            </a:r>
+            <a:endParaRPr lang="en-US" sz="2400" dirty="0" smtClean="0">
+              <a:latin typeface="+mn-lt"/>
+            </a:endParaRPr>
           </a:p>
           <a:p>
             <a:pPr lvl="2"/>
@@ -16162,8 +16616,17 @@
               <a:rPr lang="en-US" sz="2400" dirty="0" smtClean="0">
                 <a:latin typeface="+mn-lt"/>
               </a:rPr>
-              <a:t>:		??</a:t>
-            </a:r>
+              <a:t>:		</a:t>
+            </a:r>
+            <a:r>
+              <a:rPr lang="en-US" sz="2400" dirty="0" smtClean="0">
+                <a:latin typeface="+mn-lt"/>
+              </a:rPr>
+              <a:t>269</a:t>
+            </a:r>
+            <a:endParaRPr lang="en-US" sz="2400" dirty="0" smtClean="0">
+              <a:latin typeface="+mn-lt"/>
+            </a:endParaRPr>
           </a:p>
           <a:p>
             <a:pPr lvl="2"/>
@@ -16196,10 +16659,32 @@
             </a:r>
           </a:p>
           <a:p>
-            <a:pPr lvl="1"/>
+            <a:endParaRPr lang="en-US" sz="2800" dirty="0" smtClean="0"/>
+          </a:p>
+          <a:p>
             <a:r>
               <a:rPr lang="en-US" sz="2800" dirty="0" smtClean="0"/>
-              <a:t>?? % of code is shared</a:t>
+              <a:t>49.5 </a:t>
+            </a:r>
+            <a:r>
+              <a:rPr lang="en-US" sz="2800" dirty="0" smtClean="0"/>
+              <a:t>% of </a:t>
+            </a:r>
+            <a:r>
+              <a:rPr lang="en-US" sz="2800" dirty="0" smtClean="0"/>
+              <a:t>code (</a:t>
+            </a:r>
+            <a:r>
+              <a:rPr lang="en-US" sz="2800" dirty="0" err="1" smtClean="0"/>
+              <a:t>LoC</a:t>
+            </a:r>
+            <a:r>
+              <a:rPr lang="en-US" sz="2800" dirty="0" smtClean="0"/>
+              <a:t>) </a:t>
+            </a:r>
+            <a:r>
+              <a:rPr lang="en-US" sz="2800" dirty="0" smtClean="0"/>
+              <a:t>is shared</a:t>
             </a:r>
             <a:endParaRPr lang="en-US" sz="2400" dirty="0" smtClean="0">
               <a:sym typeface="Wingdings" panose="05000000000000000000" pitchFamily="2" charset="2"/>
@@ -16411,6 +16896,62 @@
           </a:extLst>
         </p:spPr>
       </p:pic>
+      <p:graphicFrame>
+        <p:nvGraphicFramePr>
+          <p:cNvPr id="7" name="Chart 6"/>
+          <p:cNvGraphicFramePr/>
+          <p:nvPr>
+            <p:extLst>
+              <p:ext uri="{D42A27DB-BD31-4B8C-83A1-F6EECF244321}">
+                <p14:modId xmlns:p14="http://schemas.microsoft.com/office/powerpoint/2010/main" val="2356546347"/>
+              </p:ext>
+            </p:extLst>
+          </p:nvPr>
+        </p:nvGraphicFramePr>
+        <p:xfrm>
+          <a:off x="4550874" y="2074509"/>
+          <a:ext cx="4369437" cy="3648062"/>
+        </p:xfrm>
+        <a:graphic>
+          <a:graphicData uri="http://schemas.openxmlformats.org/drawingml/2006/chart">
+            <c:chart xmlns:c="http://schemas.openxmlformats.org/drawingml/2006/chart" xmlns:r="http://schemas.openxmlformats.org/officeDocument/2006/relationships" r:id="rId4"/>
+          </a:graphicData>
+        </a:graphic>
+      </p:graphicFrame>
+      <p:sp>
+        <p:nvSpPr>
+          <p:cNvPr id="8" name="TextBox 7"/>
+          <p:cNvSpPr txBox="1"/>
+          <p:nvPr/>
+        </p:nvSpPr>
+        <p:spPr>
+          <a:xfrm>
+            <a:off x="5356179" y="3716924"/>
+            <a:ext cx="914400" cy="457200"/>
+          </a:xfrm>
+          <a:prstGeom prst="rect">
+            <a:avLst/>
+          </a:prstGeom>
+          <a:noFill/>
+        </p:spPr>
+        <p:txBody>
+          <a:bodyPr wrap="none" rtlCol="0">
+            <a:noAutofit/>
+          </a:bodyPr>
+          <a:lstStyle/>
+          <a:p>
+            <a:r>
+              <a:rPr lang="en-US" sz="2200" dirty="0" smtClean="0">
+                <a:latin typeface="+mj-lt"/>
+              </a:rPr>
+              <a:t>49.5 %</a:t>
+            </a:r>
+            <a:endParaRPr lang="en-US" sz="2200" dirty="0" smtClean="0">
+              <a:latin typeface="+mj-lt"/>
+            </a:endParaRPr>
+          </a:p>
+        </p:txBody>
+      </p:sp>
     </p:spTree>
     <p:extLst>
       <p:ext uri="{BB962C8B-B14F-4D97-AF65-F5344CB8AC3E}">
@@ -16581,6 +17122,76 @@
                                   </p:childTnLst>
                                 </p:cTn>
                               </p:par>
+                              <p:par>
+                                <p:cTn id="17" presetID="10" presetClass="entr" presetSubtype="0" fill="hold" grpId="0" nodeType="withEffect">
+                                  <p:stCondLst>
+                                    <p:cond delay="0"/>
+                                  </p:stCondLst>
+                                  <p:childTnLst>
+                                    <p:set>
+                                      <p:cBhvr>
+                                        <p:cTn id="18" dur="1" fill="hold">
+                                          <p:stCondLst>
+                                            <p:cond delay="0"/>
+                                          </p:stCondLst>
+                                        </p:cTn>
+                                        <p:tgtEl>
+                                          <p:spTgt spid="7"/>
+                                        </p:tgtEl>
+                                        <p:attrNameLst>
+                                          <p:attrName>style.visibility</p:attrName>
+                                        </p:attrNameLst>
+                                      </p:cBhvr>
+                                      <p:to>
+                                        <p:strVal val="visible"/>
+                                      </p:to>
+                                    </p:set>
+                                    <p:animEffect transition="in" filter="fade">
+                                      <p:cBhvr>
+                                        <p:cTn id="19" dur="500"/>
+                                        <p:tgtEl>
+                                          <p:spTgt spid="7"/>
+                                        </p:tgtEl>
+                                      </p:cBhvr>
+                                    </p:animEffect>
+                                  </p:childTnLst>
+                                </p:cTn>
+                              </p:par>
+                              <p:par>
+                                <p:cTn id="20" presetID="10" presetClass="entr" presetSubtype="0" fill="hold" grpId="0" nodeType="withEffect">
+                                  <p:stCondLst>
+                                    <p:cond delay="0"/>
+                                  </p:stCondLst>
+                                  <p:childTnLst>
+                                    <p:set>
+                                      <p:cBhvr>
+                                        <p:cTn id="21" dur="1" fill="hold">
+                                          <p:stCondLst>
+                                            <p:cond delay="0"/>
+                                          </p:stCondLst>
+                                        </p:cTn>
+                                        <p:tgtEl>
+                                          <p:spTgt spid="8"/>
+                                        </p:tgtEl>
+                                        <p:attrNameLst>
+                                          <p:attrName>style.visibility</p:attrName>
+                                        </p:attrNameLst>
+                                      </p:cBhvr>
+                                      <p:to>
+                                        <p:strVal val="visible"/>
+                                      </p:to>
+                                    </p:set>
+                                    <p:animEffect transition="in" filter="fade">
+                                      <p:cBhvr>
+                                        <p:cTn id="22" dur="500"/>
+                                        <p:tgtEl>
+                                          <p:spTgt spid="8"/>
+                                        </p:tgtEl>
+                                      </p:cBhvr>
+                                    </p:animEffect>
+                                  </p:childTnLst>
+                                </p:cTn>
+                              </p:par>
                             </p:childTnLst>
                           </p:cTn>
                         </p:par>
@@ -16613,6 +17224,10 @@
       <p:bldP spid="17" grpId="0" animBg="1"/>
       <p:bldP spid="15" grpId="0" animBg="1"/>
       <p:bldP spid="6" grpId="0" animBg="1"/>
+      <p:bldGraphic spid="7" grpId="0">
+        <p:bldAsOne/>
+      </p:bldGraphic>
+      <p:bldP spid="8" grpId="0"/>
     </p:bldLst>
   </p:timing>
 </p:sld>
@@ -20297,13 +20912,7 @@
               <a:rPr lang="en-US" sz="2200" dirty="0" smtClean="0">
                 <a:latin typeface="AA Zuehlke" pitchFamily="2" charset="0"/>
               </a:rPr>
-              <a:t>uy </a:t>
-            </a:r>
-            <a:r>
-              <a:rPr lang="en-US" sz="2200" dirty="0" smtClean="0">
-                <a:latin typeface="AA Zuehlke" pitchFamily="2" charset="0"/>
-              </a:rPr>
-              <a:t>ticket)</a:t>
+              <a:t>uy ticket)</a:t>
             </a:r>
           </a:p>
           <a:p>
@@ -20336,25 +20945,7 @@
               <a:rPr lang="en-US" sz="2200" dirty="0" smtClean="0">
                 <a:latin typeface="AA Zuehlke" pitchFamily="2" charset="0"/>
               </a:rPr>
-              <a:t>(shake </a:t>
-            </a:r>
-            <a:r>
-              <a:rPr lang="en-US" sz="2200" dirty="0" smtClean="0">
-                <a:latin typeface="AA Zuehlke" pitchFamily="2" charset="0"/>
-              </a:rPr>
-              <a:t>for most </a:t>
-            </a:r>
-            <a:r>
-              <a:rPr lang="en-US" sz="2200" dirty="0" smtClean="0">
-                <a:latin typeface="AA Zuehlke" pitchFamily="2" charset="0"/>
-              </a:rPr>
-              <a:t>recent ticket</a:t>
-            </a:r>
-            <a:r>
-              <a:rPr lang="en-US" sz="2200" dirty="0" smtClean="0">
-                <a:latin typeface="AA Zuehlke" pitchFamily="2" charset="0"/>
-              </a:rPr>
-              <a:t>)</a:t>
+              <a:t>(shake for most recent ticket)</a:t>
             </a:r>
             <a:endParaRPr lang="en-US" sz="2200" dirty="0">
               <a:latin typeface="AA Zuehlke" pitchFamily="2" charset="0"/>
@@ -24044,6 +24635,60 @@
       </p:sp>
       <p:sp>
         <p:nvSpPr>
+          <p:cNvPr id="10242" name="Inhaltsplatzhalter 1"/>
+          <p:cNvSpPr>
+            <a:spLocks noGrp="1"/>
+          </p:cNvSpPr>
+          <p:nvPr>
+            <p:ph idx="1"/>
+          </p:nvPr>
+        </p:nvSpPr>
+        <p:spPr>
+          <a:noFill/>
+        </p:spPr>
+        <p:txBody>
+          <a:bodyPr/>
+          <a:lstStyle/>
+          <a:p>
+            <a:pPr lvl="1"/>
+            <a:r>
+              <a:rPr lang="en-US" sz="2800" dirty="0" smtClean="0"/>
+              <a:t>.NET development team (C#)</a:t>
+            </a:r>
+          </a:p>
+          <a:p>
+            <a:pPr lvl="1"/>
+            <a:r>
+              <a:rPr lang="en-US" sz="2800" dirty="0" smtClean="0"/>
+              <a:t>Cloud service (Azure) providing a </a:t>
+            </a:r>
+            <a:r>
+              <a:rPr lang="en-US" sz="2800" dirty="0" smtClean="0"/>
+              <a:t>REST </a:t>
+            </a:r>
+            <a:r>
+              <a:rPr lang="en-US" sz="2800" dirty="0" smtClean="0"/>
+              <a:t>API</a:t>
+            </a:r>
+          </a:p>
+          <a:p>
+            <a:pPr lvl="2"/>
+            <a:r>
+              <a:rPr lang="en-US" sz="2400" dirty="0" smtClean="0"/>
+              <a:t>Get users</a:t>
+            </a:r>
+          </a:p>
+          <a:p>
+            <a:pPr lvl="2"/>
+            <a:r>
+              <a:rPr lang="en-US" sz="2400" dirty="0" smtClean="0"/>
+              <a:t>Send/receive messages</a:t>
+            </a:r>
+          </a:p>
+        </p:txBody>
+      </p:sp>
+      <p:sp>
+        <p:nvSpPr>
           <p:cNvPr id="3" name="Titel 2"/>
           <p:cNvSpPr>
             <a:spLocks noGrp="1"/>
@@ -24078,48 +24723,74 @@
       </p:sp>
       <p:sp>
         <p:nvSpPr>
-          <p:cNvPr id="10242" name="Inhaltsplatzhalter 1"/>
+          <p:cNvPr id="14" name="Date Placeholder 13"/>
           <p:cNvSpPr>
             <a:spLocks noGrp="1"/>
           </p:cNvSpPr>
           <p:nvPr>
-            <p:ph idx="1"/>
+            <p:ph type="dt" sz="half" idx="10"/>
           </p:nvPr>
         </p:nvSpPr>
-        <p:spPr>
-          <a:noFill/>
-        </p:spPr>
+        <p:spPr/>
         <p:txBody>
           <a:bodyPr/>
           <a:lstStyle/>
           <a:p>
-            <a:pPr lvl="1"/>
             <a:r>
               <a:rPr lang="en-US" smtClean="0"/>
-              <a:t>.NET development team (C#)</a:t>
-            </a:r>
-          </a:p>
-          <a:p>
-            <a:pPr lvl="1"/>
+              <a:t>26. September 2013</a:t>
+            </a:r>
+            <a:endParaRPr lang="de-CH" dirty="0"/>
+          </a:p>
+        </p:txBody>
+      </p:sp>
+      <p:sp>
+        <p:nvSpPr>
+          <p:cNvPr id="6" name="Footer Placeholder 5"/>
+          <p:cNvSpPr>
+            <a:spLocks noGrp="1"/>
+          </p:cNvSpPr>
+          <p:nvPr>
+            <p:ph type="ftr" sz="quarter" idx="11"/>
+          </p:nvPr>
+        </p:nvSpPr>
+        <p:spPr/>
+        <p:txBody>
+          <a:bodyPr/>
+          <a:lstStyle/>
+          <a:p>
             <a:r>
               <a:rPr lang="en-US" smtClean="0"/>
-              <a:t>Cloud service (Azure) providing a RESTful API</a:t>
-            </a:r>
-          </a:p>
-          <a:p>
-            <a:pPr lvl="2"/>
-            <a:r>
-              <a:rPr lang="en-US" smtClean="0"/>
-              <a:t>Get users</a:t>
-            </a:r>
-          </a:p>
-          <a:p>
-            <a:pPr lvl="2"/>
-            <a:r>
-              <a:rPr lang="en-US" smtClean="0"/>
-              <a:t>Send/receive messages</a:t>
-            </a:r>
-            <a:endParaRPr lang="en-US" dirty="0" smtClean="0"/>
+              <a:t>Cross-platform Mobile Development | Ursin Brunner, Stefan Schöb, Oliver Brack</a:t>
+            </a:r>
+            <a:endParaRPr lang="en-US" dirty="0"/>
+          </a:p>
+        </p:txBody>
+      </p:sp>
+      <p:sp>
+        <p:nvSpPr>
+          <p:cNvPr id="16" name="Slide Number Placeholder 15"/>
+          <p:cNvSpPr>
+            <a:spLocks noGrp="1"/>
+          </p:cNvSpPr>
+          <p:nvPr>
+            <p:ph type="sldNum" sz="quarter" idx="12"/>
+          </p:nvPr>
+        </p:nvSpPr>
+        <p:spPr/>
+        <p:txBody>
+          <a:bodyPr/>
+          <a:lstStyle/>
+          <a:p>
+            <a:r>
+              <a:rPr lang="de-CH" smtClean="0"/>
+              <a:t>Slide </a:t>
+            </a:r>
+            <a:fld id="{91046E96-5A14-484B-8244-65336C5D08B9}" type="slidenum">
+              <a:rPr lang="de-CH" smtClean="0"/>
+              <a:t>8</a:t>
+            </a:fld>
+            <a:endParaRPr lang="de-CH" dirty="0"/>
           </a:p>
         </p:txBody>
       </p:sp>
@@ -24213,14 +24884,14 @@
           <a:p>
             <a:pPr algn="ctr"/>
             <a:r>
-              <a:rPr lang="en-US" dirty="0" smtClean="0">
+              <a:rPr lang="en-US" sz="2200" dirty="0" smtClean="0">
                 <a:solidFill>
                   <a:schemeClr val="tx1"/>
                 </a:solidFill>
               </a:rPr>
               <a:t>Service (Azure)</a:t>
             </a:r>
-            <a:endParaRPr lang="en-US" dirty="0">
+            <a:endParaRPr lang="en-US" sz="2200" dirty="0">
               <a:solidFill>
                 <a:schemeClr val="tx1"/>
               </a:solidFill>
@@ -24275,8 +24946,8 @@
         </p:nvSpPr>
         <p:spPr>
           <a:xfrm>
-            <a:off x="1469395" y="3660619"/>
-            <a:ext cx="2980303" cy="369332"/>
+            <a:off x="1162420" y="3568425"/>
+            <a:ext cx="3594253" cy="430887"/>
           </a:xfrm>
           <a:prstGeom prst="rect">
             <a:avLst/>
@@ -24293,7 +24964,7 @@
           <a:p>
             <a:pPr algn="ctr"/>
             <a:r>
-              <a:rPr lang="en-US" dirty="0" smtClean="0">
+              <a:rPr lang="en-US" sz="2200" dirty="0" smtClean="0">
                 <a:solidFill>
                   <a:schemeClr val="accent1"/>
                 </a:solidFill>
@@ -24301,7 +24972,7 @@
               </a:rPr>
               <a:t>Zühlke X-Platform Messenger</a:t>
             </a:r>
-            <a:endParaRPr lang="en-US" dirty="0">
+            <a:endParaRPr lang="en-US" sz="2200" dirty="0">
               <a:solidFill>
                 <a:schemeClr val="accent1"/>
               </a:solidFill>
@@ -24386,29 +25057,6 @@
       </p:pic>
       <p:sp>
         <p:nvSpPr>
-          <p:cNvPr id="6" name="Footer Placeholder 5"/>
-          <p:cNvSpPr>
-            <a:spLocks noGrp="1"/>
-          </p:cNvSpPr>
-          <p:nvPr>
-            <p:ph type="ftr" sz="quarter" idx="11"/>
-          </p:nvPr>
-        </p:nvSpPr>
-        <p:spPr/>
-        <p:txBody>
-          <a:bodyPr/>
-          <a:lstStyle/>
-          <a:p>
-            <a:r>
-              <a:rPr lang="en-US" smtClean="0"/>
-              <a:t>Cross-platform Mobile Development | Ursin Brunner, Stefan Schöb, Oliver Brack</a:t>
-            </a:r>
-            <a:endParaRPr lang="en-US" dirty="0"/>
-          </a:p>
-        </p:txBody>
-      </p:sp>
-      <p:sp>
-        <p:nvSpPr>
           <p:cNvPr id="10" name="Rectangle 9"/>
           <p:cNvSpPr/>
           <p:nvPr/>
@@ -24463,6 +25111,12 @@
               </a:rPr>
               <a:t>Android</a:t>
             </a:r>
+            <a:endParaRPr lang="en-US" sz="2200" dirty="0">
+              <a:solidFill>
+                <a:schemeClr val="tx1"/>
+              </a:solidFill>
+              <a:latin typeface="AA Zuehlke" pitchFamily="2" charset="0"/>
+            </a:endParaRPr>
           </a:p>
           <a:p>
             <a:pPr algn="ctr"/>
@@ -24611,56 +25265,6 @@
           </a:extLst>
         </p:spPr>
       </p:pic>
-      <p:sp>
-        <p:nvSpPr>
-          <p:cNvPr id="14" name="Date Placeholder 13"/>
-          <p:cNvSpPr>
-            <a:spLocks noGrp="1"/>
-          </p:cNvSpPr>
-          <p:nvPr>
-            <p:ph type="dt" sz="half" idx="10"/>
-          </p:nvPr>
-        </p:nvSpPr>
-        <p:spPr/>
-        <p:txBody>
-          <a:bodyPr/>
-          <a:lstStyle/>
-          <a:p>
-            <a:r>
-              <a:rPr lang="en-US" smtClean="0"/>
-              <a:t>26. September 2013</a:t>
-            </a:r>
-            <a:endParaRPr lang="de-CH" dirty="0"/>
-          </a:p>
-        </p:txBody>
-      </p:sp>
-      <p:sp>
-        <p:nvSpPr>
-          <p:cNvPr id="16" name="Slide Number Placeholder 15"/>
-          <p:cNvSpPr>
-            <a:spLocks noGrp="1"/>
-          </p:cNvSpPr>
-          <p:nvPr>
-            <p:ph type="sldNum" sz="quarter" idx="12"/>
-          </p:nvPr>
-        </p:nvSpPr>
-        <p:spPr/>
-        <p:txBody>
-          <a:bodyPr/>
-          <a:lstStyle/>
-          <a:p>
-            <a:r>
-              <a:rPr lang="de-CH" smtClean="0"/>
-              <a:t>Slide </a:t>
-            </a:r>
-            <a:fld id="{91046E96-5A14-484B-8244-65336C5D08B9}" type="slidenum">
-              <a:rPr lang="de-CH" smtClean="0"/>
-              <a:t>8</a:t>
-            </a:fld>
-            <a:endParaRPr lang="de-CH" dirty="0"/>
-          </a:p>
-        </p:txBody>
-      </p:sp>
     </p:spTree>
     <p:extLst>
       <p:ext uri="{BB962C8B-B14F-4D97-AF65-F5344CB8AC3E}">
@@ -24919,24 +25523,84 @@
           <a:p>
             <a:pPr lvl="1"/>
             <a:r>
-              <a:rPr lang="en-US" dirty="0" smtClean="0"/>
-              <a:t>Visual Studio</a:t>
+              <a:rPr lang="en-US" sz="2800" dirty="0" err="1" smtClean="0"/>
+              <a:t>Xamarin</a:t>
+            </a:r>
+            <a:r>
+              <a:rPr lang="en-US" sz="2800" dirty="0" smtClean="0"/>
+              <a:t> Studio or Visual Studio (with plug-in)</a:t>
             </a:r>
           </a:p>
           <a:p>
             <a:pPr lvl="2"/>
             <a:r>
-              <a:rPr lang="en-US" dirty="0" smtClean="0"/>
+              <a:rPr lang="en-US" sz="2400" dirty="0" smtClean="0"/>
+              <a:t>Stefan will be using Visual Studio 2012</a:t>
+            </a:r>
+            <a:endParaRPr lang="en-US" sz="2400" dirty="0" smtClean="0"/>
+          </a:p>
+          <a:p>
+            <a:pPr lvl="1"/>
+            <a:r>
+              <a:rPr lang="en-US" sz="2800" dirty="0" smtClean="0"/>
               <a:t>Project types</a:t>
             </a:r>
           </a:p>
           <a:p>
             <a:pPr lvl="2"/>
             <a:r>
-              <a:rPr lang="en-US" dirty="0" smtClean="0"/>
-              <a:t>Android simulator</a:t>
-            </a:r>
-            <a:endParaRPr lang="en-US" dirty="0"/>
+              <a:rPr lang="en-US" sz="2400" dirty="0" smtClean="0"/>
+              <a:t>Android</a:t>
+            </a:r>
+          </a:p>
+          <a:p>
+            <a:pPr lvl="3"/>
+            <a:r>
+              <a:rPr lang="en-US" sz="2400" dirty="0" smtClean="0"/>
+              <a:t>“Java Binding Library” to use existing JAR libraries</a:t>
+            </a:r>
+            <a:endParaRPr lang="en-US" sz="2400" dirty="0" smtClean="0"/>
+          </a:p>
+          <a:p>
+            <a:pPr lvl="2"/>
+            <a:r>
+              <a:rPr lang="en-US" sz="2400" dirty="0" err="1" smtClean="0"/>
+              <a:t>iOS</a:t>
+            </a:r>
+            <a:endParaRPr lang="en-US" sz="2400" dirty="0" smtClean="0"/>
+          </a:p>
+          <a:p>
+            <a:pPr lvl="1"/>
+            <a:r>
+              <a:rPr lang="en-US" sz="2800" dirty="0" smtClean="0"/>
+              <a:t>Android project</a:t>
+            </a:r>
+          </a:p>
+          <a:p>
+            <a:pPr lvl="2"/>
+            <a:r>
+              <a:rPr lang="en-US" sz="2400" dirty="0" smtClean="0"/>
+              <a:t>Folder structure</a:t>
+            </a:r>
+          </a:p>
+          <a:p>
+            <a:pPr lvl="2"/>
+            <a:r>
+              <a:rPr lang="en-US" sz="2400" dirty="0" smtClean="0"/>
+              <a:t>UI designer (within Visual Studio)</a:t>
+            </a:r>
+          </a:p>
+          <a:p>
+            <a:pPr lvl="1"/>
+            <a:r>
+              <a:rPr lang="en-US" sz="2800" dirty="0" smtClean="0"/>
+              <a:t>Android </a:t>
+            </a:r>
+            <a:r>
+              <a:rPr lang="en-US" sz="2800" dirty="0" smtClean="0"/>
+              <a:t>simulator</a:t>
+            </a:r>
+            <a:endParaRPr lang="en-US" sz="2800" dirty="0"/>
           </a:p>
         </p:txBody>
       </p:sp>

--- a/docs/13-09-26 Cross-platform mobile development with C#.pptx
+++ b/docs/13-09-26 Cross-platform mobile development with C#.pptx
@@ -45,21 +45,21 @@
   <p:notesSz cx="6858000" cy="9144000"/>
   <p:embeddedFontLst>
     <p:embeddedFont>
+      <p:font typeface="AA Zuehlke" panose="02000503060000020004" pitchFamily="2" charset="0"/>
+      <p:regular r:id="rId33"/>
+      <p:bold r:id="rId34"/>
+    </p:embeddedFont>
+    <p:embeddedFont>
       <p:font typeface="Webdings" panose="05030102010509060703" pitchFamily="18" charset="2"/>
-      <p:regular r:id="rId33"/>
+      <p:regular r:id="rId35"/>
     </p:embeddedFont>
     <p:embeddedFont>
       <p:font typeface="AA Zuehlke Medium" panose="02000603060000020004" pitchFamily="2" charset="0"/>
-      <p:regular r:id="rId34"/>
+      <p:regular r:id="rId36"/>
     </p:embeddedFont>
     <p:embeddedFont>
       <p:font typeface="Wingdings 3" panose="05040102010807070707" pitchFamily="18" charset="2"/>
-      <p:regular r:id="rId35"/>
-    </p:embeddedFont>
-    <p:embeddedFont>
-      <p:font typeface="AA Zuehlke" panose="02000503060000020004" pitchFamily="2" charset="0"/>
-      <p:regular r:id="rId36"/>
-      <p:bold r:id="rId37"/>
+      <p:regular r:id="rId37"/>
     </p:embeddedFont>
   </p:embeddedFontLst>
   <p:custDataLst>
@@ -7507,11 +7507,7 @@
             </a:r>
             <a:r>
               <a:rPr lang="en-US" sz="2800" dirty="0" smtClean="0"/>
-              <a:t> </a:t>
-            </a:r>
-            <a:r>
-              <a:rPr lang="en-US" sz="2800" dirty="0" smtClean="0"/>
-              <a:t>Studio</a:t>
+              <a:t> Studio</a:t>
             </a:r>
           </a:p>
           <a:p>
@@ -8476,11 +8472,7 @@
             <a:pPr lvl="1"/>
             <a:r>
               <a:rPr lang="en-US" sz="2800" dirty="0" smtClean="0"/>
-              <a:t>Prepared </a:t>
-            </a:r>
-            <a:r>
-              <a:rPr lang="en-US" sz="2800" dirty="0" smtClean="0"/>
-              <a:t>solution</a:t>
+              <a:t>Prepared solution</a:t>
             </a:r>
           </a:p>
           <a:p>
@@ -8556,21 +8548,8 @@
             </a:r>
             <a:r>
               <a:rPr lang="en-US" sz="2400" dirty="0" smtClean="0"/>
-              <a:t>:	</a:t>
-            </a:r>
-            <a:r>
-              <a:rPr lang="en-US" sz="2400" dirty="0" smtClean="0"/>
-              <a:t>REST </a:t>
-            </a:r>
-            <a:r>
-              <a:rPr lang="en-US" sz="2400" dirty="0" smtClean="0"/>
-              <a:t>service (hosted on Azure</a:t>
-            </a:r>
-            <a:r>
-              <a:rPr lang="en-US" sz="2400" dirty="0" smtClean="0"/>
-              <a:t>)</a:t>
-            </a:r>
-            <a:endParaRPr lang="en-US" sz="2400" dirty="0" smtClean="0"/>
+              <a:t>:	REST service (hosted on Azure)</a:t>
+            </a:r>
           </a:p>
         </p:txBody>
       </p:sp>
@@ -9657,9 +9636,6 @@
               </a:rPr>
               <a:t> container</a:t>
             </a:r>
-            <a:endParaRPr lang="en-US" sz="2800" dirty="0" smtClean="0">
-              <a:sym typeface="Wingdings" panose="05000000000000000000" pitchFamily="2" charset="2"/>
-            </a:endParaRPr>
           </a:p>
           <a:p>
             <a:r>
@@ -9668,9 +9644,6 @@
               </a:rPr>
               <a:t>View</a:t>
             </a:r>
-            <a:endParaRPr lang="en-US" sz="2800" dirty="0" smtClean="0">
-              <a:sym typeface="Wingdings" panose="05000000000000000000" pitchFamily="2" charset="2"/>
-            </a:endParaRPr>
           </a:p>
           <a:p>
             <a:pPr lvl="1"/>
@@ -9818,60 +9791,6 @@
           </a:p>
         </p:txBody>
       </p:sp>
-      <p:pic>
-        <p:nvPicPr>
-          <p:cNvPr id="13" name="Picture 2" descr="http://www.dosenfischer.de/wp-content/uploads/2009/06/android_vector-580x435.jpg"/>
-          <p:cNvPicPr>
-            <a:picLocks noChangeAspect="1" noChangeArrowheads="1"/>
-          </p:cNvPicPr>
-          <p:nvPr/>
-        </p:nvPicPr>
-        <p:blipFill rotWithShape="1">
-          <a:blip r:embed="rId2" cstate="print">
-            <a:extLst>
-              <a:ext uri="{BEBA8EAE-BF5A-486C-A8C5-ECC9F3942E4B}">
-                <a14:imgProps xmlns:a14="http://schemas.microsoft.com/office/drawing/2010/main">
-                  <a14:imgLayer r:embed="rId3">
-                    <a14:imgEffect>
-                      <a14:backgroundRemoval t="5287" b="92644" l="22069" r="78448">
-                        <a14:foregroundMark x1="27931" y1="45287" x2="27931" y2="45287"/>
-                        <a14:foregroundMark x1="74310" y1="48506" x2="74310" y2="48506"/>
-                        <a14:foregroundMark x1="48621" y1="21149" x2="48621" y2="21149"/>
-                        <a14:foregroundMark x1="42586" y1="25977" x2="42586" y2="25977"/>
-                        <a14:foregroundMark x1="58103" y1="25517" x2="58103" y2="25517"/>
-                      </a14:backgroundRemoval>
-                    </a14:imgEffect>
-                  </a14:imgLayer>
-                </a14:imgProps>
-              </a:ext>
-              <a:ext uri="{28A0092B-C50C-407E-A947-70E740481C1C}">
-                <a14:useLocalDpi xmlns:a14="http://schemas.microsoft.com/office/drawing/2010/main" val="0"/>
-              </a:ext>
-            </a:extLst>
-          </a:blip>
-          <a:srcRect l="21204" t="7413" r="21232" b="3409"/>
-          <a:stretch/>
-        </p:blipFill>
-        <p:spPr bwMode="auto">
-          <a:xfrm>
-            <a:off x="8440600" y="5924115"/>
-            <a:ext cx="619675" cy="720000"/>
-          </a:xfrm>
-          <a:prstGeom prst="rect">
-            <a:avLst/>
-          </a:prstGeom>
-          <a:noFill/>
-          <a:extLst>
-            <a:ext uri="{909E8E84-426E-40DD-AFC4-6F175D3DCCD1}">
-              <a14:hiddenFill xmlns:a14="http://schemas.microsoft.com/office/drawing/2010/main">
-                <a:solidFill>
-                  <a:srgbClr val="FFFFFF"/>
-                </a:solidFill>
-              </a14:hiddenFill>
-            </a:ext>
-          </a:extLst>
-        </p:spPr>
-      </p:pic>
       <p:sp>
         <p:nvSpPr>
           <p:cNvPr id="14" name="Slide Number Placeholder 13"/>
@@ -10026,11 +9945,11 @@
           <p:nvPr/>
         </p:nvPicPr>
         <p:blipFill rotWithShape="1">
-          <a:blip r:embed="rId4" cstate="print">
+          <a:blip r:embed="rId2" cstate="print">
             <a:extLst>
               <a:ext uri="{BEBA8EAE-BF5A-486C-A8C5-ECC9F3942E4B}">
                 <a14:imgProps xmlns:a14="http://schemas.microsoft.com/office/drawing/2010/main">
-                  <a14:imgLayer r:embed="rId5">
+                  <a14:imgLayer r:embed="rId3">
                     <a14:imgEffect>
                       <a14:backgroundRemoval t="5287" b="92644" l="22069" r="78448">
                         <a14:foregroundMark x1="27931" y1="45287" x2="27931" y2="45287"/>
@@ -10080,7 +9999,7 @@
           <p:nvPr/>
         </p:nvPicPr>
         <p:blipFill>
-          <a:blip r:embed="rId6">
+          <a:blip r:embed="rId4">
             <a:extLst>
               <a:ext uri="{28A0092B-C50C-407E-A947-70E740481C1C}">
                 <a14:useLocalDpi xmlns:a14="http://schemas.microsoft.com/office/drawing/2010/main" val="0"/>
@@ -10462,15 +10381,7 @@
             <a:pPr lvl="1"/>
             <a:r>
               <a:rPr lang="en-US" sz="2800" dirty="0" smtClean="0"/>
-              <a:t>Create URL </a:t>
-            </a:r>
-            <a:r>
-              <a:rPr lang="en-US" sz="2800" dirty="0" smtClean="0"/>
-              <a:t>based on user </a:t>
-            </a:r>
-            <a:r>
-              <a:rPr lang="en-US" sz="2800" dirty="0" smtClean="0"/>
-              <a:t>ID</a:t>
+              <a:t>Create URL based on user ID</a:t>
             </a:r>
           </a:p>
           <a:p>
@@ -10481,11 +10392,7 @@
             </a:r>
             <a:r>
               <a:rPr lang="en-US" sz="2800" dirty="0" smtClean="0"/>
-              <a:t> to show user </a:t>
-            </a:r>
-            <a:r>
-              <a:rPr lang="en-US" sz="2800" dirty="0" smtClean="0"/>
-              <a:t>details</a:t>
+              <a:t> to show user details</a:t>
             </a:r>
             <a:br>
               <a:rPr lang="en-US" sz="2800" dirty="0" smtClean="0"/>
@@ -10509,7 +10416,6 @@
               <a:rPr lang="en-US" sz="2800" dirty="0" smtClean="0"/>
               <a:t>Navigation is also defined in the shared part</a:t>
             </a:r>
-            <a:endParaRPr lang="en-US" sz="2800" dirty="0" smtClean="0"/>
           </a:p>
           <a:p>
             <a:endParaRPr lang="en-US" sz="2800" dirty="0" smtClean="0"/>
@@ -10519,7 +10425,6 @@
               <a:rPr lang="en-US" sz="2800" dirty="0" smtClean="0"/>
               <a:t>View</a:t>
             </a:r>
-            <a:endParaRPr lang="en-US" sz="2800" dirty="0" smtClean="0"/>
           </a:p>
           <a:p>
             <a:pPr lvl="1"/>
@@ -10529,11 +10434,7 @@
             </a:r>
             <a:r>
               <a:rPr lang="en-US" sz="2800" dirty="0" smtClean="0"/>
-              <a:t> </a:t>
-            </a:r>
-            <a:r>
-              <a:rPr lang="en-US" sz="2800" dirty="0" smtClean="0"/>
-              <a:t>(i.e. browser window)</a:t>
+              <a:t> (i.e. browser window)</a:t>
             </a:r>
             <a:endParaRPr lang="en-US" sz="2800" dirty="0"/>
           </a:p>
@@ -10693,56 +10594,6 @@
           </a:p>
         </p:txBody>
       </p:sp>
-      <p:pic>
-        <p:nvPicPr>
-          <p:cNvPr id="13" name="Picture 4" descr="http://www.digi-news.ch/schulen/20100624/uploads/apple_logo2.jpg"/>
-          <p:cNvPicPr>
-            <a:picLocks noChangeAspect="1" noChangeArrowheads="1"/>
-          </p:cNvPicPr>
-          <p:nvPr/>
-        </p:nvPicPr>
-        <p:blipFill rotWithShape="1">
-          <a:blip r:embed="rId2" cstate="print">
-            <a:extLst>
-              <a:ext uri="{BEBA8EAE-BF5A-486C-A8C5-ECC9F3942E4B}">
-                <a14:imgProps xmlns:a14="http://schemas.microsoft.com/office/drawing/2010/main">
-                  <a14:imgLayer r:embed="rId3">
-                    <a14:imgEffect>
-                      <a14:backgroundRemoval t="0" b="100000" l="10000" r="90000">
-                        <a14:foregroundMark x1="56444" y1="12162" x2="56444" y2="12162"/>
-                      </a14:backgroundRemoval>
-                    </a14:imgEffect>
-                  </a14:imgLayer>
-                </a14:imgProps>
-              </a:ext>
-              <a:ext uri="{28A0092B-C50C-407E-A947-70E740481C1C}">
-                <a14:useLocalDpi xmlns:a14="http://schemas.microsoft.com/office/drawing/2010/main" val="0"/>
-              </a:ext>
-            </a:extLst>
-          </a:blip>
-          <a:srcRect l="9636" r="15609"/>
-          <a:stretch/>
-        </p:blipFill>
-        <p:spPr bwMode="auto">
-          <a:xfrm>
-            <a:off x="8379457" y="5871876"/>
-            <a:ext cx="654610" cy="720000"/>
-          </a:xfrm>
-          <a:prstGeom prst="rect">
-            <a:avLst/>
-          </a:prstGeom>
-          <a:noFill/>
-          <a:extLst>
-            <a:ext uri="{909E8E84-426E-40DD-AFC4-6F175D3DCCD1}">
-              <a14:hiddenFill xmlns:a14="http://schemas.microsoft.com/office/drawing/2010/main">
-                <a:solidFill>
-                  <a:srgbClr val="FFFFFF"/>
-                </a:solidFill>
-              </a14:hiddenFill>
-            </a:ext>
-          </a:extLst>
-        </p:spPr>
-      </p:pic>
       <p:sp>
         <p:nvSpPr>
           <p:cNvPr id="15" name="Rounded Rectangle 14"/>
@@ -10902,11 +10753,11 @@
           <p:nvPr/>
         </p:nvPicPr>
         <p:blipFill rotWithShape="1">
-          <a:blip r:embed="rId4" cstate="print">
+          <a:blip r:embed="rId2" cstate="print">
             <a:extLst>
               <a:ext uri="{BEBA8EAE-BF5A-486C-A8C5-ECC9F3942E4B}">
                 <a14:imgProps xmlns:a14="http://schemas.microsoft.com/office/drawing/2010/main">
-                  <a14:imgLayer r:embed="rId5">
+                  <a14:imgLayer r:embed="rId3">
                     <a14:imgEffect>
                       <a14:backgroundRemoval t="0" b="100000" l="10000" r="90000">
                         <a14:foregroundMark x1="56444" y1="12162" x2="56444" y2="12162"/>
@@ -10952,7 +10803,7 @@
           <p:nvPr/>
         </p:nvPicPr>
         <p:blipFill>
-          <a:blip r:embed="rId6">
+          <a:blip r:embed="rId4">
             <a:extLst>
               <a:ext uri="{28A0092B-C50C-407E-A947-70E740481C1C}">
                 <a14:useLocalDpi xmlns:a14="http://schemas.microsoft.com/office/drawing/2010/main" val="0"/>
@@ -11463,15 +11314,7 @@
             <a:pPr lvl="1"/>
             <a:r>
               <a:rPr lang="en-US" dirty="0" smtClean="0"/>
-              <a:t>Converter to </a:t>
-            </a:r>
-            <a:r>
-              <a:rPr lang="en-US" dirty="0" smtClean="0"/>
-              <a:t>format timestamp </a:t>
-            </a:r>
-            <a:r>
-              <a:rPr lang="en-US" dirty="0" smtClean="0"/>
-              <a:t>(</a:t>
+              <a:t>Converter to format timestamp (</a:t>
             </a:r>
             <a:r>
               <a:rPr lang="en-US" dirty="0" err="1" smtClean="0"/>
@@ -11481,14 +11324,6 @@
               <a:rPr lang="en-US" dirty="0" smtClean="0"/>
               <a:t>)</a:t>
             </a:r>
-          </a:p>
-          <a:p>
-            <a:pPr lvl="1"/>
-            <a:r>
-              <a:rPr lang="en-US" dirty="0" smtClean="0"/>
-              <a:t>Menu item for Action Bar to send message</a:t>
-            </a:r>
-            <a:endParaRPr lang="en-US" dirty="0"/>
           </a:p>
         </p:txBody>
       </p:sp>
@@ -11627,60 +11462,6 @@
           </a:p>
         </p:txBody>
       </p:sp>
-      <p:pic>
-        <p:nvPicPr>
-          <p:cNvPr id="11" name="Picture 2" descr="http://www.dosenfischer.de/wp-content/uploads/2009/06/android_vector-580x435.jpg"/>
-          <p:cNvPicPr>
-            <a:picLocks noChangeAspect="1" noChangeArrowheads="1"/>
-          </p:cNvPicPr>
-          <p:nvPr/>
-        </p:nvPicPr>
-        <p:blipFill rotWithShape="1">
-          <a:blip r:embed="rId2" cstate="print">
-            <a:extLst>
-              <a:ext uri="{BEBA8EAE-BF5A-486C-A8C5-ECC9F3942E4B}">
-                <a14:imgProps xmlns:a14="http://schemas.microsoft.com/office/drawing/2010/main">
-                  <a14:imgLayer r:embed="rId3">
-                    <a14:imgEffect>
-                      <a14:backgroundRemoval t="5287" b="92644" l="22069" r="78448">
-                        <a14:foregroundMark x1="27931" y1="45287" x2="27931" y2="45287"/>
-                        <a14:foregroundMark x1="74310" y1="48506" x2="74310" y2="48506"/>
-                        <a14:foregroundMark x1="48621" y1="21149" x2="48621" y2="21149"/>
-                        <a14:foregroundMark x1="42586" y1="25977" x2="42586" y2="25977"/>
-                        <a14:foregroundMark x1="58103" y1="25517" x2="58103" y2="25517"/>
-                      </a14:backgroundRemoval>
-                    </a14:imgEffect>
-                  </a14:imgLayer>
-                </a14:imgProps>
-              </a:ext>
-              <a:ext uri="{28A0092B-C50C-407E-A947-70E740481C1C}">
-                <a14:useLocalDpi xmlns:a14="http://schemas.microsoft.com/office/drawing/2010/main" val="0"/>
-              </a:ext>
-            </a:extLst>
-          </a:blip>
-          <a:srcRect l="21204" t="7413" r="21232" b="3409"/>
-          <a:stretch/>
-        </p:blipFill>
-        <p:spPr bwMode="auto">
-          <a:xfrm>
-            <a:off x="8440600" y="5924115"/>
-            <a:ext cx="619675" cy="720000"/>
-          </a:xfrm>
-          <a:prstGeom prst="rect">
-            <a:avLst/>
-          </a:prstGeom>
-          <a:noFill/>
-          <a:extLst>
-            <a:ext uri="{909E8E84-426E-40DD-AFC4-6F175D3DCCD1}">
-              <a14:hiddenFill xmlns:a14="http://schemas.microsoft.com/office/drawing/2010/main">
-                <a:solidFill>
-                  <a:srgbClr val="FFFFFF"/>
-                </a:solidFill>
-              </a14:hiddenFill>
-            </a:ext>
-          </a:extLst>
-        </p:spPr>
-      </p:pic>
       <p:sp>
         <p:nvSpPr>
           <p:cNvPr id="12" name="Rounded Rectangle 11"/>
@@ -11883,11 +11664,11 @@
           <p:nvPr/>
         </p:nvPicPr>
         <p:blipFill rotWithShape="1">
-          <a:blip r:embed="rId4" cstate="print">
+          <a:blip r:embed="rId2" cstate="print">
             <a:extLst>
               <a:ext uri="{BEBA8EAE-BF5A-486C-A8C5-ECC9F3942E4B}">
                 <a14:imgProps xmlns:a14="http://schemas.microsoft.com/office/drawing/2010/main">
-                  <a14:imgLayer r:embed="rId5">
+                  <a14:imgLayer r:embed="rId3">
                     <a14:imgEffect>
                       <a14:backgroundRemoval t="5287" b="92644" l="22069" r="78448">
                         <a14:foregroundMark x1="27931" y1="45287" x2="27931" y2="45287"/>
@@ -11937,7 +11718,7 @@
           <p:nvPr/>
         </p:nvPicPr>
         <p:blipFill>
-          <a:blip r:embed="rId6">
+          <a:blip r:embed="rId4">
             <a:extLst>
               <a:ext uri="{28A0092B-C50C-407E-A947-70E740481C1C}">
                 <a14:useLocalDpi xmlns:a14="http://schemas.microsoft.com/office/drawing/2010/main" val="0"/>
@@ -11978,7 +11759,7 @@
           <p:nvPr/>
         </p:nvPicPr>
         <p:blipFill>
-          <a:blip r:embed="rId6">
+          <a:blip r:embed="rId4">
             <a:extLst>
               <a:ext uri="{28A0092B-C50C-407E-A947-70E740481C1C}">
                 <a14:useLocalDpi xmlns:a14="http://schemas.microsoft.com/office/drawing/2010/main" val="0"/>
@@ -14575,13 +14356,8 @@
             <a:pPr lvl="1"/>
             <a:r>
               <a:rPr lang="en-US" dirty="0" smtClean="0"/>
-              <a:t>Symmetric encryption with </a:t>
-            </a:r>
-            <a:r>
-              <a:rPr lang="en-US" dirty="0" smtClean="0"/>
-              <a:t>AES-256 and shared key</a:t>
-            </a:r>
-            <a:endParaRPr lang="en-US" dirty="0" smtClean="0"/>
+              <a:t>Symmetric encryption with AES-256 and shared key</a:t>
+            </a:r>
           </a:p>
           <a:p>
             <a:pPr lvl="1"/>
@@ -15480,9 +15256,36 @@
           </a:extLst>
         </p:spPr>
       </p:pic>
+      <p:sp>
+        <p:nvSpPr>
+          <p:cNvPr id="7" name="Slide Number Placeholder 6"/>
+          <p:cNvSpPr>
+            <a:spLocks noGrp="1"/>
+          </p:cNvSpPr>
+          <p:nvPr>
+            <p:ph type="sldNum" sz="quarter" idx="12"/>
+          </p:nvPr>
+        </p:nvSpPr>
+        <p:spPr/>
+        <p:txBody>
+          <a:bodyPr/>
+          <a:lstStyle/>
+          <a:p>
+            <a:r>
+              <a:rPr lang="de-CH" smtClean="0"/>
+              <a:t>Slide </a:t>
+            </a:r>
+            <a:fld id="{76AE5747-D0E7-4D66-8FBF-9CFC53A4E0C8}" type="slidenum">
+              <a:rPr lang="de-CH" smtClean="0"/>
+              <a:t>22</a:t>
+            </a:fld>
+            <a:endParaRPr lang="de-CH" dirty="0"/>
+          </a:p>
+        </p:txBody>
+      </p:sp>
       <p:pic>
         <p:nvPicPr>
-          <p:cNvPr id="6" name="Picture 2"/>
+          <p:cNvPr id="1026" name="Picture 2"/>
           <p:cNvPicPr>
             <a:picLocks noChangeAspect="1" noChangeArrowheads="1"/>
           </p:cNvPicPr>
@@ -15503,8 +15306,8 @@
         </p:blipFill>
         <p:spPr bwMode="auto">
           <a:xfrm>
-            <a:off x="6561269" y="1626844"/>
-            <a:ext cx="2430649" cy="4938872"/>
+            <a:off x="6579742" y="1593092"/>
+            <a:ext cx="2412176" cy="4901335"/>
           </a:xfrm>
           <a:prstGeom prst="rect">
             <a:avLst/>
@@ -15534,33 +15337,6 @@
           </a:extLst>
         </p:spPr>
       </p:pic>
-      <p:sp>
-        <p:nvSpPr>
-          <p:cNvPr id="7" name="Slide Number Placeholder 6"/>
-          <p:cNvSpPr>
-            <a:spLocks noGrp="1"/>
-          </p:cNvSpPr>
-          <p:nvPr>
-            <p:ph type="sldNum" sz="quarter" idx="12"/>
-          </p:nvPr>
-        </p:nvSpPr>
-        <p:spPr/>
-        <p:txBody>
-          <a:bodyPr/>
-          <a:lstStyle/>
-          <a:p>
-            <a:r>
-              <a:rPr lang="de-CH" smtClean="0"/>
-              <a:t>Slide </a:t>
-            </a:r>
-            <a:fld id="{76AE5747-D0E7-4D66-8FBF-9CFC53A4E0C8}" type="slidenum">
-              <a:rPr lang="de-CH" smtClean="0"/>
-              <a:t>22</a:t>
-            </a:fld>
-            <a:endParaRPr lang="de-CH" dirty="0"/>
-          </a:p>
-        </p:txBody>
-      </p:sp>
     </p:spTree>
     <p:extLst>
       <p:ext uri="{BB962C8B-B14F-4D97-AF65-F5344CB8AC3E}">
@@ -15849,30 +15625,21 @@
                                   </p:childTnLst>
                                 </p:cTn>
                               </p:par>
-                            </p:childTnLst>
-                          </p:cTn>
-                        </p:par>
-                        <p:par>
-                          <p:cTn id="23" fill="hold">
-                            <p:stCondLst>
-                              <p:cond delay="500"/>
-                            </p:stCondLst>
-                            <p:childTnLst>
                               <p:par>
-                                <p:cTn id="24" presetID="10" presetClass="entr" presetSubtype="0" fill="hold" nodeType="afterEffect">
+                                <p:cTn id="23" presetID="10" presetClass="entr" presetSubtype="0" fill="hold" nodeType="withEffect">
                                   <p:stCondLst>
                                     <p:cond delay="0"/>
                                   </p:stCondLst>
                                   <p:childTnLst>
                                     <p:set>
                                       <p:cBhvr>
-                                        <p:cTn id="25" dur="1" fill="hold">
+                                        <p:cTn id="24" dur="1" fill="hold">
                                           <p:stCondLst>
                                             <p:cond delay="0"/>
                                           </p:stCondLst>
                                         </p:cTn>
                                         <p:tgtEl>
-                                          <p:spTgt spid="6"/>
+                                          <p:spTgt spid="1026"/>
                                         </p:tgtEl>
                                         <p:attrNameLst>
                                           <p:attrName>style.visibility</p:attrName>
@@ -15884,9 +15651,9 @@
                                     </p:set>
                                     <p:animEffect transition="in" filter="fade">
                                       <p:cBhvr>
-                                        <p:cTn id="26" dur="500"/>
+                                        <p:cTn id="25" dur="500"/>
                                         <p:tgtEl>
-                                          <p:spTgt spid="6"/>
+                                          <p:spTgt spid="1026"/>
                                         </p:tgtEl>
                                       </p:cBhvr>
                                     </p:animEffect>
@@ -15965,19 +15732,7 @@
             <a:pPr lvl="1"/>
             <a:r>
               <a:rPr lang="en-US" dirty="0" smtClean="0"/>
-              <a:t>Install </a:t>
-            </a:r>
-            <a:r>
-              <a:rPr lang="en-US" dirty="0" smtClean="0"/>
-              <a:t>SQLite (</a:t>
-            </a:r>
-            <a:r>
-              <a:rPr lang="en-US" dirty="0" smtClean="0"/>
-              <a:t>shared interface and proprietary </a:t>
-            </a:r>
-            <a:r>
-              <a:rPr lang="en-US" dirty="0" smtClean="0"/>
-              <a:t>plug-in)</a:t>
+              <a:t>Install SQLite (shared interface and proprietary plug-in)</a:t>
             </a:r>
             <a:br>
               <a:rPr lang="en-US" dirty="0" smtClean="0"/>
@@ -16577,17 +16332,8 @@
               <a:rPr lang="en-US" sz="2400" dirty="0" smtClean="0">
                 <a:latin typeface="+mn-lt"/>
               </a:rPr>
-              <a:t>:	</a:t>
-            </a:r>
-            <a:r>
-              <a:rPr lang="en-US" sz="2400" dirty="0" smtClean="0">
-                <a:latin typeface="+mn-lt"/>
-              </a:rPr>
-              <a:t>162</a:t>
-            </a:r>
-            <a:endParaRPr lang="en-US" sz="2400" dirty="0" smtClean="0">
-              <a:latin typeface="+mn-lt"/>
-            </a:endParaRPr>
+              <a:t>:	162</a:t>
+            </a:r>
           </a:p>
           <a:p>
             <a:pPr lvl="2"/>
@@ -16616,17 +16362,8 @@
               <a:rPr lang="en-US" sz="2400" dirty="0" smtClean="0">
                 <a:latin typeface="+mn-lt"/>
               </a:rPr>
-              <a:t>:		</a:t>
-            </a:r>
-            <a:r>
-              <a:rPr lang="en-US" sz="2400" dirty="0" smtClean="0">
-                <a:latin typeface="+mn-lt"/>
-              </a:rPr>
-              <a:t>269</a:t>
-            </a:r>
-            <a:endParaRPr lang="en-US" sz="2400" dirty="0" smtClean="0">
-              <a:latin typeface="+mn-lt"/>
-            </a:endParaRPr>
+              <a:t>:		269</a:t>
+            </a:r>
           </a:p>
           <a:p>
             <a:pPr lvl="2"/>
@@ -16664,15 +16401,7 @@
           <a:p>
             <a:r>
               <a:rPr lang="en-US" sz="2800" dirty="0" smtClean="0"/>
-              <a:t>49.5 </a:t>
-            </a:r>
-            <a:r>
-              <a:rPr lang="en-US" sz="2800" dirty="0" smtClean="0"/>
-              <a:t>% of </a:t>
-            </a:r>
-            <a:r>
-              <a:rPr lang="en-US" sz="2800" dirty="0" smtClean="0"/>
-              <a:t>code (</a:t>
+              <a:t>49.5 % of code (</a:t>
             </a:r>
             <a:r>
               <a:rPr lang="en-US" sz="2800" dirty="0" err="1" smtClean="0"/>
@@ -16680,11 +16409,7 @@
             </a:r>
             <a:r>
               <a:rPr lang="en-US" sz="2800" dirty="0" smtClean="0"/>
-              <a:t>) </a:t>
-            </a:r>
-            <a:r>
-              <a:rPr lang="en-US" sz="2800" dirty="0" smtClean="0"/>
-              <a:t>is shared</a:t>
+              <a:t>) is shared</a:t>
             </a:r>
             <a:endParaRPr lang="en-US" sz="2400" dirty="0" smtClean="0">
               <a:sym typeface="Wingdings" panose="05000000000000000000" pitchFamily="2" charset="2"/>
@@ -16946,9 +16671,6 @@
               </a:rPr>
               <a:t>49.5 %</a:t>
             </a:r>
-            <a:endParaRPr lang="en-US" sz="2200" dirty="0" smtClean="0">
-              <a:latin typeface="+mj-lt"/>
-            </a:endParaRPr>
           </a:p>
         </p:txBody>
       </p:sp>
@@ -18595,7 +18317,13 @@
               <a:rPr lang="en-US" dirty="0" smtClean="0">
                 <a:latin typeface="+mn-lt"/>
               </a:rPr>
-              <a:t>40’	</a:t>
+              <a:t>45’</a:t>
+            </a:r>
+            <a:r>
+              <a:rPr lang="en-US" dirty="0" smtClean="0">
+                <a:latin typeface="+mn-lt"/>
+              </a:rPr>
+              <a:t>	</a:t>
             </a:r>
             <a:r>
               <a:rPr lang="en-US" dirty="0" err="1" smtClean="0">
@@ -18644,8 +18372,21 @@
             </a:pPr>
             <a:r>
               <a:rPr lang="en-US" dirty="0" smtClean="0"/>
-              <a:t>Questions (concerning the app)</a:t>
-            </a:r>
+              <a:t>Questions (concerning the app</a:t>
+            </a:r>
+            <a:r>
+              <a:rPr lang="en-US" dirty="0" smtClean="0"/>
+              <a:t>)			  </a:t>
+            </a:r>
+            <a:r>
+              <a:rPr lang="en-US" dirty="0" smtClean="0">
+                <a:latin typeface="+mn-lt"/>
+              </a:rPr>
+              <a:t>5’</a:t>
+            </a:r>
+            <a:endParaRPr lang="en-US" dirty="0" smtClean="0">
+              <a:latin typeface="+mn-lt"/>
+            </a:endParaRPr>
           </a:p>
           <a:p>
             <a:pPr marL="457200" indent="-457200">
@@ -18664,7 +18405,13 @@
               <a:rPr lang="en-US" dirty="0" smtClean="0">
                 <a:latin typeface="+mn-lt"/>
               </a:rPr>
-              <a:t>5’	</a:t>
+              <a:t>10’</a:t>
+            </a:r>
+            <a:r>
+              <a:rPr lang="en-US" dirty="0" smtClean="0">
+                <a:latin typeface="+mn-lt"/>
+              </a:rPr>
+              <a:t>	</a:t>
             </a:r>
             <a:r>
               <a:rPr lang="en-US" dirty="0" err="1" smtClean="0">
@@ -18701,7 +18448,19 @@
               <a:rPr lang="en-US" dirty="0" smtClean="0">
                 <a:latin typeface="+mn-lt"/>
               </a:rPr>
-              <a:t>5’	</a:t>
+              <a:t>10</a:t>
+            </a:r>
+            <a:r>
+              <a:rPr lang="en-US" dirty="0" smtClean="0">
+                <a:latin typeface="+mn-lt"/>
+              </a:rPr>
+              <a:t>’</a:t>
+            </a:r>
+            <a:r>
+              <a:rPr lang="en-US" dirty="0" smtClean="0">
+                <a:latin typeface="+mn-lt"/>
+              </a:rPr>
+              <a:t>	</a:t>
             </a:r>
             <a:r>
               <a:rPr lang="en-US" dirty="0" err="1" smtClean="0">
@@ -18720,37 +18479,19 @@
             </a:pPr>
             <a:r>
               <a:rPr lang="en-US" dirty="0" smtClean="0"/>
-              <a:t>Discussion						</a:t>
+              <a:t>Discussion</a:t>
+            </a:r>
+            <a:r>
+              <a:rPr lang="en-US" dirty="0" smtClean="0"/>
+              <a:t>						</a:t>
             </a:r>
             <a:r>
               <a:rPr lang="en-US" dirty="0" smtClean="0">
                 <a:latin typeface="+mn-lt"/>
               </a:rPr>
-              <a:t>20’</a:t>
-            </a:r>
-          </a:p>
-          <a:p>
-            <a:pPr marL="457200" indent="-457200">
-              <a:buFont typeface="+mj-lt"/>
-              <a:buAutoNum type="arabicPeriod"/>
-            </a:pPr>
-            <a:r>
-              <a:rPr lang="en-US" dirty="0" smtClean="0"/>
-              <a:t>Wrap-up						</a:t>
-            </a:r>
-            <a:r>
-              <a:rPr lang="en-US" dirty="0" smtClean="0">
-                <a:latin typeface="+mn-lt"/>
-              </a:rPr>
-              <a:t>5’	</a:t>
-            </a:r>
-            <a:r>
-              <a:rPr lang="en-US" dirty="0" err="1" smtClean="0">
-                <a:latin typeface="+mn-lt"/>
-              </a:rPr>
-              <a:t>olb</a:t>
-            </a:r>
-            <a:endParaRPr lang="en-US" dirty="0">
+              <a:t>10’</a:t>
+            </a:r>
+            <a:endParaRPr lang="en-US" dirty="0" smtClean="0">
               <a:latin typeface="+mn-lt"/>
             </a:endParaRPr>
           </a:p>
@@ -24660,15 +24401,7 @@
             <a:pPr lvl="1"/>
             <a:r>
               <a:rPr lang="en-US" sz="2800" dirty="0" smtClean="0"/>
-              <a:t>Cloud service (Azure) providing a </a:t>
-            </a:r>
-            <a:r>
-              <a:rPr lang="en-US" sz="2800" dirty="0" smtClean="0"/>
-              <a:t>REST </a:t>
-            </a:r>
-            <a:r>
-              <a:rPr lang="en-US" sz="2800" dirty="0" smtClean="0"/>
-              <a:t>API</a:t>
+              <a:t>Cloud service (Azure) providing a REST API</a:t>
             </a:r>
           </a:p>
           <a:p>
@@ -25537,7 +25270,6 @@
               <a:rPr lang="en-US" sz="2400" dirty="0" smtClean="0"/>
               <a:t>Stefan will be using Visual Studio 2012</a:t>
             </a:r>
-            <a:endParaRPr lang="en-US" sz="2400" dirty="0" smtClean="0"/>
           </a:p>
           <a:p>
             <a:pPr lvl="1"/>
@@ -25559,7 +25291,6 @@
               <a:rPr lang="en-US" sz="2400" dirty="0" smtClean="0"/>
               <a:t>“Java Binding Library” to use existing JAR libraries</a:t>
             </a:r>
-            <a:endParaRPr lang="en-US" sz="2400" dirty="0" smtClean="0"/>
           </a:p>
           <a:p>
             <a:pPr lvl="2"/>
@@ -25594,11 +25325,7 @@
             <a:pPr lvl="1"/>
             <a:r>
               <a:rPr lang="en-US" sz="2800" dirty="0" smtClean="0"/>
-              <a:t>Android </a:t>
-            </a:r>
-            <a:r>
-              <a:rPr lang="en-US" sz="2800" dirty="0" smtClean="0"/>
-              <a:t>simulator</a:t>
+              <a:t>Android simulator</a:t>
             </a:r>
             <a:endParaRPr lang="en-US" sz="2800" dirty="0"/>
           </a:p>

--- a/docs/13-09-26 Cross-platform mobile development with C#.pptx
+++ b/docs/13-09-26 Cross-platform mobile development with C#.pptx
@@ -45,21 +45,21 @@
   <p:notesSz cx="6858000" cy="9144000"/>
   <p:embeddedFontLst>
     <p:embeddedFont>
-      <p:font typeface="AA Zuehlke" panose="02000503060000020004" pitchFamily="2" charset="0"/>
+      <p:font typeface="AA Zuehlke Medium" panose="02000603060000020004" pitchFamily="2" charset="0"/>
       <p:regular r:id="rId33"/>
-      <p:bold r:id="rId34"/>
     </p:embeddedFont>
     <p:embeddedFont>
       <p:font typeface="Webdings" panose="05030102010509060703" pitchFamily="18" charset="2"/>
+      <p:regular r:id="rId34"/>
+    </p:embeddedFont>
+    <p:embeddedFont>
+      <p:font typeface="Wingdings 3" panose="05040102010807070707" pitchFamily="18" charset="2"/>
       <p:regular r:id="rId35"/>
     </p:embeddedFont>
     <p:embeddedFont>
-      <p:font typeface="AA Zuehlke Medium" panose="02000603060000020004" pitchFamily="2" charset="0"/>
+      <p:font typeface="AA Zuehlke" panose="02000503060000020004" pitchFamily="2" charset="0"/>
       <p:regular r:id="rId36"/>
-    </p:embeddedFont>
-    <p:embeddedFont>
-      <p:font typeface="Wingdings 3" panose="05040102010807070707" pitchFamily="18" charset="2"/>
-      <p:regular r:id="rId37"/>
+      <p:bold r:id="rId37"/>
     </p:embeddedFont>
   </p:embeddedFontLst>
   <p:custDataLst>
@@ -18317,13 +18317,7 @@
               <a:rPr lang="en-US" dirty="0" smtClean="0">
                 <a:latin typeface="+mn-lt"/>
               </a:rPr>
-              <a:t>45’</a:t>
-            </a:r>
-            <a:r>
-              <a:rPr lang="en-US" dirty="0" smtClean="0">
-                <a:latin typeface="+mn-lt"/>
-              </a:rPr>
-              <a:t>	</a:t>
+              <a:t>45’	</a:t>
             </a:r>
             <a:r>
               <a:rPr lang="en-US" dirty="0" err="1" smtClean="0">
@@ -18372,11 +18366,7 @@
             </a:pPr>
             <a:r>
               <a:rPr lang="en-US" dirty="0" smtClean="0"/>
-              <a:t>Questions (concerning the app</a:t>
-            </a:r>
-            <a:r>
-              <a:rPr lang="en-US" dirty="0" smtClean="0"/>
-              <a:t>)			  </a:t>
+              <a:t>Questions (concerning the app)			  </a:t>
             </a:r>
             <a:r>
               <a:rPr lang="en-US" dirty="0" smtClean="0">
@@ -18384,9 +18374,6 @@
               </a:rPr>
               <a:t>5’</a:t>
             </a:r>
-            <a:endParaRPr lang="en-US" dirty="0" smtClean="0">
-              <a:latin typeface="+mn-lt"/>
-            </a:endParaRPr>
           </a:p>
           <a:p>
             <a:pPr marL="457200" indent="-457200">
@@ -18405,13 +18392,7 @@
               <a:rPr lang="en-US" dirty="0" smtClean="0">
                 <a:latin typeface="+mn-lt"/>
               </a:rPr>
-              <a:t>10’</a:t>
-            </a:r>
-            <a:r>
-              <a:rPr lang="en-US" dirty="0" smtClean="0">
-                <a:latin typeface="+mn-lt"/>
-              </a:rPr>
-              <a:t>	</a:t>
+              <a:t>10’	</a:t>
             </a:r>
             <a:r>
               <a:rPr lang="en-US" dirty="0" err="1" smtClean="0">
@@ -18448,19 +18429,7 @@
               <a:rPr lang="en-US" dirty="0" smtClean="0">
                 <a:latin typeface="+mn-lt"/>
               </a:rPr>
-              <a:t>10</a:t>
-            </a:r>
-            <a:r>
-              <a:rPr lang="en-US" dirty="0" smtClean="0">
-                <a:latin typeface="+mn-lt"/>
-              </a:rPr>
-              <a:t>’</a:t>
-            </a:r>
-            <a:r>
-              <a:rPr lang="en-US" dirty="0" smtClean="0">
-                <a:latin typeface="+mn-lt"/>
-              </a:rPr>
-              <a:t>	</a:t>
+              <a:t>10’	</a:t>
             </a:r>
             <a:r>
               <a:rPr lang="en-US" dirty="0" err="1" smtClean="0">
@@ -18479,11 +18448,7 @@
             </a:pPr>
             <a:r>
               <a:rPr lang="en-US" dirty="0" smtClean="0"/>
-              <a:t>Discussion</a:t>
-            </a:r>
-            <a:r>
-              <a:rPr lang="en-US" dirty="0" smtClean="0"/>
-              <a:t>						</a:t>
+              <a:t>Discussion						</a:t>
             </a:r>
             <a:r>
               <a:rPr lang="en-US" dirty="0" smtClean="0">
@@ -18491,9 +18456,6 @@
               </a:rPr>
               <a:t>10’</a:t>
             </a:r>
-            <a:endParaRPr lang="en-US" dirty="0" smtClean="0">
-              <a:latin typeface="+mn-lt"/>
-            </a:endParaRPr>
           </a:p>
         </p:txBody>
       </p:sp>
@@ -23150,6 +23112,113 @@
               <a:t>Business Layer</a:t>
             </a:r>
             <a:endParaRPr lang="en-US" dirty="0"/>
+          </a:p>
+        </p:txBody>
+      </p:sp>
+      <p:sp>
+        <p:nvSpPr>
+          <p:cNvPr id="2" name="Rectangle 1"/>
+          <p:cNvSpPr/>
+          <p:nvPr/>
+        </p:nvSpPr>
+        <p:spPr>
+          <a:xfrm rot="19069080">
+            <a:off x="1294850" y="2844632"/>
+            <a:ext cx="5852885" cy="923330"/>
+          </a:xfrm>
+          <a:prstGeom prst="rect">
+            <a:avLst/>
+          </a:prstGeom>
+          <a:solidFill>
+            <a:schemeClr val="tx1"/>
+          </a:solidFill>
+        </p:spPr>
+        <p:txBody>
+          <a:bodyPr wrap="none" lIns="91440" tIns="45720" rIns="91440" bIns="45720">
+            <a:spAutoFit/>
+          </a:bodyPr>
+          <a:lstStyle/>
+          <a:p>
+            <a:pPr algn="ctr"/>
+            <a:r>
+              <a:rPr lang="en-US" sz="5400" b="1" cap="none" spc="300" dirty="0" smtClean="0">
+                <a:ln w="11430" cmpd="sng">
+                  <a:solidFill>
+                    <a:schemeClr val="accent1">
+                      <a:tint val="10000"/>
+                    </a:schemeClr>
+                  </a:solidFill>
+                  <a:prstDash val="solid"/>
+                  <a:miter lim="800000"/>
+                </a:ln>
+                <a:gradFill>
+                  <a:gsLst>
+                    <a:gs pos="10000">
+                      <a:schemeClr val="accent1">
+                        <a:tint val="83000"/>
+                        <a:shade val="100000"/>
+                        <a:satMod val="200000"/>
+                      </a:schemeClr>
+                    </a:gs>
+                    <a:gs pos="75000">
+                      <a:schemeClr val="accent1">
+                        <a:tint val="100000"/>
+                        <a:shade val="50000"/>
+                        <a:satMod val="150000"/>
+                      </a:schemeClr>
+                    </a:gs>
+                  </a:gsLst>
+                  <a:lin ang="5400000"/>
+                </a:gradFill>
+                <a:effectLst>
+                  <a:glow rad="45500">
+                    <a:schemeClr val="accent1">
+                      <a:satMod val="220000"/>
+                      <a:alpha val="35000"/>
+                    </a:schemeClr>
+                  </a:glow>
+                </a:effectLst>
+              </a:rPr>
+              <a:t>Windows Phone 8</a:t>
+            </a:r>
+            <a:endParaRPr lang="en-US" sz="5400" b="1" cap="none" spc="300" dirty="0">
+              <a:ln w="11430" cmpd="sng">
+                <a:solidFill>
+                  <a:schemeClr val="accent1">
+                    <a:tint val="10000"/>
+                  </a:schemeClr>
+                </a:solidFill>
+                <a:prstDash val="solid"/>
+                <a:miter lim="800000"/>
+              </a:ln>
+              <a:gradFill>
+                <a:gsLst>
+                  <a:gs pos="10000">
+                    <a:schemeClr val="accent1">
+                      <a:tint val="83000"/>
+                      <a:shade val="100000"/>
+                      <a:satMod val="200000"/>
+                    </a:schemeClr>
+                  </a:gs>
+                  <a:gs pos="75000">
+                    <a:schemeClr val="accent1">
+                      <a:tint val="100000"/>
+                      <a:shade val="50000"/>
+                      <a:satMod val="150000"/>
+                    </a:schemeClr>
+                  </a:gs>
+                </a:gsLst>
+                <a:lin ang="5400000"/>
+              </a:gradFill>
+              <a:effectLst>
+                <a:glow rad="45500">
+                  <a:schemeClr val="accent1">
+                    <a:satMod val="220000"/>
+                    <a:alpha val="35000"/>
+                  </a:schemeClr>
+                </a:glow>
+              </a:effectLst>
+            </a:endParaRPr>
           </a:p>
         </p:txBody>
       </p:sp>

--- a/docs/13-09-26 Cross-platform mobile development with C#.pptx
+++ b/docs/13-09-26 Cross-platform mobile development with C#.pptx
@@ -45,21 +45,21 @@
   <p:notesSz cx="6858000" cy="9144000"/>
   <p:embeddedFontLst>
     <p:embeddedFont>
-      <p:font typeface="AA Zuehlke Medium" panose="02000603060000020004" pitchFamily="2" charset="0"/>
+      <p:font typeface="Wingdings 3" panose="05040102010807070707" pitchFamily="18" charset="2"/>
       <p:regular r:id="rId33"/>
     </p:embeddedFont>
     <p:embeddedFont>
-      <p:font typeface="Webdings" panose="05030102010509060703" pitchFamily="18" charset="2"/>
+      <p:font typeface="AA Zuehlke Medium" panose="02000603060000020004" pitchFamily="2" charset="0"/>
       <p:regular r:id="rId34"/>
     </p:embeddedFont>
     <p:embeddedFont>
-      <p:font typeface="Wingdings 3" panose="05040102010807070707" pitchFamily="18" charset="2"/>
+      <p:font typeface="AA Zuehlke" panose="02000503060000020004" pitchFamily="2" charset="0"/>
       <p:regular r:id="rId35"/>
+      <p:bold r:id="rId36"/>
     </p:embeddedFont>
     <p:embeddedFont>
-      <p:font typeface="AA Zuehlke" panose="02000503060000020004" pitchFamily="2" charset="0"/>
-      <p:regular r:id="rId36"/>
-      <p:bold r:id="rId37"/>
+      <p:font typeface="Webdings" panose="05030102010509060703" pitchFamily="18" charset="2"/>
+      <p:regular r:id="rId37"/>
     </p:embeddedFont>
   </p:embeddedFontLst>
   <p:custDataLst>
@@ -622,7 +622,6 @@
     </c:plotArea>
     <c:legend>
       <c:legendPos val="t"/>
-      <c:layout/>
       <c:overlay val="0"/>
     </c:legend>
     <c:plotVisOnly val="1"/>
@@ -731,7 +730,7 @@
               <a:rPr lang="de-DE" smtClean="0">
                 <a:latin typeface="AA Zuehlke" pitchFamily="2" charset="0"/>
               </a:rPr>
-              <a:t>17.09.2013</a:t>
+              <a:t>18.09.2013</a:t>
             </a:fld>
             <a:endParaRPr lang="de-DE">
               <a:latin typeface="AA Zuehlke" pitchFamily="2" charset="0"/>
@@ -909,7 +908,7 @@
             <a:fld id="{A6966AE6-B72D-4967-9CA3-8469D2863705}" type="datetimeFigureOut">
               <a:rPr lang="en-US" smtClean="0"/>
               <a:pPr/>
-              <a:t>9/17/2013</a:t>
+              <a:t>9/18/2013</a:t>
             </a:fld>
             <a:endParaRPr lang="en-US" dirty="0"/>
           </a:p>
@@ -21682,6 +21681,56 @@
       </p:grpSpPr>
       <p:sp>
         <p:nvSpPr>
+          <p:cNvPr id="33" name="Rounded Rectangle 32"/>
+          <p:cNvSpPr/>
+          <p:nvPr/>
+        </p:nvSpPr>
+        <p:spPr>
+          <a:xfrm>
+            <a:off x="3809244" y="1748139"/>
+            <a:ext cx="1440000" cy="2943450"/>
+          </a:xfrm>
+          <a:prstGeom prst="roundRect">
+            <a:avLst/>
+          </a:prstGeom>
+          <a:noFill/>
+          <a:ln w="38100" cmpd="sng">
+            <a:solidFill>
+              <a:schemeClr val="accent1"/>
+            </a:solidFill>
+          </a:ln>
+        </p:spPr>
+        <p:style>
+          <a:lnRef idx="2">
+            <a:schemeClr val="accent1">
+              <a:shade val="50000"/>
+            </a:schemeClr>
+          </a:lnRef>
+          <a:fillRef idx="1">
+            <a:schemeClr val="accent1"/>
+          </a:fillRef>
+          <a:effectRef idx="0">
+            <a:schemeClr val="accent1"/>
+          </a:effectRef>
+          <a:fontRef idx="minor">
+            <a:schemeClr val="lt1"/>
+          </a:fontRef>
+        </p:style>
+        <p:txBody>
+          <a:bodyPr rtlCol="0" anchor="t"/>
+          <a:lstStyle/>
+          <a:p>
+            <a:pPr algn="ctr"/>
+            <a:endParaRPr lang="en-US" dirty="0">
+              <a:solidFill>
+                <a:schemeClr val="tx1"/>
+              </a:solidFill>
+            </a:endParaRPr>
+          </a:p>
+        </p:txBody>
+      </p:sp>
+      <p:sp>
+        <p:nvSpPr>
           <p:cNvPr id="40" name="Rounded Rectangle 39"/>
           <p:cNvSpPr/>
           <p:nvPr/>
@@ -22424,7 +22473,7 @@
         </p:nvSpPr>
         <p:spPr>
           <a:xfrm>
-            <a:off x="1427874" y="2557540"/>
+            <a:off x="1427874" y="2547602"/>
             <a:ext cx="1296000" cy="354503"/>
           </a:xfrm>
           <a:prstGeom prst="roundRect">
@@ -22692,7 +22741,7 @@
         </p:nvSpPr>
         <p:spPr>
           <a:xfrm>
-            <a:off x="6342314" y="2537664"/>
+            <a:off x="6342314" y="2547602"/>
             <a:ext cx="1296000" cy="354503"/>
           </a:xfrm>
           <a:prstGeom prst="roundRect">
@@ -23115,113 +23164,161 @@
           </a:p>
         </p:txBody>
       </p:sp>
-      <p:sp>
-        <p:nvSpPr>
-          <p:cNvPr id="2" name="Rectangle 1"/>
-          <p:cNvSpPr/>
+      <p:pic>
+        <p:nvPicPr>
+          <p:cNvPr id="1026" name="Picture 2" descr="http://www.whats-up-news.fr/wp-content/uploads/2013/07/windows-phone8-logo.png"/>
+          <p:cNvPicPr>
+            <a:picLocks noChangeAspect="1" noChangeArrowheads="1"/>
+          </p:cNvPicPr>
           <p:nvPr/>
-        </p:nvSpPr>
-        <p:spPr>
-          <a:xfrm rot="19069080">
-            <a:off x="1294850" y="2844632"/>
-            <a:ext cx="5852885" cy="923330"/>
+        </p:nvPicPr>
+        <p:blipFill>
+          <a:blip r:embed="rId7" cstate="print">
+            <a:extLst>
+              <a:ext uri="{28A0092B-C50C-407E-A947-70E740481C1C}">
+                <a14:useLocalDpi xmlns:a14="http://schemas.microsoft.com/office/drawing/2010/main" val="0"/>
+              </a:ext>
+            </a:extLst>
+          </a:blip>
+          <a:srcRect/>
+          <a:stretch>
+            <a:fillRect/>
+          </a:stretch>
+        </p:blipFill>
+        <p:spPr bwMode="auto">
+          <a:xfrm>
+            <a:off x="4207110" y="1790290"/>
+            <a:ext cx="644268" cy="706349"/>
           </a:xfrm>
           <a:prstGeom prst="rect">
             <a:avLst/>
           </a:prstGeom>
-          <a:solidFill>
+          <a:noFill/>
+          <a:extLst>
+            <a:ext uri="{909E8E84-426E-40DD-AFC4-6F175D3DCCD1}">
+              <a14:hiddenFill xmlns:a14="http://schemas.microsoft.com/office/drawing/2010/main">
+                <a:solidFill>
+                  <a:srgbClr val="FFFFFF"/>
+                </a:solidFill>
+              </a14:hiddenFill>
+            </a:ext>
+          </a:extLst>
+        </p:spPr>
+      </p:pic>
+      <p:sp>
+        <p:nvSpPr>
+          <p:cNvPr id="34" name="Rounded Rectangle 33"/>
+          <p:cNvSpPr/>
+          <p:nvPr/>
+        </p:nvSpPr>
+        <p:spPr>
+          <a:xfrm>
+            <a:off x="3881244" y="2547602"/>
+            <a:ext cx="1296000" cy="354503"/>
+          </a:xfrm>
+          <a:prstGeom prst="roundRect">
+            <a:avLst/>
+          </a:prstGeom>
+          <a:gradFill flip="none" rotWithShape="1">
+            <a:gsLst>
+              <a:gs pos="0">
+                <a:schemeClr val="accent2">
+                  <a:shade val="30000"/>
+                  <a:satMod val="115000"/>
+                </a:schemeClr>
+              </a:gs>
+              <a:gs pos="50000">
+                <a:schemeClr val="accent2">
+                  <a:shade val="67500"/>
+                  <a:satMod val="115000"/>
+                </a:schemeClr>
+              </a:gs>
+              <a:gs pos="100000">
+                <a:schemeClr val="accent2">
+                  <a:shade val="100000"/>
+                  <a:satMod val="115000"/>
+                </a:schemeClr>
+              </a:gs>
+            </a:gsLst>
+            <a:lin ang="16200000" scaled="1"/>
+            <a:tileRect/>
+          </a:gradFill>
+          <a:ln/>
+        </p:spPr>
+        <p:style>
+          <a:lnRef idx="0">
+            <a:schemeClr val="accent2"/>
+          </a:lnRef>
+          <a:fillRef idx="3">
+            <a:schemeClr val="accent2"/>
+          </a:fillRef>
+          <a:effectRef idx="3">
+            <a:schemeClr val="accent2"/>
+          </a:effectRef>
+          <a:fontRef idx="minor">
+            <a:schemeClr val="lt1"/>
+          </a:fontRef>
+        </p:style>
+        <p:txBody>
+          <a:bodyPr rtlCol="0" anchor="ctr"/>
+          <a:lstStyle/>
+          <a:p>
+            <a:pPr algn="ctr"/>
+            <a:r>
+              <a:rPr lang="en-US" dirty="0" smtClean="0">
+                <a:solidFill>
+                  <a:srgbClr val="000000"/>
+                </a:solidFill>
+              </a:rPr>
+              <a:t>View</a:t>
+            </a:r>
+            <a:endParaRPr lang="en-US" dirty="0">
+              <a:solidFill>
+                <a:srgbClr val="000000"/>
+              </a:solidFill>
+            </a:endParaRPr>
+          </a:p>
+        </p:txBody>
+      </p:sp>
+      <p:cxnSp>
+        <p:nvCxnSpPr>
+          <p:cNvPr id="35" name="Straight Arrow Connector 34"/>
+          <p:cNvCxnSpPr>
+            <a:stCxn id="52" idx="2"/>
+          </p:cNvCxnSpPr>
+          <p:nvPr/>
+        </p:nvCxnSpPr>
+        <p:spPr>
+          <a:xfrm>
+            <a:off x="4532294" y="4608203"/>
+            <a:ext cx="0" cy="460444"/>
+          </a:xfrm>
+          <a:prstGeom prst="straightConnector1">
+            <a:avLst/>
+          </a:prstGeom>
+          <a:ln w="28575">
+            <a:solidFill>
+              <a:schemeClr val="tx1"/>
+            </a:solidFill>
+            <a:prstDash val="sysDash"/>
+            <a:tailEnd type="arrow" w="lg" len="lg"/>
+          </a:ln>
+        </p:spPr>
+        <p:style>
+          <a:lnRef idx="1">
+            <a:schemeClr val="accent1"/>
+          </a:lnRef>
+          <a:fillRef idx="0">
+            <a:schemeClr val="accent1"/>
+          </a:fillRef>
+          <a:effectRef idx="0">
+            <a:schemeClr val="accent1"/>
+          </a:effectRef>
+          <a:fontRef idx="minor">
             <a:schemeClr val="tx1"/>
-          </a:solidFill>
-        </p:spPr>
-        <p:txBody>
-          <a:bodyPr wrap="none" lIns="91440" tIns="45720" rIns="91440" bIns="45720">
-            <a:spAutoFit/>
-          </a:bodyPr>
-          <a:lstStyle/>
-          <a:p>
-            <a:pPr algn="ctr"/>
-            <a:r>
-              <a:rPr lang="en-US" sz="5400" b="1" cap="none" spc="300" dirty="0" smtClean="0">
-                <a:ln w="11430" cmpd="sng">
-                  <a:solidFill>
-                    <a:schemeClr val="accent1">
-                      <a:tint val="10000"/>
-                    </a:schemeClr>
-                  </a:solidFill>
-                  <a:prstDash val="solid"/>
-                  <a:miter lim="800000"/>
-                </a:ln>
-                <a:gradFill>
-                  <a:gsLst>
-                    <a:gs pos="10000">
-                      <a:schemeClr val="accent1">
-                        <a:tint val="83000"/>
-                        <a:shade val="100000"/>
-                        <a:satMod val="200000"/>
-                      </a:schemeClr>
-                    </a:gs>
-                    <a:gs pos="75000">
-                      <a:schemeClr val="accent1">
-                        <a:tint val="100000"/>
-                        <a:shade val="50000"/>
-                        <a:satMod val="150000"/>
-                      </a:schemeClr>
-                    </a:gs>
-                  </a:gsLst>
-                  <a:lin ang="5400000"/>
-                </a:gradFill>
-                <a:effectLst>
-                  <a:glow rad="45500">
-                    <a:schemeClr val="accent1">
-                      <a:satMod val="220000"/>
-                      <a:alpha val="35000"/>
-                    </a:schemeClr>
-                  </a:glow>
-                </a:effectLst>
-              </a:rPr>
-              <a:t>Windows Phone 8</a:t>
-            </a:r>
-            <a:endParaRPr lang="en-US" sz="5400" b="1" cap="none" spc="300" dirty="0">
-              <a:ln w="11430" cmpd="sng">
-                <a:solidFill>
-                  <a:schemeClr val="accent1">
-                    <a:tint val="10000"/>
-                  </a:schemeClr>
-                </a:solidFill>
-                <a:prstDash val="solid"/>
-                <a:miter lim="800000"/>
-              </a:ln>
-              <a:gradFill>
-                <a:gsLst>
-                  <a:gs pos="10000">
-                    <a:schemeClr val="accent1">
-                      <a:tint val="83000"/>
-                      <a:shade val="100000"/>
-                      <a:satMod val="200000"/>
-                    </a:schemeClr>
-                  </a:gs>
-                  <a:gs pos="75000">
-                    <a:schemeClr val="accent1">
-                      <a:tint val="100000"/>
-                      <a:shade val="50000"/>
-                      <a:satMod val="150000"/>
-                    </a:schemeClr>
-                  </a:gs>
-                </a:gsLst>
-                <a:lin ang="5400000"/>
-              </a:gradFill>
-              <a:effectLst>
-                <a:glow rad="45500">
-                  <a:schemeClr val="accent1">
-                    <a:satMod val="220000"/>
-                    <a:alpha val="35000"/>
-                  </a:schemeClr>
-                </a:glow>
-              </a:effectLst>
-            </a:endParaRPr>
-          </a:p>
-        </p:txBody>
-      </p:sp>
+          </a:fontRef>
+        </p:style>
+      </p:cxnSp>
     </p:spTree>
     <p:extLst>
       <p:ext uri="{BB962C8B-B14F-4D97-AF65-F5344CB8AC3E}">
@@ -23749,6 +23846,234 @@
                       </p:childTnLst>
                     </p:cTn>
                   </p:par>
+                  <p:par>
+                    <p:cTn id="48" fill="hold">
+                      <p:stCondLst>
+                        <p:cond delay="indefinite"/>
+                      </p:stCondLst>
+                      <p:childTnLst>
+                        <p:par>
+                          <p:cTn id="49" fill="hold">
+                            <p:stCondLst>
+                              <p:cond delay="0"/>
+                            </p:stCondLst>
+                            <p:childTnLst>
+                              <p:par>
+                                <p:cTn id="50" presetID="10" presetClass="exit" presetSubtype="0" fill="hold" grpId="1" nodeType="clickEffect">
+                                  <p:stCondLst>
+                                    <p:cond delay="0"/>
+                                  </p:stCondLst>
+                                  <p:childTnLst>
+                                    <p:animEffect transition="out" filter="fade">
+                                      <p:cBhvr>
+                                        <p:cTn id="51" dur="500"/>
+                                        <p:tgtEl>
+                                          <p:spTgt spid="25"/>
+                                        </p:tgtEl>
+                                      </p:cBhvr>
+                                    </p:animEffect>
+                                    <p:set>
+                                      <p:cBhvr>
+                                        <p:cTn id="52" dur="1" fill="hold">
+                                          <p:stCondLst>
+                                            <p:cond delay="499"/>
+                                          </p:stCondLst>
+                                        </p:cTn>
+                                        <p:tgtEl>
+                                          <p:spTgt spid="25"/>
+                                        </p:tgtEl>
+                                        <p:attrNameLst>
+                                          <p:attrName>style.visibility</p:attrName>
+                                        </p:attrNameLst>
+                                      </p:cBhvr>
+                                      <p:to>
+                                        <p:strVal val="hidden"/>
+                                      </p:to>
+                                    </p:set>
+                                  </p:childTnLst>
+                                </p:cTn>
+                              </p:par>
+                              <p:par>
+                                <p:cTn id="53" presetID="10" presetClass="exit" presetSubtype="0" fill="hold" grpId="1" nodeType="withEffect">
+                                  <p:stCondLst>
+                                    <p:cond delay="0"/>
+                                  </p:stCondLst>
+                                  <p:childTnLst>
+                                    <p:animEffect transition="out" filter="fade">
+                                      <p:cBhvr>
+                                        <p:cTn id="54" dur="500"/>
+                                        <p:tgtEl>
+                                          <p:spTgt spid="56"/>
+                                        </p:tgtEl>
+                                      </p:cBhvr>
+                                    </p:animEffect>
+                                    <p:set>
+                                      <p:cBhvr>
+                                        <p:cTn id="55" dur="1" fill="hold">
+                                          <p:stCondLst>
+                                            <p:cond delay="499"/>
+                                          </p:stCondLst>
+                                        </p:cTn>
+                                        <p:tgtEl>
+                                          <p:spTgt spid="56"/>
+                                        </p:tgtEl>
+                                        <p:attrNameLst>
+                                          <p:attrName>style.visibility</p:attrName>
+                                        </p:attrNameLst>
+                                      </p:cBhvr>
+                                      <p:to>
+                                        <p:strVal val="hidden"/>
+                                      </p:to>
+                                    </p:set>
+                                  </p:childTnLst>
+                                </p:cTn>
+                              </p:par>
+                              <p:par>
+                                <p:cTn id="56" presetID="10" presetClass="entr" presetSubtype="0" fill="hold" grpId="0" nodeType="withEffect">
+                                  <p:stCondLst>
+                                    <p:cond delay="0"/>
+                                  </p:stCondLst>
+                                  <p:childTnLst>
+                                    <p:set>
+                                      <p:cBhvr>
+                                        <p:cTn id="57" dur="1" fill="hold">
+                                          <p:stCondLst>
+                                            <p:cond delay="0"/>
+                                          </p:stCondLst>
+                                        </p:cTn>
+                                        <p:tgtEl>
+                                          <p:spTgt spid="33"/>
+                                        </p:tgtEl>
+                                        <p:attrNameLst>
+                                          <p:attrName>style.visibility</p:attrName>
+                                        </p:attrNameLst>
+                                      </p:cBhvr>
+                                      <p:to>
+                                        <p:strVal val="visible"/>
+                                      </p:to>
+                                    </p:set>
+                                    <p:animEffect transition="in" filter="fade">
+                                      <p:cBhvr>
+                                        <p:cTn id="58" dur="500"/>
+                                        <p:tgtEl>
+                                          <p:spTgt spid="33"/>
+                                        </p:tgtEl>
+                                      </p:cBhvr>
+                                    </p:animEffect>
+                                  </p:childTnLst>
+                                </p:cTn>
+                              </p:par>
+                              <p:par>
+                                <p:cTn id="59" presetID="10" presetClass="entr" presetSubtype="0" fill="hold" grpId="0" nodeType="withEffect">
+                                  <p:stCondLst>
+                                    <p:cond delay="0"/>
+                                  </p:stCondLst>
+                                  <p:childTnLst>
+                                    <p:set>
+                                      <p:cBhvr>
+                                        <p:cTn id="60" dur="1" fill="hold">
+                                          <p:stCondLst>
+                                            <p:cond delay="0"/>
+                                          </p:stCondLst>
+                                        </p:cTn>
+                                        <p:tgtEl>
+                                          <p:spTgt spid="34"/>
+                                        </p:tgtEl>
+                                        <p:attrNameLst>
+                                          <p:attrName>style.visibility</p:attrName>
+                                        </p:attrNameLst>
+                                      </p:cBhvr>
+                                      <p:to>
+                                        <p:strVal val="visible"/>
+                                      </p:to>
+                                    </p:set>
+                                    <p:animEffect transition="in" filter="fade">
+                                      <p:cBhvr>
+                                        <p:cTn id="61" dur="500"/>
+                                        <p:tgtEl>
+                                          <p:spTgt spid="34"/>
+                                        </p:tgtEl>
+                                      </p:cBhvr>
+                                    </p:animEffect>
+                                  </p:childTnLst>
+                                </p:cTn>
+                              </p:par>
+                              <p:par>
+                                <p:cTn id="62" presetID="10" presetClass="entr" presetSubtype="0" fill="hold" nodeType="withEffect">
+                                  <p:stCondLst>
+                                    <p:cond delay="0"/>
+                                  </p:stCondLst>
+                                  <p:childTnLst>
+                                    <p:set>
+                                      <p:cBhvr>
+                                        <p:cTn id="63" dur="1" fill="hold">
+                                          <p:stCondLst>
+                                            <p:cond delay="0"/>
+                                          </p:stCondLst>
+                                        </p:cTn>
+                                        <p:tgtEl>
+                                          <p:spTgt spid="1026"/>
+                                        </p:tgtEl>
+                                        <p:attrNameLst>
+                                          <p:attrName>style.visibility</p:attrName>
+                                        </p:attrNameLst>
+                                      </p:cBhvr>
+                                      <p:to>
+                                        <p:strVal val="visible"/>
+                                      </p:to>
+                                    </p:set>
+                                    <p:animEffect transition="in" filter="fade">
+                                      <p:cBhvr>
+                                        <p:cTn id="64" dur="500"/>
+                                        <p:tgtEl>
+                                          <p:spTgt spid="1026"/>
+                                        </p:tgtEl>
+                                      </p:cBhvr>
+                                    </p:animEffect>
+                                  </p:childTnLst>
+                                </p:cTn>
+                              </p:par>
+                              <p:par>
+                                <p:cTn id="65" presetID="10" presetClass="entr" presetSubtype="0" fill="hold" nodeType="withEffect">
+                                  <p:stCondLst>
+                                    <p:cond delay="0"/>
+                                  </p:stCondLst>
+                                  <p:childTnLst>
+                                    <p:set>
+                                      <p:cBhvr>
+                                        <p:cTn id="66" dur="1" fill="hold">
+                                          <p:stCondLst>
+                                            <p:cond delay="0"/>
+                                          </p:stCondLst>
+                                        </p:cTn>
+                                        <p:tgtEl>
+                                          <p:spTgt spid="35"/>
+                                        </p:tgtEl>
+                                        <p:attrNameLst>
+                                          <p:attrName>style.visibility</p:attrName>
+                                        </p:attrNameLst>
+                                      </p:cBhvr>
+                                      <p:to>
+                                        <p:strVal val="visible"/>
+                                      </p:to>
+                                    </p:set>
+                                    <p:animEffect transition="in" filter="fade">
+                                      <p:cBhvr>
+                                        <p:cTn id="67" dur="500"/>
+                                        <p:tgtEl>
+                                          <p:spTgt spid="35"/>
+                                        </p:tgtEl>
+                                      </p:cBhvr>
+                                    </p:animEffect>
+                                  </p:childTnLst>
+                                </p:cTn>
+                              </p:par>
+                            </p:childTnLst>
+                          </p:cTn>
+                        </p:par>
+                      </p:childTnLst>
+                    </p:cTn>
+                  </p:par>
                 </p:childTnLst>
               </p:cTn>
               <p:prevCondLst>
@@ -23771,6 +24096,7 @@
       </p:par>
     </p:tnLst>
     <p:bldLst>
+      <p:bldP spid="33" grpId="0" animBg="1"/>
       <p:bldP spid="40" grpId="0" animBg="1"/>
       <p:bldP spid="60" grpId="0" animBg="1"/>
       <p:bldP spid="42" grpId="0" animBg="1"/>
@@ -23781,9 +24107,12 @@
       <p:bldP spid="51" grpId="0" animBg="1"/>
       <p:bldP spid="53" grpId="0" animBg="1"/>
       <p:bldP spid="25" grpId="0"/>
+      <p:bldP spid="25" grpId="1"/>
       <p:bldP spid="56" grpId="0"/>
+      <p:bldP spid="56" grpId="1"/>
       <p:bldP spid="57" grpId="0" animBg="1"/>
       <p:bldP spid="52" grpId="0" animBg="1"/>
+      <p:bldP spid="34" grpId="0" animBg="1"/>
     </p:bldLst>
   </p:timing>
 </p:sld>

--- a/docs/13-09-26 Cross-platform mobile development with C#.pptx
+++ b/docs/13-09-26 Cross-platform mobile development with C#.pptx
@@ -45,11 +45,11 @@
   <p:notesSz cx="6858000" cy="9144000"/>
   <p:embeddedFontLst>
     <p:embeddedFont>
-      <p:font typeface="Wingdings 3" panose="05040102010807070707" pitchFamily="18" charset="2"/>
+      <p:font typeface="AA Zuehlke Medium" panose="02000603060000020004" pitchFamily="2" charset="0"/>
       <p:regular r:id="rId33"/>
     </p:embeddedFont>
     <p:embeddedFont>
-      <p:font typeface="AA Zuehlke Medium" panose="02000603060000020004" pitchFamily="2" charset="0"/>
+      <p:font typeface="Webdings" panose="05030102010509060703" pitchFamily="18" charset="2"/>
       <p:regular r:id="rId34"/>
     </p:embeddedFont>
     <p:embeddedFont>
@@ -58,7 +58,7 @@
       <p:bold r:id="rId36"/>
     </p:embeddedFont>
     <p:embeddedFont>
-      <p:font typeface="Webdings" panose="05030102010509060703" pitchFamily="18" charset="2"/>
+      <p:font typeface="Wingdings 3" panose="05040102010807070707" pitchFamily="18" charset="2"/>
       <p:regular r:id="rId37"/>
     </p:embeddedFont>
   </p:embeddedFontLst>
@@ -622,6 +622,7 @@
     </c:plotArea>
     <c:legend>
       <c:legendPos val="t"/>
+      <c:layout/>
       <c:overlay val="0"/>
     </c:legend>
     <c:plotVisOnly val="1"/>
@@ -730,7 +731,7 @@
               <a:rPr lang="de-DE" smtClean="0">
                 <a:latin typeface="AA Zuehlke" pitchFamily="2" charset="0"/>
               </a:rPr>
-              <a:t>18.09.2013</a:t>
+              <a:t>20.09.2013</a:t>
             </a:fld>
             <a:endParaRPr lang="de-DE">
               <a:latin typeface="AA Zuehlke" pitchFamily="2" charset="0"/>
@@ -908,7 +909,7 @@
             <a:fld id="{A6966AE6-B72D-4967-9CA3-8469D2863705}" type="datetimeFigureOut">
               <a:rPr lang="en-US" smtClean="0"/>
               <a:pPr/>
-              <a:t>9/18/2013</a:t>
+              <a:t>9/20/2013</a:t>
             </a:fld>
             <a:endParaRPr lang="en-US" dirty="0"/>
           </a:p>
@@ -10171,60 +10172,6 @@
       </p:sp>
       <p:pic>
         <p:nvPicPr>
-          <p:cNvPr id="1026" name="Picture 2"/>
-          <p:cNvPicPr>
-            <a:picLocks noChangeAspect="1" noChangeArrowheads="1"/>
-          </p:cNvPicPr>
-          <p:nvPr/>
-        </p:nvPicPr>
-        <p:blipFill>
-          <a:blip r:embed="rId3">
-            <a:extLst>
-              <a:ext uri="{28A0092B-C50C-407E-A947-70E740481C1C}">
-                <a14:useLocalDpi xmlns:a14="http://schemas.microsoft.com/office/drawing/2010/main" val="0"/>
-              </a:ext>
-            </a:extLst>
-          </a:blip>
-          <a:srcRect/>
-          <a:stretch>
-            <a:fillRect/>
-          </a:stretch>
-        </p:blipFill>
-        <p:spPr bwMode="auto">
-          <a:xfrm>
-            <a:off x="152082" y="1612982"/>
-            <a:ext cx="8207739" cy="4881445"/>
-          </a:xfrm>
-          <a:prstGeom prst="rect">
-            <a:avLst/>
-          </a:prstGeom>
-          <a:noFill/>
-          <a:ln>
-            <a:noFill/>
-          </a:ln>
-          <a:extLst>
-            <a:ext uri="{909E8E84-426E-40DD-AFC4-6F175D3DCCD1}">
-              <a14:hiddenFill xmlns:a14="http://schemas.microsoft.com/office/drawing/2010/main">
-                <a:solidFill>
-                  <a:schemeClr val="accent1"/>
-                </a:solidFill>
-              </a14:hiddenFill>
-            </a:ext>
-            <a:ext uri="{91240B29-F687-4F45-9708-019B960494DF}">
-              <a14:hiddenLine xmlns:a14="http://schemas.microsoft.com/office/drawing/2010/main" w="9525">
-                <a:solidFill>
-                  <a:schemeClr val="tx1"/>
-                </a:solidFill>
-                <a:miter lim="800000"/>
-                <a:headEnd/>
-                <a:tailEnd/>
-              </a14:hiddenLine>
-            </a:ext>
-          </a:extLst>
-        </p:spPr>
-      </p:pic>
-      <p:pic>
-        <p:nvPicPr>
           <p:cNvPr id="11" name="Logo" descr="C:\Users\Luc Benninger\Desktop\Zuehlke_Logo_rgb_300dpi.png"/>
           <p:cNvPicPr>
             <a:picLocks noChangeArrowheads="1"/>
@@ -10236,7 +10183,7 @@
           </p:nvPr>
         </p:nvPicPr>
         <p:blipFill>
-          <a:blip r:embed="rId4" cstate="print">
+          <a:blip r:embed="rId3" cstate="print">
             <a:extLst>
               <a:ext uri="{28A0092B-C50C-407E-A947-70E740481C1C}">
                 <a14:useLocalDpi xmlns:a14="http://schemas.microsoft.com/office/drawing/2010/main" val="0"/>
@@ -10318,6 +10265,60 @@
           </a:p>
         </p:txBody>
       </p:sp>
+      <p:pic>
+        <p:nvPicPr>
+          <p:cNvPr id="2" name="Picture 2"/>
+          <p:cNvPicPr>
+            <a:picLocks noChangeAspect="1" noChangeArrowheads="1"/>
+          </p:cNvPicPr>
+          <p:nvPr/>
+        </p:nvPicPr>
+        <p:blipFill>
+          <a:blip r:embed="rId4">
+            <a:extLst>
+              <a:ext uri="{28A0092B-C50C-407E-A947-70E740481C1C}">
+                <a14:useLocalDpi xmlns:a14="http://schemas.microsoft.com/office/drawing/2010/main" val="0"/>
+              </a:ext>
+            </a:extLst>
+          </a:blip>
+          <a:srcRect/>
+          <a:stretch>
+            <a:fillRect/>
+          </a:stretch>
+        </p:blipFill>
+        <p:spPr bwMode="auto">
+          <a:xfrm>
+            <a:off x="1775249" y="1646775"/>
+            <a:ext cx="5593502" cy="4848225"/>
+          </a:xfrm>
+          <a:prstGeom prst="rect">
+            <a:avLst/>
+          </a:prstGeom>
+          <a:noFill/>
+          <a:ln>
+            <a:noFill/>
+          </a:ln>
+          <a:extLst>
+            <a:ext uri="{909E8E84-426E-40DD-AFC4-6F175D3DCCD1}">
+              <a14:hiddenFill xmlns:a14="http://schemas.microsoft.com/office/drawing/2010/main">
+                <a:solidFill>
+                  <a:schemeClr val="accent1"/>
+                </a:solidFill>
+              </a14:hiddenFill>
+            </a:ext>
+            <a:ext uri="{91240B29-F687-4F45-9708-019B960494DF}">
+              <a14:hiddenLine xmlns:a14="http://schemas.microsoft.com/office/drawing/2010/main" w="9525">
+                <a:solidFill>
+                  <a:schemeClr val="tx1"/>
+                </a:solidFill>
+                <a:miter lim="800000"/>
+                <a:headEnd/>
+                <a:tailEnd/>
+              </a14:hiddenLine>
+            </a:ext>
+          </a:extLst>
+        </p:spPr>
+      </p:pic>
     </p:spTree>
     <p:extLst>
       <p:ext uri="{BB962C8B-B14F-4D97-AF65-F5344CB8AC3E}">
@@ -13597,7 +13598,7 @@
               <a:rPr lang="en-US" sz="2800" dirty="0" smtClean="0">
                 <a:latin typeface="+mj-lt"/>
               </a:rPr>
-              <a:t>Emails</a:t>
+              <a:t>Emails (read)</a:t>
             </a:r>
             <a:endParaRPr lang="en-US" sz="2800" dirty="0">
               <a:latin typeface="+mj-lt"/>
@@ -16913,6 +16914,49 @@
                                   </p:childTnLst>
                                 </p:cTn>
                               </p:par>
+                              <p:par>
+                                <p:cTn id="23" presetID="10" presetClass="entr" presetSubtype="0" fill="hold" nodeType="withEffect">
+                                  <p:stCondLst>
+                                    <p:cond delay="0"/>
+                                  </p:stCondLst>
+                                  <p:childTnLst>
+                                    <p:set>
+                                      <p:cBhvr>
+                                        <p:cTn id="24" dur="1" fill="hold">
+                                          <p:stCondLst>
+                                            <p:cond delay="0"/>
+                                          </p:stCondLst>
+                                        </p:cTn>
+                                        <p:tgtEl>
+                                          <p:spTgt spid="2">
+                                            <p:txEl>
+                                              <p:pRg st="7" end="7"/>
+                                            </p:txEl>
+                                          </p:spTgt>
+                                        </p:tgtEl>
+                                        <p:attrNameLst>
+                                          <p:attrName>style.visibility</p:attrName>
+                                        </p:attrNameLst>
+                                      </p:cBhvr>
+                                      <p:to>
+                                        <p:strVal val="visible"/>
+                                      </p:to>
+                                    </p:set>
+                                    <p:animEffect transition="in" filter="fade">
+                                      <p:cBhvr>
+                                        <p:cTn id="25" dur="500"/>
+                                        <p:tgtEl>
+                                          <p:spTgt spid="2">
+                                            <p:txEl>
+                                              <p:pRg st="7" end="7"/>
+                                            </p:txEl>
+                                          </p:spTgt>
+                                        </p:tgtEl>
+                                      </p:cBhvr>
+                                    </p:animEffect>
+                                  </p:childTnLst>
+                                </p:cTn>
+                              </p:par>
                             </p:childTnLst>
                           </p:cTn>
                         </p:par>
@@ -16988,7 +17032,7 @@
           <a:p>
             <a:r>
               <a:rPr lang="en-US" dirty="0" smtClean="0"/>
-              <a:t>Questions (concerning the App)</a:t>
+              <a:t>Questions</a:t>
             </a:r>
             <a:endParaRPr lang="en-US" dirty="0"/>
           </a:p>
@@ -18365,7 +18409,11 @@
             </a:pPr>
             <a:r>
               <a:rPr lang="en-US" dirty="0" smtClean="0"/>
-              <a:t>Questions (concerning the app)			  </a:t>
+              <a:t>Questions			</a:t>
+            </a:r>
+            <a:r>
+              <a:rPr lang="en-US" dirty="0" smtClean="0"/>
+              <a:t>			  </a:t>
             </a:r>
             <a:r>
               <a:rPr lang="en-US" dirty="0" smtClean="0">
@@ -20048,6 +20096,312 @@
       </p:grpSpPr>
       <p:sp>
         <p:nvSpPr>
+          <p:cNvPr id="20" name="Text Placeholder 1"/>
+          <p:cNvSpPr txBox="1">
+            <a:spLocks/>
+          </p:cNvSpPr>
+          <p:nvPr/>
+        </p:nvSpPr>
+        <p:spPr bwMode="auto">
+          <a:xfrm>
+            <a:off x="152082" y="6044071"/>
+            <a:ext cx="2426400" cy="432000"/>
+          </a:xfrm>
+          <a:prstGeom prst="rect">
+            <a:avLst/>
+          </a:prstGeom>
+          <a:solidFill>
+            <a:schemeClr val="accent1">
+              <a:lumMod val="60000"/>
+              <a:lumOff val="40000"/>
+            </a:schemeClr>
+          </a:solidFill>
+          <a:ln>
+            <a:noFill/>
+          </a:ln>
+          <a:extLst/>
+        </p:spPr>
+        <p:txBody>
+          <a:bodyPr vert="horz" wrap="square" lIns="91440" tIns="45720" rIns="91440" bIns="45720" numCol="1" anchor="ctr" anchorCtr="0" compatLnSpc="1">
+            <a:prstTxWarp prst="textNoShape">
+              <a:avLst/>
+            </a:prstTxWarp>
+          </a:bodyPr>
+          <a:lstStyle>
+            <a:lvl1pPr marL="365125" indent="-255588" algn="l" rtl="0" eaLnBrk="0" fontAlgn="base" hangingPunct="0">
+              <a:spcBef>
+                <a:spcPts val="400"/>
+              </a:spcBef>
+              <a:spcAft>
+                <a:spcPct val="0"/>
+              </a:spcAft>
+              <a:buClr>
+                <a:schemeClr val="accent1"/>
+              </a:buClr>
+              <a:buSzPct val="68000"/>
+              <a:buFont typeface="Wingdings 3" pitchFamily="18" charset="2"/>
+              <a:buChar char=""/>
+              <a:defRPr sz="2700" kern="1200">
+                <a:solidFill>
+                  <a:schemeClr val="tx1"/>
+                </a:solidFill>
+                <a:latin typeface="+mn-lt"/>
+                <a:ea typeface="+mn-ea"/>
+                <a:cs typeface="+mn-cs"/>
+              </a:defRPr>
+            </a:lvl1pPr>
+            <a:lvl2pPr marL="620713" indent="-228600" algn="l" rtl="0" eaLnBrk="0" fontAlgn="base" hangingPunct="0">
+              <a:spcBef>
+                <a:spcPts val="325"/>
+              </a:spcBef>
+              <a:spcAft>
+                <a:spcPct val="0"/>
+              </a:spcAft>
+              <a:buClr>
+                <a:schemeClr val="accent1"/>
+              </a:buClr>
+              <a:buFont typeface="Arial" pitchFamily="34" charset="0"/>
+              <a:buChar char="•"/>
+              <a:defRPr sz="2300" kern="1200">
+                <a:solidFill>
+                  <a:schemeClr val="tx1"/>
+                </a:solidFill>
+                <a:latin typeface="+mn-lt"/>
+                <a:ea typeface="+mn-ea"/>
+                <a:cs typeface="+mn-cs"/>
+              </a:defRPr>
+            </a:lvl2pPr>
+            <a:lvl3pPr marL="858838" indent="-228600" algn="l" rtl="0" eaLnBrk="0" fontAlgn="base" hangingPunct="0">
+              <a:spcBef>
+                <a:spcPts val="350"/>
+              </a:spcBef>
+              <a:spcAft>
+                <a:spcPct val="0"/>
+              </a:spcAft>
+              <a:buClr>
+                <a:schemeClr val="accent2"/>
+              </a:buClr>
+              <a:buSzPct val="100000"/>
+              <a:buFont typeface="Wingdings 2" pitchFamily="18" charset="2"/>
+              <a:buChar char=""/>
+              <a:defRPr sz="2100" kern="1200">
+                <a:solidFill>
+                  <a:schemeClr val="tx1"/>
+                </a:solidFill>
+                <a:latin typeface="+mn-lt"/>
+                <a:ea typeface="+mn-ea"/>
+                <a:cs typeface="+mn-cs"/>
+              </a:defRPr>
+            </a:lvl3pPr>
+            <a:lvl4pPr marL="1143000" indent="-228600" algn="l" rtl="0" eaLnBrk="0" fontAlgn="base" hangingPunct="0">
+              <a:spcBef>
+                <a:spcPts val="350"/>
+              </a:spcBef>
+              <a:spcAft>
+                <a:spcPct val="0"/>
+              </a:spcAft>
+              <a:buClr>
+                <a:schemeClr val="accent2"/>
+              </a:buClr>
+              <a:buFont typeface="Wingdings 2" pitchFamily="18" charset="2"/>
+              <a:buChar char=""/>
+              <a:defRPr sz="1900" kern="1200">
+                <a:solidFill>
+                  <a:schemeClr val="tx1"/>
+                </a:solidFill>
+                <a:latin typeface="+mn-lt"/>
+                <a:ea typeface="+mn-ea"/>
+                <a:cs typeface="+mn-cs"/>
+              </a:defRPr>
+            </a:lvl4pPr>
+            <a:lvl5pPr marL="1371600" indent="-228600" algn="l" rtl="0" eaLnBrk="0" fontAlgn="base" hangingPunct="0">
+              <a:spcBef>
+                <a:spcPts val="350"/>
+              </a:spcBef>
+              <a:spcAft>
+                <a:spcPct val="0"/>
+              </a:spcAft>
+              <a:buClr>
+                <a:schemeClr val="accent2"/>
+              </a:buClr>
+              <a:buFont typeface="Wingdings 2" pitchFamily="18" charset="2"/>
+              <a:buChar char=""/>
+              <a:defRPr kern="1200">
+                <a:solidFill>
+                  <a:schemeClr val="tx1"/>
+                </a:solidFill>
+                <a:latin typeface="+mn-lt"/>
+                <a:ea typeface="+mn-ea"/>
+                <a:cs typeface="+mn-cs"/>
+              </a:defRPr>
+            </a:lvl5pPr>
+            <a:lvl6pPr marL="1600200" indent="-228600" algn="l" rtl="0" eaLnBrk="1" latinLnBrk="0" hangingPunct="1">
+              <a:spcBef>
+                <a:spcPts val="350"/>
+              </a:spcBef>
+              <a:buClr>
+                <a:schemeClr val="accent3"/>
+              </a:buClr>
+              <a:buFont typeface="Wingdings 2"/>
+              <a:buChar char=""/>
+              <a:defRPr kumimoji="0" sz="1800" kern="1200">
+                <a:solidFill>
+                  <a:schemeClr val="tx1"/>
+                </a:solidFill>
+                <a:latin typeface="+mn-lt"/>
+                <a:ea typeface="+mn-ea"/>
+                <a:cs typeface="+mn-cs"/>
+              </a:defRPr>
+            </a:lvl6pPr>
+            <a:lvl7pPr marL="1828800" indent="-228600" algn="l" rtl="0" eaLnBrk="1" latinLnBrk="0" hangingPunct="1">
+              <a:spcBef>
+                <a:spcPts val="350"/>
+              </a:spcBef>
+              <a:buClr>
+                <a:schemeClr val="accent3"/>
+              </a:buClr>
+              <a:buFont typeface="Wingdings 2"/>
+              <a:buChar char=""/>
+              <a:defRPr kumimoji="0" sz="1600" kern="1200">
+                <a:solidFill>
+                  <a:schemeClr val="tx1"/>
+                </a:solidFill>
+                <a:latin typeface="+mn-lt"/>
+                <a:ea typeface="+mn-ea"/>
+                <a:cs typeface="+mn-cs"/>
+              </a:defRPr>
+            </a:lvl7pPr>
+            <a:lvl8pPr marL="2057400" indent="-228600" algn="l" rtl="0" eaLnBrk="1" latinLnBrk="0" hangingPunct="1">
+              <a:spcBef>
+                <a:spcPts val="350"/>
+              </a:spcBef>
+              <a:buClr>
+                <a:schemeClr val="accent3"/>
+              </a:buClr>
+              <a:buFont typeface="Wingdings 2"/>
+              <a:buChar char=""/>
+              <a:defRPr kumimoji="0" sz="1600" kern="1200">
+                <a:solidFill>
+                  <a:schemeClr val="tx1"/>
+                </a:solidFill>
+                <a:latin typeface="+mn-lt"/>
+                <a:ea typeface="+mn-ea"/>
+                <a:cs typeface="+mn-cs"/>
+              </a:defRPr>
+            </a:lvl8pPr>
+            <a:lvl9pPr marL="2286000" indent="-228600" algn="l" rtl="0" eaLnBrk="1" latinLnBrk="0" hangingPunct="1">
+              <a:spcBef>
+                <a:spcPts val="350"/>
+              </a:spcBef>
+              <a:buClr>
+                <a:schemeClr val="accent3"/>
+              </a:buClr>
+              <a:buFont typeface="Wingdings 2"/>
+              <a:buChar char=""/>
+              <a:defRPr kumimoji="0" sz="1600" kern="1200" baseline="0">
+                <a:solidFill>
+                  <a:schemeClr val="tx1"/>
+                </a:solidFill>
+                <a:latin typeface="+mn-lt"/>
+                <a:ea typeface="+mn-ea"/>
+                <a:cs typeface="+mn-cs"/>
+              </a:defRPr>
+            </a:lvl9pPr>
+            <a:extLst/>
+          </a:lstStyle>
+          <a:p>
+            <a:pPr marL="109537" indent="0" algn="ctr">
+              <a:buNone/>
+            </a:pPr>
+            <a:endParaRPr lang="en-US" dirty="0"/>
+          </a:p>
+        </p:txBody>
+      </p:sp>
+      <p:sp>
+        <p:nvSpPr>
+          <p:cNvPr id="4" name="Rectangle 3"/>
+          <p:cNvSpPr/>
+          <p:nvPr/>
+        </p:nvSpPr>
+        <p:spPr>
+          <a:xfrm>
+            <a:off x="152082" y="6044071"/>
+            <a:ext cx="1551600" cy="432000"/>
+          </a:xfrm>
+          <a:prstGeom prst="rect">
+            <a:avLst/>
+          </a:prstGeom>
+          <a:solidFill>
+            <a:srgbClr val="FF820A"/>
+          </a:solidFill>
+          <a:ln w="12700">
+            <a:noFill/>
+          </a:ln>
+        </p:spPr>
+        <p:style>
+          <a:lnRef idx="2">
+            <a:schemeClr val="accent1">
+              <a:shade val="50000"/>
+            </a:schemeClr>
+          </a:lnRef>
+          <a:fillRef idx="1">
+            <a:schemeClr val="accent1"/>
+          </a:fillRef>
+          <a:effectRef idx="0">
+            <a:schemeClr val="accent1"/>
+          </a:effectRef>
+          <a:fontRef idx="minor">
+            <a:schemeClr val="lt1"/>
+          </a:fontRef>
+        </p:style>
+        <p:txBody>
+          <a:bodyPr rtlCol="0" anchor="ctr"/>
+          <a:lstStyle/>
+          <a:p>
+            <a:pPr algn="ctr"/>
+            <a:endParaRPr lang="en-US" sz="2200" dirty="0" err="1" smtClean="0">
+              <a:latin typeface="AA Zuehlke" pitchFamily="2" charset="0"/>
+            </a:endParaRPr>
+          </a:p>
+        </p:txBody>
+      </p:sp>
+      <p:sp>
+        <p:nvSpPr>
+          <p:cNvPr id="5" name="TextBox 4"/>
+          <p:cNvSpPr txBox="1"/>
+          <p:nvPr/>
+        </p:nvSpPr>
+        <p:spPr>
+          <a:xfrm>
+            <a:off x="130644" y="6044071"/>
+            <a:ext cx="2426400" cy="432000"/>
+          </a:xfrm>
+          <a:prstGeom prst="rect">
+            <a:avLst/>
+          </a:prstGeom>
+          <a:noFill/>
+        </p:spPr>
+        <p:txBody>
+          <a:bodyPr wrap="none" rtlCol="0" anchor="ctr">
+            <a:noAutofit/>
+          </a:bodyPr>
+          <a:lstStyle/>
+          <a:p>
+            <a:pPr algn="ctr"/>
+            <a:r>
+              <a:rPr lang="en-US" sz="2200" dirty="0" smtClean="0">
+                <a:latin typeface="AA Zuehlke" pitchFamily="2" charset="0"/>
+              </a:rPr>
+              <a:t>64 %</a:t>
+            </a:r>
+            <a:endParaRPr lang="en-US" sz="2200" dirty="0" smtClean="0">
+              <a:latin typeface="AA Zuehlke" pitchFamily="2" charset="0"/>
+            </a:endParaRPr>
+          </a:p>
+        </p:txBody>
+      </p:sp>
+      <p:sp>
+        <p:nvSpPr>
           <p:cNvPr id="3" name="Titel 2"/>
           <p:cNvSpPr>
             <a:spLocks noGrp="1"/>
@@ -20657,7 +21011,7 @@
       </p:sp>
       <p:sp>
         <p:nvSpPr>
-          <p:cNvPr id="20" name="Text Placeholder 1"/>
+          <p:cNvPr id="21" name="Text Placeholder 1"/>
           <p:cNvSpPr txBox="1">
             <a:spLocks/>
           </p:cNvSpPr>
@@ -20665,7 +21019,7 @@
         </p:nvSpPr>
         <p:spPr bwMode="auto">
           <a:xfrm>
-            <a:off x="152082" y="6044071"/>
+            <a:off x="2744870" y="6044071"/>
             <a:ext cx="2426400" cy="432000"/>
           </a:xfrm>
           <a:prstGeom prst="rect">
@@ -20874,17 +21228,13 @@
             <a:pPr marL="109537" indent="0" algn="ctr">
               <a:buNone/>
             </a:pPr>
-            <a:r>
-              <a:rPr lang="en-US" dirty="0" smtClean="0"/>
-              <a:t>64 %</a:t>
-            </a:r>
             <a:endParaRPr lang="en-US" dirty="0"/>
           </a:p>
         </p:txBody>
       </p:sp>
       <p:sp>
         <p:nvSpPr>
-          <p:cNvPr id="21" name="Text Placeholder 1"/>
+          <p:cNvPr id="22" name="Text Placeholder 1"/>
           <p:cNvSpPr txBox="1">
             <a:spLocks/>
           </p:cNvSpPr>
@@ -20892,18 +21242,13 @@
         </p:nvSpPr>
         <p:spPr bwMode="auto">
           <a:xfrm>
-            <a:off x="2744870" y="6044071"/>
-            <a:ext cx="2426400" cy="432000"/>
+            <a:off x="5356178" y="6044071"/>
+            <a:ext cx="3787821" cy="432000"/>
           </a:xfrm>
           <a:prstGeom prst="rect">
             <a:avLst/>
           </a:prstGeom>
-          <a:solidFill>
-            <a:schemeClr val="accent1">
-              <a:lumMod val="60000"/>
-              <a:lumOff val="40000"/>
-            </a:schemeClr>
-          </a:solidFill>
+          <a:noFill/>
           <a:ln>
             <a:noFill/>
           </a:ln>
@@ -21098,228 +21443,6 @@
             <a:extLst/>
           </a:lstStyle>
           <a:p>
-            <a:pPr marL="109537" indent="0" algn="ctr">
-              <a:buNone/>
-            </a:pPr>
-            <a:r>
-              <a:rPr lang="en-US" dirty="0" smtClean="0"/>
-              <a:t>36 %</a:t>
-            </a:r>
-            <a:endParaRPr lang="en-US" dirty="0"/>
-          </a:p>
-        </p:txBody>
-      </p:sp>
-      <p:sp>
-        <p:nvSpPr>
-          <p:cNvPr id="22" name="Text Placeholder 1"/>
-          <p:cNvSpPr txBox="1">
-            <a:spLocks/>
-          </p:cNvSpPr>
-          <p:nvPr/>
-        </p:nvSpPr>
-        <p:spPr bwMode="auto">
-          <a:xfrm>
-            <a:off x="5356178" y="6044071"/>
-            <a:ext cx="3787821" cy="432000"/>
-          </a:xfrm>
-          <a:prstGeom prst="rect">
-            <a:avLst/>
-          </a:prstGeom>
-          <a:noFill/>
-          <a:ln>
-            <a:noFill/>
-          </a:ln>
-          <a:extLst/>
-        </p:spPr>
-        <p:txBody>
-          <a:bodyPr vert="horz" wrap="square" lIns="91440" tIns="45720" rIns="91440" bIns="45720" numCol="1" anchor="ctr" anchorCtr="0" compatLnSpc="1">
-            <a:prstTxWarp prst="textNoShape">
-              <a:avLst/>
-            </a:prstTxWarp>
-          </a:bodyPr>
-          <a:lstStyle>
-            <a:lvl1pPr marL="365125" indent="-255588" algn="l" rtl="0" eaLnBrk="0" fontAlgn="base" hangingPunct="0">
-              <a:spcBef>
-                <a:spcPts val="400"/>
-              </a:spcBef>
-              <a:spcAft>
-                <a:spcPct val="0"/>
-              </a:spcAft>
-              <a:buClr>
-                <a:schemeClr val="accent1"/>
-              </a:buClr>
-              <a:buSzPct val="68000"/>
-              <a:buFont typeface="Wingdings 3" pitchFamily="18" charset="2"/>
-              <a:buChar char=""/>
-              <a:defRPr sz="2700" kern="1200">
-                <a:solidFill>
-                  <a:schemeClr val="tx1"/>
-                </a:solidFill>
-                <a:latin typeface="+mn-lt"/>
-                <a:ea typeface="+mn-ea"/>
-                <a:cs typeface="+mn-cs"/>
-              </a:defRPr>
-            </a:lvl1pPr>
-            <a:lvl2pPr marL="620713" indent="-228600" algn="l" rtl="0" eaLnBrk="0" fontAlgn="base" hangingPunct="0">
-              <a:spcBef>
-                <a:spcPts val="325"/>
-              </a:spcBef>
-              <a:spcAft>
-                <a:spcPct val="0"/>
-              </a:spcAft>
-              <a:buClr>
-                <a:schemeClr val="accent1"/>
-              </a:buClr>
-              <a:buFont typeface="Arial" pitchFamily="34" charset="0"/>
-              <a:buChar char="•"/>
-              <a:defRPr sz="2300" kern="1200">
-                <a:solidFill>
-                  <a:schemeClr val="tx1"/>
-                </a:solidFill>
-                <a:latin typeface="+mn-lt"/>
-                <a:ea typeface="+mn-ea"/>
-                <a:cs typeface="+mn-cs"/>
-              </a:defRPr>
-            </a:lvl2pPr>
-            <a:lvl3pPr marL="858838" indent="-228600" algn="l" rtl="0" eaLnBrk="0" fontAlgn="base" hangingPunct="0">
-              <a:spcBef>
-                <a:spcPts val="350"/>
-              </a:spcBef>
-              <a:spcAft>
-                <a:spcPct val="0"/>
-              </a:spcAft>
-              <a:buClr>
-                <a:schemeClr val="accent2"/>
-              </a:buClr>
-              <a:buSzPct val="100000"/>
-              <a:buFont typeface="Wingdings 2" pitchFamily="18" charset="2"/>
-              <a:buChar char=""/>
-              <a:defRPr sz="2100" kern="1200">
-                <a:solidFill>
-                  <a:schemeClr val="tx1"/>
-                </a:solidFill>
-                <a:latin typeface="+mn-lt"/>
-                <a:ea typeface="+mn-ea"/>
-                <a:cs typeface="+mn-cs"/>
-              </a:defRPr>
-            </a:lvl3pPr>
-            <a:lvl4pPr marL="1143000" indent="-228600" algn="l" rtl="0" eaLnBrk="0" fontAlgn="base" hangingPunct="0">
-              <a:spcBef>
-                <a:spcPts val="350"/>
-              </a:spcBef>
-              <a:spcAft>
-                <a:spcPct val="0"/>
-              </a:spcAft>
-              <a:buClr>
-                <a:schemeClr val="accent2"/>
-              </a:buClr>
-              <a:buFont typeface="Wingdings 2" pitchFamily="18" charset="2"/>
-              <a:buChar char=""/>
-              <a:defRPr sz="1900" kern="1200">
-                <a:solidFill>
-                  <a:schemeClr val="tx1"/>
-                </a:solidFill>
-                <a:latin typeface="+mn-lt"/>
-                <a:ea typeface="+mn-ea"/>
-                <a:cs typeface="+mn-cs"/>
-              </a:defRPr>
-            </a:lvl4pPr>
-            <a:lvl5pPr marL="1371600" indent="-228600" algn="l" rtl="0" eaLnBrk="0" fontAlgn="base" hangingPunct="0">
-              <a:spcBef>
-                <a:spcPts val="350"/>
-              </a:spcBef>
-              <a:spcAft>
-                <a:spcPct val="0"/>
-              </a:spcAft>
-              <a:buClr>
-                <a:schemeClr val="accent2"/>
-              </a:buClr>
-              <a:buFont typeface="Wingdings 2" pitchFamily="18" charset="2"/>
-              <a:buChar char=""/>
-              <a:defRPr kern="1200">
-                <a:solidFill>
-                  <a:schemeClr val="tx1"/>
-                </a:solidFill>
-                <a:latin typeface="+mn-lt"/>
-                <a:ea typeface="+mn-ea"/>
-                <a:cs typeface="+mn-cs"/>
-              </a:defRPr>
-            </a:lvl5pPr>
-            <a:lvl6pPr marL="1600200" indent="-228600" algn="l" rtl="0" eaLnBrk="1" latinLnBrk="0" hangingPunct="1">
-              <a:spcBef>
-                <a:spcPts val="350"/>
-              </a:spcBef>
-              <a:buClr>
-                <a:schemeClr val="accent3"/>
-              </a:buClr>
-              <a:buFont typeface="Wingdings 2"/>
-              <a:buChar char=""/>
-              <a:defRPr kumimoji="0" sz="1800" kern="1200">
-                <a:solidFill>
-                  <a:schemeClr val="tx1"/>
-                </a:solidFill>
-                <a:latin typeface="+mn-lt"/>
-                <a:ea typeface="+mn-ea"/>
-                <a:cs typeface="+mn-cs"/>
-              </a:defRPr>
-            </a:lvl6pPr>
-            <a:lvl7pPr marL="1828800" indent="-228600" algn="l" rtl="0" eaLnBrk="1" latinLnBrk="0" hangingPunct="1">
-              <a:spcBef>
-                <a:spcPts val="350"/>
-              </a:spcBef>
-              <a:buClr>
-                <a:schemeClr val="accent3"/>
-              </a:buClr>
-              <a:buFont typeface="Wingdings 2"/>
-              <a:buChar char=""/>
-              <a:defRPr kumimoji="0" sz="1600" kern="1200">
-                <a:solidFill>
-                  <a:schemeClr val="tx1"/>
-                </a:solidFill>
-                <a:latin typeface="+mn-lt"/>
-                <a:ea typeface="+mn-ea"/>
-                <a:cs typeface="+mn-cs"/>
-              </a:defRPr>
-            </a:lvl7pPr>
-            <a:lvl8pPr marL="2057400" indent="-228600" algn="l" rtl="0" eaLnBrk="1" latinLnBrk="0" hangingPunct="1">
-              <a:spcBef>
-                <a:spcPts val="350"/>
-              </a:spcBef>
-              <a:buClr>
-                <a:schemeClr val="accent3"/>
-              </a:buClr>
-              <a:buFont typeface="Wingdings 2"/>
-              <a:buChar char=""/>
-              <a:defRPr kumimoji="0" sz="1600" kern="1200">
-                <a:solidFill>
-                  <a:schemeClr val="tx1"/>
-                </a:solidFill>
-                <a:latin typeface="+mn-lt"/>
-                <a:ea typeface="+mn-ea"/>
-                <a:cs typeface="+mn-cs"/>
-              </a:defRPr>
-            </a:lvl8pPr>
-            <a:lvl9pPr marL="2286000" indent="-228600" algn="l" rtl="0" eaLnBrk="1" latinLnBrk="0" hangingPunct="1">
-              <a:spcBef>
-                <a:spcPts val="350"/>
-              </a:spcBef>
-              <a:buClr>
-                <a:schemeClr val="accent3"/>
-              </a:buClr>
-              <a:buFont typeface="Wingdings 2"/>
-              <a:buChar char=""/>
-              <a:defRPr kumimoji="0" sz="1600" kern="1200" baseline="0">
-                <a:solidFill>
-                  <a:schemeClr val="tx1"/>
-                </a:solidFill>
-                <a:latin typeface="+mn-lt"/>
-                <a:ea typeface="+mn-ea"/>
-                <a:cs typeface="+mn-cs"/>
-              </a:defRPr>
-            </a:lvl9pPr>
-            <a:extLst/>
-          </a:lstStyle>
-          <a:p>
             <a:pPr marL="265113" lvl="1" indent="-265113" eaLnBrk="1" hangingPunct="1">
               <a:lnSpc>
                 <a:spcPct val="98000"/>
@@ -21452,6 +21575,89 @@
               <a:t>5</a:t>
             </a:fld>
             <a:endParaRPr lang="de-CH" dirty="0"/>
+          </a:p>
+        </p:txBody>
+      </p:sp>
+      <p:sp>
+        <p:nvSpPr>
+          <p:cNvPr id="23" name="TextBox 22"/>
+          <p:cNvSpPr txBox="1"/>
+          <p:nvPr/>
+        </p:nvSpPr>
+        <p:spPr>
+          <a:xfrm>
+            <a:off x="2744870" y="6044071"/>
+            <a:ext cx="2426400" cy="432000"/>
+          </a:xfrm>
+          <a:prstGeom prst="rect">
+            <a:avLst/>
+          </a:prstGeom>
+          <a:noFill/>
+        </p:spPr>
+        <p:txBody>
+          <a:bodyPr wrap="none" rtlCol="0" anchor="ctr">
+            <a:noAutofit/>
+          </a:bodyPr>
+          <a:lstStyle/>
+          <a:p>
+            <a:pPr algn="ctr"/>
+            <a:r>
+              <a:rPr lang="en-US" sz="2200" dirty="0" smtClean="0">
+                <a:latin typeface="AA Zuehlke" pitchFamily="2" charset="0"/>
+              </a:rPr>
+              <a:t>36 %</a:t>
+            </a:r>
+            <a:endParaRPr lang="en-US" sz="2200" dirty="0" smtClean="0">
+              <a:latin typeface="AA Zuehlke" pitchFamily="2" charset="0"/>
+            </a:endParaRPr>
+          </a:p>
+        </p:txBody>
+      </p:sp>
+      <p:sp>
+        <p:nvSpPr>
+          <p:cNvPr id="24" name="Rectangle 23"/>
+          <p:cNvSpPr/>
+          <p:nvPr/>
+        </p:nvSpPr>
+        <p:spPr>
+          <a:xfrm>
+            <a:off x="4296470" y="6044071"/>
+            <a:ext cx="874800" cy="432000"/>
+          </a:xfrm>
+          <a:prstGeom prst="rect">
+            <a:avLst/>
+          </a:prstGeom>
+          <a:solidFill>
+            <a:srgbClr val="FF820A"/>
+          </a:solidFill>
+          <a:ln w="12700">
+            <a:noFill/>
+          </a:ln>
+        </p:spPr>
+        <p:style>
+          <a:lnRef idx="2">
+            <a:schemeClr val="accent1">
+              <a:shade val="50000"/>
+            </a:schemeClr>
+          </a:lnRef>
+          <a:fillRef idx="1">
+            <a:schemeClr val="accent1"/>
+          </a:fillRef>
+          <a:effectRef idx="0">
+            <a:schemeClr val="accent1"/>
+          </a:effectRef>
+          <a:fontRef idx="minor">
+            <a:schemeClr val="lt1"/>
+          </a:fontRef>
+        </p:style>
+        <p:txBody>
+          <a:bodyPr rtlCol="0" anchor="ctr"/>
+          <a:lstStyle/>
+          <a:p>
+            <a:pPr algn="ctr"/>
+            <a:endParaRPr lang="en-US" sz="2200" dirty="0" err="1" smtClean="0">
+              <a:latin typeface="AA Zuehlke" pitchFamily="2" charset="0"/>
+            </a:endParaRPr>
           </a:p>
         </p:txBody>
       </p:sp>
@@ -21625,6 +21831,146 @@
                                   </p:childTnLst>
                                 </p:cTn>
                               </p:par>
+                              <p:par>
+                                <p:cTn id="17" presetID="10" presetClass="entr" presetSubtype="0" fill="hold" grpId="0" nodeType="withEffect">
+                                  <p:stCondLst>
+                                    <p:cond delay="0"/>
+                                  </p:stCondLst>
+                                  <p:childTnLst>
+                                    <p:set>
+                                      <p:cBhvr>
+                                        <p:cTn id="18" dur="1" fill="hold">
+                                          <p:stCondLst>
+                                            <p:cond delay="0"/>
+                                          </p:stCondLst>
+                                        </p:cTn>
+                                        <p:tgtEl>
+                                          <p:spTgt spid="4"/>
+                                        </p:tgtEl>
+                                        <p:attrNameLst>
+                                          <p:attrName>style.visibility</p:attrName>
+                                        </p:attrNameLst>
+                                      </p:cBhvr>
+                                      <p:to>
+                                        <p:strVal val="visible"/>
+                                      </p:to>
+                                    </p:set>
+                                    <p:animEffect transition="in" filter="fade">
+                                      <p:cBhvr>
+                                        <p:cTn id="19" dur="500"/>
+                                        <p:tgtEl>
+                                          <p:spTgt spid="4"/>
+                                        </p:tgtEl>
+                                      </p:cBhvr>
+                                    </p:animEffect>
+                                  </p:childTnLst>
+                                </p:cTn>
+                              </p:par>
+                              <p:par>
+                                <p:cTn id="20" presetID="10" presetClass="entr" presetSubtype="0" fill="hold" grpId="0" nodeType="withEffect">
+                                  <p:stCondLst>
+                                    <p:cond delay="0"/>
+                                  </p:stCondLst>
+                                  <p:childTnLst>
+                                    <p:set>
+                                      <p:cBhvr>
+                                        <p:cTn id="21" dur="1" fill="hold">
+                                          <p:stCondLst>
+                                            <p:cond delay="0"/>
+                                          </p:stCondLst>
+                                        </p:cTn>
+                                        <p:tgtEl>
+                                          <p:spTgt spid="5"/>
+                                        </p:tgtEl>
+                                        <p:attrNameLst>
+                                          <p:attrName>style.visibility</p:attrName>
+                                        </p:attrNameLst>
+                                      </p:cBhvr>
+                                      <p:to>
+                                        <p:strVal val="visible"/>
+                                      </p:to>
+                                    </p:set>
+                                    <p:animEffect transition="in" filter="fade">
+                                      <p:cBhvr>
+                                        <p:cTn id="22" dur="500"/>
+                                        <p:tgtEl>
+                                          <p:spTgt spid="5"/>
+                                        </p:tgtEl>
+                                      </p:cBhvr>
+                                    </p:animEffect>
+                                  </p:childTnLst>
+                                </p:cTn>
+                              </p:par>
+                              <p:par>
+                                <p:cTn id="23" presetID="10" presetClass="entr" presetSubtype="0" fill="hold" grpId="0" nodeType="withEffect">
+                                  <p:stCondLst>
+                                    <p:cond delay="0"/>
+                                  </p:stCondLst>
+                                  <p:childTnLst>
+                                    <p:set>
+                                      <p:cBhvr>
+                                        <p:cTn id="24" dur="1" fill="hold">
+                                          <p:stCondLst>
+                                            <p:cond delay="0"/>
+                                          </p:stCondLst>
+                                        </p:cTn>
+                                        <p:tgtEl>
+                                          <p:spTgt spid="23"/>
+                                        </p:tgtEl>
+                                        <p:attrNameLst>
+                                          <p:attrName>style.visibility</p:attrName>
+                                        </p:attrNameLst>
+                                      </p:cBhvr>
+                                      <p:to>
+                                        <p:strVal val="visible"/>
+                                      </p:to>
+                                    </p:set>
+                                    <p:animEffect transition="in" filter="fade">
+                                      <p:cBhvr>
+                                        <p:cTn id="25" dur="500"/>
+                                        <p:tgtEl>
+                                          <p:spTgt spid="23"/>
+                                        </p:tgtEl>
+                                      </p:cBhvr>
+                                    </p:animEffect>
+                                  </p:childTnLst>
+                                </p:cTn>
+                              </p:par>
+                              <p:par>
+                                <p:cTn id="26" presetID="10" presetClass="entr" presetSubtype="0" fill="hold" grpId="0" nodeType="withEffect">
+                                  <p:stCondLst>
+                                    <p:cond delay="0"/>
+                                  </p:stCondLst>
+                                  <p:childTnLst>
+                                    <p:set>
+                                      <p:cBhvr>
+                                        <p:cTn id="27" dur="1" fill="hold">
+                                          <p:stCondLst>
+                                            <p:cond delay="0"/>
+                                          </p:stCondLst>
+                                        </p:cTn>
+                                        <p:tgtEl>
+                                          <p:spTgt spid="24"/>
+                                        </p:tgtEl>
+                                        <p:attrNameLst>
+                                          <p:attrName>style.visibility</p:attrName>
+                                        </p:attrNameLst>
+                                      </p:cBhvr>
+                                      <p:to>
+                                        <p:strVal val="visible"/>
+                                      </p:to>
+                                    </p:set>
+                                    <p:animEffect transition="in" filter="fade">
+                                      <p:cBhvr>
+                                        <p:cTn id="28" dur="500"/>
+                                        <p:tgtEl>
+                                          <p:spTgt spid="24"/>
+                                        </p:tgtEl>
+                                      </p:cBhvr>
+                                    </p:animEffect>
+                                  </p:childTnLst>
+                                </p:cTn>
+                              </p:par>
                             </p:childTnLst>
                           </p:cTn>
                         </p:par>
@@ -21654,9 +22000,13 @@
     </p:tnLst>
     <p:bldLst>
       <p:bldP spid="20" grpId="0" animBg="1"/>
+      <p:bldP spid="4" grpId="0" animBg="1"/>
+      <p:bldP spid="5" grpId="0"/>
       <p:bldP spid="21" grpId="0" animBg="1"/>
       <p:bldP spid="22" grpId="0"/>
       <p:bldP spid="12" grpId="0"/>
+      <p:bldP spid="23" grpId="0"/>
+      <p:bldP spid="24" grpId="0" animBg="1"/>
     </p:bldLst>
   </p:timing>
 </p:sld>
@@ -24573,8 +24923,11 @@
               <a:rPr lang="en-US" sz="2200" dirty="0" smtClean="0">
                 <a:latin typeface="AA Zuehlke" pitchFamily="2" charset="0"/>
               </a:rPr>
-              <a:t>Project Owner</a:t>
-            </a:r>
+              <a:t>Product Owner</a:t>
+            </a:r>
+            <a:endParaRPr lang="en-US" sz="2200" dirty="0" smtClean="0">
+              <a:latin typeface="AA Zuehlke" pitchFamily="2" charset="0"/>
+            </a:endParaRPr>
           </a:p>
         </p:txBody>
       </p:sp>
@@ -24799,7 +25152,19 @@
             <a:pPr lvl="1"/>
             <a:r>
               <a:rPr lang="en-US" sz="2800" dirty="0" smtClean="0"/>
-              <a:t>Cloud service (Azure) providing a REST API</a:t>
+              <a:t>Cloud service (Azure) providing a </a:t>
+            </a:r>
+            <a:r>
+              <a:rPr lang="en-US" sz="2800" dirty="0" err="1" smtClean="0"/>
+              <a:t>RESTful</a:t>
+            </a:r>
+            <a:r>
+              <a:rPr lang="en-US" sz="2800" dirty="0" smtClean="0"/>
+              <a:t> </a:t>
+            </a:r>
+            <a:r>
+              <a:rPr lang="en-US" sz="2800" dirty="0" smtClean="0"/>
+              <a:t>API</a:t>
             </a:r>
           </a:p>
           <a:p>

--- a/docs/13-09-26 Cross-platform mobile development with C#.pptx
+++ b/docs/13-09-26 Cross-platform mobile development with C#.pptx
@@ -45,20 +45,20 @@
   <p:notesSz cx="6858000" cy="9144000"/>
   <p:embeddedFontLst>
     <p:embeddedFont>
-      <p:font typeface="AA Zuehlke Medium" panose="02000603060000020004" pitchFamily="2" charset="0"/>
+      <p:font typeface="AA Zuehlke" panose="02000503060000020004" pitchFamily="2" charset="0"/>
       <p:regular r:id="rId33"/>
+      <p:bold r:id="rId34"/>
     </p:embeddedFont>
     <p:embeddedFont>
       <p:font typeface="Webdings" panose="05030102010509060703" pitchFamily="18" charset="2"/>
-      <p:regular r:id="rId34"/>
-    </p:embeddedFont>
-    <p:embeddedFont>
-      <p:font typeface="AA Zuehlke" panose="02000503060000020004" pitchFamily="2" charset="0"/>
       <p:regular r:id="rId35"/>
-      <p:bold r:id="rId36"/>
     </p:embeddedFont>
     <p:embeddedFont>
       <p:font typeface="Wingdings 3" panose="05040102010807070707" pitchFamily="18" charset="2"/>
+      <p:regular r:id="rId36"/>
+    </p:embeddedFont>
+    <p:embeddedFont>
+      <p:font typeface="AA Zuehlke Medium" panose="02000603060000020004" pitchFamily="2" charset="0"/>
       <p:regular r:id="rId37"/>
     </p:embeddedFont>
   </p:embeddedFontLst>
@@ -731,7 +731,7 @@
               <a:rPr lang="de-DE" smtClean="0">
                 <a:latin typeface="AA Zuehlke" pitchFamily="2" charset="0"/>
               </a:rPr>
-              <a:t>20.09.2013</a:t>
+              <a:t>21.09.2013</a:t>
             </a:fld>
             <a:endParaRPr lang="de-DE">
               <a:latin typeface="AA Zuehlke" pitchFamily="2" charset="0"/>
@@ -909,7 +909,7 @@
             <a:fld id="{A6966AE6-B72D-4967-9CA3-8469D2863705}" type="datetimeFigureOut">
               <a:rPr lang="en-US" smtClean="0"/>
               <a:pPr/>
-              <a:t>9/20/2013</a:t>
+              <a:t>9/21/2013</a:t>
             </a:fld>
             <a:endParaRPr lang="en-US" dirty="0"/>
           </a:p>
@@ -11034,47 +11034,6 @@
       </p:sp>
       <p:pic>
         <p:nvPicPr>
-          <p:cNvPr id="2050" name="Picture 2" descr="http://cdn.itproportal.com/photos/Whatsapp-Android-Chats_original.jpg"/>
-          <p:cNvPicPr>
-            <a:picLocks noChangeAspect="1" noChangeArrowheads="1"/>
-          </p:cNvPicPr>
-          <p:nvPr/>
-        </p:nvPicPr>
-        <p:blipFill>
-          <a:blip r:embed="rId3" cstate="print">
-            <a:extLst>
-              <a:ext uri="{28A0092B-C50C-407E-A947-70E740481C1C}">
-                <a14:useLocalDpi xmlns:a14="http://schemas.microsoft.com/office/drawing/2010/main" val="0"/>
-              </a:ext>
-            </a:extLst>
-          </a:blip>
-          <a:srcRect/>
-          <a:stretch>
-            <a:fillRect/>
-          </a:stretch>
-        </p:blipFill>
-        <p:spPr bwMode="auto">
-          <a:xfrm>
-            <a:off x="5120063" y="1699075"/>
-            <a:ext cx="2659942" cy="4781053"/>
-          </a:xfrm>
-          <a:prstGeom prst="rect">
-            <a:avLst/>
-          </a:prstGeom>
-          <a:noFill/>
-          <a:extLst>
-            <a:ext uri="{909E8E84-426E-40DD-AFC4-6F175D3DCCD1}">
-              <a14:hiddenFill xmlns:a14="http://schemas.microsoft.com/office/drawing/2010/main">
-                <a:solidFill>
-                  <a:srgbClr val="FFFFFF"/>
-                </a:solidFill>
-              </a14:hiddenFill>
-            </a:ext>
-          </a:extLst>
-        </p:spPr>
-      </p:pic>
-      <p:pic>
-        <p:nvPicPr>
           <p:cNvPr id="11" name="Logo" descr="C:\Users\Luc Benninger\Desktop\Zuehlke_Logo_rgb_300dpi.png"/>
           <p:cNvPicPr>
             <a:picLocks noChangeArrowheads="1"/>
@@ -11086,7 +11045,7 @@
           </p:nvPr>
         </p:nvPicPr>
         <p:blipFill>
-          <a:blip r:embed="rId4" cstate="print">
+          <a:blip r:embed="rId3" cstate="print">
             <a:extLst>
               <a:ext uri="{28A0092B-C50C-407E-A947-70E740481C1C}">
                 <a14:useLocalDpi xmlns:a14="http://schemas.microsoft.com/office/drawing/2010/main" val="0"/>
@@ -11165,6 +11124,90 @@
               <a:t>17</a:t>
             </a:fld>
             <a:endParaRPr lang="de-CH" dirty="0"/>
+          </a:p>
+        </p:txBody>
+      </p:sp>
+      <p:pic>
+        <p:nvPicPr>
+          <p:cNvPr id="1026" name="Picture 2" descr="http://fc09.deviantart.net/fs71/i/2012/140/6/8/tweetbot_skin_for_whatsapp_messenger_by_nachomaster-d50f2fl.png"/>
+          <p:cNvPicPr>
+            <a:picLocks noChangeAspect="1" noChangeArrowheads="1"/>
+          </p:cNvPicPr>
+          <p:nvPr/>
+        </p:nvPicPr>
+        <p:blipFill rotWithShape="1">
+          <a:blip r:embed="rId4" cstate="print">
+            <a:extLst>
+              <a:ext uri="{28A0092B-C50C-407E-A947-70E740481C1C}">
+                <a14:useLocalDpi xmlns:a14="http://schemas.microsoft.com/office/drawing/2010/main" val="0"/>
+              </a:ext>
+            </a:extLst>
+          </a:blip>
+          <a:srcRect l="317" t="1708" r="46824" b="7941"/>
+          <a:stretch/>
+        </p:blipFill>
+        <p:spPr bwMode="auto">
+          <a:xfrm>
+            <a:off x="3886200" y="1524000"/>
+            <a:ext cx="4098349" cy="5041716"/>
+          </a:xfrm>
+          <a:prstGeom prst="rect">
+            <a:avLst/>
+          </a:prstGeom>
+          <a:noFill/>
+          <a:extLst>
+            <a:ext uri="{909E8E84-426E-40DD-AFC4-6F175D3DCCD1}">
+              <a14:hiddenFill xmlns:a14="http://schemas.microsoft.com/office/drawing/2010/main">
+                <a:solidFill>
+                  <a:srgbClr val="FFFFFF"/>
+                </a:solidFill>
+              </a14:hiddenFill>
+            </a:ext>
+          </a:extLst>
+        </p:spPr>
+      </p:pic>
+      <p:sp>
+        <p:nvSpPr>
+          <p:cNvPr id="4" name="TextBox 3"/>
+          <p:cNvSpPr txBox="1"/>
+          <p:nvPr/>
+        </p:nvSpPr>
+        <p:spPr>
+          <a:xfrm rot="16200000">
+            <a:off x="6318673" y="3866636"/>
+            <a:ext cx="3136900" cy="356445"/>
+          </a:xfrm>
+          <a:prstGeom prst="rect">
+            <a:avLst/>
+          </a:prstGeom>
+          <a:noFill/>
+        </p:spPr>
+        <p:txBody>
+          <a:bodyPr wrap="none" rtlCol="0">
+            <a:noAutofit/>
+          </a:bodyPr>
+          <a:lstStyle/>
+          <a:p>
+            <a:pPr algn="ctr"/>
+            <a:r>
+              <a:rPr lang="en-US" sz="800" dirty="0" smtClean="0">
+                <a:solidFill>
+                  <a:schemeClr val="bg1">
+                    <a:lumMod val="50000"/>
+                  </a:schemeClr>
+                </a:solidFill>
+                <a:latin typeface="AA Zuehlke" pitchFamily="2" charset="0"/>
+              </a:rPr>
+              <a:t>deviantart.com/art/Tweetbot-Skin-for-WhatsApp-Messenger-303033873</a:t>
+            </a:r>
+            <a:endParaRPr lang="en-US" sz="800" dirty="0" smtClean="0">
+              <a:solidFill>
+                <a:schemeClr val="bg1">
+                  <a:lumMod val="50000"/>
+                </a:schemeClr>
+              </a:solidFill>
+              <a:latin typeface="AA Zuehlke" pitchFamily="2" charset="0"/>
+            </a:endParaRPr>
           </a:p>
         </p:txBody>
       </p:sp>
@@ -18409,11 +18452,7 @@
             </a:pPr>
             <a:r>
               <a:rPr lang="en-US" dirty="0" smtClean="0"/>
-              <a:t>Questions			</a:t>
-            </a:r>
-            <a:r>
-              <a:rPr lang="en-US" dirty="0" smtClean="0"/>
-              <a:t>			  </a:t>
+              <a:t>Questions						  </a:t>
             </a:r>
             <a:r>
               <a:rPr lang="en-US" dirty="0" smtClean="0">
@@ -20394,9 +20433,6 @@
               </a:rPr>
               <a:t>64 %</a:t>
             </a:r>
-            <a:endParaRPr lang="en-US" sz="2200" dirty="0" smtClean="0">
-              <a:latin typeface="AA Zuehlke" pitchFamily="2" charset="0"/>
-            </a:endParaRPr>
           </a:p>
         </p:txBody>
       </p:sp>
@@ -21607,9 +21643,6 @@
               </a:rPr>
               <a:t>36 %</a:t>
             </a:r>
-            <a:endParaRPr lang="en-US" sz="2200" dirty="0" smtClean="0">
-              <a:latin typeface="AA Zuehlke" pitchFamily="2" charset="0"/>
-            </a:endParaRPr>
           </a:p>
         </p:txBody>
       </p:sp>
@@ -24925,9 +24958,6 @@
               </a:rPr>
               <a:t>Product Owner</a:t>
             </a:r>
-            <a:endParaRPr lang="en-US" sz="2200" dirty="0" smtClean="0">
-              <a:latin typeface="AA Zuehlke" pitchFamily="2" charset="0"/>
-            </a:endParaRPr>
           </a:p>
         </p:txBody>
       </p:sp>
@@ -25160,11 +25190,7 @@
             </a:r>
             <a:r>
               <a:rPr lang="en-US" sz="2800" dirty="0" smtClean="0"/>
-              <a:t> </a:t>
-            </a:r>
-            <a:r>
-              <a:rPr lang="en-US" sz="2800" dirty="0" smtClean="0"/>
-              <a:t>API</a:t>
+              <a:t> API</a:t>
             </a:r>
           </a:p>
           <a:p>

--- a/docs/13-09-26 Cross-platform mobile development with C#.pptx
+++ b/docs/13-09-26 Cross-platform mobile development with C#.pptx
@@ -731,7 +731,7 @@
               <a:rPr lang="de-DE" smtClean="0">
                 <a:latin typeface="AA Zuehlke" pitchFamily="2" charset="0"/>
               </a:rPr>
-              <a:t>21.09.2013</a:t>
+              <a:t>22.09.2013</a:t>
             </a:fld>
             <a:endParaRPr lang="de-DE">
               <a:latin typeface="AA Zuehlke" pitchFamily="2" charset="0"/>
@@ -909,7 +909,7 @@
             <a:fld id="{A6966AE6-B72D-4967-9CA3-8469D2863705}" type="datetimeFigureOut">
               <a:rPr lang="en-US" smtClean="0"/>
               <a:pPr/>
-              <a:t>9/21/2013</a:t>
+              <a:t>9/22/2013</a:t>
             </a:fld>
             <a:endParaRPr lang="en-US" dirty="0"/>
           </a:p>
@@ -11200,14 +11200,6 @@
               </a:rPr>
               <a:t>deviantart.com/art/Tweetbot-Skin-for-WhatsApp-Messenger-303033873</a:t>
             </a:r>
-            <a:endParaRPr lang="en-US" sz="800" dirty="0" smtClean="0">
-              <a:solidFill>
-                <a:schemeClr val="bg1">
-                  <a:lumMod val="50000"/>
-                </a:schemeClr>
-              </a:solidFill>
-              <a:latin typeface="AA Zuehlke" pitchFamily="2" charset="0"/>
-            </a:endParaRPr>
           </a:p>
         </p:txBody>
       </p:sp>
@@ -16420,8 +16412,17 @@
               <a:rPr lang="en-US" sz="2400" dirty="0" smtClean="0">
                 <a:latin typeface="+mn-lt"/>
               </a:rPr>
-              <a:t>:		27</a:t>
-            </a:r>
+              <a:t>:		</a:t>
+            </a:r>
+            <a:r>
+              <a:rPr lang="en-US" sz="2400" dirty="0" smtClean="0">
+                <a:latin typeface="+mn-lt"/>
+              </a:rPr>
+              <a:t>  27</a:t>
+            </a:r>
+            <a:endParaRPr lang="en-US" sz="2400" dirty="0" smtClean="0">
+              <a:latin typeface="+mn-lt"/>
+            </a:endParaRPr>
           </a:p>
           <a:p>
             <a:pPr lvl="2"/>
@@ -24311,15 +24312,24 @@
                                   </p:childTnLst>
                                 </p:cTn>
                               </p:par>
+                            </p:childTnLst>
+                          </p:cTn>
+                        </p:par>
+                        <p:par>
+                          <p:cTn id="56" fill="hold">
+                            <p:stCondLst>
+                              <p:cond delay="500"/>
+                            </p:stCondLst>
+                            <p:childTnLst>
                               <p:par>
-                                <p:cTn id="56" presetID="10" presetClass="entr" presetSubtype="0" fill="hold" grpId="0" nodeType="withEffect">
+                                <p:cTn id="57" presetID="10" presetClass="entr" presetSubtype="0" fill="hold" grpId="0" nodeType="afterEffect">
                                   <p:stCondLst>
                                     <p:cond delay="0"/>
                                   </p:stCondLst>
                                   <p:childTnLst>
                                     <p:set>
                                       <p:cBhvr>
-                                        <p:cTn id="57" dur="1" fill="hold">
+                                        <p:cTn id="58" dur="1" fill="hold">
                                           <p:stCondLst>
                                             <p:cond delay="0"/>
                                           </p:stCondLst>
@@ -24337,7 +24347,7 @@
                                     </p:set>
                                     <p:animEffect transition="in" filter="fade">
                                       <p:cBhvr>
-                                        <p:cTn id="58" dur="500"/>
+                                        <p:cTn id="59" dur="500"/>
                                         <p:tgtEl>
                                           <p:spTgt spid="33"/>
                                         </p:tgtEl>
@@ -24347,14 +24357,14 @@
                                 </p:cTn>
                               </p:par>
                               <p:par>
-                                <p:cTn id="59" presetID="10" presetClass="entr" presetSubtype="0" fill="hold" grpId="0" nodeType="withEffect">
+                                <p:cTn id="60" presetID="10" presetClass="entr" presetSubtype="0" fill="hold" grpId="0" nodeType="withEffect">
                                   <p:stCondLst>
                                     <p:cond delay="0"/>
                                   </p:stCondLst>
                                   <p:childTnLst>
                                     <p:set>
                                       <p:cBhvr>
-                                        <p:cTn id="60" dur="1" fill="hold">
+                                        <p:cTn id="61" dur="1" fill="hold">
                                           <p:stCondLst>
                                             <p:cond delay="0"/>
                                           </p:stCondLst>
@@ -24372,7 +24382,7 @@
                                     </p:set>
                                     <p:animEffect transition="in" filter="fade">
                                       <p:cBhvr>
-                                        <p:cTn id="61" dur="500"/>
+                                        <p:cTn id="62" dur="500"/>
                                         <p:tgtEl>
                                           <p:spTgt spid="34"/>
                                         </p:tgtEl>
@@ -24382,14 +24392,14 @@
                                 </p:cTn>
                               </p:par>
                               <p:par>
-                                <p:cTn id="62" presetID="10" presetClass="entr" presetSubtype="0" fill="hold" nodeType="withEffect">
+                                <p:cTn id="63" presetID="10" presetClass="entr" presetSubtype="0" fill="hold" nodeType="withEffect">
                                   <p:stCondLst>
                                     <p:cond delay="0"/>
                                   </p:stCondLst>
                                   <p:childTnLst>
                                     <p:set>
                                       <p:cBhvr>
-                                        <p:cTn id="63" dur="1" fill="hold">
+                                        <p:cTn id="64" dur="1" fill="hold">
                                           <p:stCondLst>
                                             <p:cond delay="0"/>
                                           </p:stCondLst>
@@ -24407,7 +24417,7 @@
                                     </p:set>
                                     <p:animEffect transition="in" filter="fade">
                                       <p:cBhvr>
-                                        <p:cTn id="64" dur="500"/>
+                                        <p:cTn id="65" dur="500"/>
                                         <p:tgtEl>
                                           <p:spTgt spid="1026"/>
                                         </p:tgtEl>
@@ -24417,14 +24427,14 @@
                                 </p:cTn>
                               </p:par>
                               <p:par>
-                                <p:cTn id="65" presetID="10" presetClass="entr" presetSubtype="0" fill="hold" nodeType="withEffect">
+                                <p:cTn id="66" presetID="10" presetClass="entr" presetSubtype="0" fill="hold" nodeType="withEffect">
                                   <p:stCondLst>
                                     <p:cond delay="0"/>
                                   </p:stCondLst>
                                   <p:childTnLst>
                                     <p:set>
                                       <p:cBhvr>
-                                        <p:cTn id="66" dur="1" fill="hold">
+                                        <p:cTn id="67" dur="1" fill="hold">
                                           <p:stCondLst>
                                             <p:cond delay="0"/>
                                           </p:stCondLst>
@@ -24442,7 +24452,7 @@
                                     </p:set>
                                     <p:animEffect transition="in" filter="fade">
                                       <p:cBhvr>
-                                        <p:cTn id="67" dur="500"/>
+                                        <p:cTn id="68" dur="500"/>
                                         <p:tgtEl>
                                           <p:spTgt spid="35"/>
                                         </p:tgtEl>

--- a/docs/13-09-26 Cross-platform mobile development with C#.pptx
+++ b/docs/13-09-26 Cross-platform mobile development with C#.pptx
@@ -54,11 +54,11 @@
       <p:regular r:id="rId35"/>
     </p:embeddedFont>
     <p:embeddedFont>
-      <p:font typeface="Wingdings 3" panose="05040102010807070707" pitchFamily="18" charset="2"/>
+      <p:font typeface="AA Zuehlke Medium" panose="02000603060000020004" pitchFamily="2" charset="0"/>
       <p:regular r:id="rId36"/>
     </p:embeddedFont>
     <p:embeddedFont>
-      <p:font typeface="AA Zuehlke Medium" panose="02000603060000020004" pitchFamily="2" charset="0"/>
+      <p:font typeface="Wingdings 3" panose="05040102010807070707" pitchFamily="18" charset="2"/>
       <p:regular r:id="rId37"/>
     </p:embeddedFont>
   </p:embeddedFontLst>
@@ -1244,9 +1244,22 @@
             </a:pPr>
             <a:r>
               <a:rPr lang="en-US" dirty="0" smtClean="0"/>
-              <a:t>Train schedule</a:t>
-            </a:r>
-            <a:endParaRPr lang="en-US" dirty="0"/>
+              <a:t>Train </a:t>
+            </a:r>
+            <a:r>
+              <a:rPr lang="en-US" dirty="0" smtClean="0"/>
+              <a:t>schedule</a:t>
+            </a:r>
+          </a:p>
+          <a:p>
+            <a:pPr marL="171450" indent="-171450">
+              <a:buFont typeface="Arial" panose="020B0604020202020204" pitchFamily="34" charset="0"/>
+              <a:buChar char="•"/>
+            </a:pPr>
+            <a:r>
+              <a:rPr lang="en-US" smtClean="0"/>
+              <a:t>Conductor</a:t>
+            </a:r>
           </a:p>
         </p:txBody>
       </p:sp>
@@ -1288,6 +1301,133 @@
 </file>
 
 <file path=ppt/notesSlides/notesSlide2.xml><?xml version="1.0" encoding="utf-8"?>
+<p:notes xmlns:a="http://schemas.openxmlformats.org/drawingml/2006/main" xmlns:r="http://schemas.openxmlformats.org/officeDocument/2006/relationships" xmlns:p="http://schemas.openxmlformats.org/presentationml/2006/main">
+  <p:cSld>
+    <p:spTree>
+      <p:nvGrpSpPr>
+        <p:cNvPr id="1" name=""/>
+        <p:cNvGrpSpPr/>
+        <p:nvPr/>
+      </p:nvGrpSpPr>
+      <p:grpSpPr>
+        <a:xfrm>
+          <a:off x="0" y="0"/>
+          <a:ext cx="0" cy="0"/>
+          <a:chOff x="0" y="0"/>
+          <a:chExt cx="0" cy="0"/>
+        </a:xfrm>
+      </p:grpSpPr>
+      <p:sp>
+        <p:nvSpPr>
+          <p:cNvPr id="2" name="Slide Image Placeholder 1"/>
+          <p:cNvSpPr>
+            <a:spLocks noGrp="1" noRot="1" noChangeAspect="1"/>
+          </p:cNvSpPr>
+          <p:nvPr>
+            <p:ph type="sldImg"/>
+          </p:nvPr>
+        </p:nvSpPr>
+        <p:spPr/>
+      </p:sp>
+      <p:sp>
+        <p:nvSpPr>
+          <p:cNvPr id="3" name="Notes Placeholder 2"/>
+          <p:cNvSpPr>
+            <a:spLocks noGrp="1"/>
+          </p:cNvSpPr>
+          <p:nvPr>
+            <p:ph type="body" idx="1"/>
+          </p:nvPr>
+        </p:nvSpPr>
+        <p:spPr/>
+        <p:txBody>
+          <a:bodyPr/>
+          <a:lstStyle/>
+          <a:p>
+            <a:pPr marL="171450" indent="-171450">
+              <a:buFont typeface="Arial" panose="020B0604020202020204" pitchFamily="34" charset="0"/>
+              <a:buChar char="•"/>
+            </a:pPr>
+            <a:r>
+              <a:rPr lang="en-US" dirty="0" smtClean="0"/>
+              <a:t>UI code is NOT shared, therefore twice</a:t>
+            </a:r>
+            <a:r>
+              <a:rPr lang="en-US" baseline="0" dirty="0" smtClean="0"/>
+              <a:t> as large as shared logic</a:t>
+            </a:r>
+          </a:p>
+          <a:p>
+            <a:pPr marL="171450" indent="-171450">
+              <a:buFont typeface="Arial" panose="020B0604020202020204" pitchFamily="34" charset="0"/>
+              <a:buChar char="•"/>
+            </a:pPr>
+            <a:r>
+              <a:rPr lang="en-US" baseline="0" dirty="0" smtClean="0"/>
+              <a:t>Strong UI development tools which ease the development/designing of the UI code</a:t>
+            </a:r>
+          </a:p>
+          <a:p>
+            <a:pPr marL="171450" indent="-171450">
+              <a:buFont typeface="Arial" panose="020B0604020202020204" pitchFamily="34" charset="0"/>
+              <a:buChar char="•"/>
+            </a:pPr>
+            <a:r>
+              <a:rPr lang="en-US" baseline="0" dirty="0" smtClean="0"/>
+              <a:t>Encryption is done with an external library, not included in the metrics</a:t>
+            </a:r>
+          </a:p>
+          <a:p>
+            <a:pPr marL="171450" indent="-171450">
+              <a:buFont typeface="Arial" panose="020B0604020202020204" pitchFamily="34" charset="0"/>
+              <a:buChar char="•"/>
+            </a:pPr>
+            <a:r>
+              <a:rPr lang="en-US" baseline="0" dirty="0" smtClean="0"/>
+              <a:t>Rather small application and not necessarily representative</a:t>
+            </a:r>
+            <a:endParaRPr lang="en-US" dirty="0"/>
+          </a:p>
+        </p:txBody>
+      </p:sp>
+      <p:sp>
+        <p:nvSpPr>
+          <p:cNvPr id="4" name="Slide Number Placeholder 3"/>
+          <p:cNvSpPr>
+            <a:spLocks noGrp="1"/>
+          </p:cNvSpPr>
+          <p:nvPr>
+            <p:ph type="sldNum" sz="quarter" idx="10"/>
+          </p:nvPr>
+        </p:nvSpPr>
+        <p:spPr/>
+        <p:txBody>
+          <a:bodyPr/>
+          <a:lstStyle/>
+          <a:p>
+            <a:fld id="{04E102C5-3B9C-48EE-BFF0-2E7AF2F2A1F4}" type="slidenum">
+              <a:rPr lang="en-US" smtClean="0"/>
+              <a:pPr/>
+              <a:t>24</a:t>
+            </a:fld>
+            <a:endParaRPr lang="en-US" dirty="0"/>
+          </a:p>
+        </p:txBody>
+      </p:sp>
+    </p:spTree>
+    <p:extLst>
+      <p:ext uri="{BB962C8B-B14F-4D97-AF65-F5344CB8AC3E}">
+        <p14:creationId xmlns:p14="http://schemas.microsoft.com/office/powerpoint/2010/main" val="2173272146"/>
+      </p:ext>
+    </p:extLst>
+  </p:cSld>
+  <p:clrMapOvr>
+    <a:masterClrMapping/>
+  </p:clrMapOvr>
+</p:notes>
+</file>
+
+<file path=ppt/notesSlides/notesSlide3.xml><?xml version="1.0" encoding="utf-8"?>
 <p:notes xmlns:a="http://schemas.openxmlformats.org/drawingml/2006/main" xmlns:r="http://schemas.openxmlformats.org/officeDocument/2006/relationships" xmlns:p="http://schemas.openxmlformats.org/presentationml/2006/main">
   <p:cSld>
     <p:spTree>
@@ -9126,56 +9266,6 @@
           </a:p>
         </p:txBody>
       </p:sp>
-      <p:pic>
-        <p:nvPicPr>
-          <p:cNvPr id="13" name="Picture 4" descr="http://www.digi-news.ch/schulen/20100624/uploads/apple_logo2.jpg"/>
-          <p:cNvPicPr>
-            <a:picLocks noChangeAspect="1" noChangeArrowheads="1"/>
-          </p:cNvPicPr>
-          <p:nvPr/>
-        </p:nvPicPr>
-        <p:blipFill rotWithShape="1">
-          <a:blip r:embed="rId2" cstate="print">
-            <a:extLst>
-              <a:ext uri="{BEBA8EAE-BF5A-486C-A8C5-ECC9F3942E4B}">
-                <a14:imgProps xmlns:a14="http://schemas.microsoft.com/office/drawing/2010/main">
-                  <a14:imgLayer r:embed="rId3">
-                    <a14:imgEffect>
-                      <a14:backgroundRemoval t="0" b="100000" l="10000" r="90000">
-                        <a14:foregroundMark x1="56444" y1="12162" x2="56444" y2="12162"/>
-                      </a14:backgroundRemoval>
-                    </a14:imgEffect>
-                  </a14:imgLayer>
-                </a14:imgProps>
-              </a:ext>
-              <a:ext uri="{28A0092B-C50C-407E-A947-70E740481C1C}">
-                <a14:useLocalDpi xmlns:a14="http://schemas.microsoft.com/office/drawing/2010/main" val="0"/>
-              </a:ext>
-            </a:extLst>
-          </a:blip>
-          <a:srcRect l="9636" r="15609"/>
-          <a:stretch/>
-        </p:blipFill>
-        <p:spPr bwMode="auto">
-          <a:xfrm>
-            <a:off x="8379457" y="5871876"/>
-            <a:ext cx="654610" cy="720000"/>
-          </a:xfrm>
-          <a:prstGeom prst="rect">
-            <a:avLst/>
-          </a:prstGeom>
-          <a:noFill/>
-          <a:extLst>
-            <a:ext uri="{909E8E84-426E-40DD-AFC4-6F175D3DCCD1}">
-              <a14:hiddenFill xmlns:a14="http://schemas.microsoft.com/office/drawing/2010/main">
-                <a:solidFill>
-                  <a:srgbClr val="FFFFFF"/>
-                </a:solidFill>
-              </a14:hiddenFill>
-            </a:ext>
-          </a:extLst>
-        </p:spPr>
-      </p:pic>
       <p:sp>
         <p:nvSpPr>
           <p:cNvPr id="14" name="Rounded Rectangle 13"/>
@@ -9378,11 +9468,11 @@
           <p:nvPr/>
         </p:nvPicPr>
         <p:blipFill rotWithShape="1">
-          <a:blip r:embed="rId4" cstate="print">
+          <a:blip r:embed="rId2" cstate="print">
             <a:extLst>
               <a:ext uri="{BEBA8EAE-BF5A-486C-A8C5-ECC9F3942E4B}">
                 <a14:imgProps xmlns:a14="http://schemas.microsoft.com/office/drawing/2010/main">
-                  <a14:imgLayer r:embed="rId5">
+                  <a14:imgLayer r:embed="rId3">
                     <a14:imgEffect>
                       <a14:backgroundRemoval t="0" b="100000" l="10000" r="90000">
                         <a14:foregroundMark x1="56444" y1="12162" x2="56444" y2="12162"/>
@@ -9428,7 +9518,7 @@
           <p:nvPr/>
         </p:nvPicPr>
         <p:blipFill>
-          <a:blip r:embed="rId6">
+          <a:blip r:embed="rId4">
             <a:extLst>
               <a:ext uri="{28A0092B-C50C-407E-A947-70E740481C1C}">
                 <a14:useLocalDpi xmlns:a14="http://schemas.microsoft.com/office/drawing/2010/main" val="0"/>
@@ -9469,7 +9559,7 @@
           <p:nvPr/>
         </p:nvPicPr>
         <p:blipFill>
-          <a:blip r:embed="rId6">
+          <a:blip r:embed="rId4">
             <a:extLst>
               <a:ext uri="{28A0092B-C50C-407E-A947-70E740481C1C}">
                 <a14:useLocalDpi xmlns:a14="http://schemas.microsoft.com/office/drawing/2010/main" val="0"/>
@@ -16412,17 +16502,8 @@
               <a:rPr lang="en-US" sz="2400" dirty="0" smtClean="0">
                 <a:latin typeface="+mn-lt"/>
               </a:rPr>
-              <a:t>:		</a:t>
-            </a:r>
-            <a:r>
-              <a:rPr lang="en-US" sz="2400" dirty="0" smtClean="0">
-                <a:latin typeface="+mn-lt"/>
-              </a:rPr>
-              <a:t>  27</a:t>
-            </a:r>
-            <a:endParaRPr lang="en-US" sz="2400" dirty="0" smtClean="0">
-              <a:latin typeface="+mn-lt"/>
-            </a:endParaRPr>
+              <a:t>:		  27</a:t>
+            </a:r>
           </a:p>
           <a:p>
             <a:pPr lvl="2"/>
@@ -16633,7 +16714,7 @@
           </p:nvPr>
         </p:nvPicPr>
         <p:blipFill>
-          <a:blip r:embed="rId3" cstate="print">
+          <a:blip r:embed="rId4" cstate="print">
             <a:extLst>
               <a:ext uri="{28A0092B-C50C-407E-A947-70E740481C1C}">
                 <a14:useLocalDpi xmlns:a14="http://schemas.microsoft.com/office/drawing/2010/main" val="0"/>
@@ -16683,7 +16764,7 @@
         </p:xfrm>
         <a:graphic>
           <a:graphicData uri="http://schemas.openxmlformats.org/drawingml/2006/chart">
-            <c:chart xmlns:c="http://schemas.openxmlformats.org/drawingml/2006/chart" xmlns:r="http://schemas.openxmlformats.org/officeDocument/2006/relationships" r:id="rId4"/>
+            <c:chart xmlns:c="http://schemas.openxmlformats.org/drawingml/2006/chart" xmlns:r="http://schemas.openxmlformats.org/officeDocument/2006/relationships" r:id="rId5"/>
           </a:graphicData>
         </a:graphic>
       </p:graphicFrame>
@@ -20701,8 +20782,8 @@
         </p:nvSpPr>
         <p:spPr bwMode="auto">
           <a:xfrm>
-            <a:off x="5284890" y="2250801"/>
-            <a:ext cx="2922850" cy="3635214"/>
+            <a:off x="5284890" y="1718064"/>
+            <a:ext cx="2922850" cy="4167951"/>
           </a:xfrm>
           <a:prstGeom prst="rect">
             <a:avLst/>
@@ -20920,6 +21001,27 @@
             <a:extLst/>
           </a:lstStyle>
           <a:p>
+            <a:pPr marL="0" indent="0" eaLnBrk="1" hangingPunct="1">
+              <a:lnSpc>
+                <a:spcPct val="98000"/>
+              </a:lnSpc>
+              <a:spcBef>
+                <a:spcPts val="1320"/>
+              </a:spcBef>
+              <a:buClr>
+                <a:srgbClr val="808080"/>
+              </a:buClr>
+              <a:buSzPct val="75000"/>
+              <a:buNone/>
+            </a:pPr>
+            <a:r>
+              <a:rPr lang="en-US" sz="2200" dirty="0" smtClean="0">
+                <a:latin typeface="+mj-lt"/>
+              </a:rPr>
+              <a:t>Native advantages</a:t>
+            </a:r>
+          </a:p>
+          <a:p>
             <a:pPr marL="265113" lvl="1" indent="-265113" eaLnBrk="1" hangingPunct="1">
               <a:lnSpc>
                 <a:spcPct val="98000"/>
@@ -20938,7 +21040,13 @@
               <a:rPr lang="en-US" sz="2200" dirty="0" smtClean="0">
                 <a:latin typeface="AA Zuehlke" pitchFamily="2" charset="0"/>
               </a:rPr>
-              <a:t>Interaction elements</a:t>
+              <a:t>Interaction </a:t>
+            </a:r>
+            <a:r>
+              <a:rPr lang="en-US" sz="2200" dirty="0" smtClean="0">
+                <a:latin typeface="AA Zuehlke" pitchFamily="2" charset="0"/>
+              </a:rPr>
+              <a:t>elements</a:t>
             </a:r>
           </a:p>
           <a:p>
@@ -20960,29 +21068,13 @@
               <a:rPr lang="en-US" sz="2200" dirty="0" smtClean="0">
                 <a:latin typeface="AA Zuehlke" pitchFamily="2" charset="0"/>
               </a:rPr>
-              <a:t>Deployment, updates</a:t>
-            </a:r>
-          </a:p>
-          <a:p>
-            <a:pPr marL="265113" lvl="1" indent="-265113" eaLnBrk="1" hangingPunct="1">
-              <a:lnSpc>
-                <a:spcPct val="98000"/>
-              </a:lnSpc>
-              <a:spcBef>
-                <a:spcPts val="1320"/>
-              </a:spcBef>
-              <a:buClr>
-                <a:srgbClr val="808080"/>
-              </a:buClr>
-              <a:buSzPct val="75000"/>
-              <a:buFont typeface="AA Zuehlke" pitchFamily="2" charset="0"/>
-              <a:buChar char="•"/>
-            </a:pPr>
+              <a:t>Offline </a:t>
+            </a:r>
             <a:r>
               <a:rPr lang="en-US" sz="2200" dirty="0" smtClean="0">
                 <a:latin typeface="AA Zuehlke" pitchFamily="2" charset="0"/>
               </a:rPr>
-              <a:t>Offline capability</a:t>
+              <a:t>capability</a:t>
             </a:r>
             <a:br>
               <a:rPr lang="en-US" sz="2200" dirty="0" smtClean="0">

--- a/docs/13-09-26 Cross-platform mobile development with C#.pptx
+++ b/docs/13-09-26 Cross-platform mobile development with C#.pptx
@@ -45,21 +45,21 @@
   <p:notesSz cx="6858000" cy="9144000"/>
   <p:embeddedFontLst>
     <p:embeddedFont>
-      <p:font typeface="AA Zuehlke" panose="02000503060000020004" pitchFamily="2" charset="0"/>
+      <p:font typeface="Webdings" panose="05030102010509060703" pitchFamily="18" charset="2"/>
       <p:regular r:id="rId33"/>
-      <p:bold r:id="rId34"/>
     </p:embeddedFont>
     <p:embeddedFont>
-      <p:font typeface="Webdings" panose="05030102010509060703" pitchFamily="18" charset="2"/>
+      <p:font typeface="Wingdings 3" panose="05040102010807070707" pitchFamily="18" charset="2"/>
+      <p:regular r:id="rId34"/>
+    </p:embeddedFont>
+    <p:embeddedFont>
+      <p:font typeface="AA Zuehlke Medium" panose="02000603060000020004" pitchFamily="2" charset="0"/>
       <p:regular r:id="rId35"/>
     </p:embeddedFont>
     <p:embeddedFont>
-      <p:font typeface="AA Zuehlke Medium" panose="02000603060000020004" pitchFamily="2" charset="0"/>
+      <p:font typeface="AA Zuehlke" panose="02000503060000020004" pitchFamily="2" charset="0"/>
       <p:regular r:id="rId36"/>
-    </p:embeddedFont>
-    <p:embeddedFont>
-      <p:font typeface="Wingdings 3" panose="05040102010807070707" pitchFamily="18" charset="2"/>
-      <p:regular r:id="rId37"/>
+      <p:bold r:id="rId37"/>
     </p:embeddedFont>
   </p:embeddedFontLst>
   <p:custDataLst>
@@ -597,7 +597,7 @@
             <c:numRef>
               <c:f>Sheet1!$C$2:$C$3</c:f>
               <c:numCache>
-                <c:formatCode>0.0%</c:formatCode>
+                <c:formatCode>0%</c:formatCode>
                 <c:ptCount val="2"/>
                 <c:pt idx="0">
                   <c:v>0.50468384074941453</c:v>
@@ -1244,11 +1244,7 @@
             </a:pPr>
             <a:r>
               <a:rPr lang="en-US" dirty="0" smtClean="0"/>
-              <a:t>Train </a:t>
-            </a:r>
-            <a:r>
-              <a:rPr lang="en-US" dirty="0" smtClean="0"/>
-              <a:t>schedule</a:t>
+              <a:t>Train schedule</a:t>
             </a:r>
           </a:p>
           <a:p>
@@ -1384,7 +1380,21 @@
             </a:pPr>
             <a:r>
               <a:rPr lang="en-US" baseline="0" dirty="0" smtClean="0"/>
-              <a:t>Rather small application and not necessarily representative</a:t>
+              <a:t>Rather small application and not necessarily </a:t>
+            </a:r>
+            <a:r>
+              <a:rPr lang="en-US" baseline="0" dirty="0" smtClean="0"/>
+              <a:t>representative</a:t>
+            </a:r>
+          </a:p>
+          <a:p>
+            <a:pPr marL="171450" indent="-171450">
+              <a:buFont typeface="Arial" panose="020B0604020202020204" pitchFamily="34" charset="0"/>
+              <a:buChar char="•"/>
+            </a:pPr>
+            <a:r>
+              <a:rPr lang="en-US" baseline="0" dirty="0" smtClean="0"/>
+              <a:t>XING app: 39% reuse which result in 66% effort reduction (estimation)</a:t>
             </a:r>
             <a:endParaRPr lang="en-US" dirty="0"/>
           </a:p>
@@ -8688,7 +8698,15 @@
             </a:r>
             <a:r>
               <a:rPr lang="en-US" sz="2400" dirty="0" smtClean="0"/>
-              <a:t>:	REST service (hosted on Azure)</a:t>
+              <a:t>:	</a:t>
+            </a:r>
+            <a:r>
+              <a:rPr lang="en-US" sz="2400" dirty="0" smtClean="0"/>
+              <a:t>REST </a:t>
+            </a:r>
+            <a:r>
+              <a:rPr lang="en-US" sz="2400" dirty="0" smtClean="0"/>
+              <a:t>service (hosted on Azure)</a:t>
             </a:r>
           </a:p>
         </p:txBody>
@@ -16526,7 +16544,15 @@
           <a:p>
             <a:r>
               <a:rPr lang="en-US" sz="2800" dirty="0" smtClean="0"/>
-              <a:t>49.5 % of code (</a:t>
+              <a:t>~50</a:t>
+            </a:r>
+            <a:r>
+              <a:rPr lang="en-US" sz="2800" dirty="0" smtClean="0"/>
+              <a:t> </a:t>
+            </a:r>
+            <a:r>
+              <a:rPr lang="en-US" sz="2800" dirty="0" smtClean="0"/>
+              <a:t>% of code (</a:t>
             </a:r>
             <a:r>
               <a:rPr lang="en-US" sz="2800" dirty="0" err="1" smtClean="0"/>
@@ -16534,7 +16560,20 @@
             </a:r>
             <a:r>
               <a:rPr lang="en-US" sz="2800" dirty="0" smtClean="0"/>
-              <a:t>) is shared</a:t>
+              <a:t>) is </a:t>
+            </a:r>
+            <a:r>
+              <a:rPr lang="en-US" sz="2800" dirty="0" smtClean="0"/>
+              <a:t>shared</a:t>
+            </a:r>
+          </a:p>
+          <a:p>
+            <a:pPr lvl="1"/>
+            <a:r>
+              <a:rPr lang="en-US" sz="2400" dirty="0" smtClean="0">
+                <a:sym typeface="Wingdings" panose="05000000000000000000" pitchFamily="2" charset="2"/>
+              </a:rPr>
+              <a:t>Effort saving is even more significant!</a:t>
             </a:r>
             <a:endParaRPr lang="en-US" sz="2400" dirty="0" smtClean="0">
               <a:sym typeface="Wingdings" panose="05000000000000000000" pitchFamily="2" charset="2"/>
@@ -16753,7 +16792,7 @@
           <p:nvPr>
             <p:extLst>
               <p:ext uri="{D42A27DB-BD31-4B8C-83A1-F6EECF244321}">
-                <p14:modId xmlns:p14="http://schemas.microsoft.com/office/powerpoint/2010/main" val="2356546347"/>
+                <p14:modId xmlns:p14="http://schemas.microsoft.com/office/powerpoint/2010/main" val="3457574362"/>
               </p:ext>
             </p:extLst>
           </p:nvPr>
@@ -17074,6 +17113,49 @@
                                           <p:spTgt spid="2">
                                             <p:txEl>
                                               <p:pRg st="7" end="7"/>
+                                            </p:txEl>
+                                          </p:spTgt>
+                                        </p:tgtEl>
+                                      </p:cBhvr>
+                                    </p:animEffect>
+                                  </p:childTnLst>
+                                </p:cTn>
+                              </p:par>
+                              <p:par>
+                                <p:cTn id="26" presetID="10" presetClass="entr" presetSubtype="0" fill="hold" nodeType="withEffect">
+                                  <p:stCondLst>
+                                    <p:cond delay="0"/>
+                                  </p:stCondLst>
+                                  <p:childTnLst>
+                                    <p:set>
+                                      <p:cBhvr>
+                                        <p:cTn id="27" dur="1" fill="hold">
+                                          <p:stCondLst>
+                                            <p:cond delay="0"/>
+                                          </p:stCondLst>
+                                        </p:cTn>
+                                        <p:tgtEl>
+                                          <p:spTgt spid="2">
+                                            <p:txEl>
+                                              <p:pRg st="8" end="8"/>
+                                            </p:txEl>
+                                          </p:spTgt>
+                                        </p:tgtEl>
+                                        <p:attrNameLst>
+                                          <p:attrName>style.visibility</p:attrName>
+                                        </p:attrNameLst>
+                                      </p:cBhvr>
+                                      <p:to>
+                                        <p:strVal val="visible"/>
+                                      </p:to>
+                                    </p:set>
+                                    <p:animEffect transition="in" filter="fade">
+                                      <p:cBhvr>
+                                        <p:cTn id="28" dur="500"/>
+                                        <p:tgtEl>
+                                          <p:spTgt spid="2">
+                                            <p:txEl>
+                                              <p:pRg st="8" end="8"/>
                                             </p:txEl>
                                           </p:spTgt>
                                         </p:tgtEl>
@@ -21040,13 +21122,7 @@
               <a:rPr lang="en-US" sz="2200" dirty="0" smtClean="0">
                 <a:latin typeface="AA Zuehlke" pitchFamily="2" charset="0"/>
               </a:rPr>
-              <a:t>Interaction </a:t>
-            </a:r>
-            <a:r>
-              <a:rPr lang="en-US" sz="2200" dirty="0" smtClean="0">
-                <a:latin typeface="AA Zuehlke" pitchFamily="2" charset="0"/>
-              </a:rPr>
-              <a:t>elements</a:t>
+              <a:t>Interaction elements</a:t>
             </a:r>
           </a:p>
           <a:p>
@@ -21068,13 +21144,7 @@
               <a:rPr lang="en-US" sz="2200" dirty="0" smtClean="0">
                 <a:latin typeface="AA Zuehlke" pitchFamily="2" charset="0"/>
               </a:rPr>
-              <a:t>Offline </a:t>
-            </a:r>
-            <a:r>
-              <a:rPr lang="en-US" sz="2200" dirty="0" smtClean="0">
-                <a:latin typeface="AA Zuehlke" pitchFamily="2" charset="0"/>
-              </a:rPr>
-              <a:t>capability</a:t>
+              <a:t>Offline capability</a:t>
             </a:r>
             <a:br>
               <a:rPr lang="en-US" sz="2200" dirty="0" smtClean="0">

--- a/docs/13-09-26 Cross-platform mobile development with C#.pptx
+++ b/docs/13-09-26 Cross-platform mobile development with C#.pptx
@@ -45,15 +45,15 @@
   <p:notesSz cx="6858000" cy="9144000"/>
   <p:embeddedFontLst>
     <p:embeddedFont>
-      <p:font typeface="Webdings" panose="05030102010509060703" pitchFamily="18" charset="2"/>
+      <p:font typeface="AA Zuehlke Medium" panose="02000603060000020004" pitchFamily="2" charset="0"/>
       <p:regular r:id="rId33"/>
     </p:embeddedFont>
     <p:embeddedFont>
-      <p:font typeface="Wingdings 3" panose="05040102010807070707" pitchFamily="18" charset="2"/>
+      <p:font typeface="Webdings" panose="05030102010509060703" pitchFamily="18" charset="2"/>
       <p:regular r:id="rId34"/>
     </p:embeddedFont>
     <p:embeddedFont>
-      <p:font typeface="AA Zuehlke Medium" panose="02000603060000020004" pitchFamily="2" charset="0"/>
+      <p:font typeface="Wingdings 3" panose="05040102010807070707" pitchFamily="18" charset="2"/>
       <p:regular r:id="rId35"/>
     </p:embeddedFont>
     <p:embeddedFont>
@@ -622,7 +622,6 @@
     </c:plotArea>
     <c:legend>
       <c:legendPos val="t"/>
-      <c:layout/>
       <c:overlay val="0"/>
     </c:legend>
     <c:plotVisOnly val="1"/>
@@ -731,7 +730,7 @@
               <a:rPr lang="de-DE" smtClean="0">
                 <a:latin typeface="AA Zuehlke" pitchFamily="2" charset="0"/>
               </a:rPr>
-              <a:t>22.09.2013</a:t>
+              <a:t>23.09.2013</a:t>
             </a:fld>
             <a:endParaRPr lang="de-DE">
               <a:latin typeface="AA Zuehlke" pitchFamily="2" charset="0"/>
@@ -909,7 +908,7 @@
             <a:fld id="{A6966AE6-B72D-4967-9CA3-8469D2863705}" type="datetimeFigureOut">
               <a:rPr lang="en-US" smtClean="0"/>
               <a:pPr/>
-              <a:t>9/22/2013</a:t>
+              <a:t>9/23/2013</a:t>
             </a:fld>
             <a:endParaRPr lang="en-US" dirty="0"/>
           </a:p>
@@ -1380,11 +1379,7 @@
             </a:pPr>
             <a:r>
               <a:rPr lang="en-US" baseline="0" dirty="0" smtClean="0"/>
-              <a:t>Rather small application and not necessarily </a:t>
-            </a:r>
-            <a:r>
-              <a:rPr lang="en-US" baseline="0" dirty="0" smtClean="0"/>
-              <a:t>representative</a:t>
+              <a:t>Rather small application and not necessarily representative</a:t>
             </a:r>
           </a:p>
           <a:p>
@@ -8698,15 +8693,7 @@
             </a:r>
             <a:r>
               <a:rPr lang="en-US" sz="2400" dirty="0" smtClean="0"/>
-              <a:t>:	</a:t>
-            </a:r>
-            <a:r>
-              <a:rPr lang="en-US" sz="2400" dirty="0" smtClean="0"/>
-              <a:t>REST </a:t>
-            </a:r>
-            <a:r>
-              <a:rPr lang="en-US" sz="2400" dirty="0" smtClean="0"/>
-              <a:t>service (hosted on Azure)</a:t>
+              <a:t>:	REST service (hosted on Azure)</a:t>
             </a:r>
           </a:p>
         </p:txBody>
@@ -16544,15 +16531,7 @@
           <a:p>
             <a:r>
               <a:rPr lang="en-US" sz="2800" dirty="0" smtClean="0"/>
-              <a:t>~50</a:t>
-            </a:r>
-            <a:r>
-              <a:rPr lang="en-US" sz="2800" dirty="0" smtClean="0"/>
-              <a:t> </a:t>
-            </a:r>
-            <a:r>
-              <a:rPr lang="en-US" sz="2800" dirty="0" smtClean="0"/>
-              <a:t>% of code (</a:t>
+              <a:t>~50 % of code (</a:t>
             </a:r>
             <a:r>
               <a:rPr lang="en-US" sz="2800" dirty="0" err="1" smtClean="0"/>
@@ -16560,11 +16539,7 @@
             </a:r>
             <a:r>
               <a:rPr lang="en-US" sz="2800" dirty="0" smtClean="0"/>
-              <a:t>) is </a:t>
-            </a:r>
-            <a:r>
-              <a:rPr lang="en-US" sz="2800" dirty="0" smtClean="0"/>
-              <a:t>shared</a:t>
+              <a:t>) is shared</a:t>
             </a:r>
           </a:p>
           <a:p>
@@ -16575,9 +16550,6 @@
               </a:rPr>
               <a:t>Effort saving is even more significant!</a:t>
             </a:r>
-            <a:endParaRPr lang="en-US" sz="2400" dirty="0" smtClean="0">
-              <a:sym typeface="Wingdings" panose="05000000000000000000" pitchFamily="2" charset="2"/>
-            </a:endParaRPr>
           </a:p>
         </p:txBody>
       </p:sp>
@@ -22227,56 +22199,6 @@
       </p:grpSpPr>
       <p:sp>
         <p:nvSpPr>
-          <p:cNvPr id="33" name="Rounded Rectangle 32"/>
-          <p:cNvSpPr/>
-          <p:nvPr/>
-        </p:nvSpPr>
-        <p:spPr>
-          <a:xfrm>
-            <a:off x="3809244" y="1748139"/>
-            <a:ext cx="1440000" cy="2943450"/>
-          </a:xfrm>
-          <a:prstGeom prst="roundRect">
-            <a:avLst/>
-          </a:prstGeom>
-          <a:noFill/>
-          <a:ln w="38100" cmpd="sng">
-            <a:solidFill>
-              <a:schemeClr val="accent1"/>
-            </a:solidFill>
-          </a:ln>
-        </p:spPr>
-        <p:style>
-          <a:lnRef idx="2">
-            <a:schemeClr val="accent1">
-              <a:shade val="50000"/>
-            </a:schemeClr>
-          </a:lnRef>
-          <a:fillRef idx="1">
-            <a:schemeClr val="accent1"/>
-          </a:fillRef>
-          <a:effectRef idx="0">
-            <a:schemeClr val="accent1"/>
-          </a:effectRef>
-          <a:fontRef idx="minor">
-            <a:schemeClr val="lt1"/>
-          </a:fontRef>
-        </p:style>
-        <p:txBody>
-          <a:bodyPr rtlCol="0" anchor="t"/>
-          <a:lstStyle/>
-          <a:p>
-            <a:pPr algn="ctr"/>
-            <a:endParaRPr lang="en-US" dirty="0">
-              <a:solidFill>
-                <a:schemeClr val="tx1"/>
-              </a:solidFill>
-            </a:endParaRPr>
-          </a:p>
-        </p:txBody>
-      </p:sp>
-      <p:sp>
-        <p:nvSpPr>
           <p:cNvPr id="40" name="Rounded Rectangle 39"/>
           <p:cNvSpPr/>
           <p:nvPr/>
@@ -22420,6 +22342,431 @@
             <a:endParaRPr lang="en-US" dirty="0">
               <a:solidFill>
                 <a:srgbClr val="000000"/>
+              </a:solidFill>
+            </a:endParaRPr>
+          </a:p>
+        </p:txBody>
+      </p:sp>
+      <p:sp>
+        <p:nvSpPr>
+          <p:cNvPr id="43" name="Rounded Rectangle 42"/>
+          <p:cNvSpPr/>
+          <p:nvPr/>
+        </p:nvSpPr>
+        <p:spPr>
+          <a:xfrm>
+            <a:off x="1427874" y="2941857"/>
+            <a:ext cx="1296000" cy="354503"/>
+          </a:xfrm>
+          <a:prstGeom prst="roundRect">
+            <a:avLst/>
+          </a:prstGeom>
+          <a:gradFill flip="none" rotWithShape="1">
+            <a:gsLst>
+              <a:gs pos="0">
+                <a:schemeClr val="accent2">
+                  <a:shade val="30000"/>
+                  <a:satMod val="115000"/>
+                </a:schemeClr>
+              </a:gs>
+              <a:gs pos="50000">
+                <a:schemeClr val="accent2">
+                  <a:shade val="67500"/>
+                  <a:satMod val="115000"/>
+                </a:schemeClr>
+              </a:gs>
+              <a:gs pos="100000">
+                <a:schemeClr val="accent2">
+                  <a:shade val="100000"/>
+                  <a:satMod val="115000"/>
+                </a:schemeClr>
+              </a:gs>
+            </a:gsLst>
+            <a:lin ang="16200000" scaled="1"/>
+            <a:tileRect/>
+          </a:gradFill>
+          <a:ln/>
+        </p:spPr>
+        <p:style>
+          <a:lnRef idx="0">
+            <a:schemeClr val="accent2"/>
+          </a:lnRef>
+          <a:fillRef idx="3">
+            <a:schemeClr val="accent2"/>
+          </a:fillRef>
+          <a:effectRef idx="3">
+            <a:schemeClr val="accent2"/>
+          </a:effectRef>
+          <a:fontRef idx="minor">
+            <a:schemeClr val="lt1"/>
+          </a:fontRef>
+        </p:style>
+        <p:txBody>
+          <a:bodyPr rtlCol="0" anchor="ctr"/>
+          <a:lstStyle/>
+          <a:p>
+            <a:pPr algn="ctr"/>
+            <a:r>
+              <a:rPr lang="en-US" dirty="0" err="1" smtClean="0">
+                <a:solidFill>
+                  <a:srgbClr val="000000"/>
+                </a:solidFill>
+              </a:rPr>
+              <a:t>ViewModel</a:t>
+            </a:r>
+            <a:endParaRPr lang="en-US" dirty="0">
+              <a:solidFill>
+                <a:srgbClr val="000000"/>
+              </a:solidFill>
+            </a:endParaRPr>
+          </a:p>
+        </p:txBody>
+      </p:sp>
+      <p:sp>
+        <p:nvSpPr>
+          <p:cNvPr id="51" name="Rounded Rectangle 50"/>
+          <p:cNvSpPr/>
+          <p:nvPr/>
+        </p:nvSpPr>
+        <p:spPr>
+          <a:xfrm>
+            <a:off x="6342314" y="2941857"/>
+            <a:ext cx="1296000" cy="354503"/>
+          </a:xfrm>
+          <a:prstGeom prst="roundRect">
+            <a:avLst/>
+          </a:prstGeom>
+          <a:gradFill flip="none" rotWithShape="1">
+            <a:gsLst>
+              <a:gs pos="0">
+                <a:schemeClr val="accent2">
+                  <a:shade val="30000"/>
+                  <a:satMod val="115000"/>
+                </a:schemeClr>
+              </a:gs>
+              <a:gs pos="50000">
+                <a:schemeClr val="accent2">
+                  <a:shade val="67500"/>
+                  <a:satMod val="115000"/>
+                </a:schemeClr>
+              </a:gs>
+              <a:gs pos="100000">
+                <a:schemeClr val="accent2">
+                  <a:shade val="100000"/>
+                  <a:satMod val="115000"/>
+                </a:schemeClr>
+              </a:gs>
+            </a:gsLst>
+            <a:lin ang="16200000" scaled="1"/>
+            <a:tileRect/>
+          </a:gradFill>
+          <a:ln/>
+        </p:spPr>
+        <p:style>
+          <a:lnRef idx="0">
+            <a:schemeClr val="accent2"/>
+          </a:lnRef>
+          <a:fillRef idx="3">
+            <a:schemeClr val="accent2"/>
+          </a:fillRef>
+          <a:effectRef idx="3">
+            <a:schemeClr val="accent2"/>
+          </a:effectRef>
+          <a:fontRef idx="minor">
+            <a:schemeClr val="lt1"/>
+          </a:fontRef>
+        </p:style>
+        <p:txBody>
+          <a:bodyPr rtlCol="0" anchor="ctr"/>
+          <a:lstStyle/>
+          <a:p>
+            <a:pPr algn="ctr"/>
+            <a:r>
+              <a:rPr lang="en-US" dirty="0" err="1" smtClean="0">
+                <a:solidFill>
+                  <a:srgbClr val="000000"/>
+                </a:solidFill>
+              </a:rPr>
+              <a:t>ViewModel</a:t>
+            </a:r>
+            <a:endParaRPr lang="en-US" dirty="0">
+              <a:solidFill>
+                <a:srgbClr val="000000"/>
+              </a:solidFill>
+            </a:endParaRPr>
+          </a:p>
+        </p:txBody>
+      </p:sp>
+      <p:sp>
+        <p:nvSpPr>
+          <p:cNvPr id="42" name="Rounded Rectangle 41"/>
+          <p:cNvSpPr/>
+          <p:nvPr/>
+        </p:nvSpPr>
+        <p:spPr>
+          <a:xfrm>
+            <a:off x="1427874" y="2547602"/>
+            <a:ext cx="1296000" cy="354503"/>
+          </a:xfrm>
+          <a:prstGeom prst="roundRect">
+            <a:avLst/>
+          </a:prstGeom>
+          <a:gradFill flip="none" rotWithShape="1">
+            <a:gsLst>
+              <a:gs pos="0">
+                <a:schemeClr val="accent2">
+                  <a:shade val="30000"/>
+                  <a:satMod val="115000"/>
+                </a:schemeClr>
+              </a:gs>
+              <a:gs pos="50000">
+                <a:schemeClr val="accent2">
+                  <a:shade val="67500"/>
+                  <a:satMod val="115000"/>
+                </a:schemeClr>
+              </a:gs>
+              <a:gs pos="100000">
+                <a:schemeClr val="accent2">
+                  <a:shade val="100000"/>
+                  <a:satMod val="115000"/>
+                </a:schemeClr>
+              </a:gs>
+            </a:gsLst>
+            <a:lin ang="16200000" scaled="1"/>
+            <a:tileRect/>
+          </a:gradFill>
+          <a:ln/>
+        </p:spPr>
+        <p:style>
+          <a:lnRef idx="0">
+            <a:schemeClr val="accent2"/>
+          </a:lnRef>
+          <a:fillRef idx="3">
+            <a:schemeClr val="accent2"/>
+          </a:fillRef>
+          <a:effectRef idx="3">
+            <a:schemeClr val="accent2"/>
+          </a:effectRef>
+          <a:fontRef idx="minor">
+            <a:schemeClr val="lt1"/>
+          </a:fontRef>
+        </p:style>
+        <p:txBody>
+          <a:bodyPr rtlCol="0" anchor="ctr"/>
+          <a:lstStyle/>
+          <a:p>
+            <a:pPr algn="ctr"/>
+            <a:r>
+              <a:rPr lang="en-US" dirty="0" smtClean="0">
+                <a:solidFill>
+                  <a:srgbClr val="000000"/>
+                </a:solidFill>
+              </a:rPr>
+              <a:t>View</a:t>
+            </a:r>
+            <a:endParaRPr lang="en-US" dirty="0">
+              <a:solidFill>
+                <a:srgbClr val="000000"/>
+              </a:solidFill>
+            </a:endParaRPr>
+          </a:p>
+        </p:txBody>
+      </p:sp>
+      <p:sp>
+        <p:nvSpPr>
+          <p:cNvPr id="50" name="Rounded Rectangle 49"/>
+          <p:cNvSpPr/>
+          <p:nvPr/>
+        </p:nvSpPr>
+        <p:spPr>
+          <a:xfrm>
+            <a:off x="6342314" y="2547602"/>
+            <a:ext cx="1296000" cy="354503"/>
+          </a:xfrm>
+          <a:prstGeom prst="roundRect">
+            <a:avLst/>
+          </a:prstGeom>
+          <a:gradFill flip="none" rotWithShape="1">
+            <a:gsLst>
+              <a:gs pos="0">
+                <a:schemeClr val="accent2">
+                  <a:shade val="30000"/>
+                  <a:satMod val="115000"/>
+                </a:schemeClr>
+              </a:gs>
+              <a:gs pos="50000">
+                <a:schemeClr val="accent2">
+                  <a:shade val="67500"/>
+                  <a:satMod val="115000"/>
+                </a:schemeClr>
+              </a:gs>
+              <a:gs pos="100000">
+                <a:schemeClr val="accent2">
+                  <a:shade val="100000"/>
+                  <a:satMod val="115000"/>
+                </a:schemeClr>
+              </a:gs>
+            </a:gsLst>
+            <a:lin ang="16200000" scaled="1"/>
+            <a:tileRect/>
+          </a:gradFill>
+          <a:ln/>
+        </p:spPr>
+        <p:style>
+          <a:lnRef idx="0">
+            <a:schemeClr val="accent2"/>
+          </a:lnRef>
+          <a:fillRef idx="3">
+            <a:schemeClr val="accent2"/>
+          </a:fillRef>
+          <a:effectRef idx="3">
+            <a:schemeClr val="accent2"/>
+          </a:effectRef>
+          <a:fontRef idx="minor">
+            <a:schemeClr val="lt1"/>
+          </a:fontRef>
+        </p:style>
+        <p:txBody>
+          <a:bodyPr rtlCol="0" anchor="ctr"/>
+          <a:lstStyle/>
+          <a:p>
+            <a:pPr algn="ctr"/>
+            <a:r>
+              <a:rPr lang="en-US" dirty="0" smtClean="0">
+                <a:solidFill>
+                  <a:srgbClr val="000000"/>
+                </a:solidFill>
+              </a:rPr>
+              <a:t>View</a:t>
+            </a:r>
+            <a:endParaRPr lang="en-US" dirty="0">
+              <a:solidFill>
+                <a:srgbClr val="000000"/>
+              </a:solidFill>
+            </a:endParaRPr>
+          </a:p>
+        </p:txBody>
+      </p:sp>
+      <p:sp>
+        <p:nvSpPr>
+          <p:cNvPr id="34" name="Rounded Rectangle 33"/>
+          <p:cNvSpPr/>
+          <p:nvPr/>
+        </p:nvSpPr>
+        <p:spPr>
+          <a:xfrm>
+            <a:off x="3881244" y="2547602"/>
+            <a:ext cx="1296000" cy="354503"/>
+          </a:xfrm>
+          <a:prstGeom prst="roundRect">
+            <a:avLst/>
+          </a:prstGeom>
+          <a:gradFill flip="none" rotWithShape="1">
+            <a:gsLst>
+              <a:gs pos="0">
+                <a:schemeClr val="accent2">
+                  <a:shade val="30000"/>
+                  <a:satMod val="115000"/>
+                </a:schemeClr>
+              </a:gs>
+              <a:gs pos="50000">
+                <a:schemeClr val="accent2">
+                  <a:shade val="67500"/>
+                  <a:satMod val="115000"/>
+                </a:schemeClr>
+              </a:gs>
+              <a:gs pos="100000">
+                <a:schemeClr val="accent2">
+                  <a:shade val="100000"/>
+                  <a:satMod val="115000"/>
+                </a:schemeClr>
+              </a:gs>
+            </a:gsLst>
+            <a:lin ang="16200000" scaled="1"/>
+            <a:tileRect/>
+          </a:gradFill>
+          <a:ln/>
+        </p:spPr>
+        <p:style>
+          <a:lnRef idx="0">
+            <a:schemeClr val="accent2"/>
+          </a:lnRef>
+          <a:fillRef idx="3">
+            <a:schemeClr val="accent2"/>
+          </a:fillRef>
+          <a:effectRef idx="3">
+            <a:schemeClr val="accent2"/>
+          </a:effectRef>
+          <a:fontRef idx="minor">
+            <a:schemeClr val="lt1"/>
+          </a:fontRef>
+        </p:style>
+        <p:txBody>
+          <a:bodyPr rtlCol="0" anchor="ctr"/>
+          <a:lstStyle/>
+          <a:p>
+            <a:pPr algn="ctr"/>
+            <a:r>
+              <a:rPr lang="en-US" dirty="0" smtClean="0">
+                <a:solidFill>
+                  <a:srgbClr val="000000"/>
+                </a:solidFill>
+              </a:rPr>
+              <a:t>View</a:t>
+            </a:r>
+            <a:endParaRPr lang="en-US" dirty="0">
+              <a:solidFill>
+                <a:srgbClr val="000000"/>
+              </a:solidFill>
+            </a:endParaRPr>
+          </a:p>
+        </p:txBody>
+      </p:sp>
+      <p:sp>
+        <p:nvSpPr>
+          <p:cNvPr id="33" name="Rounded Rectangle 32"/>
+          <p:cNvSpPr/>
+          <p:nvPr/>
+        </p:nvSpPr>
+        <p:spPr>
+          <a:xfrm>
+            <a:off x="3809244" y="1748139"/>
+            <a:ext cx="1440000" cy="2943450"/>
+          </a:xfrm>
+          <a:prstGeom prst="roundRect">
+            <a:avLst/>
+          </a:prstGeom>
+          <a:noFill/>
+          <a:ln w="38100" cmpd="sng">
+            <a:solidFill>
+              <a:schemeClr val="accent1"/>
+            </a:solidFill>
+          </a:ln>
+        </p:spPr>
+        <p:style>
+          <a:lnRef idx="2">
+            <a:schemeClr val="accent1">
+              <a:shade val="50000"/>
+            </a:schemeClr>
+          </a:lnRef>
+          <a:fillRef idx="1">
+            <a:schemeClr val="accent1"/>
+          </a:fillRef>
+          <a:effectRef idx="0">
+            <a:schemeClr val="accent1"/>
+          </a:effectRef>
+          <a:fontRef idx="minor">
+            <a:schemeClr val="lt1"/>
+          </a:fontRef>
+        </p:style>
+        <p:txBody>
+          <a:bodyPr rtlCol="0" anchor="t"/>
+          <a:lstStyle/>
+          <a:p>
+            <a:pPr algn="ctr"/>
+            <a:endParaRPr lang="en-US" dirty="0">
+              <a:solidFill>
+                <a:schemeClr val="tx1"/>
               </a:solidFill>
             </a:endParaRPr>
           </a:p>
@@ -23013,156 +23360,6 @@
       </p:sp>
       <p:sp>
         <p:nvSpPr>
-          <p:cNvPr id="42" name="Rounded Rectangle 41"/>
-          <p:cNvSpPr/>
-          <p:nvPr/>
-        </p:nvSpPr>
-        <p:spPr>
-          <a:xfrm>
-            <a:off x="1427874" y="2547602"/>
-            <a:ext cx="1296000" cy="354503"/>
-          </a:xfrm>
-          <a:prstGeom prst="roundRect">
-            <a:avLst/>
-          </a:prstGeom>
-          <a:gradFill flip="none" rotWithShape="1">
-            <a:gsLst>
-              <a:gs pos="0">
-                <a:schemeClr val="accent2">
-                  <a:shade val="30000"/>
-                  <a:satMod val="115000"/>
-                </a:schemeClr>
-              </a:gs>
-              <a:gs pos="50000">
-                <a:schemeClr val="accent2">
-                  <a:shade val="67500"/>
-                  <a:satMod val="115000"/>
-                </a:schemeClr>
-              </a:gs>
-              <a:gs pos="100000">
-                <a:schemeClr val="accent2">
-                  <a:shade val="100000"/>
-                  <a:satMod val="115000"/>
-                </a:schemeClr>
-              </a:gs>
-            </a:gsLst>
-            <a:lin ang="16200000" scaled="1"/>
-            <a:tileRect/>
-          </a:gradFill>
-          <a:ln/>
-        </p:spPr>
-        <p:style>
-          <a:lnRef idx="0">
-            <a:schemeClr val="accent2"/>
-          </a:lnRef>
-          <a:fillRef idx="3">
-            <a:schemeClr val="accent2"/>
-          </a:fillRef>
-          <a:effectRef idx="3">
-            <a:schemeClr val="accent2"/>
-          </a:effectRef>
-          <a:fontRef idx="minor">
-            <a:schemeClr val="lt1"/>
-          </a:fontRef>
-        </p:style>
-        <p:txBody>
-          <a:bodyPr rtlCol="0" anchor="ctr"/>
-          <a:lstStyle/>
-          <a:p>
-            <a:pPr algn="ctr"/>
-            <a:r>
-              <a:rPr lang="en-US" dirty="0" smtClean="0">
-                <a:solidFill>
-                  <a:srgbClr val="000000"/>
-                </a:solidFill>
-              </a:rPr>
-              <a:t>View</a:t>
-            </a:r>
-            <a:endParaRPr lang="en-US" dirty="0">
-              <a:solidFill>
-                <a:srgbClr val="000000"/>
-              </a:solidFill>
-            </a:endParaRPr>
-          </a:p>
-        </p:txBody>
-      </p:sp>
-      <p:sp>
-        <p:nvSpPr>
-          <p:cNvPr id="43" name="Rounded Rectangle 42"/>
-          <p:cNvSpPr/>
-          <p:nvPr/>
-        </p:nvSpPr>
-        <p:spPr>
-          <a:xfrm>
-            <a:off x="1427874" y="2951795"/>
-            <a:ext cx="1296000" cy="354503"/>
-          </a:xfrm>
-          <a:prstGeom prst="roundRect">
-            <a:avLst/>
-          </a:prstGeom>
-          <a:gradFill flip="none" rotWithShape="1">
-            <a:gsLst>
-              <a:gs pos="0">
-                <a:schemeClr val="accent2">
-                  <a:shade val="30000"/>
-                  <a:satMod val="115000"/>
-                </a:schemeClr>
-              </a:gs>
-              <a:gs pos="50000">
-                <a:schemeClr val="accent2">
-                  <a:shade val="67500"/>
-                  <a:satMod val="115000"/>
-                </a:schemeClr>
-              </a:gs>
-              <a:gs pos="100000">
-                <a:schemeClr val="accent2">
-                  <a:shade val="100000"/>
-                  <a:satMod val="115000"/>
-                </a:schemeClr>
-              </a:gs>
-            </a:gsLst>
-            <a:lin ang="16200000" scaled="1"/>
-            <a:tileRect/>
-          </a:gradFill>
-          <a:ln/>
-        </p:spPr>
-        <p:style>
-          <a:lnRef idx="0">
-            <a:schemeClr val="accent2"/>
-          </a:lnRef>
-          <a:fillRef idx="3">
-            <a:schemeClr val="accent2"/>
-          </a:fillRef>
-          <a:effectRef idx="3">
-            <a:schemeClr val="accent2"/>
-          </a:effectRef>
-          <a:fontRef idx="minor">
-            <a:schemeClr val="lt1"/>
-          </a:fontRef>
-        </p:style>
-        <p:txBody>
-          <a:bodyPr rtlCol="0" anchor="ctr"/>
-          <a:lstStyle/>
-          <a:p>
-            <a:pPr algn="ctr"/>
-            <a:r>
-              <a:rPr lang="en-US" dirty="0" err="1" smtClean="0">
-                <a:solidFill>
-                  <a:srgbClr val="000000"/>
-                </a:solidFill>
-              </a:rPr>
-              <a:t>ViewModel</a:t>
-            </a:r>
-            <a:endParaRPr lang="en-US" dirty="0">
-              <a:solidFill>
-                <a:srgbClr val="000000"/>
-              </a:solidFill>
-            </a:endParaRPr>
-          </a:p>
-        </p:txBody>
-      </p:sp>
-      <p:sp>
-        <p:nvSpPr>
           <p:cNvPr id="46" name="Rounded Rectangle 45"/>
           <p:cNvSpPr/>
           <p:nvPr/>
@@ -23281,199 +23478,6 @@
       </p:sp>
       <p:sp>
         <p:nvSpPr>
-          <p:cNvPr id="50" name="Rounded Rectangle 49"/>
-          <p:cNvSpPr/>
-          <p:nvPr/>
-        </p:nvSpPr>
-        <p:spPr>
-          <a:xfrm>
-            <a:off x="6342314" y="2547602"/>
-            <a:ext cx="1296000" cy="354503"/>
-          </a:xfrm>
-          <a:prstGeom prst="roundRect">
-            <a:avLst/>
-          </a:prstGeom>
-          <a:gradFill flip="none" rotWithShape="1">
-            <a:gsLst>
-              <a:gs pos="0">
-                <a:schemeClr val="accent2">
-                  <a:shade val="30000"/>
-                  <a:satMod val="115000"/>
-                </a:schemeClr>
-              </a:gs>
-              <a:gs pos="50000">
-                <a:schemeClr val="accent2">
-                  <a:shade val="67500"/>
-                  <a:satMod val="115000"/>
-                </a:schemeClr>
-              </a:gs>
-              <a:gs pos="100000">
-                <a:schemeClr val="accent2">
-                  <a:shade val="100000"/>
-                  <a:satMod val="115000"/>
-                </a:schemeClr>
-              </a:gs>
-            </a:gsLst>
-            <a:lin ang="16200000" scaled="1"/>
-            <a:tileRect/>
-          </a:gradFill>
-          <a:ln/>
-        </p:spPr>
-        <p:style>
-          <a:lnRef idx="0">
-            <a:schemeClr val="accent2"/>
-          </a:lnRef>
-          <a:fillRef idx="3">
-            <a:schemeClr val="accent2"/>
-          </a:fillRef>
-          <a:effectRef idx="3">
-            <a:schemeClr val="accent2"/>
-          </a:effectRef>
-          <a:fontRef idx="minor">
-            <a:schemeClr val="lt1"/>
-          </a:fontRef>
-        </p:style>
-        <p:txBody>
-          <a:bodyPr rtlCol="0" anchor="ctr"/>
-          <a:lstStyle/>
-          <a:p>
-            <a:pPr algn="ctr"/>
-            <a:r>
-              <a:rPr lang="en-US" dirty="0" smtClean="0">
-                <a:solidFill>
-                  <a:srgbClr val="000000"/>
-                </a:solidFill>
-              </a:rPr>
-              <a:t>View</a:t>
-            </a:r>
-            <a:endParaRPr lang="en-US" dirty="0">
-              <a:solidFill>
-                <a:srgbClr val="000000"/>
-              </a:solidFill>
-            </a:endParaRPr>
-          </a:p>
-        </p:txBody>
-      </p:sp>
-      <p:sp>
-        <p:nvSpPr>
-          <p:cNvPr id="51" name="Rounded Rectangle 50"/>
-          <p:cNvSpPr/>
-          <p:nvPr/>
-        </p:nvSpPr>
-        <p:spPr>
-          <a:xfrm>
-            <a:off x="6342314" y="2931919"/>
-            <a:ext cx="1296000" cy="354503"/>
-          </a:xfrm>
-          <a:prstGeom prst="roundRect">
-            <a:avLst/>
-          </a:prstGeom>
-          <a:gradFill flip="none" rotWithShape="1">
-            <a:gsLst>
-              <a:gs pos="0">
-                <a:schemeClr val="accent2">
-                  <a:shade val="30000"/>
-                  <a:satMod val="115000"/>
-                </a:schemeClr>
-              </a:gs>
-              <a:gs pos="50000">
-                <a:schemeClr val="accent2">
-                  <a:shade val="67500"/>
-                  <a:satMod val="115000"/>
-                </a:schemeClr>
-              </a:gs>
-              <a:gs pos="100000">
-                <a:schemeClr val="accent2">
-                  <a:shade val="100000"/>
-                  <a:satMod val="115000"/>
-                </a:schemeClr>
-              </a:gs>
-            </a:gsLst>
-            <a:lin ang="16200000" scaled="1"/>
-            <a:tileRect/>
-          </a:gradFill>
-          <a:ln/>
-        </p:spPr>
-        <p:style>
-          <a:lnRef idx="0">
-            <a:schemeClr val="accent2"/>
-          </a:lnRef>
-          <a:fillRef idx="3">
-            <a:schemeClr val="accent2"/>
-          </a:fillRef>
-          <a:effectRef idx="3">
-            <a:schemeClr val="accent2"/>
-          </a:effectRef>
-          <a:fontRef idx="minor">
-            <a:schemeClr val="lt1"/>
-          </a:fontRef>
-        </p:style>
-        <p:txBody>
-          <a:bodyPr rtlCol="0" anchor="ctr"/>
-          <a:lstStyle/>
-          <a:p>
-            <a:pPr algn="ctr"/>
-            <a:r>
-              <a:rPr lang="en-US" dirty="0" err="1" smtClean="0">
-                <a:solidFill>
-                  <a:srgbClr val="000000"/>
-                </a:solidFill>
-              </a:rPr>
-              <a:t>ViewModel</a:t>
-            </a:r>
-            <a:endParaRPr lang="en-US" dirty="0">
-              <a:solidFill>
-                <a:srgbClr val="000000"/>
-              </a:solidFill>
-            </a:endParaRPr>
-          </a:p>
-        </p:txBody>
-      </p:sp>
-      <p:sp>
-        <p:nvSpPr>
-          <p:cNvPr id="53" name="Rounded Rectangle 52"/>
-          <p:cNvSpPr/>
-          <p:nvPr/>
-        </p:nvSpPr>
-        <p:spPr>
-          <a:xfrm>
-            <a:off x="1427874" y="3357711"/>
-            <a:ext cx="6208840" cy="356400"/>
-          </a:xfrm>
-          <a:prstGeom prst="roundRect">
-            <a:avLst/>
-          </a:prstGeom>
-          <a:ln/>
-        </p:spPr>
-        <p:style>
-          <a:lnRef idx="0">
-            <a:schemeClr val="accent1"/>
-          </a:lnRef>
-          <a:fillRef idx="3">
-            <a:schemeClr val="accent1"/>
-          </a:fillRef>
-          <a:effectRef idx="3">
-            <a:schemeClr val="accent1"/>
-          </a:effectRef>
-          <a:fontRef idx="minor">
-            <a:schemeClr val="lt1"/>
-          </a:fontRef>
-        </p:style>
-        <p:txBody>
-          <a:bodyPr rtlCol="0" anchor="ctr"/>
-          <a:lstStyle/>
-          <a:p>
-            <a:pPr algn="ctr"/>
-            <a:r>
-              <a:rPr lang="en-US" dirty="0" smtClean="0"/>
-              <a:t>Model</a:t>
-            </a:r>
-            <a:endParaRPr lang="en-US" dirty="0"/>
-          </a:p>
-        </p:txBody>
-      </p:sp>
-      <p:sp>
-        <p:nvSpPr>
           <p:cNvPr id="25" name="TextBox 24"/>
           <p:cNvSpPr txBox="1"/>
           <p:nvPr/>
@@ -23542,6 +23546,136 @@
           </a:p>
         </p:txBody>
       </p:sp>
+      <p:sp>
+        <p:nvSpPr>
+          <p:cNvPr id="7" name="Date Placeholder 6"/>
+          <p:cNvSpPr>
+            <a:spLocks noGrp="1"/>
+          </p:cNvSpPr>
+          <p:nvPr>
+            <p:ph type="dt" sz="half" idx="10"/>
+          </p:nvPr>
+        </p:nvSpPr>
+        <p:spPr/>
+        <p:txBody>
+          <a:bodyPr/>
+          <a:lstStyle/>
+          <a:p>
+            <a:r>
+              <a:rPr lang="en-US" smtClean="0"/>
+              <a:t>26. September 2013</a:t>
+            </a:r>
+            <a:endParaRPr lang="de-CH" dirty="0"/>
+          </a:p>
+        </p:txBody>
+      </p:sp>
+      <p:sp>
+        <p:nvSpPr>
+          <p:cNvPr id="9" name="Slide Number Placeholder 8"/>
+          <p:cNvSpPr>
+            <a:spLocks noGrp="1"/>
+          </p:cNvSpPr>
+          <p:nvPr>
+            <p:ph type="sldNum" sz="quarter" idx="12"/>
+          </p:nvPr>
+        </p:nvSpPr>
+        <p:spPr/>
+        <p:txBody>
+          <a:bodyPr/>
+          <a:lstStyle/>
+          <a:p>
+            <a:r>
+              <a:rPr lang="de-CH" smtClean="0"/>
+              <a:t>Slide </a:t>
+            </a:r>
+            <a:fld id="{03199D14-6B2D-4480-8764-E684327558A3}" type="slidenum">
+              <a:rPr lang="de-CH" smtClean="0"/>
+              <a:t>6</a:t>
+            </a:fld>
+            <a:endParaRPr lang="de-CH" dirty="0"/>
+          </a:p>
+        </p:txBody>
+      </p:sp>
+      <p:pic>
+        <p:nvPicPr>
+          <p:cNvPr id="1026" name="Picture 2" descr="http://www.whats-up-news.fr/wp-content/uploads/2013/07/windows-phone8-logo.png"/>
+          <p:cNvPicPr>
+            <a:picLocks noChangeAspect="1" noChangeArrowheads="1"/>
+          </p:cNvPicPr>
+          <p:nvPr/>
+        </p:nvPicPr>
+        <p:blipFill>
+          <a:blip r:embed="rId7" cstate="print">
+            <a:extLst>
+              <a:ext uri="{28A0092B-C50C-407E-A947-70E740481C1C}">
+                <a14:useLocalDpi xmlns:a14="http://schemas.microsoft.com/office/drawing/2010/main" val="0"/>
+              </a:ext>
+            </a:extLst>
+          </a:blip>
+          <a:srcRect/>
+          <a:stretch>
+            <a:fillRect/>
+          </a:stretch>
+        </p:blipFill>
+        <p:spPr bwMode="auto">
+          <a:xfrm>
+            <a:off x="4207110" y="1790290"/>
+            <a:ext cx="644268" cy="706349"/>
+          </a:xfrm>
+          <a:prstGeom prst="rect">
+            <a:avLst/>
+          </a:prstGeom>
+          <a:noFill/>
+          <a:extLst>
+            <a:ext uri="{909E8E84-426E-40DD-AFC4-6F175D3DCCD1}">
+              <a14:hiddenFill xmlns:a14="http://schemas.microsoft.com/office/drawing/2010/main">
+                <a:solidFill>
+                  <a:srgbClr val="FFFFFF"/>
+                </a:solidFill>
+              </a14:hiddenFill>
+            </a:ext>
+          </a:extLst>
+        </p:spPr>
+      </p:pic>
+      <p:cxnSp>
+        <p:nvCxnSpPr>
+          <p:cNvPr id="35" name="Straight Arrow Connector 34"/>
+          <p:cNvCxnSpPr>
+            <a:stCxn id="52" idx="2"/>
+          </p:cNvCxnSpPr>
+          <p:nvPr/>
+        </p:nvCxnSpPr>
+        <p:spPr>
+          <a:xfrm>
+            <a:off x="4532294" y="4608203"/>
+            <a:ext cx="0" cy="460444"/>
+          </a:xfrm>
+          <a:prstGeom prst="straightConnector1">
+            <a:avLst/>
+          </a:prstGeom>
+          <a:ln w="28575">
+            <a:solidFill>
+              <a:schemeClr val="tx1"/>
+            </a:solidFill>
+            <a:prstDash val="sysDash"/>
+            <a:tailEnd type="arrow" w="lg" len="lg"/>
+          </a:ln>
+        </p:spPr>
+        <p:style>
+          <a:lnRef idx="1">
+            <a:schemeClr val="accent1"/>
+          </a:lnRef>
+          <a:fillRef idx="0">
+            <a:schemeClr val="accent1"/>
+          </a:fillRef>
+          <a:effectRef idx="0">
+            <a:schemeClr val="accent1"/>
+          </a:effectRef>
+          <a:fontRef idx="minor">
+            <a:schemeClr val="tx1"/>
+          </a:fontRef>
+        </p:style>
+      </p:cxnSp>
       <p:sp>
         <p:nvSpPr>
           <p:cNvPr id="57" name="Rounded Rectangle 56"/>
@@ -23619,51 +23753,44 @@
       </p:sp>
       <p:sp>
         <p:nvSpPr>
-          <p:cNvPr id="7" name="Date Placeholder 6"/>
-          <p:cNvSpPr>
-            <a:spLocks noGrp="1"/>
-          </p:cNvSpPr>
-          <p:nvPr>
-            <p:ph type="dt" sz="half" idx="10"/>
-          </p:nvPr>
-        </p:nvSpPr>
-        <p:spPr/>
-        <p:txBody>
-          <a:bodyPr/>
-          <a:lstStyle/>
-          <a:p>
-            <a:r>
-              <a:rPr lang="en-US" smtClean="0"/>
-              <a:t>26. September 2013</a:t>
-            </a:r>
-            <a:endParaRPr lang="de-CH" dirty="0"/>
-          </a:p>
-        </p:txBody>
-      </p:sp>
-      <p:sp>
-        <p:nvSpPr>
-          <p:cNvPr id="9" name="Slide Number Placeholder 8"/>
-          <p:cNvSpPr>
-            <a:spLocks noGrp="1"/>
-          </p:cNvSpPr>
-          <p:nvPr>
-            <p:ph type="sldNum" sz="quarter" idx="12"/>
-          </p:nvPr>
-        </p:nvSpPr>
-        <p:spPr/>
-        <p:txBody>
-          <a:bodyPr/>
-          <a:lstStyle/>
-          <a:p>
-            <a:r>
-              <a:rPr lang="de-CH" smtClean="0"/>
-              <a:t>Slide </a:t>
-            </a:r>
-            <a:fld id="{03199D14-6B2D-4480-8764-E684327558A3}" type="slidenum">
-              <a:rPr lang="de-CH" smtClean="0"/>
-              <a:t>6</a:t>
-            </a:fld>
-            <a:endParaRPr lang="de-CH" dirty="0"/>
+          <p:cNvPr id="53" name="Rounded Rectangle 52"/>
+          <p:cNvSpPr/>
+          <p:nvPr/>
+        </p:nvSpPr>
+        <p:spPr>
+          <a:xfrm>
+            <a:off x="1427874" y="3357711"/>
+            <a:ext cx="6208840" cy="356400"/>
+          </a:xfrm>
+          <a:prstGeom prst="roundRect">
+            <a:avLst/>
+          </a:prstGeom>
+          <a:ln/>
+        </p:spPr>
+        <p:style>
+          <a:lnRef idx="0">
+            <a:schemeClr val="accent1"/>
+          </a:lnRef>
+          <a:fillRef idx="3">
+            <a:schemeClr val="accent1"/>
+          </a:fillRef>
+          <a:effectRef idx="3">
+            <a:schemeClr val="accent1"/>
+          </a:effectRef>
+          <a:fontRef idx="minor">
+            <a:schemeClr val="lt1"/>
+          </a:fontRef>
+        </p:style>
+        <p:txBody>
+          <a:bodyPr rtlCol="0" anchor="ctr"/>
+          <a:lstStyle/>
+          <a:p>
+            <a:pPr algn="ctr"/>
+            <a:r>
+              <a:rPr lang="en-US" dirty="0" smtClean="0"/>
+              <a:t>Model</a:t>
+            </a:r>
+            <a:endParaRPr lang="en-US" dirty="0"/>
           </a:p>
         </p:txBody>
       </p:sp>
@@ -23710,161 +23837,6 @@
           </a:p>
         </p:txBody>
       </p:sp>
-      <p:pic>
-        <p:nvPicPr>
-          <p:cNvPr id="1026" name="Picture 2" descr="http://www.whats-up-news.fr/wp-content/uploads/2013/07/windows-phone8-logo.png"/>
-          <p:cNvPicPr>
-            <a:picLocks noChangeAspect="1" noChangeArrowheads="1"/>
-          </p:cNvPicPr>
-          <p:nvPr/>
-        </p:nvPicPr>
-        <p:blipFill>
-          <a:blip r:embed="rId7" cstate="print">
-            <a:extLst>
-              <a:ext uri="{28A0092B-C50C-407E-A947-70E740481C1C}">
-                <a14:useLocalDpi xmlns:a14="http://schemas.microsoft.com/office/drawing/2010/main" val="0"/>
-              </a:ext>
-            </a:extLst>
-          </a:blip>
-          <a:srcRect/>
-          <a:stretch>
-            <a:fillRect/>
-          </a:stretch>
-        </p:blipFill>
-        <p:spPr bwMode="auto">
-          <a:xfrm>
-            <a:off x="4207110" y="1790290"/>
-            <a:ext cx="644268" cy="706349"/>
-          </a:xfrm>
-          <a:prstGeom prst="rect">
-            <a:avLst/>
-          </a:prstGeom>
-          <a:noFill/>
-          <a:extLst>
-            <a:ext uri="{909E8E84-426E-40DD-AFC4-6F175D3DCCD1}">
-              <a14:hiddenFill xmlns:a14="http://schemas.microsoft.com/office/drawing/2010/main">
-                <a:solidFill>
-                  <a:srgbClr val="FFFFFF"/>
-                </a:solidFill>
-              </a14:hiddenFill>
-            </a:ext>
-          </a:extLst>
-        </p:spPr>
-      </p:pic>
-      <p:sp>
-        <p:nvSpPr>
-          <p:cNvPr id="34" name="Rounded Rectangle 33"/>
-          <p:cNvSpPr/>
-          <p:nvPr/>
-        </p:nvSpPr>
-        <p:spPr>
-          <a:xfrm>
-            <a:off x="3881244" y="2547602"/>
-            <a:ext cx="1296000" cy="354503"/>
-          </a:xfrm>
-          <a:prstGeom prst="roundRect">
-            <a:avLst/>
-          </a:prstGeom>
-          <a:gradFill flip="none" rotWithShape="1">
-            <a:gsLst>
-              <a:gs pos="0">
-                <a:schemeClr val="accent2">
-                  <a:shade val="30000"/>
-                  <a:satMod val="115000"/>
-                </a:schemeClr>
-              </a:gs>
-              <a:gs pos="50000">
-                <a:schemeClr val="accent2">
-                  <a:shade val="67500"/>
-                  <a:satMod val="115000"/>
-                </a:schemeClr>
-              </a:gs>
-              <a:gs pos="100000">
-                <a:schemeClr val="accent2">
-                  <a:shade val="100000"/>
-                  <a:satMod val="115000"/>
-                </a:schemeClr>
-              </a:gs>
-            </a:gsLst>
-            <a:lin ang="16200000" scaled="1"/>
-            <a:tileRect/>
-          </a:gradFill>
-          <a:ln/>
-        </p:spPr>
-        <p:style>
-          <a:lnRef idx="0">
-            <a:schemeClr val="accent2"/>
-          </a:lnRef>
-          <a:fillRef idx="3">
-            <a:schemeClr val="accent2"/>
-          </a:fillRef>
-          <a:effectRef idx="3">
-            <a:schemeClr val="accent2"/>
-          </a:effectRef>
-          <a:fontRef idx="minor">
-            <a:schemeClr val="lt1"/>
-          </a:fontRef>
-        </p:style>
-        <p:txBody>
-          <a:bodyPr rtlCol="0" anchor="ctr"/>
-          <a:lstStyle/>
-          <a:p>
-            <a:pPr algn="ctr"/>
-            <a:r>
-              <a:rPr lang="en-US" dirty="0" smtClean="0">
-                <a:solidFill>
-                  <a:srgbClr val="000000"/>
-                </a:solidFill>
-              </a:rPr>
-              <a:t>View</a:t>
-            </a:r>
-            <a:endParaRPr lang="en-US" dirty="0">
-              <a:solidFill>
-                <a:srgbClr val="000000"/>
-              </a:solidFill>
-            </a:endParaRPr>
-          </a:p>
-        </p:txBody>
-      </p:sp>
-      <p:cxnSp>
-        <p:nvCxnSpPr>
-          <p:cNvPr id="35" name="Straight Arrow Connector 34"/>
-          <p:cNvCxnSpPr>
-            <a:stCxn id="52" idx="2"/>
-          </p:cNvCxnSpPr>
-          <p:nvPr/>
-        </p:nvCxnSpPr>
-        <p:spPr>
-          <a:xfrm>
-            <a:off x="4532294" y="4608203"/>
-            <a:ext cx="0" cy="460444"/>
-          </a:xfrm>
-          <a:prstGeom prst="straightConnector1">
-            <a:avLst/>
-          </a:prstGeom>
-          <a:ln w="28575">
-            <a:solidFill>
-              <a:schemeClr val="tx1"/>
-            </a:solidFill>
-            <a:prstDash val="sysDash"/>
-            <a:tailEnd type="arrow" w="lg" len="lg"/>
-          </a:ln>
-        </p:spPr>
-        <p:style>
-          <a:lnRef idx="1">
-            <a:schemeClr val="accent1"/>
-          </a:lnRef>
-          <a:fillRef idx="0">
-            <a:schemeClr val="accent1"/>
-          </a:fillRef>
-          <a:effectRef idx="0">
-            <a:schemeClr val="accent1"/>
-          </a:effectRef>
-          <a:fontRef idx="minor">
-            <a:schemeClr val="tx1"/>
-          </a:fontRef>
-        </p:style>
-      </p:cxnSp>
     </p:spTree>
     <p:extLst>
       <p:ext uri="{BB962C8B-B14F-4D97-AF65-F5344CB8AC3E}">
@@ -24229,14 +24201,84 @@
                                 </p:cTn>
                               </p:par>
                               <p:par>
-                                <p:cTn id="34" presetID="10" presetClass="entr" presetSubtype="0" fill="hold" grpId="0" nodeType="withEffect">
+                                <p:cTn id="34" presetID="10" presetClass="exit" presetSubtype="0" fill="hold" grpId="0" nodeType="withEffect">
+                                  <p:stCondLst>
+                                    <p:cond delay="0"/>
+                                  </p:stCondLst>
+                                  <p:childTnLst>
+                                    <p:animEffect transition="out" filter="fade">
+                                      <p:cBhvr>
+                                        <p:cTn id="35" dur="500"/>
+                                        <p:tgtEl>
+                                          <p:spTgt spid="38"/>
+                                        </p:tgtEl>
+                                      </p:cBhvr>
+                                    </p:animEffect>
+                                    <p:set>
+                                      <p:cBhvr>
+                                        <p:cTn id="36" dur="1" fill="hold">
+                                          <p:stCondLst>
+                                            <p:cond delay="499"/>
+                                          </p:stCondLst>
+                                        </p:cTn>
+                                        <p:tgtEl>
+                                          <p:spTgt spid="38"/>
+                                        </p:tgtEl>
+                                        <p:attrNameLst>
+                                          <p:attrName>style.visibility</p:attrName>
+                                        </p:attrNameLst>
+                                      </p:cBhvr>
+                                      <p:to>
+                                        <p:strVal val="hidden"/>
+                                      </p:to>
+                                    </p:set>
+                                  </p:childTnLst>
+                                </p:cTn>
+                              </p:par>
+                              <p:par>
+                                <p:cTn id="37" presetID="10" presetClass="exit" presetSubtype="0" fill="hold" grpId="0" nodeType="withEffect">
+                                  <p:stCondLst>
+                                    <p:cond delay="0"/>
+                                  </p:stCondLst>
+                                  <p:childTnLst>
+                                    <p:animEffect transition="out" filter="fade">
+                                      <p:cBhvr>
+                                        <p:cTn id="38" dur="500"/>
+                                        <p:tgtEl>
+                                          <p:spTgt spid="32"/>
+                                        </p:tgtEl>
+                                      </p:cBhvr>
+                                    </p:animEffect>
+                                    <p:set>
+                                      <p:cBhvr>
+                                        <p:cTn id="39" dur="1" fill="hold">
+                                          <p:stCondLst>
+                                            <p:cond delay="499"/>
+                                          </p:stCondLst>
+                                        </p:cTn>
+                                        <p:tgtEl>
+                                          <p:spTgt spid="32"/>
+                                        </p:tgtEl>
+                                        <p:attrNameLst>
+                                          <p:attrName>style.visibility</p:attrName>
+                                        </p:attrNameLst>
+                                      </p:cBhvr>
+                                      <p:to>
+                                        <p:strVal val="hidden"/>
+                                      </p:to>
+                                    </p:set>
+                                  </p:childTnLst>
+                                </p:cTn>
+                              </p:par>
+                              <p:par>
+                                <p:cTn id="40" presetID="10" presetClass="entr" presetSubtype="0" fill="hold" grpId="0" nodeType="withEffect">
                                   <p:stCondLst>
                                     <p:cond delay="0"/>
                                   </p:stCondLst>
                                   <p:childTnLst>
                                     <p:set>
                                       <p:cBhvr>
-                                        <p:cTn id="35" dur="1" fill="hold">
+                                        <p:cTn id="41" dur="1" fill="hold">
                                           <p:stCondLst>
                                             <p:cond delay="0"/>
                                           </p:stCondLst>
@@ -24254,7 +24296,7 @@
                                     </p:set>
                                     <p:animEffect transition="in" filter="fade">
                                       <p:cBhvr>
-                                        <p:cTn id="36" dur="500"/>
+                                        <p:cTn id="42" dur="500"/>
                                         <p:tgtEl>
                                           <p:spTgt spid="53"/>
                                         </p:tgtEl>
@@ -24264,14 +24306,84 @@
                                 </p:cTn>
                               </p:par>
                               <p:par>
-                                <p:cTn id="37" presetID="10" presetClass="entr" presetSubtype="0" fill="hold" grpId="0" nodeType="withEffect">
+                                <p:cTn id="43" presetID="10" presetClass="exit" presetSubtype="0" fill="hold" grpId="1" nodeType="withEffect">
+                                  <p:stCondLst>
+                                    <p:cond delay="0"/>
+                                  </p:stCondLst>
+                                  <p:childTnLst>
+                                    <p:animEffect transition="out" filter="fade">
+                                      <p:cBhvr>
+                                        <p:cTn id="44" dur="500"/>
+                                        <p:tgtEl>
+                                          <p:spTgt spid="46"/>
+                                        </p:tgtEl>
+                                      </p:cBhvr>
+                                    </p:animEffect>
+                                    <p:set>
+                                      <p:cBhvr>
+                                        <p:cTn id="45" dur="1" fill="hold">
+                                          <p:stCondLst>
+                                            <p:cond delay="499"/>
+                                          </p:stCondLst>
+                                        </p:cTn>
+                                        <p:tgtEl>
+                                          <p:spTgt spid="46"/>
+                                        </p:tgtEl>
+                                        <p:attrNameLst>
+                                          <p:attrName>style.visibility</p:attrName>
+                                        </p:attrNameLst>
+                                      </p:cBhvr>
+                                      <p:to>
+                                        <p:strVal val="hidden"/>
+                                      </p:to>
+                                    </p:set>
+                                  </p:childTnLst>
+                                </p:cTn>
+                              </p:par>
+                              <p:par>
+                                <p:cTn id="46" presetID="10" presetClass="exit" presetSubtype="0" fill="hold" grpId="1" nodeType="withEffect">
+                                  <p:stCondLst>
+                                    <p:cond delay="0"/>
+                                  </p:stCondLst>
+                                  <p:childTnLst>
+                                    <p:animEffect transition="out" filter="fade">
+                                      <p:cBhvr>
+                                        <p:cTn id="47" dur="500"/>
+                                        <p:tgtEl>
+                                          <p:spTgt spid="48"/>
+                                        </p:tgtEl>
+                                      </p:cBhvr>
+                                    </p:animEffect>
+                                    <p:set>
+                                      <p:cBhvr>
+                                        <p:cTn id="48" dur="1" fill="hold">
+                                          <p:stCondLst>
+                                            <p:cond delay="499"/>
+                                          </p:stCondLst>
+                                        </p:cTn>
+                                        <p:tgtEl>
+                                          <p:spTgt spid="48"/>
+                                        </p:tgtEl>
+                                        <p:attrNameLst>
+                                          <p:attrName>style.visibility</p:attrName>
+                                        </p:attrNameLst>
+                                      </p:cBhvr>
+                                      <p:to>
+                                        <p:strVal val="hidden"/>
+                                      </p:to>
+                                    </p:set>
+                                  </p:childTnLst>
+                                </p:cTn>
+                              </p:par>
+                              <p:par>
+                                <p:cTn id="49" presetID="10" presetClass="entr" presetSubtype="0" fill="hold" grpId="0" nodeType="withEffect">
                                   <p:stCondLst>
                                     <p:cond delay="0"/>
                                   </p:stCondLst>
                                   <p:childTnLst>
                                     <p:set>
                                       <p:cBhvr>
-                                        <p:cTn id="38" dur="1" fill="hold">
+                                        <p:cTn id="50" dur="1" fill="hold">
                                           <p:stCondLst>
                                             <p:cond delay="0"/>
                                           </p:stCondLst>
@@ -24289,7 +24401,7 @@
                                     </p:set>
                                     <p:animEffect transition="in" filter="fade">
                                       <p:cBhvr>
-                                        <p:cTn id="39" dur="500"/>
+                                        <p:cTn id="51" dur="500"/>
                                         <p:tgtEl>
                                           <p:spTgt spid="25"/>
                                         </p:tgtEl>
@@ -24305,26 +24417,26 @@
                     </p:cTn>
                   </p:par>
                   <p:par>
-                    <p:cTn id="40" fill="hold">
+                    <p:cTn id="52" fill="hold">
                       <p:stCondLst>
                         <p:cond delay="indefinite"/>
                       </p:stCondLst>
                       <p:childTnLst>
                         <p:par>
-                          <p:cTn id="41" fill="hold">
+                          <p:cTn id="53" fill="hold">
                             <p:stCondLst>
                               <p:cond delay="0"/>
                             </p:stCondLst>
                             <p:childTnLst>
                               <p:par>
-                                <p:cTn id="42" presetID="10" presetClass="entr" presetSubtype="0" fill="hold" grpId="0" nodeType="clickEffect">
+                                <p:cTn id="54" presetID="10" presetClass="entr" presetSubtype="0" fill="hold" grpId="0" nodeType="clickEffect">
                                   <p:stCondLst>
                                     <p:cond delay="0"/>
                                   </p:stCondLst>
                                   <p:childTnLst>
                                     <p:set>
                                       <p:cBhvr>
-                                        <p:cTn id="43" dur="1" fill="hold">
+                                        <p:cTn id="55" dur="1" fill="hold">
                                           <p:stCondLst>
                                             <p:cond delay="0"/>
                                           </p:stCondLst>
@@ -24342,7 +24454,7 @@
                                     </p:set>
                                     <p:animEffect transition="in" filter="fade">
                                       <p:cBhvr>
-                                        <p:cTn id="44" dur="500"/>
+                                        <p:cTn id="56" dur="500"/>
                                         <p:tgtEl>
                                           <p:spTgt spid="56"/>
                                         </p:tgtEl>
@@ -24352,14 +24464,14 @@
                                 </p:cTn>
                               </p:par>
                               <p:par>
-                                <p:cTn id="45" presetID="10" presetClass="entr" presetSubtype="0" fill="hold" grpId="0" nodeType="withEffect">
+                                <p:cTn id="57" presetID="10" presetClass="entr" presetSubtype="0" fill="hold" grpId="0" nodeType="withEffect">
                                   <p:stCondLst>
                                     <p:cond delay="0"/>
                                   </p:stCondLst>
                                   <p:childTnLst>
                                     <p:set>
                                       <p:cBhvr>
-                                        <p:cTn id="46" dur="1" fill="hold">
+                                        <p:cTn id="58" dur="1" fill="hold">
                                           <p:stCondLst>
                                             <p:cond delay="0"/>
                                           </p:stCondLst>
@@ -24377,12 +24489,82 @@
                                     </p:set>
                                     <p:animEffect transition="in" filter="fade">
                                       <p:cBhvr>
-                                        <p:cTn id="47" dur="500"/>
+                                        <p:cTn id="59" dur="500"/>
                                         <p:tgtEl>
                                           <p:spTgt spid="57"/>
                                         </p:tgtEl>
                                       </p:cBhvr>
                                     </p:animEffect>
+                                  </p:childTnLst>
+                                </p:cTn>
+                              </p:par>
+                              <p:par>
+                                <p:cTn id="60" presetID="10" presetClass="exit" presetSubtype="0" fill="hold" grpId="1" nodeType="withEffect">
+                                  <p:stCondLst>
+                                    <p:cond delay="0"/>
+                                  </p:stCondLst>
+                                  <p:childTnLst>
+                                    <p:animEffect transition="out" filter="fade">
+                                      <p:cBhvr>
+                                        <p:cTn id="61" dur="500"/>
+                                        <p:tgtEl>
+                                          <p:spTgt spid="43"/>
+                                        </p:tgtEl>
+                                      </p:cBhvr>
+                                    </p:animEffect>
+                                    <p:set>
+                                      <p:cBhvr>
+                                        <p:cTn id="62" dur="1" fill="hold">
+                                          <p:stCondLst>
+                                            <p:cond delay="499"/>
+                                          </p:stCondLst>
+                                        </p:cTn>
+                                        <p:tgtEl>
+                                          <p:spTgt spid="43"/>
+                                        </p:tgtEl>
+                                        <p:attrNameLst>
+                                          <p:attrName>style.visibility</p:attrName>
+                                        </p:attrNameLst>
+                                      </p:cBhvr>
+                                      <p:to>
+                                        <p:strVal val="hidden"/>
+                                      </p:to>
+                                    </p:set>
+                                  </p:childTnLst>
+                                </p:cTn>
+                              </p:par>
+                              <p:par>
+                                <p:cTn id="63" presetID="10" presetClass="exit" presetSubtype="0" fill="hold" grpId="1" nodeType="withEffect">
+                                  <p:stCondLst>
+                                    <p:cond delay="0"/>
+                                  </p:stCondLst>
+                                  <p:childTnLst>
+                                    <p:animEffect transition="out" filter="fade">
+                                      <p:cBhvr>
+                                        <p:cTn id="64" dur="500"/>
+                                        <p:tgtEl>
+                                          <p:spTgt spid="51"/>
+                                        </p:tgtEl>
+                                      </p:cBhvr>
+                                    </p:animEffect>
+                                    <p:set>
+                                      <p:cBhvr>
+                                        <p:cTn id="65" dur="1" fill="hold">
+                                          <p:stCondLst>
+                                            <p:cond delay="499"/>
+                                          </p:stCondLst>
+                                        </p:cTn>
+                                        <p:tgtEl>
+                                          <p:spTgt spid="51"/>
+                                        </p:tgtEl>
+                                        <p:attrNameLst>
+                                          <p:attrName>style.visibility</p:attrName>
+                                        </p:attrNameLst>
+                                      </p:cBhvr>
+                                      <p:to>
+                                        <p:strVal val="hidden"/>
+                                      </p:to>
+                                    </p:set>
                                   </p:childTnLst>
                                 </p:cTn>
                               </p:par>
@@ -24393,26 +24575,26 @@
                     </p:cTn>
                   </p:par>
                   <p:par>
-                    <p:cTn id="48" fill="hold">
+                    <p:cTn id="66" fill="hold">
                       <p:stCondLst>
                         <p:cond delay="indefinite"/>
                       </p:stCondLst>
                       <p:childTnLst>
                         <p:par>
-                          <p:cTn id="49" fill="hold">
+                          <p:cTn id="67" fill="hold">
                             <p:stCondLst>
                               <p:cond delay="0"/>
                             </p:stCondLst>
                             <p:childTnLst>
                               <p:par>
-                                <p:cTn id="50" presetID="10" presetClass="exit" presetSubtype="0" fill="hold" grpId="1" nodeType="clickEffect">
+                                <p:cTn id="68" presetID="10" presetClass="exit" presetSubtype="0" fill="hold" grpId="1" nodeType="clickEffect">
                                   <p:stCondLst>
                                     <p:cond delay="0"/>
                                   </p:stCondLst>
                                   <p:childTnLst>
                                     <p:animEffect transition="out" filter="fade">
                                       <p:cBhvr>
-                                        <p:cTn id="51" dur="500"/>
+                                        <p:cTn id="69" dur="500"/>
                                         <p:tgtEl>
                                           <p:spTgt spid="25"/>
                                         </p:tgtEl>
@@ -24420,7 +24602,7 @@
                                     </p:animEffect>
                                     <p:set>
                                       <p:cBhvr>
-                                        <p:cTn id="52" dur="1" fill="hold">
+                                        <p:cTn id="70" dur="1" fill="hold">
                                           <p:stCondLst>
                                             <p:cond delay="499"/>
                                           </p:stCondLst>
@@ -24440,14 +24622,14 @@
                                 </p:cTn>
                               </p:par>
                               <p:par>
-                                <p:cTn id="53" presetID="10" presetClass="exit" presetSubtype="0" fill="hold" grpId="1" nodeType="withEffect">
+                                <p:cTn id="71" presetID="10" presetClass="exit" presetSubtype="0" fill="hold" grpId="1" nodeType="withEffect">
                                   <p:stCondLst>
                                     <p:cond delay="0"/>
                                   </p:stCondLst>
                                   <p:childTnLst>
                                     <p:animEffect transition="out" filter="fade">
                                       <p:cBhvr>
-                                        <p:cTn id="54" dur="500"/>
+                                        <p:cTn id="72" dur="500"/>
                                         <p:tgtEl>
                                           <p:spTgt spid="56"/>
                                         </p:tgtEl>
@@ -24455,7 +24637,7 @@
                                     </p:animEffect>
                                     <p:set>
                                       <p:cBhvr>
-                                        <p:cTn id="55" dur="1" fill="hold">
+                                        <p:cTn id="73" dur="1" fill="hold">
                                           <p:stCondLst>
                                             <p:cond delay="499"/>
                                           </p:stCondLst>
@@ -24478,20 +24660,20 @@
                           </p:cTn>
                         </p:par>
                         <p:par>
-                          <p:cTn id="56" fill="hold">
+                          <p:cTn id="74" fill="hold">
                             <p:stCondLst>
                               <p:cond delay="500"/>
                             </p:stCondLst>
                             <p:childTnLst>
                               <p:par>
-                                <p:cTn id="57" presetID="10" presetClass="entr" presetSubtype="0" fill="hold" grpId="0" nodeType="afterEffect">
+                                <p:cTn id="75" presetID="10" presetClass="entr" presetSubtype="0" fill="hold" grpId="0" nodeType="afterEffect">
                                   <p:stCondLst>
                                     <p:cond delay="0"/>
                                   </p:stCondLst>
                                   <p:childTnLst>
                                     <p:set>
                                       <p:cBhvr>
-                                        <p:cTn id="58" dur="1" fill="hold">
+                                        <p:cTn id="76" dur="1" fill="hold">
                                           <p:stCondLst>
                                             <p:cond delay="0"/>
                                           </p:stCondLst>
@@ -24509,7 +24691,7 @@
                                     </p:set>
                                     <p:animEffect transition="in" filter="fade">
                                       <p:cBhvr>
-                                        <p:cTn id="59" dur="500"/>
+                                        <p:cTn id="77" dur="500"/>
                                         <p:tgtEl>
                                           <p:spTgt spid="33"/>
                                         </p:tgtEl>
@@ -24519,14 +24701,14 @@
                                 </p:cTn>
                               </p:par>
                               <p:par>
-                                <p:cTn id="60" presetID="10" presetClass="entr" presetSubtype="0" fill="hold" grpId="0" nodeType="withEffect">
+                                <p:cTn id="78" presetID="10" presetClass="entr" presetSubtype="0" fill="hold" grpId="0" nodeType="withEffect">
                                   <p:stCondLst>
                                     <p:cond delay="0"/>
                                   </p:stCondLst>
                                   <p:childTnLst>
                                     <p:set>
                                       <p:cBhvr>
-                                        <p:cTn id="61" dur="1" fill="hold">
+                                        <p:cTn id="79" dur="1" fill="hold">
                                           <p:stCondLst>
                                             <p:cond delay="0"/>
                                           </p:stCondLst>
@@ -24544,7 +24726,7 @@
                                     </p:set>
                                     <p:animEffect transition="in" filter="fade">
                                       <p:cBhvr>
-                                        <p:cTn id="62" dur="500"/>
+                                        <p:cTn id="80" dur="500"/>
                                         <p:tgtEl>
                                           <p:spTgt spid="34"/>
                                         </p:tgtEl>
@@ -24554,14 +24736,14 @@
                                 </p:cTn>
                               </p:par>
                               <p:par>
-                                <p:cTn id="63" presetID="10" presetClass="entr" presetSubtype="0" fill="hold" nodeType="withEffect">
+                                <p:cTn id="81" presetID="10" presetClass="entr" presetSubtype="0" fill="hold" nodeType="withEffect">
                                   <p:stCondLst>
                                     <p:cond delay="0"/>
                                   </p:stCondLst>
                                   <p:childTnLst>
                                     <p:set>
                                       <p:cBhvr>
-                                        <p:cTn id="64" dur="1" fill="hold">
+                                        <p:cTn id="82" dur="1" fill="hold">
                                           <p:stCondLst>
                                             <p:cond delay="0"/>
                                           </p:stCondLst>
@@ -24579,7 +24761,7 @@
                                     </p:set>
                                     <p:animEffect transition="in" filter="fade">
                                       <p:cBhvr>
-                                        <p:cTn id="65" dur="500"/>
+                                        <p:cTn id="83" dur="500"/>
                                         <p:tgtEl>
                                           <p:spTgt spid="1026"/>
                                         </p:tgtEl>
@@ -24589,14 +24771,14 @@
                                 </p:cTn>
                               </p:par>
                               <p:par>
-                                <p:cTn id="66" presetID="10" presetClass="entr" presetSubtype="0" fill="hold" nodeType="withEffect">
+                                <p:cTn id="84" presetID="10" presetClass="entr" presetSubtype="0" fill="hold" nodeType="withEffect">
                                   <p:stCondLst>
                                     <p:cond delay="0"/>
                                   </p:stCondLst>
                                   <p:childTnLst>
                                     <p:set>
                                       <p:cBhvr>
-                                        <p:cTn id="67" dur="1" fill="hold">
+                                        <p:cTn id="85" dur="1" fill="hold">
                                           <p:stCondLst>
                                             <p:cond delay="0"/>
                                           </p:stCondLst>
@@ -24614,7 +24796,7 @@
                                     </p:set>
                                     <p:animEffect transition="in" filter="fade">
                                       <p:cBhvr>
-                                        <p:cTn id="68" dur="500"/>
+                                        <p:cTn id="86" dur="500"/>
                                         <p:tgtEl>
                                           <p:spTgt spid="35"/>
                                         </p:tgtEl>
@@ -24651,23 +24833,29 @@
       </p:par>
     </p:tnLst>
     <p:bldLst>
-      <p:bldP spid="33" grpId="0" animBg="1"/>
       <p:bldP spid="40" grpId="0" animBg="1"/>
       <p:bldP spid="60" grpId="0" animBg="1"/>
+      <p:bldP spid="43" grpId="0" animBg="1"/>
+      <p:bldP spid="43" grpId="1" animBg="1"/>
+      <p:bldP spid="51" grpId="0" animBg="1"/>
+      <p:bldP spid="51" grpId="1" animBg="1"/>
       <p:bldP spid="42" grpId="0" animBg="1"/>
-      <p:bldP spid="43" grpId="0" animBg="1"/>
+      <p:bldP spid="50" grpId="0" animBg="1"/>
+      <p:bldP spid="34" grpId="0" animBg="1"/>
+      <p:bldP spid="33" grpId="0" animBg="1"/>
+      <p:bldP spid="38" grpId="0" animBg="1"/>
+      <p:bldP spid="32" grpId="0" animBg="1"/>
       <p:bldP spid="46" grpId="0" animBg="1"/>
+      <p:bldP spid="46" grpId="1" animBg="1"/>
       <p:bldP spid="48" grpId="0" animBg="1"/>
-      <p:bldP spid="50" grpId="0" animBg="1"/>
-      <p:bldP spid="51" grpId="0" animBg="1"/>
-      <p:bldP spid="53" grpId="0" animBg="1"/>
+      <p:bldP spid="48" grpId="1" animBg="1"/>
       <p:bldP spid="25" grpId="0"/>
       <p:bldP spid="25" grpId="1"/>
       <p:bldP spid="56" grpId="0"/>
       <p:bldP spid="56" grpId="1"/>
       <p:bldP spid="57" grpId="0" animBg="1"/>
+      <p:bldP spid="53" grpId="0" animBg="1"/>
       <p:bldP spid="52" grpId="0" animBg="1"/>
-      <p:bldP spid="34" grpId="0" animBg="1"/>
     </p:bldLst>
   </p:timing>
 </p:sld>

--- a/docs/13-09-26 Cross-platform mobile development with C#.pptx
+++ b/docs/13-09-26 Cross-platform mobile development with C#.pptx
@@ -5,10 +5,10 @@
     <p:sldMasterId id="2147483648" r:id="rId1"/>
   </p:sldMasterIdLst>
   <p:notesMasterIdLst>
-    <p:notesMasterId r:id="rId31"/>
+    <p:notesMasterId r:id="rId32"/>
   </p:notesMasterIdLst>
   <p:handoutMasterIdLst>
-    <p:handoutMasterId r:id="rId32"/>
+    <p:handoutMasterId r:id="rId33"/>
   </p:handoutMasterIdLst>
   <p:sldIdLst>
     <p:sldId id="293" r:id="rId2"/>
@@ -34,36 +34,37 @@
     <p:sldId id="320" r:id="rId22"/>
     <p:sldId id="322" r:id="rId23"/>
     <p:sldId id="304" r:id="rId24"/>
-    <p:sldId id="323" r:id="rId25"/>
-    <p:sldId id="290" r:id="rId26"/>
-    <p:sldId id="298" r:id="rId27"/>
-    <p:sldId id="299" r:id="rId28"/>
-    <p:sldId id="297" r:id="rId29"/>
-    <p:sldId id="295" r:id="rId30"/>
+    <p:sldId id="324" r:id="rId25"/>
+    <p:sldId id="323" r:id="rId26"/>
+    <p:sldId id="290" r:id="rId27"/>
+    <p:sldId id="298" r:id="rId28"/>
+    <p:sldId id="299" r:id="rId29"/>
+    <p:sldId id="297" r:id="rId30"/>
+    <p:sldId id="295" r:id="rId31"/>
   </p:sldIdLst>
   <p:sldSz cx="9144000" cy="6858000" type="screen4x3"/>
   <p:notesSz cx="6858000" cy="9144000"/>
   <p:embeddedFontLst>
     <p:embeddedFont>
       <p:font typeface="AA Zuehlke Medium" panose="02000603060000020004" pitchFamily="2" charset="0"/>
-      <p:regular r:id="rId33"/>
+      <p:regular r:id="rId34"/>
+    </p:embeddedFont>
+    <p:embeddedFont>
+      <p:font typeface="AA Zuehlke" panose="02000503060000020004" pitchFamily="2" charset="0"/>
+      <p:regular r:id="rId35"/>
+      <p:bold r:id="rId36"/>
     </p:embeddedFont>
     <p:embeddedFont>
       <p:font typeface="Webdings" panose="05030102010509060703" pitchFamily="18" charset="2"/>
-      <p:regular r:id="rId34"/>
+      <p:regular r:id="rId37"/>
     </p:embeddedFont>
     <p:embeddedFont>
       <p:font typeface="Wingdings 3" panose="05040102010807070707" pitchFamily="18" charset="2"/>
-      <p:regular r:id="rId35"/>
-    </p:embeddedFont>
-    <p:embeddedFont>
-      <p:font typeface="AA Zuehlke" panose="02000503060000020004" pitchFamily="2" charset="0"/>
-      <p:regular r:id="rId36"/>
-      <p:bold r:id="rId37"/>
+      <p:regular r:id="rId38"/>
     </p:embeddedFont>
   </p:embeddedFontLst>
   <p:custDataLst>
-    <p:tags r:id="rId38"/>
+    <p:tags r:id="rId39"/>
   </p:custDataLst>
   <p:defaultTextStyle>
     <a:defPPr>
@@ -622,6 +623,7 @@
     </c:plotArea>
     <c:legend>
       <c:legendPos val="t"/>
+      <c:layout/>
       <c:overlay val="0"/>
     </c:legend>
     <c:plotVisOnly val="1"/>
@@ -1413,7 +1415,7 @@
             <a:fld id="{04E102C5-3B9C-48EE-BFF0-2E7AF2F2A1F4}" type="slidenum">
               <a:rPr lang="en-US" smtClean="0"/>
               <a:pPr/>
-              <a:t>24</a:t>
+              <a:t>25</a:t>
             </a:fld>
             <a:endParaRPr lang="en-US" dirty="0"/>
           </a:p>
@@ -1678,7 +1680,7 @@
             <a:fld id="{04E102C5-3B9C-48EE-BFF0-2E7AF2F2A1F4}" type="slidenum">
               <a:rPr lang="en-US" smtClean="0"/>
               <a:pPr/>
-              <a:t>27</a:t>
+              <a:t>28</a:t>
             </a:fld>
             <a:endParaRPr lang="en-US" dirty="0"/>
           </a:p>
@@ -10509,8 +10511,13 @@
             <a:pPr lvl="1"/>
             <a:r>
               <a:rPr lang="en-US" sz="2800" dirty="0" smtClean="0"/>
-              <a:t>Navigation is also defined in the shared part</a:t>
-            </a:r>
+              <a:t>Navigation is also defined in the shared </a:t>
+            </a:r>
+            <a:r>
+              <a:rPr lang="en-US" sz="2800" dirty="0" smtClean="0"/>
+              <a:t>part!</a:t>
+            </a:r>
+            <a:endParaRPr lang="en-US" sz="2800" dirty="0" smtClean="0"/>
           </a:p>
           <a:p>
             <a:endParaRPr lang="en-US" sz="2800" dirty="0" smtClean="0"/>
@@ -10529,7 +10536,11 @@
             </a:r>
             <a:r>
               <a:rPr lang="en-US" sz="2800" dirty="0" smtClean="0"/>
-              <a:t> (i.e. browser window)</a:t>
+              <a:t> (i.e. </a:t>
+            </a:r>
+            <a:r>
+              <a:rPr lang="en-US" sz="2800" dirty="0" smtClean="0"/>
+              <a:t>embedded browser)</a:t>
             </a:r>
             <a:endParaRPr lang="en-US" sz="2800" dirty="0"/>
           </a:p>
@@ -11427,11 +11438,23 @@
             <a:pPr lvl="1"/>
             <a:r>
               <a:rPr lang="en-US" dirty="0" err="1" smtClean="0"/>
-              <a:t>ICommand</a:t>
+              <a:t>ICommands</a:t>
             </a:r>
             <a:r>
               <a:rPr lang="en-US" dirty="0" smtClean="0"/>
-              <a:t> to load/reload messages</a:t>
+              <a:t> </a:t>
+            </a:r>
+            <a:r>
+              <a:rPr lang="en-US" dirty="0" smtClean="0"/>
+              <a:t>to </a:t>
+            </a:r>
+            <a:r>
+              <a:rPr lang="en-US" dirty="0" smtClean="0"/>
+              <a:t>load and compose </a:t>
+            </a:r>
+            <a:r>
+              <a:rPr lang="en-US" dirty="0" smtClean="0"/>
+              <a:t>messages</a:t>
             </a:r>
           </a:p>
           <a:p>
@@ -15881,15 +15904,11 @@
             <a:pPr lvl="1"/>
             <a:r>
               <a:rPr lang="en-US" dirty="0" smtClean="0"/>
-              <a:t>Create </a:t>
-            </a:r>
-            <a:r>
-              <a:rPr lang="en-US" dirty="0" err="1" smtClean="0"/>
-              <a:t>DatabaseService</a:t>
+              <a:t>Service </a:t>
             </a:r>
             <a:r>
               <a:rPr lang="en-US" dirty="0" smtClean="0"/>
-              <a:t> (client-side) to access database</a:t>
+              <a:t>(client-side) to access database</a:t>
             </a:r>
           </a:p>
           <a:p>
@@ -16179,6 +16198,341 @@
       </p:grpSpPr>
       <p:sp>
         <p:nvSpPr>
+          <p:cNvPr id="8" name="Rectangle 7"/>
+          <p:cNvSpPr/>
+          <p:nvPr/>
+        </p:nvSpPr>
+        <p:spPr>
+          <a:xfrm>
+            <a:off x="0" y="0"/>
+            <a:ext cx="9144000" cy="1524000"/>
+          </a:xfrm>
+          <a:prstGeom prst="rect">
+            <a:avLst/>
+          </a:prstGeom>
+          <a:solidFill>
+            <a:srgbClr val="FF820A"/>
+          </a:solidFill>
+          <a:ln w="12700">
+            <a:noFill/>
+          </a:ln>
+        </p:spPr>
+        <p:style>
+          <a:lnRef idx="2">
+            <a:schemeClr val="accent1">
+              <a:shade val="50000"/>
+            </a:schemeClr>
+          </a:lnRef>
+          <a:fillRef idx="1">
+            <a:schemeClr val="accent1"/>
+          </a:fillRef>
+          <a:effectRef idx="0">
+            <a:schemeClr val="accent1"/>
+          </a:effectRef>
+          <a:fontRef idx="minor">
+            <a:schemeClr val="lt1"/>
+          </a:fontRef>
+        </p:style>
+        <p:txBody>
+          <a:bodyPr rtlCol="0" anchor="ctr"/>
+          <a:lstStyle/>
+          <a:p>
+            <a:pPr algn="ctr"/>
+            <a:endParaRPr lang="en-US" sz="2200" dirty="0" err="1" smtClean="0">
+              <a:latin typeface="AA Zuehlke" pitchFamily="2" charset="0"/>
+            </a:endParaRPr>
+          </a:p>
+        </p:txBody>
+      </p:sp>
+      <p:sp>
+        <p:nvSpPr>
+          <p:cNvPr id="2" name="Content Placeholder 1"/>
+          <p:cNvSpPr>
+            <a:spLocks noGrp="1"/>
+          </p:cNvSpPr>
+          <p:nvPr>
+            <p:ph idx="1"/>
+          </p:nvPr>
+        </p:nvSpPr>
+        <p:spPr/>
+        <p:txBody>
+          <a:bodyPr/>
+          <a:lstStyle/>
+          <a:p>
+            <a:r>
+              <a:rPr lang="en-US" sz="2800" dirty="0" smtClean="0"/>
+              <a:t>When to use </a:t>
+            </a:r>
+            <a:r>
+              <a:rPr lang="en-US" sz="2800" dirty="0" err="1" smtClean="0"/>
+              <a:t>Xamarin</a:t>
+            </a:r>
+            <a:r>
+              <a:rPr lang="en-US" sz="2800" dirty="0" smtClean="0"/>
+              <a:t> and </a:t>
+            </a:r>
+            <a:r>
+              <a:rPr lang="en-US" sz="2800" dirty="0" err="1" smtClean="0"/>
+              <a:t>MvvmCross</a:t>
+            </a:r>
+            <a:endParaRPr lang="en-US" sz="2800" dirty="0" smtClean="0"/>
+          </a:p>
+          <a:p>
+            <a:pPr lvl="1"/>
+            <a:r>
+              <a:rPr lang="en-US" sz="2800" dirty="0" smtClean="0"/>
+              <a:t>.NET development team</a:t>
+            </a:r>
+            <a:br>
+              <a:rPr lang="en-US" sz="2800" dirty="0" smtClean="0"/>
+            </a:br>
+            <a:r>
+              <a:rPr lang="en-US" sz="2800" dirty="0" smtClean="0"/>
+              <a:t>(C# as common language)</a:t>
+            </a:r>
+          </a:p>
+          <a:p>
+            <a:pPr lvl="1"/>
+            <a:r>
+              <a:rPr lang="en-US" sz="2800" dirty="0" smtClean="0"/>
+              <a:t>Code sharing</a:t>
+            </a:r>
+          </a:p>
+          <a:p>
+            <a:pPr lvl="1"/>
+            <a:r>
+              <a:rPr lang="en-US" sz="2800" dirty="0" smtClean="0"/>
+              <a:t>Architecture framework:</a:t>
+            </a:r>
+            <a:br>
+              <a:rPr lang="en-US" sz="2800" dirty="0" smtClean="0"/>
+            </a:br>
+            <a:r>
+              <a:rPr lang="en-US" sz="2800" dirty="0" err="1" smtClean="0"/>
+              <a:t>IoC</a:t>
+            </a:r>
+            <a:r>
+              <a:rPr lang="en-US" sz="2800" dirty="0" smtClean="0"/>
+              <a:t>, plug-in system, data binding</a:t>
+            </a:r>
+          </a:p>
+          <a:p>
+            <a:pPr lvl="1"/>
+            <a:r>
+              <a:rPr lang="en-US" sz="2800" dirty="0" smtClean="0"/>
+              <a:t>Use your proven environment and libraries:</a:t>
+            </a:r>
+            <a:br>
+              <a:rPr lang="en-US" sz="2800" dirty="0" smtClean="0"/>
+            </a:br>
+            <a:r>
+              <a:rPr lang="en-US" sz="2800" dirty="0" err="1" smtClean="0"/>
+              <a:t>NUnit</a:t>
+            </a:r>
+            <a:r>
+              <a:rPr lang="en-US" sz="2800" dirty="0" smtClean="0"/>
+              <a:t>, </a:t>
+            </a:r>
+            <a:r>
+              <a:rPr lang="en-US" sz="2800" dirty="0" err="1" smtClean="0"/>
+              <a:t>NSubstitute</a:t>
+            </a:r>
+            <a:r>
+              <a:rPr lang="en-US" sz="2800" dirty="0" smtClean="0"/>
+              <a:t>, Bouncy Castle, CI server</a:t>
+            </a:r>
+            <a:endParaRPr lang="en-US" sz="2800" dirty="0"/>
+          </a:p>
+        </p:txBody>
+      </p:sp>
+      <p:sp>
+        <p:nvSpPr>
+          <p:cNvPr id="3" name="Title 2"/>
+          <p:cNvSpPr>
+            <a:spLocks noGrp="1"/>
+          </p:cNvSpPr>
+          <p:nvPr>
+            <p:ph type="title"/>
+          </p:nvPr>
+        </p:nvSpPr>
+        <p:spPr/>
+        <p:txBody>
+          <a:bodyPr/>
+          <a:lstStyle/>
+          <a:p>
+            <a:r>
+              <a:rPr lang="en-US" dirty="0" err="1" smtClean="0">
+                <a:solidFill>
+                  <a:schemeClr val="bg1"/>
+                </a:solidFill>
+              </a:rPr>
+              <a:t>Learnings</a:t>
+            </a:r>
+            <a:endParaRPr lang="en-US" dirty="0">
+              <a:solidFill>
+                <a:schemeClr val="bg1"/>
+              </a:solidFill>
+            </a:endParaRPr>
+          </a:p>
+        </p:txBody>
+      </p:sp>
+      <p:sp>
+        <p:nvSpPr>
+          <p:cNvPr id="4" name="Date Placeholder 3"/>
+          <p:cNvSpPr>
+            <a:spLocks noGrp="1"/>
+          </p:cNvSpPr>
+          <p:nvPr>
+            <p:ph type="dt" sz="half" idx="10"/>
+          </p:nvPr>
+        </p:nvSpPr>
+        <p:spPr/>
+        <p:txBody>
+          <a:bodyPr/>
+          <a:lstStyle/>
+          <a:p>
+            <a:r>
+              <a:rPr lang="en-US" smtClean="0"/>
+              <a:t>26. September 2013</a:t>
+            </a:r>
+            <a:endParaRPr lang="de-CH" dirty="0"/>
+          </a:p>
+        </p:txBody>
+      </p:sp>
+      <p:sp>
+        <p:nvSpPr>
+          <p:cNvPr id="5" name="Footer Placeholder 4"/>
+          <p:cNvSpPr>
+            <a:spLocks noGrp="1"/>
+          </p:cNvSpPr>
+          <p:nvPr>
+            <p:ph type="ftr" sz="quarter" idx="11"/>
+          </p:nvPr>
+        </p:nvSpPr>
+        <p:spPr/>
+        <p:txBody>
+          <a:bodyPr/>
+          <a:lstStyle/>
+          <a:p>
+            <a:r>
+              <a:rPr lang="en-US" smtClean="0"/>
+              <a:t>Cross-platform Mobile Development | Ursin Brunner, Stefan Schöb, Oliver Brack</a:t>
+            </a:r>
+            <a:endParaRPr lang="de-CH" dirty="0"/>
+          </a:p>
+        </p:txBody>
+      </p:sp>
+      <p:sp>
+        <p:nvSpPr>
+          <p:cNvPr id="7" name="Slide Number Placeholder 6"/>
+          <p:cNvSpPr>
+            <a:spLocks noGrp="1"/>
+          </p:cNvSpPr>
+          <p:nvPr>
+            <p:ph type="sldNum" sz="quarter" idx="12"/>
+          </p:nvPr>
+        </p:nvSpPr>
+        <p:spPr/>
+        <p:txBody>
+          <a:bodyPr/>
+          <a:lstStyle/>
+          <a:p>
+            <a:r>
+              <a:rPr lang="de-CH" smtClean="0"/>
+              <a:t>Slide </a:t>
+            </a:r>
+            <a:fld id="{76AE5747-D0E7-4D66-8FBF-9CFC53A4E0C8}" type="slidenum">
+              <a:rPr lang="de-CH" smtClean="0"/>
+              <a:t>24</a:t>
+            </a:fld>
+            <a:endParaRPr lang="de-CH" dirty="0"/>
+          </a:p>
+        </p:txBody>
+      </p:sp>
+      <p:pic>
+        <p:nvPicPr>
+          <p:cNvPr id="9" name="Logo" descr="C:\Users\Luc Benninger\Desktop\Zuehlke_Logo_rgb_300dpi.png"/>
+          <p:cNvPicPr>
+            <a:picLocks noChangeArrowheads="1"/>
+          </p:cNvPicPr>
+          <p:nvPr>
+            <p:custDataLst>
+              <p:tags r:id="rId1"/>
+            </p:custDataLst>
+          </p:nvPr>
+        </p:nvPicPr>
+        <p:blipFill>
+          <a:blip r:embed="rId3" cstate="print">
+            <a:extLst>
+              <a:ext uri="{28A0092B-C50C-407E-A947-70E740481C1C}">
+                <a14:useLocalDpi xmlns:a14="http://schemas.microsoft.com/office/drawing/2010/main" val="0"/>
+              </a:ext>
+            </a:extLst>
+          </a:blip>
+          <a:srcRect/>
+          <a:stretch>
+            <a:fillRect/>
+          </a:stretch>
+        </p:blipFill>
+        <p:spPr bwMode="auto">
+          <a:xfrm>
+            <a:off x="6567488" y="292100"/>
+            <a:ext cx="1141412" cy="1141412"/>
+          </a:xfrm>
+          <a:prstGeom prst="rect">
+            <a:avLst/>
+          </a:prstGeom>
+          <a:noFill/>
+          <a:extLst>
+            <a:ext uri="{909E8E84-426E-40DD-AFC4-6F175D3DCCD1}">
+              <a14:hiddenFill xmlns:a14="http://schemas.microsoft.com/office/drawing/2010/main">
+                <a:solidFill>
+                  <a:srgbClr val="FFFFFF"/>
+                </a:solidFill>
+              </a14:hiddenFill>
+            </a:ext>
+          </a:extLst>
+        </p:spPr>
+      </p:pic>
+    </p:spTree>
+    <p:extLst>
+      <p:ext uri="{BB962C8B-B14F-4D97-AF65-F5344CB8AC3E}">
+        <p14:creationId xmlns:p14="http://schemas.microsoft.com/office/powerpoint/2010/main" val="1915694857"/>
+      </p:ext>
+    </p:extLst>
+  </p:cSld>
+  <p:clrMapOvr>
+    <a:masterClrMapping/>
+  </p:clrMapOvr>
+  <p:timing>
+    <p:tnLst>
+      <p:par>
+        <p:cTn id="1" dur="indefinite" restart="never" nodeType="tmRoot"/>
+      </p:par>
+    </p:tnLst>
+  </p:timing>
+</p:sld>
+</file>
+
+<file path=ppt/slides/slide25.xml><?xml version="1.0" encoding="utf-8"?>
+<p:sld xmlns:a="http://schemas.openxmlformats.org/drawingml/2006/main" xmlns:r="http://schemas.openxmlformats.org/officeDocument/2006/relationships" xmlns:p="http://schemas.openxmlformats.org/presentationml/2006/main" show="0">
+  <p:cSld>
+    <p:spTree>
+      <p:nvGrpSpPr>
+        <p:cNvPr id="1" name=""/>
+        <p:cNvGrpSpPr/>
+        <p:nvPr/>
+      </p:nvGrpSpPr>
+      <p:grpSpPr>
+        <a:xfrm>
+          <a:off x="0" y="0"/>
+          <a:ext cx="0" cy="0"/>
+          <a:chOff x="0" y="0"/>
+          <a:chExt cx="0" cy="0"/>
+        </a:xfrm>
+      </p:grpSpPr>
+      <p:sp>
+        <p:nvSpPr>
           <p:cNvPr id="16" name="Rectangle 15"/>
           <p:cNvSpPr/>
           <p:nvPr/>
@@ -16529,6 +16883,9 @@
             <a:endParaRPr lang="en-US" sz="2800" dirty="0" smtClean="0"/>
           </a:p>
           <a:p>
+            <a:endParaRPr lang="en-US" sz="2800" dirty="0" smtClean="0"/>
+          </a:p>
+          <a:p>
             <a:r>
               <a:rPr lang="en-US" sz="2800" dirty="0" smtClean="0"/>
               <a:t>~50 % of code (</a:t>
@@ -16548,7 +16905,13 @@
               <a:rPr lang="en-US" sz="2400" dirty="0" smtClean="0">
                 <a:sym typeface="Wingdings" panose="05000000000000000000" pitchFamily="2" charset="2"/>
               </a:rPr>
-              <a:t>Effort saving is even more significant!</a:t>
+              <a:t>Effort saving is even more significant</a:t>
+            </a:r>
+            <a:r>
+              <a:rPr lang="en-US" sz="2400" dirty="0" smtClean="0">
+                <a:sym typeface="Wingdings" panose="05000000000000000000" pitchFamily="2" charset="2"/>
+              </a:rPr>
+              <a:t>!</a:t>
             </a:r>
           </a:p>
         </p:txBody>
@@ -16706,7 +17069,7 @@
             </a:r>
             <a:fld id="{76AE5747-D0E7-4D66-8FBF-9CFC53A4E0C8}" type="slidenum">
               <a:rPr lang="de-CH" smtClean="0"/>
-              <a:t>24</a:t>
+              <a:t>25</a:t>
             </a:fld>
             <a:endParaRPr lang="de-CH" dirty="0"/>
           </a:p>
@@ -16820,6 +17183,14 @@
   <p:clrMapOvr>
     <a:masterClrMapping/>
   </p:clrMapOvr>
+  <mc:AlternateContent xmlns:mc="http://schemas.openxmlformats.org/markup-compatibility/2006">
+    <mc:Choice xmlns:p14="http://schemas.microsoft.com/office/powerpoint/2010/main" Requires="p14">
+      <p:transition spd="slow" p14:dur="2000"/>
+    </mc:Choice>
+    <mc:Fallback>
+      <p:transition spd="slow"/>
+    </mc:Fallback>
+  </mc:AlternateContent>
   <p:timing>
     <p:tnLst>
       <p:par>
@@ -17066,7 +17437,7 @@
                                         <p:tgtEl>
                                           <p:spTgt spid="2">
                                             <p:txEl>
-                                              <p:pRg st="7" end="7"/>
+                                              <p:pRg st="8" end="8"/>
                                             </p:txEl>
                                           </p:spTgt>
                                         </p:tgtEl>
@@ -17084,7 +17455,7 @@
                                         <p:tgtEl>
                                           <p:spTgt spid="2">
                                             <p:txEl>
-                                              <p:pRg st="7" end="7"/>
+                                              <p:pRg st="8" end="8"/>
                                             </p:txEl>
                                           </p:spTgt>
                                         </p:tgtEl>
@@ -17109,7 +17480,7 @@
                                         <p:tgtEl>
                                           <p:spTgt spid="2">
                                             <p:txEl>
-                                              <p:pRg st="8" end="8"/>
+                                              <p:pRg st="9" end="9"/>
                                             </p:txEl>
                                           </p:spTgt>
                                         </p:tgtEl>
@@ -17127,7 +17498,7 @@
                                         <p:tgtEl>
                                           <p:spTgt spid="2">
                                             <p:txEl>
-                                              <p:pRg st="8" end="8"/>
+                                              <p:pRg st="9" end="9"/>
                                             </p:txEl>
                                           </p:spTgt>
                                         </p:tgtEl>
@@ -17177,7 +17548,7 @@
 </p:sld>
 </file>
 
-<file path=ppt/slides/slide25.xml><?xml version="1.0" encoding="utf-8"?>
+<file path=ppt/slides/slide26.xml><?xml version="1.0" encoding="utf-8"?>
 <p:sld xmlns:a="http://schemas.openxmlformats.org/drawingml/2006/main" xmlns:r="http://schemas.openxmlformats.org/officeDocument/2006/relationships" xmlns:p="http://schemas.openxmlformats.org/presentationml/2006/main">
   <p:cSld>
     <p:spTree>
@@ -17194,29 +17565,6 @@
           <a:chExt cx="0" cy="0"/>
         </a:xfrm>
       </p:grpSpPr>
-      <p:sp>
-        <p:nvSpPr>
-          <p:cNvPr id="3" name="Title 2"/>
-          <p:cNvSpPr>
-            <a:spLocks noGrp="1"/>
-          </p:cNvSpPr>
-          <p:nvPr>
-            <p:ph type="title"/>
-          </p:nvPr>
-        </p:nvSpPr>
-        <p:spPr/>
-        <p:txBody>
-          <a:bodyPr/>
-          <a:lstStyle/>
-          <a:p>
-            <a:r>
-              <a:rPr lang="en-US" dirty="0" smtClean="0"/>
-              <a:t>Questions</a:t>
-            </a:r>
-            <a:endParaRPr lang="en-US" dirty="0"/>
-          </a:p>
-        </p:txBody>
-      </p:sp>
       <p:pic>
         <p:nvPicPr>
           <p:cNvPr id="1028" name="Picture 4" descr="http://www.celticwatersolutions.ie/uploads/images/Question%20About%20Water%20Filtration.jpg"/>
@@ -17238,7 +17586,7 @@
         </p:blipFill>
         <p:spPr bwMode="auto">
           <a:xfrm>
-            <a:off x="2762547" y="1789353"/>
+            <a:off x="4572000" y="1718064"/>
             <a:ext cx="3638550" cy="4761538"/>
           </a:xfrm>
           <a:prstGeom prst="rect">
@@ -17258,6 +17606,110 @@
       </p:pic>
       <p:sp>
         <p:nvSpPr>
+          <p:cNvPr id="2" name="Content Placeholder 1"/>
+          <p:cNvSpPr>
+            <a:spLocks noGrp="1"/>
+          </p:cNvSpPr>
+          <p:nvPr>
+            <p:ph idx="1"/>
+          </p:nvPr>
+        </p:nvSpPr>
+        <p:spPr/>
+        <p:txBody>
+          <a:bodyPr/>
+          <a:lstStyle/>
+          <a:p>
+            <a:r>
+              <a:rPr lang="en-US" dirty="0" err="1" smtClean="0"/>
+              <a:t>GitHub</a:t>
+            </a:r>
+            <a:r>
+              <a:rPr lang="en-US" dirty="0" smtClean="0"/>
+              <a:t> repository</a:t>
+            </a:r>
+          </a:p>
+          <a:p>
+            <a:pPr lvl="1"/>
+            <a:r>
+              <a:rPr lang="en-US" dirty="0" smtClean="0">
+                <a:hlinkClick r:id="rId3"/>
+              </a:rPr>
+              <a:t>https</a:t>
+            </a:r>
+            <a:r>
+              <a:rPr lang="en-US" dirty="0">
+                <a:hlinkClick r:id="rId3"/>
+              </a:rPr>
+              <a:t>://</a:t>
+            </a:r>
+            <a:r>
+              <a:rPr lang="en-US" dirty="0" smtClean="0">
+                <a:hlinkClick r:id="rId3"/>
+              </a:rPr>
+              <a:t>github.com/brunnurs/zxm</a:t>
+            </a:r>
+            <a:endParaRPr lang="en-US" dirty="0"/>
+          </a:p>
+          <a:p>
+            <a:endParaRPr lang="en-US" dirty="0"/>
+          </a:p>
+        </p:txBody>
+      </p:sp>
+      <p:sp>
+        <p:nvSpPr>
+          <p:cNvPr id="3" name="Title 2"/>
+          <p:cNvSpPr>
+            <a:spLocks noGrp="1"/>
+          </p:cNvSpPr>
+          <p:nvPr>
+            <p:ph type="title"/>
+          </p:nvPr>
+        </p:nvSpPr>
+        <p:spPr/>
+        <p:txBody>
+          <a:bodyPr/>
+          <a:lstStyle/>
+          <a:p>
+            <a:r>
+              <a:rPr lang="en-US" dirty="0" smtClean="0"/>
+              <a:t>Thank You!</a:t>
+            </a:r>
+            <a:br>
+              <a:rPr lang="en-US" dirty="0" smtClean="0"/>
+            </a:br>
+            <a:r>
+              <a:rPr lang="en-US" dirty="0" smtClean="0"/>
+              <a:t>Questions?</a:t>
+            </a:r>
+            <a:endParaRPr lang="en-US" dirty="0"/>
+          </a:p>
+        </p:txBody>
+      </p:sp>
+      <p:sp>
+        <p:nvSpPr>
+          <p:cNvPr id="8" name="Date Placeholder 7"/>
+          <p:cNvSpPr>
+            <a:spLocks noGrp="1"/>
+          </p:cNvSpPr>
+          <p:nvPr>
+            <p:ph type="dt" sz="half" idx="10"/>
+          </p:nvPr>
+        </p:nvSpPr>
+        <p:spPr/>
+        <p:txBody>
+          <a:bodyPr/>
+          <a:lstStyle/>
+          <a:p>
+            <a:r>
+              <a:rPr lang="en-US" smtClean="0"/>
+              <a:t>26. September 2013</a:t>
+            </a:r>
+            <a:endParaRPr lang="de-CH" dirty="0"/>
+          </a:p>
+        </p:txBody>
+      </p:sp>
+      <p:sp>
+        <p:nvSpPr>
           <p:cNvPr id="6" name="Footer Placeholder 5"/>
           <p:cNvSpPr>
             <a:spLocks noGrp="1"/>
@@ -17281,29 +17733,6 @@
       </p:sp>
       <p:sp>
         <p:nvSpPr>
-          <p:cNvPr id="8" name="Date Placeholder 7"/>
-          <p:cNvSpPr>
-            <a:spLocks noGrp="1"/>
-          </p:cNvSpPr>
-          <p:nvPr>
-            <p:ph type="dt" sz="half" idx="10"/>
-          </p:nvPr>
-        </p:nvSpPr>
-        <p:spPr/>
-        <p:txBody>
-          <a:bodyPr/>
-          <a:lstStyle/>
-          <a:p>
-            <a:r>
-              <a:rPr lang="en-US" smtClean="0"/>
-              <a:t>26. September 2013</a:t>
-            </a:r>
-            <a:endParaRPr lang="de-CH" dirty="0"/>
-          </a:p>
-        </p:txBody>
-      </p:sp>
-      <p:sp>
-        <p:nvSpPr>
           <p:cNvPr id="9" name="Slide Number Placeholder 8"/>
           <p:cNvSpPr>
             <a:spLocks noGrp="1"/>
@@ -17323,7 +17752,7 @@
             </a:r>
             <a:fld id="{EA382A82-52C3-4CAB-89F1-38331029E314}" type="slidenum">
               <a:rPr lang="de-CH" smtClean="0"/>
-              <a:t>25</a:t>
+              <a:t>26</a:t>
             </a:fld>
             <a:endParaRPr lang="de-CH" dirty="0"/>
           </a:p>
@@ -17349,7 +17778,7 @@
 </p:sld>
 </file>
 
-<file path=ppt/slides/slide26.xml><?xml version="1.0" encoding="utf-8"?>
+<file path=ppt/slides/slide27.xml><?xml version="1.0" encoding="utf-8"?>
 <p:sld xmlns:a="http://schemas.openxmlformats.org/drawingml/2006/main" xmlns:r="http://schemas.openxmlformats.org/officeDocument/2006/relationships" xmlns:p="http://schemas.openxmlformats.org/presentationml/2006/main">
   <p:cSld>
     <p:spTree>
@@ -17487,7 +17916,7 @@
             </a:r>
             <a:fld id="{7B09883B-D8DA-4C40-AD18-6B0B2D9537FF}" type="slidenum">
               <a:rPr lang="de-CH" smtClean="0"/>
-              <a:t>26</a:t>
+              <a:t>27</a:t>
             </a:fld>
             <a:endParaRPr lang="de-CH" dirty="0"/>
           </a:p>
@@ -17543,7 +17972,7 @@
 </p:sld>
 </file>
 
-<file path=ppt/slides/slide27.xml><?xml version="1.0" encoding="utf-8"?>
+<file path=ppt/slides/slide28.xml><?xml version="1.0" encoding="utf-8"?>
 <p:sld xmlns:a="http://schemas.openxmlformats.org/drawingml/2006/main" xmlns:r="http://schemas.openxmlformats.org/officeDocument/2006/relationships" xmlns:p="http://schemas.openxmlformats.org/presentationml/2006/main">
   <p:cSld>
     <p:spTree>
@@ -17657,7 +18086,7 @@
             </a:r>
             <a:fld id="{7481FCEA-C37D-4243-8F22-4CC0415B3695}" type="slidenum">
               <a:rPr lang="de-CH" smtClean="0"/>
-              <a:t>27</a:t>
+              <a:t>28</a:t>
             </a:fld>
             <a:endParaRPr lang="de-CH" dirty="0"/>
           </a:p>
@@ -17713,7 +18142,7 @@
 </p:sld>
 </file>
 
-<file path=ppt/slides/slide28.xml><?xml version="1.0" encoding="utf-8"?>
+<file path=ppt/slides/slide29.xml><?xml version="1.0" encoding="utf-8"?>
 <p:sld xmlns:a="http://schemas.openxmlformats.org/drawingml/2006/main" xmlns:r="http://schemas.openxmlformats.org/officeDocument/2006/relationships" xmlns:p="http://schemas.openxmlformats.org/presentationml/2006/main">
   <p:cSld>
     <p:spTree>
@@ -17861,7 +18290,7 @@
             </a:r>
             <a:fld id="{46E01C9A-4F0E-450E-B8F9-72C16FDD6F64}" type="slidenum">
               <a:rPr lang="de-CH" smtClean="0"/>
-              <a:t>28</a:t>
+              <a:t>29</a:t>
             </a:fld>
             <a:endParaRPr lang="de-CH" dirty="0"/>
           </a:p>
@@ -17887,7 +18316,375 @@
 </p:sld>
 </file>
 
-<file path=ppt/slides/slide29.xml><?xml version="1.0" encoding="utf-8"?>
+<file path=ppt/slides/slide3.xml><?xml version="1.0" encoding="utf-8"?>
+<p:sld xmlns:a="http://schemas.openxmlformats.org/drawingml/2006/main" xmlns:r="http://schemas.openxmlformats.org/officeDocument/2006/relationships" xmlns:p="http://schemas.openxmlformats.org/presentationml/2006/main">
+  <p:cSld>
+    <p:spTree>
+      <p:nvGrpSpPr>
+        <p:cNvPr id="1" name=""/>
+        <p:cNvGrpSpPr/>
+        <p:nvPr/>
+      </p:nvGrpSpPr>
+      <p:grpSpPr>
+        <a:xfrm>
+          <a:off x="0" y="0"/>
+          <a:ext cx="0" cy="0"/>
+          <a:chOff x="0" y="0"/>
+          <a:chExt cx="0" cy="0"/>
+        </a:xfrm>
+      </p:grpSpPr>
+      <p:sp>
+        <p:nvSpPr>
+          <p:cNvPr id="2" name="Content Placeholder 1"/>
+          <p:cNvSpPr>
+            <a:spLocks noGrp="1"/>
+          </p:cNvSpPr>
+          <p:nvPr>
+            <p:ph idx="1"/>
+          </p:nvPr>
+        </p:nvSpPr>
+        <p:spPr>
+          <a:xfrm>
+            <a:off x="152082" y="1646775"/>
+            <a:ext cx="8839836" cy="4847688"/>
+          </a:xfrm>
+        </p:spPr>
+        <p:txBody>
+          <a:bodyPr/>
+          <a:lstStyle/>
+          <a:p>
+            <a:pPr marL="457200" indent="-457200">
+              <a:buFont typeface="+mj-lt"/>
+              <a:buAutoNum type="arabicPeriod"/>
+            </a:pPr>
+            <a:r>
+              <a:rPr lang="en-US" dirty="0" smtClean="0"/>
+              <a:t>Introduction					</a:t>
+            </a:r>
+            <a:r>
+              <a:rPr lang="en-US" dirty="0" smtClean="0">
+                <a:latin typeface="+mn-lt"/>
+              </a:rPr>
+              <a:t>10’	</a:t>
+            </a:r>
+            <a:r>
+              <a:rPr lang="en-US" dirty="0" err="1" smtClean="0">
+                <a:latin typeface="+mn-lt"/>
+              </a:rPr>
+              <a:t>olb</a:t>
+            </a:r>
+            <a:endParaRPr lang="en-US" dirty="0" smtClean="0">
+              <a:latin typeface="+mn-lt"/>
+            </a:endParaRPr>
+          </a:p>
+          <a:p>
+            <a:pPr marL="457200" indent="-457200">
+              <a:buFont typeface="+mj-lt"/>
+              <a:buAutoNum type="arabicPeriod"/>
+            </a:pPr>
+            <a:r>
+              <a:rPr lang="en-US" dirty="0" smtClean="0"/>
+              <a:t>Building the “</a:t>
+            </a:r>
+            <a:r>
+              <a:rPr lang="en-US" dirty="0" smtClean="0">
+                <a:solidFill>
+                  <a:schemeClr val="accent1"/>
+                </a:solidFill>
+              </a:rPr>
+              <a:t>Z</a:t>
+            </a:r>
+            <a:r>
+              <a:rPr lang="en-US" dirty="0" smtClean="0"/>
+              <a:t>ühlke </a:t>
+            </a:r>
+            <a:r>
+              <a:rPr lang="en-US" dirty="0" smtClean="0">
+                <a:solidFill>
+                  <a:schemeClr val="accent1"/>
+                </a:solidFill>
+              </a:rPr>
+              <a:t>X</a:t>
+            </a:r>
+            <a:r>
+              <a:rPr lang="en-US" dirty="0" smtClean="0"/>
+              <a:t>-Platform </a:t>
+            </a:r>
+            <a:r>
+              <a:rPr lang="en-US" dirty="0" smtClean="0">
+                <a:solidFill>
+                  <a:schemeClr val="accent1"/>
+                </a:solidFill>
+              </a:rPr>
+              <a:t>M</a:t>
+            </a:r>
+            <a:r>
+              <a:rPr lang="en-US" dirty="0" smtClean="0"/>
+              <a:t>essenger”	</a:t>
+            </a:r>
+            <a:r>
+              <a:rPr lang="en-US" dirty="0" smtClean="0">
+                <a:latin typeface="+mn-lt"/>
+              </a:rPr>
+              <a:t>45’	</a:t>
+            </a:r>
+            <a:r>
+              <a:rPr lang="en-US" dirty="0" err="1" smtClean="0">
+                <a:latin typeface="+mn-lt"/>
+              </a:rPr>
+              <a:t>ssh</a:t>
+            </a:r>
+            <a:r>
+              <a:rPr lang="en-US" dirty="0" smtClean="0">
+                <a:latin typeface="+mn-lt"/>
+              </a:rPr>
+              <a:t>/</a:t>
+            </a:r>
+            <a:r>
+              <a:rPr lang="en-US" dirty="0" err="1" smtClean="0">
+                <a:latin typeface="+mn-lt"/>
+              </a:rPr>
+              <a:t>urb</a:t>
+            </a:r>
+            <a:endParaRPr lang="en-US" dirty="0">
+              <a:latin typeface="+mn-lt"/>
+            </a:endParaRPr>
+          </a:p>
+          <a:p>
+            <a:pPr lvl="3"/>
+            <a:r>
+              <a:rPr lang="en-US" dirty="0" smtClean="0">
+                <a:latin typeface="+mn-lt"/>
+              </a:rPr>
+              <a:t>Role playing</a:t>
+            </a:r>
+          </a:p>
+          <a:p>
+            <a:pPr lvl="3"/>
+            <a:r>
+              <a:rPr lang="en-US" dirty="0" smtClean="0">
+                <a:latin typeface="+mn-lt"/>
+              </a:rPr>
+              <a:t>Live coding</a:t>
+            </a:r>
+          </a:p>
+          <a:p>
+            <a:pPr marL="457200" indent="-457200">
+              <a:buFont typeface="+mj-lt"/>
+              <a:buAutoNum type="arabicPeriod"/>
+            </a:pPr>
+            <a:r>
+              <a:rPr lang="en-US" dirty="0" smtClean="0"/>
+              <a:t>Questions						  </a:t>
+            </a:r>
+            <a:r>
+              <a:rPr lang="en-US" dirty="0" smtClean="0">
+                <a:latin typeface="+mn-lt"/>
+              </a:rPr>
+              <a:t>5’</a:t>
+            </a:r>
+          </a:p>
+          <a:p>
+            <a:pPr marL="457200" indent="-457200">
+              <a:buFont typeface="+mj-lt"/>
+              <a:buAutoNum type="arabicPeriod"/>
+            </a:pPr>
+            <a:r>
+              <a:rPr lang="en-US" dirty="0" err="1" smtClean="0"/>
+              <a:t>myBosch</a:t>
+            </a:r>
+            <a:r>
+              <a:rPr lang="en-US" dirty="0" smtClean="0"/>
+              <a:t> App: Experiences				</a:t>
+            </a:r>
+            <a:r>
+              <a:rPr lang="en-US" dirty="0" smtClean="0">
+                <a:latin typeface="+mn-lt"/>
+              </a:rPr>
+              <a:t>10’	</a:t>
+            </a:r>
+            <a:r>
+              <a:rPr lang="en-US" dirty="0" err="1" smtClean="0">
+                <a:latin typeface="+mn-lt"/>
+              </a:rPr>
+              <a:t>kwl</a:t>
+            </a:r>
+            <a:endParaRPr lang="en-US" dirty="0" smtClean="0">
+              <a:latin typeface="+mn-lt"/>
+            </a:endParaRPr>
+          </a:p>
+          <a:p>
+            <a:pPr marL="457200" indent="-457200">
+              <a:buFont typeface="+mj-lt"/>
+              <a:buAutoNum type="arabicPeriod"/>
+            </a:pPr>
+            <a:r>
+              <a:rPr lang="en-US" dirty="0" smtClean="0"/>
+              <a:t>Zühlke as </a:t>
+            </a:r>
+            <a:r>
+              <a:rPr lang="en-US" dirty="0" err="1" smtClean="0"/>
+              <a:t>Xamarin’s</a:t>
+            </a:r>
+            <a:r>
+              <a:rPr lang="en-US" dirty="0"/>
+              <a:t> Premium Consulting </a:t>
+            </a:r>
+            <a:r>
+              <a:rPr lang="en-US" dirty="0" smtClean="0"/>
+              <a:t>Partner	</a:t>
+            </a:r>
+            <a:r>
+              <a:rPr lang="en-US" dirty="0" smtClean="0">
+                <a:latin typeface="+mn-lt"/>
+              </a:rPr>
+              <a:t>10’	</a:t>
+            </a:r>
+            <a:r>
+              <a:rPr lang="en-US" dirty="0" err="1" smtClean="0">
+                <a:latin typeface="+mn-lt"/>
+              </a:rPr>
+              <a:t>kls</a:t>
+            </a:r>
+            <a:endParaRPr lang="en-US" dirty="0" smtClean="0">
+              <a:latin typeface="+mn-lt"/>
+            </a:endParaRPr>
+          </a:p>
+          <a:p>
+            <a:pPr marL="457200" indent="-457200">
+              <a:buFont typeface="+mj-lt"/>
+              <a:buAutoNum type="arabicPeriod"/>
+            </a:pPr>
+            <a:r>
+              <a:rPr lang="en-US" dirty="0" smtClean="0"/>
+              <a:t>Discussion						</a:t>
+            </a:r>
+            <a:r>
+              <a:rPr lang="en-US" dirty="0" smtClean="0">
+                <a:latin typeface="+mn-lt"/>
+              </a:rPr>
+              <a:t>10’</a:t>
+            </a:r>
+          </a:p>
+        </p:txBody>
+      </p:sp>
+      <p:sp>
+        <p:nvSpPr>
+          <p:cNvPr id="3" name="Title 2"/>
+          <p:cNvSpPr>
+            <a:spLocks noGrp="1"/>
+          </p:cNvSpPr>
+          <p:nvPr>
+            <p:ph type="title"/>
+          </p:nvPr>
+        </p:nvSpPr>
+        <p:spPr/>
+        <p:txBody>
+          <a:bodyPr/>
+          <a:lstStyle/>
+          <a:p>
+            <a:r>
+              <a:rPr lang="en-US" dirty="0" smtClean="0"/>
+              <a:t>Agenda</a:t>
+            </a:r>
+            <a:endParaRPr lang="en-US" dirty="0"/>
+          </a:p>
+        </p:txBody>
+      </p:sp>
+      <p:sp>
+        <p:nvSpPr>
+          <p:cNvPr id="5" name="Footer Placeholder 4"/>
+          <p:cNvSpPr>
+            <a:spLocks noGrp="1"/>
+          </p:cNvSpPr>
+          <p:nvPr>
+            <p:ph type="ftr" sz="quarter" idx="11"/>
+          </p:nvPr>
+        </p:nvSpPr>
+        <p:spPr/>
+        <p:txBody>
+          <a:bodyPr/>
+          <a:lstStyle/>
+          <a:p>
+            <a:r>
+              <a:rPr lang="en-US" smtClean="0"/>
+              <a:t>Cross-platform Mobile Development | Ursin Brunner, Stefan Schöb, Oliver Brack</a:t>
+            </a:r>
+            <a:endParaRPr lang="en-US" dirty="0"/>
+          </a:p>
+        </p:txBody>
+      </p:sp>
+      <p:sp>
+        <p:nvSpPr>
+          <p:cNvPr id="9" name="Date Placeholder 8"/>
+          <p:cNvSpPr>
+            <a:spLocks noGrp="1"/>
+          </p:cNvSpPr>
+          <p:nvPr>
+            <p:ph type="dt" sz="half" idx="10"/>
+          </p:nvPr>
+        </p:nvSpPr>
+        <p:spPr/>
+        <p:txBody>
+          <a:bodyPr/>
+          <a:lstStyle/>
+          <a:p>
+            <a:r>
+              <a:rPr lang="en-US" smtClean="0"/>
+              <a:t>26. September 2013</a:t>
+            </a:r>
+            <a:endParaRPr lang="de-CH" dirty="0"/>
+          </a:p>
+        </p:txBody>
+      </p:sp>
+      <p:sp>
+        <p:nvSpPr>
+          <p:cNvPr id="10" name="Slide Number Placeholder 9"/>
+          <p:cNvSpPr>
+            <a:spLocks noGrp="1"/>
+          </p:cNvSpPr>
+          <p:nvPr>
+            <p:ph type="sldNum" sz="quarter" idx="12"/>
+          </p:nvPr>
+        </p:nvSpPr>
+        <p:spPr/>
+        <p:txBody>
+          <a:bodyPr/>
+          <a:lstStyle/>
+          <a:p>
+            <a:r>
+              <a:rPr lang="de-CH" smtClean="0"/>
+              <a:t>Slide </a:t>
+            </a:r>
+            <a:fld id="{7C8AE9C6-1CD8-484E-9750-DD723D6E9BEA}" type="slidenum">
+              <a:rPr lang="de-CH" smtClean="0"/>
+              <a:t>3</a:t>
+            </a:fld>
+            <a:endParaRPr lang="de-CH" dirty="0"/>
+          </a:p>
+        </p:txBody>
+      </p:sp>
+    </p:spTree>
+    <p:extLst>
+      <p:ext uri="{BB962C8B-B14F-4D97-AF65-F5344CB8AC3E}">
+        <p14:creationId xmlns:p14="http://schemas.microsoft.com/office/powerpoint/2010/main" val="248274490"/>
+      </p:ext>
+    </p:extLst>
+  </p:cSld>
+  <p:clrMapOvr>
+    <a:masterClrMapping/>
+  </p:clrMapOvr>
+  <p:timing>
+    <p:tnLst>
+      <p:par>
+        <p:cTn id="1" dur="indefinite" restart="never" nodeType="tmRoot"/>
+      </p:par>
+    </p:tnLst>
+  </p:timing>
+</p:sld>
+</file>
+
+<file path=ppt/slides/slide30.xml><?xml version="1.0" encoding="utf-8"?>
 <p:sld xmlns:a="http://schemas.openxmlformats.org/drawingml/2006/main" xmlns:r="http://schemas.openxmlformats.org/officeDocument/2006/relationships" xmlns:p="http://schemas.openxmlformats.org/presentationml/2006/main">
   <p:cSld>
     <p:spTree>
@@ -18249,7 +19046,7 @@
             </a:r>
             <a:fld id="{3A0CAE62-62EF-4FE6-8C36-CD1035D976E5}" type="slidenum">
               <a:rPr lang="de-CH" smtClean="0"/>
-              <a:t>29</a:t>
+              <a:t>30</a:t>
             </a:fld>
             <a:endParaRPr lang="de-CH" dirty="0"/>
           </a:p>
@@ -18413,374 +19210,6 @@
     <p:extLst>
       <p:ext uri="{BB962C8B-B14F-4D97-AF65-F5344CB8AC3E}">
         <p14:creationId xmlns:p14="http://schemas.microsoft.com/office/powerpoint/2010/main" val="1712907130"/>
-      </p:ext>
-    </p:extLst>
-  </p:cSld>
-  <p:clrMapOvr>
-    <a:masterClrMapping/>
-  </p:clrMapOvr>
-  <p:timing>
-    <p:tnLst>
-      <p:par>
-        <p:cTn id="1" dur="indefinite" restart="never" nodeType="tmRoot"/>
-      </p:par>
-    </p:tnLst>
-  </p:timing>
-</p:sld>
-</file>
-
-<file path=ppt/slides/slide3.xml><?xml version="1.0" encoding="utf-8"?>
-<p:sld xmlns:a="http://schemas.openxmlformats.org/drawingml/2006/main" xmlns:r="http://schemas.openxmlformats.org/officeDocument/2006/relationships" xmlns:p="http://schemas.openxmlformats.org/presentationml/2006/main">
-  <p:cSld>
-    <p:spTree>
-      <p:nvGrpSpPr>
-        <p:cNvPr id="1" name=""/>
-        <p:cNvGrpSpPr/>
-        <p:nvPr/>
-      </p:nvGrpSpPr>
-      <p:grpSpPr>
-        <a:xfrm>
-          <a:off x="0" y="0"/>
-          <a:ext cx="0" cy="0"/>
-          <a:chOff x="0" y="0"/>
-          <a:chExt cx="0" cy="0"/>
-        </a:xfrm>
-      </p:grpSpPr>
-      <p:sp>
-        <p:nvSpPr>
-          <p:cNvPr id="2" name="Content Placeholder 1"/>
-          <p:cNvSpPr>
-            <a:spLocks noGrp="1"/>
-          </p:cNvSpPr>
-          <p:nvPr>
-            <p:ph idx="1"/>
-          </p:nvPr>
-        </p:nvSpPr>
-        <p:spPr>
-          <a:xfrm>
-            <a:off x="152082" y="1646775"/>
-            <a:ext cx="8839836" cy="4847688"/>
-          </a:xfrm>
-        </p:spPr>
-        <p:txBody>
-          <a:bodyPr/>
-          <a:lstStyle/>
-          <a:p>
-            <a:pPr marL="457200" indent="-457200">
-              <a:buFont typeface="+mj-lt"/>
-              <a:buAutoNum type="arabicPeriod"/>
-            </a:pPr>
-            <a:r>
-              <a:rPr lang="en-US" dirty="0" smtClean="0"/>
-              <a:t>Introduction					</a:t>
-            </a:r>
-            <a:r>
-              <a:rPr lang="en-US" dirty="0" smtClean="0">
-                <a:latin typeface="+mn-lt"/>
-              </a:rPr>
-              <a:t>10’	</a:t>
-            </a:r>
-            <a:r>
-              <a:rPr lang="en-US" dirty="0" err="1" smtClean="0">
-                <a:latin typeface="+mn-lt"/>
-              </a:rPr>
-              <a:t>olb</a:t>
-            </a:r>
-            <a:endParaRPr lang="en-US" dirty="0" smtClean="0">
-              <a:latin typeface="+mn-lt"/>
-            </a:endParaRPr>
-          </a:p>
-          <a:p>
-            <a:pPr marL="457200" indent="-457200">
-              <a:buFont typeface="+mj-lt"/>
-              <a:buAutoNum type="arabicPeriod"/>
-            </a:pPr>
-            <a:r>
-              <a:rPr lang="en-US" dirty="0" smtClean="0"/>
-              <a:t>Building the “</a:t>
-            </a:r>
-            <a:r>
-              <a:rPr lang="en-US" dirty="0" smtClean="0">
-                <a:solidFill>
-                  <a:schemeClr val="accent1"/>
-                </a:solidFill>
-              </a:rPr>
-              <a:t>Z</a:t>
-            </a:r>
-            <a:r>
-              <a:rPr lang="en-US" dirty="0" smtClean="0"/>
-              <a:t>ühlke </a:t>
-            </a:r>
-            <a:r>
-              <a:rPr lang="en-US" dirty="0" smtClean="0">
-                <a:solidFill>
-                  <a:schemeClr val="accent1"/>
-                </a:solidFill>
-              </a:rPr>
-              <a:t>X</a:t>
-            </a:r>
-            <a:r>
-              <a:rPr lang="en-US" dirty="0" smtClean="0"/>
-              <a:t>-Platform </a:t>
-            </a:r>
-            <a:r>
-              <a:rPr lang="en-US" dirty="0" smtClean="0">
-                <a:solidFill>
-                  <a:schemeClr val="accent1"/>
-                </a:solidFill>
-              </a:rPr>
-              <a:t>M</a:t>
-            </a:r>
-            <a:r>
-              <a:rPr lang="en-US" dirty="0" smtClean="0"/>
-              <a:t>essenger”	</a:t>
-            </a:r>
-            <a:r>
-              <a:rPr lang="en-US" dirty="0" smtClean="0">
-                <a:latin typeface="+mn-lt"/>
-              </a:rPr>
-              <a:t>45’	</a:t>
-            </a:r>
-            <a:r>
-              <a:rPr lang="en-US" dirty="0" err="1" smtClean="0">
-                <a:latin typeface="+mn-lt"/>
-              </a:rPr>
-              <a:t>ssh</a:t>
-            </a:r>
-            <a:r>
-              <a:rPr lang="en-US" dirty="0" smtClean="0">
-                <a:latin typeface="+mn-lt"/>
-              </a:rPr>
-              <a:t>/</a:t>
-            </a:r>
-            <a:r>
-              <a:rPr lang="en-US" dirty="0" err="1" smtClean="0">
-                <a:latin typeface="+mn-lt"/>
-              </a:rPr>
-              <a:t>urb</a:t>
-            </a:r>
-            <a:endParaRPr lang="en-US" dirty="0">
-              <a:latin typeface="+mn-lt"/>
-            </a:endParaRPr>
-          </a:p>
-          <a:p>
-            <a:pPr lvl="3"/>
-            <a:r>
-              <a:rPr lang="en-US" dirty="0" smtClean="0">
-                <a:latin typeface="+mn-lt"/>
-              </a:rPr>
-              <a:t>Role playing</a:t>
-            </a:r>
-          </a:p>
-          <a:p>
-            <a:pPr lvl="3"/>
-            <a:r>
-              <a:rPr lang="en-US" dirty="0" smtClean="0">
-                <a:latin typeface="+mn-lt"/>
-              </a:rPr>
-              <a:t>Live coding</a:t>
-            </a:r>
-          </a:p>
-          <a:p>
-            <a:pPr marL="457200" indent="-457200">
-              <a:buFont typeface="+mj-lt"/>
-              <a:buAutoNum type="arabicPeriod"/>
-            </a:pPr>
-            <a:r>
-              <a:rPr lang="en-US" dirty="0" smtClean="0"/>
-              <a:t>Questions						  </a:t>
-            </a:r>
-            <a:r>
-              <a:rPr lang="en-US" dirty="0" smtClean="0">
-                <a:latin typeface="+mn-lt"/>
-              </a:rPr>
-              <a:t>5’</a:t>
-            </a:r>
-          </a:p>
-          <a:p>
-            <a:pPr marL="457200" indent="-457200">
-              <a:buFont typeface="+mj-lt"/>
-              <a:buAutoNum type="arabicPeriod"/>
-            </a:pPr>
-            <a:r>
-              <a:rPr lang="en-US" dirty="0" err="1" smtClean="0"/>
-              <a:t>myBosch</a:t>
-            </a:r>
-            <a:r>
-              <a:rPr lang="en-US" dirty="0" smtClean="0"/>
-              <a:t> App: Experiences				</a:t>
-            </a:r>
-            <a:r>
-              <a:rPr lang="en-US" dirty="0" smtClean="0">
-                <a:latin typeface="+mn-lt"/>
-              </a:rPr>
-              <a:t>10’	</a:t>
-            </a:r>
-            <a:r>
-              <a:rPr lang="en-US" dirty="0" err="1" smtClean="0">
-                <a:latin typeface="+mn-lt"/>
-              </a:rPr>
-              <a:t>kwl</a:t>
-            </a:r>
-            <a:endParaRPr lang="en-US" dirty="0" smtClean="0">
-              <a:latin typeface="+mn-lt"/>
-            </a:endParaRPr>
-          </a:p>
-          <a:p>
-            <a:pPr marL="457200" indent="-457200">
-              <a:buFont typeface="+mj-lt"/>
-              <a:buAutoNum type="arabicPeriod"/>
-            </a:pPr>
-            <a:r>
-              <a:rPr lang="en-US" dirty="0" smtClean="0"/>
-              <a:t>Zühlke as </a:t>
-            </a:r>
-            <a:r>
-              <a:rPr lang="en-US" dirty="0" err="1" smtClean="0"/>
-              <a:t>Xamarin’s</a:t>
-            </a:r>
-            <a:r>
-              <a:rPr lang="en-US" dirty="0"/>
-              <a:t> Premium Consulting </a:t>
-            </a:r>
-            <a:r>
-              <a:rPr lang="en-US" dirty="0" smtClean="0"/>
-              <a:t>Partner	</a:t>
-            </a:r>
-            <a:r>
-              <a:rPr lang="en-US" dirty="0" smtClean="0">
-                <a:latin typeface="+mn-lt"/>
-              </a:rPr>
-              <a:t>10’	</a:t>
-            </a:r>
-            <a:r>
-              <a:rPr lang="en-US" dirty="0" err="1" smtClean="0">
-                <a:latin typeface="+mn-lt"/>
-              </a:rPr>
-              <a:t>kls</a:t>
-            </a:r>
-            <a:endParaRPr lang="en-US" dirty="0" smtClean="0">
-              <a:latin typeface="+mn-lt"/>
-            </a:endParaRPr>
-          </a:p>
-          <a:p>
-            <a:pPr marL="457200" indent="-457200">
-              <a:buFont typeface="+mj-lt"/>
-              <a:buAutoNum type="arabicPeriod"/>
-            </a:pPr>
-            <a:r>
-              <a:rPr lang="en-US" dirty="0" smtClean="0"/>
-              <a:t>Discussion						</a:t>
-            </a:r>
-            <a:r>
-              <a:rPr lang="en-US" dirty="0" smtClean="0">
-                <a:latin typeface="+mn-lt"/>
-              </a:rPr>
-              <a:t>10’</a:t>
-            </a:r>
-          </a:p>
-        </p:txBody>
-      </p:sp>
-      <p:sp>
-        <p:nvSpPr>
-          <p:cNvPr id="3" name="Title 2"/>
-          <p:cNvSpPr>
-            <a:spLocks noGrp="1"/>
-          </p:cNvSpPr>
-          <p:nvPr>
-            <p:ph type="title"/>
-          </p:nvPr>
-        </p:nvSpPr>
-        <p:spPr/>
-        <p:txBody>
-          <a:bodyPr/>
-          <a:lstStyle/>
-          <a:p>
-            <a:r>
-              <a:rPr lang="en-US" dirty="0" smtClean="0"/>
-              <a:t>Agenda</a:t>
-            </a:r>
-            <a:endParaRPr lang="en-US" dirty="0"/>
-          </a:p>
-        </p:txBody>
-      </p:sp>
-      <p:sp>
-        <p:nvSpPr>
-          <p:cNvPr id="5" name="Footer Placeholder 4"/>
-          <p:cNvSpPr>
-            <a:spLocks noGrp="1"/>
-          </p:cNvSpPr>
-          <p:nvPr>
-            <p:ph type="ftr" sz="quarter" idx="11"/>
-          </p:nvPr>
-        </p:nvSpPr>
-        <p:spPr/>
-        <p:txBody>
-          <a:bodyPr/>
-          <a:lstStyle/>
-          <a:p>
-            <a:r>
-              <a:rPr lang="en-US" smtClean="0"/>
-              <a:t>Cross-platform Mobile Development | Ursin Brunner, Stefan Schöb, Oliver Brack</a:t>
-            </a:r>
-            <a:endParaRPr lang="en-US" dirty="0"/>
-          </a:p>
-        </p:txBody>
-      </p:sp>
-      <p:sp>
-        <p:nvSpPr>
-          <p:cNvPr id="9" name="Date Placeholder 8"/>
-          <p:cNvSpPr>
-            <a:spLocks noGrp="1"/>
-          </p:cNvSpPr>
-          <p:nvPr>
-            <p:ph type="dt" sz="half" idx="10"/>
-          </p:nvPr>
-        </p:nvSpPr>
-        <p:spPr/>
-        <p:txBody>
-          <a:bodyPr/>
-          <a:lstStyle/>
-          <a:p>
-            <a:r>
-              <a:rPr lang="en-US" smtClean="0"/>
-              <a:t>26. September 2013</a:t>
-            </a:r>
-            <a:endParaRPr lang="de-CH" dirty="0"/>
-          </a:p>
-        </p:txBody>
-      </p:sp>
-      <p:sp>
-        <p:nvSpPr>
-          <p:cNvPr id="10" name="Slide Number Placeholder 9"/>
-          <p:cNvSpPr>
-            <a:spLocks noGrp="1"/>
-          </p:cNvSpPr>
-          <p:nvPr>
-            <p:ph type="sldNum" sz="quarter" idx="12"/>
-          </p:nvPr>
-        </p:nvSpPr>
-        <p:spPr/>
-        <p:txBody>
-          <a:bodyPr/>
-          <a:lstStyle/>
-          <a:p>
-            <a:r>
-              <a:rPr lang="de-CH" smtClean="0"/>
-              <a:t>Slide </a:t>
-            </a:r>
-            <a:fld id="{7C8AE9C6-1CD8-484E-9750-DD723D6E9BEA}" type="slidenum">
-              <a:rPr lang="de-CH" smtClean="0"/>
-              <a:t>3</a:t>
-            </a:fld>
-            <a:endParaRPr lang="de-CH" dirty="0"/>
-          </a:p>
-        </p:txBody>
-      </p:sp>
-    </p:spTree>
-    <p:extLst>
-      <p:ext uri="{BB962C8B-B14F-4D97-AF65-F5344CB8AC3E}">
-        <p14:creationId xmlns:p14="http://schemas.microsoft.com/office/powerpoint/2010/main" val="248274490"/>
       </p:ext>
     </p:extLst>
   </p:cSld>
@@ -26438,7 +26867,15 @@
             <a:pPr lvl="3"/>
             <a:r>
               <a:rPr lang="en-US" sz="2400" dirty="0" smtClean="0"/>
-              <a:t>“Java Binding Library” to use existing JAR libraries</a:t>
+              <a:t>“Java </a:t>
+            </a:r>
+            <a:r>
+              <a:rPr lang="en-US" sz="2400" dirty="0" smtClean="0"/>
+              <a:t>Bindings </a:t>
+            </a:r>
+            <a:r>
+              <a:rPr lang="en-US" sz="2400" dirty="0" smtClean="0"/>
+              <a:t>Library” to use existing JAR libraries</a:t>
             </a:r>
           </a:p>
           <a:p>
@@ -26763,6 +27200,12 @@
 </file>
 
 <file path=ppt/tags/tag17.xml><?xml version="1.0" encoding="utf-8"?>
+<p:tagLst xmlns:a="http://schemas.openxmlformats.org/drawingml/2006/main" xmlns:r="http://schemas.openxmlformats.org/officeDocument/2006/relationships" xmlns:p="http://schemas.openxmlformats.org/presentationml/2006/main">
+  <p:tag name="SHAPETYPE" val="Logo"/>
+</p:tagLst>
+</file>
+
+<file path=ppt/tags/tag18.xml><?xml version="1.0" encoding="utf-8"?>
 <p:tagLst xmlns:a="http://schemas.openxmlformats.org/drawingml/2006/main" xmlns:r="http://schemas.openxmlformats.org/officeDocument/2006/relationships" xmlns:p="http://schemas.openxmlformats.org/presentationml/2006/main">
   <p:tag name="SHAPETYPE" val="Logo"/>
 </p:tagLst>

--- a/docs/13-09-26 Cross-platform mobile development with C#.pptx
+++ b/docs/13-09-26 Cross-platform mobile development with C#.pptx
@@ -50,17 +50,17 @@
       <p:regular r:id="rId34"/>
     </p:embeddedFont>
     <p:embeddedFont>
-      <p:font typeface="AA Zuehlke" panose="02000503060000020004" pitchFamily="2" charset="0"/>
+      <p:font typeface="Webdings" panose="05030102010509060703" pitchFamily="18" charset="2"/>
       <p:regular r:id="rId35"/>
-      <p:bold r:id="rId36"/>
-    </p:embeddedFont>
-    <p:embeddedFont>
-      <p:font typeface="Webdings" panose="05030102010509060703" pitchFamily="18" charset="2"/>
-      <p:regular r:id="rId37"/>
     </p:embeddedFont>
     <p:embeddedFont>
       <p:font typeface="Wingdings 3" panose="05040102010807070707" pitchFamily="18" charset="2"/>
-      <p:regular r:id="rId38"/>
+      <p:regular r:id="rId36"/>
+    </p:embeddedFont>
+    <p:embeddedFont>
+      <p:font typeface="AA Zuehlke" panose="02000503060000020004" pitchFamily="2" charset="0"/>
+      <p:regular r:id="rId37"/>
+      <p:bold r:id="rId38"/>
     </p:embeddedFont>
   </p:embeddedFontLst>
   <p:custDataLst>
@@ -7759,7 +7759,11 @@
           <a:p>
             <a:r>
               <a:rPr lang="en-US" dirty="0" smtClean="0"/>
-              <a:t>Tooling</a:t>
+              <a:t>Tooling (2/2)</a:t>
+            </a:r>
+            <a:r>
+              <a:rPr lang="en-US" dirty="0" smtClean="0"/>
+              <a:t/>
             </a:r>
             <a:br>
               <a:rPr lang="en-US" dirty="0" smtClean="0"/>
@@ -9029,8 +9033,17 @@
               <a:rPr lang="en-US" sz="2000" dirty="0" smtClean="0">
                 <a:sym typeface="Wingdings" panose="05000000000000000000" pitchFamily="2" charset="2"/>
               </a:rPr>
-              <a:t> to load/refresh users</a:t>
-            </a:r>
+              <a:t> to </a:t>
+            </a:r>
+            <a:r>
+              <a:rPr lang="en-US" sz="2000" dirty="0" smtClean="0">
+                <a:sym typeface="Wingdings" panose="05000000000000000000" pitchFamily="2" charset="2"/>
+              </a:rPr>
+              <a:t>load users</a:t>
+            </a:r>
+            <a:endParaRPr lang="en-US" sz="2000" dirty="0" smtClean="0">
+              <a:sym typeface="Wingdings" panose="05000000000000000000" pitchFamily="2" charset="2"/>
+            </a:endParaRPr>
           </a:p>
           <a:p>
             <a:r>
@@ -9140,7 +9153,18 @@
             </a:r>
             <a:r>
               <a:rPr lang="en-US" dirty="0" smtClean="0"/>
-              <a:t> (1/2)</a:t>
+              <a:t> (1/2</a:t>
+            </a:r>
+            <a:r>
+              <a:rPr lang="en-US" dirty="0" smtClean="0"/>
+              <a:t>)</a:t>
+            </a:r>
+            <a:br>
+              <a:rPr lang="en-US" dirty="0" smtClean="0"/>
+            </a:br>
+            <a:r>
+              <a:rPr lang="en-US" dirty="0" err="1" smtClean="0"/>
+              <a:t>iOS</a:t>
             </a:r>
             <a:endParaRPr lang="en-US" dirty="0"/>
           </a:p>
@@ -9781,8 +9805,27 @@
           <a:lstStyle/>
           <a:p>
             <a:r>
-              <a:rPr lang="en-US" smtClean="0"/>
-              <a:t>Shared Model/ViewModel (2/2)</a:t>
+              <a:rPr lang="en-US" dirty="0" smtClean="0"/>
+              <a:t>Shared Model/</a:t>
+            </a:r>
+            <a:r>
+              <a:rPr lang="en-US" dirty="0" err="1" smtClean="0"/>
+              <a:t>ViewModel</a:t>
+            </a:r>
+            <a:r>
+              <a:rPr lang="en-US" dirty="0" smtClean="0"/>
+              <a:t> (2/2</a:t>
+            </a:r>
+            <a:r>
+              <a:rPr lang="en-US" dirty="0" smtClean="0"/>
+              <a:t>)</a:t>
+            </a:r>
+            <a:br>
+              <a:rPr lang="en-US" dirty="0" smtClean="0"/>
+            </a:br>
+            <a:r>
+              <a:rPr lang="en-US" dirty="0" smtClean="0"/>
+              <a:t>Android</a:t>
             </a:r>
             <a:endParaRPr lang="en-US" dirty="0"/>
           </a:p>
@@ -10511,13 +10554,8 @@
             <a:pPr lvl="1"/>
             <a:r>
               <a:rPr lang="en-US" sz="2800" dirty="0" smtClean="0"/>
-              <a:t>Navigation is also defined in the shared </a:t>
-            </a:r>
-            <a:r>
-              <a:rPr lang="en-US" sz="2800" dirty="0" smtClean="0"/>
-              <a:t>part!</a:t>
-            </a:r>
-            <a:endParaRPr lang="en-US" sz="2800" dirty="0" smtClean="0"/>
+              <a:t>Navigation is also defined in the shared part!</a:t>
+            </a:r>
           </a:p>
           <a:p>
             <a:endParaRPr lang="en-US" sz="2800" dirty="0" smtClean="0"/>
@@ -10536,11 +10574,7 @@
             </a:r>
             <a:r>
               <a:rPr lang="en-US" sz="2800" dirty="0" smtClean="0"/>
-              <a:t> (i.e. </a:t>
-            </a:r>
-            <a:r>
-              <a:rPr lang="en-US" sz="2800" dirty="0" smtClean="0"/>
-              <a:t>embedded browser)</a:t>
+              <a:t> (i.e. embedded browser)</a:t>
             </a:r>
             <a:endParaRPr lang="en-US" sz="2800" dirty="0"/>
           </a:p>
@@ -11442,19 +11476,7 @@
             </a:r>
             <a:r>
               <a:rPr lang="en-US" dirty="0" smtClean="0"/>
-              <a:t> </a:t>
-            </a:r>
-            <a:r>
-              <a:rPr lang="en-US" dirty="0" smtClean="0"/>
-              <a:t>to </a:t>
-            </a:r>
-            <a:r>
-              <a:rPr lang="en-US" dirty="0" smtClean="0"/>
-              <a:t>load and compose </a:t>
-            </a:r>
-            <a:r>
-              <a:rPr lang="en-US" dirty="0" smtClean="0"/>
-              <a:t>messages</a:t>
+              <a:t> to load and compose messages</a:t>
             </a:r>
           </a:p>
           <a:p>
@@ -14734,38 +14756,29 @@
       </p:sp>
       <p:pic>
         <p:nvPicPr>
-          <p:cNvPr id="11" name="Picture 4" descr="http://www.digi-news.ch/schulen/20100624/uploads/apple_logo2.jpg"/>
+          <p:cNvPr id="9" name="Picture 2" descr="http://cdn1.xamarin.com/webimages/images/index/icon-cross-platform.png"/>
           <p:cNvPicPr>
             <a:picLocks noChangeAspect="1" noChangeArrowheads="1"/>
           </p:cNvPicPr>
           <p:nvPr/>
         </p:nvPicPr>
-        <p:blipFill rotWithShape="1">
-          <a:blip r:embed="rId2" cstate="print">
+        <p:blipFill>
+          <a:blip r:embed="rId2">
             <a:extLst>
-              <a:ext uri="{BEBA8EAE-BF5A-486C-A8C5-ECC9F3942E4B}">
-                <a14:imgProps xmlns:a14="http://schemas.microsoft.com/office/drawing/2010/main">
-                  <a14:imgLayer r:embed="rId3">
-                    <a14:imgEffect>
-                      <a14:backgroundRemoval t="0" b="100000" l="10000" r="90000">
-                        <a14:foregroundMark x1="56444" y1="12162" x2="56444" y2="12162"/>
-                      </a14:backgroundRemoval>
-                    </a14:imgEffect>
-                  </a14:imgLayer>
-                </a14:imgProps>
-              </a:ext>
               <a:ext uri="{28A0092B-C50C-407E-A947-70E740481C1C}">
                 <a14:useLocalDpi xmlns:a14="http://schemas.microsoft.com/office/drawing/2010/main" val="0"/>
               </a:ext>
             </a:extLst>
           </a:blip>
-          <a:srcRect l="9636" r="15609"/>
-          <a:stretch/>
+          <a:srcRect/>
+          <a:stretch>
+            <a:fillRect/>
+          </a:stretch>
         </p:blipFill>
         <p:spPr bwMode="auto">
           <a:xfrm>
-            <a:off x="8379457" y="5871876"/>
-            <a:ext cx="654610" cy="720000"/>
+            <a:off x="8275473" y="5852826"/>
+            <a:ext cx="719999" cy="720000"/>
           </a:xfrm>
           <a:prstGeom prst="rect">
             <a:avLst/>
@@ -15904,18 +15917,22 @@
             <a:pPr lvl="1"/>
             <a:r>
               <a:rPr lang="en-US" dirty="0" smtClean="0"/>
-              <a:t>Service </a:t>
-            </a:r>
+              <a:t>Service (client-side) to access database</a:t>
+            </a:r>
+          </a:p>
+          <a:p>
+            <a:pPr lvl="1"/>
             <a:r>
               <a:rPr lang="en-US" dirty="0" smtClean="0"/>
-              <a:t>(client-side) to access database</a:t>
-            </a:r>
-          </a:p>
-          <a:p>
-            <a:pPr lvl="1"/>
+              <a:t>Full LINQ support to </a:t>
+            </a:r>
             <a:r>
               <a:rPr lang="en-US" dirty="0" smtClean="0"/>
-              <a:t>Full LINQ support to query/select/manipulate data</a:t>
+              <a:t>query/manipulate </a:t>
+            </a:r>
+            <a:r>
+              <a:rPr lang="en-US" dirty="0" smtClean="0"/>
+              <a:t>data</a:t>
             </a:r>
           </a:p>
           <a:p>
@@ -16107,42 +16124,29 @@
       </p:sp>
       <p:pic>
         <p:nvPicPr>
-          <p:cNvPr id="13" name="Picture 2" descr="http://www.dosenfischer.de/wp-content/uploads/2009/06/android_vector-580x435.jpg"/>
+          <p:cNvPr id="11" name="Picture 2" descr="http://cdn1.xamarin.com/webimages/images/index/icon-cross-platform.png"/>
           <p:cNvPicPr>
             <a:picLocks noChangeAspect="1" noChangeArrowheads="1"/>
           </p:cNvPicPr>
           <p:nvPr/>
         </p:nvPicPr>
-        <p:blipFill rotWithShape="1">
-          <a:blip r:embed="rId2" cstate="print">
+        <p:blipFill>
+          <a:blip r:embed="rId2">
             <a:extLst>
-              <a:ext uri="{BEBA8EAE-BF5A-486C-A8C5-ECC9F3942E4B}">
-                <a14:imgProps xmlns:a14="http://schemas.microsoft.com/office/drawing/2010/main">
-                  <a14:imgLayer r:embed="rId3">
-                    <a14:imgEffect>
-                      <a14:backgroundRemoval t="5287" b="92644" l="22069" r="78448">
-                        <a14:foregroundMark x1="27931" y1="45287" x2="27931" y2="45287"/>
-                        <a14:foregroundMark x1="74310" y1="48506" x2="74310" y2="48506"/>
-                        <a14:foregroundMark x1="48621" y1="21149" x2="48621" y2="21149"/>
-                        <a14:foregroundMark x1="42586" y1="25977" x2="42586" y2="25977"/>
-                        <a14:foregroundMark x1="58103" y1="25517" x2="58103" y2="25517"/>
-                      </a14:backgroundRemoval>
-                    </a14:imgEffect>
-                  </a14:imgLayer>
-                </a14:imgProps>
-              </a:ext>
               <a:ext uri="{28A0092B-C50C-407E-A947-70E740481C1C}">
                 <a14:useLocalDpi xmlns:a14="http://schemas.microsoft.com/office/drawing/2010/main" val="0"/>
               </a:ext>
             </a:extLst>
           </a:blip>
-          <a:srcRect l="21204" t="7413" r="21232" b="3409"/>
-          <a:stretch/>
+          <a:srcRect/>
+          <a:stretch>
+            <a:fillRect/>
+          </a:stretch>
         </p:blipFill>
         <p:spPr bwMode="auto">
           <a:xfrm>
-            <a:off x="8440600" y="5924115"/>
-            <a:ext cx="619675" cy="720000"/>
+            <a:off x="8275473" y="5852826"/>
+            <a:ext cx="719999" cy="720000"/>
           </a:xfrm>
           <a:prstGeom prst="rect">
             <a:avLst/>
@@ -16275,6 +16279,10 @@
               <a:rPr lang="en-US" sz="2800" dirty="0" err="1" smtClean="0"/>
               <a:t>MvvmCross</a:t>
             </a:r>
+            <a:r>
+              <a:rPr lang="en-US" sz="2800" dirty="0" smtClean="0"/>
+              <a:t>?</a:t>
+            </a:r>
             <a:endParaRPr lang="en-US" sz="2800" dirty="0" smtClean="0"/>
           </a:p>
           <a:p>
@@ -16313,19 +16321,47 @@
             </a:r>
             <a:r>
               <a:rPr lang="en-US" sz="2800" dirty="0" smtClean="0"/>
-              <a:t>, plug-in system, data binding</a:t>
-            </a:r>
-          </a:p>
-          <a:p>
-            <a:pPr lvl="1"/>
+              <a:t>, plug-in system, data </a:t>
+            </a:r>
             <a:r>
               <a:rPr lang="en-US" sz="2800" dirty="0" smtClean="0"/>
-              <a:t>Use your proven environment and libraries:</a:t>
+              <a:t>binding,</a:t>
             </a:r>
             <a:br>
               <a:rPr lang="en-US" sz="2800" dirty="0" smtClean="0"/>
             </a:br>
             <a:r>
+              <a:rPr lang="en-US" sz="2800" dirty="0" smtClean="0"/>
+              <a:t>helpers (e.g. </a:t>
+            </a:r>
+            <a:r>
+              <a:rPr lang="en-US" sz="2800" dirty="0" err="1" smtClean="0"/>
+              <a:t>ImageLoader</a:t>
+            </a:r>
+            <a:r>
+              <a:rPr lang="en-US" sz="2800" dirty="0" smtClean="0"/>
+              <a:t>)</a:t>
+            </a:r>
+            <a:endParaRPr lang="en-US" sz="2800" dirty="0" smtClean="0"/>
+          </a:p>
+          <a:p>
+            <a:pPr lvl="1"/>
+            <a:r>
+              <a:rPr lang="en-US" sz="2800" dirty="0" smtClean="0"/>
+              <a:t>Use </a:t>
+            </a:r>
+            <a:r>
+              <a:rPr lang="en-US" sz="2800" dirty="0" smtClean="0"/>
+              <a:t>proven </a:t>
+            </a:r>
+            <a:r>
+              <a:rPr lang="en-US" sz="2800" dirty="0" smtClean="0"/>
+              <a:t>environment and libraries:</a:t>
+            </a:r>
+            <a:br>
+              <a:rPr lang="en-US" sz="2800" dirty="0" smtClean="0"/>
+            </a:br>
+            <a:r>
               <a:rPr lang="en-US" sz="2800" dirty="0" err="1" smtClean="0"/>
               <a:t>NUnit</a:t>
             </a:r>
@@ -16361,12 +16397,12 @@
           <a:lstStyle/>
           <a:p>
             <a:r>
-              <a:rPr lang="en-US" dirty="0" err="1" smtClean="0">
+              <a:rPr lang="en-US" dirty="0" smtClean="0">
                 <a:solidFill>
                   <a:schemeClr val="bg1"/>
                 </a:solidFill>
               </a:rPr>
-              <a:t>Learnings</a:t>
+              <a:t>Conclusion</a:t>
             </a:r>
             <a:endParaRPr lang="en-US" dirty="0">
               <a:solidFill>
@@ -16905,13 +16941,7 @@
               <a:rPr lang="en-US" sz="2400" dirty="0" smtClean="0">
                 <a:sym typeface="Wingdings" panose="05000000000000000000" pitchFamily="2" charset="2"/>
               </a:rPr>
-              <a:t>Effort saving is even more significant</a:t>
-            </a:r>
-            <a:r>
-              <a:rPr lang="en-US" sz="2400" dirty="0" smtClean="0">
-                <a:sym typeface="Wingdings" panose="05000000000000000000" pitchFamily="2" charset="2"/>
-              </a:rPr>
-              <a:t>!</a:t>
+              <a:t>Effort saving is even more significant!</a:t>
             </a:r>
           </a:p>
         </p:txBody>
@@ -17183,11 +17213,11 @@
   <p:clrMapOvr>
     <a:masterClrMapping/>
   </p:clrMapOvr>
-  <mc:AlternateContent xmlns:mc="http://schemas.openxmlformats.org/markup-compatibility/2006">
-    <mc:Choice xmlns:p14="http://schemas.microsoft.com/office/powerpoint/2010/main" Requires="p14">
+  <mc:AlternateContent xmlns:mc="http://schemas.openxmlformats.org/markup-compatibility/2006" xmlns:p14="http://schemas.microsoft.com/office/powerpoint/2010/main">
+    <mc:Choice Requires="p14">
       <p:transition spd="slow" p14:dur="2000"/>
     </mc:Choice>
-    <mc:Fallback>
+    <mc:Fallback xmlns="">
       <p:transition spd="slow"/>
     </mc:Fallback>
   </mc:AlternateContent>
@@ -26867,15 +26897,7 @@
             <a:pPr lvl="3"/>
             <a:r>
               <a:rPr lang="en-US" sz="2400" dirty="0" smtClean="0"/>
-              <a:t>“Java </a:t>
-            </a:r>
-            <a:r>
-              <a:rPr lang="en-US" sz="2400" dirty="0" smtClean="0"/>
-              <a:t>Bindings </a:t>
-            </a:r>
-            <a:r>
-              <a:rPr lang="en-US" sz="2400" dirty="0" smtClean="0"/>
-              <a:t>Library” to use existing JAR libraries</a:t>
+              <a:t>“Java Bindings Library” to use existing JAR libraries</a:t>
             </a:r>
           </a:p>
           <a:p>
@@ -26935,7 +26957,11 @@
             <a:pPr lvl="0"/>
             <a:r>
               <a:rPr lang="en-US" dirty="0" smtClean="0"/>
-              <a:t>Tooling</a:t>
+              <a:t>Tooling (1/2)</a:t>
+            </a:r>
+            <a:r>
+              <a:rPr lang="en-US" dirty="0" smtClean="0"/>
+              <a:t/>
             </a:r>
             <a:br>
               <a:rPr lang="en-US" dirty="0" smtClean="0"/>

--- a/docs/13-09-26 Cross-platform mobile development with C#.pptx
+++ b/docs/13-09-26 Cross-platform mobile development with C#.pptx
@@ -7761,10 +7761,6 @@
               <a:rPr lang="en-US" dirty="0" smtClean="0"/>
               <a:t>Tooling (2/2)</a:t>
             </a:r>
-            <a:r>
-              <a:rPr lang="en-US" dirty="0" smtClean="0"/>
-              <a:t/>
-            </a:r>
             <a:br>
               <a:rPr lang="en-US" dirty="0" smtClean="0"/>
             </a:br>
@@ -9033,17 +9029,8 @@
               <a:rPr lang="en-US" sz="2000" dirty="0" smtClean="0">
                 <a:sym typeface="Wingdings" panose="05000000000000000000" pitchFamily="2" charset="2"/>
               </a:rPr>
-              <a:t> to </a:t>
-            </a:r>
-            <a:r>
-              <a:rPr lang="en-US" sz="2000" dirty="0" smtClean="0">
-                <a:sym typeface="Wingdings" panose="05000000000000000000" pitchFamily="2" charset="2"/>
-              </a:rPr>
-              <a:t>load users</a:t>
-            </a:r>
-            <a:endParaRPr lang="en-US" sz="2000" dirty="0" smtClean="0">
-              <a:sym typeface="Wingdings" panose="05000000000000000000" pitchFamily="2" charset="2"/>
-            </a:endParaRPr>
+              <a:t> to load users</a:t>
+            </a:r>
           </a:p>
           <a:p>
             <a:r>
@@ -9153,11 +9140,7 @@
             </a:r>
             <a:r>
               <a:rPr lang="en-US" dirty="0" smtClean="0"/>
-              <a:t> (1/2</a:t>
-            </a:r>
-            <a:r>
-              <a:rPr lang="en-US" dirty="0" smtClean="0"/>
-              <a:t>)</a:t>
+              <a:t> (1/2)</a:t>
             </a:r>
             <a:br>
               <a:rPr lang="en-US" dirty="0" smtClean="0"/>
@@ -9814,11 +9797,7 @@
             </a:r>
             <a:r>
               <a:rPr lang="en-US" dirty="0" smtClean="0"/>
-              <a:t> (2/2</a:t>
-            </a:r>
-            <a:r>
-              <a:rPr lang="en-US" dirty="0" smtClean="0"/>
-              <a:t>)</a:t>
+              <a:t> (2/2)</a:t>
             </a:r>
             <a:br>
               <a:rPr lang="en-US" dirty="0" smtClean="0"/>
@@ -15924,15 +15903,7 @@
             <a:pPr lvl="1"/>
             <a:r>
               <a:rPr lang="en-US" dirty="0" smtClean="0"/>
-              <a:t>Full LINQ support to </a:t>
-            </a:r>
-            <a:r>
-              <a:rPr lang="en-US" dirty="0" smtClean="0"/>
-              <a:t>query/manipulate </a:t>
-            </a:r>
-            <a:r>
-              <a:rPr lang="en-US" dirty="0" smtClean="0"/>
-              <a:t>data</a:t>
+              <a:t>Full LINQ support to query/manipulate data</a:t>
             </a:r>
           </a:p>
           <a:p>
@@ -16283,7 +16254,6 @@
               <a:rPr lang="en-US" sz="2800" dirty="0" smtClean="0"/>
               <a:t>?</a:t>
             </a:r>
-            <a:endParaRPr lang="en-US" sz="2800" dirty="0" smtClean="0"/>
           </a:p>
           <a:p>
             <a:pPr lvl="1"/>
@@ -16296,7 +16266,15 @@
             </a:br>
             <a:r>
               <a:rPr lang="en-US" sz="2800" dirty="0" smtClean="0"/>
-              <a:t>(C# as common language)</a:t>
+              <a:t>(C# as </a:t>
+            </a:r>
+            <a:r>
+              <a:rPr lang="en-US" sz="2800" dirty="0" smtClean="0"/>
+              <a:t>sole project language</a:t>
+            </a:r>
+            <a:r>
+              <a:rPr lang="en-US" sz="2800" dirty="0" smtClean="0"/>
+              <a:t>)</a:t>
             </a:r>
           </a:p>
           <a:p>
@@ -16321,11 +16299,7 @@
             </a:r>
             <a:r>
               <a:rPr lang="en-US" sz="2800" dirty="0" smtClean="0"/>
-              <a:t>, plug-in system, data </a:t>
-            </a:r>
-            <a:r>
-              <a:rPr lang="en-US" sz="2800" dirty="0" smtClean="0"/>
-              <a:t>binding,</a:t>
+              <a:t>, plug-in system, data binding,</a:t>
             </a:r>
             <a:br>
               <a:rPr lang="en-US" sz="2800" dirty="0" smtClean="0"/>
@@ -16342,21 +16316,12 @@
               <a:rPr lang="en-US" sz="2800" dirty="0" smtClean="0"/>
               <a:t>)</a:t>
             </a:r>
-            <a:endParaRPr lang="en-US" sz="2800" dirty="0" smtClean="0"/>
           </a:p>
           <a:p>
             <a:pPr lvl="1"/>
             <a:r>
               <a:rPr lang="en-US" sz="2800" dirty="0" smtClean="0"/>
-              <a:t>Use </a:t>
-            </a:r>
-            <a:r>
-              <a:rPr lang="en-US" sz="2800" dirty="0" smtClean="0"/>
-              <a:t>proven </a:t>
-            </a:r>
-            <a:r>
-              <a:rPr lang="en-US" sz="2800" dirty="0" smtClean="0"/>
-              <a:t>environment and libraries:</a:t>
+              <a:t>Use proven environment and libraries:</a:t>
             </a:r>
             <a:br>
               <a:rPr lang="en-US" sz="2800" dirty="0" smtClean="0"/>
@@ -16375,7 +16340,11 @@
             </a:r>
             <a:r>
               <a:rPr lang="en-US" sz="2800" dirty="0" smtClean="0"/>
-              <a:t>, Bouncy Castle, CI server</a:t>
+              <a:t>, Bouncy Castle, </a:t>
+            </a:r>
+            <a:r>
+              <a:rPr lang="en-US" sz="2800" dirty="0" smtClean="0"/>
+              <a:t>CI server</a:t>
             </a:r>
             <a:endParaRPr lang="en-US" sz="2800" dirty="0"/>
           </a:p>
@@ -26959,10 +26928,6 @@
               <a:rPr lang="en-US" dirty="0" smtClean="0"/>
               <a:t>Tooling (1/2)</a:t>
             </a:r>
-            <a:r>
-              <a:rPr lang="en-US" dirty="0" smtClean="0"/>
-              <a:t/>
-            </a:r>
             <a:br>
               <a:rPr lang="en-US" dirty="0" smtClean="0"/>
             </a:br>

--- a/docs/13-09-26 Cross-platform mobile development with C#.pptx
+++ b/docs/13-09-26 Cross-platform mobile development with C#.pptx
@@ -46,21 +46,21 @@
   <p:notesSz cx="6858000" cy="9144000"/>
   <p:embeddedFontLst>
     <p:embeddedFont>
-      <p:font typeface="AA Zuehlke Medium" panose="02000603060000020004" pitchFamily="2" charset="0"/>
+      <p:font typeface="Webdings" panose="05030102010509060703" pitchFamily="18" charset="2"/>
       <p:regular r:id="rId34"/>
     </p:embeddedFont>
     <p:embeddedFont>
-      <p:font typeface="Webdings" panose="05030102010509060703" pitchFamily="18" charset="2"/>
+      <p:font typeface="AA Zuehlke" panose="02000503060000020004" pitchFamily="2" charset="0"/>
       <p:regular r:id="rId35"/>
+      <p:bold r:id="rId36"/>
     </p:embeddedFont>
     <p:embeddedFont>
       <p:font typeface="Wingdings 3" panose="05040102010807070707" pitchFamily="18" charset="2"/>
-      <p:regular r:id="rId36"/>
+      <p:regular r:id="rId37"/>
     </p:embeddedFont>
     <p:embeddedFont>
-      <p:font typeface="AA Zuehlke" panose="02000503060000020004" pitchFamily="2" charset="0"/>
-      <p:regular r:id="rId37"/>
-      <p:bold r:id="rId38"/>
+      <p:font typeface="AA Zuehlke Medium" panose="02000603060000020004" pitchFamily="2" charset="0"/>
+      <p:regular r:id="rId38"/>
     </p:embeddedFont>
   </p:embeddedFontLst>
   <p:custDataLst>
@@ -15266,7 +15266,15 @@
             <a:pPr lvl="1"/>
             <a:r>
               <a:rPr lang="en-US" dirty="0" smtClean="0"/>
-              <a:t>Persisted independent from application</a:t>
+              <a:t>Persisted </a:t>
+            </a:r>
+            <a:r>
+              <a:rPr lang="en-US" dirty="0" smtClean="0"/>
+              <a:t>independently </a:t>
+            </a:r>
+            <a:r>
+              <a:rPr lang="en-US" dirty="0" smtClean="0"/>
+              <a:t>from application</a:t>
             </a:r>
           </a:p>
         </p:txBody>
@@ -16266,15 +16274,7 @@
             </a:br>
             <a:r>
               <a:rPr lang="en-US" sz="2800" dirty="0" smtClean="0"/>
-              <a:t>(C# as </a:t>
-            </a:r>
-            <a:r>
-              <a:rPr lang="en-US" sz="2800" dirty="0" smtClean="0"/>
-              <a:t>sole project language</a:t>
-            </a:r>
-            <a:r>
-              <a:rPr lang="en-US" sz="2800" dirty="0" smtClean="0"/>
-              <a:t>)</a:t>
+              <a:t>(C# as sole project language)</a:t>
             </a:r>
           </a:p>
           <a:p>
@@ -16340,11 +16340,7 @@
             </a:r>
             <a:r>
               <a:rPr lang="en-US" sz="2800" dirty="0" smtClean="0"/>
-              <a:t>, Bouncy Castle, </a:t>
-            </a:r>
-            <a:r>
-              <a:rPr lang="en-US" sz="2800" dirty="0" smtClean="0"/>
-              <a:t>CI server</a:t>
+              <a:t>, Bouncy Castle, CI server</a:t>
             </a:r>
             <a:endParaRPr lang="en-US" sz="2800" dirty="0"/>
           </a:p>

--- a/docs/13-09-26 Cross-platform mobile development with C#.pptx
+++ b/docs/13-09-26 Cross-platform mobile development with C#.pptx
@@ -50,17 +50,17 @@
       <p:regular r:id="rId34"/>
     </p:embeddedFont>
     <p:embeddedFont>
-      <p:font typeface="AA Zuehlke" panose="02000503060000020004" pitchFamily="2" charset="0"/>
+      <p:font typeface="Wingdings 3" panose="05040102010807070707" pitchFamily="18" charset="2"/>
       <p:regular r:id="rId35"/>
-      <p:bold r:id="rId36"/>
-    </p:embeddedFont>
-    <p:embeddedFont>
-      <p:font typeface="Wingdings 3" panose="05040102010807070707" pitchFamily="18" charset="2"/>
-      <p:regular r:id="rId37"/>
     </p:embeddedFont>
     <p:embeddedFont>
       <p:font typeface="AA Zuehlke Medium" panose="02000603060000020004" pitchFamily="2" charset="0"/>
-      <p:regular r:id="rId38"/>
+      <p:regular r:id="rId36"/>
+    </p:embeddedFont>
+    <p:embeddedFont>
+      <p:font typeface="AA Zuehlke" panose="02000503060000020004" pitchFamily="2" charset="0"/>
+      <p:regular r:id="rId37"/>
+      <p:bold r:id="rId38"/>
     </p:embeddedFont>
   </p:embeddedFontLst>
   <p:custDataLst>
@@ -732,7 +732,7 @@
               <a:rPr lang="de-DE" smtClean="0">
                 <a:latin typeface="AA Zuehlke" pitchFamily="2" charset="0"/>
               </a:rPr>
-              <a:t>23.09.2013</a:t>
+              <a:t>25.09.2013</a:t>
             </a:fld>
             <a:endParaRPr lang="de-DE">
               <a:latin typeface="AA Zuehlke" pitchFamily="2" charset="0"/>
@@ -910,7 +910,7 @@
             <a:fld id="{A6966AE6-B72D-4967-9CA3-8469D2863705}" type="datetimeFigureOut">
               <a:rPr lang="en-US" smtClean="0"/>
               <a:pPr/>
-              <a:t>9/23/2013</a:t>
+              <a:t>9/25/2013</a:t>
             </a:fld>
             <a:endParaRPr lang="en-US" dirty="0"/>
           </a:p>
@@ -15266,15 +15266,7 @@
             <a:pPr lvl="1"/>
             <a:r>
               <a:rPr lang="en-US" dirty="0" smtClean="0"/>
-              <a:t>Persisted </a:t>
-            </a:r>
-            <a:r>
-              <a:rPr lang="en-US" dirty="0" smtClean="0"/>
-              <a:t>independently </a:t>
-            </a:r>
-            <a:r>
-              <a:rPr lang="en-US" dirty="0" smtClean="0"/>
-              <a:t>from application</a:t>
+              <a:t>Persisted independently from application</a:t>
             </a:r>
           </a:p>
         </p:txBody>
@@ -16298,8 +16290,12 @@
               <a:t>IoC</a:t>
             </a:r>
             <a:r>
+              <a:rPr lang="en-US" sz="2800" smtClean="0"/>
+              <a:t> container, </a:t>
+            </a:r>
+            <a:r>
               <a:rPr lang="en-US" sz="2800" dirty="0" smtClean="0"/>
-              <a:t>, plug-in system, data binding,</a:t>
+              <a:t>plug-in system, data binding,</a:t>
             </a:r>
             <a:br>
               <a:rPr lang="en-US" sz="2800" dirty="0" smtClean="0"/>

--- a/docs/13-09-26 Cross-platform mobile development with C#.pptx
+++ b/docs/13-09-26 Cross-platform mobile development with C#.pptx
@@ -46,21 +46,21 @@
   <p:notesSz cx="6858000" cy="9144000"/>
   <p:embeddedFontLst>
     <p:embeddedFont>
+      <p:font typeface="AA Zuehlke" panose="02000503060000020004" pitchFamily="2" charset="0"/>
+      <p:regular r:id="rId34"/>
+      <p:bold r:id="rId35"/>
+    </p:embeddedFont>
+    <p:embeddedFont>
       <p:font typeface="Webdings" panose="05030102010509060703" pitchFamily="18" charset="2"/>
-      <p:regular r:id="rId34"/>
+      <p:regular r:id="rId36"/>
     </p:embeddedFont>
     <p:embeddedFont>
       <p:font typeface="Wingdings 3" panose="05040102010807070707" pitchFamily="18" charset="2"/>
-      <p:regular r:id="rId35"/>
+      <p:regular r:id="rId37"/>
     </p:embeddedFont>
     <p:embeddedFont>
       <p:font typeface="AA Zuehlke Medium" panose="02000603060000020004" pitchFamily="2" charset="0"/>
-      <p:regular r:id="rId36"/>
-    </p:embeddedFont>
-    <p:embeddedFont>
-      <p:font typeface="AA Zuehlke" panose="02000503060000020004" pitchFamily="2" charset="0"/>
-      <p:regular r:id="rId37"/>
-      <p:bold r:id="rId38"/>
+      <p:regular r:id="rId38"/>
     </p:embeddedFont>
   </p:embeddedFontLst>
   <p:custDataLst>
@@ -623,7 +623,6 @@
     </c:plotArea>
     <c:legend>
       <c:legendPos val="t"/>
-      <c:layout/>
       <c:overlay val="0"/>
     </c:legend>
     <c:plotVisOnly val="1"/>
@@ -17803,12 +17802,17 @@
           <a:p>
             <a:r>
               <a:rPr lang="en-US" dirty="0" err="1"/>
-              <a:t>myBosch</a:t>
-            </a:r>
-            <a:r>
-              <a:rPr lang="en-US" dirty="0"/>
-              <a:t> App: Experiences</a:t>
-            </a:r>
+              <a:t>M</a:t>
+            </a:r>
+            <a:r>
+              <a:rPr lang="en-US" dirty="0" err="1" smtClean="0"/>
+              <a:t>yBosch</a:t>
+            </a:r>
+            <a:r>
+              <a:rPr lang="en-US" dirty="0" smtClean="0"/>
+              <a:t> App (BSH)</a:t>
+            </a:r>
+            <a:endParaRPr lang="en-US" dirty="0"/>
           </a:p>
         </p:txBody>
       </p:sp>
@@ -17829,7 +17833,7 @@
           <a:p>
             <a:r>
               <a:rPr lang="en-US" dirty="0" smtClean="0"/>
-              <a:t>Kerry Lothrop</a:t>
+              <a:t>Kerry W. Lothrop</a:t>
             </a:r>
             <a:endParaRPr lang="en-US" dirty="0"/>
           </a:p>
@@ -18482,11 +18486,19 @@
             </a:pPr>
             <a:r>
               <a:rPr lang="en-US" dirty="0" err="1" smtClean="0"/>
-              <a:t>myBosch</a:t>
+              <a:t>MyBosch</a:t>
             </a:r>
             <a:r>
               <a:rPr lang="en-US" dirty="0" smtClean="0"/>
-              <a:t> App: Experiences				</a:t>
+              <a:t> </a:t>
+            </a:r>
+            <a:r>
+              <a:rPr lang="en-US" dirty="0" smtClean="0"/>
+              <a:t>App	</a:t>
+            </a:r>
+            <a:r>
+              <a:rPr lang="en-US" dirty="0" smtClean="0"/>
+              <a:t>				</a:t>
             </a:r>
             <a:r>
               <a:rPr lang="en-US" dirty="0" smtClean="0">

--- a/docs/13-09-26 Cross-platform mobile development with C#.pptx
+++ b/docs/13-09-26 Cross-platform mobile development with C#.pptx
@@ -5,10 +5,10 @@
     <p:sldMasterId id="2147483648" r:id="rId1"/>
   </p:sldMasterIdLst>
   <p:notesMasterIdLst>
-    <p:notesMasterId r:id="rId32"/>
+    <p:notesMasterId r:id="rId33"/>
   </p:notesMasterIdLst>
   <p:handoutMasterIdLst>
-    <p:handoutMasterId r:id="rId33"/>
+    <p:handoutMasterId r:id="rId34"/>
   </p:handoutMasterIdLst>
   <p:sldIdLst>
     <p:sldId id="293" r:id="rId2"/>
@@ -34,37 +34,38 @@
     <p:sldId id="320" r:id="rId22"/>
     <p:sldId id="322" r:id="rId23"/>
     <p:sldId id="304" r:id="rId24"/>
-    <p:sldId id="324" r:id="rId25"/>
-    <p:sldId id="323" r:id="rId26"/>
-    <p:sldId id="290" r:id="rId27"/>
-    <p:sldId id="298" r:id="rId28"/>
-    <p:sldId id="299" r:id="rId29"/>
-    <p:sldId id="297" r:id="rId30"/>
-    <p:sldId id="295" r:id="rId31"/>
+    <p:sldId id="325" r:id="rId25"/>
+    <p:sldId id="324" r:id="rId26"/>
+    <p:sldId id="323" r:id="rId27"/>
+    <p:sldId id="290" r:id="rId28"/>
+    <p:sldId id="298" r:id="rId29"/>
+    <p:sldId id="299" r:id="rId30"/>
+    <p:sldId id="297" r:id="rId31"/>
+    <p:sldId id="295" r:id="rId32"/>
   </p:sldIdLst>
   <p:sldSz cx="9144000" cy="6858000" type="screen4x3"/>
   <p:notesSz cx="6858000" cy="9144000"/>
   <p:embeddedFontLst>
     <p:embeddedFont>
-      <p:font typeface="AA Zuehlke" panose="02000503060000020004" pitchFamily="2" charset="0"/>
-      <p:regular r:id="rId34"/>
-      <p:bold r:id="rId35"/>
+      <p:font typeface="Webdings" panose="05030102010509060703" pitchFamily="18" charset="2"/>
+      <p:regular r:id="rId35"/>
     </p:embeddedFont>
     <p:embeddedFont>
-      <p:font typeface="Webdings" panose="05030102010509060703" pitchFamily="18" charset="2"/>
+      <p:font typeface="Wingdings 3" panose="05040102010807070707" pitchFamily="18" charset="2"/>
       <p:regular r:id="rId36"/>
     </p:embeddedFont>
     <p:embeddedFont>
-      <p:font typeface="Wingdings 3" panose="05040102010807070707" pitchFamily="18" charset="2"/>
+      <p:font typeface="AA Zuehlke" panose="02000503060000020004" pitchFamily="2" charset="0"/>
       <p:regular r:id="rId37"/>
+      <p:bold r:id="rId38"/>
     </p:embeddedFont>
     <p:embeddedFont>
       <p:font typeface="AA Zuehlke Medium" panose="02000603060000020004" pitchFamily="2" charset="0"/>
-      <p:regular r:id="rId38"/>
+      <p:regular r:id="rId39"/>
     </p:embeddedFont>
   </p:embeddedFontLst>
   <p:custDataLst>
-    <p:tags r:id="rId39"/>
+    <p:tags r:id="rId40"/>
   </p:custDataLst>
   <p:defaultTextStyle>
     <a:defPPr>
@@ -623,6 +624,7 @@
     </c:plotArea>
     <c:legend>
       <c:legendPos val="t"/>
+      <c:layout/>
       <c:overlay val="0"/>
     </c:legend>
     <c:plotVisOnly val="1"/>
@@ -1414,7 +1416,7 @@
             <a:fld id="{04E102C5-3B9C-48EE-BFF0-2E7AF2F2A1F4}" type="slidenum">
               <a:rPr lang="en-US" smtClean="0"/>
               <a:pPr/>
-              <a:t>25</a:t>
+              <a:t>26</a:t>
             </a:fld>
             <a:endParaRPr lang="en-US" dirty="0"/>
           </a:p>
@@ -1679,7 +1681,7 @@
             <a:fld id="{04E102C5-3B9C-48EE-BFF0-2E7AF2F2A1F4}" type="slidenum">
               <a:rPr lang="en-US" smtClean="0"/>
               <a:pPr/>
-              <a:t>28</a:t>
+              <a:t>29</a:t>
             </a:fld>
             <a:endParaRPr lang="en-US" dirty="0"/>
           </a:p>
@@ -16235,107 +16237,47 @@
           <a:p>
             <a:r>
               <a:rPr lang="en-US" sz="2800" dirty="0" smtClean="0"/>
-              <a:t>When to use </a:t>
-            </a:r>
-            <a:r>
-              <a:rPr lang="en-US" sz="2800" dirty="0" err="1" smtClean="0"/>
-              <a:t>Xamarin</a:t>
-            </a:r>
+              <a:t>Zühlke X-Platform Messenger</a:t>
+            </a:r>
+          </a:p>
+          <a:p>
+            <a:pPr lvl="1"/>
             <a:r>
               <a:rPr lang="en-US" sz="2800" dirty="0" smtClean="0"/>
-              <a:t> and </a:t>
-            </a:r>
-            <a:r>
-              <a:rPr lang="en-US" sz="2800" dirty="0" err="1" smtClean="0"/>
-              <a:t>MvvmCross</a:t>
-            </a:r>
+              <a:t>List of all users</a:t>
+            </a:r>
+          </a:p>
+          <a:p>
+            <a:pPr lvl="1"/>
             <a:r>
               <a:rPr lang="en-US" sz="2800" dirty="0" smtClean="0"/>
-              <a:t>?</a:t>
+              <a:t>User details</a:t>
             </a:r>
           </a:p>
           <a:p>
             <a:pPr lvl="1"/>
             <a:r>
               <a:rPr lang="en-US" sz="2800" dirty="0" smtClean="0"/>
-              <a:t>.NET development team</a:t>
-            </a:r>
-            <a:br>
+              <a:t>Messaging (group chat)</a:t>
+            </a:r>
+          </a:p>
+          <a:p>
+            <a:pPr lvl="1"/>
+            <a:r>
               <a:rPr lang="en-US" sz="2800" dirty="0" smtClean="0"/>
-            </a:br>
+              <a:t>Client-side encryption/decryption (</a:t>
+            </a:r>
+            <a:r>
+              <a:rPr lang="en-US" sz="2800" smtClean="0"/>
+              <a:t>with test)</a:t>
+            </a:r>
+            <a:endParaRPr lang="en-US" sz="2800" dirty="0" smtClean="0"/>
+          </a:p>
+          <a:p>
+            <a:pPr lvl="1"/>
             <a:r>
               <a:rPr lang="en-US" sz="2800" dirty="0" smtClean="0"/>
-              <a:t>(C# as sole project language)</a:t>
-            </a:r>
-          </a:p>
-          <a:p>
-            <a:pPr lvl="1"/>
-            <a:r>
-              <a:rPr lang="en-US" sz="2800" dirty="0" smtClean="0"/>
-              <a:t>Code sharing</a:t>
-            </a:r>
-          </a:p>
-          <a:p>
-            <a:pPr lvl="1"/>
-            <a:r>
-              <a:rPr lang="en-US" sz="2800" dirty="0" smtClean="0"/>
-              <a:t>Architecture framework:</a:t>
-            </a:r>
-            <a:br>
-              <a:rPr lang="en-US" sz="2800" dirty="0" smtClean="0"/>
-            </a:br>
-            <a:r>
-              <a:rPr lang="en-US" sz="2800" dirty="0" err="1" smtClean="0"/>
-              <a:t>IoC</a:t>
-            </a:r>
-            <a:r>
-              <a:rPr lang="en-US" sz="2800" smtClean="0"/>
-              <a:t> container, </a:t>
-            </a:r>
-            <a:r>
-              <a:rPr lang="en-US" sz="2800" dirty="0" smtClean="0"/>
-              <a:t>plug-in system, data binding,</a:t>
-            </a:r>
-            <a:br>
-              <a:rPr lang="en-US" sz="2800" dirty="0" smtClean="0"/>
-            </a:br>
-            <a:r>
-              <a:rPr lang="en-US" sz="2800" dirty="0" smtClean="0"/>
-              <a:t>helpers (e.g. </a:t>
-            </a:r>
-            <a:r>
-              <a:rPr lang="en-US" sz="2800" dirty="0" err="1" smtClean="0"/>
-              <a:t>ImageLoader</a:t>
-            </a:r>
-            <a:r>
-              <a:rPr lang="en-US" sz="2800" dirty="0" smtClean="0"/>
-              <a:t>)</a:t>
-            </a:r>
-          </a:p>
-          <a:p>
-            <a:pPr lvl="1"/>
-            <a:r>
-              <a:rPr lang="en-US" sz="2800" dirty="0" smtClean="0"/>
-              <a:t>Use proven environment and libraries:</a:t>
-            </a:r>
-            <a:br>
-              <a:rPr lang="en-US" sz="2800" dirty="0" smtClean="0"/>
-            </a:br>
-            <a:r>
-              <a:rPr lang="en-US" sz="2800" dirty="0" err="1" smtClean="0"/>
-              <a:t>NUnit</a:t>
-            </a:r>
-            <a:r>
-              <a:rPr lang="en-US" sz="2800" dirty="0" smtClean="0"/>
-              <a:t>, </a:t>
-            </a:r>
-            <a:r>
-              <a:rPr lang="en-US" sz="2800" dirty="0" err="1" smtClean="0"/>
-              <a:t>NSubstitute</a:t>
-            </a:r>
-            <a:r>
-              <a:rPr lang="en-US" sz="2800" dirty="0" smtClean="0"/>
-              <a:t>, Bouncy Castle, CI server</a:t>
+              <a:t>User settings</a:t>
             </a:r>
             <a:endParaRPr lang="en-US" sz="2800" dirty="0"/>
           </a:p>
@@ -16362,7 +16304,7 @@
                   <a:schemeClr val="bg1"/>
                 </a:solidFill>
               </a:rPr>
-              <a:t>Conclusion</a:t>
+              <a:t>Conclusion (1/2)</a:t>
             </a:r>
             <a:endParaRPr lang="en-US" dirty="0">
               <a:solidFill>
@@ -16418,9 +16360,54 @@
           </a:p>
         </p:txBody>
       </p:sp>
-      <p:sp>
-        <p:nvSpPr>
-          <p:cNvPr id="7" name="Slide Number Placeholder 6"/>
+      <p:pic>
+        <p:nvPicPr>
+          <p:cNvPr id="9" name="Logo" descr="C:\Users\Luc Benninger\Desktop\Zuehlke_Logo_rgb_300dpi.png"/>
+          <p:cNvPicPr>
+            <a:picLocks noChangeArrowheads="1"/>
+          </p:cNvPicPr>
+          <p:nvPr>
+            <p:custDataLst>
+              <p:tags r:id="rId1"/>
+            </p:custDataLst>
+          </p:nvPr>
+        </p:nvPicPr>
+        <p:blipFill>
+          <a:blip r:embed="rId3" cstate="print">
+            <a:extLst>
+              <a:ext uri="{28A0092B-C50C-407E-A947-70E740481C1C}">
+                <a14:useLocalDpi xmlns:a14="http://schemas.microsoft.com/office/drawing/2010/main" val="0"/>
+              </a:ext>
+            </a:extLst>
+          </a:blip>
+          <a:srcRect/>
+          <a:stretch>
+            <a:fillRect/>
+          </a:stretch>
+        </p:blipFill>
+        <p:spPr bwMode="auto">
+          <a:xfrm>
+            <a:off x="6567488" y="292100"/>
+            <a:ext cx="1141412" cy="1141412"/>
+          </a:xfrm>
+          <a:prstGeom prst="rect">
+            <a:avLst/>
+          </a:prstGeom>
+          <a:noFill/>
+          <a:extLst>
+            <a:ext uri="{909E8E84-426E-40DD-AFC4-6F175D3DCCD1}">
+              <a14:hiddenFill xmlns:a14="http://schemas.microsoft.com/office/drawing/2010/main">
+                <a:solidFill>
+                  <a:srgbClr val="FFFFFF"/>
+                </a:solidFill>
+              </a14:hiddenFill>
+            </a:ext>
+          </a:extLst>
+        </p:spPr>
+      </p:pic>
+      <p:sp>
+        <p:nvSpPr>
+          <p:cNvPr id="6" name="Slide Number Placeholder 5"/>
           <p:cNvSpPr>
             <a:spLocks noGrp="1"/>
           </p:cNvSpPr>
@@ -16440,6 +16427,318 @@
             <a:fld id="{76AE5747-D0E7-4D66-8FBF-9CFC53A4E0C8}" type="slidenum">
               <a:rPr lang="de-CH" smtClean="0"/>
               <a:t>24</a:t>
+            </a:fld>
+            <a:endParaRPr lang="de-CH" dirty="0"/>
+          </a:p>
+        </p:txBody>
+      </p:sp>
+    </p:spTree>
+    <p:extLst>
+      <p:ext uri="{BB962C8B-B14F-4D97-AF65-F5344CB8AC3E}">
+        <p14:creationId xmlns:p14="http://schemas.microsoft.com/office/powerpoint/2010/main" val="769739677"/>
+      </p:ext>
+    </p:extLst>
+  </p:cSld>
+  <p:clrMapOvr>
+    <a:masterClrMapping/>
+  </p:clrMapOvr>
+  <p:timing>
+    <p:tnLst>
+      <p:par>
+        <p:cTn id="1" dur="indefinite" restart="never" nodeType="tmRoot"/>
+      </p:par>
+    </p:tnLst>
+  </p:timing>
+</p:sld>
+</file>
+
+<file path=ppt/slides/slide25.xml><?xml version="1.0" encoding="utf-8"?>
+<p:sld xmlns:a="http://schemas.openxmlformats.org/drawingml/2006/main" xmlns:r="http://schemas.openxmlformats.org/officeDocument/2006/relationships" xmlns:p="http://schemas.openxmlformats.org/presentationml/2006/main">
+  <p:cSld>
+    <p:spTree>
+      <p:nvGrpSpPr>
+        <p:cNvPr id="1" name=""/>
+        <p:cNvGrpSpPr/>
+        <p:nvPr/>
+      </p:nvGrpSpPr>
+      <p:grpSpPr>
+        <a:xfrm>
+          <a:off x="0" y="0"/>
+          <a:ext cx="0" cy="0"/>
+          <a:chOff x="0" y="0"/>
+          <a:chExt cx="0" cy="0"/>
+        </a:xfrm>
+      </p:grpSpPr>
+      <p:sp>
+        <p:nvSpPr>
+          <p:cNvPr id="8" name="Rectangle 7"/>
+          <p:cNvSpPr/>
+          <p:nvPr/>
+        </p:nvSpPr>
+        <p:spPr>
+          <a:xfrm>
+            <a:off x="0" y="0"/>
+            <a:ext cx="9144000" cy="1524000"/>
+          </a:xfrm>
+          <a:prstGeom prst="rect">
+            <a:avLst/>
+          </a:prstGeom>
+          <a:solidFill>
+            <a:srgbClr val="FF820A"/>
+          </a:solidFill>
+          <a:ln w="12700">
+            <a:noFill/>
+          </a:ln>
+        </p:spPr>
+        <p:style>
+          <a:lnRef idx="2">
+            <a:schemeClr val="accent1">
+              <a:shade val="50000"/>
+            </a:schemeClr>
+          </a:lnRef>
+          <a:fillRef idx="1">
+            <a:schemeClr val="accent1"/>
+          </a:fillRef>
+          <a:effectRef idx="0">
+            <a:schemeClr val="accent1"/>
+          </a:effectRef>
+          <a:fontRef idx="minor">
+            <a:schemeClr val="lt1"/>
+          </a:fontRef>
+        </p:style>
+        <p:txBody>
+          <a:bodyPr rtlCol="0" anchor="ctr"/>
+          <a:lstStyle/>
+          <a:p>
+            <a:pPr algn="ctr"/>
+            <a:endParaRPr lang="en-US" sz="2200" dirty="0" err="1" smtClean="0">
+              <a:latin typeface="AA Zuehlke" pitchFamily="2" charset="0"/>
+            </a:endParaRPr>
+          </a:p>
+        </p:txBody>
+      </p:sp>
+      <p:sp>
+        <p:nvSpPr>
+          <p:cNvPr id="2" name="Content Placeholder 1"/>
+          <p:cNvSpPr>
+            <a:spLocks noGrp="1"/>
+          </p:cNvSpPr>
+          <p:nvPr>
+            <p:ph idx="1"/>
+          </p:nvPr>
+        </p:nvSpPr>
+        <p:spPr/>
+        <p:txBody>
+          <a:bodyPr/>
+          <a:lstStyle/>
+          <a:p>
+            <a:r>
+              <a:rPr lang="en-US" sz="2800" dirty="0" smtClean="0"/>
+              <a:t>When to use </a:t>
+            </a:r>
+            <a:r>
+              <a:rPr lang="en-US" sz="2800" dirty="0" err="1" smtClean="0"/>
+              <a:t>Xamarin</a:t>
+            </a:r>
+            <a:r>
+              <a:rPr lang="en-US" sz="2800" dirty="0" smtClean="0"/>
+              <a:t> and </a:t>
+            </a:r>
+            <a:r>
+              <a:rPr lang="en-US" sz="2800" dirty="0" err="1" smtClean="0"/>
+              <a:t>MvvmCross</a:t>
+            </a:r>
+            <a:r>
+              <a:rPr lang="en-US" sz="2800" dirty="0" smtClean="0"/>
+              <a:t>?</a:t>
+            </a:r>
+          </a:p>
+          <a:p>
+            <a:pPr lvl="1"/>
+            <a:r>
+              <a:rPr lang="en-US" sz="2800" dirty="0" smtClean="0"/>
+              <a:t>.NET development team</a:t>
+            </a:r>
+            <a:br>
+              <a:rPr lang="en-US" sz="2800" dirty="0" smtClean="0"/>
+            </a:br>
+            <a:r>
+              <a:rPr lang="en-US" sz="2800" dirty="0" smtClean="0"/>
+              <a:t>(C# as sole project language)</a:t>
+            </a:r>
+          </a:p>
+          <a:p>
+            <a:pPr lvl="1"/>
+            <a:r>
+              <a:rPr lang="en-US" sz="2800" dirty="0" smtClean="0"/>
+              <a:t>Code sharing</a:t>
+            </a:r>
+          </a:p>
+          <a:p>
+            <a:pPr lvl="1"/>
+            <a:r>
+              <a:rPr lang="en-US" sz="2800" dirty="0" smtClean="0"/>
+              <a:t>Architecture framework:</a:t>
+            </a:r>
+            <a:br>
+              <a:rPr lang="en-US" sz="2800" dirty="0" smtClean="0"/>
+            </a:br>
+            <a:r>
+              <a:rPr lang="en-US" sz="2800" dirty="0" err="1" smtClean="0"/>
+              <a:t>IoC</a:t>
+            </a:r>
+            <a:r>
+              <a:rPr lang="en-US" sz="2800" smtClean="0"/>
+              <a:t> container, </a:t>
+            </a:r>
+            <a:r>
+              <a:rPr lang="en-US" sz="2800" dirty="0" smtClean="0"/>
+              <a:t>plug-in system, data binding,</a:t>
+            </a:r>
+            <a:br>
+              <a:rPr lang="en-US" sz="2800" dirty="0" smtClean="0"/>
+            </a:br>
+            <a:r>
+              <a:rPr lang="en-US" sz="2800" dirty="0" smtClean="0"/>
+              <a:t>helpers (e.g. </a:t>
+            </a:r>
+            <a:r>
+              <a:rPr lang="en-US" sz="2800" dirty="0" err="1" smtClean="0"/>
+              <a:t>ImageLoader</a:t>
+            </a:r>
+            <a:r>
+              <a:rPr lang="en-US" sz="2800" dirty="0" smtClean="0"/>
+              <a:t>)</a:t>
+            </a:r>
+          </a:p>
+          <a:p>
+            <a:pPr lvl="1"/>
+            <a:r>
+              <a:rPr lang="en-US" sz="2800" dirty="0" smtClean="0"/>
+              <a:t>Use proven environment and libraries:</a:t>
+            </a:r>
+            <a:br>
+              <a:rPr lang="en-US" sz="2800" dirty="0" smtClean="0"/>
+            </a:br>
+            <a:r>
+              <a:rPr lang="en-US" sz="2800" dirty="0" err="1" smtClean="0"/>
+              <a:t>NUnit</a:t>
+            </a:r>
+            <a:r>
+              <a:rPr lang="en-US" sz="2800" dirty="0" smtClean="0"/>
+              <a:t>, </a:t>
+            </a:r>
+            <a:r>
+              <a:rPr lang="en-US" sz="2800" dirty="0" err="1" smtClean="0"/>
+              <a:t>NSubstitute</a:t>
+            </a:r>
+            <a:r>
+              <a:rPr lang="en-US" sz="2800" dirty="0" smtClean="0"/>
+              <a:t>, Bouncy Castle, CI server</a:t>
+            </a:r>
+            <a:endParaRPr lang="en-US" sz="2800" dirty="0"/>
+          </a:p>
+        </p:txBody>
+      </p:sp>
+      <p:sp>
+        <p:nvSpPr>
+          <p:cNvPr id="3" name="Title 2"/>
+          <p:cNvSpPr>
+            <a:spLocks noGrp="1"/>
+          </p:cNvSpPr>
+          <p:nvPr>
+            <p:ph type="title"/>
+          </p:nvPr>
+        </p:nvSpPr>
+        <p:spPr/>
+        <p:txBody>
+          <a:bodyPr/>
+          <a:lstStyle/>
+          <a:p>
+            <a:r>
+              <a:rPr lang="en-US" dirty="0" smtClean="0">
+                <a:solidFill>
+                  <a:schemeClr val="bg1"/>
+                </a:solidFill>
+              </a:rPr>
+              <a:t>Conclusion (2/2)</a:t>
+            </a:r>
+            <a:endParaRPr lang="en-US" dirty="0">
+              <a:solidFill>
+                <a:schemeClr val="bg1"/>
+              </a:solidFill>
+            </a:endParaRPr>
+          </a:p>
+        </p:txBody>
+      </p:sp>
+      <p:sp>
+        <p:nvSpPr>
+          <p:cNvPr id="4" name="Date Placeholder 3"/>
+          <p:cNvSpPr>
+            <a:spLocks noGrp="1"/>
+          </p:cNvSpPr>
+          <p:nvPr>
+            <p:ph type="dt" sz="half" idx="10"/>
+          </p:nvPr>
+        </p:nvSpPr>
+        <p:spPr/>
+        <p:txBody>
+          <a:bodyPr/>
+          <a:lstStyle/>
+          <a:p>
+            <a:r>
+              <a:rPr lang="en-US" smtClean="0"/>
+              <a:t>26. September 2013</a:t>
+            </a:r>
+            <a:endParaRPr lang="de-CH" dirty="0"/>
+          </a:p>
+        </p:txBody>
+      </p:sp>
+      <p:sp>
+        <p:nvSpPr>
+          <p:cNvPr id="5" name="Footer Placeholder 4"/>
+          <p:cNvSpPr>
+            <a:spLocks noGrp="1"/>
+          </p:cNvSpPr>
+          <p:nvPr>
+            <p:ph type="ftr" sz="quarter" idx="11"/>
+          </p:nvPr>
+        </p:nvSpPr>
+        <p:spPr/>
+        <p:txBody>
+          <a:bodyPr/>
+          <a:lstStyle/>
+          <a:p>
+            <a:r>
+              <a:rPr lang="en-US" smtClean="0"/>
+              <a:t>Cross-platform Mobile Development | Ursin Brunner, Stefan Schöb, Oliver Brack</a:t>
+            </a:r>
+            <a:endParaRPr lang="de-CH" dirty="0"/>
+          </a:p>
+        </p:txBody>
+      </p:sp>
+      <p:sp>
+        <p:nvSpPr>
+          <p:cNvPr id="7" name="Slide Number Placeholder 6"/>
+          <p:cNvSpPr>
+            <a:spLocks noGrp="1"/>
+          </p:cNvSpPr>
+          <p:nvPr>
+            <p:ph type="sldNum" sz="quarter" idx="12"/>
+          </p:nvPr>
+        </p:nvSpPr>
+        <p:spPr/>
+        <p:txBody>
+          <a:bodyPr/>
+          <a:lstStyle/>
+          <a:p>
+            <a:r>
+              <a:rPr lang="de-CH" smtClean="0"/>
+              <a:t>Slide </a:t>
+            </a:r>
+            <a:fld id="{76AE5747-D0E7-4D66-8FBF-9CFC53A4E0C8}" type="slidenum">
+              <a:rPr lang="de-CH" smtClean="0"/>
+              <a:t>25</a:t>
             </a:fld>
             <a:endParaRPr lang="de-CH" dirty="0"/>
           </a:p>
@@ -16510,7 +16809,7 @@
 </p:sld>
 </file>
 
-<file path=ppt/slides/slide25.xml><?xml version="1.0" encoding="utf-8"?>
+<file path=ppt/slides/slide26.xml><?xml version="1.0" encoding="utf-8"?>
 <p:sld xmlns:a="http://schemas.openxmlformats.org/drawingml/2006/main" xmlns:r="http://schemas.openxmlformats.org/officeDocument/2006/relationships" xmlns:p="http://schemas.openxmlformats.org/presentationml/2006/main" show="0">
   <p:cSld>
     <p:spTree>
@@ -17059,7 +17358,7 @@
             </a:r>
             <a:fld id="{76AE5747-D0E7-4D66-8FBF-9CFC53A4E0C8}" type="slidenum">
               <a:rPr lang="de-CH" smtClean="0"/>
-              <a:t>25</a:t>
+              <a:t>26</a:t>
             </a:fld>
             <a:endParaRPr lang="de-CH" dirty="0"/>
           </a:p>
@@ -17538,7 +17837,7 @@
 </p:sld>
 </file>
 
-<file path=ppt/slides/slide26.xml><?xml version="1.0" encoding="utf-8"?>
+<file path=ppt/slides/slide27.xml><?xml version="1.0" encoding="utf-8"?>
 <p:sld xmlns:a="http://schemas.openxmlformats.org/drawingml/2006/main" xmlns:r="http://schemas.openxmlformats.org/officeDocument/2006/relationships" xmlns:p="http://schemas.openxmlformats.org/presentationml/2006/main">
   <p:cSld>
     <p:spTree>
@@ -17742,7 +18041,7 @@
             </a:r>
             <a:fld id="{EA382A82-52C3-4CAB-89F1-38331029E314}" type="slidenum">
               <a:rPr lang="de-CH" smtClean="0"/>
-              <a:t>26</a:t>
+              <a:t>27</a:t>
             </a:fld>
             <a:endParaRPr lang="de-CH" dirty="0"/>
           </a:p>
@@ -17768,7 +18067,7 @@
 </p:sld>
 </file>
 
-<file path=ppt/slides/slide27.xml><?xml version="1.0" encoding="utf-8"?>
+<file path=ppt/slides/slide28.xml><?xml version="1.0" encoding="utf-8"?>
 <p:sld xmlns:a="http://schemas.openxmlformats.org/drawingml/2006/main" xmlns:r="http://schemas.openxmlformats.org/officeDocument/2006/relationships" xmlns:p="http://schemas.openxmlformats.org/presentationml/2006/main">
   <p:cSld>
     <p:spTree>
@@ -17911,7 +18210,7 @@
             </a:r>
             <a:fld id="{7B09883B-D8DA-4C40-AD18-6B0B2D9537FF}" type="slidenum">
               <a:rPr lang="de-CH" smtClean="0"/>
-              <a:t>27</a:t>
+              <a:t>28</a:t>
             </a:fld>
             <a:endParaRPr lang="de-CH" dirty="0"/>
           </a:p>
@@ -17967,7 +18266,7 @@
 </p:sld>
 </file>
 
-<file path=ppt/slides/slide28.xml><?xml version="1.0" encoding="utf-8"?>
+<file path=ppt/slides/slide29.xml><?xml version="1.0" encoding="utf-8"?>
 <p:sld xmlns:a="http://schemas.openxmlformats.org/drawingml/2006/main" xmlns:r="http://schemas.openxmlformats.org/officeDocument/2006/relationships" xmlns:p="http://schemas.openxmlformats.org/presentationml/2006/main">
   <p:cSld>
     <p:spTree>
@@ -18081,7 +18380,7 @@
             </a:r>
             <a:fld id="{7481FCEA-C37D-4243-8F22-4CC0415B3695}" type="slidenum">
               <a:rPr lang="de-CH" smtClean="0"/>
-              <a:t>28</a:t>
+              <a:t>29</a:t>
             </a:fld>
             <a:endParaRPr lang="de-CH" dirty="0"/>
           </a:p>
@@ -18137,7 +18436,375 @@
 </p:sld>
 </file>
 
-<file path=ppt/slides/slide29.xml><?xml version="1.0" encoding="utf-8"?>
+<file path=ppt/slides/slide3.xml><?xml version="1.0" encoding="utf-8"?>
+<p:sld xmlns:a="http://schemas.openxmlformats.org/drawingml/2006/main" xmlns:r="http://schemas.openxmlformats.org/officeDocument/2006/relationships" xmlns:p="http://schemas.openxmlformats.org/presentationml/2006/main">
+  <p:cSld>
+    <p:spTree>
+      <p:nvGrpSpPr>
+        <p:cNvPr id="1" name=""/>
+        <p:cNvGrpSpPr/>
+        <p:nvPr/>
+      </p:nvGrpSpPr>
+      <p:grpSpPr>
+        <a:xfrm>
+          <a:off x="0" y="0"/>
+          <a:ext cx="0" cy="0"/>
+          <a:chOff x="0" y="0"/>
+          <a:chExt cx="0" cy="0"/>
+        </a:xfrm>
+      </p:grpSpPr>
+      <p:sp>
+        <p:nvSpPr>
+          <p:cNvPr id="2" name="Content Placeholder 1"/>
+          <p:cNvSpPr>
+            <a:spLocks noGrp="1"/>
+          </p:cNvSpPr>
+          <p:nvPr>
+            <p:ph idx="1"/>
+          </p:nvPr>
+        </p:nvSpPr>
+        <p:spPr>
+          <a:xfrm>
+            <a:off x="152082" y="1646775"/>
+            <a:ext cx="8839836" cy="4847688"/>
+          </a:xfrm>
+        </p:spPr>
+        <p:txBody>
+          <a:bodyPr/>
+          <a:lstStyle/>
+          <a:p>
+            <a:pPr marL="457200" indent="-457200">
+              <a:buFont typeface="+mj-lt"/>
+              <a:buAutoNum type="arabicPeriod"/>
+            </a:pPr>
+            <a:r>
+              <a:rPr lang="en-US" dirty="0" smtClean="0"/>
+              <a:t>Introduction					</a:t>
+            </a:r>
+            <a:r>
+              <a:rPr lang="en-US" dirty="0" smtClean="0">
+                <a:latin typeface="+mn-lt"/>
+              </a:rPr>
+              <a:t>10’	</a:t>
+            </a:r>
+            <a:r>
+              <a:rPr lang="en-US" dirty="0" err="1" smtClean="0">
+                <a:latin typeface="+mn-lt"/>
+              </a:rPr>
+              <a:t>olb</a:t>
+            </a:r>
+            <a:endParaRPr lang="en-US" dirty="0" smtClean="0">
+              <a:latin typeface="+mn-lt"/>
+            </a:endParaRPr>
+          </a:p>
+          <a:p>
+            <a:pPr marL="457200" indent="-457200">
+              <a:buFont typeface="+mj-lt"/>
+              <a:buAutoNum type="arabicPeriod"/>
+            </a:pPr>
+            <a:r>
+              <a:rPr lang="en-US" dirty="0" smtClean="0"/>
+              <a:t>Building the “</a:t>
+            </a:r>
+            <a:r>
+              <a:rPr lang="en-US" dirty="0" smtClean="0">
+                <a:solidFill>
+                  <a:schemeClr val="accent1"/>
+                </a:solidFill>
+              </a:rPr>
+              <a:t>Z</a:t>
+            </a:r>
+            <a:r>
+              <a:rPr lang="en-US" dirty="0" smtClean="0"/>
+              <a:t>ühlke </a:t>
+            </a:r>
+            <a:r>
+              <a:rPr lang="en-US" dirty="0" smtClean="0">
+                <a:solidFill>
+                  <a:schemeClr val="accent1"/>
+                </a:solidFill>
+              </a:rPr>
+              <a:t>X</a:t>
+            </a:r>
+            <a:r>
+              <a:rPr lang="en-US" dirty="0" smtClean="0"/>
+              <a:t>-Platform </a:t>
+            </a:r>
+            <a:r>
+              <a:rPr lang="en-US" dirty="0" smtClean="0">
+                <a:solidFill>
+                  <a:schemeClr val="accent1"/>
+                </a:solidFill>
+              </a:rPr>
+              <a:t>M</a:t>
+            </a:r>
+            <a:r>
+              <a:rPr lang="en-US" dirty="0" smtClean="0"/>
+              <a:t>essenger”	</a:t>
+            </a:r>
+            <a:r>
+              <a:rPr lang="en-US" dirty="0" smtClean="0">
+                <a:latin typeface="+mn-lt"/>
+              </a:rPr>
+              <a:t>45’	</a:t>
+            </a:r>
+            <a:r>
+              <a:rPr lang="en-US" dirty="0" err="1" smtClean="0">
+                <a:latin typeface="+mn-lt"/>
+              </a:rPr>
+              <a:t>ssh</a:t>
+            </a:r>
+            <a:r>
+              <a:rPr lang="en-US" dirty="0" smtClean="0">
+                <a:latin typeface="+mn-lt"/>
+              </a:rPr>
+              <a:t>/</a:t>
+            </a:r>
+            <a:r>
+              <a:rPr lang="en-US" dirty="0" err="1" smtClean="0">
+                <a:latin typeface="+mn-lt"/>
+              </a:rPr>
+              <a:t>urb</a:t>
+            </a:r>
+            <a:endParaRPr lang="en-US" dirty="0">
+              <a:latin typeface="+mn-lt"/>
+            </a:endParaRPr>
+          </a:p>
+          <a:p>
+            <a:pPr lvl="3"/>
+            <a:r>
+              <a:rPr lang="en-US" dirty="0" smtClean="0">
+                <a:latin typeface="+mn-lt"/>
+              </a:rPr>
+              <a:t>Role playing</a:t>
+            </a:r>
+          </a:p>
+          <a:p>
+            <a:pPr lvl="3"/>
+            <a:r>
+              <a:rPr lang="en-US" dirty="0" smtClean="0">
+                <a:latin typeface="+mn-lt"/>
+              </a:rPr>
+              <a:t>Live coding</a:t>
+            </a:r>
+          </a:p>
+          <a:p>
+            <a:pPr marL="457200" indent="-457200">
+              <a:buFont typeface="+mj-lt"/>
+              <a:buAutoNum type="arabicPeriod"/>
+            </a:pPr>
+            <a:r>
+              <a:rPr lang="en-US" dirty="0" smtClean="0"/>
+              <a:t>Questions						  </a:t>
+            </a:r>
+            <a:r>
+              <a:rPr lang="en-US" dirty="0" smtClean="0">
+                <a:latin typeface="+mn-lt"/>
+              </a:rPr>
+              <a:t>5’</a:t>
+            </a:r>
+          </a:p>
+          <a:p>
+            <a:pPr marL="457200" indent="-457200">
+              <a:buFont typeface="+mj-lt"/>
+              <a:buAutoNum type="arabicPeriod"/>
+            </a:pPr>
+            <a:r>
+              <a:rPr lang="en-US" dirty="0" err="1" smtClean="0"/>
+              <a:t>MyBosch</a:t>
+            </a:r>
+            <a:r>
+              <a:rPr lang="en-US" dirty="0" smtClean="0"/>
+              <a:t> App					</a:t>
+            </a:r>
+            <a:r>
+              <a:rPr lang="en-US" dirty="0" smtClean="0">
+                <a:latin typeface="+mn-lt"/>
+              </a:rPr>
+              <a:t>10’	</a:t>
+            </a:r>
+            <a:r>
+              <a:rPr lang="en-US" dirty="0" err="1" smtClean="0">
+                <a:latin typeface="+mn-lt"/>
+              </a:rPr>
+              <a:t>kwl</a:t>
+            </a:r>
+            <a:endParaRPr lang="en-US" dirty="0" smtClean="0">
+              <a:latin typeface="+mn-lt"/>
+            </a:endParaRPr>
+          </a:p>
+          <a:p>
+            <a:pPr marL="457200" indent="-457200">
+              <a:buFont typeface="+mj-lt"/>
+              <a:buAutoNum type="arabicPeriod"/>
+            </a:pPr>
+            <a:r>
+              <a:rPr lang="en-US" dirty="0" smtClean="0"/>
+              <a:t>Zühlke as </a:t>
+            </a:r>
+            <a:r>
+              <a:rPr lang="en-US" dirty="0" err="1" smtClean="0"/>
+              <a:t>Xamarin’s</a:t>
+            </a:r>
+            <a:r>
+              <a:rPr lang="en-US" dirty="0"/>
+              <a:t> Premium Consulting </a:t>
+            </a:r>
+            <a:r>
+              <a:rPr lang="en-US" dirty="0" smtClean="0"/>
+              <a:t>Partner	</a:t>
+            </a:r>
+            <a:r>
+              <a:rPr lang="en-US" dirty="0" smtClean="0">
+                <a:latin typeface="+mn-lt"/>
+              </a:rPr>
+              <a:t>10’	</a:t>
+            </a:r>
+            <a:r>
+              <a:rPr lang="en-US" dirty="0" err="1" smtClean="0">
+                <a:latin typeface="+mn-lt"/>
+              </a:rPr>
+              <a:t>kls</a:t>
+            </a:r>
+            <a:endParaRPr lang="en-US" dirty="0" smtClean="0">
+              <a:latin typeface="+mn-lt"/>
+            </a:endParaRPr>
+          </a:p>
+          <a:p>
+            <a:pPr marL="457200" indent="-457200">
+              <a:buFont typeface="+mj-lt"/>
+              <a:buAutoNum type="arabicPeriod"/>
+            </a:pPr>
+            <a:r>
+              <a:rPr lang="en-US" dirty="0" smtClean="0"/>
+              <a:t>Discussion						</a:t>
+            </a:r>
+            <a:r>
+              <a:rPr lang="en-US" dirty="0" smtClean="0">
+                <a:latin typeface="+mn-lt"/>
+              </a:rPr>
+              <a:t>10’</a:t>
+            </a:r>
+          </a:p>
+        </p:txBody>
+      </p:sp>
+      <p:sp>
+        <p:nvSpPr>
+          <p:cNvPr id="3" name="Title 2"/>
+          <p:cNvSpPr>
+            <a:spLocks noGrp="1"/>
+          </p:cNvSpPr>
+          <p:nvPr>
+            <p:ph type="title"/>
+          </p:nvPr>
+        </p:nvSpPr>
+        <p:spPr/>
+        <p:txBody>
+          <a:bodyPr/>
+          <a:lstStyle/>
+          <a:p>
+            <a:r>
+              <a:rPr lang="en-US" dirty="0" smtClean="0"/>
+              <a:t>Agenda</a:t>
+            </a:r>
+            <a:endParaRPr lang="en-US" dirty="0"/>
+          </a:p>
+        </p:txBody>
+      </p:sp>
+      <p:sp>
+        <p:nvSpPr>
+          <p:cNvPr id="5" name="Footer Placeholder 4"/>
+          <p:cNvSpPr>
+            <a:spLocks noGrp="1"/>
+          </p:cNvSpPr>
+          <p:nvPr>
+            <p:ph type="ftr" sz="quarter" idx="11"/>
+          </p:nvPr>
+        </p:nvSpPr>
+        <p:spPr/>
+        <p:txBody>
+          <a:bodyPr/>
+          <a:lstStyle/>
+          <a:p>
+            <a:r>
+              <a:rPr lang="en-US" smtClean="0"/>
+              <a:t>Cross-platform Mobile Development | Ursin Brunner, Stefan Schöb, Oliver Brack</a:t>
+            </a:r>
+            <a:endParaRPr lang="en-US" dirty="0"/>
+          </a:p>
+        </p:txBody>
+      </p:sp>
+      <p:sp>
+        <p:nvSpPr>
+          <p:cNvPr id="9" name="Date Placeholder 8"/>
+          <p:cNvSpPr>
+            <a:spLocks noGrp="1"/>
+          </p:cNvSpPr>
+          <p:nvPr>
+            <p:ph type="dt" sz="half" idx="10"/>
+          </p:nvPr>
+        </p:nvSpPr>
+        <p:spPr/>
+        <p:txBody>
+          <a:bodyPr/>
+          <a:lstStyle/>
+          <a:p>
+            <a:r>
+              <a:rPr lang="en-US" smtClean="0"/>
+              <a:t>26. September 2013</a:t>
+            </a:r>
+            <a:endParaRPr lang="de-CH" dirty="0"/>
+          </a:p>
+        </p:txBody>
+      </p:sp>
+      <p:sp>
+        <p:nvSpPr>
+          <p:cNvPr id="10" name="Slide Number Placeholder 9"/>
+          <p:cNvSpPr>
+            <a:spLocks noGrp="1"/>
+          </p:cNvSpPr>
+          <p:nvPr>
+            <p:ph type="sldNum" sz="quarter" idx="12"/>
+          </p:nvPr>
+        </p:nvSpPr>
+        <p:spPr/>
+        <p:txBody>
+          <a:bodyPr/>
+          <a:lstStyle/>
+          <a:p>
+            <a:r>
+              <a:rPr lang="de-CH" smtClean="0"/>
+              <a:t>Slide </a:t>
+            </a:r>
+            <a:fld id="{7C8AE9C6-1CD8-484E-9750-DD723D6E9BEA}" type="slidenum">
+              <a:rPr lang="de-CH" smtClean="0"/>
+              <a:t>3</a:t>
+            </a:fld>
+            <a:endParaRPr lang="de-CH" dirty="0"/>
+          </a:p>
+        </p:txBody>
+      </p:sp>
+    </p:spTree>
+    <p:extLst>
+      <p:ext uri="{BB962C8B-B14F-4D97-AF65-F5344CB8AC3E}">
+        <p14:creationId xmlns:p14="http://schemas.microsoft.com/office/powerpoint/2010/main" val="248274490"/>
+      </p:ext>
+    </p:extLst>
+  </p:cSld>
+  <p:clrMapOvr>
+    <a:masterClrMapping/>
+  </p:clrMapOvr>
+  <p:timing>
+    <p:tnLst>
+      <p:par>
+        <p:cTn id="1" dur="indefinite" restart="never" nodeType="tmRoot"/>
+      </p:par>
+    </p:tnLst>
+  </p:timing>
+</p:sld>
+</file>
+
+<file path=ppt/slides/slide30.xml><?xml version="1.0" encoding="utf-8"?>
 <p:sld xmlns:a="http://schemas.openxmlformats.org/drawingml/2006/main" xmlns:r="http://schemas.openxmlformats.org/officeDocument/2006/relationships" xmlns:p="http://schemas.openxmlformats.org/presentationml/2006/main">
   <p:cSld>
     <p:spTree>
@@ -18285,7 +18952,7 @@
             </a:r>
             <a:fld id="{46E01C9A-4F0E-450E-B8F9-72C16FDD6F64}" type="slidenum">
               <a:rPr lang="de-CH" smtClean="0"/>
-              <a:t>29</a:t>
+              <a:t>30</a:t>
             </a:fld>
             <a:endParaRPr lang="de-CH" dirty="0"/>
           </a:p>
@@ -18311,383 +18978,7 @@
 </p:sld>
 </file>
 
-<file path=ppt/slides/slide3.xml><?xml version="1.0" encoding="utf-8"?>
-<p:sld xmlns:a="http://schemas.openxmlformats.org/drawingml/2006/main" xmlns:r="http://schemas.openxmlformats.org/officeDocument/2006/relationships" xmlns:p="http://schemas.openxmlformats.org/presentationml/2006/main">
-  <p:cSld>
-    <p:spTree>
-      <p:nvGrpSpPr>
-        <p:cNvPr id="1" name=""/>
-        <p:cNvGrpSpPr/>
-        <p:nvPr/>
-      </p:nvGrpSpPr>
-      <p:grpSpPr>
-        <a:xfrm>
-          <a:off x="0" y="0"/>
-          <a:ext cx="0" cy="0"/>
-          <a:chOff x="0" y="0"/>
-          <a:chExt cx="0" cy="0"/>
-        </a:xfrm>
-      </p:grpSpPr>
-      <p:sp>
-        <p:nvSpPr>
-          <p:cNvPr id="2" name="Content Placeholder 1"/>
-          <p:cNvSpPr>
-            <a:spLocks noGrp="1"/>
-          </p:cNvSpPr>
-          <p:nvPr>
-            <p:ph idx="1"/>
-          </p:nvPr>
-        </p:nvSpPr>
-        <p:spPr>
-          <a:xfrm>
-            <a:off x="152082" y="1646775"/>
-            <a:ext cx="8839836" cy="4847688"/>
-          </a:xfrm>
-        </p:spPr>
-        <p:txBody>
-          <a:bodyPr/>
-          <a:lstStyle/>
-          <a:p>
-            <a:pPr marL="457200" indent="-457200">
-              <a:buFont typeface="+mj-lt"/>
-              <a:buAutoNum type="arabicPeriod"/>
-            </a:pPr>
-            <a:r>
-              <a:rPr lang="en-US" dirty="0" smtClean="0"/>
-              <a:t>Introduction					</a:t>
-            </a:r>
-            <a:r>
-              <a:rPr lang="en-US" dirty="0" smtClean="0">
-                <a:latin typeface="+mn-lt"/>
-              </a:rPr>
-              <a:t>10’	</a:t>
-            </a:r>
-            <a:r>
-              <a:rPr lang="en-US" dirty="0" err="1" smtClean="0">
-                <a:latin typeface="+mn-lt"/>
-              </a:rPr>
-              <a:t>olb</a:t>
-            </a:r>
-            <a:endParaRPr lang="en-US" dirty="0" smtClean="0">
-              <a:latin typeface="+mn-lt"/>
-            </a:endParaRPr>
-          </a:p>
-          <a:p>
-            <a:pPr marL="457200" indent="-457200">
-              <a:buFont typeface="+mj-lt"/>
-              <a:buAutoNum type="arabicPeriod"/>
-            </a:pPr>
-            <a:r>
-              <a:rPr lang="en-US" dirty="0" smtClean="0"/>
-              <a:t>Building the “</a:t>
-            </a:r>
-            <a:r>
-              <a:rPr lang="en-US" dirty="0" smtClean="0">
-                <a:solidFill>
-                  <a:schemeClr val="accent1"/>
-                </a:solidFill>
-              </a:rPr>
-              <a:t>Z</a:t>
-            </a:r>
-            <a:r>
-              <a:rPr lang="en-US" dirty="0" smtClean="0"/>
-              <a:t>ühlke </a:t>
-            </a:r>
-            <a:r>
-              <a:rPr lang="en-US" dirty="0" smtClean="0">
-                <a:solidFill>
-                  <a:schemeClr val="accent1"/>
-                </a:solidFill>
-              </a:rPr>
-              <a:t>X</a:t>
-            </a:r>
-            <a:r>
-              <a:rPr lang="en-US" dirty="0" smtClean="0"/>
-              <a:t>-Platform </a:t>
-            </a:r>
-            <a:r>
-              <a:rPr lang="en-US" dirty="0" smtClean="0">
-                <a:solidFill>
-                  <a:schemeClr val="accent1"/>
-                </a:solidFill>
-              </a:rPr>
-              <a:t>M</a:t>
-            </a:r>
-            <a:r>
-              <a:rPr lang="en-US" dirty="0" smtClean="0"/>
-              <a:t>essenger”	</a:t>
-            </a:r>
-            <a:r>
-              <a:rPr lang="en-US" dirty="0" smtClean="0">
-                <a:latin typeface="+mn-lt"/>
-              </a:rPr>
-              <a:t>45’	</a:t>
-            </a:r>
-            <a:r>
-              <a:rPr lang="en-US" dirty="0" err="1" smtClean="0">
-                <a:latin typeface="+mn-lt"/>
-              </a:rPr>
-              <a:t>ssh</a:t>
-            </a:r>
-            <a:r>
-              <a:rPr lang="en-US" dirty="0" smtClean="0">
-                <a:latin typeface="+mn-lt"/>
-              </a:rPr>
-              <a:t>/</a:t>
-            </a:r>
-            <a:r>
-              <a:rPr lang="en-US" dirty="0" err="1" smtClean="0">
-                <a:latin typeface="+mn-lt"/>
-              </a:rPr>
-              <a:t>urb</a:t>
-            </a:r>
-            <a:endParaRPr lang="en-US" dirty="0">
-              <a:latin typeface="+mn-lt"/>
-            </a:endParaRPr>
-          </a:p>
-          <a:p>
-            <a:pPr lvl="3"/>
-            <a:r>
-              <a:rPr lang="en-US" dirty="0" smtClean="0">
-                <a:latin typeface="+mn-lt"/>
-              </a:rPr>
-              <a:t>Role playing</a:t>
-            </a:r>
-          </a:p>
-          <a:p>
-            <a:pPr lvl="3"/>
-            <a:r>
-              <a:rPr lang="en-US" dirty="0" smtClean="0">
-                <a:latin typeface="+mn-lt"/>
-              </a:rPr>
-              <a:t>Live coding</a:t>
-            </a:r>
-          </a:p>
-          <a:p>
-            <a:pPr marL="457200" indent="-457200">
-              <a:buFont typeface="+mj-lt"/>
-              <a:buAutoNum type="arabicPeriod"/>
-            </a:pPr>
-            <a:r>
-              <a:rPr lang="en-US" dirty="0" smtClean="0"/>
-              <a:t>Questions						  </a:t>
-            </a:r>
-            <a:r>
-              <a:rPr lang="en-US" dirty="0" smtClean="0">
-                <a:latin typeface="+mn-lt"/>
-              </a:rPr>
-              <a:t>5’</a:t>
-            </a:r>
-          </a:p>
-          <a:p>
-            <a:pPr marL="457200" indent="-457200">
-              <a:buFont typeface="+mj-lt"/>
-              <a:buAutoNum type="arabicPeriod"/>
-            </a:pPr>
-            <a:r>
-              <a:rPr lang="en-US" dirty="0" err="1" smtClean="0"/>
-              <a:t>MyBosch</a:t>
-            </a:r>
-            <a:r>
-              <a:rPr lang="en-US" dirty="0" smtClean="0"/>
-              <a:t> </a:t>
-            </a:r>
-            <a:r>
-              <a:rPr lang="en-US" dirty="0" smtClean="0"/>
-              <a:t>App	</a:t>
-            </a:r>
-            <a:r>
-              <a:rPr lang="en-US" dirty="0" smtClean="0"/>
-              <a:t>				</a:t>
-            </a:r>
-            <a:r>
-              <a:rPr lang="en-US" dirty="0" smtClean="0">
-                <a:latin typeface="+mn-lt"/>
-              </a:rPr>
-              <a:t>10’	</a:t>
-            </a:r>
-            <a:r>
-              <a:rPr lang="en-US" dirty="0" err="1" smtClean="0">
-                <a:latin typeface="+mn-lt"/>
-              </a:rPr>
-              <a:t>kwl</a:t>
-            </a:r>
-            <a:endParaRPr lang="en-US" dirty="0" smtClean="0">
-              <a:latin typeface="+mn-lt"/>
-            </a:endParaRPr>
-          </a:p>
-          <a:p>
-            <a:pPr marL="457200" indent="-457200">
-              <a:buFont typeface="+mj-lt"/>
-              <a:buAutoNum type="arabicPeriod"/>
-            </a:pPr>
-            <a:r>
-              <a:rPr lang="en-US" dirty="0" smtClean="0"/>
-              <a:t>Zühlke as </a:t>
-            </a:r>
-            <a:r>
-              <a:rPr lang="en-US" dirty="0" err="1" smtClean="0"/>
-              <a:t>Xamarin’s</a:t>
-            </a:r>
-            <a:r>
-              <a:rPr lang="en-US" dirty="0"/>
-              <a:t> Premium Consulting </a:t>
-            </a:r>
-            <a:r>
-              <a:rPr lang="en-US" dirty="0" smtClean="0"/>
-              <a:t>Partner	</a:t>
-            </a:r>
-            <a:r>
-              <a:rPr lang="en-US" dirty="0" smtClean="0">
-                <a:latin typeface="+mn-lt"/>
-              </a:rPr>
-              <a:t>10’	</a:t>
-            </a:r>
-            <a:r>
-              <a:rPr lang="en-US" dirty="0" err="1" smtClean="0">
-                <a:latin typeface="+mn-lt"/>
-              </a:rPr>
-              <a:t>kls</a:t>
-            </a:r>
-            <a:endParaRPr lang="en-US" dirty="0" smtClean="0">
-              <a:latin typeface="+mn-lt"/>
-            </a:endParaRPr>
-          </a:p>
-          <a:p>
-            <a:pPr marL="457200" indent="-457200">
-              <a:buFont typeface="+mj-lt"/>
-              <a:buAutoNum type="arabicPeriod"/>
-            </a:pPr>
-            <a:r>
-              <a:rPr lang="en-US" dirty="0" smtClean="0"/>
-              <a:t>Discussion						</a:t>
-            </a:r>
-            <a:r>
-              <a:rPr lang="en-US" dirty="0" smtClean="0">
-                <a:latin typeface="+mn-lt"/>
-              </a:rPr>
-              <a:t>10’</a:t>
-            </a:r>
-          </a:p>
-        </p:txBody>
-      </p:sp>
-      <p:sp>
-        <p:nvSpPr>
-          <p:cNvPr id="3" name="Title 2"/>
-          <p:cNvSpPr>
-            <a:spLocks noGrp="1"/>
-          </p:cNvSpPr>
-          <p:nvPr>
-            <p:ph type="title"/>
-          </p:nvPr>
-        </p:nvSpPr>
-        <p:spPr/>
-        <p:txBody>
-          <a:bodyPr/>
-          <a:lstStyle/>
-          <a:p>
-            <a:r>
-              <a:rPr lang="en-US" dirty="0" smtClean="0"/>
-              <a:t>Agenda</a:t>
-            </a:r>
-            <a:endParaRPr lang="en-US" dirty="0"/>
-          </a:p>
-        </p:txBody>
-      </p:sp>
-      <p:sp>
-        <p:nvSpPr>
-          <p:cNvPr id="5" name="Footer Placeholder 4"/>
-          <p:cNvSpPr>
-            <a:spLocks noGrp="1"/>
-          </p:cNvSpPr>
-          <p:nvPr>
-            <p:ph type="ftr" sz="quarter" idx="11"/>
-          </p:nvPr>
-        </p:nvSpPr>
-        <p:spPr/>
-        <p:txBody>
-          <a:bodyPr/>
-          <a:lstStyle/>
-          <a:p>
-            <a:r>
-              <a:rPr lang="en-US" smtClean="0"/>
-              <a:t>Cross-platform Mobile Development | Ursin Brunner, Stefan Schöb, Oliver Brack</a:t>
-            </a:r>
-            <a:endParaRPr lang="en-US" dirty="0"/>
-          </a:p>
-        </p:txBody>
-      </p:sp>
-      <p:sp>
-        <p:nvSpPr>
-          <p:cNvPr id="9" name="Date Placeholder 8"/>
-          <p:cNvSpPr>
-            <a:spLocks noGrp="1"/>
-          </p:cNvSpPr>
-          <p:nvPr>
-            <p:ph type="dt" sz="half" idx="10"/>
-          </p:nvPr>
-        </p:nvSpPr>
-        <p:spPr/>
-        <p:txBody>
-          <a:bodyPr/>
-          <a:lstStyle/>
-          <a:p>
-            <a:r>
-              <a:rPr lang="en-US" smtClean="0"/>
-              <a:t>26. September 2013</a:t>
-            </a:r>
-            <a:endParaRPr lang="de-CH" dirty="0"/>
-          </a:p>
-        </p:txBody>
-      </p:sp>
-      <p:sp>
-        <p:nvSpPr>
-          <p:cNvPr id="10" name="Slide Number Placeholder 9"/>
-          <p:cNvSpPr>
-            <a:spLocks noGrp="1"/>
-          </p:cNvSpPr>
-          <p:nvPr>
-            <p:ph type="sldNum" sz="quarter" idx="12"/>
-          </p:nvPr>
-        </p:nvSpPr>
-        <p:spPr/>
-        <p:txBody>
-          <a:bodyPr/>
-          <a:lstStyle/>
-          <a:p>
-            <a:r>
-              <a:rPr lang="de-CH" smtClean="0"/>
-              <a:t>Slide </a:t>
-            </a:r>
-            <a:fld id="{7C8AE9C6-1CD8-484E-9750-DD723D6E9BEA}" type="slidenum">
-              <a:rPr lang="de-CH" smtClean="0"/>
-              <a:t>3</a:t>
-            </a:fld>
-            <a:endParaRPr lang="de-CH" dirty="0"/>
-          </a:p>
-        </p:txBody>
-      </p:sp>
-    </p:spTree>
-    <p:extLst>
-      <p:ext uri="{BB962C8B-B14F-4D97-AF65-F5344CB8AC3E}">
-        <p14:creationId xmlns:p14="http://schemas.microsoft.com/office/powerpoint/2010/main" val="248274490"/>
-      </p:ext>
-    </p:extLst>
-  </p:cSld>
-  <p:clrMapOvr>
-    <a:masterClrMapping/>
-  </p:clrMapOvr>
-  <p:timing>
-    <p:tnLst>
-      <p:par>
-        <p:cTn id="1" dur="indefinite" restart="never" nodeType="tmRoot"/>
-      </p:par>
-    </p:tnLst>
-  </p:timing>
-</p:sld>
-</file>
-
-<file path=ppt/slides/slide30.xml><?xml version="1.0" encoding="utf-8"?>
+<file path=ppt/slides/slide31.xml><?xml version="1.0" encoding="utf-8"?>
 <p:sld xmlns:a="http://schemas.openxmlformats.org/drawingml/2006/main" xmlns:r="http://schemas.openxmlformats.org/officeDocument/2006/relationships" xmlns:p="http://schemas.openxmlformats.org/presentationml/2006/main">
   <p:cSld>
     <p:spTree>
@@ -19049,7 +19340,7 @@
             </a:r>
             <a:fld id="{3A0CAE62-62EF-4FE6-8C36-CD1035D976E5}" type="slidenum">
               <a:rPr lang="de-CH" smtClean="0"/>
-              <a:t>30</a:t>
+              <a:t>31</a:t>
             </a:fld>
             <a:endParaRPr lang="de-CH" dirty="0"/>
           </a:p>
@@ -27206,6 +27497,12 @@
 </p:tagLst>
 </file>
 
+<file path=ppt/tags/tag19.xml><?xml version="1.0" encoding="utf-8"?>
+<p:tagLst xmlns:a="http://schemas.openxmlformats.org/drawingml/2006/main" xmlns:r="http://schemas.openxmlformats.org/officeDocument/2006/relationships" xmlns:p="http://schemas.openxmlformats.org/presentationml/2006/main">
+  <p:tag name="SHAPETYPE" val="Logo"/>
+</p:tagLst>
+</file>
+
 <file path=ppt/tags/tag2.xml><?xml version="1.0" encoding="utf-8"?>
 <p:tagLst xmlns:a="http://schemas.openxmlformats.org/drawingml/2006/main" xmlns:r="http://schemas.openxmlformats.org/officeDocument/2006/relationships" xmlns:p="http://schemas.openxmlformats.org/presentationml/2006/main">
   <p:tag name="SHAPETYPE" val="Copyright"/>
